--- a/images/MgRL_CE_Images.pptx
+++ b/images/MgRL_CE_Images.pptx
@@ -6,6 +6,7 @@
   </p:sldMasterIdLst>
   <p:sldIdLst>
     <p:sldId id="256" r:id="rId2"/>
+    <p:sldId id="257" r:id="rId3"/>
   </p:sldIdLst>
   <p:sldSz cx="12192000" cy="6858000"/>
   <p:notesSz cx="6858000" cy="9144000"/>
@@ -3629,6 +3630,2378 @@
 </p:sld>
 </file>
 
+<file path=ppt/slides/slide2.xml><?xml version="1.0" encoding="utf-8"?>
+<p:sld xmlns:a="http://schemas.openxmlformats.org/drawingml/2006/main" xmlns:r="http://schemas.openxmlformats.org/officeDocument/2006/relationships" xmlns:p="http://schemas.openxmlformats.org/presentationml/2006/main">
+  <p:cSld>
+    <p:spTree>
+      <p:nvGrpSpPr>
+        <p:cNvPr id="1" name=""/>
+        <p:cNvGrpSpPr/>
+        <p:nvPr/>
+      </p:nvGrpSpPr>
+      <p:grpSpPr>
+        <a:xfrm>
+          <a:off x="0" y="0"/>
+          <a:ext cx="0" cy="0"/>
+          <a:chOff x="0" y="0"/>
+          <a:chExt cx="0" cy="0"/>
+        </a:xfrm>
+      </p:grpSpPr>
+      <p:sp>
+        <p:nvSpPr>
+          <p:cNvPr id="58" name="Rounded Rectangle 57">
+            <a:extLst>
+              <a:ext uri="{FF2B5EF4-FFF2-40B4-BE49-F238E27FC236}">
+                <a16:creationId xmlns:a16="http://schemas.microsoft.com/office/drawing/2014/main" id="{32C2F330-35B1-7C4B-A345-8302436E7F36}"/>
+              </a:ext>
+            </a:extLst>
+          </p:cNvPr>
+          <p:cNvSpPr/>
+          <p:nvPr/>
+        </p:nvSpPr>
+        <p:spPr>
+          <a:xfrm>
+            <a:off x="2280518" y="1131168"/>
+            <a:ext cx="9692756" cy="2905760"/>
+          </a:xfrm>
+          <a:prstGeom prst="roundRect">
+            <a:avLst>
+              <a:gd name="adj" fmla="val 4775"/>
+            </a:avLst>
+          </a:prstGeom>
+          <a:solidFill>
+            <a:srgbClr val="58B6C0">
+              <a:lumMod val="20000"/>
+              <a:lumOff val="80000"/>
+            </a:srgbClr>
+          </a:solidFill>
+          <a:ln w="12700" cap="flat" cmpd="sng" algn="ctr">
+            <a:solidFill>
+              <a:sysClr val="windowText" lastClr="000000"/>
+            </a:solidFill>
+            <a:prstDash val="solid"/>
+            <a:miter lim="800000"/>
+          </a:ln>
+          <a:effectLst/>
+        </p:spPr>
+        <p:txBody>
+          <a:bodyPr rtlCol="0" anchor="ctr"/>
+          <a:lstStyle/>
+          <a:p>
+            <a:pPr marL="0" marR="0" lvl="0" indent="0" algn="ctr" defTabSz="914400" eaLnBrk="1" fontAlgn="auto" latinLnBrk="0" hangingPunct="1">
+              <a:lnSpc>
+                <a:spcPct val="100000"/>
+              </a:lnSpc>
+              <a:spcBef>
+                <a:spcPts val="0"/>
+              </a:spcBef>
+              <a:spcAft>
+                <a:spcPts val="0"/>
+              </a:spcAft>
+              <a:buClrTx/>
+              <a:buSzTx/>
+              <a:buFontTx/>
+              <a:buNone/>
+              <a:tabLst/>
+              <a:defRPr/>
+            </a:pPr>
+            <a:endParaRPr kumimoji="0" lang="en-CN" sz="1800" b="0" i="0" u="none" strike="noStrike" kern="0" cap="none" spc="0" normalizeH="0" baseline="0" noProof="0">
+              <a:ln>
+                <a:noFill/>
+              </a:ln>
+              <a:solidFill>
+                <a:prstClr val="black"/>
+              </a:solidFill>
+              <a:effectLst/>
+              <a:uLnTx/>
+              <a:uFillTx/>
+              <a:latin typeface="KaiTi" panose="02010609060101010101" pitchFamily="49" charset="-122"/>
+              <a:ea typeface="KaiTi" panose="02010609060101010101" pitchFamily="49" charset="-122"/>
+              <a:cs typeface="+mn-cs"/>
+            </a:endParaRPr>
+          </a:p>
+        </p:txBody>
+      </p:sp>
+      <p:sp>
+        <p:nvSpPr>
+          <p:cNvPr id="59" name="Rounded Rectangle 58">
+            <a:extLst>
+              <a:ext uri="{FF2B5EF4-FFF2-40B4-BE49-F238E27FC236}">
+                <a16:creationId xmlns:a16="http://schemas.microsoft.com/office/drawing/2014/main" id="{DACEADEA-BB40-C546-BA0F-574B4889E608}"/>
+              </a:ext>
+            </a:extLst>
+          </p:cNvPr>
+          <p:cNvSpPr/>
+          <p:nvPr/>
+        </p:nvSpPr>
+        <p:spPr>
+          <a:xfrm>
+            <a:off x="2432918" y="1534413"/>
+            <a:ext cx="1867535" cy="393026"/>
+          </a:xfrm>
+          <a:prstGeom prst="roundRect">
+            <a:avLst>
+              <a:gd name="adj" fmla="val 4775"/>
+            </a:avLst>
+          </a:prstGeom>
+          <a:solidFill>
+            <a:srgbClr val="7A8C8E">
+              <a:lumMod val="20000"/>
+              <a:lumOff val="80000"/>
+            </a:srgbClr>
+          </a:solidFill>
+          <a:ln w="12700" cap="flat" cmpd="sng" algn="ctr">
+            <a:solidFill>
+              <a:sysClr val="windowText" lastClr="000000"/>
+            </a:solidFill>
+            <a:prstDash val="solid"/>
+            <a:miter lim="800000"/>
+          </a:ln>
+          <a:effectLst/>
+        </p:spPr>
+        <p:txBody>
+          <a:bodyPr rtlCol="0" anchor="ctr"/>
+          <a:lstStyle/>
+          <a:p>
+            <a:pPr marL="0" marR="0" lvl="0" indent="0" algn="ctr" defTabSz="914400" eaLnBrk="1" fontAlgn="auto" latinLnBrk="0" hangingPunct="1">
+              <a:lnSpc>
+                <a:spcPct val="100000"/>
+              </a:lnSpc>
+              <a:spcBef>
+                <a:spcPts val="0"/>
+              </a:spcBef>
+              <a:spcAft>
+                <a:spcPts val="0"/>
+              </a:spcAft>
+              <a:buClrTx/>
+              <a:buSzTx/>
+              <a:buFontTx/>
+              <a:buNone/>
+              <a:tabLst/>
+              <a:defRPr/>
+            </a:pPr>
+            <a:r>
+              <a:rPr kumimoji="0" lang="en-CN" sz="1800" b="0" i="0" u="none" strike="noStrike" kern="0" cap="none" spc="0" normalizeH="0" baseline="0" noProof="0" dirty="0">
+                <a:ln>
+                  <a:noFill/>
+                </a:ln>
+                <a:solidFill>
+                  <a:prstClr val="black"/>
+                </a:solidFill>
+                <a:effectLst/>
+                <a:uLnTx/>
+                <a:uFillTx/>
+                <a:latin typeface="KaiTi" panose="02010609060101010101" pitchFamily="49" charset="-122"/>
+                <a:ea typeface="KaiTi" panose="02010609060101010101" pitchFamily="49" charset="-122"/>
+                <a:cs typeface="+mn-cs"/>
+              </a:rPr>
+              <a:t>粒度对齐</a:t>
+            </a:r>
+          </a:p>
+        </p:txBody>
+      </p:sp>
+      <p:sp>
+        <p:nvSpPr>
+          <p:cNvPr id="60" name="Rounded Rectangle 59">
+            <a:extLst>
+              <a:ext uri="{FF2B5EF4-FFF2-40B4-BE49-F238E27FC236}">
+                <a16:creationId xmlns:a16="http://schemas.microsoft.com/office/drawing/2014/main" id="{A9BF58D4-3213-334D-A6CB-825CC88E9341}"/>
+              </a:ext>
+            </a:extLst>
+          </p:cNvPr>
+          <p:cNvSpPr/>
+          <p:nvPr/>
+        </p:nvSpPr>
+        <p:spPr>
+          <a:xfrm>
+            <a:off x="3789913" y="2584048"/>
+            <a:ext cx="1648914" cy="622915"/>
+          </a:xfrm>
+          <a:prstGeom prst="roundRect">
+            <a:avLst>
+              <a:gd name="adj" fmla="val 4775"/>
+            </a:avLst>
+          </a:prstGeom>
+          <a:solidFill>
+            <a:srgbClr val="2683C6">
+              <a:lumMod val="60000"/>
+              <a:lumOff val="40000"/>
+            </a:srgbClr>
+          </a:solidFill>
+          <a:ln w="12700" cap="flat" cmpd="sng" algn="ctr">
+            <a:solidFill>
+              <a:sysClr val="windowText" lastClr="000000"/>
+            </a:solidFill>
+            <a:prstDash val="solid"/>
+            <a:miter lim="800000"/>
+          </a:ln>
+          <a:effectLst/>
+        </p:spPr>
+        <p:txBody>
+          <a:bodyPr rtlCol="0" anchor="ctr"/>
+          <a:lstStyle/>
+          <a:p>
+            <a:pPr marL="0" marR="0" lvl="0" indent="0" algn="ctr" defTabSz="914400" eaLnBrk="1" fontAlgn="auto" latinLnBrk="0" hangingPunct="1">
+              <a:lnSpc>
+                <a:spcPct val="100000"/>
+              </a:lnSpc>
+              <a:spcBef>
+                <a:spcPts val="0"/>
+              </a:spcBef>
+              <a:spcAft>
+                <a:spcPts val="0"/>
+              </a:spcAft>
+              <a:buClrTx/>
+              <a:buSzTx/>
+              <a:buFontTx/>
+              <a:buNone/>
+              <a:tabLst/>
+              <a:defRPr/>
+            </a:pPr>
+            <a:r>
+              <a:rPr kumimoji="0" lang="en-CN" sz="1800" b="0" i="0" u="none" strike="noStrike" kern="0" cap="none" spc="0" normalizeH="0" baseline="0" noProof="0" dirty="0">
+                <a:ln>
+                  <a:noFill/>
+                </a:ln>
+                <a:solidFill>
+                  <a:prstClr val="black"/>
+                </a:solidFill>
+                <a:effectLst/>
+                <a:uLnTx/>
+                <a:uFillTx/>
+                <a:latin typeface="KaiTi" panose="02010609060101010101" pitchFamily="49" charset="-122"/>
+                <a:ea typeface="KaiTi" panose="02010609060101010101" pitchFamily="49" charset="-122"/>
+                <a:cs typeface="+mn-cs"/>
+              </a:rPr>
+              <a:t>核心模块</a:t>
+            </a:r>
+          </a:p>
+        </p:txBody>
+      </p:sp>
+      <p:sp>
+        <p:nvSpPr>
+          <p:cNvPr id="61" name="TextBox 60">
+            <a:extLst>
+              <a:ext uri="{FF2B5EF4-FFF2-40B4-BE49-F238E27FC236}">
+                <a16:creationId xmlns:a16="http://schemas.microsoft.com/office/drawing/2014/main" id="{420D6B74-5738-FD43-A3C1-74E32B04D908}"/>
+              </a:ext>
+            </a:extLst>
+          </p:cNvPr>
+          <p:cNvSpPr txBox="1"/>
+          <p:nvPr/>
+        </p:nvSpPr>
+        <p:spPr>
+          <a:xfrm>
+            <a:off x="2432918" y="761836"/>
+            <a:ext cx="1854835" cy="369332"/>
+          </a:xfrm>
+          <a:prstGeom prst="rect">
+            <a:avLst/>
+          </a:prstGeom>
+          <a:noFill/>
+        </p:spPr>
+        <p:txBody>
+          <a:bodyPr wrap="square" rtlCol="0">
+            <a:spAutoFit/>
+          </a:bodyPr>
+          <a:lstStyle/>
+          <a:p>
+            <a:pPr algn="ctr"/>
+            <a:r>
+              <a:rPr lang="en-CN" dirty="0">
+                <a:solidFill>
+                  <a:prstClr val="black"/>
+                </a:solidFill>
+                <a:latin typeface="KaiTi" panose="02010609060101010101" pitchFamily="49" charset="-122"/>
+                <a:ea typeface="KaiTi" panose="02010609060101010101" pitchFamily="49" charset="-122"/>
+              </a:rPr>
+              <a:t>粗粒度数据</a:t>
+            </a:r>
+          </a:p>
+        </p:txBody>
+      </p:sp>
+      <p:cxnSp>
+        <p:nvCxnSpPr>
+          <p:cNvPr id="62" name="Straight Arrow Connector 61">
+            <a:extLst>
+              <a:ext uri="{FF2B5EF4-FFF2-40B4-BE49-F238E27FC236}">
+                <a16:creationId xmlns:a16="http://schemas.microsoft.com/office/drawing/2014/main" id="{918A3343-BA46-2D44-836D-CEA233084213}"/>
+              </a:ext>
+            </a:extLst>
+          </p:cNvPr>
+          <p:cNvCxnSpPr>
+            <a:cxnSpLocks/>
+            <a:stCxn id="61" idx="2"/>
+            <a:endCxn id="59" idx="0"/>
+          </p:cNvCxnSpPr>
+          <p:nvPr/>
+        </p:nvCxnSpPr>
+        <p:spPr>
+          <a:xfrm>
+            <a:off x="3360336" y="1131168"/>
+            <a:ext cx="6350" cy="403245"/>
+          </a:xfrm>
+          <a:prstGeom prst="straightConnector1">
+            <a:avLst/>
+          </a:prstGeom>
+          <a:noFill/>
+          <a:ln w="12700" cap="flat" cmpd="sng" algn="ctr">
+            <a:solidFill>
+              <a:sysClr val="windowText" lastClr="000000"/>
+            </a:solidFill>
+            <a:prstDash val="solid"/>
+            <a:miter lim="800000"/>
+            <a:tailEnd type="stealth"/>
+          </a:ln>
+          <a:effectLst/>
+        </p:spPr>
+      </p:cxnSp>
+      <p:sp>
+        <p:nvSpPr>
+          <p:cNvPr id="63" name="Rounded Rectangle 62">
+            <a:extLst>
+              <a:ext uri="{FF2B5EF4-FFF2-40B4-BE49-F238E27FC236}">
+                <a16:creationId xmlns:a16="http://schemas.microsoft.com/office/drawing/2014/main" id="{9790DB0C-8E47-5649-B34A-439BE49192AD}"/>
+              </a:ext>
+            </a:extLst>
+          </p:cNvPr>
+          <p:cNvSpPr/>
+          <p:nvPr/>
+        </p:nvSpPr>
+        <p:spPr>
+          <a:xfrm>
+            <a:off x="4969971" y="1555141"/>
+            <a:ext cx="1867535" cy="393026"/>
+          </a:xfrm>
+          <a:prstGeom prst="roundRect">
+            <a:avLst>
+              <a:gd name="adj" fmla="val 4775"/>
+            </a:avLst>
+          </a:prstGeom>
+          <a:solidFill>
+            <a:srgbClr val="7A8C8E">
+              <a:lumMod val="20000"/>
+              <a:lumOff val="80000"/>
+            </a:srgbClr>
+          </a:solidFill>
+          <a:ln w="12700" cap="flat" cmpd="sng" algn="ctr">
+            <a:solidFill>
+              <a:sysClr val="windowText" lastClr="000000"/>
+            </a:solidFill>
+            <a:prstDash val="solid"/>
+            <a:miter lim="800000"/>
+          </a:ln>
+          <a:effectLst/>
+        </p:spPr>
+        <p:txBody>
+          <a:bodyPr rtlCol="0" anchor="ctr"/>
+          <a:lstStyle/>
+          <a:p>
+            <a:pPr marL="0" marR="0" lvl="0" indent="0" algn="ctr" defTabSz="914400" eaLnBrk="1" fontAlgn="auto" latinLnBrk="0" hangingPunct="1">
+              <a:lnSpc>
+                <a:spcPct val="100000"/>
+              </a:lnSpc>
+              <a:spcBef>
+                <a:spcPts val="0"/>
+              </a:spcBef>
+              <a:spcAft>
+                <a:spcPts val="0"/>
+              </a:spcAft>
+              <a:buClrTx/>
+              <a:buSzTx/>
+              <a:buFontTx/>
+              <a:buNone/>
+              <a:tabLst/>
+              <a:defRPr/>
+            </a:pPr>
+            <a:r>
+              <a:rPr kumimoji="0" lang="en-CN" sz="1800" b="0" i="0" u="none" strike="noStrike" kern="0" cap="none" spc="0" normalizeH="0" baseline="0" noProof="0" dirty="0">
+                <a:ln>
+                  <a:noFill/>
+                </a:ln>
+                <a:solidFill>
+                  <a:prstClr val="black"/>
+                </a:solidFill>
+                <a:effectLst/>
+                <a:uLnTx/>
+                <a:uFillTx/>
+                <a:latin typeface="KaiTi" panose="02010609060101010101" pitchFamily="49" charset="-122"/>
+                <a:ea typeface="KaiTi" panose="02010609060101010101" pitchFamily="49" charset="-122"/>
+                <a:cs typeface="+mn-cs"/>
+              </a:rPr>
+              <a:t>粒度对齐</a:t>
+            </a:r>
+          </a:p>
+        </p:txBody>
+      </p:sp>
+      <p:sp>
+        <p:nvSpPr>
+          <p:cNvPr id="64" name="TextBox 63">
+            <a:extLst>
+              <a:ext uri="{FF2B5EF4-FFF2-40B4-BE49-F238E27FC236}">
+                <a16:creationId xmlns:a16="http://schemas.microsoft.com/office/drawing/2014/main" id="{8EB2AE91-6E98-ED47-BFDF-DC397555084F}"/>
+              </a:ext>
+            </a:extLst>
+          </p:cNvPr>
+          <p:cNvSpPr txBox="1"/>
+          <p:nvPr/>
+        </p:nvSpPr>
+        <p:spPr>
+          <a:xfrm>
+            <a:off x="4969971" y="782564"/>
+            <a:ext cx="1854835" cy="369332"/>
+          </a:xfrm>
+          <a:prstGeom prst="rect">
+            <a:avLst/>
+          </a:prstGeom>
+          <a:noFill/>
+        </p:spPr>
+        <p:txBody>
+          <a:bodyPr wrap="square" rtlCol="0">
+            <a:spAutoFit/>
+          </a:bodyPr>
+          <a:lstStyle/>
+          <a:p>
+            <a:pPr algn="ctr"/>
+            <a:r>
+              <a:rPr lang="en-CN" dirty="0">
+                <a:solidFill>
+                  <a:prstClr val="black"/>
+                </a:solidFill>
+                <a:latin typeface="KaiTi" panose="02010609060101010101" pitchFamily="49" charset="-122"/>
+                <a:ea typeface="KaiTi" panose="02010609060101010101" pitchFamily="49" charset="-122"/>
+              </a:rPr>
+              <a:t>细粒度数据</a:t>
+            </a:r>
+          </a:p>
+        </p:txBody>
+      </p:sp>
+      <p:cxnSp>
+        <p:nvCxnSpPr>
+          <p:cNvPr id="65" name="Straight Arrow Connector 64">
+            <a:extLst>
+              <a:ext uri="{FF2B5EF4-FFF2-40B4-BE49-F238E27FC236}">
+                <a16:creationId xmlns:a16="http://schemas.microsoft.com/office/drawing/2014/main" id="{8459C866-C1FB-FF4A-B5DA-5F627624B430}"/>
+              </a:ext>
+            </a:extLst>
+          </p:cNvPr>
+          <p:cNvCxnSpPr>
+            <a:cxnSpLocks/>
+            <a:stCxn id="64" idx="2"/>
+            <a:endCxn id="63" idx="0"/>
+          </p:cNvCxnSpPr>
+          <p:nvPr/>
+        </p:nvCxnSpPr>
+        <p:spPr>
+          <a:xfrm>
+            <a:off x="5897389" y="1151896"/>
+            <a:ext cx="6350" cy="403245"/>
+          </a:xfrm>
+          <a:prstGeom prst="straightConnector1">
+            <a:avLst/>
+          </a:prstGeom>
+          <a:noFill/>
+          <a:ln w="12700" cap="flat" cmpd="sng" algn="ctr">
+            <a:solidFill>
+              <a:sysClr val="windowText" lastClr="000000"/>
+            </a:solidFill>
+            <a:prstDash val="solid"/>
+            <a:miter lim="800000"/>
+            <a:tailEnd type="stealth"/>
+          </a:ln>
+          <a:effectLst/>
+        </p:spPr>
+      </p:cxnSp>
+      <p:sp>
+        <p:nvSpPr>
+          <p:cNvPr id="66" name="Rounded Rectangle 65">
+            <a:extLst>
+              <a:ext uri="{FF2B5EF4-FFF2-40B4-BE49-F238E27FC236}">
+                <a16:creationId xmlns:a16="http://schemas.microsoft.com/office/drawing/2014/main" id="{9C3384BE-BB59-7E47-B874-056E58459DA9}"/>
+              </a:ext>
+            </a:extLst>
+          </p:cNvPr>
+          <p:cNvSpPr/>
+          <p:nvPr/>
+        </p:nvSpPr>
+        <p:spPr>
+          <a:xfrm>
+            <a:off x="8829771" y="1534413"/>
+            <a:ext cx="1867535" cy="393026"/>
+          </a:xfrm>
+          <a:prstGeom prst="roundRect">
+            <a:avLst>
+              <a:gd name="adj" fmla="val 4775"/>
+            </a:avLst>
+          </a:prstGeom>
+          <a:solidFill>
+            <a:srgbClr val="7A8C8E">
+              <a:lumMod val="20000"/>
+              <a:lumOff val="80000"/>
+            </a:srgbClr>
+          </a:solidFill>
+          <a:ln w="12700" cap="flat" cmpd="sng" algn="ctr">
+            <a:solidFill>
+              <a:sysClr val="windowText" lastClr="000000"/>
+            </a:solidFill>
+            <a:prstDash val="solid"/>
+            <a:miter lim="800000"/>
+          </a:ln>
+          <a:effectLst/>
+        </p:spPr>
+        <p:txBody>
+          <a:bodyPr rtlCol="0" anchor="ctr"/>
+          <a:lstStyle/>
+          <a:p>
+            <a:pPr marL="0" marR="0" lvl="0" indent="0" algn="ctr" defTabSz="914400" eaLnBrk="1" fontAlgn="auto" latinLnBrk="0" hangingPunct="1">
+              <a:lnSpc>
+                <a:spcPct val="100000"/>
+              </a:lnSpc>
+              <a:spcBef>
+                <a:spcPts val="0"/>
+              </a:spcBef>
+              <a:spcAft>
+                <a:spcPts val="0"/>
+              </a:spcAft>
+              <a:buClrTx/>
+              <a:buSzTx/>
+              <a:buFontTx/>
+              <a:buNone/>
+              <a:tabLst/>
+              <a:defRPr/>
+            </a:pPr>
+            <a:r>
+              <a:rPr kumimoji="0" lang="en-CN" sz="1800" b="0" i="0" u="none" strike="noStrike" kern="0" cap="none" spc="0" normalizeH="0" baseline="0" noProof="0" dirty="0">
+                <a:ln>
+                  <a:noFill/>
+                </a:ln>
+                <a:solidFill>
+                  <a:prstClr val="black"/>
+                </a:solidFill>
+                <a:effectLst/>
+                <a:uLnTx/>
+                <a:uFillTx/>
+                <a:latin typeface="KaiTi" panose="02010609060101010101" pitchFamily="49" charset="-122"/>
+                <a:ea typeface="KaiTi" panose="02010609060101010101" pitchFamily="49" charset="-122"/>
+                <a:cs typeface="+mn-cs"/>
+              </a:rPr>
+              <a:t>粒度对齐</a:t>
+            </a:r>
+          </a:p>
+        </p:txBody>
+      </p:sp>
+      <p:sp>
+        <p:nvSpPr>
+          <p:cNvPr id="67" name="TextBox 66">
+            <a:extLst>
+              <a:ext uri="{FF2B5EF4-FFF2-40B4-BE49-F238E27FC236}">
+                <a16:creationId xmlns:a16="http://schemas.microsoft.com/office/drawing/2014/main" id="{60D0AB31-44A4-2342-8C80-241CA0215964}"/>
+              </a:ext>
+            </a:extLst>
+          </p:cNvPr>
+          <p:cNvSpPr txBox="1"/>
+          <p:nvPr/>
+        </p:nvSpPr>
+        <p:spPr>
+          <a:xfrm>
+            <a:off x="8836120" y="766707"/>
+            <a:ext cx="1854835" cy="369332"/>
+          </a:xfrm>
+          <a:prstGeom prst="rect">
+            <a:avLst/>
+          </a:prstGeom>
+          <a:noFill/>
+        </p:spPr>
+        <p:txBody>
+          <a:bodyPr wrap="square" rtlCol="0">
+            <a:spAutoFit/>
+          </a:bodyPr>
+          <a:lstStyle/>
+          <a:p>
+            <a:pPr algn="ctr"/>
+            <a:r>
+              <a:rPr lang="en-CN" dirty="0">
+                <a:solidFill>
+                  <a:prstClr val="black"/>
+                </a:solidFill>
+                <a:latin typeface="KaiTi" panose="02010609060101010101" pitchFamily="49" charset="-122"/>
+                <a:ea typeface="KaiTi" panose="02010609060101010101" pitchFamily="49" charset="-122"/>
+              </a:rPr>
+              <a:t>最细粒度数据</a:t>
+            </a:r>
+          </a:p>
+        </p:txBody>
+      </p:sp>
+      <p:cxnSp>
+        <p:nvCxnSpPr>
+          <p:cNvPr id="68" name="Straight Arrow Connector 67">
+            <a:extLst>
+              <a:ext uri="{FF2B5EF4-FFF2-40B4-BE49-F238E27FC236}">
+                <a16:creationId xmlns:a16="http://schemas.microsoft.com/office/drawing/2014/main" id="{5CACDB4C-5E15-B24A-A99B-5D0C593AED65}"/>
+              </a:ext>
+            </a:extLst>
+          </p:cNvPr>
+          <p:cNvCxnSpPr>
+            <a:cxnSpLocks/>
+            <a:stCxn id="67" idx="2"/>
+            <a:endCxn id="66" idx="0"/>
+          </p:cNvCxnSpPr>
+          <p:nvPr/>
+        </p:nvCxnSpPr>
+        <p:spPr>
+          <a:xfrm>
+            <a:off x="9763538" y="1136039"/>
+            <a:ext cx="1" cy="398374"/>
+          </a:xfrm>
+          <a:prstGeom prst="straightConnector1">
+            <a:avLst/>
+          </a:prstGeom>
+          <a:noFill/>
+          <a:ln w="12700" cap="flat" cmpd="sng" algn="ctr">
+            <a:solidFill>
+              <a:sysClr val="windowText" lastClr="000000"/>
+            </a:solidFill>
+            <a:prstDash val="solid"/>
+            <a:miter lim="800000"/>
+            <a:tailEnd type="stealth"/>
+          </a:ln>
+          <a:effectLst/>
+        </p:spPr>
+      </p:cxnSp>
+      <p:cxnSp>
+        <p:nvCxnSpPr>
+          <p:cNvPr id="69" name="Elbow Connector 68">
+            <a:extLst>
+              <a:ext uri="{FF2B5EF4-FFF2-40B4-BE49-F238E27FC236}">
+                <a16:creationId xmlns:a16="http://schemas.microsoft.com/office/drawing/2014/main" id="{5026EB36-E1A7-4240-9DE9-0C4FCDB718F0}"/>
+              </a:ext>
+            </a:extLst>
+          </p:cNvPr>
+          <p:cNvCxnSpPr>
+            <a:cxnSpLocks/>
+            <a:stCxn id="59" idx="2"/>
+            <a:endCxn id="60" idx="1"/>
+          </p:cNvCxnSpPr>
+          <p:nvPr/>
+        </p:nvCxnSpPr>
+        <p:spPr>
+          <a:xfrm rot="16200000" flipH="1">
+            <a:off x="3094266" y="2199858"/>
+            <a:ext cx="968067" cy="423227"/>
+          </a:xfrm>
+          <a:prstGeom prst="bentConnector2">
+            <a:avLst/>
+          </a:prstGeom>
+          <a:noFill/>
+          <a:ln w="12700" cap="flat" cmpd="sng" algn="ctr">
+            <a:solidFill>
+              <a:sysClr val="windowText" lastClr="000000"/>
+            </a:solidFill>
+            <a:prstDash val="solid"/>
+            <a:miter lim="800000"/>
+            <a:tailEnd type="triangle"/>
+          </a:ln>
+          <a:effectLst/>
+        </p:spPr>
+      </p:cxnSp>
+      <p:sp>
+        <p:nvSpPr>
+          <p:cNvPr id="70" name="Oval 69">
+            <a:extLst>
+              <a:ext uri="{FF2B5EF4-FFF2-40B4-BE49-F238E27FC236}">
+                <a16:creationId xmlns:a16="http://schemas.microsoft.com/office/drawing/2014/main" id="{A48C2578-5FEF-BA43-9082-2B3CE8C260CC}"/>
+              </a:ext>
+            </a:extLst>
+          </p:cNvPr>
+          <p:cNvSpPr/>
+          <p:nvPr/>
+        </p:nvSpPr>
+        <p:spPr>
+          <a:xfrm>
+            <a:off x="5705187" y="2696955"/>
+            <a:ext cx="397101" cy="397101"/>
+          </a:xfrm>
+          <a:prstGeom prst="ellipse">
+            <a:avLst/>
+          </a:prstGeom>
+          <a:solidFill>
+            <a:sysClr val="window" lastClr="FFFFFF"/>
+          </a:solidFill>
+          <a:ln w="12700" cap="flat" cmpd="sng" algn="ctr">
+            <a:solidFill>
+              <a:sysClr val="windowText" lastClr="000000"/>
+            </a:solidFill>
+            <a:prstDash val="solid"/>
+            <a:miter lim="800000"/>
+          </a:ln>
+          <a:effectLst/>
+        </p:spPr>
+        <p:txBody>
+          <a:bodyPr rtlCol="0" anchor="ctr"/>
+          <a:lstStyle/>
+          <a:p>
+            <a:pPr marL="0" marR="0" lvl="0" indent="0" algn="ctr" defTabSz="914400" eaLnBrk="1" fontAlgn="auto" latinLnBrk="0" hangingPunct="1">
+              <a:lnSpc>
+                <a:spcPct val="100000"/>
+              </a:lnSpc>
+              <a:spcBef>
+                <a:spcPts val="0"/>
+              </a:spcBef>
+              <a:spcAft>
+                <a:spcPts val="0"/>
+              </a:spcAft>
+              <a:buClrTx/>
+              <a:buSzTx/>
+              <a:buFontTx/>
+              <a:buNone/>
+              <a:tabLst/>
+              <a:defRPr/>
+            </a:pPr>
+            <a:endParaRPr kumimoji="0" lang="en-CN" sz="3600" b="0" i="0" u="none" strike="noStrike" kern="0" cap="none" spc="0" normalizeH="0" baseline="0" noProof="0" dirty="0">
+              <a:ln>
+                <a:noFill/>
+              </a:ln>
+              <a:solidFill>
+                <a:prstClr val="black"/>
+              </a:solidFill>
+              <a:effectLst/>
+              <a:uLnTx/>
+              <a:uFillTx/>
+              <a:latin typeface="KaiTi" panose="02010609060101010101" pitchFamily="49" charset="-122"/>
+              <a:ea typeface="KaiTi" panose="02010609060101010101" pitchFamily="49" charset="-122"/>
+              <a:cs typeface="Times New Roman" panose="02020603050405020304" pitchFamily="18" charset="0"/>
+            </a:endParaRPr>
+          </a:p>
+        </p:txBody>
+      </p:sp>
+      <p:cxnSp>
+        <p:nvCxnSpPr>
+          <p:cNvPr id="71" name="Straight Arrow Connector 70">
+            <a:extLst>
+              <a:ext uri="{FF2B5EF4-FFF2-40B4-BE49-F238E27FC236}">
+                <a16:creationId xmlns:a16="http://schemas.microsoft.com/office/drawing/2014/main" id="{B1EF4815-DC22-694B-A326-2A72EEE71E1A}"/>
+              </a:ext>
+            </a:extLst>
+          </p:cNvPr>
+          <p:cNvCxnSpPr>
+            <a:cxnSpLocks/>
+            <a:stCxn id="70" idx="2"/>
+            <a:endCxn id="70" idx="6"/>
+          </p:cNvCxnSpPr>
+          <p:nvPr/>
+        </p:nvCxnSpPr>
+        <p:spPr>
+          <a:xfrm>
+            <a:off x="5705187" y="2895506"/>
+            <a:ext cx="397101" cy="0"/>
+          </a:xfrm>
+          <a:prstGeom prst="straightConnector1">
+            <a:avLst/>
+          </a:prstGeom>
+          <a:noFill/>
+          <a:ln w="12700" cap="flat" cmpd="sng" algn="ctr">
+            <a:solidFill>
+              <a:sysClr val="windowText" lastClr="000000"/>
+            </a:solidFill>
+            <a:prstDash val="solid"/>
+            <a:miter lim="800000"/>
+            <a:tailEnd type="none"/>
+          </a:ln>
+          <a:effectLst/>
+        </p:spPr>
+      </p:cxnSp>
+      <p:cxnSp>
+        <p:nvCxnSpPr>
+          <p:cNvPr id="72" name="Straight Arrow Connector 71">
+            <a:extLst>
+              <a:ext uri="{FF2B5EF4-FFF2-40B4-BE49-F238E27FC236}">
+                <a16:creationId xmlns:a16="http://schemas.microsoft.com/office/drawing/2014/main" id="{379C771F-0253-8D46-91CB-FFCF7E17A75C}"/>
+              </a:ext>
+            </a:extLst>
+          </p:cNvPr>
+          <p:cNvCxnSpPr>
+            <a:cxnSpLocks/>
+            <a:stCxn id="63" idx="2"/>
+            <a:endCxn id="70" idx="0"/>
+          </p:cNvCxnSpPr>
+          <p:nvPr/>
+        </p:nvCxnSpPr>
+        <p:spPr>
+          <a:xfrm flipH="1">
+            <a:off x="5903738" y="1948167"/>
+            <a:ext cx="1" cy="748788"/>
+          </a:xfrm>
+          <a:prstGeom prst="straightConnector1">
+            <a:avLst/>
+          </a:prstGeom>
+          <a:noFill/>
+          <a:ln w="12700" cap="flat" cmpd="sng" algn="ctr">
+            <a:solidFill>
+              <a:sysClr val="windowText" lastClr="000000"/>
+            </a:solidFill>
+            <a:prstDash val="solid"/>
+            <a:miter lim="800000"/>
+            <a:tailEnd type="stealth"/>
+          </a:ln>
+          <a:effectLst/>
+        </p:spPr>
+      </p:cxnSp>
+      <p:cxnSp>
+        <p:nvCxnSpPr>
+          <p:cNvPr id="73" name="Straight Arrow Connector 72">
+            <a:extLst>
+              <a:ext uri="{FF2B5EF4-FFF2-40B4-BE49-F238E27FC236}">
+                <a16:creationId xmlns:a16="http://schemas.microsoft.com/office/drawing/2014/main" id="{B99D73F0-0086-7F42-8F1F-28A752171FE6}"/>
+              </a:ext>
+            </a:extLst>
+          </p:cNvPr>
+          <p:cNvCxnSpPr>
+            <a:cxnSpLocks/>
+            <a:stCxn id="60" idx="3"/>
+            <a:endCxn id="70" idx="2"/>
+          </p:cNvCxnSpPr>
+          <p:nvPr/>
+        </p:nvCxnSpPr>
+        <p:spPr>
+          <a:xfrm>
+            <a:off x="5438827" y="2895506"/>
+            <a:ext cx="266360" cy="0"/>
+          </a:xfrm>
+          <a:prstGeom prst="straightConnector1">
+            <a:avLst/>
+          </a:prstGeom>
+          <a:noFill/>
+          <a:ln w="12700" cap="flat" cmpd="sng" algn="ctr">
+            <a:solidFill>
+              <a:sysClr val="windowText" lastClr="000000"/>
+            </a:solidFill>
+            <a:prstDash val="solid"/>
+            <a:miter lim="800000"/>
+            <a:tailEnd type="stealth"/>
+          </a:ln>
+          <a:effectLst/>
+        </p:spPr>
+      </p:cxnSp>
+      <p:sp>
+        <p:nvSpPr>
+          <p:cNvPr id="74" name="TextBox 73">
+            <a:extLst>
+              <a:ext uri="{FF2B5EF4-FFF2-40B4-BE49-F238E27FC236}">
+                <a16:creationId xmlns:a16="http://schemas.microsoft.com/office/drawing/2014/main" id="{3521A753-8E0C-FD4D-A478-69E99DCFF785}"/>
+              </a:ext>
+            </a:extLst>
+          </p:cNvPr>
+          <p:cNvSpPr txBox="1"/>
+          <p:nvPr/>
+        </p:nvSpPr>
+        <p:spPr>
+          <a:xfrm>
+            <a:off x="6321110" y="3349143"/>
+            <a:ext cx="805029" cy="338554"/>
+          </a:xfrm>
+          <a:prstGeom prst="rect">
+            <a:avLst/>
+          </a:prstGeom>
+          <a:noFill/>
+          <a:ln w="12700">
+            <a:noFill/>
+          </a:ln>
+        </p:spPr>
+        <p:txBody>
+          <a:bodyPr wrap="none" rtlCol="0">
+            <a:spAutoFit/>
+          </a:bodyPr>
+          <a:lstStyle/>
+          <a:p>
+            <a:r>
+              <a:rPr lang="en-US" altLang="zh-CN" sz="1600" b="1" dirty="0">
+                <a:solidFill>
+                  <a:prstClr val="black"/>
+                </a:solidFill>
+                <a:latin typeface="KaiTi" panose="02010609060101010101" pitchFamily="49" charset="-122"/>
+                <a:ea typeface="KaiTi" panose="02010609060101010101" pitchFamily="49" charset="-122"/>
+                <a:cs typeface="Times New Roman" panose="02020603050405020304" pitchFamily="18" charset="0"/>
+              </a:rPr>
+              <a:t>···</a:t>
+            </a:r>
+            <a:endParaRPr lang="en-CN" sz="1600" b="1" dirty="0">
+              <a:solidFill>
+                <a:prstClr val="black"/>
+              </a:solidFill>
+              <a:latin typeface="KaiTi" panose="02010609060101010101" pitchFamily="49" charset="-122"/>
+              <a:ea typeface="KaiTi" panose="02010609060101010101" pitchFamily="49" charset="-122"/>
+              <a:cs typeface="Times New Roman" panose="02020603050405020304" pitchFamily="18" charset="0"/>
+            </a:endParaRPr>
+          </a:p>
+        </p:txBody>
+      </p:sp>
+      <p:cxnSp>
+        <p:nvCxnSpPr>
+          <p:cNvPr id="75" name="Straight Arrow Connector 74">
+            <a:extLst>
+              <a:ext uri="{FF2B5EF4-FFF2-40B4-BE49-F238E27FC236}">
+                <a16:creationId xmlns:a16="http://schemas.microsoft.com/office/drawing/2014/main" id="{BDF48CD2-314F-9B43-85DC-2CA265896D18}"/>
+              </a:ext>
+            </a:extLst>
+          </p:cNvPr>
+          <p:cNvCxnSpPr>
+            <a:cxnSpLocks/>
+            <a:stCxn id="74" idx="3"/>
+            <a:endCxn id="76" idx="1"/>
+          </p:cNvCxnSpPr>
+          <p:nvPr/>
+        </p:nvCxnSpPr>
+        <p:spPr>
+          <a:xfrm>
+            <a:off x="7126139" y="3518420"/>
+            <a:ext cx="289405" cy="1"/>
+          </a:xfrm>
+          <a:prstGeom prst="straightConnector1">
+            <a:avLst/>
+          </a:prstGeom>
+          <a:noFill/>
+          <a:ln w="12700" cap="flat" cmpd="sng" algn="ctr">
+            <a:solidFill>
+              <a:sysClr val="windowText" lastClr="000000"/>
+            </a:solidFill>
+            <a:prstDash val="solid"/>
+            <a:miter lim="800000"/>
+            <a:tailEnd type="stealth"/>
+          </a:ln>
+          <a:effectLst/>
+        </p:spPr>
+      </p:cxnSp>
+      <p:sp>
+        <p:nvSpPr>
+          <p:cNvPr id="76" name="Rounded Rectangle 75">
+            <a:extLst>
+              <a:ext uri="{FF2B5EF4-FFF2-40B4-BE49-F238E27FC236}">
+                <a16:creationId xmlns:a16="http://schemas.microsoft.com/office/drawing/2014/main" id="{530D32CF-52F3-474C-ABEA-727B5DE065B4}"/>
+              </a:ext>
+            </a:extLst>
+          </p:cNvPr>
+          <p:cNvSpPr/>
+          <p:nvPr/>
+        </p:nvSpPr>
+        <p:spPr>
+          <a:xfrm>
+            <a:off x="7415544" y="3206963"/>
+            <a:ext cx="1648914" cy="622915"/>
+          </a:xfrm>
+          <a:prstGeom prst="roundRect">
+            <a:avLst>
+              <a:gd name="adj" fmla="val 4775"/>
+            </a:avLst>
+          </a:prstGeom>
+          <a:solidFill>
+            <a:srgbClr val="2683C6">
+              <a:lumMod val="60000"/>
+              <a:lumOff val="40000"/>
+            </a:srgbClr>
+          </a:solidFill>
+          <a:ln w="12700" cap="flat" cmpd="sng" algn="ctr">
+            <a:solidFill>
+              <a:sysClr val="windowText" lastClr="000000"/>
+            </a:solidFill>
+            <a:prstDash val="solid"/>
+            <a:miter lim="800000"/>
+          </a:ln>
+          <a:effectLst/>
+        </p:spPr>
+        <p:txBody>
+          <a:bodyPr rtlCol="0" anchor="ctr"/>
+          <a:lstStyle/>
+          <a:p>
+            <a:pPr marL="0" marR="0" lvl="0" indent="0" algn="ctr" defTabSz="914400" eaLnBrk="1" fontAlgn="auto" latinLnBrk="0" hangingPunct="1">
+              <a:lnSpc>
+                <a:spcPct val="100000"/>
+              </a:lnSpc>
+              <a:spcBef>
+                <a:spcPts val="0"/>
+              </a:spcBef>
+              <a:spcAft>
+                <a:spcPts val="0"/>
+              </a:spcAft>
+              <a:buClrTx/>
+              <a:buSzTx/>
+              <a:buFontTx/>
+              <a:buNone/>
+              <a:tabLst/>
+              <a:defRPr/>
+            </a:pPr>
+            <a:r>
+              <a:rPr kumimoji="0" lang="en-CN" sz="1800" b="0" i="0" u="none" strike="noStrike" kern="0" cap="none" spc="0" normalizeH="0" baseline="0" noProof="0" dirty="0">
+                <a:ln>
+                  <a:noFill/>
+                </a:ln>
+                <a:solidFill>
+                  <a:prstClr val="black"/>
+                </a:solidFill>
+                <a:effectLst/>
+                <a:uLnTx/>
+                <a:uFillTx/>
+                <a:latin typeface="KaiTi" panose="02010609060101010101" pitchFamily="49" charset="-122"/>
+                <a:ea typeface="KaiTi" panose="02010609060101010101" pitchFamily="49" charset="-122"/>
+                <a:cs typeface="+mn-cs"/>
+              </a:rPr>
+              <a:t>核心模块</a:t>
+            </a:r>
+          </a:p>
+        </p:txBody>
+      </p:sp>
+      <p:grpSp>
+        <p:nvGrpSpPr>
+          <p:cNvPr id="77" name="Group 76">
+            <a:extLst>
+              <a:ext uri="{FF2B5EF4-FFF2-40B4-BE49-F238E27FC236}">
+                <a16:creationId xmlns:a16="http://schemas.microsoft.com/office/drawing/2014/main" id="{6F1DA259-1A3D-2D44-86DC-33C0D184AFDB}"/>
+              </a:ext>
+            </a:extLst>
+          </p:cNvPr>
+          <p:cNvGrpSpPr/>
+          <p:nvPr/>
+        </p:nvGrpSpPr>
+        <p:grpSpPr>
+          <a:xfrm>
+            <a:off x="9557826" y="3319871"/>
+            <a:ext cx="397101" cy="397101"/>
+            <a:chOff x="9057943" y="4136766"/>
+            <a:chExt cx="397101" cy="397101"/>
+          </a:xfrm>
+        </p:grpSpPr>
+        <p:sp>
+          <p:nvSpPr>
+            <p:cNvPr id="78" name="Oval 77">
+              <a:extLst>
+                <a:ext uri="{FF2B5EF4-FFF2-40B4-BE49-F238E27FC236}">
+                  <a16:creationId xmlns:a16="http://schemas.microsoft.com/office/drawing/2014/main" id="{DFEC028E-F23D-DA41-8708-7D5281A9CF93}"/>
+                </a:ext>
+              </a:extLst>
+            </p:cNvPr>
+            <p:cNvSpPr/>
+            <p:nvPr/>
+          </p:nvSpPr>
+          <p:spPr>
+            <a:xfrm>
+              <a:off x="9057943" y="4136766"/>
+              <a:ext cx="397101" cy="397101"/>
+            </a:xfrm>
+            <a:prstGeom prst="ellipse">
+              <a:avLst/>
+            </a:prstGeom>
+            <a:solidFill>
+              <a:sysClr val="window" lastClr="FFFFFF"/>
+            </a:solidFill>
+            <a:ln w="12700" cap="flat" cmpd="sng" algn="ctr">
+              <a:solidFill>
+                <a:sysClr val="windowText" lastClr="000000"/>
+              </a:solidFill>
+              <a:prstDash val="solid"/>
+              <a:miter lim="800000"/>
+            </a:ln>
+            <a:effectLst/>
+          </p:spPr>
+          <p:txBody>
+            <a:bodyPr rtlCol="0" anchor="ctr"/>
+            <a:lstStyle/>
+            <a:p>
+              <a:pPr marL="0" marR="0" lvl="0" indent="0" algn="ctr" defTabSz="914400" eaLnBrk="1" fontAlgn="auto" latinLnBrk="0" hangingPunct="1">
+                <a:lnSpc>
+                  <a:spcPct val="100000"/>
+                </a:lnSpc>
+                <a:spcBef>
+                  <a:spcPts val="0"/>
+                </a:spcBef>
+                <a:spcAft>
+                  <a:spcPts val="0"/>
+                </a:spcAft>
+                <a:buClrTx/>
+                <a:buSzTx/>
+                <a:buFontTx/>
+                <a:buNone/>
+                <a:tabLst/>
+                <a:defRPr/>
+              </a:pPr>
+              <a:endParaRPr kumimoji="0" lang="en-CN" sz="3600" b="0" i="0" u="none" strike="noStrike" kern="0" cap="none" spc="0" normalizeH="0" baseline="0" noProof="0" dirty="0">
+                <a:ln>
+                  <a:noFill/>
+                </a:ln>
+                <a:solidFill>
+                  <a:prstClr val="black"/>
+                </a:solidFill>
+                <a:effectLst/>
+                <a:uLnTx/>
+                <a:uFillTx/>
+                <a:latin typeface="KaiTi" panose="02010609060101010101" pitchFamily="49" charset="-122"/>
+                <a:ea typeface="KaiTi" panose="02010609060101010101" pitchFamily="49" charset="-122"/>
+                <a:cs typeface="Times New Roman" panose="02020603050405020304" pitchFamily="18" charset="0"/>
+              </a:endParaRPr>
+            </a:p>
+          </p:txBody>
+        </p:sp>
+        <p:cxnSp>
+          <p:nvCxnSpPr>
+            <p:cNvPr id="79" name="Straight Arrow Connector 78">
+              <a:extLst>
+                <a:ext uri="{FF2B5EF4-FFF2-40B4-BE49-F238E27FC236}">
+                  <a16:creationId xmlns:a16="http://schemas.microsoft.com/office/drawing/2014/main" id="{20D25C33-E670-6F49-A7C4-0BB374E34333}"/>
+                </a:ext>
+              </a:extLst>
+            </p:cNvPr>
+            <p:cNvCxnSpPr>
+              <a:cxnSpLocks/>
+              <a:stCxn id="78" idx="2"/>
+              <a:endCxn id="78" idx="6"/>
+            </p:cNvCxnSpPr>
+            <p:nvPr/>
+          </p:nvCxnSpPr>
+          <p:spPr>
+            <a:xfrm>
+              <a:off x="9057943" y="4335317"/>
+              <a:ext cx="397101" cy="0"/>
+            </a:xfrm>
+            <a:prstGeom prst="straightConnector1">
+              <a:avLst/>
+            </a:prstGeom>
+            <a:noFill/>
+            <a:ln w="12700" cap="flat" cmpd="sng" algn="ctr">
+              <a:solidFill>
+                <a:sysClr val="windowText" lastClr="000000"/>
+              </a:solidFill>
+              <a:prstDash val="solid"/>
+              <a:miter lim="800000"/>
+              <a:tailEnd type="none"/>
+            </a:ln>
+            <a:effectLst/>
+          </p:spPr>
+        </p:cxnSp>
+      </p:grpSp>
+      <p:cxnSp>
+        <p:nvCxnSpPr>
+          <p:cNvPr id="80" name="Straight Arrow Connector 79">
+            <a:extLst>
+              <a:ext uri="{FF2B5EF4-FFF2-40B4-BE49-F238E27FC236}">
+                <a16:creationId xmlns:a16="http://schemas.microsoft.com/office/drawing/2014/main" id="{5A2514DE-8BC0-5645-9F36-45DE40678FD1}"/>
+              </a:ext>
+            </a:extLst>
+          </p:cNvPr>
+          <p:cNvCxnSpPr>
+            <a:cxnSpLocks/>
+            <a:stCxn id="66" idx="2"/>
+            <a:endCxn id="78" idx="0"/>
+          </p:cNvCxnSpPr>
+          <p:nvPr/>
+        </p:nvCxnSpPr>
+        <p:spPr>
+          <a:xfrm flipH="1">
+            <a:off x="9756377" y="1927439"/>
+            <a:ext cx="7162" cy="1392432"/>
+          </a:xfrm>
+          <a:prstGeom prst="straightConnector1">
+            <a:avLst/>
+          </a:prstGeom>
+          <a:noFill/>
+          <a:ln w="12700" cap="flat" cmpd="sng" algn="ctr">
+            <a:solidFill>
+              <a:sysClr val="windowText" lastClr="000000"/>
+            </a:solidFill>
+            <a:prstDash val="solid"/>
+            <a:miter lim="800000"/>
+            <a:tailEnd type="stealth"/>
+          </a:ln>
+          <a:effectLst/>
+        </p:spPr>
+      </p:cxnSp>
+      <p:cxnSp>
+        <p:nvCxnSpPr>
+          <p:cNvPr id="81" name="Straight Arrow Connector 80">
+            <a:extLst>
+              <a:ext uri="{FF2B5EF4-FFF2-40B4-BE49-F238E27FC236}">
+                <a16:creationId xmlns:a16="http://schemas.microsoft.com/office/drawing/2014/main" id="{6A1423DC-F736-914B-9970-C27B0C05A976}"/>
+              </a:ext>
+            </a:extLst>
+          </p:cNvPr>
+          <p:cNvCxnSpPr>
+            <a:cxnSpLocks/>
+          </p:cNvCxnSpPr>
+          <p:nvPr/>
+        </p:nvCxnSpPr>
+        <p:spPr>
+          <a:xfrm>
+            <a:off x="9064458" y="3518420"/>
+            <a:ext cx="493368" cy="0"/>
+          </a:xfrm>
+          <a:prstGeom prst="straightConnector1">
+            <a:avLst/>
+          </a:prstGeom>
+          <a:noFill/>
+          <a:ln w="12700" cap="flat" cmpd="sng" algn="ctr">
+            <a:solidFill>
+              <a:sysClr val="windowText" lastClr="000000"/>
+            </a:solidFill>
+            <a:prstDash val="solid"/>
+            <a:miter lim="800000"/>
+            <a:tailEnd type="stealth"/>
+          </a:ln>
+          <a:effectLst/>
+        </p:spPr>
+      </p:cxnSp>
+      <p:cxnSp>
+        <p:nvCxnSpPr>
+          <p:cNvPr id="82" name="Elbow Connector 81">
+            <a:extLst>
+              <a:ext uri="{FF2B5EF4-FFF2-40B4-BE49-F238E27FC236}">
+                <a16:creationId xmlns:a16="http://schemas.microsoft.com/office/drawing/2014/main" id="{028301CA-52CD-9842-B70B-F20957D85982}"/>
+              </a:ext>
+            </a:extLst>
+          </p:cNvPr>
+          <p:cNvCxnSpPr>
+            <a:cxnSpLocks/>
+            <a:stCxn id="70" idx="4"/>
+          </p:cNvCxnSpPr>
+          <p:nvPr/>
+        </p:nvCxnSpPr>
+        <p:spPr>
+          <a:xfrm rot="16200000" flipH="1">
+            <a:off x="5981540" y="3016253"/>
+            <a:ext cx="225815" cy="381419"/>
+          </a:xfrm>
+          <a:prstGeom prst="bentConnector2">
+            <a:avLst/>
+          </a:prstGeom>
+          <a:noFill/>
+          <a:ln w="12700" cap="flat" cmpd="sng" algn="ctr">
+            <a:solidFill>
+              <a:sysClr val="windowText" lastClr="000000"/>
+            </a:solidFill>
+            <a:prstDash val="solid"/>
+            <a:miter lim="800000"/>
+            <a:tailEnd type="triangle"/>
+          </a:ln>
+          <a:effectLst/>
+        </p:spPr>
+      </p:cxnSp>
+      <p:cxnSp>
+        <p:nvCxnSpPr>
+          <p:cNvPr id="83" name="Elbow Connector 82">
+            <a:extLst>
+              <a:ext uri="{FF2B5EF4-FFF2-40B4-BE49-F238E27FC236}">
+                <a16:creationId xmlns:a16="http://schemas.microsoft.com/office/drawing/2014/main" id="{49960EB4-9B19-8C4C-A9B9-7AA7541E07B8}"/>
+              </a:ext>
+            </a:extLst>
+          </p:cNvPr>
+          <p:cNvCxnSpPr>
+            <a:cxnSpLocks/>
+            <a:stCxn id="60" idx="2"/>
+            <a:endCxn id="87" idx="2"/>
+          </p:cNvCxnSpPr>
+          <p:nvPr/>
+        </p:nvCxnSpPr>
+        <p:spPr>
+          <a:xfrm rot="16200000" flipH="1">
+            <a:off x="6887869" y="933464"/>
+            <a:ext cx="1724882" cy="6271880"/>
+          </a:xfrm>
+          <a:prstGeom prst="bentConnector2">
+            <a:avLst/>
+          </a:prstGeom>
+          <a:noFill/>
+          <a:ln w="12700" cap="flat" cmpd="sng" algn="ctr">
+            <a:solidFill>
+              <a:sysClr val="windowText" lastClr="000000"/>
+            </a:solidFill>
+            <a:prstDash val="solid"/>
+            <a:miter lim="800000"/>
+            <a:tailEnd type="triangle"/>
+          </a:ln>
+          <a:effectLst/>
+        </p:spPr>
+      </p:cxnSp>
+      <p:cxnSp>
+        <p:nvCxnSpPr>
+          <p:cNvPr id="84" name="Elbow Connector 83">
+            <a:extLst>
+              <a:ext uri="{FF2B5EF4-FFF2-40B4-BE49-F238E27FC236}">
+                <a16:creationId xmlns:a16="http://schemas.microsoft.com/office/drawing/2014/main" id="{4692E09E-3F6D-6045-9D88-D21B845AAE55}"/>
+              </a:ext>
+            </a:extLst>
+          </p:cNvPr>
+          <p:cNvCxnSpPr>
+            <a:cxnSpLocks/>
+            <a:stCxn id="76" idx="2"/>
+            <a:endCxn id="87" idx="2"/>
+          </p:cNvCxnSpPr>
+          <p:nvPr/>
+        </p:nvCxnSpPr>
+        <p:spPr>
+          <a:xfrm rot="16200000" flipH="1">
+            <a:off x="9012142" y="3057736"/>
+            <a:ext cx="1101967" cy="2646249"/>
+          </a:xfrm>
+          <a:prstGeom prst="bentConnector2">
+            <a:avLst/>
+          </a:prstGeom>
+          <a:noFill/>
+          <a:ln w="12700" cap="flat" cmpd="sng" algn="ctr">
+            <a:solidFill>
+              <a:sysClr val="windowText" lastClr="000000"/>
+            </a:solidFill>
+            <a:prstDash val="solid"/>
+            <a:miter lim="800000"/>
+            <a:tailEnd type="triangle"/>
+          </a:ln>
+          <a:effectLst/>
+        </p:spPr>
+      </p:cxnSp>
+      <p:sp>
+        <p:nvSpPr>
+          <p:cNvPr id="85" name="Rounded Rectangle 84">
+            <a:extLst>
+              <a:ext uri="{FF2B5EF4-FFF2-40B4-BE49-F238E27FC236}">
+                <a16:creationId xmlns:a16="http://schemas.microsoft.com/office/drawing/2014/main" id="{D4BA5FD8-C50F-1847-AF16-6EF53F75BC43}"/>
+              </a:ext>
+            </a:extLst>
+          </p:cNvPr>
+          <p:cNvSpPr/>
+          <p:nvPr/>
+        </p:nvSpPr>
+        <p:spPr>
+          <a:xfrm>
+            <a:off x="10260344" y="3206962"/>
+            <a:ext cx="1648914" cy="622915"/>
+          </a:xfrm>
+          <a:prstGeom prst="roundRect">
+            <a:avLst>
+              <a:gd name="adj" fmla="val 4775"/>
+            </a:avLst>
+          </a:prstGeom>
+          <a:solidFill>
+            <a:srgbClr val="2683C6">
+              <a:lumMod val="60000"/>
+              <a:lumOff val="40000"/>
+            </a:srgbClr>
+          </a:solidFill>
+          <a:ln w="12700" cap="flat" cmpd="sng" algn="ctr">
+            <a:solidFill>
+              <a:sysClr val="windowText" lastClr="000000"/>
+            </a:solidFill>
+            <a:prstDash val="solid"/>
+            <a:miter lim="800000"/>
+          </a:ln>
+          <a:effectLst/>
+        </p:spPr>
+        <p:txBody>
+          <a:bodyPr rtlCol="0" anchor="ctr"/>
+          <a:lstStyle/>
+          <a:p>
+            <a:pPr marL="0" marR="0" lvl="0" indent="0" algn="ctr" defTabSz="914400" eaLnBrk="1" fontAlgn="auto" latinLnBrk="0" hangingPunct="1">
+              <a:lnSpc>
+                <a:spcPct val="100000"/>
+              </a:lnSpc>
+              <a:spcBef>
+                <a:spcPts val="0"/>
+              </a:spcBef>
+              <a:spcAft>
+                <a:spcPts val="0"/>
+              </a:spcAft>
+              <a:buClrTx/>
+              <a:buSzTx/>
+              <a:buFontTx/>
+              <a:buNone/>
+              <a:tabLst/>
+              <a:defRPr/>
+            </a:pPr>
+            <a:r>
+              <a:rPr kumimoji="0" lang="en-CN" sz="1800" b="0" i="0" u="none" strike="noStrike" kern="0" cap="none" spc="0" normalizeH="0" baseline="0" noProof="0" dirty="0">
+                <a:ln>
+                  <a:noFill/>
+                </a:ln>
+                <a:solidFill>
+                  <a:prstClr val="black"/>
+                </a:solidFill>
+                <a:effectLst/>
+                <a:uLnTx/>
+                <a:uFillTx/>
+                <a:latin typeface="KaiTi" panose="02010609060101010101" pitchFamily="49" charset="-122"/>
+                <a:ea typeface="KaiTi" panose="02010609060101010101" pitchFamily="49" charset="-122"/>
+                <a:cs typeface="+mn-cs"/>
+              </a:rPr>
+              <a:t>核心模块</a:t>
+            </a:r>
+          </a:p>
+        </p:txBody>
+      </p:sp>
+      <p:cxnSp>
+        <p:nvCxnSpPr>
+          <p:cNvPr id="86" name="Straight Arrow Connector 85">
+            <a:extLst>
+              <a:ext uri="{FF2B5EF4-FFF2-40B4-BE49-F238E27FC236}">
+                <a16:creationId xmlns:a16="http://schemas.microsoft.com/office/drawing/2014/main" id="{05141911-DA9D-E247-8D3A-FB4E550E3BD1}"/>
+              </a:ext>
+            </a:extLst>
+          </p:cNvPr>
+          <p:cNvCxnSpPr>
+            <a:cxnSpLocks/>
+          </p:cNvCxnSpPr>
+          <p:nvPr/>
+        </p:nvCxnSpPr>
+        <p:spPr>
+          <a:xfrm>
+            <a:off x="9970939" y="3519708"/>
+            <a:ext cx="289405" cy="1"/>
+          </a:xfrm>
+          <a:prstGeom prst="straightConnector1">
+            <a:avLst/>
+          </a:prstGeom>
+          <a:noFill/>
+          <a:ln w="12700" cap="flat" cmpd="sng" algn="ctr">
+            <a:solidFill>
+              <a:sysClr val="windowText" lastClr="000000"/>
+            </a:solidFill>
+            <a:prstDash val="solid"/>
+            <a:miter lim="800000"/>
+            <a:tailEnd type="stealth"/>
+          </a:ln>
+          <a:effectLst/>
+        </p:spPr>
+      </p:cxnSp>
+      <p:sp>
+        <p:nvSpPr>
+          <p:cNvPr id="87" name="Or 86">
+            <a:extLst>
+              <a:ext uri="{FF2B5EF4-FFF2-40B4-BE49-F238E27FC236}">
+                <a16:creationId xmlns:a16="http://schemas.microsoft.com/office/drawing/2014/main" id="{E4006AE7-49C4-1C44-A0C4-988C269E26C8}"/>
+              </a:ext>
+            </a:extLst>
+          </p:cNvPr>
+          <p:cNvSpPr/>
+          <p:nvPr/>
+        </p:nvSpPr>
+        <p:spPr>
+          <a:xfrm>
+            <a:off x="10886250" y="4733294"/>
+            <a:ext cx="397101" cy="397101"/>
+          </a:xfrm>
+          <a:prstGeom prst="flowChartOr">
+            <a:avLst/>
+          </a:prstGeom>
+          <a:solidFill>
+            <a:srgbClr val="3494BA"/>
+          </a:solidFill>
+          <a:ln w="19050" cap="flat" cmpd="sng" algn="ctr">
+            <a:solidFill>
+              <a:sysClr val="windowText" lastClr="000000"/>
+            </a:solidFill>
+            <a:prstDash val="solid"/>
+            <a:miter lim="800000"/>
+          </a:ln>
+          <a:effectLst/>
+        </p:spPr>
+        <p:txBody>
+          <a:bodyPr rtlCol="0" anchor="ctr"/>
+          <a:lstStyle/>
+          <a:p>
+            <a:pPr marL="0" marR="0" lvl="0" indent="0" algn="ctr" defTabSz="914400" eaLnBrk="1" fontAlgn="auto" latinLnBrk="0" hangingPunct="1">
+              <a:lnSpc>
+                <a:spcPct val="100000"/>
+              </a:lnSpc>
+              <a:spcBef>
+                <a:spcPts val="0"/>
+              </a:spcBef>
+              <a:spcAft>
+                <a:spcPts val="0"/>
+              </a:spcAft>
+              <a:buClrTx/>
+              <a:buSzTx/>
+              <a:buFontTx/>
+              <a:buNone/>
+              <a:tabLst/>
+              <a:defRPr/>
+            </a:pPr>
+            <a:endParaRPr kumimoji="0" lang="en-CN" sz="1800" b="0" i="0" u="none" strike="noStrike" kern="0" cap="none" spc="0" normalizeH="0" baseline="0" noProof="0">
+              <a:ln>
+                <a:noFill/>
+              </a:ln>
+              <a:solidFill>
+                <a:prstClr val="white"/>
+              </a:solidFill>
+              <a:effectLst/>
+              <a:uLnTx/>
+              <a:uFillTx/>
+              <a:latin typeface="等线"/>
+              <a:ea typeface="+mn-ea"/>
+              <a:cs typeface="+mn-cs"/>
+            </a:endParaRPr>
+          </a:p>
+        </p:txBody>
+      </p:sp>
+      <p:cxnSp>
+        <p:nvCxnSpPr>
+          <p:cNvPr id="88" name="Straight Arrow Connector 87">
+            <a:extLst>
+              <a:ext uri="{FF2B5EF4-FFF2-40B4-BE49-F238E27FC236}">
+                <a16:creationId xmlns:a16="http://schemas.microsoft.com/office/drawing/2014/main" id="{FF6BE1C8-A9CF-EC43-8AF6-3801C2BE277C}"/>
+              </a:ext>
+            </a:extLst>
+          </p:cNvPr>
+          <p:cNvCxnSpPr>
+            <a:cxnSpLocks/>
+            <a:stCxn id="85" idx="2"/>
+            <a:endCxn id="87" idx="0"/>
+          </p:cNvCxnSpPr>
+          <p:nvPr/>
+        </p:nvCxnSpPr>
+        <p:spPr>
+          <a:xfrm>
+            <a:off x="11084801" y="3829877"/>
+            <a:ext cx="0" cy="903417"/>
+          </a:xfrm>
+          <a:prstGeom prst="straightConnector1">
+            <a:avLst/>
+          </a:prstGeom>
+          <a:noFill/>
+          <a:ln w="12700" cap="flat" cmpd="sng" algn="ctr">
+            <a:solidFill>
+              <a:sysClr val="windowText" lastClr="000000"/>
+            </a:solidFill>
+            <a:prstDash val="solid"/>
+            <a:miter lim="800000"/>
+            <a:tailEnd type="stealth"/>
+          </a:ln>
+          <a:effectLst/>
+        </p:spPr>
+      </p:cxnSp>
+      <p:cxnSp>
+        <p:nvCxnSpPr>
+          <p:cNvPr id="89" name="Straight Arrow Connector 88">
+            <a:extLst>
+              <a:ext uri="{FF2B5EF4-FFF2-40B4-BE49-F238E27FC236}">
+                <a16:creationId xmlns:a16="http://schemas.microsoft.com/office/drawing/2014/main" id="{FA499484-B826-D640-95BF-9CF75648A97A}"/>
+              </a:ext>
+            </a:extLst>
+          </p:cNvPr>
+          <p:cNvCxnSpPr>
+            <a:cxnSpLocks/>
+            <a:stCxn id="87" idx="4"/>
+          </p:cNvCxnSpPr>
+          <p:nvPr/>
+        </p:nvCxnSpPr>
+        <p:spPr>
+          <a:xfrm>
+            <a:off x="11084801" y="5130395"/>
+            <a:ext cx="0" cy="299265"/>
+          </a:xfrm>
+          <a:prstGeom prst="straightConnector1">
+            <a:avLst/>
+          </a:prstGeom>
+          <a:noFill/>
+          <a:ln w="12700" cap="flat" cmpd="sng" algn="ctr">
+            <a:solidFill>
+              <a:sysClr val="windowText" lastClr="000000"/>
+            </a:solidFill>
+            <a:prstDash val="solid"/>
+            <a:miter lim="800000"/>
+            <a:tailEnd type="stealth"/>
+          </a:ln>
+          <a:effectLst/>
+        </p:spPr>
+      </p:cxnSp>
+      <p:sp>
+        <p:nvSpPr>
+          <p:cNvPr id="90" name="TextBox 89">
+            <a:extLst>
+              <a:ext uri="{FF2B5EF4-FFF2-40B4-BE49-F238E27FC236}">
+                <a16:creationId xmlns:a16="http://schemas.microsoft.com/office/drawing/2014/main" id="{0F9A6707-C3CE-D641-A690-E80C1E2D3E2C}"/>
+              </a:ext>
+            </a:extLst>
+          </p:cNvPr>
+          <p:cNvSpPr txBox="1"/>
+          <p:nvPr/>
+        </p:nvSpPr>
+        <p:spPr>
+          <a:xfrm>
+            <a:off x="10530802" y="5457429"/>
+            <a:ext cx="1107996" cy="369332"/>
+          </a:xfrm>
+          <a:prstGeom prst="rect">
+            <a:avLst/>
+          </a:prstGeom>
+          <a:noFill/>
+        </p:spPr>
+        <p:txBody>
+          <a:bodyPr wrap="none" rtlCol="0">
+            <a:spAutoFit/>
+          </a:bodyPr>
+          <a:lstStyle/>
+          <a:p>
+            <a:r>
+              <a:rPr lang="en-CN" dirty="0">
+                <a:solidFill>
+                  <a:prstClr val="black"/>
+                </a:solidFill>
+                <a:latin typeface="KaiTi" panose="02010609060101010101" pitchFamily="49" charset="-122"/>
+                <a:ea typeface="KaiTi" panose="02010609060101010101" pitchFamily="49" charset="-122"/>
+              </a:rPr>
+              <a:t>最终预测</a:t>
+            </a:r>
+          </a:p>
+        </p:txBody>
+      </p:sp>
+      <p:sp>
+        <p:nvSpPr>
+          <p:cNvPr id="91" name="Rounded Rectangle 90">
+            <a:extLst>
+              <a:ext uri="{FF2B5EF4-FFF2-40B4-BE49-F238E27FC236}">
+                <a16:creationId xmlns:a16="http://schemas.microsoft.com/office/drawing/2014/main" id="{7C5995FD-9FD8-1241-976E-063737536B06}"/>
+              </a:ext>
+            </a:extLst>
+          </p:cNvPr>
+          <p:cNvSpPr/>
+          <p:nvPr/>
+        </p:nvSpPr>
+        <p:spPr>
+          <a:xfrm>
+            <a:off x="124612" y="3288529"/>
+            <a:ext cx="3797835" cy="2141132"/>
+          </a:xfrm>
+          <a:prstGeom prst="roundRect">
+            <a:avLst>
+              <a:gd name="adj" fmla="val 4775"/>
+            </a:avLst>
+          </a:prstGeom>
+          <a:solidFill>
+            <a:srgbClr val="2683C6">
+              <a:lumMod val="60000"/>
+              <a:lumOff val="40000"/>
+            </a:srgbClr>
+          </a:solidFill>
+          <a:ln w="12700" cap="flat" cmpd="sng" algn="ctr">
+            <a:solidFill>
+              <a:sysClr val="windowText" lastClr="000000"/>
+            </a:solidFill>
+            <a:prstDash val="solid"/>
+            <a:miter lim="800000"/>
+          </a:ln>
+          <a:effectLst/>
+        </p:spPr>
+        <p:txBody>
+          <a:bodyPr rtlCol="0" anchor="ctr"/>
+          <a:lstStyle/>
+          <a:p>
+            <a:pPr marL="0" marR="0" lvl="0" indent="0" algn="ctr" defTabSz="914400" eaLnBrk="1" fontAlgn="auto" latinLnBrk="0" hangingPunct="1">
+              <a:lnSpc>
+                <a:spcPct val="100000"/>
+              </a:lnSpc>
+              <a:spcBef>
+                <a:spcPts val="0"/>
+              </a:spcBef>
+              <a:spcAft>
+                <a:spcPts val="0"/>
+              </a:spcAft>
+              <a:buClrTx/>
+              <a:buSzTx/>
+              <a:buFontTx/>
+              <a:buNone/>
+              <a:tabLst/>
+              <a:defRPr/>
+            </a:pPr>
+            <a:endParaRPr kumimoji="0" lang="en-CN" sz="1800" b="0" i="0" u="none" strike="noStrike" kern="0" cap="none" spc="0" normalizeH="0" baseline="0" noProof="0" dirty="0">
+              <a:ln>
+                <a:noFill/>
+              </a:ln>
+              <a:solidFill>
+                <a:prstClr val="black"/>
+              </a:solidFill>
+              <a:effectLst/>
+              <a:uLnTx/>
+              <a:uFillTx/>
+              <a:latin typeface="KaiTi" panose="02010609060101010101" pitchFamily="49" charset="-122"/>
+              <a:ea typeface="KaiTi" panose="02010609060101010101" pitchFamily="49" charset="-122"/>
+              <a:cs typeface="+mn-cs"/>
+            </a:endParaRPr>
+          </a:p>
+        </p:txBody>
+      </p:sp>
+      <p:sp>
+        <p:nvSpPr>
+          <p:cNvPr id="92" name="Rectangle 91">
+            <a:extLst>
+              <a:ext uri="{FF2B5EF4-FFF2-40B4-BE49-F238E27FC236}">
+                <a16:creationId xmlns:a16="http://schemas.microsoft.com/office/drawing/2014/main" id="{13826816-F9E5-CA42-B359-5B534EE26C52}"/>
+              </a:ext>
+            </a:extLst>
+          </p:cNvPr>
+          <p:cNvSpPr/>
+          <p:nvPr/>
+        </p:nvSpPr>
+        <p:spPr>
+          <a:xfrm>
+            <a:off x="921386" y="3380319"/>
+            <a:ext cx="2209343" cy="656610"/>
+          </a:xfrm>
+          <a:prstGeom prst="rect">
+            <a:avLst/>
+          </a:prstGeom>
+          <a:solidFill>
+            <a:srgbClr val="7A8C8E">
+              <a:lumMod val="20000"/>
+              <a:lumOff val="80000"/>
+            </a:srgbClr>
+          </a:solidFill>
+          <a:ln w="12700" cap="flat" cmpd="sng" algn="ctr">
+            <a:solidFill>
+              <a:srgbClr val="3494BA">
+                <a:shade val="50000"/>
+              </a:srgbClr>
+            </a:solidFill>
+            <a:prstDash val="solid"/>
+            <a:miter lim="800000"/>
+          </a:ln>
+          <a:effectLst/>
+        </p:spPr>
+        <p:txBody>
+          <a:bodyPr rtlCol="0" anchor="ctr"/>
+          <a:lstStyle/>
+          <a:p>
+            <a:pPr marL="0" marR="0" lvl="0" indent="0" algn="ctr" defTabSz="914400" eaLnBrk="1" fontAlgn="auto" latinLnBrk="0" hangingPunct="1">
+              <a:lnSpc>
+                <a:spcPct val="100000"/>
+              </a:lnSpc>
+              <a:spcBef>
+                <a:spcPts val="0"/>
+              </a:spcBef>
+              <a:spcAft>
+                <a:spcPts val="0"/>
+              </a:spcAft>
+              <a:buClrTx/>
+              <a:buSzTx/>
+              <a:buFontTx/>
+              <a:buNone/>
+              <a:tabLst/>
+              <a:defRPr/>
+            </a:pPr>
+            <a:r>
+              <a:rPr kumimoji="0" lang="en-CN" sz="1600" b="0" i="0" u="none" strike="noStrike" kern="0" cap="none" spc="0" normalizeH="0" baseline="0" noProof="0" dirty="0">
+                <a:ln>
+                  <a:noFill/>
+                </a:ln>
+                <a:solidFill>
+                  <a:prstClr val="black"/>
+                </a:solidFill>
+                <a:effectLst/>
+                <a:uLnTx/>
+                <a:uFillTx/>
+                <a:latin typeface="KaiTi" panose="02010609060101010101" pitchFamily="49" charset="-122"/>
+                <a:ea typeface="KaiTi" panose="02010609060101010101" pitchFamily="49" charset="-122"/>
+                <a:cs typeface="+mn-cs"/>
+              </a:rPr>
+              <a:t>时序特征提取模块</a:t>
+            </a:r>
+          </a:p>
+        </p:txBody>
+      </p:sp>
+      <p:sp>
+        <p:nvSpPr>
+          <p:cNvPr id="93" name="Rectangle 92">
+            <a:extLst>
+              <a:ext uri="{FF2B5EF4-FFF2-40B4-BE49-F238E27FC236}">
+                <a16:creationId xmlns:a16="http://schemas.microsoft.com/office/drawing/2014/main" id="{F6729184-3D94-BB4C-A879-AB169A41BE27}"/>
+              </a:ext>
+            </a:extLst>
+          </p:cNvPr>
+          <p:cNvSpPr/>
+          <p:nvPr/>
+        </p:nvSpPr>
+        <p:spPr>
+          <a:xfrm>
+            <a:off x="207720" y="4536027"/>
+            <a:ext cx="1071793" cy="656610"/>
+          </a:xfrm>
+          <a:prstGeom prst="rect">
+            <a:avLst/>
+          </a:prstGeom>
+          <a:solidFill>
+            <a:srgbClr val="58B6C0">
+              <a:lumMod val="20000"/>
+              <a:lumOff val="80000"/>
+            </a:srgbClr>
+          </a:solidFill>
+          <a:ln w="12700" cap="flat" cmpd="sng" algn="ctr">
+            <a:solidFill>
+              <a:srgbClr val="3494BA">
+                <a:shade val="50000"/>
+              </a:srgbClr>
+            </a:solidFill>
+            <a:prstDash val="sysDash"/>
+            <a:miter lim="800000"/>
+          </a:ln>
+          <a:effectLst/>
+        </p:spPr>
+        <p:txBody>
+          <a:bodyPr rtlCol="0" anchor="ctr"/>
+          <a:lstStyle/>
+          <a:p>
+            <a:pPr marL="0" marR="0" lvl="0" indent="0" algn="ctr" defTabSz="914400" eaLnBrk="1" fontAlgn="auto" latinLnBrk="0" hangingPunct="1">
+              <a:lnSpc>
+                <a:spcPct val="100000"/>
+              </a:lnSpc>
+              <a:spcBef>
+                <a:spcPts val="0"/>
+              </a:spcBef>
+              <a:spcAft>
+                <a:spcPts val="0"/>
+              </a:spcAft>
+              <a:buClrTx/>
+              <a:buSzTx/>
+              <a:buFontTx/>
+              <a:buNone/>
+              <a:tabLst/>
+              <a:defRPr/>
+            </a:pPr>
+            <a:r>
+              <a:rPr kumimoji="0" lang="en-CN" sz="1600" b="0" i="0" u="none" strike="noStrike" kern="0" cap="none" spc="0" normalizeH="0" baseline="0" noProof="0" dirty="0">
+                <a:ln>
+                  <a:noFill/>
+                </a:ln>
+                <a:solidFill>
+                  <a:prstClr val="black"/>
+                </a:solidFill>
+                <a:effectLst/>
+                <a:uLnTx/>
+                <a:uFillTx/>
+                <a:latin typeface="KaiTi" panose="02010609060101010101" pitchFamily="49" charset="-122"/>
+                <a:ea typeface="KaiTi" panose="02010609060101010101" pitchFamily="49" charset="-122"/>
+                <a:cs typeface="+mn-cs"/>
+              </a:rPr>
+              <a:t>置信度估计模块</a:t>
+            </a:r>
+          </a:p>
+        </p:txBody>
+      </p:sp>
+      <p:sp>
+        <p:nvSpPr>
+          <p:cNvPr id="94" name="Rectangle 93">
+            <a:extLst>
+              <a:ext uri="{FF2B5EF4-FFF2-40B4-BE49-F238E27FC236}">
+                <a16:creationId xmlns:a16="http://schemas.microsoft.com/office/drawing/2014/main" id="{184FEC9B-DC46-DA4C-9E30-C63170DA3A47}"/>
+              </a:ext>
+            </a:extLst>
+          </p:cNvPr>
+          <p:cNvSpPr/>
+          <p:nvPr/>
+        </p:nvSpPr>
+        <p:spPr>
+          <a:xfrm>
+            <a:off x="1489467" y="4552526"/>
+            <a:ext cx="1071793" cy="656610"/>
+          </a:xfrm>
+          <a:prstGeom prst="rect">
+            <a:avLst/>
+          </a:prstGeom>
+          <a:solidFill>
+            <a:srgbClr val="3494BA">
+              <a:lumMod val="20000"/>
+              <a:lumOff val="80000"/>
+            </a:srgbClr>
+          </a:solidFill>
+          <a:ln w="12700" cap="flat" cmpd="sng" algn="ctr">
+            <a:solidFill>
+              <a:srgbClr val="3494BA">
+                <a:shade val="50000"/>
+              </a:srgbClr>
+            </a:solidFill>
+            <a:prstDash val="solid"/>
+            <a:miter lim="800000"/>
+          </a:ln>
+          <a:effectLst/>
+        </p:spPr>
+        <p:txBody>
+          <a:bodyPr rtlCol="0" anchor="ctr"/>
+          <a:lstStyle/>
+          <a:p>
+            <a:pPr marL="0" marR="0" lvl="0" indent="0" algn="ctr" defTabSz="914400" eaLnBrk="1" fontAlgn="auto" latinLnBrk="0" hangingPunct="1">
+              <a:lnSpc>
+                <a:spcPct val="100000"/>
+              </a:lnSpc>
+              <a:spcBef>
+                <a:spcPts val="0"/>
+              </a:spcBef>
+              <a:spcAft>
+                <a:spcPts val="0"/>
+              </a:spcAft>
+              <a:buClrTx/>
+              <a:buSzTx/>
+              <a:buFontTx/>
+              <a:buNone/>
+              <a:tabLst/>
+              <a:defRPr/>
+            </a:pPr>
+            <a:r>
+              <a:rPr kumimoji="0" lang="en-CN" sz="1600" b="0" i="0" u="none" strike="noStrike" kern="0" cap="none" spc="0" normalizeH="0" baseline="0" noProof="0" dirty="0">
+                <a:ln>
+                  <a:noFill/>
+                </a:ln>
+                <a:solidFill>
+                  <a:prstClr val="black"/>
+                </a:solidFill>
+                <a:effectLst/>
+                <a:uLnTx/>
+                <a:uFillTx/>
+                <a:latin typeface="KaiTi" panose="02010609060101010101" pitchFamily="49" charset="-122"/>
+                <a:ea typeface="KaiTi" panose="02010609060101010101" pitchFamily="49" charset="-122"/>
+                <a:cs typeface="+mn-cs"/>
+              </a:rPr>
+              <a:t>预测</a:t>
+            </a:r>
+          </a:p>
+          <a:p>
+            <a:pPr marL="0" marR="0" lvl="0" indent="0" algn="ctr" defTabSz="914400" eaLnBrk="1" fontAlgn="auto" latinLnBrk="0" hangingPunct="1">
+              <a:lnSpc>
+                <a:spcPct val="100000"/>
+              </a:lnSpc>
+              <a:spcBef>
+                <a:spcPts val="0"/>
+              </a:spcBef>
+              <a:spcAft>
+                <a:spcPts val="0"/>
+              </a:spcAft>
+              <a:buClrTx/>
+              <a:buSzTx/>
+              <a:buFontTx/>
+              <a:buNone/>
+              <a:tabLst/>
+              <a:defRPr/>
+            </a:pPr>
+            <a:r>
+              <a:rPr kumimoji="0" lang="en-CN" sz="1600" b="0" i="0" u="none" strike="noStrike" kern="0" cap="none" spc="0" normalizeH="0" baseline="0" noProof="0" dirty="0">
+                <a:ln>
+                  <a:noFill/>
+                </a:ln>
+                <a:solidFill>
+                  <a:prstClr val="black"/>
+                </a:solidFill>
+                <a:effectLst/>
+                <a:uLnTx/>
+                <a:uFillTx/>
+                <a:latin typeface="KaiTi" panose="02010609060101010101" pitchFamily="49" charset="-122"/>
+                <a:ea typeface="KaiTi" panose="02010609060101010101" pitchFamily="49" charset="-122"/>
+                <a:cs typeface="+mn-cs"/>
+              </a:rPr>
+              <a:t>模块</a:t>
+            </a:r>
+          </a:p>
+        </p:txBody>
+      </p:sp>
+      <p:sp>
+        <p:nvSpPr>
+          <p:cNvPr id="95" name="Rectangle 94">
+            <a:extLst>
+              <a:ext uri="{FF2B5EF4-FFF2-40B4-BE49-F238E27FC236}">
+                <a16:creationId xmlns:a16="http://schemas.microsoft.com/office/drawing/2014/main" id="{25543E4E-C2CE-8242-B1F3-04B443340B3B}"/>
+              </a:ext>
+            </a:extLst>
+          </p:cNvPr>
+          <p:cNvSpPr/>
+          <p:nvPr/>
+        </p:nvSpPr>
+        <p:spPr>
+          <a:xfrm>
+            <a:off x="2771214" y="4536027"/>
+            <a:ext cx="1071791" cy="656610"/>
+          </a:xfrm>
+          <a:prstGeom prst="rect">
+            <a:avLst/>
+          </a:prstGeom>
+          <a:solidFill>
+            <a:sysClr val="window" lastClr="FFFFFF">
+              <a:lumMod val="95000"/>
+            </a:sysClr>
+          </a:solidFill>
+          <a:ln w="12700" cap="flat" cmpd="sng" algn="ctr">
+            <a:solidFill>
+              <a:srgbClr val="3494BA">
+                <a:shade val="50000"/>
+              </a:srgbClr>
+            </a:solidFill>
+            <a:prstDash val="solid"/>
+            <a:miter lim="800000"/>
+          </a:ln>
+          <a:effectLst/>
+        </p:spPr>
+        <p:txBody>
+          <a:bodyPr rtlCol="0" anchor="ctr"/>
+          <a:lstStyle/>
+          <a:p>
+            <a:pPr marL="0" marR="0" lvl="0" indent="0" algn="ctr" defTabSz="914400" eaLnBrk="1" fontAlgn="auto" latinLnBrk="0" hangingPunct="1">
+              <a:lnSpc>
+                <a:spcPct val="100000"/>
+              </a:lnSpc>
+              <a:spcBef>
+                <a:spcPts val="0"/>
+              </a:spcBef>
+              <a:spcAft>
+                <a:spcPts val="0"/>
+              </a:spcAft>
+              <a:buClrTx/>
+              <a:buSzTx/>
+              <a:buFontTx/>
+              <a:buNone/>
+              <a:tabLst/>
+              <a:defRPr/>
+            </a:pPr>
+            <a:r>
+              <a:rPr kumimoji="0" lang="en-US" sz="1600" b="0" i="0" u="none" strike="noStrike" kern="0" cap="none" spc="0" normalizeH="0" baseline="0" noProof="0" dirty="0" err="1">
+                <a:ln>
+                  <a:noFill/>
+                </a:ln>
+                <a:solidFill>
+                  <a:prstClr val="black"/>
+                </a:solidFill>
+                <a:effectLst/>
+                <a:uLnTx/>
+                <a:uFillTx/>
+                <a:latin typeface="KaiTi" panose="02010609060101010101" pitchFamily="49" charset="-122"/>
+                <a:ea typeface="KaiTi" panose="02010609060101010101" pitchFamily="49" charset="-122"/>
+                <a:cs typeface="+mn-cs"/>
+              </a:rPr>
+              <a:t>细粒度</a:t>
+            </a:r>
+            <a:endParaRPr kumimoji="0" lang="en-US" sz="1600" b="0" i="0" u="none" strike="noStrike" kern="0" cap="none" spc="0" normalizeH="0" baseline="0" noProof="0" dirty="0">
+              <a:ln>
+                <a:noFill/>
+              </a:ln>
+              <a:solidFill>
+                <a:prstClr val="black"/>
+              </a:solidFill>
+              <a:effectLst/>
+              <a:uLnTx/>
+              <a:uFillTx/>
+              <a:latin typeface="KaiTi" panose="02010609060101010101" pitchFamily="49" charset="-122"/>
+              <a:ea typeface="KaiTi" panose="02010609060101010101" pitchFamily="49" charset="-122"/>
+              <a:cs typeface="+mn-cs"/>
+            </a:endParaRPr>
+          </a:p>
+          <a:p>
+            <a:pPr marL="0" marR="0" lvl="0" indent="0" algn="ctr" defTabSz="914400" eaLnBrk="1" fontAlgn="auto" latinLnBrk="0" hangingPunct="1">
+              <a:lnSpc>
+                <a:spcPct val="100000"/>
+              </a:lnSpc>
+              <a:spcBef>
+                <a:spcPts val="0"/>
+              </a:spcBef>
+              <a:spcAft>
+                <a:spcPts val="0"/>
+              </a:spcAft>
+              <a:buClrTx/>
+              <a:buSzTx/>
+              <a:buFontTx/>
+              <a:buNone/>
+              <a:tabLst/>
+              <a:defRPr/>
+            </a:pPr>
+            <a:r>
+              <a:rPr kumimoji="0" lang="en-US" sz="1600" b="0" i="0" u="none" strike="noStrike" kern="0" cap="none" spc="0" normalizeH="0" baseline="0" noProof="0" dirty="0" err="1">
+                <a:ln>
+                  <a:noFill/>
+                </a:ln>
+                <a:solidFill>
+                  <a:prstClr val="black"/>
+                </a:solidFill>
+                <a:effectLst/>
+                <a:uLnTx/>
+                <a:uFillTx/>
+                <a:latin typeface="KaiTi" panose="02010609060101010101" pitchFamily="49" charset="-122"/>
+                <a:ea typeface="KaiTi" panose="02010609060101010101" pitchFamily="49" charset="-122"/>
+                <a:cs typeface="+mn-cs"/>
+              </a:rPr>
+              <a:t>重建模块</a:t>
+            </a:r>
+            <a:endParaRPr kumimoji="0" lang="en-CN" sz="1600" b="0" i="0" u="none" strike="noStrike" kern="0" cap="none" spc="0" normalizeH="0" baseline="0" noProof="0" dirty="0">
+              <a:ln>
+                <a:noFill/>
+              </a:ln>
+              <a:solidFill>
+                <a:prstClr val="black"/>
+              </a:solidFill>
+              <a:effectLst/>
+              <a:uLnTx/>
+              <a:uFillTx/>
+              <a:latin typeface="KaiTi" panose="02010609060101010101" pitchFamily="49" charset="-122"/>
+              <a:ea typeface="KaiTi" panose="02010609060101010101" pitchFamily="49" charset="-122"/>
+              <a:cs typeface="+mn-cs"/>
+            </a:endParaRPr>
+          </a:p>
+        </p:txBody>
+      </p:sp>
+      <p:cxnSp>
+        <p:nvCxnSpPr>
+          <p:cNvPr id="96" name="Elbow Connector 95">
+            <a:extLst>
+              <a:ext uri="{FF2B5EF4-FFF2-40B4-BE49-F238E27FC236}">
+                <a16:creationId xmlns:a16="http://schemas.microsoft.com/office/drawing/2014/main" id="{A7906EDA-827C-B44B-AEEA-BA091CCA8138}"/>
+              </a:ext>
+            </a:extLst>
+          </p:cNvPr>
+          <p:cNvCxnSpPr>
+            <a:cxnSpLocks/>
+            <a:stCxn id="92" idx="2"/>
+            <a:endCxn id="93" idx="0"/>
+          </p:cNvCxnSpPr>
+          <p:nvPr/>
+        </p:nvCxnSpPr>
+        <p:spPr>
+          <a:xfrm rot="5400000">
+            <a:off x="1135289" y="3645258"/>
+            <a:ext cx="499098" cy="1282441"/>
+          </a:xfrm>
+          <a:prstGeom prst="bentConnector3">
+            <a:avLst>
+              <a:gd name="adj1" fmla="val 50000"/>
+            </a:avLst>
+          </a:prstGeom>
+          <a:noFill/>
+          <a:ln w="12700" cap="flat" cmpd="sng" algn="ctr">
+            <a:solidFill>
+              <a:sysClr val="windowText" lastClr="000000"/>
+            </a:solidFill>
+            <a:prstDash val="sysDash"/>
+            <a:miter lim="800000"/>
+            <a:tailEnd type="triangle"/>
+          </a:ln>
+          <a:effectLst/>
+        </p:spPr>
+      </p:cxnSp>
+      <p:cxnSp>
+        <p:nvCxnSpPr>
+          <p:cNvPr id="97" name="Elbow Connector 96">
+            <a:extLst>
+              <a:ext uri="{FF2B5EF4-FFF2-40B4-BE49-F238E27FC236}">
+                <a16:creationId xmlns:a16="http://schemas.microsoft.com/office/drawing/2014/main" id="{5F762169-2592-7D48-9309-E75DBED41889}"/>
+              </a:ext>
+            </a:extLst>
+          </p:cNvPr>
+          <p:cNvCxnSpPr>
+            <a:cxnSpLocks/>
+            <a:stCxn id="92" idx="2"/>
+            <a:endCxn id="94" idx="0"/>
+          </p:cNvCxnSpPr>
+          <p:nvPr/>
+        </p:nvCxnSpPr>
+        <p:spPr>
+          <a:xfrm rot="5400000">
+            <a:off x="1767913" y="4294380"/>
+            <a:ext cx="515597" cy="694"/>
+          </a:xfrm>
+          <a:prstGeom prst="bentConnector3">
+            <a:avLst>
+              <a:gd name="adj1" fmla="val 50000"/>
+            </a:avLst>
+          </a:prstGeom>
+          <a:noFill/>
+          <a:ln w="12700" cap="flat" cmpd="sng" algn="ctr">
+            <a:solidFill>
+              <a:sysClr val="windowText" lastClr="000000"/>
+            </a:solidFill>
+            <a:prstDash val="solid"/>
+            <a:miter lim="800000"/>
+            <a:tailEnd type="triangle"/>
+          </a:ln>
+          <a:effectLst/>
+        </p:spPr>
+      </p:cxnSp>
+      <p:cxnSp>
+        <p:nvCxnSpPr>
+          <p:cNvPr id="98" name="Elbow Connector 97">
+            <a:extLst>
+              <a:ext uri="{FF2B5EF4-FFF2-40B4-BE49-F238E27FC236}">
+                <a16:creationId xmlns:a16="http://schemas.microsoft.com/office/drawing/2014/main" id="{C6D2772C-1ED9-7E41-B3F1-6F868E21BD59}"/>
+              </a:ext>
+            </a:extLst>
+          </p:cNvPr>
+          <p:cNvCxnSpPr>
+            <a:cxnSpLocks/>
+            <a:stCxn id="92" idx="2"/>
+            <a:endCxn id="95" idx="0"/>
+          </p:cNvCxnSpPr>
+          <p:nvPr/>
+        </p:nvCxnSpPr>
+        <p:spPr>
+          <a:xfrm rot="16200000" flipH="1">
+            <a:off x="2417035" y="3645952"/>
+            <a:ext cx="499098" cy="1281052"/>
+          </a:xfrm>
+          <a:prstGeom prst="bentConnector3">
+            <a:avLst>
+              <a:gd name="adj1" fmla="val 50000"/>
+            </a:avLst>
+          </a:prstGeom>
+          <a:noFill/>
+          <a:ln w="12700" cap="flat" cmpd="sng" algn="ctr">
+            <a:solidFill>
+              <a:sysClr val="windowText" lastClr="000000"/>
+            </a:solidFill>
+            <a:prstDash val="solid"/>
+            <a:miter lim="800000"/>
+            <a:tailEnd type="triangle"/>
+          </a:ln>
+          <a:effectLst/>
+        </p:spPr>
+      </p:cxnSp>
+      <p:cxnSp>
+        <p:nvCxnSpPr>
+          <p:cNvPr id="99" name="Straight Arrow Connector 98">
+            <a:extLst>
+              <a:ext uri="{FF2B5EF4-FFF2-40B4-BE49-F238E27FC236}">
+                <a16:creationId xmlns:a16="http://schemas.microsoft.com/office/drawing/2014/main" id="{9A0285ED-A708-774D-84E4-B9610D8968BB}"/>
+              </a:ext>
+            </a:extLst>
+          </p:cNvPr>
+          <p:cNvCxnSpPr>
+            <a:cxnSpLocks/>
+            <a:stCxn id="94" idx="2"/>
+            <a:endCxn id="100" idx="0"/>
+          </p:cNvCxnSpPr>
+          <p:nvPr/>
+        </p:nvCxnSpPr>
+        <p:spPr>
+          <a:xfrm flipH="1">
+            <a:off x="2024668" y="5209136"/>
+            <a:ext cx="696" cy="333432"/>
+          </a:xfrm>
+          <a:prstGeom prst="straightConnector1">
+            <a:avLst/>
+          </a:prstGeom>
+          <a:noFill/>
+          <a:ln w="12700" cap="flat" cmpd="sng" algn="ctr">
+            <a:solidFill>
+              <a:sysClr val="windowText" lastClr="000000"/>
+            </a:solidFill>
+            <a:prstDash val="solid"/>
+            <a:miter lim="800000"/>
+            <a:tailEnd type="stealth"/>
+          </a:ln>
+          <a:effectLst/>
+        </p:spPr>
+      </p:cxnSp>
+      <p:sp>
+        <p:nvSpPr>
+          <p:cNvPr id="100" name="Summing Junction 99">
+            <a:extLst>
+              <a:ext uri="{FF2B5EF4-FFF2-40B4-BE49-F238E27FC236}">
+                <a16:creationId xmlns:a16="http://schemas.microsoft.com/office/drawing/2014/main" id="{923889B1-34CE-F441-A363-0E3F41CB7F9B}"/>
+              </a:ext>
+            </a:extLst>
+          </p:cNvPr>
+          <p:cNvSpPr/>
+          <p:nvPr/>
+        </p:nvSpPr>
+        <p:spPr>
+          <a:xfrm>
+            <a:off x="1826117" y="5542568"/>
+            <a:ext cx="397101" cy="397101"/>
+          </a:xfrm>
+          <a:prstGeom prst="flowChartSummingJunction">
+            <a:avLst/>
+          </a:prstGeom>
+          <a:solidFill>
+            <a:srgbClr val="3494BA"/>
+          </a:solidFill>
+          <a:ln w="19050" cap="flat" cmpd="sng" algn="ctr">
+            <a:solidFill>
+              <a:sysClr val="windowText" lastClr="000000"/>
+            </a:solidFill>
+            <a:prstDash val="solid"/>
+            <a:miter lim="800000"/>
+          </a:ln>
+          <a:effectLst/>
+        </p:spPr>
+        <p:txBody>
+          <a:bodyPr rtlCol="0" anchor="ctr"/>
+          <a:lstStyle/>
+          <a:p>
+            <a:pPr marL="0" marR="0" lvl="0" indent="0" algn="ctr" defTabSz="914400" eaLnBrk="1" fontAlgn="auto" latinLnBrk="0" hangingPunct="1">
+              <a:lnSpc>
+                <a:spcPct val="100000"/>
+              </a:lnSpc>
+              <a:spcBef>
+                <a:spcPts val="0"/>
+              </a:spcBef>
+              <a:spcAft>
+                <a:spcPts val="0"/>
+              </a:spcAft>
+              <a:buClrTx/>
+              <a:buSzTx/>
+              <a:buFontTx/>
+              <a:buNone/>
+              <a:tabLst/>
+              <a:defRPr/>
+            </a:pPr>
+            <a:endParaRPr kumimoji="0" lang="en-CN" sz="1800" b="0" i="0" u="none" strike="noStrike" kern="0" cap="none" spc="0" normalizeH="0" baseline="0" noProof="0">
+              <a:ln>
+                <a:noFill/>
+              </a:ln>
+              <a:solidFill>
+                <a:prstClr val="white"/>
+              </a:solidFill>
+              <a:effectLst/>
+              <a:uLnTx/>
+              <a:uFillTx/>
+              <a:latin typeface="等线"/>
+              <a:ea typeface="+mn-ea"/>
+              <a:cs typeface="+mn-cs"/>
+            </a:endParaRPr>
+          </a:p>
+        </p:txBody>
+      </p:sp>
+      <p:cxnSp>
+        <p:nvCxnSpPr>
+          <p:cNvPr id="101" name="Elbow Connector 100">
+            <a:extLst>
+              <a:ext uri="{FF2B5EF4-FFF2-40B4-BE49-F238E27FC236}">
+                <a16:creationId xmlns:a16="http://schemas.microsoft.com/office/drawing/2014/main" id="{C84ECAC6-C272-A946-9FA7-0E9FEF725083}"/>
+              </a:ext>
+            </a:extLst>
+          </p:cNvPr>
+          <p:cNvCxnSpPr>
+            <a:cxnSpLocks/>
+            <a:stCxn id="93" idx="2"/>
+            <a:endCxn id="100" idx="2"/>
+          </p:cNvCxnSpPr>
+          <p:nvPr/>
+        </p:nvCxnSpPr>
+        <p:spPr>
+          <a:xfrm rot="16200000" flipH="1">
+            <a:off x="1010626" y="4925628"/>
+            <a:ext cx="548482" cy="1082500"/>
+          </a:xfrm>
+          <a:prstGeom prst="bentConnector2">
+            <a:avLst/>
+          </a:prstGeom>
+          <a:noFill/>
+          <a:ln w="12700" cap="flat" cmpd="sng" algn="ctr">
+            <a:solidFill>
+              <a:sysClr val="windowText" lastClr="000000"/>
+            </a:solidFill>
+            <a:prstDash val="sysDash"/>
+            <a:miter lim="800000"/>
+            <a:tailEnd type="triangle"/>
+          </a:ln>
+          <a:effectLst/>
+        </p:spPr>
+      </p:cxnSp>
+    </p:spTree>
+    <p:extLst>
+      <p:ext uri="{BB962C8B-B14F-4D97-AF65-F5344CB8AC3E}">
+        <p14:creationId xmlns:p14="http://schemas.microsoft.com/office/powerpoint/2010/main" val="3268520501"/>
+      </p:ext>
+    </p:extLst>
+  </p:cSld>
+  <p:clrMapOvr>
+    <a:masterClrMapping/>
+  </p:clrMapOvr>
+</p:sld>
+</file>
+
 <file path=ppt/theme/theme1.xml><?xml version="1.0" encoding="utf-8"?>
 <a:theme xmlns:a="http://schemas.openxmlformats.org/drawingml/2006/main" name="Office Theme">
   <a:themeElements>

--- a/images/MgRL_CE_Images.pptx
+++ b/images/MgRL_CE_Images.pptx
@@ -7,6 +7,7 @@
   <p:sldIdLst>
     <p:sldId id="256" r:id="rId2"/>
     <p:sldId id="257" r:id="rId3"/>
+    <p:sldId id="258" r:id="rId4"/>
   </p:sldIdLst>
   <p:sldSz cx="12192000" cy="6858000"/>
   <p:notesSz cx="6858000" cy="9144000"/>
@@ -262,7 +263,7 @@
           <a:p>
             <a:fld id="{33CED4F4-8C16-E840-8EAB-9D4457026F8E}" type="datetimeFigureOut">
               <a:rPr lang="en-CN" smtClean="0"/>
-              <a:t>2024/4/7</a:t>
+              <a:t>2024/4/8</a:t>
             </a:fld>
             <a:endParaRPr lang="en-CN"/>
           </a:p>
@@ -462,7 +463,7 @@
           <a:p>
             <a:fld id="{33CED4F4-8C16-E840-8EAB-9D4457026F8E}" type="datetimeFigureOut">
               <a:rPr lang="en-CN" smtClean="0"/>
-              <a:t>2024/4/7</a:t>
+              <a:t>2024/4/8</a:t>
             </a:fld>
             <a:endParaRPr lang="en-CN"/>
           </a:p>
@@ -672,7 +673,7 @@
           <a:p>
             <a:fld id="{33CED4F4-8C16-E840-8EAB-9D4457026F8E}" type="datetimeFigureOut">
               <a:rPr lang="en-CN" smtClean="0"/>
-              <a:t>2024/4/7</a:t>
+              <a:t>2024/4/8</a:t>
             </a:fld>
             <a:endParaRPr lang="en-CN"/>
           </a:p>
@@ -872,7 +873,7 @@
           <a:p>
             <a:fld id="{33CED4F4-8C16-E840-8EAB-9D4457026F8E}" type="datetimeFigureOut">
               <a:rPr lang="en-CN" smtClean="0"/>
-              <a:t>2024/4/7</a:t>
+              <a:t>2024/4/8</a:t>
             </a:fld>
             <a:endParaRPr lang="en-CN"/>
           </a:p>
@@ -1148,7 +1149,7 @@
           <a:p>
             <a:fld id="{33CED4F4-8C16-E840-8EAB-9D4457026F8E}" type="datetimeFigureOut">
               <a:rPr lang="en-CN" smtClean="0"/>
-              <a:t>2024/4/7</a:t>
+              <a:t>2024/4/8</a:t>
             </a:fld>
             <a:endParaRPr lang="en-CN"/>
           </a:p>
@@ -1416,7 +1417,7 @@
           <a:p>
             <a:fld id="{33CED4F4-8C16-E840-8EAB-9D4457026F8E}" type="datetimeFigureOut">
               <a:rPr lang="en-CN" smtClean="0"/>
-              <a:t>2024/4/7</a:t>
+              <a:t>2024/4/8</a:t>
             </a:fld>
             <a:endParaRPr lang="en-CN"/>
           </a:p>
@@ -1831,7 +1832,7 @@
           <a:p>
             <a:fld id="{33CED4F4-8C16-E840-8EAB-9D4457026F8E}" type="datetimeFigureOut">
               <a:rPr lang="en-CN" smtClean="0"/>
-              <a:t>2024/4/7</a:t>
+              <a:t>2024/4/8</a:t>
             </a:fld>
             <a:endParaRPr lang="en-CN"/>
           </a:p>
@@ -1973,7 +1974,7 @@
           <a:p>
             <a:fld id="{33CED4F4-8C16-E840-8EAB-9D4457026F8E}" type="datetimeFigureOut">
               <a:rPr lang="en-CN" smtClean="0"/>
-              <a:t>2024/4/7</a:t>
+              <a:t>2024/4/8</a:t>
             </a:fld>
             <a:endParaRPr lang="en-CN"/>
           </a:p>
@@ -2086,7 +2087,7 @@
           <a:p>
             <a:fld id="{33CED4F4-8C16-E840-8EAB-9D4457026F8E}" type="datetimeFigureOut">
               <a:rPr lang="en-CN" smtClean="0"/>
-              <a:t>2024/4/7</a:t>
+              <a:t>2024/4/8</a:t>
             </a:fld>
             <a:endParaRPr lang="en-CN"/>
           </a:p>
@@ -2399,7 +2400,7 @@
           <a:p>
             <a:fld id="{33CED4F4-8C16-E840-8EAB-9D4457026F8E}" type="datetimeFigureOut">
               <a:rPr lang="en-CN" smtClean="0"/>
-              <a:t>2024/4/7</a:t>
+              <a:t>2024/4/8</a:t>
             </a:fld>
             <a:endParaRPr lang="en-CN"/>
           </a:p>
@@ -2688,7 +2689,7 @@
           <a:p>
             <a:fld id="{33CED4F4-8C16-E840-8EAB-9D4457026F8E}" type="datetimeFigureOut">
               <a:rPr lang="en-CN" smtClean="0"/>
-              <a:t>2024/4/7</a:t>
+              <a:t>2024/4/8</a:t>
             </a:fld>
             <a:endParaRPr lang="en-CN"/>
           </a:p>
@@ -2931,7 +2932,7 @@
           <a:p>
             <a:fld id="{33CED4F4-8C16-E840-8EAB-9D4457026F8E}" type="datetimeFigureOut">
               <a:rPr lang="en-CN" smtClean="0"/>
-              <a:t>2024/4/7</a:t>
+              <a:t>2024/4/8</a:t>
             </a:fld>
             <a:endParaRPr lang="en-CN"/>
           </a:p>
@@ -3647,1014 +3648,12 @@
           <a:chExt cx="0" cy="0"/>
         </a:xfrm>
       </p:grpSpPr>
-      <p:sp>
-        <p:nvSpPr>
-          <p:cNvPr id="58" name="Rounded Rectangle 57">
+      <p:grpSp>
+        <p:nvGrpSpPr>
+          <p:cNvPr id="482" name="Group 481">
             <a:extLst>
               <a:ext uri="{FF2B5EF4-FFF2-40B4-BE49-F238E27FC236}">
-                <a16:creationId xmlns:a16="http://schemas.microsoft.com/office/drawing/2014/main" id="{32C2F330-35B1-7C4B-A345-8302436E7F36}"/>
-              </a:ext>
-            </a:extLst>
-          </p:cNvPr>
-          <p:cNvSpPr/>
-          <p:nvPr/>
-        </p:nvSpPr>
-        <p:spPr>
-          <a:xfrm>
-            <a:off x="2280518" y="1131168"/>
-            <a:ext cx="9692756" cy="2905760"/>
-          </a:xfrm>
-          <a:prstGeom prst="roundRect">
-            <a:avLst>
-              <a:gd name="adj" fmla="val 4775"/>
-            </a:avLst>
-          </a:prstGeom>
-          <a:solidFill>
-            <a:srgbClr val="58B6C0">
-              <a:lumMod val="20000"/>
-              <a:lumOff val="80000"/>
-            </a:srgbClr>
-          </a:solidFill>
-          <a:ln w="12700" cap="flat" cmpd="sng" algn="ctr">
-            <a:solidFill>
-              <a:sysClr val="windowText" lastClr="000000"/>
-            </a:solidFill>
-            <a:prstDash val="solid"/>
-            <a:miter lim="800000"/>
-          </a:ln>
-          <a:effectLst/>
-        </p:spPr>
-        <p:txBody>
-          <a:bodyPr rtlCol="0" anchor="ctr"/>
-          <a:lstStyle/>
-          <a:p>
-            <a:pPr marL="0" marR="0" lvl="0" indent="0" algn="ctr" defTabSz="914400" eaLnBrk="1" fontAlgn="auto" latinLnBrk="0" hangingPunct="1">
-              <a:lnSpc>
-                <a:spcPct val="100000"/>
-              </a:lnSpc>
-              <a:spcBef>
-                <a:spcPts val="0"/>
-              </a:spcBef>
-              <a:spcAft>
-                <a:spcPts val="0"/>
-              </a:spcAft>
-              <a:buClrTx/>
-              <a:buSzTx/>
-              <a:buFontTx/>
-              <a:buNone/>
-              <a:tabLst/>
-              <a:defRPr/>
-            </a:pPr>
-            <a:endParaRPr kumimoji="0" lang="en-CN" sz="1800" b="0" i="0" u="none" strike="noStrike" kern="0" cap="none" spc="0" normalizeH="0" baseline="0" noProof="0">
-              <a:ln>
-                <a:noFill/>
-              </a:ln>
-              <a:solidFill>
-                <a:prstClr val="black"/>
-              </a:solidFill>
-              <a:effectLst/>
-              <a:uLnTx/>
-              <a:uFillTx/>
-              <a:latin typeface="KaiTi" panose="02010609060101010101" pitchFamily="49" charset="-122"/>
-              <a:ea typeface="KaiTi" panose="02010609060101010101" pitchFamily="49" charset="-122"/>
-              <a:cs typeface="+mn-cs"/>
-            </a:endParaRPr>
-          </a:p>
-        </p:txBody>
-      </p:sp>
-      <p:sp>
-        <p:nvSpPr>
-          <p:cNvPr id="59" name="Rounded Rectangle 58">
-            <a:extLst>
-              <a:ext uri="{FF2B5EF4-FFF2-40B4-BE49-F238E27FC236}">
-                <a16:creationId xmlns:a16="http://schemas.microsoft.com/office/drawing/2014/main" id="{DACEADEA-BB40-C546-BA0F-574B4889E608}"/>
-              </a:ext>
-            </a:extLst>
-          </p:cNvPr>
-          <p:cNvSpPr/>
-          <p:nvPr/>
-        </p:nvSpPr>
-        <p:spPr>
-          <a:xfrm>
-            <a:off x="2432918" y="1534413"/>
-            <a:ext cx="1867535" cy="393026"/>
-          </a:xfrm>
-          <a:prstGeom prst="roundRect">
-            <a:avLst>
-              <a:gd name="adj" fmla="val 4775"/>
-            </a:avLst>
-          </a:prstGeom>
-          <a:solidFill>
-            <a:srgbClr val="7A8C8E">
-              <a:lumMod val="20000"/>
-              <a:lumOff val="80000"/>
-            </a:srgbClr>
-          </a:solidFill>
-          <a:ln w="12700" cap="flat" cmpd="sng" algn="ctr">
-            <a:solidFill>
-              <a:sysClr val="windowText" lastClr="000000"/>
-            </a:solidFill>
-            <a:prstDash val="solid"/>
-            <a:miter lim="800000"/>
-          </a:ln>
-          <a:effectLst/>
-        </p:spPr>
-        <p:txBody>
-          <a:bodyPr rtlCol="0" anchor="ctr"/>
-          <a:lstStyle/>
-          <a:p>
-            <a:pPr marL="0" marR="0" lvl="0" indent="0" algn="ctr" defTabSz="914400" eaLnBrk="1" fontAlgn="auto" latinLnBrk="0" hangingPunct="1">
-              <a:lnSpc>
-                <a:spcPct val="100000"/>
-              </a:lnSpc>
-              <a:spcBef>
-                <a:spcPts val="0"/>
-              </a:spcBef>
-              <a:spcAft>
-                <a:spcPts val="0"/>
-              </a:spcAft>
-              <a:buClrTx/>
-              <a:buSzTx/>
-              <a:buFontTx/>
-              <a:buNone/>
-              <a:tabLst/>
-              <a:defRPr/>
-            </a:pPr>
-            <a:r>
-              <a:rPr kumimoji="0" lang="en-CN" sz="1800" b="0" i="0" u="none" strike="noStrike" kern="0" cap="none" spc="0" normalizeH="0" baseline="0" noProof="0" dirty="0">
-                <a:ln>
-                  <a:noFill/>
-                </a:ln>
-                <a:solidFill>
-                  <a:prstClr val="black"/>
-                </a:solidFill>
-                <a:effectLst/>
-                <a:uLnTx/>
-                <a:uFillTx/>
-                <a:latin typeface="KaiTi" panose="02010609060101010101" pitchFamily="49" charset="-122"/>
-                <a:ea typeface="KaiTi" panose="02010609060101010101" pitchFamily="49" charset="-122"/>
-                <a:cs typeface="+mn-cs"/>
-              </a:rPr>
-              <a:t>粒度对齐</a:t>
-            </a:r>
-          </a:p>
-        </p:txBody>
-      </p:sp>
-      <p:sp>
-        <p:nvSpPr>
-          <p:cNvPr id="60" name="Rounded Rectangle 59">
-            <a:extLst>
-              <a:ext uri="{FF2B5EF4-FFF2-40B4-BE49-F238E27FC236}">
-                <a16:creationId xmlns:a16="http://schemas.microsoft.com/office/drawing/2014/main" id="{A9BF58D4-3213-334D-A6CB-825CC88E9341}"/>
-              </a:ext>
-            </a:extLst>
-          </p:cNvPr>
-          <p:cNvSpPr/>
-          <p:nvPr/>
-        </p:nvSpPr>
-        <p:spPr>
-          <a:xfrm>
-            <a:off x="3789913" y="2584048"/>
-            <a:ext cx="1648914" cy="622915"/>
-          </a:xfrm>
-          <a:prstGeom prst="roundRect">
-            <a:avLst>
-              <a:gd name="adj" fmla="val 4775"/>
-            </a:avLst>
-          </a:prstGeom>
-          <a:solidFill>
-            <a:srgbClr val="2683C6">
-              <a:lumMod val="60000"/>
-              <a:lumOff val="40000"/>
-            </a:srgbClr>
-          </a:solidFill>
-          <a:ln w="12700" cap="flat" cmpd="sng" algn="ctr">
-            <a:solidFill>
-              <a:sysClr val="windowText" lastClr="000000"/>
-            </a:solidFill>
-            <a:prstDash val="solid"/>
-            <a:miter lim="800000"/>
-          </a:ln>
-          <a:effectLst/>
-        </p:spPr>
-        <p:txBody>
-          <a:bodyPr rtlCol="0" anchor="ctr"/>
-          <a:lstStyle/>
-          <a:p>
-            <a:pPr marL="0" marR="0" lvl="0" indent="0" algn="ctr" defTabSz="914400" eaLnBrk="1" fontAlgn="auto" latinLnBrk="0" hangingPunct="1">
-              <a:lnSpc>
-                <a:spcPct val="100000"/>
-              </a:lnSpc>
-              <a:spcBef>
-                <a:spcPts val="0"/>
-              </a:spcBef>
-              <a:spcAft>
-                <a:spcPts val="0"/>
-              </a:spcAft>
-              <a:buClrTx/>
-              <a:buSzTx/>
-              <a:buFontTx/>
-              <a:buNone/>
-              <a:tabLst/>
-              <a:defRPr/>
-            </a:pPr>
-            <a:r>
-              <a:rPr kumimoji="0" lang="en-CN" sz="1800" b="0" i="0" u="none" strike="noStrike" kern="0" cap="none" spc="0" normalizeH="0" baseline="0" noProof="0" dirty="0">
-                <a:ln>
-                  <a:noFill/>
-                </a:ln>
-                <a:solidFill>
-                  <a:prstClr val="black"/>
-                </a:solidFill>
-                <a:effectLst/>
-                <a:uLnTx/>
-                <a:uFillTx/>
-                <a:latin typeface="KaiTi" panose="02010609060101010101" pitchFamily="49" charset="-122"/>
-                <a:ea typeface="KaiTi" panose="02010609060101010101" pitchFamily="49" charset="-122"/>
-                <a:cs typeface="+mn-cs"/>
-              </a:rPr>
-              <a:t>核心模块</a:t>
-            </a:r>
-          </a:p>
-        </p:txBody>
-      </p:sp>
-      <p:sp>
-        <p:nvSpPr>
-          <p:cNvPr id="61" name="TextBox 60">
-            <a:extLst>
-              <a:ext uri="{FF2B5EF4-FFF2-40B4-BE49-F238E27FC236}">
-                <a16:creationId xmlns:a16="http://schemas.microsoft.com/office/drawing/2014/main" id="{420D6B74-5738-FD43-A3C1-74E32B04D908}"/>
-              </a:ext>
-            </a:extLst>
-          </p:cNvPr>
-          <p:cNvSpPr txBox="1"/>
-          <p:nvPr/>
-        </p:nvSpPr>
-        <p:spPr>
-          <a:xfrm>
-            <a:off x="2432918" y="761836"/>
-            <a:ext cx="1854835" cy="369332"/>
-          </a:xfrm>
-          <a:prstGeom prst="rect">
-            <a:avLst/>
-          </a:prstGeom>
-          <a:noFill/>
-        </p:spPr>
-        <p:txBody>
-          <a:bodyPr wrap="square" rtlCol="0">
-            <a:spAutoFit/>
-          </a:bodyPr>
-          <a:lstStyle/>
-          <a:p>
-            <a:pPr algn="ctr"/>
-            <a:r>
-              <a:rPr lang="en-CN" dirty="0">
-                <a:solidFill>
-                  <a:prstClr val="black"/>
-                </a:solidFill>
-                <a:latin typeface="KaiTi" panose="02010609060101010101" pitchFamily="49" charset="-122"/>
-                <a:ea typeface="KaiTi" panose="02010609060101010101" pitchFamily="49" charset="-122"/>
-              </a:rPr>
-              <a:t>粗粒度数据</a:t>
-            </a:r>
-          </a:p>
-        </p:txBody>
-      </p:sp>
-      <p:cxnSp>
-        <p:nvCxnSpPr>
-          <p:cNvPr id="62" name="Straight Arrow Connector 61">
-            <a:extLst>
-              <a:ext uri="{FF2B5EF4-FFF2-40B4-BE49-F238E27FC236}">
-                <a16:creationId xmlns:a16="http://schemas.microsoft.com/office/drawing/2014/main" id="{918A3343-BA46-2D44-836D-CEA233084213}"/>
-              </a:ext>
-            </a:extLst>
-          </p:cNvPr>
-          <p:cNvCxnSpPr>
-            <a:cxnSpLocks/>
-            <a:stCxn id="61" idx="2"/>
-            <a:endCxn id="59" idx="0"/>
-          </p:cNvCxnSpPr>
-          <p:nvPr/>
-        </p:nvCxnSpPr>
-        <p:spPr>
-          <a:xfrm>
-            <a:off x="3360336" y="1131168"/>
-            <a:ext cx="6350" cy="403245"/>
-          </a:xfrm>
-          <a:prstGeom prst="straightConnector1">
-            <a:avLst/>
-          </a:prstGeom>
-          <a:noFill/>
-          <a:ln w="12700" cap="flat" cmpd="sng" algn="ctr">
-            <a:solidFill>
-              <a:sysClr val="windowText" lastClr="000000"/>
-            </a:solidFill>
-            <a:prstDash val="solid"/>
-            <a:miter lim="800000"/>
-            <a:tailEnd type="stealth"/>
-          </a:ln>
-          <a:effectLst/>
-        </p:spPr>
-      </p:cxnSp>
-      <p:sp>
-        <p:nvSpPr>
-          <p:cNvPr id="63" name="Rounded Rectangle 62">
-            <a:extLst>
-              <a:ext uri="{FF2B5EF4-FFF2-40B4-BE49-F238E27FC236}">
-                <a16:creationId xmlns:a16="http://schemas.microsoft.com/office/drawing/2014/main" id="{9790DB0C-8E47-5649-B34A-439BE49192AD}"/>
-              </a:ext>
-            </a:extLst>
-          </p:cNvPr>
-          <p:cNvSpPr/>
-          <p:nvPr/>
-        </p:nvSpPr>
-        <p:spPr>
-          <a:xfrm>
-            <a:off x="4969971" y="1555141"/>
-            <a:ext cx="1867535" cy="393026"/>
-          </a:xfrm>
-          <a:prstGeom prst="roundRect">
-            <a:avLst>
-              <a:gd name="adj" fmla="val 4775"/>
-            </a:avLst>
-          </a:prstGeom>
-          <a:solidFill>
-            <a:srgbClr val="7A8C8E">
-              <a:lumMod val="20000"/>
-              <a:lumOff val="80000"/>
-            </a:srgbClr>
-          </a:solidFill>
-          <a:ln w="12700" cap="flat" cmpd="sng" algn="ctr">
-            <a:solidFill>
-              <a:sysClr val="windowText" lastClr="000000"/>
-            </a:solidFill>
-            <a:prstDash val="solid"/>
-            <a:miter lim="800000"/>
-          </a:ln>
-          <a:effectLst/>
-        </p:spPr>
-        <p:txBody>
-          <a:bodyPr rtlCol="0" anchor="ctr"/>
-          <a:lstStyle/>
-          <a:p>
-            <a:pPr marL="0" marR="0" lvl="0" indent="0" algn="ctr" defTabSz="914400" eaLnBrk="1" fontAlgn="auto" latinLnBrk="0" hangingPunct="1">
-              <a:lnSpc>
-                <a:spcPct val="100000"/>
-              </a:lnSpc>
-              <a:spcBef>
-                <a:spcPts val="0"/>
-              </a:spcBef>
-              <a:spcAft>
-                <a:spcPts val="0"/>
-              </a:spcAft>
-              <a:buClrTx/>
-              <a:buSzTx/>
-              <a:buFontTx/>
-              <a:buNone/>
-              <a:tabLst/>
-              <a:defRPr/>
-            </a:pPr>
-            <a:r>
-              <a:rPr kumimoji="0" lang="en-CN" sz="1800" b="0" i="0" u="none" strike="noStrike" kern="0" cap="none" spc="0" normalizeH="0" baseline="0" noProof="0" dirty="0">
-                <a:ln>
-                  <a:noFill/>
-                </a:ln>
-                <a:solidFill>
-                  <a:prstClr val="black"/>
-                </a:solidFill>
-                <a:effectLst/>
-                <a:uLnTx/>
-                <a:uFillTx/>
-                <a:latin typeface="KaiTi" panose="02010609060101010101" pitchFamily="49" charset="-122"/>
-                <a:ea typeface="KaiTi" panose="02010609060101010101" pitchFamily="49" charset="-122"/>
-                <a:cs typeface="+mn-cs"/>
-              </a:rPr>
-              <a:t>粒度对齐</a:t>
-            </a:r>
-          </a:p>
-        </p:txBody>
-      </p:sp>
-      <p:sp>
-        <p:nvSpPr>
-          <p:cNvPr id="64" name="TextBox 63">
-            <a:extLst>
-              <a:ext uri="{FF2B5EF4-FFF2-40B4-BE49-F238E27FC236}">
-                <a16:creationId xmlns:a16="http://schemas.microsoft.com/office/drawing/2014/main" id="{8EB2AE91-6E98-ED47-BFDF-DC397555084F}"/>
-              </a:ext>
-            </a:extLst>
-          </p:cNvPr>
-          <p:cNvSpPr txBox="1"/>
-          <p:nvPr/>
-        </p:nvSpPr>
-        <p:spPr>
-          <a:xfrm>
-            <a:off x="4969971" y="782564"/>
-            <a:ext cx="1854835" cy="369332"/>
-          </a:xfrm>
-          <a:prstGeom prst="rect">
-            <a:avLst/>
-          </a:prstGeom>
-          <a:noFill/>
-        </p:spPr>
-        <p:txBody>
-          <a:bodyPr wrap="square" rtlCol="0">
-            <a:spAutoFit/>
-          </a:bodyPr>
-          <a:lstStyle/>
-          <a:p>
-            <a:pPr algn="ctr"/>
-            <a:r>
-              <a:rPr lang="en-CN" dirty="0">
-                <a:solidFill>
-                  <a:prstClr val="black"/>
-                </a:solidFill>
-                <a:latin typeface="KaiTi" panose="02010609060101010101" pitchFamily="49" charset="-122"/>
-                <a:ea typeface="KaiTi" panose="02010609060101010101" pitchFamily="49" charset="-122"/>
-              </a:rPr>
-              <a:t>细粒度数据</a:t>
-            </a:r>
-          </a:p>
-        </p:txBody>
-      </p:sp>
-      <p:cxnSp>
-        <p:nvCxnSpPr>
-          <p:cNvPr id="65" name="Straight Arrow Connector 64">
-            <a:extLst>
-              <a:ext uri="{FF2B5EF4-FFF2-40B4-BE49-F238E27FC236}">
-                <a16:creationId xmlns:a16="http://schemas.microsoft.com/office/drawing/2014/main" id="{8459C866-C1FB-FF4A-B5DA-5F627624B430}"/>
-              </a:ext>
-            </a:extLst>
-          </p:cNvPr>
-          <p:cNvCxnSpPr>
-            <a:cxnSpLocks/>
-            <a:stCxn id="64" idx="2"/>
-            <a:endCxn id="63" idx="0"/>
-          </p:cNvCxnSpPr>
-          <p:nvPr/>
-        </p:nvCxnSpPr>
-        <p:spPr>
-          <a:xfrm>
-            <a:off x="5897389" y="1151896"/>
-            <a:ext cx="6350" cy="403245"/>
-          </a:xfrm>
-          <a:prstGeom prst="straightConnector1">
-            <a:avLst/>
-          </a:prstGeom>
-          <a:noFill/>
-          <a:ln w="12700" cap="flat" cmpd="sng" algn="ctr">
-            <a:solidFill>
-              <a:sysClr val="windowText" lastClr="000000"/>
-            </a:solidFill>
-            <a:prstDash val="solid"/>
-            <a:miter lim="800000"/>
-            <a:tailEnd type="stealth"/>
-          </a:ln>
-          <a:effectLst/>
-        </p:spPr>
-      </p:cxnSp>
-      <p:sp>
-        <p:nvSpPr>
-          <p:cNvPr id="66" name="Rounded Rectangle 65">
-            <a:extLst>
-              <a:ext uri="{FF2B5EF4-FFF2-40B4-BE49-F238E27FC236}">
-                <a16:creationId xmlns:a16="http://schemas.microsoft.com/office/drawing/2014/main" id="{9C3384BE-BB59-7E47-B874-056E58459DA9}"/>
-              </a:ext>
-            </a:extLst>
-          </p:cNvPr>
-          <p:cNvSpPr/>
-          <p:nvPr/>
-        </p:nvSpPr>
-        <p:spPr>
-          <a:xfrm>
-            <a:off x="8829771" y="1534413"/>
-            <a:ext cx="1867535" cy="393026"/>
-          </a:xfrm>
-          <a:prstGeom prst="roundRect">
-            <a:avLst>
-              <a:gd name="adj" fmla="val 4775"/>
-            </a:avLst>
-          </a:prstGeom>
-          <a:solidFill>
-            <a:srgbClr val="7A8C8E">
-              <a:lumMod val="20000"/>
-              <a:lumOff val="80000"/>
-            </a:srgbClr>
-          </a:solidFill>
-          <a:ln w="12700" cap="flat" cmpd="sng" algn="ctr">
-            <a:solidFill>
-              <a:sysClr val="windowText" lastClr="000000"/>
-            </a:solidFill>
-            <a:prstDash val="solid"/>
-            <a:miter lim="800000"/>
-          </a:ln>
-          <a:effectLst/>
-        </p:spPr>
-        <p:txBody>
-          <a:bodyPr rtlCol="0" anchor="ctr"/>
-          <a:lstStyle/>
-          <a:p>
-            <a:pPr marL="0" marR="0" lvl="0" indent="0" algn="ctr" defTabSz="914400" eaLnBrk="1" fontAlgn="auto" latinLnBrk="0" hangingPunct="1">
-              <a:lnSpc>
-                <a:spcPct val="100000"/>
-              </a:lnSpc>
-              <a:spcBef>
-                <a:spcPts val="0"/>
-              </a:spcBef>
-              <a:spcAft>
-                <a:spcPts val="0"/>
-              </a:spcAft>
-              <a:buClrTx/>
-              <a:buSzTx/>
-              <a:buFontTx/>
-              <a:buNone/>
-              <a:tabLst/>
-              <a:defRPr/>
-            </a:pPr>
-            <a:r>
-              <a:rPr kumimoji="0" lang="en-CN" sz="1800" b="0" i="0" u="none" strike="noStrike" kern="0" cap="none" spc="0" normalizeH="0" baseline="0" noProof="0" dirty="0">
-                <a:ln>
-                  <a:noFill/>
-                </a:ln>
-                <a:solidFill>
-                  <a:prstClr val="black"/>
-                </a:solidFill>
-                <a:effectLst/>
-                <a:uLnTx/>
-                <a:uFillTx/>
-                <a:latin typeface="KaiTi" panose="02010609060101010101" pitchFamily="49" charset="-122"/>
-                <a:ea typeface="KaiTi" panose="02010609060101010101" pitchFamily="49" charset="-122"/>
-                <a:cs typeface="+mn-cs"/>
-              </a:rPr>
-              <a:t>粒度对齐</a:t>
-            </a:r>
-          </a:p>
-        </p:txBody>
-      </p:sp>
-      <p:sp>
-        <p:nvSpPr>
-          <p:cNvPr id="67" name="TextBox 66">
-            <a:extLst>
-              <a:ext uri="{FF2B5EF4-FFF2-40B4-BE49-F238E27FC236}">
-                <a16:creationId xmlns:a16="http://schemas.microsoft.com/office/drawing/2014/main" id="{60D0AB31-44A4-2342-8C80-241CA0215964}"/>
-              </a:ext>
-            </a:extLst>
-          </p:cNvPr>
-          <p:cNvSpPr txBox="1"/>
-          <p:nvPr/>
-        </p:nvSpPr>
-        <p:spPr>
-          <a:xfrm>
-            <a:off x="8836120" y="766707"/>
-            <a:ext cx="1854835" cy="369332"/>
-          </a:xfrm>
-          <a:prstGeom prst="rect">
-            <a:avLst/>
-          </a:prstGeom>
-          <a:noFill/>
-        </p:spPr>
-        <p:txBody>
-          <a:bodyPr wrap="square" rtlCol="0">
-            <a:spAutoFit/>
-          </a:bodyPr>
-          <a:lstStyle/>
-          <a:p>
-            <a:pPr algn="ctr"/>
-            <a:r>
-              <a:rPr lang="en-CN" dirty="0">
-                <a:solidFill>
-                  <a:prstClr val="black"/>
-                </a:solidFill>
-                <a:latin typeface="KaiTi" panose="02010609060101010101" pitchFamily="49" charset="-122"/>
-                <a:ea typeface="KaiTi" panose="02010609060101010101" pitchFamily="49" charset="-122"/>
-              </a:rPr>
-              <a:t>最细粒度数据</a:t>
-            </a:r>
-          </a:p>
-        </p:txBody>
-      </p:sp>
-      <p:cxnSp>
-        <p:nvCxnSpPr>
-          <p:cNvPr id="68" name="Straight Arrow Connector 67">
-            <a:extLst>
-              <a:ext uri="{FF2B5EF4-FFF2-40B4-BE49-F238E27FC236}">
-                <a16:creationId xmlns:a16="http://schemas.microsoft.com/office/drawing/2014/main" id="{5CACDB4C-5E15-B24A-A99B-5D0C593AED65}"/>
-              </a:ext>
-            </a:extLst>
-          </p:cNvPr>
-          <p:cNvCxnSpPr>
-            <a:cxnSpLocks/>
-            <a:stCxn id="67" idx="2"/>
-            <a:endCxn id="66" idx="0"/>
-          </p:cNvCxnSpPr>
-          <p:nvPr/>
-        </p:nvCxnSpPr>
-        <p:spPr>
-          <a:xfrm>
-            <a:off x="9763538" y="1136039"/>
-            <a:ext cx="1" cy="398374"/>
-          </a:xfrm>
-          <a:prstGeom prst="straightConnector1">
-            <a:avLst/>
-          </a:prstGeom>
-          <a:noFill/>
-          <a:ln w="12700" cap="flat" cmpd="sng" algn="ctr">
-            <a:solidFill>
-              <a:sysClr val="windowText" lastClr="000000"/>
-            </a:solidFill>
-            <a:prstDash val="solid"/>
-            <a:miter lim="800000"/>
-            <a:tailEnd type="stealth"/>
-          </a:ln>
-          <a:effectLst/>
-        </p:spPr>
-      </p:cxnSp>
-      <p:cxnSp>
-        <p:nvCxnSpPr>
-          <p:cNvPr id="69" name="Elbow Connector 68">
-            <a:extLst>
-              <a:ext uri="{FF2B5EF4-FFF2-40B4-BE49-F238E27FC236}">
-                <a16:creationId xmlns:a16="http://schemas.microsoft.com/office/drawing/2014/main" id="{5026EB36-E1A7-4240-9DE9-0C4FCDB718F0}"/>
-              </a:ext>
-            </a:extLst>
-          </p:cNvPr>
-          <p:cNvCxnSpPr>
-            <a:cxnSpLocks/>
-            <a:stCxn id="59" idx="2"/>
-            <a:endCxn id="60" idx="1"/>
-          </p:cNvCxnSpPr>
-          <p:nvPr/>
-        </p:nvCxnSpPr>
-        <p:spPr>
-          <a:xfrm rot="16200000" flipH="1">
-            <a:off x="3094266" y="2199858"/>
-            <a:ext cx="968067" cy="423227"/>
-          </a:xfrm>
-          <a:prstGeom prst="bentConnector2">
-            <a:avLst/>
-          </a:prstGeom>
-          <a:noFill/>
-          <a:ln w="12700" cap="flat" cmpd="sng" algn="ctr">
-            <a:solidFill>
-              <a:sysClr val="windowText" lastClr="000000"/>
-            </a:solidFill>
-            <a:prstDash val="solid"/>
-            <a:miter lim="800000"/>
-            <a:tailEnd type="triangle"/>
-          </a:ln>
-          <a:effectLst/>
-        </p:spPr>
-      </p:cxnSp>
-      <p:sp>
-        <p:nvSpPr>
-          <p:cNvPr id="70" name="Oval 69">
-            <a:extLst>
-              <a:ext uri="{FF2B5EF4-FFF2-40B4-BE49-F238E27FC236}">
-                <a16:creationId xmlns:a16="http://schemas.microsoft.com/office/drawing/2014/main" id="{A48C2578-5FEF-BA43-9082-2B3CE8C260CC}"/>
-              </a:ext>
-            </a:extLst>
-          </p:cNvPr>
-          <p:cNvSpPr/>
-          <p:nvPr/>
-        </p:nvSpPr>
-        <p:spPr>
-          <a:xfrm>
-            <a:off x="5705187" y="2696955"/>
-            <a:ext cx="397101" cy="397101"/>
-          </a:xfrm>
-          <a:prstGeom prst="ellipse">
-            <a:avLst/>
-          </a:prstGeom>
-          <a:solidFill>
-            <a:sysClr val="window" lastClr="FFFFFF"/>
-          </a:solidFill>
-          <a:ln w="12700" cap="flat" cmpd="sng" algn="ctr">
-            <a:solidFill>
-              <a:sysClr val="windowText" lastClr="000000"/>
-            </a:solidFill>
-            <a:prstDash val="solid"/>
-            <a:miter lim="800000"/>
-          </a:ln>
-          <a:effectLst/>
-        </p:spPr>
-        <p:txBody>
-          <a:bodyPr rtlCol="0" anchor="ctr"/>
-          <a:lstStyle/>
-          <a:p>
-            <a:pPr marL="0" marR="0" lvl="0" indent="0" algn="ctr" defTabSz="914400" eaLnBrk="1" fontAlgn="auto" latinLnBrk="0" hangingPunct="1">
-              <a:lnSpc>
-                <a:spcPct val="100000"/>
-              </a:lnSpc>
-              <a:spcBef>
-                <a:spcPts val="0"/>
-              </a:spcBef>
-              <a:spcAft>
-                <a:spcPts val="0"/>
-              </a:spcAft>
-              <a:buClrTx/>
-              <a:buSzTx/>
-              <a:buFontTx/>
-              <a:buNone/>
-              <a:tabLst/>
-              <a:defRPr/>
-            </a:pPr>
-            <a:endParaRPr kumimoji="0" lang="en-CN" sz="3600" b="0" i="0" u="none" strike="noStrike" kern="0" cap="none" spc="0" normalizeH="0" baseline="0" noProof="0" dirty="0">
-              <a:ln>
-                <a:noFill/>
-              </a:ln>
-              <a:solidFill>
-                <a:prstClr val="black"/>
-              </a:solidFill>
-              <a:effectLst/>
-              <a:uLnTx/>
-              <a:uFillTx/>
-              <a:latin typeface="KaiTi" panose="02010609060101010101" pitchFamily="49" charset="-122"/>
-              <a:ea typeface="KaiTi" panose="02010609060101010101" pitchFamily="49" charset="-122"/>
-              <a:cs typeface="Times New Roman" panose="02020603050405020304" pitchFamily="18" charset="0"/>
-            </a:endParaRPr>
-          </a:p>
-        </p:txBody>
-      </p:sp>
-      <p:cxnSp>
-        <p:nvCxnSpPr>
-          <p:cNvPr id="71" name="Straight Arrow Connector 70">
-            <a:extLst>
-              <a:ext uri="{FF2B5EF4-FFF2-40B4-BE49-F238E27FC236}">
-                <a16:creationId xmlns:a16="http://schemas.microsoft.com/office/drawing/2014/main" id="{B1EF4815-DC22-694B-A326-2A72EEE71E1A}"/>
-              </a:ext>
-            </a:extLst>
-          </p:cNvPr>
-          <p:cNvCxnSpPr>
-            <a:cxnSpLocks/>
-            <a:stCxn id="70" idx="2"/>
-            <a:endCxn id="70" idx="6"/>
-          </p:cNvCxnSpPr>
-          <p:nvPr/>
-        </p:nvCxnSpPr>
-        <p:spPr>
-          <a:xfrm>
-            <a:off x="5705187" y="2895506"/>
-            <a:ext cx="397101" cy="0"/>
-          </a:xfrm>
-          <a:prstGeom prst="straightConnector1">
-            <a:avLst/>
-          </a:prstGeom>
-          <a:noFill/>
-          <a:ln w="12700" cap="flat" cmpd="sng" algn="ctr">
-            <a:solidFill>
-              <a:sysClr val="windowText" lastClr="000000"/>
-            </a:solidFill>
-            <a:prstDash val="solid"/>
-            <a:miter lim="800000"/>
-            <a:tailEnd type="none"/>
-          </a:ln>
-          <a:effectLst/>
-        </p:spPr>
-      </p:cxnSp>
-      <p:cxnSp>
-        <p:nvCxnSpPr>
-          <p:cNvPr id="72" name="Straight Arrow Connector 71">
-            <a:extLst>
-              <a:ext uri="{FF2B5EF4-FFF2-40B4-BE49-F238E27FC236}">
-                <a16:creationId xmlns:a16="http://schemas.microsoft.com/office/drawing/2014/main" id="{379C771F-0253-8D46-91CB-FFCF7E17A75C}"/>
-              </a:ext>
-            </a:extLst>
-          </p:cNvPr>
-          <p:cNvCxnSpPr>
-            <a:cxnSpLocks/>
-            <a:stCxn id="63" idx="2"/>
-            <a:endCxn id="70" idx="0"/>
-          </p:cNvCxnSpPr>
-          <p:nvPr/>
-        </p:nvCxnSpPr>
-        <p:spPr>
-          <a:xfrm flipH="1">
-            <a:off x="5903738" y="1948167"/>
-            <a:ext cx="1" cy="748788"/>
-          </a:xfrm>
-          <a:prstGeom prst="straightConnector1">
-            <a:avLst/>
-          </a:prstGeom>
-          <a:noFill/>
-          <a:ln w="12700" cap="flat" cmpd="sng" algn="ctr">
-            <a:solidFill>
-              <a:sysClr val="windowText" lastClr="000000"/>
-            </a:solidFill>
-            <a:prstDash val="solid"/>
-            <a:miter lim="800000"/>
-            <a:tailEnd type="stealth"/>
-          </a:ln>
-          <a:effectLst/>
-        </p:spPr>
-      </p:cxnSp>
-      <p:cxnSp>
-        <p:nvCxnSpPr>
-          <p:cNvPr id="73" name="Straight Arrow Connector 72">
-            <a:extLst>
-              <a:ext uri="{FF2B5EF4-FFF2-40B4-BE49-F238E27FC236}">
-                <a16:creationId xmlns:a16="http://schemas.microsoft.com/office/drawing/2014/main" id="{B99D73F0-0086-7F42-8F1F-28A752171FE6}"/>
-              </a:ext>
-            </a:extLst>
-          </p:cNvPr>
-          <p:cNvCxnSpPr>
-            <a:cxnSpLocks/>
-            <a:stCxn id="60" idx="3"/>
-            <a:endCxn id="70" idx="2"/>
-          </p:cNvCxnSpPr>
-          <p:nvPr/>
-        </p:nvCxnSpPr>
-        <p:spPr>
-          <a:xfrm>
-            <a:off x="5438827" y="2895506"/>
-            <a:ext cx="266360" cy="0"/>
-          </a:xfrm>
-          <a:prstGeom prst="straightConnector1">
-            <a:avLst/>
-          </a:prstGeom>
-          <a:noFill/>
-          <a:ln w="12700" cap="flat" cmpd="sng" algn="ctr">
-            <a:solidFill>
-              <a:sysClr val="windowText" lastClr="000000"/>
-            </a:solidFill>
-            <a:prstDash val="solid"/>
-            <a:miter lim="800000"/>
-            <a:tailEnd type="stealth"/>
-          </a:ln>
-          <a:effectLst/>
-        </p:spPr>
-      </p:cxnSp>
-      <p:sp>
-        <p:nvSpPr>
-          <p:cNvPr id="74" name="TextBox 73">
-            <a:extLst>
-              <a:ext uri="{FF2B5EF4-FFF2-40B4-BE49-F238E27FC236}">
-                <a16:creationId xmlns:a16="http://schemas.microsoft.com/office/drawing/2014/main" id="{3521A753-8E0C-FD4D-A478-69E99DCFF785}"/>
-              </a:ext>
-            </a:extLst>
-          </p:cNvPr>
-          <p:cNvSpPr txBox="1"/>
-          <p:nvPr/>
-        </p:nvSpPr>
-        <p:spPr>
-          <a:xfrm>
-            <a:off x="6321110" y="3349143"/>
-            <a:ext cx="805029" cy="338554"/>
-          </a:xfrm>
-          <a:prstGeom prst="rect">
-            <a:avLst/>
-          </a:prstGeom>
-          <a:noFill/>
-          <a:ln w="12700">
-            <a:noFill/>
-          </a:ln>
-        </p:spPr>
-        <p:txBody>
-          <a:bodyPr wrap="none" rtlCol="0">
-            <a:spAutoFit/>
-          </a:bodyPr>
-          <a:lstStyle/>
-          <a:p>
-            <a:r>
-              <a:rPr lang="en-US" altLang="zh-CN" sz="1600" b="1" dirty="0">
-                <a:solidFill>
-                  <a:prstClr val="black"/>
-                </a:solidFill>
-                <a:latin typeface="KaiTi" panose="02010609060101010101" pitchFamily="49" charset="-122"/>
-                <a:ea typeface="KaiTi" panose="02010609060101010101" pitchFamily="49" charset="-122"/>
-                <a:cs typeface="Times New Roman" panose="02020603050405020304" pitchFamily="18" charset="0"/>
-              </a:rPr>
-              <a:t>···</a:t>
-            </a:r>
-            <a:endParaRPr lang="en-CN" sz="1600" b="1" dirty="0">
-              <a:solidFill>
-                <a:prstClr val="black"/>
-              </a:solidFill>
-              <a:latin typeface="KaiTi" panose="02010609060101010101" pitchFamily="49" charset="-122"/>
-              <a:ea typeface="KaiTi" panose="02010609060101010101" pitchFamily="49" charset="-122"/>
-              <a:cs typeface="Times New Roman" panose="02020603050405020304" pitchFamily="18" charset="0"/>
-            </a:endParaRPr>
-          </a:p>
-        </p:txBody>
-      </p:sp>
-      <p:cxnSp>
-        <p:nvCxnSpPr>
-          <p:cNvPr id="75" name="Straight Arrow Connector 74">
-            <a:extLst>
-              <a:ext uri="{FF2B5EF4-FFF2-40B4-BE49-F238E27FC236}">
-                <a16:creationId xmlns:a16="http://schemas.microsoft.com/office/drawing/2014/main" id="{BDF48CD2-314F-9B43-85DC-2CA265896D18}"/>
-              </a:ext>
-            </a:extLst>
-          </p:cNvPr>
-          <p:cNvCxnSpPr>
-            <a:cxnSpLocks/>
-            <a:stCxn id="74" idx="3"/>
-            <a:endCxn id="76" idx="1"/>
-          </p:cNvCxnSpPr>
-          <p:nvPr/>
-        </p:nvCxnSpPr>
-        <p:spPr>
-          <a:xfrm>
-            <a:off x="7126139" y="3518420"/>
-            <a:ext cx="289405" cy="1"/>
-          </a:xfrm>
-          <a:prstGeom prst="straightConnector1">
-            <a:avLst/>
-          </a:prstGeom>
-          <a:noFill/>
-          <a:ln w="12700" cap="flat" cmpd="sng" algn="ctr">
-            <a:solidFill>
-              <a:sysClr val="windowText" lastClr="000000"/>
-            </a:solidFill>
-            <a:prstDash val="solid"/>
-            <a:miter lim="800000"/>
-            <a:tailEnd type="stealth"/>
-          </a:ln>
-          <a:effectLst/>
-        </p:spPr>
-      </p:cxnSp>
-      <p:sp>
-        <p:nvSpPr>
-          <p:cNvPr id="76" name="Rounded Rectangle 75">
-            <a:extLst>
-              <a:ext uri="{FF2B5EF4-FFF2-40B4-BE49-F238E27FC236}">
-                <a16:creationId xmlns:a16="http://schemas.microsoft.com/office/drawing/2014/main" id="{530D32CF-52F3-474C-ABEA-727B5DE065B4}"/>
-              </a:ext>
-            </a:extLst>
-          </p:cNvPr>
-          <p:cNvSpPr/>
-          <p:nvPr/>
-        </p:nvSpPr>
-        <p:spPr>
-          <a:xfrm>
-            <a:off x="7415544" y="3206963"/>
-            <a:ext cx="1648914" cy="622915"/>
-          </a:xfrm>
-          <a:prstGeom prst="roundRect">
-            <a:avLst>
-              <a:gd name="adj" fmla="val 4775"/>
-            </a:avLst>
-          </a:prstGeom>
-          <a:solidFill>
-            <a:srgbClr val="2683C6">
-              <a:lumMod val="60000"/>
-              <a:lumOff val="40000"/>
-            </a:srgbClr>
-          </a:solidFill>
-          <a:ln w="12700" cap="flat" cmpd="sng" algn="ctr">
-            <a:solidFill>
-              <a:sysClr val="windowText" lastClr="000000"/>
-            </a:solidFill>
-            <a:prstDash val="solid"/>
-            <a:miter lim="800000"/>
-          </a:ln>
-          <a:effectLst/>
-        </p:spPr>
-        <p:txBody>
-          <a:bodyPr rtlCol="0" anchor="ctr"/>
-          <a:lstStyle/>
-          <a:p>
-            <a:pPr marL="0" marR="0" lvl="0" indent="0" algn="ctr" defTabSz="914400" eaLnBrk="1" fontAlgn="auto" latinLnBrk="0" hangingPunct="1">
-              <a:lnSpc>
-                <a:spcPct val="100000"/>
-              </a:lnSpc>
-              <a:spcBef>
-                <a:spcPts val="0"/>
-              </a:spcBef>
-              <a:spcAft>
-                <a:spcPts val="0"/>
-              </a:spcAft>
-              <a:buClrTx/>
-              <a:buSzTx/>
-              <a:buFontTx/>
-              <a:buNone/>
-              <a:tabLst/>
-              <a:defRPr/>
-            </a:pPr>
-            <a:r>
-              <a:rPr kumimoji="0" lang="en-CN" sz="1800" b="0" i="0" u="none" strike="noStrike" kern="0" cap="none" spc="0" normalizeH="0" baseline="0" noProof="0" dirty="0">
-                <a:ln>
-                  <a:noFill/>
-                </a:ln>
-                <a:solidFill>
-                  <a:prstClr val="black"/>
-                </a:solidFill>
-                <a:effectLst/>
-                <a:uLnTx/>
-                <a:uFillTx/>
-                <a:latin typeface="KaiTi" panose="02010609060101010101" pitchFamily="49" charset="-122"/>
-                <a:ea typeface="KaiTi" panose="02010609060101010101" pitchFamily="49" charset="-122"/>
-                <a:cs typeface="+mn-cs"/>
-              </a:rPr>
-              <a:t>核心模块</a:t>
-            </a:r>
-          </a:p>
-        </p:txBody>
-      </p:sp>
-      <p:grpSp>
-        <p:nvGrpSpPr>
-          <p:cNvPr id="77" name="Group 76">
-            <a:extLst>
-              <a:ext uri="{FF2B5EF4-FFF2-40B4-BE49-F238E27FC236}">
-                <a16:creationId xmlns:a16="http://schemas.microsoft.com/office/drawing/2014/main" id="{6F1DA259-1A3D-2D44-86DC-33C0D184AFDB}"/>
+                <a16:creationId xmlns:a16="http://schemas.microsoft.com/office/drawing/2014/main" id="{A9C699F1-AB3A-F649-A49B-5C927142EA4A}"/>
               </a:ext>
             </a:extLst>
           </p:cNvPr>
@@ -4663,18 +3662,18 @@
         </p:nvGrpSpPr>
         <p:grpSpPr>
           <a:xfrm>
-            <a:off x="9557826" y="3319871"/>
-            <a:ext cx="397101" cy="397101"/>
-            <a:chOff x="9057943" y="4136766"/>
-            <a:chExt cx="397101" cy="397101"/>
+            <a:off x="278970" y="705957"/>
+            <a:ext cx="11375047" cy="4239191"/>
+            <a:chOff x="278970" y="705957"/>
+            <a:chExt cx="11375047" cy="4239191"/>
           </a:xfrm>
         </p:grpSpPr>
         <p:sp>
           <p:nvSpPr>
-            <p:cNvPr id="78" name="Oval 77">
+            <p:cNvPr id="58" name="Rounded Rectangle 57">
               <a:extLst>
                 <a:ext uri="{FF2B5EF4-FFF2-40B4-BE49-F238E27FC236}">
-                  <a16:creationId xmlns:a16="http://schemas.microsoft.com/office/drawing/2014/main" id="{DFEC028E-F23D-DA41-8708-7D5281A9CF93}"/>
+                  <a16:creationId xmlns:a16="http://schemas.microsoft.com/office/drawing/2014/main" id="{32C2F330-35B1-7C4B-A345-8302436E7F36}"/>
                 </a:ext>
               </a:extLst>
             </p:cNvPr>
@@ -4683,18 +3682,26 @@
           </p:nvSpPr>
           <p:spPr>
             <a:xfrm>
-              <a:off x="9057943" y="4136766"/>
-              <a:ext cx="397101" cy="397101"/>
+              <a:off x="2390024" y="1131168"/>
+              <a:ext cx="9263993" cy="2796369"/>
             </a:xfrm>
-            <a:prstGeom prst="ellipse">
-              <a:avLst/>
+            <a:prstGeom prst="roundRect">
+              <a:avLst>
+                <a:gd name="adj" fmla="val 3588"/>
+              </a:avLst>
             </a:prstGeom>
             <a:solidFill>
-              <a:sysClr val="window" lastClr="FFFFFF"/>
+              <a:schemeClr val="accent6">
+                <a:lumMod val="20000"/>
+                <a:lumOff val="80000"/>
+                <a:alpha val="50020"/>
+              </a:schemeClr>
             </a:solidFill>
-            <a:ln w="12700" cap="flat" cmpd="sng" algn="ctr">
+            <a:ln w="19050" cap="flat" cmpd="sng" algn="ctr">
               <a:solidFill>
-                <a:sysClr val="windowText" lastClr="000000"/>
+                <a:schemeClr val="accent6">
+                  <a:lumMod val="50000"/>
+                </a:schemeClr>
               </a:solidFill>
               <a:prstDash val="solid"/>
               <a:miter lim="800000"/>
@@ -4722,7 +3729,513 @@
                 <a:tabLst/>
                 <a:defRPr/>
               </a:pPr>
-              <a:endParaRPr kumimoji="0" lang="en-CN" sz="3600" b="0" i="0" u="none" strike="noStrike" kern="0" cap="none" spc="0" normalizeH="0" baseline="0" noProof="0" dirty="0">
+              <a:endParaRPr kumimoji="0" lang="en-CN" sz="1400" b="0" i="0" u="none" strike="noStrike" kern="0" cap="none" spc="0" normalizeH="0" baseline="0" noProof="0" dirty="0">
+                <a:ln>
+                  <a:noFill/>
+                </a:ln>
+                <a:solidFill>
+                  <a:prstClr val="black"/>
+                </a:solidFill>
+                <a:effectLst/>
+                <a:uLnTx/>
+                <a:uFillTx/>
+                <a:latin typeface="KaiTi" panose="02010609060101010101" pitchFamily="49" charset="-122"/>
+                <a:ea typeface="KaiTi" panose="02010609060101010101" pitchFamily="49" charset="-122"/>
+                <a:cs typeface="+mn-cs"/>
+              </a:endParaRPr>
+            </a:p>
+          </p:txBody>
+        </p:sp>
+        <p:sp>
+          <p:nvSpPr>
+            <p:cNvPr id="60" name="Rounded Rectangle 59">
+              <a:extLst>
+                <a:ext uri="{FF2B5EF4-FFF2-40B4-BE49-F238E27FC236}">
+                  <a16:creationId xmlns:a16="http://schemas.microsoft.com/office/drawing/2014/main" id="{A9BF58D4-3213-334D-A6CB-825CC88E9341}"/>
+                </a:ext>
+              </a:extLst>
+            </p:cNvPr>
+            <p:cNvSpPr/>
+            <p:nvPr/>
+          </p:nvSpPr>
+          <p:spPr>
+            <a:xfrm>
+              <a:off x="3423804" y="2312196"/>
+              <a:ext cx="1356995" cy="622915"/>
+            </a:xfrm>
+            <a:prstGeom prst="roundRect">
+              <a:avLst>
+                <a:gd name="adj" fmla="val 24248"/>
+              </a:avLst>
+            </a:prstGeom>
+            <a:solidFill>
+              <a:schemeClr val="accent2">
+                <a:lumMod val="20000"/>
+                <a:lumOff val="80000"/>
+              </a:schemeClr>
+            </a:solidFill>
+            <a:ln w="19050" cap="flat" cmpd="sng" algn="ctr">
+              <a:solidFill>
+                <a:schemeClr val="accent2">
+                  <a:lumMod val="50000"/>
+                </a:schemeClr>
+              </a:solidFill>
+              <a:prstDash val="solid"/>
+              <a:miter lim="800000"/>
+            </a:ln>
+            <a:effectLst>
+              <a:outerShdw blurRad="50800" dist="38100" dir="2700000" algn="tl" rotWithShape="0">
+                <a:prstClr val="black">
+                  <a:alpha val="40000"/>
+                </a:prstClr>
+              </a:outerShdw>
+            </a:effectLst>
+          </p:spPr>
+          <p:txBody>
+            <a:bodyPr rtlCol="0" anchor="ctr"/>
+            <a:lstStyle/>
+            <a:p>
+              <a:pPr marL="0" marR="0" lvl="0" indent="0" algn="ctr" defTabSz="914400" eaLnBrk="1" fontAlgn="auto" latinLnBrk="0" hangingPunct="1">
+                <a:lnSpc>
+                  <a:spcPct val="100000"/>
+                </a:lnSpc>
+                <a:spcBef>
+                  <a:spcPts val="0"/>
+                </a:spcBef>
+                <a:spcAft>
+                  <a:spcPts val="0"/>
+                </a:spcAft>
+                <a:buClrTx/>
+                <a:buSzTx/>
+                <a:buFontTx/>
+                <a:buNone/>
+                <a:tabLst/>
+                <a:defRPr/>
+              </a:pPr>
+              <a:r>
+                <a:rPr lang="en-CN" sz="1400" b="1" kern="0" dirty="0">
+                  <a:solidFill>
+                    <a:prstClr val="black"/>
+                  </a:solidFill>
+                  <a:latin typeface="KaiTi" panose="02010609060101010101" pitchFamily="49" charset="-122"/>
+                  <a:ea typeface="KaiTi" panose="02010609060101010101" pitchFamily="49" charset="-122"/>
+                </a:rPr>
+                <a:t>粗粒度</a:t>
+              </a:r>
+            </a:p>
+            <a:p>
+              <a:pPr marL="0" marR="0" lvl="0" indent="0" algn="ctr" defTabSz="914400" eaLnBrk="1" fontAlgn="auto" latinLnBrk="0" hangingPunct="1">
+                <a:lnSpc>
+                  <a:spcPct val="100000"/>
+                </a:lnSpc>
+                <a:spcBef>
+                  <a:spcPts val="0"/>
+                </a:spcBef>
+                <a:spcAft>
+                  <a:spcPts val="0"/>
+                </a:spcAft>
+                <a:buClrTx/>
+                <a:buSzTx/>
+                <a:buFontTx/>
+                <a:buNone/>
+                <a:tabLst/>
+                <a:defRPr/>
+              </a:pPr>
+              <a:r>
+                <a:rPr lang="en-CN" sz="1400" b="1" kern="0" dirty="0">
+                  <a:solidFill>
+                    <a:prstClr val="black"/>
+                  </a:solidFill>
+                  <a:latin typeface="KaiTi" panose="02010609060101010101" pitchFamily="49" charset="-122"/>
+                  <a:ea typeface="KaiTi" panose="02010609060101010101" pitchFamily="49" charset="-122"/>
+                </a:rPr>
+                <a:t>特征提取模块</a:t>
+              </a:r>
+              <a:endParaRPr kumimoji="0" lang="en-CN" sz="1400" b="1" i="0" u="none" strike="noStrike" kern="0" cap="none" spc="0" normalizeH="0" baseline="0" noProof="0" dirty="0">
+                <a:ln>
+                  <a:noFill/>
+                </a:ln>
+                <a:solidFill>
+                  <a:prstClr val="black"/>
+                </a:solidFill>
+                <a:effectLst/>
+                <a:uLnTx/>
+                <a:uFillTx/>
+                <a:latin typeface="KaiTi" panose="02010609060101010101" pitchFamily="49" charset="-122"/>
+                <a:ea typeface="KaiTi" panose="02010609060101010101" pitchFamily="49" charset="-122"/>
+                <a:cs typeface="+mn-cs"/>
+              </a:endParaRPr>
+            </a:p>
+          </p:txBody>
+        </p:sp>
+        <p:sp>
+          <p:nvSpPr>
+            <p:cNvPr id="61" name="TextBox 60">
+              <a:extLst>
+                <a:ext uri="{FF2B5EF4-FFF2-40B4-BE49-F238E27FC236}">
+                  <a16:creationId xmlns:a16="http://schemas.microsoft.com/office/drawing/2014/main" id="{420D6B74-5738-FD43-A3C1-74E32B04D908}"/>
+                </a:ext>
+              </a:extLst>
+            </p:cNvPr>
+            <p:cNvSpPr txBox="1"/>
+            <p:nvPr/>
+          </p:nvSpPr>
+          <p:spPr>
+            <a:xfrm>
+              <a:off x="2472084" y="709869"/>
+              <a:ext cx="1356995" cy="307777"/>
+            </a:xfrm>
+            <a:prstGeom prst="rect">
+              <a:avLst/>
+            </a:prstGeom>
+            <a:noFill/>
+          </p:spPr>
+          <p:txBody>
+            <a:bodyPr wrap="square" rtlCol="0">
+              <a:spAutoFit/>
+            </a:bodyPr>
+            <a:lstStyle/>
+            <a:p>
+              <a:pPr algn="ctr"/>
+              <a:r>
+                <a:rPr lang="en-CN" sz="1400" b="1" dirty="0">
+                  <a:solidFill>
+                    <a:prstClr val="black"/>
+                  </a:solidFill>
+                  <a:latin typeface="KaiTi" panose="02010609060101010101" pitchFamily="49" charset="-122"/>
+                  <a:ea typeface="KaiTi" panose="02010609060101010101" pitchFamily="49" charset="-122"/>
+                </a:rPr>
+                <a:t>粗粒度数据</a:t>
+              </a:r>
+            </a:p>
+          </p:txBody>
+        </p:sp>
+        <p:cxnSp>
+          <p:nvCxnSpPr>
+            <p:cNvPr id="62" name="Straight Arrow Connector 61">
+              <a:extLst>
+                <a:ext uri="{FF2B5EF4-FFF2-40B4-BE49-F238E27FC236}">
+                  <a16:creationId xmlns:a16="http://schemas.microsoft.com/office/drawing/2014/main" id="{918A3343-BA46-2D44-836D-CEA233084213}"/>
+                </a:ext>
+              </a:extLst>
+            </p:cNvPr>
+            <p:cNvCxnSpPr>
+              <a:cxnSpLocks/>
+              <a:stCxn id="61" idx="2"/>
+              <a:endCxn id="102" idx="0"/>
+            </p:cNvCxnSpPr>
+            <p:nvPr/>
+          </p:nvCxnSpPr>
+          <p:spPr>
+            <a:xfrm>
+              <a:off x="3150582" y="1017646"/>
+              <a:ext cx="0" cy="492024"/>
+            </a:xfrm>
+            <a:prstGeom prst="straightConnector1">
+              <a:avLst/>
+            </a:prstGeom>
+            <a:noFill/>
+            <a:ln w="19050" cap="flat" cmpd="sng" algn="ctr">
+              <a:solidFill>
+                <a:schemeClr val="tx1"/>
+              </a:solidFill>
+              <a:prstDash val="solid"/>
+              <a:miter lim="800000"/>
+              <a:tailEnd type="stealth" w="lg" len="med"/>
+            </a:ln>
+            <a:effectLst/>
+          </p:spPr>
+        </p:cxnSp>
+        <p:sp>
+          <p:nvSpPr>
+            <p:cNvPr id="63" name="Rounded Rectangle 62">
+              <a:extLst>
+                <a:ext uri="{FF2B5EF4-FFF2-40B4-BE49-F238E27FC236}">
+                  <a16:creationId xmlns:a16="http://schemas.microsoft.com/office/drawing/2014/main" id="{9790DB0C-8E47-5649-B34A-439BE49192AD}"/>
+                </a:ext>
+              </a:extLst>
+            </p:cNvPr>
+            <p:cNvSpPr/>
+            <p:nvPr/>
+          </p:nvSpPr>
+          <p:spPr>
+            <a:xfrm>
+              <a:off x="4546742" y="1513403"/>
+              <a:ext cx="1356995" cy="393026"/>
+            </a:xfrm>
+            <a:prstGeom prst="roundRect">
+              <a:avLst>
+                <a:gd name="adj" fmla="val 21564"/>
+              </a:avLst>
+            </a:prstGeom>
+            <a:solidFill>
+              <a:schemeClr val="accent5">
+                <a:lumMod val="20000"/>
+                <a:lumOff val="80000"/>
+              </a:schemeClr>
+            </a:solidFill>
+            <a:ln w="19050" cap="flat" cmpd="sng" algn="ctr">
+              <a:solidFill>
+                <a:schemeClr val="accent5">
+                  <a:lumMod val="50000"/>
+                </a:schemeClr>
+              </a:solidFill>
+              <a:prstDash val="solid"/>
+              <a:miter lim="800000"/>
+            </a:ln>
+            <a:effectLst>
+              <a:outerShdw blurRad="50800" dist="38100" dir="2700000" algn="tl" rotWithShape="0">
+                <a:prstClr val="black">
+                  <a:alpha val="40000"/>
+                </a:prstClr>
+              </a:outerShdw>
+            </a:effectLst>
+          </p:spPr>
+          <p:txBody>
+            <a:bodyPr rtlCol="0" anchor="ctr"/>
+            <a:lstStyle/>
+            <a:p>
+              <a:pPr marL="0" marR="0" lvl="0" indent="0" algn="ctr" defTabSz="914400" eaLnBrk="1" fontAlgn="auto" latinLnBrk="0" hangingPunct="1">
+                <a:lnSpc>
+                  <a:spcPct val="100000"/>
+                </a:lnSpc>
+                <a:spcBef>
+                  <a:spcPts val="0"/>
+                </a:spcBef>
+                <a:spcAft>
+                  <a:spcPts val="0"/>
+                </a:spcAft>
+                <a:buClrTx/>
+                <a:buSzTx/>
+                <a:buFontTx/>
+                <a:buNone/>
+                <a:tabLst/>
+                <a:defRPr/>
+              </a:pPr>
+              <a:r>
+                <a:rPr kumimoji="0" lang="en-CN" sz="1400" b="1" i="0" u="none" strike="noStrike" kern="0" cap="none" spc="0" normalizeH="0" baseline="0" noProof="0" dirty="0">
+                  <a:ln>
+                    <a:noFill/>
+                  </a:ln>
+                  <a:solidFill>
+                    <a:prstClr val="black"/>
+                  </a:solidFill>
+                  <a:effectLst/>
+                  <a:uLnTx/>
+                  <a:uFillTx/>
+                  <a:latin typeface="KaiTi" panose="02010609060101010101" pitchFamily="49" charset="-122"/>
+                  <a:ea typeface="KaiTi" panose="02010609060101010101" pitchFamily="49" charset="-122"/>
+                  <a:cs typeface="+mn-cs"/>
+                </a:rPr>
+                <a:t>粒度对齐</a:t>
+              </a:r>
+              <a:r>
+                <a:rPr kumimoji="0" lang="en-US" sz="1400" b="1" i="0" u="none" strike="noStrike" kern="0" cap="none" spc="0" normalizeH="0" baseline="0" noProof="0" dirty="0" err="1">
+                  <a:ln>
+                    <a:noFill/>
+                  </a:ln>
+                  <a:solidFill>
+                    <a:prstClr val="black"/>
+                  </a:solidFill>
+                  <a:effectLst/>
+                  <a:uLnTx/>
+                  <a:uFillTx/>
+                  <a:latin typeface="KaiTi" panose="02010609060101010101" pitchFamily="49" charset="-122"/>
+                  <a:ea typeface="KaiTi" panose="02010609060101010101" pitchFamily="49" charset="-122"/>
+                  <a:cs typeface="+mn-cs"/>
+                </a:rPr>
+                <a:t>模块</a:t>
+              </a:r>
+              <a:endParaRPr kumimoji="0" lang="en-CN" sz="1400" b="1" i="0" u="none" strike="noStrike" kern="0" cap="none" spc="0" normalizeH="0" baseline="0" noProof="0" dirty="0">
+                <a:ln>
+                  <a:noFill/>
+                </a:ln>
+                <a:solidFill>
+                  <a:prstClr val="black"/>
+                </a:solidFill>
+                <a:effectLst/>
+                <a:uLnTx/>
+                <a:uFillTx/>
+                <a:latin typeface="KaiTi" panose="02010609060101010101" pitchFamily="49" charset="-122"/>
+                <a:ea typeface="KaiTi" panose="02010609060101010101" pitchFamily="49" charset="-122"/>
+                <a:cs typeface="+mn-cs"/>
+              </a:endParaRPr>
+            </a:p>
+          </p:txBody>
+        </p:sp>
+        <p:sp>
+          <p:nvSpPr>
+            <p:cNvPr id="64" name="TextBox 63">
+              <a:extLst>
+                <a:ext uri="{FF2B5EF4-FFF2-40B4-BE49-F238E27FC236}">
+                  <a16:creationId xmlns:a16="http://schemas.microsoft.com/office/drawing/2014/main" id="{8EB2AE91-6E98-ED47-BFDF-DC397555084F}"/>
+                </a:ext>
+              </a:extLst>
+            </p:cNvPr>
+            <p:cNvSpPr txBox="1"/>
+            <p:nvPr/>
+          </p:nvSpPr>
+          <p:spPr>
+            <a:xfrm>
+              <a:off x="4546741" y="710055"/>
+              <a:ext cx="1356995" cy="307777"/>
+            </a:xfrm>
+            <a:prstGeom prst="rect">
+              <a:avLst/>
+            </a:prstGeom>
+            <a:noFill/>
+          </p:spPr>
+          <p:txBody>
+            <a:bodyPr wrap="square" rtlCol="0">
+              <a:spAutoFit/>
+            </a:bodyPr>
+            <a:lstStyle/>
+            <a:p>
+              <a:pPr algn="ctr"/>
+              <a:r>
+                <a:rPr lang="en-CN" sz="1400" b="1" dirty="0">
+                  <a:solidFill>
+                    <a:prstClr val="black"/>
+                  </a:solidFill>
+                  <a:latin typeface="KaiTi" panose="02010609060101010101" pitchFamily="49" charset="-122"/>
+                  <a:ea typeface="KaiTi" panose="02010609060101010101" pitchFamily="49" charset="-122"/>
+                </a:rPr>
+                <a:t>细粒度数据</a:t>
+              </a:r>
+            </a:p>
+          </p:txBody>
+        </p:sp>
+        <p:cxnSp>
+          <p:nvCxnSpPr>
+            <p:cNvPr id="65" name="Straight Arrow Connector 64">
+              <a:extLst>
+                <a:ext uri="{FF2B5EF4-FFF2-40B4-BE49-F238E27FC236}">
+                  <a16:creationId xmlns:a16="http://schemas.microsoft.com/office/drawing/2014/main" id="{8459C866-C1FB-FF4A-B5DA-5F627624B430}"/>
+                </a:ext>
+              </a:extLst>
+            </p:cNvPr>
+            <p:cNvCxnSpPr>
+              <a:cxnSpLocks/>
+              <a:stCxn id="64" idx="2"/>
+              <a:endCxn id="63" idx="0"/>
+            </p:cNvCxnSpPr>
+            <p:nvPr/>
+          </p:nvCxnSpPr>
+          <p:spPr>
+            <a:xfrm>
+              <a:off x="5225239" y="1017832"/>
+              <a:ext cx="1" cy="495571"/>
+            </a:xfrm>
+            <a:prstGeom prst="straightConnector1">
+              <a:avLst/>
+            </a:prstGeom>
+            <a:noFill/>
+            <a:ln w="19050" cap="flat" cmpd="sng" algn="ctr">
+              <a:solidFill>
+                <a:schemeClr val="tx1"/>
+              </a:solidFill>
+              <a:prstDash val="solid"/>
+              <a:miter lim="800000"/>
+              <a:tailEnd type="stealth" w="lg" len="med"/>
+            </a:ln>
+            <a:effectLst/>
+          </p:spPr>
+        </p:cxnSp>
+        <p:cxnSp>
+          <p:nvCxnSpPr>
+            <p:cNvPr id="69" name="Elbow Connector 68">
+              <a:extLst>
+                <a:ext uri="{FF2B5EF4-FFF2-40B4-BE49-F238E27FC236}">
+                  <a16:creationId xmlns:a16="http://schemas.microsoft.com/office/drawing/2014/main" id="{5026EB36-E1A7-4240-9DE9-0C4FCDB718F0}"/>
+                </a:ext>
+              </a:extLst>
+            </p:cNvPr>
+            <p:cNvCxnSpPr>
+              <a:cxnSpLocks/>
+              <a:stCxn id="102" idx="2"/>
+              <a:endCxn id="60" idx="1"/>
+            </p:cNvCxnSpPr>
+            <p:nvPr/>
+          </p:nvCxnSpPr>
+          <p:spPr>
+            <a:xfrm rot="16200000" flipH="1">
+              <a:off x="2926714" y="2126564"/>
+              <a:ext cx="720958" cy="273222"/>
+            </a:xfrm>
+            <a:prstGeom prst="bentConnector2">
+              <a:avLst/>
+            </a:prstGeom>
+            <a:noFill/>
+            <a:ln w="19050" cap="flat" cmpd="sng" algn="ctr">
+              <a:solidFill>
+                <a:sysClr val="windowText" lastClr="000000"/>
+              </a:solidFill>
+              <a:prstDash val="solid"/>
+              <a:miter lim="800000"/>
+              <a:tailEnd type="stealth" w="lg" len="med"/>
+            </a:ln>
+            <a:effectLst/>
+          </p:spPr>
+        </p:cxnSp>
+        <p:sp>
+          <p:nvSpPr>
+            <p:cNvPr id="70" name="Oval 69">
+              <a:extLst>
+                <a:ext uri="{FF2B5EF4-FFF2-40B4-BE49-F238E27FC236}">
+                  <a16:creationId xmlns:a16="http://schemas.microsoft.com/office/drawing/2014/main" id="{A48C2578-5FEF-BA43-9082-2B3CE8C260CC}"/>
+                </a:ext>
+              </a:extLst>
+            </p:cNvPr>
+            <p:cNvSpPr/>
+            <p:nvPr/>
+          </p:nvSpPr>
+          <p:spPr>
+            <a:xfrm>
+              <a:off x="5064818" y="2464711"/>
+              <a:ext cx="320839" cy="320839"/>
+            </a:xfrm>
+            <a:prstGeom prst="ellipse">
+              <a:avLst/>
+            </a:prstGeom>
+            <a:solidFill>
+              <a:schemeClr val="accent4">
+                <a:lumMod val="60000"/>
+                <a:lumOff val="40000"/>
+              </a:schemeClr>
+            </a:solidFill>
+            <a:ln w="19050" cap="flat" cmpd="sng" algn="ctr">
+              <a:solidFill>
+                <a:schemeClr val="accent4">
+                  <a:lumMod val="50000"/>
+                </a:schemeClr>
+              </a:solidFill>
+              <a:prstDash val="solid"/>
+              <a:miter lim="800000"/>
+            </a:ln>
+            <a:effectLst/>
+          </p:spPr>
+          <p:txBody>
+            <a:bodyPr rtlCol="0" anchor="ctr"/>
+            <a:lstStyle/>
+            <a:p>
+              <a:pPr marL="0" marR="0" lvl="0" indent="0" algn="ctr" defTabSz="914400" eaLnBrk="1" fontAlgn="auto" latinLnBrk="0" hangingPunct="1">
+                <a:lnSpc>
+                  <a:spcPct val="100000"/>
+                </a:lnSpc>
+                <a:spcBef>
+                  <a:spcPts val="0"/>
+                </a:spcBef>
+                <a:spcAft>
+                  <a:spcPts val="0"/>
+                </a:spcAft>
+                <a:buClrTx/>
+                <a:buSzTx/>
+                <a:buFontTx/>
+                <a:buNone/>
+                <a:tabLst/>
+                <a:defRPr/>
+              </a:pPr>
+              <a:endParaRPr kumimoji="0" lang="en-CN" sz="1400" b="0" i="0" u="none" strike="noStrike" kern="0" cap="none" spc="0" normalizeH="0" baseline="0" noProof="0" dirty="0">
                 <a:ln>
                   <a:noFill/>
                 </a:ln>
@@ -4741,32 +4254,34 @@
         </p:sp>
         <p:cxnSp>
           <p:nvCxnSpPr>
-            <p:cNvPr id="79" name="Straight Arrow Connector 78">
+            <p:cNvPr id="71" name="Straight Arrow Connector 70">
               <a:extLst>
                 <a:ext uri="{FF2B5EF4-FFF2-40B4-BE49-F238E27FC236}">
-                  <a16:creationId xmlns:a16="http://schemas.microsoft.com/office/drawing/2014/main" id="{20D25C33-E670-6F49-A7C4-0BB374E34333}"/>
+                  <a16:creationId xmlns:a16="http://schemas.microsoft.com/office/drawing/2014/main" id="{B1EF4815-DC22-694B-A326-2A72EEE71E1A}"/>
                 </a:ext>
               </a:extLst>
             </p:cNvPr>
             <p:cNvCxnSpPr>
               <a:cxnSpLocks/>
-              <a:stCxn id="78" idx="2"/>
-              <a:endCxn id="78" idx="6"/>
+              <a:stCxn id="70" idx="2"/>
+              <a:endCxn id="70" idx="6"/>
             </p:cNvCxnSpPr>
             <p:nvPr/>
           </p:nvCxnSpPr>
           <p:spPr>
             <a:xfrm>
-              <a:off x="9057943" y="4335317"/>
-              <a:ext cx="397101" cy="0"/>
+              <a:off x="5064818" y="2625131"/>
+              <a:ext cx="320839" cy="0"/>
             </a:xfrm>
             <a:prstGeom prst="straightConnector1">
               <a:avLst/>
             </a:prstGeom>
             <a:noFill/>
-            <a:ln w="12700" cap="flat" cmpd="sng" algn="ctr">
+            <a:ln w="19050" cap="flat" cmpd="sng" algn="ctr">
               <a:solidFill>
-                <a:sysClr val="windowText" lastClr="000000"/>
+                <a:schemeClr val="accent4">
+                  <a:lumMod val="50000"/>
+                </a:schemeClr>
               </a:solidFill>
               <a:prstDash val="solid"/>
               <a:miter lim="800000"/>
@@ -4775,244 +4290,107 @@
             <a:effectLst/>
           </p:spPr>
         </p:cxnSp>
-      </p:grpSp>
-      <p:cxnSp>
-        <p:nvCxnSpPr>
-          <p:cNvPr id="80" name="Straight Arrow Connector 79">
-            <a:extLst>
-              <a:ext uri="{FF2B5EF4-FFF2-40B4-BE49-F238E27FC236}">
-                <a16:creationId xmlns:a16="http://schemas.microsoft.com/office/drawing/2014/main" id="{5A2514DE-8BC0-5645-9F36-45DE40678FD1}"/>
-              </a:ext>
-            </a:extLst>
-          </p:cNvPr>
-          <p:cNvCxnSpPr>
-            <a:cxnSpLocks/>
-            <a:stCxn id="66" idx="2"/>
-            <a:endCxn id="78" idx="0"/>
-          </p:cNvCxnSpPr>
-          <p:nvPr/>
-        </p:nvCxnSpPr>
-        <p:spPr>
-          <a:xfrm flipH="1">
-            <a:off x="9756377" y="1927439"/>
-            <a:ext cx="7162" cy="1392432"/>
-          </a:xfrm>
-          <a:prstGeom prst="straightConnector1">
-            <a:avLst/>
-          </a:prstGeom>
-          <a:noFill/>
-          <a:ln w="12700" cap="flat" cmpd="sng" algn="ctr">
+        <p:sp>
+          <p:nvSpPr>
+            <p:cNvPr id="102" name="Rounded Rectangle 101">
+              <a:extLst>
+                <a:ext uri="{FF2B5EF4-FFF2-40B4-BE49-F238E27FC236}">
+                  <a16:creationId xmlns:a16="http://schemas.microsoft.com/office/drawing/2014/main" id="{B1119267-C046-9548-BF8F-FABB71542385}"/>
+                </a:ext>
+              </a:extLst>
+            </p:cNvPr>
+            <p:cNvSpPr/>
+            <p:nvPr/>
+          </p:nvSpPr>
+          <p:spPr>
+            <a:xfrm>
+              <a:off x="2472084" y="1509670"/>
+              <a:ext cx="1356995" cy="393026"/>
+            </a:xfrm>
+            <a:prstGeom prst="roundRect">
+              <a:avLst>
+                <a:gd name="adj" fmla="val 21564"/>
+              </a:avLst>
+            </a:prstGeom>
             <a:solidFill>
-              <a:sysClr val="windowText" lastClr="000000"/>
+              <a:schemeClr val="accent5">
+                <a:lumMod val="20000"/>
+                <a:lumOff val="80000"/>
+              </a:schemeClr>
             </a:solidFill>
-            <a:prstDash val="solid"/>
-            <a:miter lim="800000"/>
-            <a:tailEnd type="stealth"/>
-          </a:ln>
-          <a:effectLst/>
-        </p:spPr>
-      </p:cxnSp>
-      <p:cxnSp>
-        <p:nvCxnSpPr>
-          <p:cNvPr id="81" name="Straight Arrow Connector 80">
-            <a:extLst>
-              <a:ext uri="{FF2B5EF4-FFF2-40B4-BE49-F238E27FC236}">
-                <a16:creationId xmlns:a16="http://schemas.microsoft.com/office/drawing/2014/main" id="{6A1423DC-F736-914B-9970-C27B0C05A976}"/>
-              </a:ext>
-            </a:extLst>
-          </p:cNvPr>
-          <p:cNvCxnSpPr>
-            <a:cxnSpLocks/>
-          </p:cNvCxnSpPr>
-          <p:nvPr/>
-        </p:nvCxnSpPr>
-        <p:spPr>
-          <a:xfrm>
-            <a:off x="9064458" y="3518420"/>
-            <a:ext cx="493368" cy="0"/>
-          </a:xfrm>
-          <a:prstGeom prst="straightConnector1">
-            <a:avLst/>
-          </a:prstGeom>
-          <a:noFill/>
-          <a:ln w="12700" cap="flat" cmpd="sng" algn="ctr">
-            <a:solidFill>
-              <a:sysClr val="windowText" lastClr="000000"/>
-            </a:solidFill>
-            <a:prstDash val="solid"/>
-            <a:miter lim="800000"/>
-            <a:tailEnd type="stealth"/>
-          </a:ln>
-          <a:effectLst/>
-        </p:spPr>
-      </p:cxnSp>
-      <p:cxnSp>
-        <p:nvCxnSpPr>
-          <p:cNvPr id="82" name="Elbow Connector 81">
-            <a:extLst>
-              <a:ext uri="{FF2B5EF4-FFF2-40B4-BE49-F238E27FC236}">
-                <a16:creationId xmlns:a16="http://schemas.microsoft.com/office/drawing/2014/main" id="{028301CA-52CD-9842-B70B-F20957D85982}"/>
-              </a:ext>
-            </a:extLst>
-          </p:cNvPr>
-          <p:cNvCxnSpPr>
-            <a:cxnSpLocks/>
-            <a:stCxn id="70" idx="4"/>
-          </p:cNvCxnSpPr>
-          <p:nvPr/>
-        </p:nvCxnSpPr>
-        <p:spPr>
-          <a:xfrm rot="16200000" flipH="1">
-            <a:off x="5981540" y="3016253"/>
-            <a:ext cx="225815" cy="381419"/>
-          </a:xfrm>
-          <a:prstGeom prst="bentConnector2">
-            <a:avLst/>
-          </a:prstGeom>
-          <a:noFill/>
-          <a:ln w="12700" cap="flat" cmpd="sng" algn="ctr">
-            <a:solidFill>
-              <a:sysClr val="windowText" lastClr="000000"/>
-            </a:solidFill>
-            <a:prstDash val="solid"/>
-            <a:miter lim="800000"/>
-            <a:tailEnd type="triangle"/>
-          </a:ln>
-          <a:effectLst/>
-        </p:spPr>
-      </p:cxnSp>
-      <p:cxnSp>
-        <p:nvCxnSpPr>
-          <p:cNvPr id="83" name="Elbow Connector 82">
-            <a:extLst>
-              <a:ext uri="{FF2B5EF4-FFF2-40B4-BE49-F238E27FC236}">
-                <a16:creationId xmlns:a16="http://schemas.microsoft.com/office/drawing/2014/main" id="{49960EB4-9B19-8C4C-A9B9-7AA7541E07B8}"/>
-              </a:ext>
-            </a:extLst>
-          </p:cNvPr>
-          <p:cNvCxnSpPr>
-            <a:cxnSpLocks/>
-            <a:stCxn id="60" idx="2"/>
-            <a:endCxn id="87" idx="2"/>
-          </p:cNvCxnSpPr>
-          <p:nvPr/>
-        </p:nvCxnSpPr>
-        <p:spPr>
-          <a:xfrm rot="16200000" flipH="1">
-            <a:off x="6887869" y="933464"/>
-            <a:ext cx="1724882" cy="6271880"/>
-          </a:xfrm>
-          <a:prstGeom prst="bentConnector2">
-            <a:avLst/>
-          </a:prstGeom>
-          <a:noFill/>
-          <a:ln w="12700" cap="flat" cmpd="sng" algn="ctr">
-            <a:solidFill>
-              <a:sysClr val="windowText" lastClr="000000"/>
-            </a:solidFill>
-            <a:prstDash val="solid"/>
-            <a:miter lim="800000"/>
-            <a:tailEnd type="triangle"/>
-          </a:ln>
-          <a:effectLst/>
-        </p:spPr>
-      </p:cxnSp>
-      <p:cxnSp>
-        <p:nvCxnSpPr>
-          <p:cNvPr id="84" name="Elbow Connector 83">
-            <a:extLst>
-              <a:ext uri="{FF2B5EF4-FFF2-40B4-BE49-F238E27FC236}">
-                <a16:creationId xmlns:a16="http://schemas.microsoft.com/office/drawing/2014/main" id="{4692E09E-3F6D-6045-9D88-D21B845AAE55}"/>
-              </a:ext>
-            </a:extLst>
-          </p:cNvPr>
-          <p:cNvCxnSpPr>
-            <a:cxnSpLocks/>
-            <a:stCxn id="76" idx="2"/>
-            <a:endCxn id="87" idx="2"/>
-          </p:cNvCxnSpPr>
-          <p:nvPr/>
-        </p:nvCxnSpPr>
-        <p:spPr>
-          <a:xfrm rot="16200000" flipH="1">
-            <a:off x="9012142" y="3057736"/>
-            <a:ext cx="1101967" cy="2646249"/>
-          </a:xfrm>
-          <a:prstGeom prst="bentConnector2">
-            <a:avLst/>
-          </a:prstGeom>
-          <a:noFill/>
-          <a:ln w="12700" cap="flat" cmpd="sng" algn="ctr">
-            <a:solidFill>
-              <a:sysClr val="windowText" lastClr="000000"/>
-            </a:solidFill>
-            <a:prstDash val="solid"/>
-            <a:miter lim="800000"/>
-            <a:tailEnd type="triangle"/>
-          </a:ln>
-          <a:effectLst/>
-        </p:spPr>
-      </p:cxnSp>
-      <p:sp>
-        <p:nvSpPr>
-          <p:cNvPr id="85" name="Rounded Rectangle 84">
-            <a:extLst>
-              <a:ext uri="{FF2B5EF4-FFF2-40B4-BE49-F238E27FC236}">
-                <a16:creationId xmlns:a16="http://schemas.microsoft.com/office/drawing/2014/main" id="{D4BA5FD8-C50F-1847-AF16-6EF53F75BC43}"/>
-              </a:ext>
-            </a:extLst>
-          </p:cNvPr>
-          <p:cNvSpPr/>
-          <p:nvPr/>
-        </p:nvSpPr>
-        <p:spPr>
-          <a:xfrm>
-            <a:off x="10260344" y="3206962"/>
-            <a:ext cx="1648914" cy="622915"/>
-          </a:xfrm>
-          <a:prstGeom prst="roundRect">
-            <a:avLst>
-              <a:gd name="adj" fmla="val 4775"/>
-            </a:avLst>
-          </a:prstGeom>
-          <a:solidFill>
-            <a:srgbClr val="2683C6">
-              <a:lumMod val="60000"/>
-              <a:lumOff val="40000"/>
-            </a:srgbClr>
-          </a:solidFill>
-          <a:ln w="12700" cap="flat" cmpd="sng" algn="ctr">
-            <a:solidFill>
-              <a:sysClr val="windowText" lastClr="000000"/>
-            </a:solidFill>
-            <a:prstDash val="solid"/>
-            <a:miter lim="800000"/>
-          </a:ln>
-          <a:effectLst/>
-        </p:spPr>
-        <p:txBody>
-          <a:bodyPr rtlCol="0" anchor="ctr"/>
-          <a:lstStyle/>
-          <a:p>
-            <a:pPr marL="0" marR="0" lvl="0" indent="0" algn="ctr" defTabSz="914400" eaLnBrk="1" fontAlgn="auto" latinLnBrk="0" hangingPunct="1">
-              <a:lnSpc>
-                <a:spcPct val="100000"/>
-              </a:lnSpc>
-              <a:spcBef>
-                <a:spcPts val="0"/>
-              </a:spcBef>
-              <a:spcAft>
-                <a:spcPts val="0"/>
-              </a:spcAft>
-              <a:buClrTx/>
-              <a:buSzTx/>
-              <a:buFontTx/>
-              <a:buNone/>
-              <a:tabLst/>
-              <a:defRPr/>
-            </a:pPr>
-            <a:r>
-              <a:rPr kumimoji="0" lang="en-CN" sz="1800" b="0" i="0" u="none" strike="noStrike" kern="0" cap="none" spc="0" normalizeH="0" baseline="0" noProof="0" dirty="0">
+            <a:ln w="19050" cap="flat" cmpd="sng" algn="ctr">
+              <a:solidFill>
+                <a:schemeClr val="accent5">
+                  <a:lumMod val="50000"/>
+                </a:schemeClr>
+              </a:solidFill>
+              <a:prstDash val="solid"/>
+              <a:miter lim="800000"/>
+            </a:ln>
+            <a:effectLst>
+              <a:outerShdw blurRad="50800" dist="38100" dir="2700000" algn="tl" rotWithShape="0">
+                <a:prstClr val="black">
+                  <a:alpha val="40000"/>
+                </a:prstClr>
+              </a:outerShdw>
+            </a:effectLst>
+          </p:spPr>
+          <p:txBody>
+            <a:bodyPr rtlCol="0" anchor="ctr"/>
+            <a:lstStyle/>
+            <a:p>
+              <a:pPr marL="0" marR="0" lvl="0" indent="0" algn="ctr" defTabSz="914400" eaLnBrk="1" fontAlgn="auto" latinLnBrk="0" hangingPunct="1">
+                <a:lnSpc>
+                  <a:spcPct val="100000"/>
+                </a:lnSpc>
+                <a:spcBef>
+                  <a:spcPts val="0"/>
+                </a:spcBef>
+                <a:spcAft>
+                  <a:spcPts val="0"/>
+                </a:spcAft>
+                <a:buClrTx/>
+                <a:buSzTx/>
+                <a:buFontTx/>
+                <a:buNone/>
+                <a:tabLst/>
+                <a:defRPr/>
+              </a:pPr>
+              <a:r>
+                <a:rPr kumimoji="0" lang="en-CN" sz="1400" b="1" i="0" u="none" strike="noStrike" kern="0" cap="none" spc="0" normalizeH="0" baseline="0" noProof="0" dirty="0">
+                  <a:ln>
+                    <a:noFill/>
+                  </a:ln>
+                  <a:solidFill>
+                    <a:prstClr val="black"/>
+                  </a:solidFill>
+                  <a:effectLst/>
+                  <a:uLnTx/>
+                  <a:uFillTx/>
+                  <a:latin typeface="KaiTi" panose="02010609060101010101" pitchFamily="49" charset="-122"/>
+                  <a:ea typeface="KaiTi" panose="02010609060101010101" pitchFamily="49" charset="-122"/>
+                  <a:cs typeface="+mn-cs"/>
+                </a:rPr>
+                <a:t>粒度对齐</a:t>
+              </a:r>
+              <a:r>
+                <a:rPr kumimoji="0" lang="en-US" sz="1400" b="1" i="0" u="none" strike="noStrike" kern="0" cap="none" spc="0" normalizeH="0" baseline="0" noProof="0" dirty="0" err="1">
+                  <a:ln>
+                    <a:noFill/>
+                  </a:ln>
+                  <a:solidFill>
+                    <a:prstClr val="black"/>
+                  </a:solidFill>
+                  <a:effectLst/>
+                  <a:uLnTx/>
+                  <a:uFillTx/>
+                  <a:latin typeface="KaiTi" panose="02010609060101010101" pitchFamily="49" charset="-122"/>
+                  <a:ea typeface="KaiTi" panose="02010609060101010101" pitchFamily="49" charset="-122"/>
+                  <a:cs typeface="+mn-cs"/>
+                </a:rPr>
+                <a:t>模块</a:t>
+              </a:r>
+              <a:endParaRPr kumimoji="0" lang="en-CN" sz="1400" b="1" i="0" u="none" strike="noStrike" kern="0" cap="none" spc="0" normalizeH="0" baseline="0" noProof="0" dirty="0">
                 <a:ln>
                   <a:noFill/>
                 </a:ln>
@@ -5025,363 +4403,1198 @@
                 <a:latin typeface="KaiTi" panose="02010609060101010101" pitchFamily="49" charset="-122"/>
                 <a:ea typeface="KaiTi" panose="02010609060101010101" pitchFamily="49" charset="-122"/>
                 <a:cs typeface="+mn-cs"/>
-              </a:rPr>
-              <a:t>核心模块</a:t>
-            </a:r>
-          </a:p>
-        </p:txBody>
-      </p:sp>
-      <p:cxnSp>
-        <p:nvCxnSpPr>
-          <p:cNvPr id="86" name="Straight Arrow Connector 85">
-            <a:extLst>
-              <a:ext uri="{FF2B5EF4-FFF2-40B4-BE49-F238E27FC236}">
-                <a16:creationId xmlns:a16="http://schemas.microsoft.com/office/drawing/2014/main" id="{05141911-DA9D-E247-8D3A-FB4E550E3BD1}"/>
-              </a:ext>
-            </a:extLst>
-          </p:cNvPr>
-          <p:cNvCxnSpPr>
-            <a:cxnSpLocks/>
-          </p:cNvCxnSpPr>
-          <p:nvPr/>
-        </p:nvCxnSpPr>
-        <p:spPr>
-          <a:xfrm>
-            <a:off x="9970939" y="3519708"/>
-            <a:ext cx="289405" cy="1"/>
-          </a:xfrm>
-          <a:prstGeom prst="straightConnector1">
-            <a:avLst/>
-          </a:prstGeom>
-          <a:noFill/>
-          <a:ln w="12700" cap="flat" cmpd="sng" algn="ctr">
+              </a:endParaRPr>
+            </a:p>
+          </p:txBody>
+        </p:sp>
+        <mc:AlternateContent xmlns:mc="http://schemas.openxmlformats.org/markup-compatibility/2006">
+          <mc:Choice xmlns:a14="http://schemas.microsoft.com/office/drawing/2010/main" Requires="a14">
+            <p:sp>
+              <p:nvSpPr>
+                <p:cNvPr id="45" name="TextBox 44">
+                  <a:extLst>
+                    <a:ext uri="{FF2B5EF4-FFF2-40B4-BE49-F238E27FC236}">
+                      <a16:creationId xmlns:a16="http://schemas.microsoft.com/office/drawing/2014/main" id="{66CA30B1-F898-5A4C-A1E2-00F3BD8BEE38}"/>
+                    </a:ext>
+                  </a:extLst>
+                </p:cNvPr>
+                <p:cNvSpPr txBox="1"/>
+                <p:nvPr/>
+              </p:nvSpPr>
+              <p:spPr>
+                <a:xfrm>
+                  <a:off x="3198412" y="1182235"/>
+                  <a:ext cx="1125052" cy="244426"/>
+                </a:xfrm>
+                <a:prstGeom prst="rect">
+                  <a:avLst/>
+                </a:prstGeom>
+                <a:noFill/>
+              </p:spPr>
+              <p:txBody>
+                <a:bodyPr wrap="none" lIns="0" tIns="0" rIns="0" bIns="0" rtlCol="0">
+                  <a:spAutoFit/>
+                </a:bodyPr>
+                <a:lstStyle/>
+                <a:p>
+                  <a14:m>
+                    <m:oMathPara xmlns:m="http://schemas.openxmlformats.org/officeDocument/2006/math">
+                      <m:oMathParaPr>
+                        <m:jc m:val="centerGroup"/>
+                      </m:oMathParaPr>
+                      <m:oMath xmlns:m="http://schemas.openxmlformats.org/officeDocument/2006/math">
+                        <m:sSup>
+                          <m:sSupPr>
+                            <m:ctrlPr>
+                              <a:rPr lang="en-US" sz="1400" b="0" i="1" smtClean="0">
+                                <a:latin typeface="Cambria Math" panose="02040503050406030204" pitchFamily="18" charset="0"/>
+                              </a:rPr>
+                            </m:ctrlPr>
+                          </m:sSupPr>
+                          <m:e>
+                            <m:r>
+                              <a:rPr lang="en-CN" sz="1400" b="1" i="0" smtClean="0">
+                                <a:latin typeface="Cambria Math" panose="02040503050406030204" pitchFamily="18" charset="0"/>
+                              </a:rPr>
+                              <m:t>𝐗</m:t>
+                            </m:r>
+                          </m:e>
+                          <m:sup>
+                            <m:r>
+                              <a:rPr lang="en-US" sz="1400" b="0" i="1" smtClean="0">
+                                <a:latin typeface="Cambria Math" panose="02040503050406030204" pitchFamily="18" charset="0"/>
+                              </a:rPr>
+                              <m:t>1</m:t>
+                            </m:r>
+                          </m:sup>
+                        </m:sSup>
+                        <m:r>
+                          <a:rPr lang="en-US" sz="1400" b="0" i="1" smtClean="0">
+                            <a:latin typeface="Cambria Math" panose="02040503050406030204" pitchFamily="18" charset="0"/>
+                          </a:rPr>
+                          <m:t>∈</m:t>
+                        </m:r>
+                        <m:sSup>
+                          <m:sSupPr>
+                            <m:ctrlPr>
+                              <a:rPr lang="en-US" sz="1400" b="0" i="1" smtClean="0">
+                                <a:latin typeface="Cambria Math" panose="02040503050406030204" pitchFamily="18" charset="0"/>
+                                <a:ea typeface="Cambria Math" panose="02040503050406030204" pitchFamily="18" charset="0"/>
+                              </a:rPr>
+                            </m:ctrlPr>
+                          </m:sSupPr>
+                          <m:e>
+                            <m:r>
+                              <a:rPr lang="en-US" sz="1400" i="1">
+                                <a:latin typeface="Cambria Math" panose="02040503050406030204" pitchFamily="18" charset="0"/>
+                                <a:ea typeface="Cambria Math" panose="02040503050406030204" pitchFamily="18" charset="0"/>
+                              </a:rPr>
+                              <m:t>ℝ</m:t>
+                            </m:r>
+                          </m:e>
+                          <m:sup>
+                            <m:r>
+                              <a:rPr lang="en-US" sz="1400" i="1">
+                                <a:latin typeface="Cambria Math" panose="02040503050406030204" pitchFamily="18" charset="0"/>
+                                <a:ea typeface="Cambria Math" panose="02040503050406030204" pitchFamily="18" charset="0"/>
+                              </a:rPr>
+                              <m:t>𝑇</m:t>
+                            </m:r>
+                            <m:r>
+                              <a:rPr lang="en-US" sz="1400" i="1">
+                                <a:latin typeface="Cambria Math" panose="02040503050406030204" pitchFamily="18" charset="0"/>
+                                <a:ea typeface="Cambria Math" panose="02040503050406030204" pitchFamily="18" charset="0"/>
+                              </a:rPr>
+                              <m:t>×</m:t>
+                            </m:r>
+                            <m:sSup>
+                              <m:sSupPr>
+                                <m:ctrlPr>
+                                  <a:rPr lang="en-US" sz="1400" i="1">
+                                    <a:latin typeface="Cambria Math" panose="02040503050406030204" pitchFamily="18" charset="0"/>
+                                    <a:ea typeface="Cambria Math" panose="02040503050406030204" pitchFamily="18" charset="0"/>
+                                  </a:rPr>
+                                </m:ctrlPr>
+                              </m:sSupPr>
+                              <m:e>
+                                <m:r>
+                                  <a:rPr lang="en-US" sz="1400" i="1">
+                                    <a:latin typeface="Cambria Math" panose="02040503050406030204" pitchFamily="18" charset="0"/>
+                                    <a:ea typeface="Cambria Math" panose="02040503050406030204" pitchFamily="18" charset="0"/>
+                                  </a:rPr>
+                                  <m:t>𝐾</m:t>
+                                </m:r>
+                              </m:e>
+                              <m:sup>
+                                <m:r>
+                                  <a:rPr lang="en-US" sz="1400" i="1">
+                                    <a:latin typeface="Cambria Math" panose="02040503050406030204" pitchFamily="18" charset="0"/>
+                                    <a:ea typeface="Cambria Math" panose="02040503050406030204" pitchFamily="18" charset="0"/>
+                                  </a:rPr>
+                                  <m:t>1</m:t>
+                                </m:r>
+                              </m:sup>
+                            </m:sSup>
+                            <m:r>
+                              <a:rPr lang="en-US" sz="1400" i="1">
+                                <a:latin typeface="Cambria Math" panose="02040503050406030204" pitchFamily="18" charset="0"/>
+                                <a:ea typeface="Cambria Math" panose="02040503050406030204" pitchFamily="18" charset="0"/>
+                              </a:rPr>
+                              <m:t>×</m:t>
+                            </m:r>
+                            <m:r>
+                              <a:rPr lang="en-US" sz="1400" i="1">
+                                <a:latin typeface="Cambria Math" panose="02040503050406030204" pitchFamily="18" charset="0"/>
+                                <a:ea typeface="Cambria Math" panose="02040503050406030204" pitchFamily="18" charset="0"/>
+                              </a:rPr>
+                              <m:t>𝐷</m:t>
+                            </m:r>
+                          </m:sup>
+                        </m:sSup>
+                      </m:oMath>
+                    </m:oMathPara>
+                  </a14:m>
+                  <a:endParaRPr lang="en-CN" sz="1400" dirty="0"/>
+                </a:p>
+              </p:txBody>
+            </p:sp>
+          </mc:Choice>
+          <mc:Fallback>
+            <p:sp>
+              <p:nvSpPr>
+                <p:cNvPr id="45" name="TextBox 44">
+                  <a:extLst>
+                    <a:ext uri="{FF2B5EF4-FFF2-40B4-BE49-F238E27FC236}">
+                      <a16:creationId xmlns:a16="http://schemas.microsoft.com/office/drawing/2014/main" id="{66CA30B1-F898-5A4C-A1E2-00F3BD8BEE38}"/>
+                    </a:ext>
+                  </a:extLst>
+                </p:cNvPr>
+                <p:cNvSpPr txBox="1">
+                  <a:spLocks noRot="1" noChangeAspect="1" noMove="1" noResize="1" noEditPoints="1" noAdjustHandles="1" noChangeArrowheads="1" noChangeShapeType="1" noTextEdit="1"/>
+                </p:cNvSpPr>
+                <p:nvPr/>
+              </p:nvSpPr>
+              <p:spPr>
+                <a:xfrm>
+                  <a:off x="3198412" y="1182235"/>
+                  <a:ext cx="1125052" cy="244426"/>
+                </a:xfrm>
+                <a:prstGeom prst="rect">
+                  <a:avLst/>
+                </a:prstGeom>
+                <a:blipFill>
+                  <a:blip r:embed="rId2"/>
+                  <a:stretch>
+                    <a:fillRect l="-3371" t="-5000"/>
+                  </a:stretch>
+                </a:blipFill>
+              </p:spPr>
+              <p:txBody>
+                <a:bodyPr/>
+                <a:lstStyle/>
+                <a:p>
+                  <a:r>
+                    <a:rPr lang="en-CN">
+                      <a:noFill/>
+                    </a:rPr>
+                    <a:t> </a:t>
+                  </a:r>
+                </a:p>
+              </p:txBody>
+            </p:sp>
+          </mc:Fallback>
+        </mc:AlternateContent>
+        <p:cxnSp>
+          <p:nvCxnSpPr>
+            <p:cNvPr id="119" name="Straight Arrow Connector 118">
+              <a:extLst>
+                <a:ext uri="{FF2B5EF4-FFF2-40B4-BE49-F238E27FC236}">
+                  <a16:creationId xmlns:a16="http://schemas.microsoft.com/office/drawing/2014/main" id="{E9D62214-B8BB-0E48-9713-BC406B091B3C}"/>
+                </a:ext>
+              </a:extLst>
+            </p:cNvPr>
+            <p:cNvCxnSpPr>
+              <a:cxnSpLocks/>
+              <a:stCxn id="60" idx="3"/>
+              <a:endCxn id="70" idx="2"/>
+            </p:cNvCxnSpPr>
+            <p:nvPr/>
+          </p:nvCxnSpPr>
+          <p:spPr>
+            <a:xfrm>
+              <a:off x="4780799" y="2623654"/>
+              <a:ext cx="284019" cy="1477"/>
+            </a:xfrm>
+            <a:prstGeom prst="straightConnector1">
+              <a:avLst/>
+            </a:prstGeom>
+            <a:noFill/>
+            <a:ln w="19050" cap="flat" cmpd="sng" algn="ctr">
+              <a:solidFill>
+                <a:schemeClr val="tx1"/>
+              </a:solidFill>
+              <a:prstDash val="solid"/>
+              <a:miter lim="800000"/>
+              <a:tailEnd type="stealth" w="lg" len="med"/>
+            </a:ln>
+            <a:effectLst/>
+          </p:spPr>
+        </p:cxnSp>
+        <mc:AlternateContent xmlns:mc="http://schemas.openxmlformats.org/markup-compatibility/2006">
+          <mc:Choice xmlns:a14="http://schemas.microsoft.com/office/drawing/2010/main" Requires="a14">
+            <p:sp>
+              <p:nvSpPr>
+                <p:cNvPr id="124" name="TextBox 123">
+                  <a:extLst>
+                    <a:ext uri="{FF2B5EF4-FFF2-40B4-BE49-F238E27FC236}">
+                      <a16:creationId xmlns:a16="http://schemas.microsoft.com/office/drawing/2014/main" id="{FC2E26B9-3E2A-9C4B-9B8B-689D826CE2AA}"/>
+                    </a:ext>
+                  </a:extLst>
+                </p:cNvPr>
+                <p:cNvSpPr txBox="1"/>
+                <p:nvPr/>
+              </p:nvSpPr>
+              <p:spPr>
+                <a:xfrm>
+                  <a:off x="3198412" y="1988518"/>
+                  <a:ext cx="1038682" cy="219227"/>
+                </a:xfrm>
+                <a:prstGeom prst="rect">
+                  <a:avLst/>
+                </a:prstGeom>
+                <a:noFill/>
+              </p:spPr>
+              <p:txBody>
+                <a:bodyPr wrap="none" lIns="0" tIns="0" rIns="0" bIns="0" rtlCol="0">
+                  <a:spAutoFit/>
+                </a:bodyPr>
+                <a:lstStyle/>
+                <a:p>
+                  <a14:m>
+                    <m:oMathPara xmlns:m="http://schemas.openxmlformats.org/officeDocument/2006/math">
+                      <m:oMathParaPr>
+                        <m:jc m:val="centerGroup"/>
+                      </m:oMathParaPr>
+                      <m:oMath xmlns:m="http://schemas.openxmlformats.org/officeDocument/2006/math">
+                        <m:sSup>
+                          <m:sSupPr>
+                            <m:ctrlPr>
+                              <a:rPr lang="en-US" sz="1400" b="0" i="1" smtClean="0">
+                                <a:latin typeface="Cambria Math" panose="02040503050406030204" pitchFamily="18" charset="0"/>
+                              </a:rPr>
+                            </m:ctrlPr>
+                          </m:sSupPr>
+                          <m:e>
+                            <m:r>
+                              <a:rPr lang="en-CN" sz="1400" b="1" i="0">
+                                <a:latin typeface="Cambria Math" panose="02040503050406030204" pitchFamily="18" charset="0"/>
+                              </a:rPr>
+                              <m:t>𝐅</m:t>
+                            </m:r>
+                          </m:e>
+                          <m:sup>
+                            <m:r>
+                              <a:rPr lang="en-US" sz="1400" b="0" i="1" smtClean="0">
+                                <a:latin typeface="Cambria Math" panose="02040503050406030204" pitchFamily="18" charset="0"/>
+                              </a:rPr>
+                              <m:t>1</m:t>
+                            </m:r>
+                          </m:sup>
+                        </m:sSup>
+                        <m:r>
+                          <a:rPr lang="en-US" sz="1400" b="0" i="1" smtClean="0">
+                            <a:latin typeface="Cambria Math" panose="02040503050406030204" pitchFamily="18" charset="0"/>
+                          </a:rPr>
+                          <m:t>∈</m:t>
+                        </m:r>
+                        <m:sSup>
+                          <m:sSupPr>
+                            <m:ctrlPr>
+                              <a:rPr lang="en-US" sz="1400" b="0" i="1" smtClean="0">
+                                <a:latin typeface="Cambria Math" panose="02040503050406030204" pitchFamily="18" charset="0"/>
+                                <a:ea typeface="Cambria Math" panose="02040503050406030204" pitchFamily="18" charset="0"/>
+                              </a:rPr>
+                            </m:ctrlPr>
+                          </m:sSupPr>
+                          <m:e>
+                            <m:r>
+                              <a:rPr lang="en-US" sz="1400" i="1">
+                                <a:latin typeface="Cambria Math" panose="02040503050406030204" pitchFamily="18" charset="0"/>
+                                <a:ea typeface="Cambria Math" panose="02040503050406030204" pitchFamily="18" charset="0"/>
+                              </a:rPr>
+                              <m:t>ℝ</m:t>
+                            </m:r>
+                          </m:e>
+                          <m:sup>
+                            <m:r>
+                              <a:rPr lang="en-US" sz="1400" i="1">
+                                <a:latin typeface="Cambria Math" panose="02040503050406030204" pitchFamily="18" charset="0"/>
+                                <a:ea typeface="Cambria Math" panose="02040503050406030204" pitchFamily="18" charset="0"/>
+                              </a:rPr>
+                              <m:t>𝑇</m:t>
+                            </m:r>
+                            <m:r>
+                              <a:rPr lang="en-US" sz="1400" i="1">
+                                <a:latin typeface="Cambria Math" panose="02040503050406030204" pitchFamily="18" charset="0"/>
+                                <a:ea typeface="Cambria Math" panose="02040503050406030204" pitchFamily="18" charset="0"/>
+                              </a:rPr>
+                              <m:t>×</m:t>
+                            </m:r>
+                            <m:r>
+                              <a:rPr lang="en-US" sz="1400" i="1" smtClean="0">
+                                <a:latin typeface="Cambria Math" panose="02040503050406030204" pitchFamily="18" charset="0"/>
+                                <a:ea typeface="Cambria Math" panose="02040503050406030204" pitchFamily="18" charset="0"/>
+                              </a:rPr>
+                              <m:t>𝐾</m:t>
+                            </m:r>
+                            <m:r>
+                              <a:rPr lang="en-US" sz="1400" i="1">
+                                <a:latin typeface="Cambria Math" panose="02040503050406030204" pitchFamily="18" charset="0"/>
+                                <a:ea typeface="Cambria Math" panose="02040503050406030204" pitchFamily="18" charset="0"/>
+                              </a:rPr>
+                              <m:t>×</m:t>
+                            </m:r>
+                            <m:r>
+                              <a:rPr lang="en-US" sz="1400" i="1">
+                                <a:latin typeface="Cambria Math" panose="02040503050406030204" pitchFamily="18" charset="0"/>
+                                <a:ea typeface="Cambria Math" panose="02040503050406030204" pitchFamily="18" charset="0"/>
+                              </a:rPr>
+                              <m:t>𝐷</m:t>
+                            </m:r>
+                          </m:sup>
+                        </m:sSup>
+                      </m:oMath>
+                    </m:oMathPara>
+                  </a14:m>
+                  <a:endParaRPr lang="en-CN" sz="1400" dirty="0"/>
+                </a:p>
+              </p:txBody>
+            </p:sp>
+          </mc:Choice>
+          <mc:Fallback>
+            <p:sp>
+              <p:nvSpPr>
+                <p:cNvPr id="124" name="TextBox 123">
+                  <a:extLst>
+                    <a:ext uri="{FF2B5EF4-FFF2-40B4-BE49-F238E27FC236}">
+                      <a16:creationId xmlns:a16="http://schemas.microsoft.com/office/drawing/2014/main" id="{FC2E26B9-3E2A-9C4B-9B8B-689D826CE2AA}"/>
+                    </a:ext>
+                  </a:extLst>
+                </p:cNvPr>
+                <p:cNvSpPr txBox="1">
+                  <a:spLocks noRot="1" noChangeAspect="1" noMove="1" noResize="1" noEditPoints="1" noAdjustHandles="1" noChangeArrowheads="1" noChangeShapeType="1" noTextEdit="1"/>
+                </p:cNvSpPr>
+                <p:nvPr/>
+              </p:nvSpPr>
+              <p:spPr>
+                <a:xfrm>
+                  <a:off x="3198412" y="1988518"/>
+                  <a:ext cx="1038682" cy="219227"/>
+                </a:xfrm>
+                <a:prstGeom prst="rect">
+                  <a:avLst/>
+                </a:prstGeom>
+                <a:blipFill>
+                  <a:blip r:embed="rId3"/>
+                  <a:stretch>
+                    <a:fillRect l="-4878" r="-1220" b="-5556"/>
+                  </a:stretch>
+                </a:blipFill>
+              </p:spPr>
+              <p:txBody>
+                <a:bodyPr/>
+                <a:lstStyle/>
+                <a:p>
+                  <a:r>
+                    <a:rPr lang="en-CN">
+                      <a:noFill/>
+                    </a:rPr>
+                    <a:t> </a:t>
+                  </a:r>
+                </a:p>
+              </p:txBody>
+            </p:sp>
+          </mc:Fallback>
+        </mc:AlternateContent>
+        <p:cxnSp>
+          <p:nvCxnSpPr>
+            <p:cNvPr id="125" name="Straight Arrow Connector 124">
+              <a:extLst>
+                <a:ext uri="{FF2B5EF4-FFF2-40B4-BE49-F238E27FC236}">
+                  <a16:creationId xmlns:a16="http://schemas.microsoft.com/office/drawing/2014/main" id="{5BAA1478-A21F-5746-80B8-E7C58E8E7F45}"/>
+                </a:ext>
+              </a:extLst>
+            </p:cNvPr>
+            <p:cNvCxnSpPr>
+              <a:cxnSpLocks/>
+              <a:stCxn id="63" idx="2"/>
+              <a:endCxn id="70" idx="0"/>
+            </p:cNvCxnSpPr>
+            <p:nvPr/>
+          </p:nvCxnSpPr>
+          <p:spPr>
+            <a:xfrm flipH="1">
+              <a:off x="5225238" y="1906429"/>
+              <a:ext cx="2" cy="558282"/>
+            </a:xfrm>
+            <a:prstGeom prst="straightConnector1">
+              <a:avLst/>
+            </a:prstGeom>
+            <a:noFill/>
+            <a:ln w="19050" cap="flat" cmpd="sng" algn="ctr">
+              <a:solidFill>
+                <a:schemeClr val="tx1"/>
+              </a:solidFill>
+              <a:prstDash val="solid"/>
+              <a:miter lim="800000"/>
+              <a:tailEnd type="stealth" w="lg" len="med"/>
+            </a:ln>
+            <a:effectLst/>
+          </p:spPr>
+        </p:cxnSp>
+        <mc:AlternateContent xmlns:mc="http://schemas.openxmlformats.org/markup-compatibility/2006">
+          <mc:Choice xmlns:a14="http://schemas.microsoft.com/office/drawing/2010/main" Requires="a14">
+            <p:sp>
+              <p:nvSpPr>
+                <p:cNvPr id="128" name="TextBox 127">
+                  <a:extLst>
+                    <a:ext uri="{FF2B5EF4-FFF2-40B4-BE49-F238E27FC236}">
+                      <a16:creationId xmlns:a16="http://schemas.microsoft.com/office/drawing/2014/main" id="{1DFC7AF5-9D19-424C-93AA-78E37C941D62}"/>
+                    </a:ext>
+                  </a:extLst>
+                </p:cNvPr>
+                <p:cNvSpPr txBox="1"/>
+                <p:nvPr/>
+              </p:nvSpPr>
+              <p:spPr>
+                <a:xfrm>
+                  <a:off x="2905762" y="2513457"/>
+                  <a:ext cx="242438" cy="215444"/>
+                </a:xfrm>
+                <a:prstGeom prst="rect">
+                  <a:avLst/>
+                </a:prstGeom>
+                <a:noFill/>
+              </p:spPr>
+              <p:txBody>
+                <a:bodyPr wrap="none" lIns="0" tIns="0" rIns="0" bIns="0" rtlCol="0">
+                  <a:spAutoFit/>
+                </a:bodyPr>
+                <a:lstStyle/>
+                <a:p>
+                  <a14:m>
+                    <m:oMathPara xmlns:m="http://schemas.openxmlformats.org/officeDocument/2006/math">
+                      <m:oMathParaPr>
+                        <m:jc m:val="centerGroup"/>
+                      </m:oMathParaPr>
+                      <m:oMath xmlns:m="http://schemas.openxmlformats.org/officeDocument/2006/math">
+                        <m:sSup>
+                          <m:sSupPr>
+                            <m:ctrlPr>
+                              <a:rPr lang="en-US" sz="1400" b="0" i="1" smtClean="0">
+                                <a:latin typeface="Cambria Math" panose="02040503050406030204" pitchFamily="18" charset="0"/>
+                              </a:rPr>
+                            </m:ctrlPr>
+                          </m:sSupPr>
+                          <m:e>
+                            <m:r>
+                              <a:rPr lang="en-CN" sz="1400" b="1" i="0">
+                                <a:latin typeface="Cambria Math" panose="02040503050406030204" pitchFamily="18" charset="0"/>
+                              </a:rPr>
+                              <m:t>𝐏</m:t>
+                            </m:r>
+                          </m:e>
+                          <m:sup>
+                            <m:r>
+                              <a:rPr lang="en-US" sz="1400" b="0" i="1" smtClean="0">
+                                <a:latin typeface="Cambria Math" panose="02040503050406030204" pitchFamily="18" charset="0"/>
+                              </a:rPr>
+                              <m:t>1</m:t>
+                            </m:r>
+                          </m:sup>
+                        </m:sSup>
+                      </m:oMath>
+                    </m:oMathPara>
+                  </a14:m>
+                  <a:endParaRPr lang="en-CN" sz="1400" dirty="0"/>
+                </a:p>
+              </p:txBody>
+            </p:sp>
+          </mc:Choice>
+          <mc:Fallback>
+            <p:sp>
+              <p:nvSpPr>
+                <p:cNvPr id="128" name="TextBox 127">
+                  <a:extLst>
+                    <a:ext uri="{FF2B5EF4-FFF2-40B4-BE49-F238E27FC236}">
+                      <a16:creationId xmlns:a16="http://schemas.microsoft.com/office/drawing/2014/main" id="{1DFC7AF5-9D19-424C-93AA-78E37C941D62}"/>
+                    </a:ext>
+                  </a:extLst>
+                </p:cNvPr>
+                <p:cNvSpPr txBox="1">
+                  <a:spLocks noRot="1" noChangeAspect="1" noMove="1" noResize="1" noEditPoints="1" noAdjustHandles="1" noChangeArrowheads="1" noChangeShapeType="1" noTextEdit="1"/>
+                </p:cNvSpPr>
+                <p:nvPr/>
+              </p:nvSpPr>
+              <p:spPr>
+                <a:xfrm>
+                  <a:off x="2905762" y="2513457"/>
+                  <a:ext cx="242438" cy="215444"/>
+                </a:xfrm>
+                <a:prstGeom prst="rect">
+                  <a:avLst/>
+                </a:prstGeom>
+                <a:blipFill>
+                  <a:blip r:embed="rId4"/>
+                  <a:stretch>
+                    <a:fillRect l="-10000" r="-5000"/>
+                  </a:stretch>
+                </a:blipFill>
+              </p:spPr>
+              <p:txBody>
+                <a:bodyPr/>
+                <a:lstStyle/>
+                <a:p>
+                  <a:r>
+                    <a:rPr lang="en-CN">
+                      <a:noFill/>
+                    </a:rPr>
+                    <a:t> </a:t>
+                  </a:r>
+                </a:p>
+              </p:txBody>
+            </p:sp>
+          </mc:Fallback>
+        </mc:AlternateContent>
+        <mc:AlternateContent xmlns:mc="http://schemas.openxmlformats.org/markup-compatibility/2006">
+          <mc:Choice xmlns:a14="http://schemas.microsoft.com/office/drawing/2010/main" Requires="a14">
+            <p:sp>
+              <p:nvSpPr>
+                <p:cNvPr id="129" name="TextBox 128">
+                  <a:extLst>
+                    <a:ext uri="{FF2B5EF4-FFF2-40B4-BE49-F238E27FC236}">
+                      <a16:creationId xmlns:a16="http://schemas.microsoft.com/office/drawing/2014/main" id="{6F256E52-8C40-8B4D-9145-9F481342C31F}"/>
+                    </a:ext>
+                  </a:extLst>
+                </p:cNvPr>
+                <p:cNvSpPr txBox="1"/>
+                <p:nvPr/>
+              </p:nvSpPr>
+              <p:spPr>
+                <a:xfrm>
+                  <a:off x="4802312" y="2408209"/>
+                  <a:ext cx="240835" cy="215444"/>
+                </a:xfrm>
+                <a:prstGeom prst="rect">
+                  <a:avLst/>
+                </a:prstGeom>
+                <a:noFill/>
+              </p:spPr>
+              <p:txBody>
+                <a:bodyPr wrap="none" lIns="0" tIns="0" rIns="0" bIns="0" rtlCol="0">
+                  <a:spAutoFit/>
+                </a:bodyPr>
+                <a:lstStyle/>
+                <a:p>
+                  <a14:m>
+                    <m:oMathPara xmlns:m="http://schemas.openxmlformats.org/officeDocument/2006/math">
+                      <m:oMathParaPr>
+                        <m:jc m:val="centerGroup"/>
+                      </m:oMathParaPr>
+                      <m:oMath xmlns:m="http://schemas.openxmlformats.org/officeDocument/2006/math">
+                        <m:sSup>
+                          <m:sSupPr>
+                            <m:ctrlPr>
+                              <a:rPr lang="en-US" sz="1400" b="0" i="1" smtClean="0">
+                                <a:latin typeface="Cambria Math" panose="02040503050406030204" pitchFamily="18" charset="0"/>
+                              </a:rPr>
+                            </m:ctrlPr>
+                          </m:sSupPr>
+                          <m:e>
+                            <m:r>
+                              <a:rPr lang="en-US" sz="1400" b="1" i="0" smtClean="0">
+                                <a:latin typeface="Cambria Math" panose="02040503050406030204" pitchFamily="18" charset="0"/>
+                              </a:rPr>
+                              <m:t>𝐑</m:t>
+                            </m:r>
+                          </m:e>
+                          <m:sup>
+                            <m:r>
+                              <a:rPr lang="en-US" sz="1400" b="0" i="1" smtClean="0">
+                                <a:latin typeface="Cambria Math" panose="02040503050406030204" pitchFamily="18" charset="0"/>
+                              </a:rPr>
+                              <m:t>1</m:t>
+                            </m:r>
+                          </m:sup>
+                        </m:sSup>
+                      </m:oMath>
+                    </m:oMathPara>
+                  </a14:m>
+                  <a:endParaRPr lang="en-CN" sz="1400" dirty="0"/>
+                </a:p>
+              </p:txBody>
+            </p:sp>
+          </mc:Choice>
+          <mc:Fallback>
+            <p:sp>
+              <p:nvSpPr>
+                <p:cNvPr id="129" name="TextBox 128">
+                  <a:extLst>
+                    <a:ext uri="{FF2B5EF4-FFF2-40B4-BE49-F238E27FC236}">
+                      <a16:creationId xmlns:a16="http://schemas.microsoft.com/office/drawing/2014/main" id="{6F256E52-8C40-8B4D-9145-9F481342C31F}"/>
+                    </a:ext>
+                  </a:extLst>
+                </p:cNvPr>
+                <p:cNvSpPr txBox="1">
+                  <a:spLocks noRot="1" noChangeAspect="1" noMove="1" noResize="1" noEditPoints="1" noAdjustHandles="1" noChangeArrowheads="1" noChangeShapeType="1" noTextEdit="1"/>
+                </p:cNvSpPr>
+                <p:nvPr/>
+              </p:nvSpPr>
+              <p:spPr>
+                <a:xfrm>
+                  <a:off x="4802312" y="2408209"/>
+                  <a:ext cx="240835" cy="215444"/>
+                </a:xfrm>
+                <a:prstGeom prst="rect">
+                  <a:avLst/>
+                </a:prstGeom>
+                <a:blipFill>
+                  <a:blip r:embed="rId5"/>
+                  <a:stretch>
+                    <a:fillRect l="-21053" r="-5263" b="-5556"/>
+                  </a:stretch>
+                </a:blipFill>
+              </p:spPr>
+              <p:txBody>
+                <a:bodyPr/>
+                <a:lstStyle/>
+                <a:p>
+                  <a:r>
+                    <a:rPr lang="en-CN">
+                      <a:noFill/>
+                    </a:rPr>
+                    <a:t> </a:t>
+                  </a:r>
+                </a:p>
+              </p:txBody>
+            </p:sp>
+          </mc:Fallback>
+        </mc:AlternateContent>
+        <p:cxnSp>
+          <p:nvCxnSpPr>
+            <p:cNvPr id="130" name="Elbow Connector 129">
+              <a:extLst>
+                <a:ext uri="{FF2B5EF4-FFF2-40B4-BE49-F238E27FC236}">
+                  <a16:creationId xmlns:a16="http://schemas.microsoft.com/office/drawing/2014/main" id="{8F3FA7BA-AF86-D342-9E66-D02EE82D4421}"/>
+                </a:ext>
+              </a:extLst>
+            </p:cNvPr>
+            <p:cNvCxnSpPr>
+              <a:cxnSpLocks/>
+              <a:stCxn id="70" idx="4"/>
+              <a:endCxn id="137" idx="1"/>
+            </p:cNvCxnSpPr>
+            <p:nvPr/>
+          </p:nvCxnSpPr>
+          <p:spPr>
+            <a:xfrm rot="16200000" flipH="1">
+              <a:off x="5287634" y="2723153"/>
+              <a:ext cx="151329" cy="276121"/>
+            </a:xfrm>
+            <a:prstGeom prst="bentConnector2">
+              <a:avLst/>
+            </a:prstGeom>
+            <a:noFill/>
+            <a:ln w="19050" cap="flat" cmpd="sng" algn="ctr">
+              <a:solidFill>
+                <a:sysClr val="windowText" lastClr="000000"/>
+              </a:solidFill>
+              <a:prstDash val="solid"/>
+              <a:miter lim="800000"/>
+              <a:tailEnd type="stealth" w="lg" len="med"/>
+            </a:ln>
+            <a:effectLst/>
+          </p:spPr>
+        </p:cxnSp>
+        <mc:AlternateContent xmlns:mc="http://schemas.openxmlformats.org/markup-compatibility/2006">
+          <mc:Choice xmlns:a14="http://schemas.microsoft.com/office/drawing/2010/main" Requires="a14">
+            <p:sp>
+              <p:nvSpPr>
+                <p:cNvPr id="135" name="TextBox 134">
+                  <a:extLst>
+                    <a:ext uri="{FF2B5EF4-FFF2-40B4-BE49-F238E27FC236}">
+                      <a16:creationId xmlns:a16="http://schemas.microsoft.com/office/drawing/2014/main" id="{CE736FA1-9BA3-CF48-8F4A-C121CA0E426E}"/>
+                    </a:ext>
+                  </a:extLst>
+                </p:cNvPr>
+                <p:cNvSpPr txBox="1"/>
+                <p:nvPr/>
+              </p:nvSpPr>
+              <p:spPr>
+                <a:xfrm>
+                  <a:off x="5273068" y="1182235"/>
+                  <a:ext cx="1173783" cy="244939"/>
+                </a:xfrm>
+                <a:prstGeom prst="rect">
+                  <a:avLst/>
+                </a:prstGeom>
+                <a:noFill/>
+              </p:spPr>
+              <p:txBody>
+                <a:bodyPr wrap="none" lIns="0" tIns="0" rIns="0" bIns="0" rtlCol="0">
+                  <a:spAutoFit/>
+                </a:bodyPr>
+                <a:lstStyle/>
+                <a:p>
+                  <a14:m>
+                    <m:oMathPara xmlns:m="http://schemas.openxmlformats.org/officeDocument/2006/math">
+                      <m:oMathParaPr>
+                        <m:jc m:val="centerGroup"/>
+                      </m:oMathParaPr>
+                      <m:oMath xmlns:m="http://schemas.openxmlformats.org/officeDocument/2006/math">
+                        <m:sSup>
+                          <m:sSupPr>
+                            <m:ctrlPr>
+                              <a:rPr lang="en-US" sz="1400" b="0" i="1" smtClean="0">
+                                <a:latin typeface="Cambria Math" panose="02040503050406030204" pitchFamily="18" charset="0"/>
+                              </a:rPr>
+                            </m:ctrlPr>
+                          </m:sSupPr>
+                          <m:e>
+                            <m:r>
+                              <a:rPr lang="en-CN" sz="1400" b="1" i="0" smtClean="0">
+                                <a:latin typeface="Cambria Math" panose="02040503050406030204" pitchFamily="18" charset="0"/>
+                              </a:rPr>
+                              <m:t>𝐗</m:t>
+                            </m:r>
+                          </m:e>
+                          <m:sup>
+                            <m:r>
+                              <a:rPr lang="en-US" sz="1400" b="0" i="1" smtClean="0">
+                                <a:latin typeface="Cambria Math" panose="02040503050406030204" pitchFamily="18" charset="0"/>
+                              </a:rPr>
+                              <m:t>2</m:t>
+                            </m:r>
+                          </m:sup>
+                        </m:sSup>
+                        <m:r>
+                          <a:rPr lang="en-US" sz="1400" b="0" i="1" smtClean="0">
+                            <a:latin typeface="Cambria Math" panose="02040503050406030204" pitchFamily="18" charset="0"/>
+                          </a:rPr>
+                          <m:t>∈</m:t>
+                        </m:r>
+                        <m:sSup>
+                          <m:sSupPr>
+                            <m:ctrlPr>
+                              <a:rPr lang="en-US" sz="1400" b="0" i="1" smtClean="0">
+                                <a:latin typeface="Cambria Math" panose="02040503050406030204" pitchFamily="18" charset="0"/>
+                                <a:ea typeface="Cambria Math" panose="02040503050406030204" pitchFamily="18" charset="0"/>
+                              </a:rPr>
+                            </m:ctrlPr>
+                          </m:sSupPr>
+                          <m:e>
+                            <m:r>
+                              <a:rPr lang="en-US" sz="1400" i="1">
+                                <a:latin typeface="Cambria Math" panose="02040503050406030204" pitchFamily="18" charset="0"/>
+                                <a:ea typeface="Cambria Math" panose="02040503050406030204" pitchFamily="18" charset="0"/>
+                              </a:rPr>
+                              <m:t>ℝ</m:t>
+                            </m:r>
+                          </m:e>
+                          <m:sup>
+                            <m:r>
+                              <a:rPr lang="en-US" sz="1400" i="1">
+                                <a:latin typeface="Cambria Math" panose="02040503050406030204" pitchFamily="18" charset="0"/>
+                                <a:ea typeface="Cambria Math" panose="02040503050406030204" pitchFamily="18" charset="0"/>
+                              </a:rPr>
+                              <m:t>𝑇</m:t>
+                            </m:r>
+                            <m:r>
+                              <a:rPr lang="en-US" sz="1400" i="1">
+                                <a:latin typeface="Cambria Math" panose="02040503050406030204" pitchFamily="18" charset="0"/>
+                                <a:ea typeface="Cambria Math" panose="02040503050406030204" pitchFamily="18" charset="0"/>
+                              </a:rPr>
+                              <m:t>×</m:t>
+                            </m:r>
+                            <m:sSup>
+                              <m:sSupPr>
+                                <m:ctrlPr>
+                                  <a:rPr lang="en-US" sz="1400" i="1">
+                                    <a:latin typeface="Cambria Math" panose="02040503050406030204" pitchFamily="18" charset="0"/>
+                                    <a:ea typeface="Cambria Math" panose="02040503050406030204" pitchFamily="18" charset="0"/>
+                                  </a:rPr>
+                                </m:ctrlPr>
+                              </m:sSupPr>
+                              <m:e>
+                                <m:r>
+                                  <a:rPr lang="en-US" sz="1400" i="1">
+                                    <a:latin typeface="Cambria Math" panose="02040503050406030204" pitchFamily="18" charset="0"/>
+                                    <a:ea typeface="Cambria Math" panose="02040503050406030204" pitchFamily="18" charset="0"/>
+                                  </a:rPr>
+                                  <m:t>𝐾</m:t>
+                                </m:r>
+                              </m:e>
+                              <m:sup>
+                                <m:r>
+                                  <a:rPr lang="en-US" sz="1400" b="0" i="1" smtClean="0">
+                                    <a:latin typeface="Cambria Math" panose="02040503050406030204" pitchFamily="18" charset="0"/>
+                                    <a:ea typeface="Cambria Math" panose="02040503050406030204" pitchFamily="18" charset="0"/>
+                                  </a:rPr>
+                                  <m:t>2</m:t>
+                                </m:r>
+                              </m:sup>
+                            </m:sSup>
+                            <m:r>
+                              <a:rPr lang="en-US" sz="1400" i="1">
+                                <a:latin typeface="Cambria Math" panose="02040503050406030204" pitchFamily="18" charset="0"/>
+                                <a:ea typeface="Cambria Math" panose="02040503050406030204" pitchFamily="18" charset="0"/>
+                              </a:rPr>
+                              <m:t>×</m:t>
+                            </m:r>
+                            <m:r>
+                              <a:rPr lang="en-US" sz="1400" i="1">
+                                <a:latin typeface="Cambria Math" panose="02040503050406030204" pitchFamily="18" charset="0"/>
+                                <a:ea typeface="Cambria Math" panose="02040503050406030204" pitchFamily="18" charset="0"/>
+                              </a:rPr>
+                              <m:t>𝐷</m:t>
+                            </m:r>
+                          </m:sup>
+                        </m:sSup>
+                      </m:oMath>
+                    </m:oMathPara>
+                  </a14:m>
+                  <a:endParaRPr lang="en-CN" sz="1400" dirty="0"/>
+                </a:p>
+              </p:txBody>
+            </p:sp>
+          </mc:Choice>
+          <mc:Fallback>
+            <p:sp>
+              <p:nvSpPr>
+                <p:cNvPr id="135" name="TextBox 134">
+                  <a:extLst>
+                    <a:ext uri="{FF2B5EF4-FFF2-40B4-BE49-F238E27FC236}">
+                      <a16:creationId xmlns:a16="http://schemas.microsoft.com/office/drawing/2014/main" id="{CE736FA1-9BA3-CF48-8F4A-C121CA0E426E}"/>
+                    </a:ext>
+                  </a:extLst>
+                </p:cNvPr>
+                <p:cNvSpPr txBox="1">
+                  <a:spLocks noRot="1" noChangeAspect="1" noMove="1" noResize="1" noEditPoints="1" noAdjustHandles="1" noChangeArrowheads="1" noChangeShapeType="1" noTextEdit="1"/>
+                </p:cNvSpPr>
+                <p:nvPr/>
+              </p:nvSpPr>
+              <p:spPr>
+                <a:xfrm>
+                  <a:off x="5273068" y="1182235"/>
+                  <a:ext cx="1173783" cy="244939"/>
+                </a:xfrm>
+                <a:prstGeom prst="rect">
+                  <a:avLst/>
+                </a:prstGeom>
+                <a:blipFill>
+                  <a:blip r:embed="rId6"/>
+                  <a:stretch>
+                    <a:fillRect l="-1075" b="-5000"/>
+                  </a:stretch>
+                </a:blipFill>
+              </p:spPr>
+              <p:txBody>
+                <a:bodyPr/>
+                <a:lstStyle/>
+                <a:p>
+                  <a:r>
+                    <a:rPr lang="en-CN">
+                      <a:noFill/>
+                    </a:rPr>
+                    <a:t> </a:t>
+                  </a:r>
+                </a:p>
+              </p:txBody>
+            </p:sp>
+          </mc:Fallback>
+        </mc:AlternateContent>
+        <mc:AlternateContent xmlns:mc="http://schemas.openxmlformats.org/markup-compatibility/2006">
+          <mc:Choice xmlns:a14="http://schemas.microsoft.com/office/drawing/2010/main" Requires="a14">
+            <p:sp>
+              <p:nvSpPr>
+                <p:cNvPr id="136" name="TextBox 135">
+                  <a:extLst>
+                    <a:ext uri="{FF2B5EF4-FFF2-40B4-BE49-F238E27FC236}">
+                      <a16:creationId xmlns:a16="http://schemas.microsoft.com/office/drawing/2014/main" id="{28F3C063-6323-E645-9931-B22B3B5DD7A5}"/>
+                    </a:ext>
+                  </a:extLst>
+                </p:cNvPr>
+                <p:cNvSpPr txBox="1"/>
+                <p:nvPr/>
+              </p:nvSpPr>
+              <p:spPr>
+                <a:xfrm>
+                  <a:off x="5272117" y="1985456"/>
+                  <a:ext cx="1049710" cy="215444"/>
+                </a:xfrm>
+                <a:prstGeom prst="rect">
+                  <a:avLst/>
+                </a:prstGeom>
+                <a:noFill/>
+              </p:spPr>
+              <p:txBody>
+                <a:bodyPr wrap="none" lIns="0" tIns="0" rIns="0" bIns="0" rtlCol="0">
+                  <a:spAutoFit/>
+                </a:bodyPr>
+                <a:lstStyle/>
+                <a:p>
+                  <a14:m>
+                    <m:oMathPara xmlns:m="http://schemas.openxmlformats.org/officeDocument/2006/math">
+                      <m:oMathParaPr>
+                        <m:jc m:val="centerGroup"/>
+                      </m:oMathParaPr>
+                      <m:oMath xmlns:m="http://schemas.openxmlformats.org/officeDocument/2006/math">
+                        <m:sSup>
+                          <m:sSupPr>
+                            <m:ctrlPr>
+                              <a:rPr lang="en-US" sz="1400" b="0" i="1" smtClean="0">
+                                <a:latin typeface="Cambria Math" panose="02040503050406030204" pitchFamily="18" charset="0"/>
+                              </a:rPr>
+                            </m:ctrlPr>
+                          </m:sSupPr>
+                          <m:e>
+                            <m:r>
+                              <a:rPr lang="en-CN" sz="1400" b="1" i="0">
+                                <a:latin typeface="Cambria Math" panose="02040503050406030204" pitchFamily="18" charset="0"/>
+                              </a:rPr>
+                              <m:t>𝐅</m:t>
+                            </m:r>
+                          </m:e>
+                          <m:sup>
+                            <m:r>
+                              <a:rPr lang="en-US" sz="1400" b="0" i="1" smtClean="0">
+                                <a:latin typeface="Cambria Math" panose="02040503050406030204" pitchFamily="18" charset="0"/>
+                              </a:rPr>
+                              <m:t>2</m:t>
+                            </m:r>
+                          </m:sup>
+                        </m:sSup>
+                        <m:r>
+                          <a:rPr lang="en-US" sz="1400" b="0" i="1" smtClean="0">
+                            <a:latin typeface="Cambria Math" panose="02040503050406030204" pitchFamily="18" charset="0"/>
+                          </a:rPr>
+                          <m:t>∈</m:t>
+                        </m:r>
+                        <m:sSup>
+                          <m:sSupPr>
+                            <m:ctrlPr>
+                              <a:rPr lang="en-US" sz="1400" b="0" i="1" smtClean="0">
+                                <a:latin typeface="Cambria Math" panose="02040503050406030204" pitchFamily="18" charset="0"/>
+                                <a:ea typeface="Cambria Math" panose="02040503050406030204" pitchFamily="18" charset="0"/>
+                              </a:rPr>
+                            </m:ctrlPr>
+                          </m:sSupPr>
+                          <m:e>
+                            <m:r>
+                              <a:rPr lang="en-US" sz="1400" i="1">
+                                <a:latin typeface="Cambria Math" panose="02040503050406030204" pitchFamily="18" charset="0"/>
+                                <a:ea typeface="Cambria Math" panose="02040503050406030204" pitchFamily="18" charset="0"/>
+                              </a:rPr>
+                              <m:t>ℝ</m:t>
+                            </m:r>
+                          </m:e>
+                          <m:sup>
+                            <m:r>
+                              <a:rPr lang="en-US" sz="1400" i="1">
+                                <a:latin typeface="Cambria Math" panose="02040503050406030204" pitchFamily="18" charset="0"/>
+                                <a:ea typeface="Cambria Math" panose="02040503050406030204" pitchFamily="18" charset="0"/>
+                              </a:rPr>
+                              <m:t>𝑇</m:t>
+                            </m:r>
+                            <m:r>
+                              <a:rPr lang="en-US" sz="1400" i="1">
+                                <a:latin typeface="Cambria Math" panose="02040503050406030204" pitchFamily="18" charset="0"/>
+                                <a:ea typeface="Cambria Math" panose="02040503050406030204" pitchFamily="18" charset="0"/>
+                              </a:rPr>
+                              <m:t>×</m:t>
+                            </m:r>
+                            <m:r>
+                              <a:rPr lang="en-US" sz="1400" i="1" smtClean="0">
+                                <a:latin typeface="Cambria Math" panose="02040503050406030204" pitchFamily="18" charset="0"/>
+                                <a:ea typeface="Cambria Math" panose="02040503050406030204" pitchFamily="18" charset="0"/>
+                              </a:rPr>
+                              <m:t>𝐾</m:t>
+                            </m:r>
+                            <m:r>
+                              <a:rPr lang="en-US" sz="1400" i="1">
+                                <a:latin typeface="Cambria Math" panose="02040503050406030204" pitchFamily="18" charset="0"/>
+                                <a:ea typeface="Cambria Math" panose="02040503050406030204" pitchFamily="18" charset="0"/>
+                              </a:rPr>
+                              <m:t>×</m:t>
+                            </m:r>
+                            <m:r>
+                              <a:rPr lang="en-US" sz="1400" i="1">
+                                <a:latin typeface="Cambria Math" panose="02040503050406030204" pitchFamily="18" charset="0"/>
+                                <a:ea typeface="Cambria Math" panose="02040503050406030204" pitchFamily="18" charset="0"/>
+                              </a:rPr>
+                              <m:t>𝐷</m:t>
+                            </m:r>
+                          </m:sup>
+                        </m:sSup>
+                      </m:oMath>
+                    </m:oMathPara>
+                  </a14:m>
+                  <a:endParaRPr lang="en-CN" sz="1400" dirty="0"/>
+                </a:p>
+              </p:txBody>
+            </p:sp>
+          </mc:Choice>
+          <mc:Fallback>
+            <p:sp>
+              <p:nvSpPr>
+                <p:cNvPr id="136" name="TextBox 135">
+                  <a:extLst>
+                    <a:ext uri="{FF2B5EF4-FFF2-40B4-BE49-F238E27FC236}">
+                      <a16:creationId xmlns:a16="http://schemas.microsoft.com/office/drawing/2014/main" id="{28F3C063-6323-E645-9931-B22B3B5DD7A5}"/>
+                    </a:ext>
+                  </a:extLst>
+                </p:cNvPr>
+                <p:cNvSpPr txBox="1">
+                  <a:spLocks noRot="1" noChangeAspect="1" noMove="1" noResize="1" noEditPoints="1" noAdjustHandles="1" noChangeArrowheads="1" noChangeShapeType="1" noTextEdit="1"/>
+                </p:cNvSpPr>
+                <p:nvPr/>
+              </p:nvSpPr>
+              <p:spPr>
+                <a:xfrm>
+                  <a:off x="5272117" y="1985456"/>
+                  <a:ext cx="1049710" cy="215444"/>
+                </a:xfrm>
+                <a:prstGeom prst="rect">
+                  <a:avLst/>
+                </a:prstGeom>
+                <a:blipFill>
+                  <a:blip r:embed="rId7"/>
+                  <a:stretch>
+                    <a:fillRect l="-3614" r="-1205" b="-5556"/>
+                  </a:stretch>
+                </a:blipFill>
+              </p:spPr>
+              <p:txBody>
+                <a:bodyPr/>
+                <a:lstStyle/>
+                <a:p>
+                  <a:r>
+                    <a:rPr lang="en-CN">
+                      <a:noFill/>
+                    </a:rPr>
+                    <a:t> </a:t>
+                  </a:r>
+                </a:p>
+              </p:txBody>
+            </p:sp>
+          </mc:Fallback>
+        </mc:AlternateContent>
+        <p:sp>
+          <p:nvSpPr>
+            <p:cNvPr id="137" name="Rounded Rectangle 136">
+              <a:extLst>
+                <a:ext uri="{FF2B5EF4-FFF2-40B4-BE49-F238E27FC236}">
+                  <a16:creationId xmlns:a16="http://schemas.microsoft.com/office/drawing/2014/main" id="{33E92118-4AA5-3B46-8226-6146189C9D35}"/>
+                </a:ext>
+              </a:extLst>
+            </p:cNvPr>
+            <p:cNvSpPr/>
+            <p:nvPr/>
+          </p:nvSpPr>
+          <p:spPr>
+            <a:xfrm>
+              <a:off x="5501359" y="2625421"/>
+              <a:ext cx="1356995" cy="622915"/>
+            </a:xfrm>
+            <a:prstGeom prst="roundRect">
+              <a:avLst>
+                <a:gd name="adj" fmla="val 24248"/>
+              </a:avLst>
+            </a:prstGeom>
             <a:solidFill>
-              <a:sysClr val="windowText" lastClr="000000"/>
+              <a:schemeClr val="accent2">
+                <a:lumMod val="20000"/>
+                <a:lumOff val="80000"/>
+              </a:schemeClr>
             </a:solidFill>
-            <a:prstDash val="solid"/>
-            <a:miter lim="800000"/>
-            <a:tailEnd type="stealth"/>
-          </a:ln>
-          <a:effectLst/>
-        </p:spPr>
-      </p:cxnSp>
-      <p:sp>
-        <p:nvSpPr>
-          <p:cNvPr id="87" name="Or 86">
-            <a:extLst>
-              <a:ext uri="{FF2B5EF4-FFF2-40B4-BE49-F238E27FC236}">
-                <a16:creationId xmlns:a16="http://schemas.microsoft.com/office/drawing/2014/main" id="{E4006AE7-49C4-1C44-A0C4-988C269E26C8}"/>
-              </a:ext>
-            </a:extLst>
-          </p:cNvPr>
-          <p:cNvSpPr/>
-          <p:nvPr/>
-        </p:nvSpPr>
-        <p:spPr>
-          <a:xfrm>
-            <a:off x="10886250" y="4733294"/>
-            <a:ext cx="397101" cy="397101"/>
-          </a:xfrm>
-          <a:prstGeom prst="flowChartOr">
-            <a:avLst/>
-          </a:prstGeom>
-          <a:solidFill>
-            <a:srgbClr val="3494BA"/>
-          </a:solidFill>
-          <a:ln w="19050" cap="flat" cmpd="sng" algn="ctr">
-            <a:solidFill>
-              <a:sysClr val="windowText" lastClr="000000"/>
-            </a:solidFill>
-            <a:prstDash val="solid"/>
-            <a:miter lim="800000"/>
-          </a:ln>
-          <a:effectLst/>
-        </p:spPr>
-        <p:txBody>
-          <a:bodyPr rtlCol="0" anchor="ctr"/>
-          <a:lstStyle/>
-          <a:p>
-            <a:pPr marL="0" marR="0" lvl="0" indent="0" algn="ctr" defTabSz="914400" eaLnBrk="1" fontAlgn="auto" latinLnBrk="0" hangingPunct="1">
-              <a:lnSpc>
-                <a:spcPct val="100000"/>
-              </a:lnSpc>
-              <a:spcBef>
-                <a:spcPts val="0"/>
-              </a:spcBef>
-              <a:spcAft>
-                <a:spcPts val="0"/>
-              </a:spcAft>
-              <a:buClrTx/>
-              <a:buSzTx/>
-              <a:buFontTx/>
-              <a:buNone/>
-              <a:tabLst/>
-              <a:defRPr/>
-            </a:pPr>
-            <a:endParaRPr kumimoji="0" lang="en-CN" sz="1800" b="0" i="0" u="none" strike="noStrike" kern="0" cap="none" spc="0" normalizeH="0" baseline="0" noProof="0">
-              <a:ln>
-                <a:noFill/>
-              </a:ln>
+            <a:ln w="19050" cap="flat" cmpd="sng" algn="ctr">
               <a:solidFill>
-                <a:prstClr val="white"/>
+                <a:schemeClr val="accent2">
+                  <a:lumMod val="50000"/>
+                </a:schemeClr>
               </a:solidFill>
-              <a:effectLst/>
-              <a:uLnTx/>
-              <a:uFillTx/>
-              <a:latin typeface="等线"/>
-              <a:ea typeface="+mn-ea"/>
-              <a:cs typeface="+mn-cs"/>
-            </a:endParaRPr>
-          </a:p>
-        </p:txBody>
-      </p:sp>
-      <p:cxnSp>
-        <p:nvCxnSpPr>
-          <p:cNvPr id="88" name="Straight Arrow Connector 87">
-            <a:extLst>
-              <a:ext uri="{FF2B5EF4-FFF2-40B4-BE49-F238E27FC236}">
-                <a16:creationId xmlns:a16="http://schemas.microsoft.com/office/drawing/2014/main" id="{FF6BE1C8-A9CF-EC43-8AF6-3801C2BE277C}"/>
-              </a:ext>
-            </a:extLst>
-          </p:cNvPr>
-          <p:cNvCxnSpPr>
-            <a:cxnSpLocks/>
-            <a:stCxn id="85" idx="2"/>
-            <a:endCxn id="87" idx="0"/>
-          </p:cNvCxnSpPr>
-          <p:nvPr/>
-        </p:nvCxnSpPr>
-        <p:spPr>
-          <a:xfrm>
-            <a:off x="11084801" y="3829877"/>
-            <a:ext cx="0" cy="903417"/>
-          </a:xfrm>
-          <a:prstGeom prst="straightConnector1">
-            <a:avLst/>
-          </a:prstGeom>
-          <a:noFill/>
-          <a:ln w="12700" cap="flat" cmpd="sng" algn="ctr">
-            <a:solidFill>
-              <a:sysClr val="windowText" lastClr="000000"/>
-            </a:solidFill>
-            <a:prstDash val="solid"/>
-            <a:miter lim="800000"/>
-            <a:tailEnd type="stealth"/>
-          </a:ln>
-          <a:effectLst/>
-        </p:spPr>
-      </p:cxnSp>
-      <p:cxnSp>
-        <p:nvCxnSpPr>
-          <p:cNvPr id="89" name="Straight Arrow Connector 88">
-            <a:extLst>
-              <a:ext uri="{FF2B5EF4-FFF2-40B4-BE49-F238E27FC236}">
-                <a16:creationId xmlns:a16="http://schemas.microsoft.com/office/drawing/2014/main" id="{FA499484-B826-D640-95BF-9CF75648A97A}"/>
-              </a:ext>
-            </a:extLst>
-          </p:cNvPr>
-          <p:cNvCxnSpPr>
-            <a:cxnSpLocks/>
-            <a:stCxn id="87" idx="4"/>
-          </p:cNvCxnSpPr>
-          <p:nvPr/>
-        </p:nvCxnSpPr>
-        <p:spPr>
-          <a:xfrm>
-            <a:off x="11084801" y="5130395"/>
-            <a:ext cx="0" cy="299265"/>
-          </a:xfrm>
-          <a:prstGeom prst="straightConnector1">
-            <a:avLst/>
-          </a:prstGeom>
-          <a:noFill/>
-          <a:ln w="12700" cap="flat" cmpd="sng" algn="ctr">
-            <a:solidFill>
-              <a:sysClr val="windowText" lastClr="000000"/>
-            </a:solidFill>
-            <a:prstDash val="solid"/>
-            <a:miter lim="800000"/>
-            <a:tailEnd type="stealth"/>
-          </a:ln>
-          <a:effectLst/>
-        </p:spPr>
-      </p:cxnSp>
-      <p:sp>
-        <p:nvSpPr>
-          <p:cNvPr id="90" name="TextBox 89">
-            <a:extLst>
-              <a:ext uri="{FF2B5EF4-FFF2-40B4-BE49-F238E27FC236}">
-                <a16:creationId xmlns:a16="http://schemas.microsoft.com/office/drawing/2014/main" id="{0F9A6707-C3CE-D641-A690-E80C1E2D3E2C}"/>
-              </a:ext>
-            </a:extLst>
-          </p:cNvPr>
-          <p:cNvSpPr txBox="1"/>
-          <p:nvPr/>
-        </p:nvSpPr>
-        <p:spPr>
-          <a:xfrm>
-            <a:off x="10530802" y="5457429"/>
-            <a:ext cx="1107996" cy="369332"/>
-          </a:xfrm>
-          <a:prstGeom prst="rect">
-            <a:avLst/>
-          </a:prstGeom>
-          <a:noFill/>
-        </p:spPr>
-        <p:txBody>
-          <a:bodyPr wrap="none" rtlCol="0">
-            <a:spAutoFit/>
-          </a:bodyPr>
-          <a:lstStyle/>
-          <a:p>
-            <a:r>
-              <a:rPr lang="en-CN" dirty="0">
-                <a:solidFill>
-                  <a:prstClr val="black"/>
-                </a:solidFill>
-                <a:latin typeface="KaiTi" panose="02010609060101010101" pitchFamily="49" charset="-122"/>
-                <a:ea typeface="KaiTi" panose="02010609060101010101" pitchFamily="49" charset="-122"/>
-              </a:rPr>
-              <a:t>最终预测</a:t>
-            </a:r>
-          </a:p>
-        </p:txBody>
-      </p:sp>
-      <p:sp>
-        <p:nvSpPr>
-          <p:cNvPr id="91" name="Rounded Rectangle 90">
-            <a:extLst>
-              <a:ext uri="{FF2B5EF4-FFF2-40B4-BE49-F238E27FC236}">
-                <a16:creationId xmlns:a16="http://schemas.microsoft.com/office/drawing/2014/main" id="{7C5995FD-9FD8-1241-976E-063737536B06}"/>
-              </a:ext>
-            </a:extLst>
-          </p:cNvPr>
-          <p:cNvSpPr/>
-          <p:nvPr/>
-        </p:nvSpPr>
-        <p:spPr>
-          <a:xfrm>
-            <a:off x="124612" y="3288529"/>
-            <a:ext cx="3797835" cy="2141132"/>
-          </a:xfrm>
-          <a:prstGeom prst="roundRect">
-            <a:avLst>
-              <a:gd name="adj" fmla="val 4775"/>
-            </a:avLst>
-          </a:prstGeom>
-          <a:solidFill>
-            <a:srgbClr val="2683C6">
-              <a:lumMod val="60000"/>
-              <a:lumOff val="40000"/>
-            </a:srgbClr>
-          </a:solidFill>
-          <a:ln w="12700" cap="flat" cmpd="sng" algn="ctr">
-            <a:solidFill>
-              <a:sysClr val="windowText" lastClr="000000"/>
-            </a:solidFill>
-            <a:prstDash val="solid"/>
-            <a:miter lim="800000"/>
-          </a:ln>
-          <a:effectLst/>
-        </p:spPr>
-        <p:txBody>
-          <a:bodyPr rtlCol="0" anchor="ctr"/>
-          <a:lstStyle/>
-          <a:p>
-            <a:pPr marL="0" marR="0" lvl="0" indent="0" algn="ctr" defTabSz="914400" eaLnBrk="1" fontAlgn="auto" latinLnBrk="0" hangingPunct="1">
-              <a:lnSpc>
-                <a:spcPct val="100000"/>
-              </a:lnSpc>
-              <a:spcBef>
-                <a:spcPts val="0"/>
-              </a:spcBef>
-              <a:spcAft>
-                <a:spcPts val="0"/>
-              </a:spcAft>
-              <a:buClrTx/>
-              <a:buSzTx/>
-              <a:buFontTx/>
-              <a:buNone/>
-              <a:tabLst/>
-              <a:defRPr/>
-            </a:pPr>
-            <a:endParaRPr kumimoji="0" lang="en-CN" sz="1800" b="0" i="0" u="none" strike="noStrike" kern="0" cap="none" spc="0" normalizeH="0" baseline="0" noProof="0" dirty="0">
-              <a:ln>
-                <a:noFill/>
-              </a:ln>
-              <a:solidFill>
-                <a:prstClr val="black"/>
-              </a:solidFill>
-              <a:effectLst/>
-              <a:uLnTx/>
-              <a:uFillTx/>
-              <a:latin typeface="KaiTi" panose="02010609060101010101" pitchFamily="49" charset="-122"/>
-              <a:ea typeface="KaiTi" panose="02010609060101010101" pitchFamily="49" charset="-122"/>
-              <a:cs typeface="+mn-cs"/>
-            </a:endParaRPr>
-          </a:p>
-        </p:txBody>
-      </p:sp>
-      <p:sp>
-        <p:nvSpPr>
-          <p:cNvPr id="92" name="Rectangle 91">
-            <a:extLst>
-              <a:ext uri="{FF2B5EF4-FFF2-40B4-BE49-F238E27FC236}">
-                <a16:creationId xmlns:a16="http://schemas.microsoft.com/office/drawing/2014/main" id="{13826816-F9E5-CA42-B359-5B534EE26C52}"/>
-              </a:ext>
-            </a:extLst>
-          </p:cNvPr>
-          <p:cNvSpPr/>
-          <p:nvPr/>
-        </p:nvSpPr>
-        <p:spPr>
-          <a:xfrm>
-            <a:off x="921386" y="3380319"/>
-            <a:ext cx="2209343" cy="656610"/>
-          </a:xfrm>
-          <a:prstGeom prst="rect">
-            <a:avLst/>
-          </a:prstGeom>
-          <a:solidFill>
-            <a:srgbClr val="7A8C8E">
-              <a:lumMod val="20000"/>
-              <a:lumOff val="80000"/>
-            </a:srgbClr>
-          </a:solidFill>
-          <a:ln w="12700" cap="flat" cmpd="sng" algn="ctr">
-            <a:solidFill>
-              <a:srgbClr val="3494BA">
-                <a:shade val="50000"/>
-              </a:srgbClr>
-            </a:solidFill>
-            <a:prstDash val="solid"/>
-            <a:miter lim="800000"/>
-          </a:ln>
-          <a:effectLst/>
-        </p:spPr>
-        <p:txBody>
-          <a:bodyPr rtlCol="0" anchor="ctr"/>
-          <a:lstStyle/>
-          <a:p>
-            <a:pPr marL="0" marR="0" lvl="0" indent="0" algn="ctr" defTabSz="914400" eaLnBrk="1" fontAlgn="auto" latinLnBrk="0" hangingPunct="1">
-              <a:lnSpc>
-                <a:spcPct val="100000"/>
-              </a:lnSpc>
-              <a:spcBef>
-                <a:spcPts val="0"/>
-              </a:spcBef>
-              <a:spcAft>
-                <a:spcPts val="0"/>
-              </a:spcAft>
-              <a:buClrTx/>
-              <a:buSzTx/>
-              <a:buFontTx/>
-              <a:buNone/>
-              <a:tabLst/>
-              <a:defRPr/>
-            </a:pPr>
-            <a:r>
-              <a:rPr kumimoji="0" lang="en-CN" sz="1600" b="0" i="0" u="none" strike="noStrike" kern="0" cap="none" spc="0" normalizeH="0" baseline="0" noProof="0" dirty="0">
+              <a:prstDash val="solid"/>
+              <a:miter lim="800000"/>
+            </a:ln>
+            <a:effectLst>
+              <a:outerShdw blurRad="50800" dist="38100" dir="2700000" algn="tl" rotWithShape="0">
+                <a:prstClr val="black">
+                  <a:alpha val="40000"/>
+                </a:prstClr>
+              </a:outerShdw>
+            </a:effectLst>
+          </p:spPr>
+          <p:txBody>
+            <a:bodyPr rtlCol="0" anchor="ctr"/>
+            <a:lstStyle/>
+            <a:p>
+              <a:pPr marL="0" marR="0" lvl="0" indent="0" algn="ctr" defTabSz="914400" eaLnBrk="1" fontAlgn="auto" latinLnBrk="0" hangingPunct="1">
+                <a:lnSpc>
+                  <a:spcPct val="100000"/>
+                </a:lnSpc>
+                <a:spcBef>
+                  <a:spcPts val="0"/>
+                </a:spcBef>
+                <a:spcAft>
+                  <a:spcPts val="0"/>
+                </a:spcAft>
+                <a:buClrTx/>
+                <a:buSzTx/>
+                <a:buFontTx/>
+                <a:buNone/>
+                <a:tabLst/>
+                <a:defRPr/>
+              </a:pPr>
+              <a:r>
+                <a:rPr lang="en-CN" sz="1400" b="1" kern="0" dirty="0">
+                  <a:solidFill>
+                    <a:prstClr val="black"/>
+                  </a:solidFill>
+                  <a:latin typeface="KaiTi" panose="02010609060101010101" pitchFamily="49" charset="-122"/>
+                  <a:ea typeface="KaiTi" panose="02010609060101010101" pitchFamily="49" charset="-122"/>
+                </a:rPr>
+                <a:t>细粒度</a:t>
+              </a:r>
+            </a:p>
+            <a:p>
+              <a:pPr marL="0" marR="0" lvl="0" indent="0" algn="ctr" defTabSz="914400" eaLnBrk="1" fontAlgn="auto" latinLnBrk="0" hangingPunct="1">
+                <a:lnSpc>
+                  <a:spcPct val="100000"/>
+                </a:lnSpc>
+                <a:spcBef>
+                  <a:spcPts val="0"/>
+                </a:spcBef>
+                <a:spcAft>
+                  <a:spcPts val="0"/>
+                </a:spcAft>
+                <a:buClrTx/>
+                <a:buSzTx/>
+                <a:buFontTx/>
+                <a:buNone/>
+                <a:tabLst/>
+                <a:defRPr/>
+              </a:pPr>
+              <a:r>
+                <a:rPr lang="en-CN" sz="1400" b="1" kern="0" dirty="0">
+                  <a:solidFill>
+                    <a:prstClr val="black"/>
+                  </a:solidFill>
+                  <a:latin typeface="KaiTi" panose="02010609060101010101" pitchFamily="49" charset="-122"/>
+                  <a:ea typeface="KaiTi" panose="02010609060101010101" pitchFamily="49" charset="-122"/>
+                </a:rPr>
+                <a:t>特征提取模块</a:t>
+              </a:r>
+              <a:endParaRPr kumimoji="0" lang="en-CN" sz="1400" b="1" i="0" u="none" strike="noStrike" kern="0" cap="none" spc="0" normalizeH="0" baseline="0" noProof="0" dirty="0">
                 <a:ln>
                   <a:noFill/>
                 </a:ln>
@@ -5394,72 +5607,455 @@
                 <a:latin typeface="KaiTi" panose="02010609060101010101" pitchFamily="49" charset="-122"/>
                 <a:ea typeface="KaiTi" panose="02010609060101010101" pitchFamily="49" charset="-122"/>
                 <a:cs typeface="+mn-cs"/>
-              </a:rPr>
-              <a:t>时序特征提取模块</a:t>
-            </a:r>
-          </a:p>
-        </p:txBody>
-      </p:sp>
-      <p:sp>
-        <p:nvSpPr>
-          <p:cNvPr id="93" name="Rectangle 92">
-            <a:extLst>
-              <a:ext uri="{FF2B5EF4-FFF2-40B4-BE49-F238E27FC236}">
-                <a16:creationId xmlns:a16="http://schemas.microsoft.com/office/drawing/2014/main" id="{F6729184-3D94-BB4C-A879-AB169A41BE27}"/>
-              </a:ext>
-            </a:extLst>
-          </p:cNvPr>
-          <p:cNvSpPr/>
-          <p:nvPr/>
-        </p:nvSpPr>
-        <p:spPr>
-          <a:xfrm>
-            <a:off x="207720" y="4536027"/>
-            <a:ext cx="1071793" cy="656610"/>
-          </a:xfrm>
-          <a:prstGeom prst="rect">
-            <a:avLst/>
-          </a:prstGeom>
-          <a:solidFill>
-            <a:srgbClr val="58B6C0">
-              <a:lumMod val="20000"/>
-              <a:lumOff val="80000"/>
-            </a:srgbClr>
-          </a:solidFill>
-          <a:ln w="12700" cap="flat" cmpd="sng" algn="ctr">
+              </a:endParaRPr>
+            </a:p>
+          </p:txBody>
+        </p:sp>
+        <mc:AlternateContent xmlns:mc="http://schemas.openxmlformats.org/markup-compatibility/2006">
+          <mc:Choice xmlns:a14="http://schemas.microsoft.com/office/drawing/2010/main" Requires="a14">
+            <p:sp>
+              <p:nvSpPr>
+                <p:cNvPr id="146" name="TextBox 145">
+                  <a:extLst>
+                    <a:ext uri="{FF2B5EF4-FFF2-40B4-BE49-F238E27FC236}">
+                      <a16:creationId xmlns:a16="http://schemas.microsoft.com/office/drawing/2014/main" id="{8B325E2A-970F-5143-AB7E-5406AA1F2584}"/>
+                    </a:ext>
+                  </a:extLst>
+                </p:cNvPr>
+                <p:cNvSpPr txBox="1"/>
+                <p:nvPr/>
+              </p:nvSpPr>
+              <p:spPr>
+                <a:xfrm>
+                  <a:off x="4979357" y="2834482"/>
+                  <a:ext cx="240772" cy="215444"/>
+                </a:xfrm>
+                <a:prstGeom prst="rect">
+                  <a:avLst/>
+                </a:prstGeom>
+                <a:noFill/>
+              </p:spPr>
+              <p:txBody>
+                <a:bodyPr wrap="none" lIns="0" tIns="0" rIns="0" bIns="0" rtlCol="0">
+                  <a:spAutoFit/>
+                </a:bodyPr>
+                <a:lstStyle/>
+                <a:p>
+                  <a14:m>
+                    <m:oMathPara xmlns:m="http://schemas.openxmlformats.org/officeDocument/2006/math">
+                      <m:oMathParaPr>
+                        <m:jc m:val="centerGroup"/>
+                      </m:oMathParaPr>
+                      <m:oMath xmlns:m="http://schemas.openxmlformats.org/officeDocument/2006/math">
+                        <m:sSup>
+                          <m:sSupPr>
+                            <m:ctrlPr>
+                              <a:rPr lang="en-US" sz="1400" b="0" i="1" smtClean="0">
+                                <a:latin typeface="Cambria Math" panose="02040503050406030204" pitchFamily="18" charset="0"/>
+                              </a:rPr>
+                            </m:ctrlPr>
+                          </m:sSupPr>
+                          <m:e>
+                            <m:r>
+                              <a:rPr lang="en-CN" sz="1400" b="1" i="0">
+                                <a:latin typeface="Cambria Math" panose="02040503050406030204" pitchFamily="18" charset="0"/>
+                              </a:rPr>
+                              <m:t>𝐏</m:t>
+                            </m:r>
+                          </m:e>
+                          <m:sup>
+                            <m:r>
+                              <a:rPr lang="en-US" altLang="zh-CN" sz="1400" b="0" i="1" smtClean="0">
+                                <a:latin typeface="Cambria Math" panose="02040503050406030204" pitchFamily="18" charset="0"/>
+                              </a:rPr>
+                              <m:t>2</m:t>
+                            </m:r>
+                          </m:sup>
+                        </m:sSup>
+                      </m:oMath>
+                    </m:oMathPara>
+                  </a14:m>
+                  <a:endParaRPr lang="en-CN" sz="1400" dirty="0"/>
+                </a:p>
+              </p:txBody>
+            </p:sp>
+          </mc:Choice>
+          <mc:Fallback>
+            <p:sp>
+              <p:nvSpPr>
+                <p:cNvPr id="146" name="TextBox 145">
+                  <a:extLst>
+                    <a:ext uri="{FF2B5EF4-FFF2-40B4-BE49-F238E27FC236}">
+                      <a16:creationId xmlns:a16="http://schemas.microsoft.com/office/drawing/2014/main" id="{8B325E2A-970F-5143-AB7E-5406AA1F2584}"/>
+                    </a:ext>
+                  </a:extLst>
+                </p:cNvPr>
+                <p:cNvSpPr txBox="1">
+                  <a:spLocks noRot="1" noChangeAspect="1" noMove="1" noResize="1" noEditPoints="1" noAdjustHandles="1" noChangeArrowheads="1" noChangeShapeType="1" noTextEdit="1"/>
+                </p:cNvSpPr>
+                <p:nvPr/>
+              </p:nvSpPr>
+              <p:spPr>
+                <a:xfrm>
+                  <a:off x="4979357" y="2834482"/>
+                  <a:ext cx="240772" cy="215444"/>
+                </a:xfrm>
+                <a:prstGeom prst="rect">
+                  <a:avLst/>
+                </a:prstGeom>
+                <a:blipFill>
+                  <a:blip r:embed="rId8"/>
+                  <a:stretch>
+                    <a:fillRect l="-21053" r="-5263"/>
+                  </a:stretch>
+                </a:blipFill>
+              </p:spPr>
+              <p:txBody>
+                <a:bodyPr/>
+                <a:lstStyle/>
+                <a:p>
+                  <a:r>
+                    <a:rPr lang="en-CN">
+                      <a:noFill/>
+                    </a:rPr>
+                    <a:t> </a:t>
+                  </a:r>
+                </a:p>
+              </p:txBody>
+            </p:sp>
+          </mc:Fallback>
+        </mc:AlternateContent>
+        <p:sp>
+          <p:nvSpPr>
+            <p:cNvPr id="148" name="Oval 147">
+              <a:extLst>
+                <a:ext uri="{FF2B5EF4-FFF2-40B4-BE49-F238E27FC236}">
+                  <a16:creationId xmlns:a16="http://schemas.microsoft.com/office/drawing/2014/main" id="{1EC120F5-66C2-BF4E-8C1A-AAE72BEAB0A3}"/>
+                </a:ext>
+              </a:extLst>
+            </p:cNvPr>
+            <p:cNvSpPr/>
+            <p:nvPr/>
+          </p:nvSpPr>
+          <p:spPr>
+            <a:xfrm>
+              <a:off x="7139475" y="2774690"/>
+              <a:ext cx="320839" cy="320839"/>
+            </a:xfrm>
+            <a:prstGeom prst="ellipse">
+              <a:avLst/>
+            </a:prstGeom>
             <a:solidFill>
-              <a:srgbClr val="3494BA">
-                <a:shade val="50000"/>
-              </a:srgbClr>
+              <a:schemeClr val="accent4">
+                <a:lumMod val="60000"/>
+                <a:lumOff val="40000"/>
+              </a:schemeClr>
             </a:solidFill>
-            <a:prstDash val="sysDash"/>
-            <a:miter lim="800000"/>
-          </a:ln>
-          <a:effectLst/>
-        </p:spPr>
-        <p:txBody>
-          <a:bodyPr rtlCol="0" anchor="ctr"/>
-          <a:lstStyle/>
-          <a:p>
-            <a:pPr marL="0" marR="0" lvl="0" indent="0" algn="ctr" defTabSz="914400" eaLnBrk="1" fontAlgn="auto" latinLnBrk="0" hangingPunct="1">
-              <a:lnSpc>
-                <a:spcPct val="100000"/>
-              </a:lnSpc>
-              <a:spcBef>
-                <a:spcPts val="0"/>
-              </a:spcBef>
-              <a:spcAft>
-                <a:spcPts val="0"/>
-              </a:spcAft>
-              <a:buClrTx/>
-              <a:buSzTx/>
-              <a:buFontTx/>
-              <a:buNone/>
-              <a:tabLst/>
-              <a:defRPr/>
-            </a:pPr>
-            <a:r>
-              <a:rPr kumimoji="0" lang="en-CN" sz="1600" b="0" i="0" u="none" strike="noStrike" kern="0" cap="none" spc="0" normalizeH="0" baseline="0" noProof="0" dirty="0">
+            <a:ln w="19050" cap="flat" cmpd="sng" algn="ctr">
+              <a:solidFill>
+                <a:schemeClr val="accent4">
+                  <a:lumMod val="50000"/>
+                </a:schemeClr>
+              </a:solidFill>
+              <a:prstDash val="solid"/>
+              <a:miter lim="800000"/>
+            </a:ln>
+            <a:effectLst/>
+          </p:spPr>
+          <p:txBody>
+            <a:bodyPr rtlCol="0" anchor="ctr"/>
+            <a:lstStyle/>
+            <a:p>
+              <a:pPr marL="0" marR="0" lvl="0" indent="0" algn="ctr" defTabSz="914400" eaLnBrk="1" fontAlgn="auto" latinLnBrk="0" hangingPunct="1">
+                <a:lnSpc>
+                  <a:spcPct val="100000"/>
+                </a:lnSpc>
+                <a:spcBef>
+                  <a:spcPts val="0"/>
+                </a:spcBef>
+                <a:spcAft>
+                  <a:spcPts val="0"/>
+                </a:spcAft>
+                <a:buClrTx/>
+                <a:buSzTx/>
+                <a:buFontTx/>
+                <a:buNone/>
+                <a:tabLst/>
+                <a:defRPr/>
+              </a:pPr>
+              <a:endParaRPr kumimoji="0" lang="en-CN" sz="1400" b="0" i="0" u="none" strike="noStrike" kern="0" cap="none" spc="0" normalizeH="0" baseline="0" noProof="0" dirty="0">
+                <a:ln>
+                  <a:noFill/>
+                </a:ln>
+                <a:solidFill>
+                  <a:prstClr val="black"/>
+                </a:solidFill>
+                <a:effectLst/>
+                <a:uLnTx/>
+                <a:uFillTx/>
+                <a:latin typeface="KaiTi" panose="02010609060101010101" pitchFamily="49" charset="-122"/>
+                <a:ea typeface="KaiTi" panose="02010609060101010101" pitchFamily="49" charset="-122"/>
+                <a:cs typeface="Times New Roman" panose="02020603050405020304" pitchFamily="18" charset="0"/>
+              </a:endParaRPr>
+            </a:p>
+          </p:txBody>
+        </p:sp>
+        <p:cxnSp>
+          <p:nvCxnSpPr>
+            <p:cNvPr id="149" name="Straight Arrow Connector 148">
+              <a:extLst>
+                <a:ext uri="{FF2B5EF4-FFF2-40B4-BE49-F238E27FC236}">
+                  <a16:creationId xmlns:a16="http://schemas.microsoft.com/office/drawing/2014/main" id="{7754DFD1-6E6E-8747-8DCB-9CFBA0CBB947}"/>
+                </a:ext>
+              </a:extLst>
+            </p:cNvPr>
+            <p:cNvCxnSpPr>
+              <a:cxnSpLocks/>
+              <a:stCxn id="148" idx="2"/>
+              <a:endCxn id="148" idx="6"/>
+            </p:cNvCxnSpPr>
+            <p:nvPr/>
+          </p:nvCxnSpPr>
+          <p:spPr>
+            <a:xfrm>
+              <a:off x="7139475" y="2935110"/>
+              <a:ext cx="320839" cy="0"/>
+            </a:xfrm>
+            <a:prstGeom prst="straightConnector1">
+              <a:avLst/>
+            </a:prstGeom>
+            <a:noFill/>
+            <a:ln w="19050" cap="flat" cmpd="sng" algn="ctr">
+              <a:solidFill>
+                <a:schemeClr val="accent4">
+                  <a:lumMod val="50000"/>
+                </a:schemeClr>
+              </a:solidFill>
+              <a:prstDash val="solid"/>
+              <a:miter lim="800000"/>
+              <a:tailEnd type="none"/>
+            </a:ln>
+            <a:effectLst/>
+          </p:spPr>
+        </p:cxnSp>
+        <p:cxnSp>
+          <p:nvCxnSpPr>
+            <p:cNvPr id="152" name="Straight Arrow Connector 151">
+              <a:extLst>
+                <a:ext uri="{FF2B5EF4-FFF2-40B4-BE49-F238E27FC236}">
+                  <a16:creationId xmlns:a16="http://schemas.microsoft.com/office/drawing/2014/main" id="{9B180520-744A-3841-A579-7BDF72833B8E}"/>
+                </a:ext>
+              </a:extLst>
+            </p:cNvPr>
+            <p:cNvCxnSpPr>
+              <a:cxnSpLocks/>
+              <a:stCxn id="137" idx="3"/>
+              <a:endCxn id="148" idx="2"/>
+            </p:cNvCxnSpPr>
+            <p:nvPr/>
+          </p:nvCxnSpPr>
+          <p:spPr>
+            <a:xfrm flipV="1">
+              <a:off x="6858354" y="2935110"/>
+              <a:ext cx="281121" cy="1769"/>
+            </a:xfrm>
+            <a:prstGeom prst="straightConnector1">
+              <a:avLst/>
+            </a:prstGeom>
+            <a:noFill/>
+            <a:ln w="19050" cap="flat" cmpd="sng" algn="ctr">
+              <a:solidFill>
+                <a:schemeClr val="tx1"/>
+              </a:solidFill>
+              <a:prstDash val="solid"/>
+              <a:miter lim="800000"/>
+              <a:tailEnd type="stealth" w="lg" len="med"/>
+            </a:ln>
+            <a:effectLst/>
+          </p:spPr>
+        </p:cxnSp>
+        <mc:AlternateContent xmlns:mc="http://schemas.openxmlformats.org/markup-compatibility/2006">
+          <mc:Choice xmlns:a14="http://schemas.microsoft.com/office/drawing/2010/main" Requires="a14">
+            <p:sp>
+              <p:nvSpPr>
+                <p:cNvPr id="164" name="TextBox 163">
+                  <a:extLst>
+                    <a:ext uri="{FF2B5EF4-FFF2-40B4-BE49-F238E27FC236}">
+                      <a16:creationId xmlns:a16="http://schemas.microsoft.com/office/drawing/2014/main" id="{1D5C50AD-23C5-8047-BE21-C47A93BDA234}"/>
+                    </a:ext>
+                  </a:extLst>
+                </p:cNvPr>
+                <p:cNvSpPr txBox="1"/>
+                <p:nvPr/>
+              </p:nvSpPr>
+              <p:spPr>
+                <a:xfrm>
+                  <a:off x="6884575" y="2719665"/>
+                  <a:ext cx="244682" cy="215444"/>
+                </a:xfrm>
+                <a:prstGeom prst="rect">
+                  <a:avLst/>
+                </a:prstGeom>
+                <a:noFill/>
+              </p:spPr>
+              <p:txBody>
+                <a:bodyPr wrap="none" lIns="0" tIns="0" rIns="0" bIns="0" rtlCol="0">
+                  <a:spAutoFit/>
+                </a:bodyPr>
+                <a:lstStyle/>
+                <a:p>
+                  <a14:m>
+                    <m:oMathPara xmlns:m="http://schemas.openxmlformats.org/officeDocument/2006/math">
+                      <m:oMathParaPr>
+                        <m:jc m:val="centerGroup"/>
+                      </m:oMathParaPr>
+                      <m:oMath xmlns:m="http://schemas.openxmlformats.org/officeDocument/2006/math">
+                        <m:sSup>
+                          <m:sSupPr>
+                            <m:ctrlPr>
+                              <a:rPr lang="en-US" sz="1400" b="0" i="1" smtClean="0">
+                                <a:latin typeface="Cambria Math" panose="02040503050406030204" pitchFamily="18" charset="0"/>
+                              </a:rPr>
+                            </m:ctrlPr>
+                          </m:sSupPr>
+                          <m:e>
+                            <m:r>
+                              <a:rPr lang="en-US" sz="1400" b="1" i="0" smtClean="0">
+                                <a:latin typeface="Cambria Math" panose="02040503050406030204" pitchFamily="18" charset="0"/>
+                              </a:rPr>
+                              <m:t>𝐑</m:t>
+                            </m:r>
+                          </m:e>
+                          <m:sup>
+                            <m:r>
+                              <a:rPr lang="en-US" altLang="zh-CN" sz="1400" b="0" i="1" smtClean="0">
+                                <a:latin typeface="Cambria Math" panose="02040503050406030204" pitchFamily="18" charset="0"/>
+                              </a:rPr>
+                              <m:t>2</m:t>
+                            </m:r>
+                          </m:sup>
+                        </m:sSup>
+                      </m:oMath>
+                    </m:oMathPara>
+                  </a14:m>
+                  <a:endParaRPr lang="en-CN" sz="1400" dirty="0"/>
+                </a:p>
+              </p:txBody>
+            </p:sp>
+          </mc:Choice>
+          <mc:Fallback>
+            <p:sp>
+              <p:nvSpPr>
+                <p:cNvPr id="164" name="TextBox 163">
+                  <a:extLst>
+                    <a:ext uri="{FF2B5EF4-FFF2-40B4-BE49-F238E27FC236}">
+                      <a16:creationId xmlns:a16="http://schemas.microsoft.com/office/drawing/2014/main" id="{1D5C50AD-23C5-8047-BE21-C47A93BDA234}"/>
+                    </a:ext>
+                  </a:extLst>
+                </p:cNvPr>
+                <p:cNvSpPr txBox="1">
+                  <a:spLocks noRot="1" noChangeAspect="1" noMove="1" noResize="1" noEditPoints="1" noAdjustHandles="1" noChangeArrowheads="1" noChangeShapeType="1" noTextEdit="1"/>
+                </p:cNvSpPr>
+                <p:nvPr/>
+              </p:nvSpPr>
+              <p:spPr>
+                <a:xfrm>
+                  <a:off x="6884575" y="2719665"/>
+                  <a:ext cx="244682" cy="215444"/>
+                </a:xfrm>
+                <a:prstGeom prst="rect">
+                  <a:avLst/>
+                </a:prstGeom>
+                <a:blipFill>
+                  <a:blip r:embed="rId9"/>
+                  <a:stretch>
+                    <a:fillRect l="-9524" r="-4762" b="-5882"/>
+                  </a:stretch>
+                </a:blipFill>
+              </p:spPr>
+              <p:txBody>
+                <a:bodyPr/>
+                <a:lstStyle/>
+                <a:p>
+                  <a:r>
+                    <a:rPr lang="en-CN">
+                      <a:noFill/>
+                    </a:rPr>
+                    <a:t> </a:t>
+                  </a:r>
+                </a:p>
+              </p:txBody>
+            </p:sp>
+          </mc:Fallback>
+        </mc:AlternateContent>
+        <p:sp>
+          <p:nvSpPr>
+            <p:cNvPr id="165" name="Rounded Rectangle 164">
+              <a:extLst>
+                <a:ext uri="{FF2B5EF4-FFF2-40B4-BE49-F238E27FC236}">
+                  <a16:creationId xmlns:a16="http://schemas.microsoft.com/office/drawing/2014/main" id="{00E98EB4-7DA5-E042-AF1D-64B90A55D738}"/>
+                </a:ext>
+              </a:extLst>
+            </p:cNvPr>
+            <p:cNvSpPr/>
+            <p:nvPr/>
+          </p:nvSpPr>
+          <p:spPr>
+            <a:xfrm>
+              <a:off x="7976176" y="3088158"/>
+              <a:ext cx="1267054" cy="320839"/>
+            </a:xfrm>
+            <a:prstGeom prst="roundRect">
+              <a:avLst>
+                <a:gd name="adj" fmla="val 24248"/>
+              </a:avLst>
+            </a:prstGeom>
+            <a:noFill/>
+            <a:ln w="12700" cap="flat" cmpd="sng" algn="ctr">
+              <a:noFill/>
+              <a:prstDash val="solid"/>
+              <a:miter lim="800000"/>
+            </a:ln>
+            <a:effectLst>
+              <a:outerShdw blurRad="50800" dist="38100" dir="2700000" algn="tl" rotWithShape="0">
+                <a:prstClr val="black">
+                  <a:alpha val="40000"/>
+                </a:prstClr>
+              </a:outerShdw>
+            </a:effectLst>
+          </p:spPr>
+          <p:txBody>
+            <a:bodyPr rtlCol="0" anchor="ctr"/>
+            <a:lstStyle/>
+            <a:p>
+              <a:pPr marL="0" marR="0" lvl="0" indent="0" algn="ctr" defTabSz="914400" eaLnBrk="1" fontAlgn="auto" latinLnBrk="0" hangingPunct="1">
+                <a:lnSpc>
+                  <a:spcPct val="100000"/>
+                </a:lnSpc>
+                <a:spcBef>
+                  <a:spcPts val="0"/>
+                </a:spcBef>
+                <a:spcAft>
+                  <a:spcPts val="0"/>
+                </a:spcAft>
+                <a:buClrTx/>
+                <a:buSzTx/>
+                <a:buFontTx/>
+                <a:buNone/>
+                <a:tabLst/>
+                <a:defRPr/>
+              </a:pPr>
+              <a:r>
+                <a:rPr lang="en-US" altLang="zh-CN" sz="1400" kern="0" dirty="0">
+                  <a:solidFill>
+                    <a:prstClr val="black"/>
+                  </a:solidFill>
+                  <a:latin typeface="KaiTi" panose="02010609060101010101" pitchFamily="49" charset="-122"/>
+                  <a:ea typeface="KaiTi" panose="02010609060101010101" pitchFamily="49" charset="-122"/>
+                </a:rPr>
+                <a:t>···</a:t>
+              </a:r>
+              <a:endParaRPr kumimoji="0" lang="en-CN" sz="1400" b="0" i="0" u="none" strike="noStrike" kern="0" cap="none" spc="0" normalizeH="0" baseline="0" noProof="0" dirty="0">
                 <a:ln>
                   <a:noFill/>
                 </a:ln>
@@ -5472,72 +6068,111 @@
                 <a:latin typeface="KaiTi" panose="02010609060101010101" pitchFamily="49" charset="-122"/>
                 <a:ea typeface="KaiTi" panose="02010609060101010101" pitchFamily="49" charset="-122"/>
                 <a:cs typeface="+mn-cs"/>
-              </a:rPr>
-              <a:t>置信度估计模块</a:t>
-            </a:r>
-          </a:p>
-        </p:txBody>
-      </p:sp>
-      <p:sp>
-        <p:nvSpPr>
-          <p:cNvPr id="94" name="Rectangle 93">
-            <a:extLst>
-              <a:ext uri="{FF2B5EF4-FFF2-40B4-BE49-F238E27FC236}">
-                <a16:creationId xmlns:a16="http://schemas.microsoft.com/office/drawing/2014/main" id="{184FEC9B-DC46-DA4C-9E30-C63170DA3A47}"/>
-              </a:ext>
-            </a:extLst>
-          </p:cNvPr>
-          <p:cNvSpPr/>
-          <p:nvPr/>
-        </p:nvSpPr>
-        <p:spPr>
-          <a:xfrm>
-            <a:off x="1489467" y="4552526"/>
-            <a:ext cx="1071793" cy="656610"/>
-          </a:xfrm>
-          <a:prstGeom prst="rect">
-            <a:avLst/>
-          </a:prstGeom>
-          <a:solidFill>
-            <a:srgbClr val="3494BA">
-              <a:lumMod val="20000"/>
-              <a:lumOff val="80000"/>
-            </a:srgbClr>
-          </a:solidFill>
-          <a:ln w="12700" cap="flat" cmpd="sng" algn="ctr">
+              </a:endParaRPr>
+            </a:p>
+          </p:txBody>
+        </p:sp>
+        <p:sp>
+          <p:nvSpPr>
+            <p:cNvPr id="166" name="Rounded Rectangle 165">
+              <a:extLst>
+                <a:ext uri="{FF2B5EF4-FFF2-40B4-BE49-F238E27FC236}">
+                  <a16:creationId xmlns:a16="http://schemas.microsoft.com/office/drawing/2014/main" id="{C16AA360-DED9-B942-B892-2215E2355B30}"/>
+                </a:ext>
+              </a:extLst>
+            </p:cNvPr>
+            <p:cNvSpPr/>
+            <p:nvPr/>
+          </p:nvSpPr>
+          <p:spPr>
+            <a:xfrm>
+              <a:off x="6621398" y="1513403"/>
+              <a:ext cx="1356995" cy="393026"/>
+            </a:xfrm>
+            <a:prstGeom prst="roundRect">
+              <a:avLst>
+                <a:gd name="adj" fmla="val 21564"/>
+              </a:avLst>
+            </a:prstGeom>
             <a:solidFill>
-              <a:srgbClr val="3494BA">
-                <a:shade val="50000"/>
-              </a:srgbClr>
+              <a:schemeClr val="accent5">
+                <a:lumMod val="20000"/>
+                <a:lumOff val="80000"/>
+              </a:schemeClr>
             </a:solidFill>
-            <a:prstDash val="solid"/>
-            <a:miter lim="800000"/>
-          </a:ln>
-          <a:effectLst/>
-        </p:spPr>
-        <p:txBody>
-          <a:bodyPr rtlCol="0" anchor="ctr"/>
-          <a:lstStyle/>
-          <a:p>
-            <a:pPr marL="0" marR="0" lvl="0" indent="0" algn="ctr" defTabSz="914400" eaLnBrk="1" fontAlgn="auto" latinLnBrk="0" hangingPunct="1">
-              <a:lnSpc>
-                <a:spcPct val="100000"/>
-              </a:lnSpc>
-              <a:spcBef>
-                <a:spcPts val="0"/>
-              </a:spcBef>
-              <a:spcAft>
-                <a:spcPts val="0"/>
-              </a:spcAft>
-              <a:buClrTx/>
-              <a:buSzTx/>
-              <a:buFontTx/>
-              <a:buNone/>
-              <a:tabLst/>
-              <a:defRPr/>
-            </a:pPr>
-            <a:r>
-              <a:rPr kumimoji="0" lang="en-CN" sz="1600" b="0" i="0" u="none" strike="noStrike" kern="0" cap="none" spc="0" normalizeH="0" baseline="0" noProof="0" dirty="0">
+            <a:ln w="19050" cap="flat" cmpd="sng" algn="ctr">
+              <a:solidFill>
+                <a:schemeClr val="accent5">
+                  <a:lumMod val="50000"/>
+                </a:schemeClr>
+              </a:solidFill>
+              <a:prstDash val="solid"/>
+              <a:miter lim="800000"/>
+            </a:ln>
+            <a:effectLst>
+              <a:outerShdw blurRad="50800" dist="38100" dir="2700000" algn="tl" rotWithShape="0">
+                <a:prstClr val="black">
+                  <a:alpha val="40000"/>
+                </a:prstClr>
+              </a:outerShdw>
+            </a:effectLst>
+          </p:spPr>
+          <p:txBody>
+            <a:bodyPr rtlCol="0" anchor="ctr"/>
+            <a:lstStyle/>
+            <a:p>
+              <a:pPr marL="0" marR="0" lvl="0" indent="0" algn="ctr" defTabSz="914400" eaLnBrk="1" fontAlgn="auto" latinLnBrk="0" hangingPunct="1">
+                <a:lnSpc>
+                  <a:spcPct val="100000"/>
+                </a:lnSpc>
+                <a:spcBef>
+                  <a:spcPts val="0"/>
+                </a:spcBef>
+                <a:spcAft>
+                  <a:spcPts val="0"/>
+                </a:spcAft>
+                <a:buClrTx/>
+                <a:buSzTx/>
+                <a:buFontTx/>
+                <a:buNone/>
+                <a:tabLst/>
+                <a:defRPr/>
+              </a:pPr>
+              <a:r>
+                <a:rPr kumimoji="0" lang="en-CN" sz="1400" b="1" i="0" u="none" strike="noStrike" kern="0" cap="none" spc="0" normalizeH="0" baseline="0" noProof="0" dirty="0">
+                  <a:ln>
+                    <a:noFill/>
+                  </a:ln>
+                  <a:solidFill>
+                    <a:prstClr val="black"/>
+                  </a:solidFill>
+                  <a:effectLst/>
+                  <a:uLnTx/>
+                  <a:uFillTx/>
+                  <a:latin typeface="KaiTi" panose="02010609060101010101" pitchFamily="49" charset="-122"/>
+                  <a:ea typeface="KaiTi" panose="02010609060101010101" pitchFamily="49" charset="-122"/>
+                  <a:cs typeface="+mn-cs"/>
+                </a:rPr>
+                <a:t>粒度对齐</a:t>
+              </a:r>
+              <a:r>
+                <a:rPr kumimoji="0" lang="en-US" sz="1400" b="1" i="0" u="none" strike="noStrike" kern="0" cap="none" spc="0" normalizeH="0" baseline="0" noProof="0" dirty="0" err="1">
+                  <a:ln>
+                    <a:noFill/>
+                  </a:ln>
+                  <a:solidFill>
+                    <a:prstClr val="black"/>
+                  </a:solidFill>
+                  <a:effectLst/>
+                  <a:uLnTx/>
+                  <a:uFillTx/>
+                  <a:latin typeface="KaiTi" panose="02010609060101010101" pitchFamily="49" charset="-122"/>
+                  <a:ea typeface="KaiTi" panose="02010609060101010101" pitchFamily="49" charset="-122"/>
+                  <a:cs typeface="+mn-cs"/>
+                </a:rPr>
+                <a:t>模块</a:t>
+              </a:r>
+              <a:endParaRPr kumimoji="0" lang="en-CN" sz="1400" b="1" i="0" u="none" strike="noStrike" kern="0" cap="none" spc="0" normalizeH="0" baseline="0" noProof="0" dirty="0">
                 <a:ln>
                   <a:noFill/>
                 </a:ln>
@@ -5550,30 +6185,724 @@
                 <a:latin typeface="KaiTi" panose="02010609060101010101" pitchFamily="49" charset="-122"/>
                 <a:ea typeface="KaiTi" panose="02010609060101010101" pitchFamily="49" charset="-122"/>
                 <a:cs typeface="+mn-cs"/>
-              </a:rPr>
-              <a:t>预测</a:t>
-            </a:r>
-          </a:p>
-          <a:p>
-            <a:pPr marL="0" marR="0" lvl="0" indent="0" algn="ctr" defTabSz="914400" eaLnBrk="1" fontAlgn="auto" latinLnBrk="0" hangingPunct="1">
-              <a:lnSpc>
-                <a:spcPct val="100000"/>
-              </a:lnSpc>
-              <a:spcBef>
-                <a:spcPts val="0"/>
-              </a:spcBef>
-              <a:spcAft>
-                <a:spcPts val="0"/>
-              </a:spcAft>
-              <a:buClrTx/>
-              <a:buSzTx/>
-              <a:buFontTx/>
-              <a:buNone/>
-              <a:tabLst/>
-              <a:defRPr/>
-            </a:pPr>
-            <a:r>
-              <a:rPr kumimoji="0" lang="en-CN" sz="1600" b="0" i="0" u="none" strike="noStrike" kern="0" cap="none" spc="0" normalizeH="0" baseline="0" noProof="0" dirty="0">
+              </a:endParaRPr>
+            </a:p>
+          </p:txBody>
+        </p:sp>
+        <p:cxnSp>
+          <p:nvCxnSpPr>
+            <p:cNvPr id="167" name="Straight Arrow Connector 166">
+              <a:extLst>
+                <a:ext uri="{FF2B5EF4-FFF2-40B4-BE49-F238E27FC236}">
+                  <a16:creationId xmlns:a16="http://schemas.microsoft.com/office/drawing/2014/main" id="{79790D89-6284-9B49-B04D-1369FDE4DF1C}"/>
+                </a:ext>
+              </a:extLst>
+            </p:cNvPr>
+            <p:cNvCxnSpPr>
+              <a:cxnSpLocks/>
+              <a:stCxn id="166" idx="2"/>
+              <a:endCxn id="148" idx="0"/>
+            </p:cNvCxnSpPr>
+            <p:nvPr/>
+          </p:nvCxnSpPr>
+          <p:spPr>
+            <a:xfrm flipH="1">
+              <a:off x="7299895" y="1906429"/>
+              <a:ext cx="1" cy="868261"/>
+            </a:xfrm>
+            <a:prstGeom prst="straightConnector1">
+              <a:avLst/>
+            </a:prstGeom>
+            <a:noFill/>
+            <a:ln w="19050" cap="flat" cmpd="sng" algn="ctr">
+              <a:solidFill>
+                <a:schemeClr val="tx1"/>
+              </a:solidFill>
+              <a:prstDash val="solid"/>
+              <a:miter lim="800000"/>
+              <a:tailEnd type="stealth" w="lg" len="med"/>
+            </a:ln>
+            <a:effectLst/>
+          </p:spPr>
+        </p:cxnSp>
+        <p:sp>
+          <p:nvSpPr>
+            <p:cNvPr id="177" name="TextBox 176">
+              <a:extLst>
+                <a:ext uri="{FF2B5EF4-FFF2-40B4-BE49-F238E27FC236}">
+                  <a16:creationId xmlns:a16="http://schemas.microsoft.com/office/drawing/2014/main" id="{6609D041-908C-D945-B1EC-30D39A49F81D}"/>
+                </a:ext>
+              </a:extLst>
+            </p:cNvPr>
+            <p:cNvSpPr txBox="1"/>
+            <p:nvPr/>
+          </p:nvSpPr>
+          <p:spPr>
+            <a:xfrm>
+              <a:off x="6621398" y="705957"/>
+              <a:ext cx="1356994" cy="307777"/>
+            </a:xfrm>
+            <a:prstGeom prst="rect">
+              <a:avLst/>
+            </a:prstGeom>
+            <a:noFill/>
+          </p:spPr>
+          <p:txBody>
+            <a:bodyPr wrap="square" rtlCol="0">
+              <a:spAutoFit/>
+            </a:bodyPr>
+            <a:lstStyle/>
+            <a:p>
+              <a:pPr algn="ctr"/>
+              <a:r>
+                <a:rPr lang="en-US" sz="1400" b="1" dirty="0" err="1">
+                  <a:solidFill>
+                    <a:prstClr val="black"/>
+                  </a:solidFill>
+                  <a:latin typeface="KaiTi" panose="02010609060101010101" pitchFamily="49" charset="-122"/>
+                  <a:ea typeface="KaiTi" panose="02010609060101010101" pitchFamily="49" charset="-122"/>
+                </a:rPr>
+                <a:t>更</a:t>
+              </a:r>
+              <a:r>
+                <a:rPr lang="en-CN" sz="1400" b="1" dirty="0">
+                  <a:solidFill>
+                    <a:prstClr val="black"/>
+                  </a:solidFill>
+                  <a:latin typeface="KaiTi" panose="02010609060101010101" pitchFamily="49" charset="-122"/>
+                  <a:ea typeface="KaiTi" panose="02010609060101010101" pitchFamily="49" charset="-122"/>
+                </a:rPr>
+                <a:t>细粒度数据</a:t>
+              </a:r>
+            </a:p>
+          </p:txBody>
+        </p:sp>
+        <p:cxnSp>
+          <p:nvCxnSpPr>
+            <p:cNvPr id="178" name="Straight Arrow Connector 177">
+              <a:extLst>
+                <a:ext uri="{FF2B5EF4-FFF2-40B4-BE49-F238E27FC236}">
+                  <a16:creationId xmlns:a16="http://schemas.microsoft.com/office/drawing/2014/main" id="{D4206A86-A697-C34B-ADBA-7781C1EEFB20}"/>
+                </a:ext>
+              </a:extLst>
+            </p:cNvPr>
+            <p:cNvCxnSpPr>
+              <a:cxnSpLocks/>
+              <a:stCxn id="177" idx="2"/>
+              <a:endCxn id="166" idx="0"/>
+            </p:cNvCxnSpPr>
+            <p:nvPr/>
+          </p:nvCxnSpPr>
+          <p:spPr>
+            <a:xfrm>
+              <a:off x="7299895" y="1013734"/>
+              <a:ext cx="1" cy="499669"/>
+            </a:xfrm>
+            <a:prstGeom prst="straightConnector1">
+              <a:avLst/>
+            </a:prstGeom>
+            <a:noFill/>
+            <a:ln w="19050" cap="flat" cmpd="sng" algn="ctr">
+              <a:solidFill>
+                <a:schemeClr val="tx1"/>
+              </a:solidFill>
+              <a:prstDash val="solid"/>
+              <a:miter lim="800000"/>
+              <a:tailEnd type="stealth" w="lg" len="med"/>
+            </a:ln>
+            <a:effectLst/>
+          </p:spPr>
+        </p:cxnSp>
+        <mc:AlternateContent xmlns:mc="http://schemas.openxmlformats.org/markup-compatibility/2006">
+          <mc:Choice xmlns:a14="http://schemas.microsoft.com/office/drawing/2010/main" Requires="a14">
+            <p:sp>
+              <p:nvSpPr>
+                <p:cNvPr id="181" name="TextBox 180">
+                  <a:extLst>
+                    <a:ext uri="{FF2B5EF4-FFF2-40B4-BE49-F238E27FC236}">
+                      <a16:creationId xmlns:a16="http://schemas.microsoft.com/office/drawing/2014/main" id="{99AEB5B8-E4A4-8F41-8710-CE05E83E0BE1}"/>
+                    </a:ext>
+                  </a:extLst>
+                </p:cNvPr>
+                <p:cNvSpPr txBox="1"/>
+                <p:nvPr/>
+              </p:nvSpPr>
+              <p:spPr>
+                <a:xfrm>
+                  <a:off x="7347723" y="1177927"/>
+                  <a:ext cx="1128899" cy="244939"/>
+                </a:xfrm>
+                <a:prstGeom prst="rect">
+                  <a:avLst/>
+                </a:prstGeom>
+                <a:noFill/>
+              </p:spPr>
+              <p:txBody>
+                <a:bodyPr wrap="none" lIns="0" tIns="0" rIns="0" bIns="0" rtlCol="0">
+                  <a:spAutoFit/>
+                </a:bodyPr>
+                <a:lstStyle/>
+                <a:p>
+                  <a14:m>
+                    <m:oMathPara xmlns:m="http://schemas.openxmlformats.org/officeDocument/2006/math">
+                      <m:oMathParaPr>
+                        <m:jc m:val="centerGroup"/>
+                      </m:oMathParaPr>
+                      <m:oMath xmlns:m="http://schemas.openxmlformats.org/officeDocument/2006/math">
+                        <m:sSup>
+                          <m:sSupPr>
+                            <m:ctrlPr>
+                              <a:rPr lang="en-US" sz="1400" b="0" i="1" smtClean="0">
+                                <a:latin typeface="Cambria Math" panose="02040503050406030204" pitchFamily="18" charset="0"/>
+                              </a:rPr>
+                            </m:ctrlPr>
+                          </m:sSupPr>
+                          <m:e>
+                            <m:r>
+                              <a:rPr lang="en-CN" sz="1400" b="1" i="0" smtClean="0">
+                                <a:latin typeface="Cambria Math" panose="02040503050406030204" pitchFamily="18" charset="0"/>
+                              </a:rPr>
+                              <m:t>𝐗</m:t>
+                            </m:r>
+                          </m:e>
+                          <m:sup>
+                            <m:r>
+                              <a:rPr lang="en-US" altLang="zh-CN" sz="1400" b="0" i="1" smtClean="0">
+                                <a:latin typeface="Cambria Math" panose="02040503050406030204" pitchFamily="18" charset="0"/>
+                              </a:rPr>
+                              <m:t>3</m:t>
+                            </m:r>
+                          </m:sup>
+                        </m:sSup>
+                        <m:r>
+                          <a:rPr lang="en-US" sz="1400" b="0" i="1" smtClean="0">
+                            <a:latin typeface="Cambria Math" panose="02040503050406030204" pitchFamily="18" charset="0"/>
+                          </a:rPr>
+                          <m:t>∈</m:t>
+                        </m:r>
+                        <m:sSup>
+                          <m:sSupPr>
+                            <m:ctrlPr>
+                              <a:rPr lang="en-US" sz="1400" b="0" i="1" smtClean="0">
+                                <a:latin typeface="Cambria Math" panose="02040503050406030204" pitchFamily="18" charset="0"/>
+                                <a:ea typeface="Cambria Math" panose="02040503050406030204" pitchFamily="18" charset="0"/>
+                              </a:rPr>
+                            </m:ctrlPr>
+                          </m:sSupPr>
+                          <m:e>
+                            <m:r>
+                              <a:rPr lang="en-US" sz="1400" i="1">
+                                <a:latin typeface="Cambria Math" panose="02040503050406030204" pitchFamily="18" charset="0"/>
+                                <a:ea typeface="Cambria Math" panose="02040503050406030204" pitchFamily="18" charset="0"/>
+                              </a:rPr>
+                              <m:t>ℝ</m:t>
+                            </m:r>
+                          </m:e>
+                          <m:sup>
+                            <m:r>
+                              <a:rPr lang="en-US" sz="1400" i="1">
+                                <a:latin typeface="Cambria Math" panose="02040503050406030204" pitchFamily="18" charset="0"/>
+                                <a:ea typeface="Cambria Math" panose="02040503050406030204" pitchFamily="18" charset="0"/>
+                              </a:rPr>
+                              <m:t>𝑇</m:t>
+                            </m:r>
+                            <m:r>
+                              <a:rPr lang="en-US" sz="1400" i="1">
+                                <a:latin typeface="Cambria Math" panose="02040503050406030204" pitchFamily="18" charset="0"/>
+                                <a:ea typeface="Cambria Math" panose="02040503050406030204" pitchFamily="18" charset="0"/>
+                              </a:rPr>
+                              <m:t>×</m:t>
+                            </m:r>
+                            <m:sSup>
+                              <m:sSupPr>
+                                <m:ctrlPr>
+                                  <a:rPr lang="en-US" sz="1400" i="1">
+                                    <a:latin typeface="Cambria Math" panose="02040503050406030204" pitchFamily="18" charset="0"/>
+                                    <a:ea typeface="Cambria Math" panose="02040503050406030204" pitchFamily="18" charset="0"/>
+                                  </a:rPr>
+                                </m:ctrlPr>
+                              </m:sSupPr>
+                              <m:e>
+                                <m:r>
+                                  <a:rPr lang="en-US" sz="1400" i="1">
+                                    <a:latin typeface="Cambria Math" panose="02040503050406030204" pitchFamily="18" charset="0"/>
+                                    <a:ea typeface="Cambria Math" panose="02040503050406030204" pitchFamily="18" charset="0"/>
+                                  </a:rPr>
+                                  <m:t>𝐾</m:t>
+                                </m:r>
+                              </m:e>
+                              <m:sup>
+                                <m:r>
+                                  <a:rPr lang="en-US" altLang="zh-CN" sz="1400" b="0" i="1" smtClean="0">
+                                    <a:latin typeface="Cambria Math" panose="02040503050406030204" pitchFamily="18" charset="0"/>
+                                    <a:ea typeface="Cambria Math" panose="02040503050406030204" pitchFamily="18" charset="0"/>
+                                  </a:rPr>
+                                  <m:t>3</m:t>
+                                </m:r>
+                              </m:sup>
+                            </m:sSup>
+                            <m:r>
+                              <a:rPr lang="en-US" sz="1400" i="1">
+                                <a:latin typeface="Cambria Math" panose="02040503050406030204" pitchFamily="18" charset="0"/>
+                                <a:ea typeface="Cambria Math" panose="02040503050406030204" pitchFamily="18" charset="0"/>
+                              </a:rPr>
+                              <m:t>×</m:t>
+                            </m:r>
+                            <m:r>
+                              <a:rPr lang="en-US" sz="1400" i="1">
+                                <a:latin typeface="Cambria Math" panose="02040503050406030204" pitchFamily="18" charset="0"/>
+                                <a:ea typeface="Cambria Math" panose="02040503050406030204" pitchFamily="18" charset="0"/>
+                              </a:rPr>
+                              <m:t>𝐷</m:t>
+                            </m:r>
+                          </m:sup>
+                        </m:sSup>
+                      </m:oMath>
+                    </m:oMathPara>
+                  </a14:m>
+                  <a:endParaRPr lang="en-CN" sz="1400" dirty="0"/>
+                </a:p>
+              </p:txBody>
+            </p:sp>
+          </mc:Choice>
+          <mc:Fallback>
+            <p:sp>
+              <p:nvSpPr>
+                <p:cNvPr id="181" name="TextBox 180">
+                  <a:extLst>
+                    <a:ext uri="{FF2B5EF4-FFF2-40B4-BE49-F238E27FC236}">
+                      <a16:creationId xmlns:a16="http://schemas.microsoft.com/office/drawing/2014/main" id="{99AEB5B8-E4A4-8F41-8710-CE05E83E0BE1}"/>
+                    </a:ext>
+                  </a:extLst>
+                </p:cNvPr>
+                <p:cNvSpPr txBox="1">
+                  <a:spLocks noRot="1" noChangeAspect="1" noMove="1" noResize="1" noEditPoints="1" noAdjustHandles="1" noChangeArrowheads="1" noChangeShapeType="1" noTextEdit="1"/>
+                </p:cNvSpPr>
+                <p:nvPr/>
+              </p:nvSpPr>
+              <p:spPr>
+                <a:xfrm>
+                  <a:off x="7347723" y="1177927"/>
+                  <a:ext cx="1128899" cy="244939"/>
+                </a:xfrm>
+                <a:prstGeom prst="rect">
+                  <a:avLst/>
+                </a:prstGeom>
+                <a:blipFill>
+                  <a:blip r:embed="rId10"/>
+                  <a:stretch>
+                    <a:fillRect l="-2222" b="-10000"/>
+                  </a:stretch>
+                </a:blipFill>
+              </p:spPr>
+              <p:txBody>
+                <a:bodyPr/>
+                <a:lstStyle/>
+                <a:p>
+                  <a:r>
+                    <a:rPr lang="en-CN">
+                      <a:noFill/>
+                    </a:rPr>
+                    <a:t> </a:t>
+                  </a:r>
+                </a:p>
+              </p:txBody>
+            </p:sp>
+          </mc:Fallback>
+        </mc:AlternateContent>
+        <mc:AlternateContent xmlns:mc="http://schemas.openxmlformats.org/markup-compatibility/2006">
+          <mc:Choice xmlns:a14="http://schemas.microsoft.com/office/drawing/2010/main" Requires="a14">
+            <p:sp>
+              <p:nvSpPr>
+                <p:cNvPr id="182" name="TextBox 181">
+                  <a:extLst>
+                    <a:ext uri="{FF2B5EF4-FFF2-40B4-BE49-F238E27FC236}">
+                      <a16:creationId xmlns:a16="http://schemas.microsoft.com/office/drawing/2014/main" id="{8A6CF84C-7ADB-7748-8BCA-D10058393270}"/>
+                    </a:ext>
+                  </a:extLst>
+                </p:cNvPr>
+                <p:cNvSpPr txBox="1"/>
+                <p:nvPr/>
+              </p:nvSpPr>
+              <p:spPr>
+                <a:xfrm>
+                  <a:off x="7346772" y="1980515"/>
+                  <a:ext cx="1049710" cy="215444"/>
+                </a:xfrm>
+                <a:prstGeom prst="rect">
+                  <a:avLst/>
+                </a:prstGeom>
+                <a:noFill/>
+              </p:spPr>
+              <p:txBody>
+                <a:bodyPr wrap="none" lIns="0" tIns="0" rIns="0" bIns="0" rtlCol="0">
+                  <a:spAutoFit/>
+                </a:bodyPr>
+                <a:lstStyle/>
+                <a:p>
+                  <a14:m>
+                    <m:oMathPara xmlns:m="http://schemas.openxmlformats.org/officeDocument/2006/math">
+                      <m:oMathParaPr>
+                        <m:jc m:val="centerGroup"/>
+                      </m:oMathParaPr>
+                      <m:oMath xmlns:m="http://schemas.openxmlformats.org/officeDocument/2006/math">
+                        <m:sSup>
+                          <m:sSupPr>
+                            <m:ctrlPr>
+                              <a:rPr lang="en-US" sz="1400" b="0" i="1" smtClean="0">
+                                <a:latin typeface="Cambria Math" panose="02040503050406030204" pitchFamily="18" charset="0"/>
+                              </a:rPr>
+                            </m:ctrlPr>
+                          </m:sSupPr>
+                          <m:e>
+                            <m:r>
+                              <a:rPr lang="en-CN" sz="1400" b="1" i="0">
+                                <a:latin typeface="Cambria Math" panose="02040503050406030204" pitchFamily="18" charset="0"/>
+                              </a:rPr>
+                              <m:t>𝐅</m:t>
+                            </m:r>
+                          </m:e>
+                          <m:sup>
+                            <m:r>
+                              <a:rPr lang="en-US" altLang="zh-CN" sz="1400" b="0" i="1" smtClean="0">
+                                <a:latin typeface="Cambria Math" panose="02040503050406030204" pitchFamily="18" charset="0"/>
+                              </a:rPr>
+                              <m:t>3</m:t>
+                            </m:r>
+                          </m:sup>
+                        </m:sSup>
+                        <m:r>
+                          <a:rPr lang="en-US" sz="1400" b="0" i="1" smtClean="0">
+                            <a:latin typeface="Cambria Math" panose="02040503050406030204" pitchFamily="18" charset="0"/>
+                          </a:rPr>
+                          <m:t>∈</m:t>
+                        </m:r>
+                        <m:sSup>
+                          <m:sSupPr>
+                            <m:ctrlPr>
+                              <a:rPr lang="en-US" sz="1400" b="0" i="1" smtClean="0">
+                                <a:latin typeface="Cambria Math" panose="02040503050406030204" pitchFamily="18" charset="0"/>
+                                <a:ea typeface="Cambria Math" panose="02040503050406030204" pitchFamily="18" charset="0"/>
+                              </a:rPr>
+                            </m:ctrlPr>
+                          </m:sSupPr>
+                          <m:e>
+                            <m:r>
+                              <a:rPr lang="en-US" sz="1400" i="1">
+                                <a:latin typeface="Cambria Math" panose="02040503050406030204" pitchFamily="18" charset="0"/>
+                                <a:ea typeface="Cambria Math" panose="02040503050406030204" pitchFamily="18" charset="0"/>
+                              </a:rPr>
+                              <m:t>ℝ</m:t>
+                            </m:r>
+                          </m:e>
+                          <m:sup>
+                            <m:r>
+                              <a:rPr lang="en-US" sz="1400" i="1">
+                                <a:latin typeface="Cambria Math" panose="02040503050406030204" pitchFamily="18" charset="0"/>
+                                <a:ea typeface="Cambria Math" panose="02040503050406030204" pitchFamily="18" charset="0"/>
+                              </a:rPr>
+                              <m:t>𝑇</m:t>
+                            </m:r>
+                            <m:r>
+                              <a:rPr lang="en-US" sz="1400" i="1">
+                                <a:latin typeface="Cambria Math" panose="02040503050406030204" pitchFamily="18" charset="0"/>
+                                <a:ea typeface="Cambria Math" panose="02040503050406030204" pitchFamily="18" charset="0"/>
+                              </a:rPr>
+                              <m:t>×</m:t>
+                            </m:r>
+                            <m:r>
+                              <a:rPr lang="en-US" sz="1400" i="1" smtClean="0">
+                                <a:latin typeface="Cambria Math" panose="02040503050406030204" pitchFamily="18" charset="0"/>
+                                <a:ea typeface="Cambria Math" panose="02040503050406030204" pitchFamily="18" charset="0"/>
+                              </a:rPr>
+                              <m:t>𝐾</m:t>
+                            </m:r>
+                            <m:r>
+                              <a:rPr lang="en-US" sz="1400" i="1">
+                                <a:latin typeface="Cambria Math" panose="02040503050406030204" pitchFamily="18" charset="0"/>
+                                <a:ea typeface="Cambria Math" panose="02040503050406030204" pitchFamily="18" charset="0"/>
+                              </a:rPr>
+                              <m:t>×</m:t>
+                            </m:r>
+                            <m:r>
+                              <a:rPr lang="en-US" sz="1400" i="1">
+                                <a:latin typeface="Cambria Math" panose="02040503050406030204" pitchFamily="18" charset="0"/>
+                                <a:ea typeface="Cambria Math" panose="02040503050406030204" pitchFamily="18" charset="0"/>
+                              </a:rPr>
+                              <m:t>𝐷</m:t>
+                            </m:r>
+                          </m:sup>
+                        </m:sSup>
+                      </m:oMath>
+                    </m:oMathPara>
+                  </a14:m>
+                  <a:endParaRPr lang="en-CN" sz="1400" dirty="0"/>
+                </a:p>
+              </p:txBody>
+            </p:sp>
+          </mc:Choice>
+          <mc:Fallback>
+            <p:sp>
+              <p:nvSpPr>
+                <p:cNvPr id="182" name="TextBox 181">
+                  <a:extLst>
+                    <a:ext uri="{FF2B5EF4-FFF2-40B4-BE49-F238E27FC236}">
+                      <a16:creationId xmlns:a16="http://schemas.microsoft.com/office/drawing/2014/main" id="{8A6CF84C-7ADB-7748-8BCA-D10058393270}"/>
+                    </a:ext>
+                  </a:extLst>
+                </p:cNvPr>
+                <p:cNvSpPr txBox="1">
+                  <a:spLocks noRot="1" noChangeAspect="1" noMove="1" noResize="1" noEditPoints="1" noAdjustHandles="1" noChangeArrowheads="1" noChangeShapeType="1" noTextEdit="1"/>
+                </p:cNvSpPr>
+                <p:nvPr/>
+              </p:nvSpPr>
+              <p:spPr>
+                <a:xfrm>
+                  <a:off x="7346772" y="1980515"/>
+                  <a:ext cx="1049710" cy="215444"/>
+                </a:xfrm>
+                <a:prstGeom prst="rect">
+                  <a:avLst/>
+                </a:prstGeom>
+                <a:blipFill>
+                  <a:blip r:embed="rId11"/>
+                  <a:stretch>
+                    <a:fillRect l="-3614" r="-1205" b="-5882"/>
+                  </a:stretch>
+                </a:blipFill>
+              </p:spPr>
+              <p:txBody>
+                <a:bodyPr/>
+                <a:lstStyle/>
+                <a:p>
+                  <a:r>
+                    <a:rPr lang="en-CN">
+                      <a:noFill/>
+                    </a:rPr>
+                    <a:t> </a:t>
+                  </a:r>
+                </a:p>
+              </p:txBody>
+            </p:sp>
+          </mc:Fallback>
+        </mc:AlternateContent>
+        <p:cxnSp>
+          <p:nvCxnSpPr>
+            <p:cNvPr id="183" name="Elbow Connector 182">
+              <a:extLst>
+                <a:ext uri="{FF2B5EF4-FFF2-40B4-BE49-F238E27FC236}">
+                  <a16:creationId xmlns:a16="http://schemas.microsoft.com/office/drawing/2014/main" id="{670A3DB7-4366-4A44-B7A5-D3210B6677B1}"/>
+                </a:ext>
+              </a:extLst>
+            </p:cNvPr>
+            <p:cNvCxnSpPr>
+              <a:cxnSpLocks/>
+              <a:stCxn id="148" idx="4"/>
+            </p:cNvCxnSpPr>
+            <p:nvPr/>
+          </p:nvCxnSpPr>
+          <p:spPr>
+            <a:xfrm rot="16200000" flipH="1">
+              <a:off x="7357744" y="3037680"/>
+              <a:ext cx="160420" cy="276118"/>
+            </a:xfrm>
+            <a:prstGeom prst="bentConnector2">
+              <a:avLst/>
+            </a:prstGeom>
+            <a:noFill/>
+            <a:ln w="19050" cap="flat" cmpd="sng" algn="ctr">
+              <a:solidFill>
+                <a:sysClr val="windowText" lastClr="000000"/>
+              </a:solidFill>
+              <a:prstDash val="solid"/>
+              <a:miter lim="800000"/>
+              <a:tailEnd type="stealth" w="lg" len="med"/>
+            </a:ln>
+            <a:effectLst/>
+          </p:spPr>
+        </p:cxnSp>
+        <mc:AlternateContent xmlns:mc="http://schemas.openxmlformats.org/markup-compatibility/2006">
+          <mc:Choice xmlns:a14="http://schemas.microsoft.com/office/drawing/2010/main" Requires="a14">
+            <p:sp>
+              <p:nvSpPr>
+                <p:cNvPr id="185" name="TextBox 184">
+                  <a:extLst>
+                    <a:ext uri="{FF2B5EF4-FFF2-40B4-BE49-F238E27FC236}">
+                      <a16:creationId xmlns:a16="http://schemas.microsoft.com/office/drawing/2014/main" id="{62F9C636-F368-D443-9039-08F3DAE23072}"/>
+                    </a:ext>
+                  </a:extLst>
+                </p:cNvPr>
+                <p:cNvSpPr txBox="1"/>
+                <p:nvPr/>
+              </p:nvSpPr>
+              <p:spPr>
+                <a:xfrm>
+                  <a:off x="7056905" y="3149294"/>
+                  <a:ext cx="240772" cy="215444"/>
+                </a:xfrm>
+                <a:prstGeom prst="rect">
+                  <a:avLst/>
+                </a:prstGeom>
+                <a:noFill/>
+              </p:spPr>
+              <p:txBody>
+                <a:bodyPr wrap="none" lIns="0" tIns="0" rIns="0" bIns="0" rtlCol="0">
+                  <a:spAutoFit/>
+                </a:bodyPr>
+                <a:lstStyle/>
+                <a:p>
+                  <a14:m>
+                    <m:oMathPara xmlns:m="http://schemas.openxmlformats.org/officeDocument/2006/math">
+                      <m:oMathParaPr>
+                        <m:jc m:val="centerGroup"/>
+                      </m:oMathParaPr>
+                      <m:oMath xmlns:m="http://schemas.openxmlformats.org/officeDocument/2006/math">
+                        <m:sSup>
+                          <m:sSupPr>
+                            <m:ctrlPr>
+                              <a:rPr lang="en-US" sz="1400" b="0" i="1" smtClean="0">
+                                <a:latin typeface="Cambria Math" panose="02040503050406030204" pitchFamily="18" charset="0"/>
+                              </a:rPr>
+                            </m:ctrlPr>
+                          </m:sSupPr>
+                          <m:e>
+                            <m:r>
+                              <a:rPr lang="en-CN" sz="1400" b="1" i="0">
+                                <a:latin typeface="Cambria Math" panose="02040503050406030204" pitchFamily="18" charset="0"/>
+                              </a:rPr>
+                              <m:t>𝐏</m:t>
+                            </m:r>
+                          </m:e>
+                          <m:sup>
+                            <m:r>
+                              <a:rPr lang="en-US" altLang="zh-CN" sz="1400" b="0" i="1" smtClean="0">
+                                <a:latin typeface="Cambria Math" panose="02040503050406030204" pitchFamily="18" charset="0"/>
+                              </a:rPr>
+                              <m:t>3</m:t>
+                            </m:r>
+                          </m:sup>
+                        </m:sSup>
+                      </m:oMath>
+                    </m:oMathPara>
+                  </a14:m>
+                  <a:endParaRPr lang="en-CN" sz="1400" dirty="0"/>
+                </a:p>
+              </p:txBody>
+            </p:sp>
+          </mc:Choice>
+          <mc:Fallback>
+            <p:sp>
+              <p:nvSpPr>
+                <p:cNvPr id="185" name="TextBox 184">
+                  <a:extLst>
+                    <a:ext uri="{FF2B5EF4-FFF2-40B4-BE49-F238E27FC236}">
+                      <a16:creationId xmlns:a16="http://schemas.microsoft.com/office/drawing/2014/main" id="{62F9C636-F368-D443-9039-08F3DAE23072}"/>
+                    </a:ext>
+                  </a:extLst>
+                </p:cNvPr>
+                <p:cNvSpPr txBox="1">
+                  <a:spLocks noRot="1" noChangeAspect="1" noMove="1" noResize="1" noEditPoints="1" noAdjustHandles="1" noChangeArrowheads="1" noChangeShapeType="1" noTextEdit="1"/>
+                </p:cNvSpPr>
+                <p:nvPr/>
+              </p:nvSpPr>
+              <p:spPr>
+                <a:xfrm>
+                  <a:off x="7056905" y="3149294"/>
+                  <a:ext cx="240772" cy="215444"/>
+                </a:xfrm>
+                <a:prstGeom prst="rect">
+                  <a:avLst/>
+                </a:prstGeom>
+                <a:blipFill>
+                  <a:blip r:embed="rId12"/>
+                  <a:stretch>
+                    <a:fillRect l="-15000" r="-5000" b="-5882"/>
+                  </a:stretch>
+                </a:blipFill>
+              </p:spPr>
+              <p:txBody>
+                <a:bodyPr/>
+                <a:lstStyle/>
+                <a:p>
+                  <a:r>
+                    <a:rPr lang="en-CN">
+                      <a:noFill/>
+                    </a:rPr>
+                    <a:t> </a:t>
+                  </a:r>
+                </a:p>
+              </p:txBody>
+            </p:sp>
+          </mc:Fallback>
+        </mc:AlternateContent>
+        <p:sp>
+          <p:nvSpPr>
+            <p:cNvPr id="186" name="Rounded Rectangle 185">
+              <a:extLst>
+                <a:ext uri="{FF2B5EF4-FFF2-40B4-BE49-F238E27FC236}">
+                  <a16:creationId xmlns:a16="http://schemas.microsoft.com/office/drawing/2014/main" id="{A173216A-D4D7-D841-BADB-7E8603800929}"/>
+                </a:ext>
+              </a:extLst>
+            </p:cNvPr>
+            <p:cNvSpPr/>
+            <p:nvPr/>
+          </p:nvSpPr>
+          <p:spPr>
+            <a:xfrm>
+              <a:off x="7978392" y="1550849"/>
+              <a:ext cx="1264838" cy="301683"/>
+            </a:xfrm>
+            <a:prstGeom prst="roundRect">
+              <a:avLst>
+                <a:gd name="adj" fmla="val 24248"/>
+              </a:avLst>
+            </a:prstGeom>
+            <a:noFill/>
+            <a:ln w="12700" cap="flat" cmpd="sng" algn="ctr">
+              <a:noFill/>
+              <a:prstDash val="solid"/>
+              <a:miter lim="800000"/>
+            </a:ln>
+            <a:effectLst>
+              <a:outerShdw blurRad="50800" dist="38100" dir="2700000" algn="tl" rotWithShape="0">
+                <a:prstClr val="black">
+                  <a:alpha val="40000"/>
+                </a:prstClr>
+              </a:outerShdw>
+            </a:effectLst>
+          </p:spPr>
+          <p:txBody>
+            <a:bodyPr rtlCol="0" anchor="ctr"/>
+            <a:lstStyle/>
+            <a:p>
+              <a:pPr marL="0" marR="0" lvl="0" indent="0" algn="ctr" defTabSz="914400" eaLnBrk="1" fontAlgn="auto" latinLnBrk="0" hangingPunct="1">
+                <a:lnSpc>
+                  <a:spcPct val="100000"/>
+                </a:lnSpc>
+                <a:spcBef>
+                  <a:spcPts val="0"/>
+                </a:spcBef>
+                <a:spcAft>
+                  <a:spcPts val="0"/>
+                </a:spcAft>
+                <a:buClrTx/>
+                <a:buSzTx/>
+                <a:buFontTx/>
+                <a:buNone/>
+                <a:tabLst/>
+                <a:defRPr/>
+              </a:pPr>
+              <a:r>
+                <a:rPr lang="en-US" altLang="zh-CN" sz="1400" kern="0" dirty="0">
+                  <a:solidFill>
+                    <a:prstClr val="black"/>
+                  </a:solidFill>
+                  <a:latin typeface="KaiTi" panose="02010609060101010101" pitchFamily="49" charset="-122"/>
+                  <a:ea typeface="KaiTi" panose="02010609060101010101" pitchFamily="49" charset="-122"/>
+                </a:rPr>
+                <a:t>···</a:t>
+              </a:r>
+              <a:endParaRPr kumimoji="0" lang="en-CN" sz="1400" b="0" i="0" u="none" strike="noStrike" kern="0" cap="none" spc="0" normalizeH="0" baseline="0" noProof="0" dirty="0">
                 <a:ln>
                   <a:noFill/>
                 </a:ln>
@@ -5586,71 +6915,78 @@
                 <a:latin typeface="KaiTi" panose="02010609060101010101" pitchFamily="49" charset="-122"/>
                 <a:ea typeface="KaiTi" panose="02010609060101010101" pitchFamily="49" charset="-122"/>
                 <a:cs typeface="+mn-cs"/>
-              </a:rPr>
-              <a:t>模块</a:t>
-            </a:r>
-          </a:p>
-        </p:txBody>
-      </p:sp>
-      <p:sp>
-        <p:nvSpPr>
-          <p:cNvPr id="95" name="Rectangle 94">
-            <a:extLst>
-              <a:ext uri="{FF2B5EF4-FFF2-40B4-BE49-F238E27FC236}">
-                <a16:creationId xmlns:a16="http://schemas.microsoft.com/office/drawing/2014/main" id="{25543E4E-C2CE-8242-B1F3-04B443340B3B}"/>
-              </a:ext>
-            </a:extLst>
-          </p:cNvPr>
-          <p:cNvSpPr/>
-          <p:nvPr/>
-        </p:nvSpPr>
-        <p:spPr>
-          <a:xfrm>
-            <a:off x="2771214" y="4536027"/>
-            <a:ext cx="1071791" cy="656610"/>
-          </a:xfrm>
-          <a:prstGeom prst="rect">
-            <a:avLst/>
-          </a:prstGeom>
-          <a:solidFill>
-            <a:sysClr val="window" lastClr="FFFFFF">
-              <a:lumMod val="95000"/>
-            </a:sysClr>
-          </a:solidFill>
-          <a:ln w="12700" cap="flat" cmpd="sng" algn="ctr">
-            <a:solidFill>
-              <a:srgbClr val="3494BA">
-                <a:shade val="50000"/>
-              </a:srgbClr>
-            </a:solidFill>
-            <a:prstDash val="solid"/>
-            <a:miter lim="800000"/>
-          </a:ln>
-          <a:effectLst/>
-        </p:spPr>
-        <p:txBody>
-          <a:bodyPr rtlCol="0" anchor="ctr"/>
-          <a:lstStyle/>
-          <a:p>
-            <a:pPr marL="0" marR="0" lvl="0" indent="0" algn="ctr" defTabSz="914400" eaLnBrk="1" fontAlgn="auto" latinLnBrk="0" hangingPunct="1">
-              <a:lnSpc>
-                <a:spcPct val="100000"/>
-              </a:lnSpc>
-              <a:spcBef>
-                <a:spcPts val="0"/>
-              </a:spcBef>
-              <a:spcAft>
-                <a:spcPts val="0"/>
-              </a:spcAft>
-              <a:buClrTx/>
-              <a:buSzTx/>
-              <a:buFontTx/>
-              <a:buNone/>
-              <a:tabLst/>
-              <a:defRPr/>
-            </a:pPr>
-            <a:r>
-              <a:rPr kumimoji="0" lang="en-US" sz="1600" b="0" i="0" u="none" strike="noStrike" kern="0" cap="none" spc="0" normalizeH="0" baseline="0" noProof="0" dirty="0" err="1">
+              </a:endParaRPr>
+            </a:p>
+          </p:txBody>
+        </p:sp>
+        <p:sp>
+          <p:nvSpPr>
+            <p:cNvPr id="187" name="Rounded Rectangle 186">
+              <a:extLst>
+                <a:ext uri="{FF2B5EF4-FFF2-40B4-BE49-F238E27FC236}">
+                  <a16:creationId xmlns:a16="http://schemas.microsoft.com/office/drawing/2014/main" id="{6A53D7CC-7E81-DB4A-B818-8B207B0797AF}"/>
+                </a:ext>
+              </a:extLst>
+            </p:cNvPr>
+            <p:cNvSpPr/>
+            <p:nvPr/>
+          </p:nvSpPr>
+          <p:spPr>
+            <a:xfrm>
+              <a:off x="7978391" y="719317"/>
+              <a:ext cx="1264839" cy="301683"/>
+            </a:xfrm>
+            <a:prstGeom prst="roundRect">
+              <a:avLst>
+                <a:gd name="adj" fmla="val 24248"/>
+              </a:avLst>
+            </a:prstGeom>
+            <a:noFill/>
+            <a:ln w="12700" cap="flat" cmpd="sng" algn="ctr">
+              <a:noFill/>
+              <a:prstDash val="solid"/>
+              <a:miter lim="800000"/>
+            </a:ln>
+            <a:effectLst>
+              <a:outerShdw blurRad="50800" dist="38100" dir="2700000" algn="tl" rotWithShape="0">
+                <a:prstClr val="black">
+                  <a:alpha val="40000"/>
+                </a:prstClr>
+              </a:outerShdw>
+            </a:effectLst>
+          </p:spPr>
+          <p:txBody>
+            <a:bodyPr rtlCol="0" anchor="ctr"/>
+            <a:lstStyle/>
+            <a:p>
+              <a:pPr marL="0" marR="0" lvl="0" indent="0" algn="ctr" defTabSz="914400" eaLnBrk="1" fontAlgn="auto" latinLnBrk="0" hangingPunct="1">
+                <a:lnSpc>
+                  <a:spcPct val="100000"/>
+                </a:lnSpc>
+                <a:spcBef>
+                  <a:spcPts val="0"/>
+                </a:spcBef>
+                <a:spcAft>
+                  <a:spcPts val="0"/>
+                </a:spcAft>
+                <a:buClrTx/>
+                <a:buSzTx/>
+                <a:buFontTx/>
+                <a:buNone/>
+                <a:tabLst/>
+                <a:defRPr/>
+              </a:pPr>
+              <a:r>
+                <a:rPr lang="en-US" altLang="zh-CN" sz="1400" kern="0" dirty="0">
+                  <a:solidFill>
+                    <a:prstClr val="black"/>
+                  </a:solidFill>
+                  <a:latin typeface="KaiTi" panose="02010609060101010101" pitchFamily="49" charset="-122"/>
+                  <a:ea typeface="KaiTi" panose="02010609060101010101" pitchFamily="49" charset="-122"/>
+                </a:rPr>
+                <a:t>···</a:t>
+              </a:r>
+              <a:endParaRPr kumimoji="0" lang="en-CN" sz="1400" b="0" i="0" u="none" strike="noStrike" kern="0" cap="none" spc="0" normalizeH="0" baseline="0" noProof="0" dirty="0">
                 <a:ln>
                   <a:noFill/>
                 </a:ln>
@@ -5663,44 +6999,163 @@
                 <a:latin typeface="KaiTi" panose="02010609060101010101" pitchFamily="49" charset="-122"/>
                 <a:ea typeface="KaiTi" panose="02010609060101010101" pitchFamily="49" charset="-122"/>
                 <a:cs typeface="+mn-cs"/>
-              </a:rPr>
-              <a:t>细粒度</a:t>
-            </a:r>
-            <a:endParaRPr kumimoji="0" lang="en-US" sz="1600" b="0" i="0" u="none" strike="noStrike" kern="0" cap="none" spc="0" normalizeH="0" baseline="0" noProof="0" dirty="0">
-              <a:ln>
-                <a:noFill/>
-              </a:ln>
+              </a:endParaRPr>
+            </a:p>
+          </p:txBody>
+        </p:sp>
+        <p:sp>
+          <p:nvSpPr>
+            <p:cNvPr id="188" name="TextBox 187">
+              <a:extLst>
+                <a:ext uri="{FF2B5EF4-FFF2-40B4-BE49-F238E27FC236}">
+                  <a16:creationId xmlns:a16="http://schemas.microsoft.com/office/drawing/2014/main" id="{543B35A9-5DC6-9E48-BCCE-25E1935555E1}"/>
+                </a:ext>
+              </a:extLst>
+            </p:cNvPr>
+            <p:cNvSpPr txBox="1"/>
+            <p:nvPr/>
+          </p:nvSpPr>
+          <p:spPr>
+            <a:xfrm>
+              <a:off x="9243230" y="709868"/>
+              <a:ext cx="1356995" cy="307777"/>
+            </a:xfrm>
+            <a:prstGeom prst="rect">
+              <a:avLst/>
+            </a:prstGeom>
+            <a:noFill/>
+          </p:spPr>
+          <p:txBody>
+            <a:bodyPr wrap="square" rtlCol="0">
+              <a:spAutoFit/>
+            </a:bodyPr>
+            <a:lstStyle/>
+            <a:p>
+              <a:pPr algn="ctr"/>
+              <a:r>
+                <a:rPr lang="en-US" sz="1400" b="1" dirty="0" err="1">
+                  <a:solidFill>
+                    <a:prstClr val="black"/>
+                  </a:solidFill>
+                  <a:latin typeface="KaiTi" panose="02010609060101010101" pitchFamily="49" charset="-122"/>
+                  <a:ea typeface="KaiTi" panose="02010609060101010101" pitchFamily="49" charset="-122"/>
+                </a:rPr>
+                <a:t>最</a:t>
+              </a:r>
+              <a:r>
+                <a:rPr lang="en-CN" sz="1400" b="1" dirty="0">
+                  <a:solidFill>
+                    <a:prstClr val="black"/>
+                  </a:solidFill>
+                  <a:latin typeface="KaiTi" panose="02010609060101010101" pitchFamily="49" charset="-122"/>
+                  <a:ea typeface="KaiTi" panose="02010609060101010101" pitchFamily="49" charset="-122"/>
+                </a:rPr>
+                <a:t>细粒度数据</a:t>
+              </a:r>
+            </a:p>
+          </p:txBody>
+        </p:sp>
+        <p:sp>
+          <p:nvSpPr>
+            <p:cNvPr id="189" name="Rounded Rectangle 188">
+              <a:extLst>
+                <a:ext uri="{FF2B5EF4-FFF2-40B4-BE49-F238E27FC236}">
+                  <a16:creationId xmlns:a16="http://schemas.microsoft.com/office/drawing/2014/main" id="{E99FC6FE-6AA9-2F4F-95B9-A169C31A780A}"/>
+                </a:ext>
+              </a:extLst>
+            </p:cNvPr>
+            <p:cNvSpPr/>
+            <p:nvPr/>
+          </p:nvSpPr>
+          <p:spPr>
+            <a:xfrm>
+              <a:off x="9249475" y="1506309"/>
+              <a:ext cx="1356995" cy="393026"/>
+            </a:xfrm>
+            <a:prstGeom prst="roundRect">
+              <a:avLst>
+                <a:gd name="adj" fmla="val 21564"/>
+              </a:avLst>
+            </a:prstGeom>
+            <a:solidFill>
+              <a:schemeClr val="accent5">
+                <a:lumMod val="20000"/>
+                <a:lumOff val="80000"/>
+              </a:schemeClr>
+            </a:solidFill>
+            <a:ln w="19050" cap="flat" cmpd="sng" algn="ctr">
               <a:solidFill>
-                <a:prstClr val="black"/>
+                <a:schemeClr val="accent5">
+                  <a:lumMod val="50000"/>
+                </a:schemeClr>
               </a:solidFill>
-              <a:effectLst/>
-              <a:uLnTx/>
-              <a:uFillTx/>
-              <a:latin typeface="KaiTi" panose="02010609060101010101" pitchFamily="49" charset="-122"/>
-              <a:ea typeface="KaiTi" panose="02010609060101010101" pitchFamily="49" charset="-122"/>
-              <a:cs typeface="+mn-cs"/>
-            </a:endParaRPr>
-          </a:p>
-          <a:p>
-            <a:pPr marL="0" marR="0" lvl="0" indent="0" algn="ctr" defTabSz="914400" eaLnBrk="1" fontAlgn="auto" latinLnBrk="0" hangingPunct="1">
-              <a:lnSpc>
-                <a:spcPct val="100000"/>
-              </a:lnSpc>
-              <a:spcBef>
-                <a:spcPts val="0"/>
-              </a:spcBef>
-              <a:spcAft>
-                <a:spcPts val="0"/>
-              </a:spcAft>
-              <a:buClrTx/>
-              <a:buSzTx/>
-              <a:buFontTx/>
-              <a:buNone/>
-              <a:tabLst/>
-              <a:defRPr/>
-            </a:pPr>
-            <a:r>
-              <a:rPr kumimoji="0" lang="en-US" sz="1600" b="0" i="0" u="none" strike="noStrike" kern="0" cap="none" spc="0" normalizeH="0" baseline="0" noProof="0" dirty="0" err="1">
+              <a:prstDash val="solid"/>
+              <a:miter lim="800000"/>
+            </a:ln>
+            <a:effectLst>
+              <a:outerShdw blurRad="50800" dist="38100" dir="2700000" algn="tl" rotWithShape="0">
+                <a:prstClr val="black">
+                  <a:alpha val="40000"/>
+                </a:prstClr>
+              </a:outerShdw>
+            </a:effectLst>
+          </p:spPr>
+          <p:txBody>
+            <a:bodyPr rtlCol="0" anchor="ctr"/>
+            <a:lstStyle/>
+            <a:p>
+              <a:pPr marL="0" marR="0" lvl="0" indent="0" algn="ctr" defTabSz="914400" eaLnBrk="1" fontAlgn="auto" latinLnBrk="0" hangingPunct="1">
+                <a:lnSpc>
+                  <a:spcPct val="100000"/>
+                </a:lnSpc>
+                <a:spcBef>
+                  <a:spcPts val="0"/>
+                </a:spcBef>
+                <a:spcAft>
+                  <a:spcPts val="0"/>
+                </a:spcAft>
+                <a:buClrTx/>
+                <a:buSzTx/>
+                <a:buFontTx/>
+                <a:buNone/>
+                <a:tabLst/>
+                <a:defRPr/>
+              </a:pPr>
+              <a:r>
+                <a:rPr kumimoji="0" lang="en-CN" sz="1400" b="1" i="0" u="none" strike="noStrike" kern="0" cap="none" spc="0" normalizeH="0" baseline="0" noProof="0" dirty="0">
+                  <a:ln>
+                    <a:noFill/>
+                  </a:ln>
+                  <a:solidFill>
+                    <a:prstClr val="black"/>
+                  </a:solidFill>
+                  <a:effectLst/>
+                  <a:uLnTx/>
+                  <a:uFillTx/>
+                  <a:latin typeface="KaiTi" panose="02010609060101010101" pitchFamily="49" charset="-122"/>
+                  <a:ea typeface="KaiTi" panose="02010609060101010101" pitchFamily="49" charset="-122"/>
+                  <a:cs typeface="+mn-cs"/>
+                </a:rPr>
+                <a:t>粒度对齐</a:t>
+              </a:r>
+              <a:r>
+                <a:rPr kumimoji="0" lang="en-US" sz="1400" b="1" i="0" u="none" strike="noStrike" kern="0" cap="none" spc="0" normalizeH="0" baseline="0" noProof="0" dirty="0" err="1">
+                  <a:ln>
+                    <a:noFill/>
+                  </a:ln>
+                  <a:solidFill>
+                    <a:prstClr val="black"/>
+                  </a:solidFill>
+                  <a:effectLst/>
+                  <a:uLnTx/>
+                  <a:uFillTx/>
+                  <a:latin typeface="KaiTi" panose="02010609060101010101" pitchFamily="49" charset="-122"/>
+                  <a:ea typeface="KaiTi" panose="02010609060101010101" pitchFamily="49" charset="-122"/>
+                  <a:cs typeface="+mn-cs"/>
+                </a:rPr>
+                <a:t>模块</a:t>
+              </a:r>
+              <a:endParaRPr kumimoji="0" lang="en-CN" sz="1400" b="1" i="0" u="none" strike="noStrike" kern="0" cap="none" spc="0" normalizeH="0" baseline="0" noProof="0" dirty="0">
                 <a:ln>
                   <a:noFill/>
                 </a:ln>
@@ -5713,286 +7168,3882 @@
                 <a:latin typeface="KaiTi" panose="02010609060101010101" pitchFamily="49" charset="-122"/>
                 <a:ea typeface="KaiTi" panose="02010609060101010101" pitchFamily="49" charset="-122"/>
                 <a:cs typeface="+mn-cs"/>
-              </a:rPr>
-              <a:t>重建模块</a:t>
-            </a:r>
-            <a:endParaRPr kumimoji="0" lang="en-CN" sz="1600" b="0" i="0" u="none" strike="noStrike" kern="0" cap="none" spc="0" normalizeH="0" baseline="0" noProof="0" dirty="0">
-              <a:ln>
+              </a:endParaRPr>
+            </a:p>
+          </p:txBody>
+        </p:sp>
+        <mc:AlternateContent xmlns:mc="http://schemas.openxmlformats.org/markup-compatibility/2006">
+          <mc:Choice xmlns:a14="http://schemas.microsoft.com/office/drawing/2010/main" Requires="a14">
+            <p:sp>
+              <p:nvSpPr>
+                <p:cNvPr id="193" name="TextBox 192">
+                  <a:extLst>
+                    <a:ext uri="{FF2B5EF4-FFF2-40B4-BE49-F238E27FC236}">
+                      <a16:creationId xmlns:a16="http://schemas.microsoft.com/office/drawing/2014/main" id="{5524635F-FD87-3344-9E72-A087A3F96ACB}"/>
+                    </a:ext>
+                  </a:extLst>
+                </p:cNvPr>
+                <p:cNvSpPr txBox="1"/>
+                <p:nvPr/>
+              </p:nvSpPr>
+              <p:spPr>
+                <a:xfrm>
+                  <a:off x="9970923" y="1177926"/>
+                  <a:ext cx="1157753" cy="252954"/>
+                </a:xfrm>
+                <a:prstGeom prst="rect">
+                  <a:avLst/>
+                </a:prstGeom>
                 <a:noFill/>
-              </a:ln>
+              </p:spPr>
+              <p:txBody>
+                <a:bodyPr wrap="none" lIns="0" tIns="0" rIns="0" bIns="0" rtlCol="0">
+                  <a:spAutoFit/>
+                </a:bodyPr>
+                <a:lstStyle/>
+                <a:p>
+                  <a14:m>
+                    <m:oMathPara xmlns:m="http://schemas.openxmlformats.org/officeDocument/2006/math">
+                      <m:oMathParaPr>
+                        <m:jc m:val="centerGroup"/>
+                      </m:oMathParaPr>
+                      <m:oMath xmlns:m="http://schemas.openxmlformats.org/officeDocument/2006/math">
+                        <m:sSup>
+                          <m:sSupPr>
+                            <m:ctrlPr>
+                              <a:rPr lang="en-US" sz="1400" b="0" i="1" smtClean="0">
+                                <a:latin typeface="Cambria Math" panose="02040503050406030204" pitchFamily="18" charset="0"/>
+                              </a:rPr>
+                            </m:ctrlPr>
+                          </m:sSupPr>
+                          <m:e>
+                            <m:r>
+                              <a:rPr lang="en-CN" sz="1400" b="1" i="0" smtClean="0">
+                                <a:latin typeface="Cambria Math" panose="02040503050406030204" pitchFamily="18" charset="0"/>
+                              </a:rPr>
+                              <m:t>𝐗</m:t>
+                            </m:r>
+                          </m:e>
+                          <m:sup>
+                            <m:r>
+                              <m:rPr>
+                                <m:sty m:val="p"/>
+                              </m:rPr>
+                              <a:rPr lang="en-US" sz="1400" b="0" i="0">
+                                <a:latin typeface="Cambria Math" panose="02040503050406030204" pitchFamily="18" charset="0"/>
+                              </a:rPr>
+                              <m:t>G</m:t>
+                            </m:r>
+                          </m:sup>
+                        </m:sSup>
+                        <m:r>
+                          <a:rPr lang="en-US" sz="1400" b="0" i="1" smtClean="0">
+                            <a:latin typeface="Cambria Math" panose="02040503050406030204" pitchFamily="18" charset="0"/>
+                          </a:rPr>
+                          <m:t>∈</m:t>
+                        </m:r>
+                        <m:sSup>
+                          <m:sSupPr>
+                            <m:ctrlPr>
+                              <a:rPr lang="en-US" sz="1400" b="0" i="1" smtClean="0">
+                                <a:latin typeface="Cambria Math" panose="02040503050406030204" pitchFamily="18" charset="0"/>
+                                <a:ea typeface="Cambria Math" panose="02040503050406030204" pitchFamily="18" charset="0"/>
+                              </a:rPr>
+                            </m:ctrlPr>
+                          </m:sSupPr>
+                          <m:e>
+                            <m:r>
+                              <a:rPr lang="en-US" sz="1400" i="1">
+                                <a:latin typeface="Cambria Math" panose="02040503050406030204" pitchFamily="18" charset="0"/>
+                                <a:ea typeface="Cambria Math" panose="02040503050406030204" pitchFamily="18" charset="0"/>
+                              </a:rPr>
+                              <m:t>ℝ</m:t>
+                            </m:r>
+                          </m:e>
+                          <m:sup>
+                            <m:r>
+                              <a:rPr lang="en-US" sz="1400" i="1">
+                                <a:latin typeface="Cambria Math" panose="02040503050406030204" pitchFamily="18" charset="0"/>
+                                <a:ea typeface="Cambria Math" panose="02040503050406030204" pitchFamily="18" charset="0"/>
+                              </a:rPr>
+                              <m:t>𝑇</m:t>
+                            </m:r>
+                            <m:r>
+                              <a:rPr lang="en-US" sz="1400" i="1">
+                                <a:latin typeface="Cambria Math" panose="02040503050406030204" pitchFamily="18" charset="0"/>
+                                <a:ea typeface="Cambria Math" panose="02040503050406030204" pitchFamily="18" charset="0"/>
+                              </a:rPr>
+                              <m:t>×</m:t>
+                            </m:r>
+                            <m:sSup>
+                              <m:sSupPr>
+                                <m:ctrlPr>
+                                  <a:rPr lang="en-US" sz="1400" i="1">
+                                    <a:latin typeface="Cambria Math" panose="02040503050406030204" pitchFamily="18" charset="0"/>
+                                    <a:ea typeface="Cambria Math" panose="02040503050406030204" pitchFamily="18" charset="0"/>
+                                  </a:rPr>
+                                </m:ctrlPr>
+                              </m:sSupPr>
+                              <m:e>
+                                <m:r>
+                                  <a:rPr lang="en-US" sz="1400" i="1">
+                                    <a:latin typeface="Cambria Math" panose="02040503050406030204" pitchFamily="18" charset="0"/>
+                                    <a:ea typeface="Cambria Math" panose="02040503050406030204" pitchFamily="18" charset="0"/>
+                                  </a:rPr>
+                                  <m:t>𝐾</m:t>
+                                </m:r>
+                              </m:e>
+                              <m:sup>
+                                <m:r>
+                                  <m:rPr>
+                                    <m:sty m:val="p"/>
+                                  </m:rPr>
+                                  <a:rPr lang="en-US" sz="1400" b="0" i="0" smtClean="0">
+                                    <a:latin typeface="Cambria Math" panose="02040503050406030204" pitchFamily="18" charset="0"/>
+                                    <a:ea typeface="Cambria Math" panose="02040503050406030204" pitchFamily="18" charset="0"/>
+                                  </a:rPr>
+                                  <m:t>G</m:t>
+                                </m:r>
+                              </m:sup>
+                            </m:sSup>
+                            <m:r>
+                              <a:rPr lang="en-US" sz="1400" i="1">
+                                <a:latin typeface="Cambria Math" panose="02040503050406030204" pitchFamily="18" charset="0"/>
+                                <a:ea typeface="Cambria Math" panose="02040503050406030204" pitchFamily="18" charset="0"/>
+                              </a:rPr>
+                              <m:t>×</m:t>
+                            </m:r>
+                            <m:r>
+                              <a:rPr lang="en-US" sz="1400" i="1">
+                                <a:latin typeface="Cambria Math" panose="02040503050406030204" pitchFamily="18" charset="0"/>
+                                <a:ea typeface="Cambria Math" panose="02040503050406030204" pitchFamily="18" charset="0"/>
+                              </a:rPr>
+                              <m:t>𝐷</m:t>
+                            </m:r>
+                          </m:sup>
+                        </m:sSup>
+                      </m:oMath>
+                    </m:oMathPara>
+                  </a14:m>
+                  <a:endParaRPr lang="en-CN" sz="1400" dirty="0"/>
+                </a:p>
+              </p:txBody>
+            </p:sp>
+          </mc:Choice>
+          <mc:Fallback>
+            <p:sp>
+              <p:nvSpPr>
+                <p:cNvPr id="193" name="TextBox 192">
+                  <a:extLst>
+                    <a:ext uri="{FF2B5EF4-FFF2-40B4-BE49-F238E27FC236}">
+                      <a16:creationId xmlns:a16="http://schemas.microsoft.com/office/drawing/2014/main" id="{5524635F-FD87-3344-9E72-A087A3F96ACB}"/>
+                    </a:ext>
+                  </a:extLst>
+                </p:cNvPr>
+                <p:cNvSpPr txBox="1">
+                  <a:spLocks noRot="1" noChangeAspect="1" noMove="1" noResize="1" noEditPoints="1" noAdjustHandles="1" noChangeArrowheads="1" noChangeShapeType="1" noTextEdit="1"/>
+                </p:cNvSpPr>
+                <p:nvPr/>
+              </p:nvSpPr>
+              <p:spPr>
+                <a:xfrm>
+                  <a:off x="9970923" y="1177926"/>
+                  <a:ext cx="1157753" cy="252954"/>
+                </a:xfrm>
+                <a:prstGeom prst="rect">
+                  <a:avLst/>
+                </a:prstGeom>
+                <a:blipFill>
+                  <a:blip r:embed="rId13"/>
+                  <a:stretch>
+                    <a:fillRect l="-3261" b="-4762"/>
+                  </a:stretch>
+                </a:blipFill>
+              </p:spPr>
+              <p:txBody>
+                <a:bodyPr/>
+                <a:lstStyle/>
+                <a:p>
+                  <a:r>
+                    <a:rPr lang="en-CN">
+                      <a:noFill/>
+                    </a:rPr>
+                    <a:t> </a:t>
+                  </a:r>
+                </a:p>
+              </p:txBody>
+            </p:sp>
+          </mc:Fallback>
+        </mc:AlternateContent>
+        <p:sp>
+          <p:nvSpPr>
+            <p:cNvPr id="194" name="Oval 193">
+              <a:extLst>
+                <a:ext uri="{FF2B5EF4-FFF2-40B4-BE49-F238E27FC236}">
+                  <a16:creationId xmlns:a16="http://schemas.microsoft.com/office/drawing/2014/main" id="{AC83E0BA-35DA-7640-991F-617578F3042B}"/>
+                </a:ext>
+              </a:extLst>
+            </p:cNvPr>
+            <p:cNvSpPr/>
+            <p:nvPr/>
+          </p:nvSpPr>
+          <p:spPr>
+            <a:xfrm>
+              <a:off x="9764232" y="3087511"/>
+              <a:ext cx="320839" cy="320839"/>
+            </a:xfrm>
+            <a:prstGeom prst="ellipse">
+              <a:avLst/>
+            </a:prstGeom>
+            <a:solidFill>
+              <a:schemeClr val="accent4">
+                <a:lumMod val="60000"/>
+                <a:lumOff val="40000"/>
+              </a:schemeClr>
+            </a:solidFill>
+            <a:ln w="19050" cap="flat" cmpd="sng" algn="ctr">
               <a:solidFill>
-                <a:prstClr val="black"/>
+                <a:schemeClr val="accent4">
+                  <a:lumMod val="50000"/>
+                </a:schemeClr>
               </a:solidFill>
-              <a:effectLst/>
-              <a:uLnTx/>
-              <a:uFillTx/>
-              <a:latin typeface="KaiTi" panose="02010609060101010101" pitchFamily="49" charset="-122"/>
-              <a:ea typeface="KaiTi" panose="02010609060101010101" pitchFamily="49" charset="-122"/>
-              <a:cs typeface="+mn-cs"/>
-            </a:endParaRPr>
-          </a:p>
-        </p:txBody>
-      </p:sp>
-      <p:cxnSp>
-        <p:nvCxnSpPr>
-          <p:cNvPr id="96" name="Elbow Connector 95">
-            <a:extLst>
-              <a:ext uri="{FF2B5EF4-FFF2-40B4-BE49-F238E27FC236}">
-                <a16:creationId xmlns:a16="http://schemas.microsoft.com/office/drawing/2014/main" id="{A7906EDA-827C-B44B-AEEA-BA091CCA8138}"/>
-              </a:ext>
-            </a:extLst>
-          </p:cNvPr>
-          <p:cNvCxnSpPr>
-            <a:cxnSpLocks/>
-            <a:stCxn id="92" idx="2"/>
-            <a:endCxn id="93" idx="0"/>
-          </p:cNvCxnSpPr>
-          <p:nvPr/>
-        </p:nvCxnSpPr>
-        <p:spPr>
-          <a:xfrm rot="5400000">
-            <a:off x="1135289" y="3645258"/>
-            <a:ext cx="499098" cy="1282441"/>
-          </a:xfrm>
-          <a:prstGeom prst="bentConnector3">
-            <a:avLst>
-              <a:gd name="adj1" fmla="val 50000"/>
-            </a:avLst>
-          </a:prstGeom>
-          <a:noFill/>
-          <a:ln w="12700" cap="flat" cmpd="sng" algn="ctr">
+              <a:prstDash val="solid"/>
+              <a:miter lim="800000"/>
+            </a:ln>
+            <a:effectLst/>
+          </p:spPr>
+          <p:txBody>
+            <a:bodyPr rtlCol="0" anchor="ctr"/>
+            <a:lstStyle/>
+            <a:p>
+              <a:pPr marL="0" marR="0" lvl="0" indent="0" algn="ctr" defTabSz="914400" eaLnBrk="1" fontAlgn="auto" latinLnBrk="0" hangingPunct="1">
+                <a:lnSpc>
+                  <a:spcPct val="100000"/>
+                </a:lnSpc>
+                <a:spcBef>
+                  <a:spcPts val="0"/>
+                </a:spcBef>
+                <a:spcAft>
+                  <a:spcPts val="0"/>
+                </a:spcAft>
+                <a:buClrTx/>
+                <a:buSzTx/>
+                <a:buFontTx/>
+                <a:buNone/>
+                <a:tabLst/>
+                <a:defRPr/>
+              </a:pPr>
+              <a:endParaRPr kumimoji="0" lang="en-CN" sz="1400" b="0" i="0" u="none" strike="noStrike" kern="0" cap="none" spc="0" normalizeH="0" baseline="0" noProof="0" dirty="0">
+                <a:ln>
+                  <a:noFill/>
+                </a:ln>
+                <a:solidFill>
+                  <a:prstClr val="black"/>
+                </a:solidFill>
+                <a:effectLst/>
+                <a:uLnTx/>
+                <a:uFillTx/>
+                <a:latin typeface="KaiTi" panose="02010609060101010101" pitchFamily="49" charset="-122"/>
+                <a:ea typeface="KaiTi" panose="02010609060101010101" pitchFamily="49" charset="-122"/>
+                <a:cs typeface="Times New Roman" panose="02020603050405020304" pitchFamily="18" charset="0"/>
+              </a:endParaRPr>
+            </a:p>
+          </p:txBody>
+        </p:sp>
+        <p:cxnSp>
+          <p:nvCxnSpPr>
+            <p:cNvPr id="195" name="Straight Arrow Connector 194">
+              <a:extLst>
+                <a:ext uri="{FF2B5EF4-FFF2-40B4-BE49-F238E27FC236}">
+                  <a16:creationId xmlns:a16="http://schemas.microsoft.com/office/drawing/2014/main" id="{0B75BD47-D440-AA46-BA7B-AF53F7CDE768}"/>
+                </a:ext>
+              </a:extLst>
+            </p:cNvPr>
+            <p:cNvCxnSpPr>
+              <a:cxnSpLocks/>
+              <a:stCxn id="194" idx="2"/>
+              <a:endCxn id="194" idx="6"/>
+            </p:cNvCxnSpPr>
+            <p:nvPr/>
+          </p:nvCxnSpPr>
+          <p:spPr>
+            <a:xfrm>
+              <a:off x="9764232" y="3247931"/>
+              <a:ext cx="320839" cy="0"/>
+            </a:xfrm>
+            <a:prstGeom prst="straightConnector1">
+              <a:avLst/>
+            </a:prstGeom>
+            <a:noFill/>
+            <a:ln w="19050" cap="flat" cmpd="sng" algn="ctr">
+              <a:solidFill>
+                <a:schemeClr val="accent4">
+                  <a:lumMod val="50000"/>
+                </a:schemeClr>
+              </a:solidFill>
+              <a:prstDash val="solid"/>
+              <a:miter lim="800000"/>
+              <a:tailEnd type="none"/>
+            </a:ln>
+            <a:effectLst/>
+          </p:spPr>
+        </p:cxnSp>
+        <p:cxnSp>
+          <p:nvCxnSpPr>
+            <p:cNvPr id="198" name="Straight Arrow Connector 197">
+              <a:extLst>
+                <a:ext uri="{FF2B5EF4-FFF2-40B4-BE49-F238E27FC236}">
+                  <a16:creationId xmlns:a16="http://schemas.microsoft.com/office/drawing/2014/main" id="{5CE14A71-A2ED-0C44-88EA-2C2A13CCAC6D}"/>
+                </a:ext>
+              </a:extLst>
+            </p:cNvPr>
+            <p:cNvCxnSpPr>
+              <a:cxnSpLocks/>
+              <a:stCxn id="189" idx="2"/>
+              <a:endCxn id="194" idx="0"/>
+            </p:cNvCxnSpPr>
+            <p:nvPr/>
+          </p:nvCxnSpPr>
+          <p:spPr>
+            <a:xfrm flipH="1">
+              <a:off x="9924652" y="1899335"/>
+              <a:ext cx="3321" cy="1188176"/>
+            </a:xfrm>
+            <a:prstGeom prst="straightConnector1">
+              <a:avLst/>
+            </a:prstGeom>
+            <a:noFill/>
+            <a:ln w="19050" cap="flat" cmpd="sng" algn="ctr">
+              <a:solidFill>
+                <a:schemeClr val="tx1"/>
+              </a:solidFill>
+              <a:prstDash val="solid"/>
+              <a:miter lim="800000"/>
+              <a:tailEnd type="stealth" w="lg" len="med"/>
+            </a:ln>
+            <a:effectLst/>
+          </p:spPr>
+        </p:cxnSp>
+        <p:cxnSp>
+          <p:nvCxnSpPr>
+            <p:cNvPr id="214" name="Straight Arrow Connector 213">
+              <a:extLst>
+                <a:ext uri="{FF2B5EF4-FFF2-40B4-BE49-F238E27FC236}">
+                  <a16:creationId xmlns:a16="http://schemas.microsoft.com/office/drawing/2014/main" id="{2251DCB6-C8BF-B747-AD27-0D53D6EFCB39}"/>
+                </a:ext>
+              </a:extLst>
+            </p:cNvPr>
+            <p:cNvCxnSpPr>
+              <a:cxnSpLocks/>
+              <a:stCxn id="165" idx="3"/>
+              <a:endCxn id="194" idx="2"/>
+            </p:cNvCxnSpPr>
+            <p:nvPr/>
+          </p:nvCxnSpPr>
+          <p:spPr>
+            <a:xfrm flipV="1">
+              <a:off x="9243230" y="3247931"/>
+              <a:ext cx="521002" cy="647"/>
+            </a:xfrm>
+            <a:prstGeom prst="straightConnector1">
+              <a:avLst/>
+            </a:prstGeom>
+            <a:noFill/>
+            <a:ln w="19050" cap="flat" cmpd="sng" algn="ctr">
+              <a:solidFill>
+                <a:schemeClr val="tx1"/>
+              </a:solidFill>
+              <a:prstDash val="solid"/>
+              <a:miter lim="800000"/>
+              <a:tailEnd type="stealth" w="lg" len="med"/>
+            </a:ln>
+            <a:effectLst/>
+          </p:spPr>
+        </p:cxnSp>
+        <mc:AlternateContent xmlns:mc="http://schemas.openxmlformats.org/markup-compatibility/2006">
+          <mc:Choice xmlns:a14="http://schemas.microsoft.com/office/drawing/2010/main" Requires="a14">
+            <p:sp>
+              <p:nvSpPr>
+                <p:cNvPr id="240" name="TextBox 239">
+                  <a:extLst>
+                    <a:ext uri="{FF2B5EF4-FFF2-40B4-BE49-F238E27FC236}">
+                      <a16:creationId xmlns:a16="http://schemas.microsoft.com/office/drawing/2014/main" id="{AA09FA35-0711-6F46-B26F-410B063C4B9A}"/>
+                    </a:ext>
+                  </a:extLst>
+                </p:cNvPr>
+                <p:cNvSpPr txBox="1"/>
+                <p:nvPr/>
+              </p:nvSpPr>
+              <p:spPr>
+                <a:xfrm>
+                  <a:off x="9327384" y="3024153"/>
+                  <a:ext cx="429028" cy="220510"/>
+                </a:xfrm>
+                <a:prstGeom prst="rect">
+                  <a:avLst/>
+                </a:prstGeom>
+                <a:noFill/>
+              </p:spPr>
+              <p:txBody>
+                <a:bodyPr wrap="none" lIns="0" tIns="0" rIns="0" bIns="0" rtlCol="0">
+                  <a:spAutoFit/>
+                </a:bodyPr>
+                <a:lstStyle/>
+                <a:p>
+                  <a14:m>
+                    <m:oMathPara xmlns:m="http://schemas.openxmlformats.org/officeDocument/2006/math">
+                      <m:oMathParaPr>
+                        <m:jc m:val="centerGroup"/>
+                      </m:oMathParaPr>
+                      <m:oMath xmlns:m="http://schemas.openxmlformats.org/officeDocument/2006/math">
+                        <m:sSup>
+                          <m:sSupPr>
+                            <m:ctrlPr>
+                              <a:rPr lang="en-US" sz="1400" b="0" i="1" smtClean="0">
+                                <a:latin typeface="Cambria Math" panose="02040503050406030204" pitchFamily="18" charset="0"/>
+                              </a:rPr>
+                            </m:ctrlPr>
+                          </m:sSupPr>
+                          <m:e>
+                            <m:r>
+                              <a:rPr lang="en-US" sz="1400" b="1" i="0" smtClean="0">
+                                <a:latin typeface="Cambria Math" panose="02040503050406030204" pitchFamily="18" charset="0"/>
+                              </a:rPr>
+                              <m:t>𝐑</m:t>
+                            </m:r>
+                          </m:e>
+                          <m:sup>
+                            <m:r>
+                              <m:rPr>
+                                <m:sty m:val="p"/>
+                              </m:rPr>
+                              <a:rPr lang="en-US" altLang="zh-CN" sz="1400" b="0" i="0" smtClean="0">
+                                <a:latin typeface="Cambria Math" panose="02040503050406030204" pitchFamily="18" charset="0"/>
+                              </a:rPr>
+                              <m:t>G</m:t>
+                            </m:r>
+                            <m:r>
+                              <a:rPr lang="en-US" altLang="zh-CN" sz="1400" b="0" i="0" smtClean="0">
+                                <a:latin typeface="Cambria Math" panose="02040503050406030204" pitchFamily="18" charset="0"/>
+                              </a:rPr>
+                              <m:t>−1</m:t>
+                            </m:r>
+                          </m:sup>
+                        </m:sSup>
+                      </m:oMath>
+                    </m:oMathPara>
+                  </a14:m>
+                  <a:endParaRPr lang="en-CN" sz="1400" dirty="0"/>
+                </a:p>
+              </p:txBody>
+            </p:sp>
+          </mc:Choice>
+          <mc:Fallback>
+            <p:sp>
+              <p:nvSpPr>
+                <p:cNvPr id="240" name="TextBox 239">
+                  <a:extLst>
+                    <a:ext uri="{FF2B5EF4-FFF2-40B4-BE49-F238E27FC236}">
+                      <a16:creationId xmlns:a16="http://schemas.microsoft.com/office/drawing/2014/main" id="{AA09FA35-0711-6F46-B26F-410B063C4B9A}"/>
+                    </a:ext>
+                  </a:extLst>
+                </p:cNvPr>
+                <p:cNvSpPr txBox="1">
+                  <a:spLocks noRot="1" noChangeAspect="1" noMove="1" noResize="1" noEditPoints="1" noAdjustHandles="1" noChangeArrowheads="1" noChangeShapeType="1" noTextEdit="1"/>
+                </p:cNvSpPr>
+                <p:nvPr/>
+              </p:nvSpPr>
+              <p:spPr>
+                <a:xfrm>
+                  <a:off x="9327384" y="3024153"/>
+                  <a:ext cx="429028" cy="220510"/>
+                </a:xfrm>
+                <a:prstGeom prst="rect">
+                  <a:avLst/>
+                </a:prstGeom>
+                <a:blipFill>
+                  <a:blip r:embed="rId14"/>
+                  <a:stretch>
+                    <a:fillRect l="-8824" r="-2941" b="-5556"/>
+                  </a:stretch>
+                </a:blipFill>
+              </p:spPr>
+              <p:txBody>
+                <a:bodyPr/>
+                <a:lstStyle/>
+                <a:p>
+                  <a:r>
+                    <a:rPr lang="en-CN">
+                      <a:noFill/>
+                    </a:rPr>
+                    <a:t> </a:t>
+                  </a:r>
+                </a:p>
+              </p:txBody>
+            </p:sp>
+          </mc:Fallback>
+        </mc:AlternateContent>
+        <p:cxnSp>
+          <p:nvCxnSpPr>
+            <p:cNvPr id="241" name="Elbow Connector 240">
+              <a:extLst>
+                <a:ext uri="{FF2B5EF4-FFF2-40B4-BE49-F238E27FC236}">
+                  <a16:creationId xmlns:a16="http://schemas.microsoft.com/office/drawing/2014/main" id="{C779F00C-3A47-2A4D-A589-3B37F117C7AA}"/>
+                </a:ext>
+              </a:extLst>
+            </p:cNvPr>
+            <p:cNvCxnSpPr>
+              <a:cxnSpLocks/>
+              <a:stCxn id="194" idx="4"/>
+              <a:endCxn id="243" idx="1"/>
+            </p:cNvCxnSpPr>
+            <p:nvPr/>
+          </p:nvCxnSpPr>
+          <p:spPr>
+            <a:xfrm rot="16200000" flipH="1">
+              <a:off x="9989915" y="3343086"/>
+              <a:ext cx="147771" cy="278297"/>
+            </a:xfrm>
+            <a:prstGeom prst="bentConnector2">
+              <a:avLst/>
+            </a:prstGeom>
+            <a:noFill/>
+            <a:ln w="19050" cap="flat" cmpd="sng" algn="ctr">
+              <a:solidFill>
+                <a:sysClr val="windowText" lastClr="000000"/>
+              </a:solidFill>
+              <a:prstDash val="solid"/>
+              <a:miter lim="800000"/>
+              <a:tailEnd type="stealth" w="lg" len="med"/>
+            </a:ln>
+            <a:effectLst/>
+          </p:spPr>
+        </p:cxnSp>
+        <p:sp>
+          <p:nvSpPr>
+            <p:cNvPr id="243" name="Rounded Rectangle 242">
+              <a:extLst>
+                <a:ext uri="{FF2B5EF4-FFF2-40B4-BE49-F238E27FC236}">
+                  <a16:creationId xmlns:a16="http://schemas.microsoft.com/office/drawing/2014/main" id="{A0ACD01E-00AE-704B-810C-063E590E5505}"/>
+                </a:ext>
+              </a:extLst>
+            </p:cNvPr>
+            <p:cNvSpPr/>
+            <p:nvPr/>
+          </p:nvSpPr>
+          <p:spPr>
+            <a:xfrm>
+              <a:off x="10202949" y="3244663"/>
+              <a:ext cx="1356995" cy="622915"/>
+            </a:xfrm>
+            <a:prstGeom prst="roundRect">
+              <a:avLst>
+                <a:gd name="adj" fmla="val 24248"/>
+              </a:avLst>
+            </a:prstGeom>
             <a:solidFill>
-              <a:sysClr val="windowText" lastClr="000000"/>
+              <a:schemeClr val="accent2">
+                <a:lumMod val="20000"/>
+                <a:lumOff val="80000"/>
+              </a:schemeClr>
             </a:solidFill>
-            <a:prstDash val="sysDash"/>
-            <a:miter lim="800000"/>
-            <a:tailEnd type="triangle"/>
-          </a:ln>
-          <a:effectLst/>
-        </p:spPr>
-      </p:cxnSp>
-      <p:cxnSp>
-        <p:nvCxnSpPr>
-          <p:cNvPr id="97" name="Elbow Connector 96">
-            <a:extLst>
-              <a:ext uri="{FF2B5EF4-FFF2-40B4-BE49-F238E27FC236}">
-                <a16:creationId xmlns:a16="http://schemas.microsoft.com/office/drawing/2014/main" id="{5F762169-2592-7D48-9309-E75DBED41889}"/>
-              </a:ext>
-            </a:extLst>
-          </p:cNvPr>
-          <p:cNvCxnSpPr>
-            <a:cxnSpLocks/>
-            <a:stCxn id="92" idx="2"/>
-            <a:endCxn id="94" idx="0"/>
-          </p:cNvCxnSpPr>
-          <p:nvPr/>
-        </p:nvCxnSpPr>
-        <p:spPr>
-          <a:xfrm rot="5400000">
-            <a:off x="1767913" y="4294380"/>
-            <a:ext cx="515597" cy="694"/>
-          </a:xfrm>
-          <a:prstGeom prst="bentConnector3">
-            <a:avLst>
-              <a:gd name="adj1" fmla="val 50000"/>
-            </a:avLst>
-          </a:prstGeom>
-          <a:noFill/>
-          <a:ln w="12700" cap="flat" cmpd="sng" algn="ctr">
+            <a:ln w="19050" cap="flat" cmpd="sng" algn="ctr">
+              <a:solidFill>
+                <a:schemeClr val="accent2">
+                  <a:lumMod val="50000"/>
+                </a:schemeClr>
+              </a:solidFill>
+              <a:prstDash val="solid"/>
+              <a:miter lim="800000"/>
+            </a:ln>
+            <a:effectLst>
+              <a:outerShdw blurRad="50800" dist="38100" dir="2700000" algn="tl" rotWithShape="0">
+                <a:prstClr val="black">
+                  <a:alpha val="40000"/>
+                </a:prstClr>
+              </a:outerShdw>
+            </a:effectLst>
+          </p:spPr>
+          <p:txBody>
+            <a:bodyPr rtlCol="0" anchor="ctr"/>
+            <a:lstStyle/>
+            <a:p>
+              <a:pPr marL="0" marR="0" lvl="0" indent="0" algn="ctr" defTabSz="914400" eaLnBrk="1" fontAlgn="auto" latinLnBrk="0" hangingPunct="1">
+                <a:lnSpc>
+                  <a:spcPct val="100000"/>
+                </a:lnSpc>
+                <a:spcBef>
+                  <a:spcPts val="0"/>
+                </a:spcBef>
+                <a:spcAft>
+                  <a:spcPts val="0"/>
+                </a:spcAft>
+                <a:buClrTx/>
+                <a:buSzTx/>
+                <a:buFontTx/>
+                <a:buNone/>
+                <a:tabLst/>
+                <a:defRPr/>
+              </a:pPr>
+              <a:r>
+                <a:rPr lang="en-US" sz="1400" b="1" kern="0" dirty="0" err="1">
+                  <a:solidFill>
+                    <a:prstClr val="black"/>
+                  </a:solidFill>
+                  <a:latin typeface="KaiTi" panose="02010609060101010101" pitchFamily="49" charset="-122"/>
+                  <a:ea typeface="KaiTi" panose="02010609060101010101" pitchFamily="49" charset="-122"/>
+                </a:rPr>
+                <a:t>最</a:t>
+              </a:r>
+              <a:r>
+                <a:rPr lang="en-CN" sz="1400" b="1" kern="0" dirty="0">
+                  <a:solidFill>
+                    <a:prstClr val="black"/>
+                  </a:solidFill>
+                  <a:latin typeface="KaiTi" panose="02010609060101010101" pitchFamily="49" charset="-122"/>
+                  <a:ea typeface="KaiTi" panose="02010609060101010101" pitchFamily="49" charset="-122"/>
+                </a:rPr>
+                <a:t>细粒度</a:t>
+              </a:r>
+            </a:p>
+            <a:p>
+              <a:pPr marL="0" marR="0" lvl="0" indent="0" algn="ctr" defTabSz="914400" eaLnBrk="1" fontAlgn="auto" latinLnBrk="0" hangingPunct="1">
+                <a:lnSpc>
+                  <a:spcPct val="100000"/>
+                </a:lnSpc>
+                <a:spcBef>
+                  <a:spcPts val="0"/>
+                </a:spcBef>
+                <a:spcAft>
+                  <a:spcPts val="0"/>
+                </a:spcAft>
+                <a:buClrTx/>
+                <a:buSzTx/>
+                <a:buFontTx/>
+                <a:buNone/>
+                <a:tabLst/>
+                <a:defRPr/>
+              </a:pPr>
+              <a:r>
+                <a:rPr lang="en-CN" sz="1400" b="1" kern="0" dirty="0">
+                  <a:solidFill>
+                    <a:prstClr val="black"/>
+                  </a:solidFill>
+                  <a:latin typeface="KaiTi" panose="02010609060101010101" pitchFamily="49" charset="-122"/>
+                  <a:ea typeface="KaiTi" panose="02010609060101010101" pitchFamily="49" charset="-122"/>
+                </a:rPr>
+                <a:t>特征提取模块</a:t>
+              </a:r>
+              <a:endParaRPr kumimoji="0" lang="en-CN" sz="1400" b="1" i="0" u="none" strike="noStrike" kern="0" cap="none" spc="0" normalizeH="0" baseline="0" noProof="0" dirty="0">
+                <a:ln>
+                  <a:noFill/>
+                </a:ln>
+                <a:solidFill>
+                  <a:prstClr val="black"/>
+                </a:solidFill>
+                <a:effectLst/>
+                <a:uLnTx/>
+                <a:uFillTx/>
+                <a:latin typeface="KaiTi" panose="02010609060101010101" pitchFamily="49" charset="-122"/>
+                <a:ea typeface="KaiTi" panose="02010609060101010101" pitchFamily="49" charset="-122"/>
+                <a:cs typeface="+mn-cs"/>
+              </a:endParaRPr>
+            </a:p>
+          </p:txBody>
+        </p:sp>
+        <p:cxnSp>
+          <p:nvCxnSpPr>
+            <p:cNvPr id="256" name="Straight Arrow Connector 255">
+              <a:extLst>
+                <a:ext uri="{FF2B5EF4-FFF2-40B4-BE49-F238E27FC236}">
+                  <a16:creationId xmlns:a16="http://schemas.microsoft.com/office/drawing/2014/main" id="{44A5E052-C1AF-6B45-9CBB-5BA2962E1749}"/>
+                </a:ext>
+              </a:extLst>
+            </p:cNvPr>
+            <p:cNvCxnSpPr>
+              <a:cxnSpLocks/>
+              <a:stCxn id="188" idx="2"/>
+              <a:endCxn id="189" idx="0"/>
+            </p:cNvCxnSpPr>
+            <p:nvPr/>
+          </p:nvCxnSpPr>
+          <p:spPr>
+            <a:xfrm>
+              <a:off x="9921728" y="1017645"/>
+              <a:ext cx="6245" cy="488664"/>
+            </a:xfrm>
+            <a:prstGeom prst="straightConnector1">
+              <a:avLst/>
+            </a:prstGeom>
+            <a:noFill/>
+            <a:ln w="19050" cap="flat" cmpd="sng" algn="ctr">
+              <a:solidFill>
+                <a:schemeClr val="tx1"/>
+              </a:solidFill>
+              <a:prstDash val="solid"/>
+              <a:miter lim="800000"/>
+              <a:tailEnd type="stealth" w="lg" len="med"/>
+            </a:ln>
+            <a:effectLst/>
+          </p:spPr>
+        </p:cxnSp>
+        <mc:AlternateContent xmlns:mc="http://schemas.openxmlformats.org/markup-compatibility/2006">
+          <mc:Choice xmlns:a14="http://schemas.microsoft.com/office/drawing/2010/main" Requires="a14">
+            <p:sp>
+              <p:nvSpPr>
+                <p:cNvPr id="260" name="TextBox 259">
+                  <a:extLst>
+                    <a:ext uri="{FF2B5EF4-FFF2-40B4-BE49-F238E27FC236}">
+                      <a16:creationId xmlns:a16="http://schemas.microsoft.com/office/drawing/2014/main" id="{1AA2EC5D-F718-3D4A-9DA0-896149FB5F86}"/>
+                    </a:ext>
+                  </a:extLst>
+                </p:cNvPr>
+                <p:cNvSpPr txBox="1"/>
+                <p:nvPr/>
+              </p:nvSpPr>
+              <p:spPr>
+                <a:xfrm>
+                  <a:off x="9971528" y="1980515"/>
+                  <a:ext cx="1064137" cy="220510"/>
+                </a:xfrm>
+                <a:prstGeom prst="rect">
+                  <a:avLst/>
+                </a:prstGeom>
+                <a:noFill/>
+              </p:spPr>
+              <p:txBody>
+                <a:bodyPr wrap="none" lIns="0" tIns="0" rIns="0" bIns="0" rtlCol="0">
+                  <a:spAutoFit/>
+                </a:bodyPr>
+                <a:lstStyle/>
+                <a:p>
+                  <a14:m>
+                    <m:oMathPara xmlns:m="http://schemas.openxmlformats.org/officeDocument/2006/math">
+                      <m:oMathParaPr>
+                        <m:jc m:val="centerGroup"/>
+                      </m:oMathParaPr>
+                      <m:oMath xmlns:m="http://schemas.openxmlformats.org/officeDocument/2006/math">
+                        <m:sSup>
+                          <m:sSupPr>
+                            <m:ctrlPr>
+                              <a:rPr lang="en-US" sz="1400" b="0" i="1" smtClean="0">
+                                <a:latin typeface="Cambria Math" panose="02040503050406030204" pitchFamily="18" charset="0"/>
+                              </a:rPr>
+                            </m:ctrlPr>
+                          </m:sSupPr>
+                          <m:e>
+                            <m:r>
+                              <a:rPr lang="en-CN" sz="1400" b="1" i="0">
+                                <a:latin typeface="Cambria Math" panose="02040503050406030204" pitchFamily="18" charset="0"/>
+                              </a:rPr>
+                              <m:t>𝐅</m:t>
+                            </m:r>
+                          </m:e>
+                          <m:sup>
+                            <m:r>
+                              <m:rPr>
+                                <m:sty m:val="p"/>
+                              </m:rPr>
+                              <a:rPr lang="en-US" sz="1400" i="1">
+                                <a:latin typeface="Cambria Math" panose="02040503050406030204" pitchFamily="18" charset="0"/>
+                              </a:rPr>
+                              <m:t>G</m:t>
+                            </m:r>
+                          </m:sup>
+                        </m:sSup>
+                        <m:r>
+                          <a:rPr lang="en-US" sz="1400" b="0" i="1" smtClean="0">
+                            <a:latin typeface="Cambria Math" panose="02040503050406030204" pitchFamily="18" charset="0"/>
+                          </a:rPr>
+                          <m:t>∈</m:t>
+                        </m:r>
+                        <m:sSup>
+                          <m:sSupPr>
+                            <m:ctrlPr>
+                              <a:rPr lang="en-US" sz="1400" b="0" i="1" smtClean="0">
+                                <a:latin typeface="Cambria Math" panose="02040503050406030204" pitchFamily="18" charset="0"/>
+                                <a:ea typeface="Cambria Math" panose="02040503050406030204" pitchFamily="18" charset="0"/>
+                              </a:rPr>
+                            </m:ctrlPr>
+                          </m:sSupPr>
+                          <m:e>
+                            <m:r>
+                              <a:rPr lang="en-US" sz="1400" i="1">
+                                <a:latin typeface="Cambria Math" panose="02040503050406030204" pitchFamily="18" charset="0"/>
+                                <a:ea typeface="Cambria Math" panose="02040503050406030204" pitchFamily="18" charset="0"/>
+                              </a:rPr>
+                              <m:t>ℝ</m:t>
+                            </m:r>
+                          </m:e>
+                          <m:sup>
+                            <m:r>
+                              <a:rPr lang="en-US" sz="1400" i="1">
+                                <a:latin typeface="Cambria Math" panose="02040503050406030204" pitchFamily="18" charset="0"/>
+                                <a:ea typeface="Cambria Math" panose="02040503050406030204" pitchFamily="18" charset="0"/>
+                              </a:rPr>
+                              <m:t>𝑇</m:t>
+                            </m:r>
+                            <m:r>
+                              <a:rPr lang="en-US" sz="1400" i="1">
+                                <a:latin typeface="Cambria Math" panose="02040503050406030204" pitchFamily="18" charset="0"/>
+                                <a:ea typeface="Cambria Math" panose="02040503050406030204" pitchFamily="18" charset="0"/>
+                              </a:rPr>
+                              <m:t>×</m:t>
+                            </m:r>
+                            <m:r>
+                              <a:rPr lang="en-US" sz="1400" i="1" smtClean="0">
+                                <a:latin typeface="Cambria Math" panose="02040503050406030204" pitchFamily="18" charset="0"/>
+                                <a:ea typeface="Cambria Math" panose="02040503050406030204" pitchFamily="18" charset="0"/>
+                              </a:rPr>
+                              <m:t>𝐾</m:t>
+                            </m:r>
+                            <m:r>
+                              <a:rPr lang="en-US" sz="1400" i="1">
+                                <a:latin typeface="Cambria Math" panose="02040503050406030204" pitchFamily="18" charset="0"/>
+                                <a:ea typeface="Cambria Math" panose="02040503050406030204" pitchFamily="18" charset="0"/>
+                              </a:rPr>
+                              <m:t>×</m:t>
+                            </m:r>
+                            <m:r>
+                              <a:rPr lang="en-US" sz="1400" i="1">
+                                <a:latin typeface="Cambria Math" panose="02040503050406030204" pitchFamily="18" charset="0"/>
+                                <a:ea typeface="Cambria Math" panose="02040503050406030204" pitchFamily="18" charset="0"/>
+                              </a:rPr>
+                              <m:t>𝐷</m:t>
+                            </m:r>
+                          </m:sup>
+                        </m:sSup>
+                      </m:oMath>
+                    </m:oMathPara>
+                  </a14:m>
+                  <a:endParaRPr lang="en-CN" sz="1400" dirty="0"/>
+                </a:p>
+              </p:txBody>
+            </p:sp>
+          </mc:Choice>
+          <mc:Fallback>
+            <p:sp>
+              <p:nvSpPr>
+                <p:cNvPr id="260" name="TextBox 259">
+                  <a:extLst>
+                    <a:ext uri="{FF2B5EF4-FFF2-40B4-BE49-F238E27FC236}">
+                      <a16:creationId xmlns:a16="http://schemas.microsoft.com/office/drawing/2014/main" id="{1AA2EC5D-F718-3D4A-9DA0-896149FB5F86}"/>
+                    </a:ext>
+                  </a:extLst>
+                </p:cNvPr>
+                <p:cNvSpPr txBox="1">
+                  <a:spLocks noRot="1" noChangeAspect="1" noMove="1" noResize="1" noEditPoints="1" noAdjustHandles="1" noChangeArrowheads="1" noChangeShapeType="1" noTextEdit="1"/>
+                </p:cNvSpPr>
+                <p:nvPr/>
+              </p:nvSpPr>
+              <p:spPr>
+                <a:xfrm>
+                  <a:off x="9971528" y="1980515"/>
+                  <a:ext cx="1064137" cy="220510"/>
+                </a:xfrm>
+                <a:prstGeom prst="rect">
+                  <a:avLst/>
+                </a:prstGeom>
+                <a:blipFill>
+                  <a:blip r:embed="rId15"/>
+                  <a:stretch>
+                    <a:fillRect l="-3571" r="-1190" b="-5556"/>
+                  </a:stretch>
+                </a:blipFill>
+              </p:spPr>
+              <p:txBody>
+                <a:bodyPr/>
+                <a:lstStyle/>
+                <a:p>
+                  <a:r>
+                    <a:rPr lang="en-CN">
+                      <a:noFill/>
+                    </a:rPr>
+                    <a:t> </a:t>
+                  </a:r>
+                </a:p>
+              </p:txBody>
+            </p:sp>
+          </mc:Fallback>
+        </mc:AlternateContent>
+        <mc:AlternateContent xmlns:mc="http://schemas.openxmlformats.org/markup-compatibility/2006">
+          <mc:Choice xmlns:a14="http://schemas.microsoft.com/office/drawing/2010/main" Requires="a14">
+            <p:sp>
+              <p:nvSpPr>
+                <p:cNvPr id="261" name="TextBox 260">
+                  <a:extLst>
+                    <a:ext uri="{FF2B5EF4-FFF2-40B4-BE49-F238E27FC236}">
+                      <a16:creationId xmlns:a16="http://schemas.microsoft.com/office/drawing/2014/main" id="{DF9F88EA-2068-A645-B083-FC32FB24E1F4}"/>
+                    </a:ext>
+                  </a:extLst>
+                </p:cNvPr>
+                <p:cNvSpPr txBox="1"/>
+                <p:nvPr/>
+              </p:nvSpPr>
+              <p:spPr>
+                <a:xfrm>
+                  <a:off x="9680955" y="3476056"/>
+                  <a:ext cx="255198" cy="220510"/>
+                </a:xfrm>
+                <a:prstGeom prst="rect">
+                  <a:avLst/>
+                </a:prstGeom>
+                <a:noFill/>
+              </p:spPr>
+              <p:txBody>
+                <a:bodyPr wrap="none" lIns="0" tIns="0" rIns="0" bIns="0" rtlCol="0">
+                  <a:spAutoFit/>
+                </a:bodyPr>
+                <a:lstStyle/>
+                <a:p>
+                  <a14:m>
+                    <m:oMathPara xmlns:m="http://schemas.openxmlformats.org/officeDocument/2006/math">
+                      <m:oMathParaPr>
+                        <m:jc m:val="centerGroup"/>
+                      </m:oMathParaPr>
+                      <m:oMath xmlns:m="http://schemas.openxmlformats.org/officeDocument/2006/math">
+                        <m:sSup>
+                          <m:sSupPr>
+                            <m:ctrlPr>
+                              <a:rPr lang="en-US" sz="1400" b="0" i="1" smtClean="0">
+                                <a:latin typeface="Cambria Math" panose="02040503050406030204" pitchFamily="18" charset="0"/>
+                              </a:rPr>
+                            </m:ctrlPr>
+                          </m:sSupPr>
+                          <m:e>
+                            <m:r>
+                              <a:rPr lang="en-CN" sz="1400" b="1" i="0">
+                                <a:latin typeface="Cambria Math" panose="02040503050406030204" pitchFamily="18" charset="0"/>
+                              </a:rPr>
+                              <m:t>𝐏</m:t>
+                            </m:r>
+                          </m:e>
+                          <m:sup>
+                            <m:r>
+                              <m:rPr>
+                                <m:sty m:val="p"/>
+                              </m:rPr>
+                              <a:rPr lang="en-US" sz="1400" i="1">
+                                <a:latin typeface="Cambria Math" panose="02040503050406030204" pitchFamily="18" charset="0"/>
+                              </a:rPr>
+                              <m:t>G</m:t>
+                            </m:r>
+                          </m:sup>
+                        </m:sSup>
+                      </m:oMath>
+                    </m:oMathPara>
+                  </a14:m>
+                  <a:endParaRPr lang="en-CN" sz="1400" dirty="0"/>
+                </a:p>
+              </p:txBody>
+            </p:sp>
+          </mc:Choice>
+          <mc:Fallback>
+            <p:sp>
+              <p:nvSpPr>
+                <p:cNvPr id="261" name="TextBox 260">
+                  <a:extLst>
+                    <a:ext uri="{FF2B5EF4-FFF2-40B4-BE49-F238E27FC236}">
+                      <a16:creationId xmlns:a16="http://schemas.microsoft.com/office/drawing/2014/main" id="{DF9F88EA-2068-A645-B083-FC32FB24E1F4}"/>
+                    </a:ext>
+                  </a:extLst>
+                </p:cNvPr>
+                <p:cNvSpPr txBox="1">
+                  <a:spLocks noRot="1" noChangeAspect="1" noMove="1" noResize="1" noEditPoints="1" noAdjustHandles="1" noChangeArrowheads="1" noChangeShapeType="1" noTextEdit="1"/>
+                </p:cNvSpPr>
+                <p:nvPr/>
+              </p:nvSpPr>
+              <p:spPr>
+                <a:xfrm>
+                  <a:off x="9680955" y="3476056"/>
+                  <a:ext cx="255198" cy="220510"/>
+                </a:xfrm>
+                <a:prstGeom prst="rect">
+                  <a:avLst/>
+                </a:prstGeom>
+                <a:blipFill>
+                  <a:blip r:embed="rId16"/>
+                  <a:stretch>
+                    <a:fillRect l="-14286" r="-4762" b="-11111"/>
+                  </a:stretch>
+                </a:blipFill>
+              </p:spPr>
+              <p:txBody>
+                <a:bodyPr/>
+                <a:lstStyle/>
+                <a:p>
+                  <a:r>
+                    <a:rPr lang="en-CN">
+                      <a:noFill/>
+                    </a:rPr>
+                    <a:t> </a:t>
+                  </a:r>
+                </a:p>
+              </p:txBody>
+            </p:sp>
+          </mc:Fallback>
+        </mc:AlternateContent>
+        <p:sp>
+          <p:nvSpPr>
+            <p:cNvPr id="264" name="Oval 263">
+              <a:extLst>
+                <a:ext uri="{FF2B5EF4-FFF2-40B4-BE49-F238E27FC236}">
+                  <a16:creationId xmlns:a16="http://schemas.microsoft.com/office/drawing/2014/main" id="{459B8108-BF5A-254C-9D65-DC23BD006242}"/>
+                </a:ext>
+              </a:extLst>
+            </p:cNvPr>
+            <p:cNvSpPr/>
+            <p:nvPr/>
+          </p:nvSpPr>
+          <p:spPr>
+            <a:xfrm>
+              <a:off x="10714826" y="4263410"/>
+              <a:ext cx="320839" cy="320839"/>
+            </a:xfrm>
+            <a:prstGeom prst="ellipse">
+              <a:avLst/>
+            </a:prstGeom>
             <a:solidFill>
-              <a:sysClr val="windowText" lastClr="000000"/>
+              <a:schemeClr val="accent4">
+                <a:lumMod val="60000"/>
+                <a:lumOff val="40000"/>
+              </a:schemeClr>
             </a:solidFill>
-            <a:prstDash val="solid"/>
-            <a:miter lim="800000"/>
-            <a:tailEnd type="triangle"/>
-          </a:ln>
-          <a:effectLst/>
-        </p:spPr>
-      </p:cxnSp>
-      <p:cxnSp>
-        <p:nvCxnSpPr>
-          <p:cNvPr id="98" name="Elbow Connector 97">
-            <a:extLst>
-              <a:ext uri="{FF2B5EF4-FFF2-40B4-BE49-F238E27FC236}">
-                <a16:creationId xmlns:a16="http://schemas.microsoft.com/office/drawing/2014/main" id="{C6D2772C-1ED9-7E41-B3F1-6F868E21BD59}"/>
-              </a:ext>
-            </a:extLst>
-          </p:cNvPr>
-          <p:cNvCxnSpPr>
-            <a:cxnSpLocks/>
-            <a:stCxn id="92" idx="2"/>
-            <a:endCxn id="95" idx="0"/>
-          </p:cNvCxnSpPr>
-          <p:nvPr/>
-        </p:nvCxnSpPr>
-        <p:spPr>
-          <a:xfrm rot="16200000" flipH="1">
-            <a:off x="2417035" y="3645952"/>
-            <a:ext cx="499098" cy="1281052"/>
-          </a:xfrm>
-          <a:prstGeom prst="bentConnector3">
-            <a:avLst>
-              <a:gd name="adj1" fmla="val 50000"/>
-            </a:avLst>
-          </a:prstGeom>
-          <a:noFill/>
-          <a:ln w="12700" cap="flat" cmpd="sng" algn="ctr">
+            <a:ln w="19050" cap="flat" cmpd="sng" algn="ctr">
+              <a:solidFill>
+                <a:schemeClr val="accent4">
+                  <a:lumMod val="50000"/>
+                </a:schemeClr>
+              </a:solidFill>
+              <a:prstDash val="solid"/>
+              <a:miter lim="800000"/>
+            </a:ln>
+            <a:effectLst/>
+          </p:spPr>
+          <p:txBody>
+            <a:bodyPr rtlCol="0" anchor="ctr"/>
+            <a:lstStyle/>
+            <a:p>
+              <a:pPr marL="0" marR="0" lvl="0" indent="0" algn="ctr" defTabSz="914400" eaLnBrk="1" fontAlgn="auto" latinLnBrk="0" hangingPunct="1">
+                <a:lnSpc>
+                  <a:spcPct val="100000"/>
+                </a:lnSpc>
+                <a:spcBef>
+                  <a:spcPts val="0"/>
+                </a:spcBef>
+                <a:spcAft>
+                  <a:spcPts val="0"/>
+                </a:spcAft>
+                <a:buClrTx/>
+                <a:buSzTx/>
+                <a:buFontTx/>
+                <a:buNone/>
+                <a:tabLst/>
+                <a:defRPr/>
+              </a:pPr>
+              <a:endParaRPr kumimoji="0" lang="en-CN" sz="1400" b="0" i="0" u="none" strike="noStrike" kern="0" cap="none" spc="0" normalizeH="0" baseline="0" noProof="0" dirty="0">
+                <a:ln>
+                  <a:noFill/>
+                </a:ln>
+                <a:solidFill>
+                  <a:prstClr val="black"/>
+                </a:solidFill>
+                <a:effectLst/>
+                <a:uLnTx/>
+                <a:uFillTx/>
+                <a:latin typeface="KaiTi" panose="02010609060101010101" pitchFamily="49" charset="-122"/>
+                <a:ea typeface="KaiTi" panose="02010609060101010101" pitchFamily="49" charset="-122"/>
+                <a:cs typeface="Times New Roman" panose="02020603050405020304" pitchFamily="18" charset="0"/>
+              </a:endParaRPr>
+            </a:p>
+          </p:txBody>
+        </p:sp>
+        <p:cxnSp>
+          <p:nvCxnSpPr>
+            <p:cNvPr id="265" name="Straight Arrow Connector 264">
+              <a:extLst>
+                <a:ext uri="{FF2B5EF4-FFF2-40B4-BE49-F238E27FC236}">
+                  <a16:creationId xmlns:a16="http://schemas.microsoft.com/office/drawing/2014/main" id="{71FD3262-D8D2-6849-9AD2-A639DED759B7}"/>
+                </a:ext>
+              </a:extLst>
+            </p:cNvPr>
+            <p:cNvCxnSpPr>
+              <a:cxnSpLocks/>
+              <a:stCxn id="264" idx="4"/>
+              <a:endCxn id="264" idx="0"/>
+            </p:cNvCxnSpPr>
+            <p:nvPr/>
+          </p:nvCxnSpPr>
+          <p:spPr>
+            <a:xfrm flipV="1">
+              <a:off x="10875246" y="4263410"/>
+              <a:ext cx="0" cy="320839"/>
+            </a:xfrm>
+            <a:prstGeom prst="straightConnector1">
+              <a:avLst/>
+            </a:prstGeom>
+            <a:noFill/>
+            <a:ln w="19050" cap="flat" cmpd="sng" algn="ctr">
+              <a:solidFill>
+                <a:schemeClr val="accent4">
+                  <a:lumMod val="50000"/>
+                </a:schemeClr>
+              </a:solidFill>
+              <a:prstDash val="solid"/>
+              <a:miter lim="800000"/>
+              <a:tailEnd type="none"/>
+            </a:ln>
+            <a:effectLst/>
+          </p:spPr>
+        </p:cxnSp>
+        <p:cxnSp>
+          <p:nvCxnSpPr>
+            <p:cNvPr id="268" name="Straight Arrow Connector 267">
+              <a:extLst>
+                <a:ext uri="{FF2B5EF4-FFF2-40B4-BE49-F238E27FC236}">
+                  <a16:creationId xmlns:a16="http://schemas.microsoft.com/office/drawing/2014/main" id="{8706D50C-6D4B-724F-80E5-0E1A7304E38A}"/>
+                </a:ext>
+              </a:extLst>
+            </p:cNvPr>
+            <p:cNvCxnSpPr>
+              <a:cxnSpLocks/>
+              <a:stCxn id="264" idx="6"/>
+              <a:endCxn id="264" idx="2"/>
+            </p:cNvCxnSpPr>
+            <p:nvPr/>
+          </p:nvCxnSpPr>
+          <p:spPr>
+            <a:xfrm flipH="1">
+              <a:off x="10714826" y="4423830"/>
+              <a:ext cx="320839" cy="0"/>
+            </a:xfrm>
+            <a:prstGeom prst="straightConnector1">
+              <a:avLst/>
+            </a:prstGeom>
+            <a:noFill/>
+            <a:ln w="19050" cap="flat" cmpd="sng" algn="ctr">
+              <a:solidFill>
+                <a:schemeClr val="accent4">
+                  <a:lumMod val="50000"/>
+                </a:schemeClr>
+              </a:solidFill>
+              <a:prstDash val="solid"/>
+              <a:miter lim="800000"/>
+              <a:tailEnd type="none"/>
+            </a:ln>
+            <a:effectLst/>
+          </p:spPr>
+        </p:cxnSp>
+        <p:cxnSp>
+          <p:nvCxnSpPr>
+            <p:cNvPr id="273" name="Straight Arrow Connector 272">
+              <a:extLst>
+                <a:ext uri="{FF2B5EF4-FFF2-40B4-BE49-F238E27FC236}">
+                  <a16:creationId xmlns:a16="http://schemas.microsoft.com/office/drawing/2014/main" id="{2300DBFD-5211-9245-B682-17B9FE214F79}"/>
+                </a:ext>
+              </a:extLst>
+            </p:cNvPr>
+            <p:cNvCxnSpPr>
+              <a:cxnSpLocks/>
+              <a:stCxn id="243" idx="2"/>
+              <a:endCxn id="264" idx="0"/>
+            </p:cNvCxnSpPr>
+            <p:nvPr/>
+          </p:nvCxnSpPr>
+          <p:spPr>
+            <a:xfrm flipH="1">
+              <a:off x="10875246" y="3867578"/>
+              <a:ext cx="6201" cy="395832"/>
+            </a:xfrm>
+            <a:prstGeom prst="straightConnector1">
+              <a:avLst/>
+            </a:prstGeom>
+            <a:noFill/>
+            <a:ln w="19050" cap="flat" cmpd="sng" algn="ctr">
+              <a:solidFill>
+                <a:schemeClr val="tx1"/>
+              </a:solidFill>
+              <a:prstDash val="solid"/>
+              <a:miter lim="800000"/>
+              <a:tailEnd type="stealth" w="lg" len="med"/>
+            </a:ln>
+            <a:effectLst/>
+          </p:spPr>
+        </p:cxnSp>
+        <p:cxnSp>
+          <p:nvCxnSpPr>
+            <p:cNvPr id="279" name="Elbow Connector 278">
+              <a:extLst>
+                <a:ext uri="{FF2B5EF4-FFF2-40B4-BE49-F238E27FC236}">
+                  <a16:creationId xmlns:a16="http://schemas.microsoft.com/office/drawing/2014/main" id="{A616D20C-3189-6645-9353-7492C8746CCE}"/>
+                </a:ext>
+              </a:extLst>
+            </p:cNvPr>
+            <p:cNvCxnSpPr>
+              <a:cxnSpLocks/>
+              <a:stCxn id="60" idx="2"/>
+              <a:endCxn id="264" idx="2"/>
+            </p:cNvCxnSpPr>
+            <p:nvPr/>
+          </p:nvCxnSpPr>
+          <p:spPr>
+            <a:xfrm rot="16200000" flipH="1">
+              <a:off x="6664205" y="373208"/>
+              <a:ext cx="1488719" cy="6612524"/>
+            </a:xfrm>
+            <a:prstGeom prst="bentConnector2">
+              <a:avLst/>
+            </a:prstGeom>
+            <a:noFill/>
+            <a:ln w="19050" cap="flat" cmpd="sng" algn="ctr">
+              <a:solidFill>
+                <a:sysClr val="windowText" lastClr="000000"/>
+              </a:solidFill>
+              <a:prstDash val="solid"/>
+              <a:miter lim="800000"/>
+              <a:tailEnd type="stealth" w="lg" len="med"/>
+            </a:ln>
+            <a:effectLst/>
+          </p:spPr>
+        </p:cxnSp>
+        <p:cxnSp>
+          <p:nvCxnSpPr>
+            <p:cNvPr id="282" name="Elbow Connector 281">
+              <a:extLst>
+                <a:ext uri="{FF2B5EF4-FFF2-40B4-BE49-F238E27FC236}">
+                  <a16:creationId xmlns:a16="http://schemas.microsoft.com/office/drawing/2014/main" id="{F2DB29C8-0A6F-2C44-BD91-E529B9157B7E}"/>
+                </a:ext>
+              </a:extLst>
+            </p:cNvPr>
+            <p:cNvCxnSpPr>
+              <a:cxnSpLocks/>
+              <a:stCxn id="137" idx="2"/>
+              <a:endCxn id="264" idx="1"/>
+            </p:cNvCxnSpPr>
+            <p:nvPr/>
+          </p:nvCxnSpPr>
+          <p:spPr>
+            <a:xfrm rot="16200000" flipH="1">
+              <a:off x="7939804" y="1488388"/>
+              <a:ext cx="1062060" cy="4581955"/>
+            </a:xfrm>
+            <a:prstGeom prst="bentConnector3">
+              <a:avLst>
+                <a:gd name="adj1" fmla="val 99936"/>
+              </a:avLst>
+            </a:prstGeom>
+            <a:noFill/>
+            <a:ln w="19050" cap="flat" cmpd="sng" algn="ctr">
+              <a:solidFill>
+                <a:sysClr val="windowText" lastClr="000000"/>
+              </a:solidFill>
+              <a:prstDash val="solid"/>
+              <a:miter lim="800000"/>
+              <a:tailEnd type="stealth" w="lg" len="med"/>
+            </a:ln>
+            <a:effectLst/>
+          </p:spPr>
+        </p:cxnSp>
+        <mc:AlternateContent xmlns:mc="http://schemas.openxmlformats.org/markup-compatibility/2006">
+          <mc:Choice xmlns:a14="http://schemas.microsoft.com/office/drawing/2010/main" Requires="a14">
+            <p:sp>
+              <p:nvSpPr>
+                <p:cNvPr id="299" name="TextBox 298">
+                  <a:extLst>
+                    <a:ext uri="{FF2B5EF4-FFF2-40B4-BE49-F238E27FC236}">
+                      <a16:creationId xmlns:a16="http://schemas.microsoft.com/office/drawing/2014/main" id="{E5726C21-1EC4-CA46-97CB-A3A7BC5D7714}"/>
+                    </a:ext>
+                  </a:extLst>
+                </p:cNvPr>
+                <p:cNvSpPr txBox="1"/>
+                <p:nvPr/>
+              </p:nvSpPr>
+              <p:spPr>
+                <a:xfrm>
+                  <a:off x="4122703" y="3961687"/>
+                  <a:ext cx="228781" cy="215444"/>
+                </a:xfrm>
+                <a:prstGeom prst="rect">
+                  <a:avLst/>
+                </a:prstGeom>
+                <a:noFill/>
+              </p:spPr>
+              <p:txBody>
+                <a:bodyPr wrap="none" lIns="0" tIns="0" rIns="0" bIns="0" rtlCol="0">
+                  <a:spAutoFit/>
+                </a:bodyPr>
+                <a:lstStyle/>
+                <a:p>
+                  <a14:m>
+                    <m:oMathPara xmlns:m="http://schemas.openxmlformats.org/officeDocument/2006/math">
+                      <m:oMathParaPr>
+                        <m:jc m:val="centerGroup"/>
+                      </m:oMathParaPr>
+                      <m:oMath xmlns:m="http://schemas.openxmlformats.org/officeDocument/2006/math">
+                        <m:sSup>
+                          <m:sSupPr>
+                            <m:ctrlPr>
+                              <a:rPr lang="en-US" sz="1400" b="0" i="1" smtClean="0">
+                                <a:latin typeface="Cambria Math" panose="02040503050406030204" pitchFamily="18" charset="0"/>
+                              </a:rPr>
+                            </m:ctrlPr>
+                          </m:sSupPr>
+                          <m:e>
+                            <m:r>
+                              <a:rPr lang="en-CN" sz="1400" b="0" i="1">
+                                <a:latin typeface="Cambria Math" panose="02040503050406030204" pitchFamily="18" charset="0"/>
+                              </a:rPr>
+                              <m:t>𝑦</m:t>
+                            </m:r>
+                          </m:e>
+                          <m:sup>
+                            <m:r>
+                              <a:rPr lang="en-US" altLang="zh-CN" sz="1400" b="0" i="1" smtClean="0">
+                                <a:latin typeface="Cambria Math" panose="02040503050406030204" pitchFamily="18" charset="0"/>
+                              </a:rPr>
+                              <m:t>1</m:t>
+                            </m:r>
+                          </m:sup>
+                        </m:sSup>
+                      </m:oMath>
+                    </m:oMathPara>
+                  </a14:m>
+                  <a:endParaRPr lang="en-CN" sz="1400" dirty="0"/>
+                </a:p>
+              </p:txBody>
+            </p:sp>
+          </mc:Choice>
+          <mc:Fallback>
+            <p:sp>
+              <p:nvSpPr>
+                <p:cNvPr id="299" name="TextBox 298">
+                  <a:extLst>
+                    <a:ext uri="{FF2B5EF4-FFF2-40B4-BE49-F238E27FC236}">
+                      <a16:creationId xmlns:a16="http://schemas.microsoft.com/office/drawing/2014/main" id="{E5726C21-1EC4-CA46-97CB-A3A7BC5D7714}"/>
+                    </a:ext>
+                  </a:extLst>
+                </p:cNvPr>
+                <p:cNvSpPr txBox="1">
+                  <a:spLocks noRot="1" noChangeAspect="1" noMove="1" noResize="1" noEditPoints="1" noAdjustHandles="1" noChangeArrowheads="1" noChangeShapeType="1" noTextEdit="1"/>
+                </p:cNvSpPr>
+                <p:nvPr/>
+              </p:nvSpPr>
+              <p:spPr>
+                <a:xfrm>
+                  <a:off x="4122703" y="3961687"/>
+                  <a:ext cx="228781" cy="215444"/>
+                </a:xfrm>
+                <a:prstGeom prst="rect">
+                  <a:avLst/>
+                </a:prstGeom>
+                <a:blipFill>
+                  <a:blip r:embed="rId17"/>
+                  <a:stretch>
+                    <a:fillRect l="-15789" r="-5263" b="-29412"/>
+                  </a:stretch>
+                </a:blipFill>
+              </p:spPr>
+              <p:txBody>
+                <a:bodyPr/>
+                <a:lstStyle/>
+                <a:p>
+                  <a:r>
+                    <a:rPr lang="en-CN">
+                      <a:noFill/>
+                    </a:rPr>
+                    <a:t> </a:t>
+                  </a:r>
+                </a:p>
+              </p:txBody>
+            </p:sp>
+          </mc:Fallback>
+        </mc:AlternateContent>
+        <mc:AlternateContent xmlns:mc="http://schemas.openxmlformats.org/markup-compatibility/2006">
+          <mc:Choice xmlns:a14="http://schemas.microsoft.com/office/drawing/2010/main" Requires="a14">
+            <p:sp>
+              <p:nvSpPr>
+                <p:cNvPr id="300" name="TextBox 299">
+                  <a:extLst>
+                    <a:ext uri="{FF2B5EF4-FFF2-40B4-BE49-F238E27FC236}">
+                      <a16:creationId xmlns:a16="http://schemas.microsoft.com/office/drawing/2014/main" id="{9B3EC685-335C-8A44-A62E-EEC3306C978A}"/>
+                    </a:ext>
+                  </a:extLst>
+                </p:cNvPr>
+                <p:cNvSpPr txBox="1"/>
+                <p:nvPr/>
+              </p:nvSpPr>
+              <p:spPr>
+                <a:xfrm>
+                  <a:off x="6205513" y="3961687"/>
+                  <a:ext cx="232628" cy="215444"/>
+                </a:xfrm>
+                <a:prstGeom prst="rect">
+                  <a:avLst/>
+                </a:prstGeom>
+                <a:noFill/>
+              </p:spPr>
+              <p:txBody>
+                <a:bodyPr wrap="none" lIns="0" tIns="0" rIns="0" bIns="0" rtlCol="0">
+                  <a:spAutoFit/>
+                </a:bodyPr>
+                <a:lstStyle/>
+                <a:p>
+                  <a14:m>
+                    <m:oMathPara xmlns:m="http://schemas.openxmlformats.org/officeDocument/2006/math">
+                      <m:oMathParaPr>
+                        <m:jc m:val="centerGroup"/>
+                      </m:oMathParaPr>
+                      <m:oMath xmlns:m="http://schemas.openxmlformats.org/officeDocument/2006/math">
+                        <m:sSup>
+                          <m:sSupPr>
+                            <m:ctrlPr>
+                              <a:rPr lang="en-US" sz="1400" b="0" i="1" smtClean="0">
+                                <a:latin typeface="Cambria Math" panose="02040503050406030204" pitchFamily="18" charset="0"/>
+                              </a:rPr>
+                            </m:ctrlPr>
+                          </m:sSupPr>
+                          <m:e>
+                            <m:r>
+                              <a:rPr lang="en-US" altLang="zh-CN" sz="1400" b="0" i="1" smtClean="0">
+                                <a:latin typeface="Cambria Math" panose="02040503050406030204" pitchFamily="18" charset="0"/>
+                              </a:rPr>
+                              <m:t>𝑦</m:t>
+                            </m:r>
+                          </m:e>
+                          <m:sup>
+                            <m:r>
+                              <a:rPr lang="en-US" altLang="zh-CN" sz="1400" b="0" i="1" smtClean="0">
+                                <a:latin typeface="Cambria Math" panose="02040503050406030204" pitchFamily="18" charset="0"/>
+                              </a:rPr>
+                              <m:t>2</m:t>
+                            </m:r>
+                          </m:sup>
+                        </m:sSup>
+                      </m:oMath>
+                    </m:oMathPara>
+                  </a14:m>
+                  <a:endParaRPr lang="en-CN" sz="1400" dirty="0"/>
+                </a:p>
+              </p:txBody>
+            </p:sp>
+          </mc:Choice>
+          <mc:Fallback>
+            <p:sp>
+              <p:nvSpPr>
+                <p:cNvPr id="300" name="TextBox 299">
+                  <a:extLst>
+                    <a:ext uri="{FF2B5EF4-FFF2-40B4-BE49-F238E27FC236}">
+                      <a16:creationId xmlns:a16="http://schemas.microsoft.com/office/drawing/2014/main" id="{9B3EC685-335C-8A44-A62E-EEC3306C978A}"/>
+                    </a:ext>
+                  </a:extLst>
+                </p:cNvPr>
+                <p:cNvSpPr txBox="1">
+                  <a:spLocks noRot="1" noChangeAspect="1" noMove="1" noResize="1" noEditPoints="1" noAdjustHandles="1" noChangeArrowheads="1" noChangeShapeType="1" noTextEdit="1"/>
+                </p:cNvSpPr>
+                <p:nvPr/>
+              </p:nvSpPr>
+              <p:spPr>
+                <a:xfrm>
+                  <a:off x="6205513" y="3961687"/>
+                  <a:ext cx="232628" cy="215444"/>
+                </a:xfrm>
+                <a:prstGeom prst="rect">
+                  <a:avLst/>
+                </a:prstGeom>
+                <a:blipFill>
+                  <a:blip r:embed="rId18"/>
+                  <a:stretch>
+                    <a:fillRect l="-21053" r="-5263" b="-29412"/>
+                  </a:stretch>
+                </a:blipFill>
+              </p:spPr>
+              <p:txBody>
+                <a:bodyPr/>
+                <a:lstStyle/>
+                <a:p>
+                  <a:r>
+                    <a:rPr lang="en-CN">
+                      <a:noFill/>
+                    </a:rPr>
+                    <a:t> </a:t>
+                  </a:r>
+                </a:p>
+              </p:txBody>
+            </p:sp>
+          </mc:Fallback>
+        </mc:AlternateContent>
+        <mc:AlternateContent xmlns:mc="http://schemas.openxmlformats.org/markup-compatibility/2006">
+          <mc:Choice xmlns:a14="http://schemas.microsoft.com/office/drawing/2010/main" Requires="a14">
+            <p:sp>
+              <p:nvSpPr>
+                <p:cNvPr id="301" name="TextBox 300">
+                  <a:extLst>
+                    <a:ext uri="{FF2B5EF4-FFF2-40B4-BE49-F238E27FC236}">
+                      <a16:creationId xmlns:a16="http://schemas.microsoft.com/office/drawing/2014/main" id="{C3170996-3CE8-C245-8F6E-91D04A3ED04F}"/>
+                    </a:ext>
+                  </a:extLst>
+                </p:cNvPr>
+                <p:cNvSpPr txBox="1"/>
+                <p:nvPr/>
+              </p:nvSpPr>
+              <p:spPr>
+                <a:xfrm>
+                  <a:off x="10913425" y="3956621"/>
+                  <a:ext cx="247054" cy="220510"/>
+                </a:xfrm>
+                <a:prstGeom prst="rect">
+                  <a:avLst/>
+                </a:prstGeom>
+                <a:noFill/>
+              </p:spPr>
+              <p:txBody>
+                <a:bodyPr wrap="none" lIns="0" tIns="0" rIns="0" bIns="0" rtlCol="0">
+                  <a:spAutoFit/>
+                </a:bodyPr>
+                <a:lstStyle/>
+                <a:p>
+                  <a14:m>
+                    <m:oMathPara xmlns:m="http://schemas.openxmlformats.org/officeDocument/2006/math">
+                      <m:oMathParaPr>
+                        <m:jc m:val="centerGroup"/>
+                      </m:oMathParaPr>
+                      <m:oMath xmlns:m="http://schemas.openxmlformats.org/officeDocument/2006/math">
+                        <m:sSup>
+                          <m:sSupPr>
+                            <m:ctrlPr>
+                              <a:rPr lang="en-US" sz="1400" b="0" i="1" smtClean="0">
+                                <a:latin typeface="Cambria Math" panose="02040503050406030204" pitchFamily="18" charset="0"/>
+                              </a:rPr>
+                            </m:ctrlPr>
+                          </m:sSupPr>
+                          <m:e>
+                            <m:r>
+                              <a:rPr lang="en-US" altLang="zh-CN" sz="1400" b="0" i="1" smtClean="0">
+                                <a:latin typeface="Cambria Math" panose="02040503050406030204" pitchFamily="18" charset="0"/>
+                              </a:rPr>
+                              <m:t>𝑦</m:t>
+                            </m:r>
+                          </m:e>
+                          <m:sup>
+                            <m:r>
+                              <m:rPr>
+                                <m:sty m:val="p"/>
+                              </m:rPr>
+                              <a:rPr lang="en-US" sz="1400" i="1">
+                                <a:latin typeface="Cambria Math" panose="02040503050406030204" pitchFamily="18" charset="0"/>
+                              </a:rPr>
+                              <m:t>G</m:t>
+                            </m:r>
+                          </m:sup>
+                        </m:sSup>
+                      </m:oMath>
+                    </m:oMathPara>
+                  </a14:m>
+                  <a:endParaRPr lang="en-CN" sz="1400" dirty="0"/>
+                </a:p>
+              </p:txBody>
+            </p:sp>
+          </mc:Choice>
+          <mc:Fallback>
+            <p:sp>
+              <p:nvSpPr>
+                <p:cNvPr id="301" name="TextBox 300">
+                  <a:extLst>
+                    <a:ext uri="{FF2B5EF4-FFF2-40B4-BE49-F238E27FC236}">
+                      <a16:creationId xmlns:a16="http://schemas.microsoft.com/office/drawing/2014/main" id="{C3170996-3CE8-C245-8F6E-91D04A3ED04F}"/>
+                    </a:ext>
+                  </a:extLst>
+                </p:cNvPr>
+                <p:cNvSpPr txBox="1">
+                  <a:spLocks noRot="1" noChangeAspect="1" noMove="1" noResize="1" noEditPoints="1" noAdjustHandles="1" noChangeArrowheads="1" noChangeShapeType="1" noTextEdit="1"/>
+                </p:cNvSpPr>
+                <p:nvPr/>
+              </p:nvSpPr>
+              <p:spPr>
+                <a:xfrm>
+                  <a:off x="10913425" y="3956621"/>
+                  <a:ext cx="247054" cy="220510"/>
+                </a:xfrm>
+                <a:prstGeom prst="rect">
+                  <a:avLst/>
+                </a:prstGeom>
+                <a:blipFill>
+                  <a:blip r:embed="rId19"/>
+                  <a:stretch>
+                    <a:fillRect l="-20000" r="-10000" b="-27778"/>
+                  </a:stretch>
+                </a:blipFill>
+              </p:spPr>
+              <p:txBody>
+                <a:bodyPr/>
+                <a:lstStyle/>
+                <a:p>
+                  <a:r>
+                    <a:rPr lang="en-CN">
+                      <a:noFill/>
+                    </a:rPr>
+                    <a:t> </a:t>
+                  </a:r>
+                </a:p>
+              </p:txBody>
+            </p:sp>
+          </mc:Fallback>
+        </mc:AlternateContent>
+        <p:cxnSp>
+          <p:nvCxnSpPr>
+            <p:cNvPr id="328" name="Straight Arrow Connector 327">
+              <a:extLst>
+                <a:ext uri="{FF2B5EF4-FFF2-40B4-BE49-F238E27FC236}">
+                  <a16:creationId xmlns:a16="http://schemas.microsoft.com/office/drawing/2014/main" id="{1CAE4575-DF9B-AE4B-982C-DAED9DE12CB3}"/>
+                </a:ext>
+              </a:extLst>
+            </p:cNvPr>
+            <p:cNvCxnSpPr>
+              <a:cxnSpLocks/>
+              <a:stCxn id="264" idx="4"/>
+            </p:cNvCxnSpPr>
+            <p:nvPr/>
+          </p:nvCxnSpPr>
+          <p:spPr>
+            <a:xfrm>
+              <a:off x="10875246" y="4584249"/>
+              <a:ext cx="0" cy="288197"/>
+            </a:xfrm>
+            <a:prstGeom prst="straightConnector1">
+              <a:avLst/>
+            </a:prstGeom>
+            <a:noFill/>
+            <a:ln w="19050" cap="flat" cmpd="sng" algn="ctr">
+              <a:solidFill>
+                <a:schemeClr val="tx1"/>
+              </a:solidFill>
+              <a:prstDash val="solid"/>
+              <a:miter lim="800000"/>
+              <a:tailEnd type="stealth" w="lg" len="med"/>
+            </a:ln>
+            <a:effectLst/>
+          </p:spPr>
+        </p:cxnSp>
+        <p:sp>
+          <p:nvSpPr>
+            <p:cNvPr id="336" name="TextBox 335">
+              <a:extLst>
+                <a:ext uri="{FF2B5EF4-FFF2-40B4-BE49-F238E27FC236}">
+                  <a16:creationId xmlns:a16="http://schemas.microsoft.com/office/drawing/2014/main" id="{D900F531-7E62-AE4E-9F21-ECB4B26A61D8}"/>
+                </a:ext>
+              </a:extLst>
+            </p:cNvPr>
+            <p:cNvSpPr txBox="1"/>
+            <p:nvPr/>
+          </p:nvSpPr>
+          <p:spPr>
+            <a:xfrm>
+              <a:off x="10926322" y="4584249"/>
+              <a:ext cx="727693" cy="215444"/>
+            </a:xfrm>
+            <a:prstGeom prst="rect">
+              <a:avLst/>
+            </a:prstGeom>
+            <a:noFill/>
+          </p:spPr>
+          <p:txBody>
+            <a:bodyPr wrap="square" lIns="0" tIns="0" rIns="0" bIns="0" rtlCol="0">
+              <a:spAutoFit/>
+            </a:bodyPr>
+            <a:lstStyle/>
+            <a:p>
+              <a:pPr algn="ctr"/>
+              <a:r>
+                <a:rPr lang="en-CN" sz="1400" b="1" dirty="0">
+                  <a:latin typeface="KaiTi" panose="02010609060101010101" pitchFamily="49" charset="-122"/>
+                  <a:ea typeface="KaiTi" panose="02010609060101010101" pitchFamily="49" charset="-122"/>
+                </a:rPr>
+                <a:t>预测输出</a:t>
+              </a:r>
+            </a:p>
+          </p:txBody>
+        </p:sp>
+        <p:sp>
+          <p:nvSpPr>
+            <p:cNvPr id="337" name="Rounded Rectangle 336">
+              <a:extLst>
+                <a:ext uri="{FF2B5EF4-FFF2-40B4-BE49-F238E27FC236}">
+                  <a16:creationId xmlns:a16="http://schemas.microsoft.com/office/drawing/2014/main" id="{F0D7EA1F-2300-DA43-8992-D598D95D6E93}"/>
+                </a:ext>
+              </a:extLst>
+            </p:cNvPr>
+            <p:cNvSpPr/>
+            <p:nvPr/>
+          </p:nvSpPr>
+          <p:spPr>
+            <a:xfrm>
+              <a:off x="278971" y="3024154"/>
+              <a:ext cx="3193575" cy="1639286"/>
+            </a:xfrm>
+            <a:prstGeom prst="roundRect">
+              <a:avLst>
+                <a:gd name="adj" fmla="val 5762"/>
+              </a:avLst>
+            </a:prstGeom>
             <a:solidFill>
-              <a:sysClr val="windowText" lastClr="000000"/>
+              <a:schemeClr val="accent2">
+                <a:lumMod val="20000"/>
+                <a:lumOff val="80000"/>
+                <a:alpha val="69391"/>
+              </a:schemeClr>
             </a:solidFill>
-            <a:prstDash val="solid"/>
-            <a:miter lim="800000"/>
-            <a:tailEnd type="triangle"/>
-          </a:ln>
-          <a:effectLst/>
-        </p:spPr>
-      </p:cxnSp>
-      <p:cxnSp>
-        <p:nvCxnSpPr>
-          <p:cNvPr id="99" name="Straight Arrow Connector 98">
-            <a:extLst>
-              <a:ext uri="{FF2B5EF4-FFF2-40B4-BE49-F238E27FC236}">
-                <a16:creationId xmlns:a16="http://schemas.microsoft.com/office/drawing/2014/main" id="{9A0285ED-A708-774D-84E4-B9610D8968BB}"/>
-              </a:ext>
-            </a:extLst>
-          </p:cNvPr>
-          <p:cNvCxnSpPr>
-            <a:cxnSpLocks/>
-            <a:stCxn id="94" idx="2"/>
-            <a:endCxn id="100" idx="0"/>
-          </p:cNvCxnSpPr>
-          <p:nvPr/>
-        </p:nvCxnSpPr>
-        <p:spPr>
-          <a:xfrm flipH="1">
-            <a:off x="2024668" y="5209136"/>
-            <a:ext cx="696" cy="333432"/>
-          </a:xfrm>
-          <a:prstGeom prst="straightConnector1">
-            <a:avLst/>
-          </a:prstGeom>
-          <a:noFill/>
-          <a:ln w="12700" cap="flat" cmpd="sng" algn="ctr">
+            <a:ln w="19050" cap="flat" cmpd="sng" algn="ctr">
+              <a:solidFill>
+                <a:schemeClr val="accent2">
+                  <a:lumMod val="50000"/>
+                </a:schemeClr>
+              </a:solidFill>
+              <a:prstDash val="solid"/>
+              <a:miter lim="800000"/>
+            </a:ln>
+            <a:effectLst/>
+          </p:spPr>
+          <p:txBody>
+            <a:bodyPr rtlCol="0" anchor="ctr"/>
+            <a:lstStyle/>
+            <a:p>
+              <a:pPr marL="0" marR="0" lvl="0" indent="0" algn="ctr" defTabSz="914400" eaLnBrk="1" fontAlgn="auto" latinLnBrk="0" hangingPunct="1">
+                <a:lnSpc>
+                  <a:spcPct val="100000"/>
+                </a:lnSpc>
+                <a:spcBef>
+                  <a:spcPts val="0"/>
+                </a:spcBef>
+                <a:spcAft>
+                  <a:spcPts val="0"/>
+                </a:spcAft>
+                <a:buClrTx/>
+                <a:buSzTx/>
+                <a:buFontTx/>
+                <a:buNone/>
+                <a:tabLst/>
+                <a:defRPr/>
+              </a:pPr>
+              <a:endParaRPr kumimoji="0" lang="en-CN" sz="1400" b="0" i="0" u="none" strike="noStrike" kern="0" cap="none" spc="0" normalizeH="0" baseline="0" noProof="0" dirty="0">
+                <a:ln>
+                  <a:noFill/>
+                </a:ln>
+                <a:solidFill>
+                  <a:prstClr val="black"/>
+                </a:solidFill>
+                <a:effectLst/>
+                <a:uLnTx/>
+                <a:uFillTx/>
+                <a:latin typeface="KaiTi" panose="02010609060101010101" pitchFamily="49" charset="-122"/>
+                <a:ea typeface="KaiTi" panose="02010609060101010101" pitchFamily="49" charset="-122"/>
+                <a:cs typeface="+mn-cs"/>
+              </a:endParaRPr>
+            </a:p>
+          </p:txBody>
+        </p:sp>
+        <p:cxnSp>
+          <p:nvCxnSpPr>
+            <p:cNvPr id="354" name="Straight Arrow Connector 353">
+              <a:extLst>
+                <a:ext uri="{FF2B5EF4-FFF2-40B4-BE49-F238E27FC236}">
+                  <a16:creationId xmlns:a16="http://schemas.microsoft.com/office/drawing/2014/main" id="{6A96D778-9BB2-2B49-8E0F-78AFB5BC6B0A}"/>
+                </a:ext>
+              </a:extLst>
+            </p:cNvPr>
+            <p:cNvCxnSpPr>
+              <a:cxnSpLocks/>
+              <a:endCxn id="337" idx="0"/>
+            </p:cNvCxnSpPr>
+            <p:nvPr/>
+          </p:nvCxnSpPr>
+          <p:spPr>
+            <a:xfrm flipH="1">
+              <a:off x="1875759" y="2774690"/>
+              <a:ext cx="1548045" cy="249464"/>
+            </a:xfrm>
+            <a:prstGeom prst="straightConnector1">
+              <a:avLst/>
+            </a:prstGeom>
+            <a:noFill/>
+            <a:ln w="19050" cap="flat" cmpd="sng" algn="ctr">
+              <a:solidFill>
+                <a:schemeClr val="accent2">
+                  <a:lumMod val="50000"/>
+                </a:schemeClr>
+              </a:solidFill>
+              <a:prstDash val="dashDot"/>
+              <a:miter lim="800000"/>
+              <a:tailEnd type="none" w="lg" len="med"/>
+            </a:ln>
+            <a:effectLst/>
+          </p:spPr>
+        </p:cxnSp>
+        <p:cxnSp>
+          <p:nvCxnSpPr>
+            <p:cNvPr id="357" name="Straight Arrow Connector 356">
+              <a:extLst>
+                <a:ext uri="{FF2B5EF4-FFF2-40B4-BE49-F238E27FC236}">
+                  <a16:creationId xmlns:a16="http://schemas.microsoft.com/office/drawing/2014/main" id="{4716E6F1-FDEC-8E43-BD2F-F357468759A5}"/>
+                </a:ext>
+              </a:extLst>
+            </p:cNvPr>
+            <p:cNvCxnSpPr>
+              <a:cxnSpLocks/>
+              <a:endCxn id="337" idx="3"/>
+            </p:cNvCxnSpPr>
+            <p:nvPr/>
+          </p:nvCxnSpPr>
+          <p:spPr>
+            <a:xfrm flipH="1">
+              <a:off x="3472546" y="2935109"/>
+              <a:ext cx="356533" cy="908688"/>
+            </a:xfrm>
+            <a:prstGeom prst="straightConnector1">
+              <a:avLst/>
+            </a:prstGeom>
+            <a:noFill/>
+            <a:ln w="19050" cap="flat" cmpd="sng" algn="ctr">
+              <a:solidFill>
+                <a:schemeClr val="accent2">
+                  <a:lumMod val="50000"/>
+                </a:schemeClr>
+              </a:solidFill>
+              <a:prstDash val="dashDot"/>
+              <a:miter lim="800000"/>
+              <a:tailEnd type="none" w="lg" len="med"/>
+            </a:ln>
+            <a:effectLst/>
+          </p:spPr>
+        </p:cxnSp>
+        <mc:AlternateContent xmlns:mc="http://schemas.openxmlformats.org/markup-compatibility/2006">
+          <mc:Choice xmlns:a14="http://schemas.microsoft.com/office/drawing/2010/main" Requires="a14">
+            <p:sp>
+              <p:nvSpPr>
+                <p:cNvPr id="363" name="Rounded Rectangle 362">
+                  <a:extLst>
+                    <a:ext uri="{FF2B5EF4-FFF2-40B4-BE49-F238E27FC236}">
+                      <a16:creationId xmlns:a16="http://schemas.microsoft.com/office/drawing/2014/main" id="{8E042E53-AB57-A049-8E40-2D059A8F01EB}"/>
+                    </a:ext>
+                  </a:extLst>
+                </p:cNvPr>
+                <p:cNvSpPr/>
+                <p:nvPr/>
+              </p:nvSpPr>
+              <p:spPr>
+                <a:xfrm>
+                  <a:off x="1197260" y="3117231"/>
+                  <a:ext cx="1356995" cy="509851"/>
+                </a:xfrm>
+                <a:prstGeom prst="roundRect">
+                  <a:avLst>
+                    <a:gd name="adj" fmla="val 24248"/>
+                  </a:avLst>
+                </a:prstGeom>
+                <a:solidFill>
+                  <a:schemeClr val="bg1">
+                    <a:alpha val="95000"/>
+                  </a:schemeClr>
+                </a:solidFill>
+                <a:ln w="19050" cap="flat" cmpd="sng" algn="ctr">
+                  <a:solidFill>
+                    <a:schemeClr val="tx1"/>
+                  </a:solidFill>
+                  <a:prstDash val="solid"/>
+                  <a:miter lim="800000"/>
+                </a:ln>
+                <a:effectLst>
+                  <a:outerShdw blurRad="50800" dist="38100" dir="2700000" algn="tl" rotWithShape="0">
+                    <a:prstClr val="black">
+                      <a:alpha val="40000"/>
+                    </a:prstClr>
+                  </a:outerShdw>
+                </a:effectLst>
+              </p:spPr>
+              <p:txBody>
+                <a:bodyPr rtlCol="0" anchor="ctr"/>
+                <a:lstStyle/>
+                <a:p>
+                  <a:pPr algn="ctr">
+                    <a:defRPr/>
+                  </a:pPr>
+                  <a:r>
+                    <a:rPr kumimoji="0" lang="en-US" sz="1400" b="1" i="0" u="none" strike="noStrike" kern="0" cap="none" spc="0" normalizeH="0" baseline="0" noProof="0" dirty="0">
+                      <a:ln>
+                        <a:noFill/>
+                      </a:ln>
+                      <a:solidFill>
+                        <a:prstClr val="black"/>
+                      </a:solidFill>
+                      <a:effectLst/>
+                      <a:uLnTx/>
+                      <a:uFillTx/>
+                      <a:latin typeface="KaiTi" panose="02010609060101010101" pitchFamily="49" charset="-122"/>
+                      <a:ea typeface="KaiTi" panose="02010609060101010101" pitchFamily="49" charset="-122"/>
+                      <a:cs typeface="+mn-cs"/>
+                    </a:rPr>
+                    <a:t>时序特征编码网络</a:t>
+                  </a:r>
+                  <a:r>
+                    <a:rPr kumimoji="0" lang="zh-CN" altLang="en-US" sz="1400" b="1" i="0" u="none" strike="noStrike" kern="0" cap="none" spc="0" normalizeH="0" baseline="0" noProof="0" dirty="0">
+                      <a:ln>
+                        <a:noFill/>
+                      </a:ln>
+                      <a:solidFill>
+                        <a:prstClr val="black"/>
+                      </a:solidFill>
+                      <a:effectLst/>
+                      <a:uLnTx/>
+                      <a:uFillTx/>
+                      <a:latin typeface="KaiTi" panose="02010609060101010101" pitchFamily="49" charset="-122"/>
+                      <a:ea typeface="KaiTi" panose="02010609060101010101" pitchFamily="49" charset="-122"/>
+                      <a:cs typeface="+mn-cs"/>
+                    </a:rPr>
+                    <a:t> </a:t>
+                  </a:r>
+                  <a14:m>
+                    <m:oMath xmlns:m="http://schemas.openxmlformats.org/officeDocument/2006/math">
+                      <m:sSubSup>
+                        <m:sSubSupPr>
+                          <m:ctrlPr>
+                            <a:rPr lang="en-US" sz="1400" b="0" i="1" smtClean="0">
+                              <a:latin typeface="Cambria Math" panose="02040503050406030204" pitchFamily="18" charset="0"/>
+                              <a:ea typeface="Cambria Math" panose="02040503050406030204" pitchFamily="18" charset="0"/>
+                            </a:rPr>
+                          </m:ctrlPr>
+                        </m:sSubSupPr>
+                        <m:e>
+                          <m:r>
+                            <a:rPr lang="en-CN" sz="1400" i="1">
+                              <a:latin typeface="Cambria Math" panose="02040503050406030204" pitchFamily="18" charset="0"/>
+                              <a:ea typeface="Cambria Math" panose="02040503050406030204" pitchFamily="18" charset="0"/>
+                            </a:rPr>
+                            <m:t>ℱ</m:t>
+                          </m:r>
+                        </m:e>
+                        <m:sub>
+                          <m:r>
+                            <m:rPr>
+                              <m:sty m:val="p"/>
+                            </m:rPr>
+                            <a:rPr lang="en-US" sz="1400" b="0" i="0" smtClean="0">
+                              <a:latin typeface="Cambria Math" panose="02040503050406030204" pitchFamily="18" charset="0"/>
+                              <a:ea typeface="Cambria Math" panose="02040503050406030204" pitchFamily="18" charset="0"/>
+                            </a:rPr>
+                            <m:t>Enc</m:t>
+                          </m:r>
+                        </m:sub>
+                        <m:sup>
+                          <m:r>
+                            <a:rPr lang="en-US" sz="1400" b="0" i="1" smtClean="0">
+                              <a:latin typeface="Cambria Math" panose="02040503050406030204" pitchFamily="18" charset="0"/>
+                              <a:ea typeface="Cambria Math" panose="02040503050406030204" pitchFamily="18" charset="0"/>
+                            </a:rPr>
+                            <m:t>𝑔</m:t>
+                          </m:r>
+                        </m:sup>
+                      </m:sSubSup>
+                    </m:oMath>
+                  </a14:m>
+                  <a:endParaRPr kumimoji="0" lang="en-CN" sz="1400" b="1" i="0" u="none" strike="noStrike" kern="0" cap="none" spc="0" normalizeH="0" baseline="0" noProof="0" dirty="0">
+                    <a:ln>
+                      <a:noFill/>
+                    </a:ln>
+                    <a:solidFill>
+                      <a:prstClr val="black"/>
+                    </a:solidFill>
+                    <a:effectLst/>
+                    <a:uLnTx/>
+                    <a:uFillTx/>
+                    <a:latin typeface="KaiTi" panose="02010609060101010101" pitchFamily="49" charset="-122"/>
+                    <a:ea typeface="KaiTi" panose="02010609060101010101" pitchFamily="49" charset="-122"/>
+                    <a:cs typeface="+mn-cs"/>
+                  </a:endParaRPr>
+                </a:p>
+              </p:txBody>
+            </p:sp>
+          </mc:Choice>
+          <mc:Fallback>
+            <p:sp>
+              <p:nvSpPr>
+                <p:cNvPr id="363" name="Rounded Rectangle 362">
+                  <a:extLst>
+                    <a:ext uri="{FF2B5EF4-FFF2-40B4-BE49-F238E27FC236}">
+                      <a16:creationId xmlns:a16="http://schemas.microsoft.com/office/drawing/2014/main" id="{8E042E53-AB57-A049-8E40-2D059A8F01EB}"/>
+                    </a:ext>
+                  </a:extLst>
+                </p:cNvPr>
+                <p:cNvSpPr>
+                  <a:spLocks noRot="1" noChangeAspect="1" noMove="1" noResize="1" noEditPoints="1" noAdjustHandles="1" noChangeArrowheads="1" noChangeShapeType="1" noTextEdit="1"/>
+                </p:cNvSpPr>
+                <p:nvPr/>
+              </p:nvSpPr>
+              <p:spPr>
+                <a:xfrm>
+                  <a:off x="1197260" y="3117231"/>
+                  <a:ext cx="1356995" cy="509851"/>
+                </a:xfrm>
+                <a:prstGeom prst="roundRect">
+                  <a:avLst>
+                    <a:gd name="adj" fmla="val 24248"/>
+                  </a:avLst>
+                </a:prstGeom>
+                <a:blipFill>
+                  <a:blip r:embed="rId20"/>
+                  <a:stretch>
+                    <a:fillRect/>
+                  </a:stretch>
+                </a:blipFill>
+                <a:ln w="19050" cap="flat" cmpd="sng" algn="ctr">
+                  <a:solidFill>
+                    <a:schemeClr val="tx1"/>
+                  </a:solidFill>
+                  <a:prstDash val="solid"/>
+                  <a:miter lim="800000"/>
+                </a:ln>
+                <a:effectLst>
+                  <a:outerShdw blurRad="50800" dist="38100" dir="2700000" algn="tl" rotWithShape="0">
+                    <a:prstClr val="black">
+                      <a:alpha val="40000"/>
+                    </a:prstClr>
+                  </a:outerShdw>
+                </a:effectLst>
+              </p:spPr>
+              <p:txBody>
+                <a:bodyPr/>
+                <a:lstStyle/>
+                <a:p>
+                  <a:r>
+                    <a:rPr lang="en-CN">
+                      <a:noFill/>
+                    </a:rPr>
+                    <a:t> </a:t>
+                  </a:r>
+                </a:p>
+              </p:txBody>
+            </p:sp>
+          </mc:Fallback>
+        </mc:AlternateContent>
+        <mc:AlternateContent xmlns:mc="http://schemas.openxmlformats.org/markup-compatibility/2006">
+          <mc:Choice xmlns:a14="http://schemas.microsoft.com/office/drawing/2010/main" Requires="a14">
+            <p:sp>
+              <p:nvSpPr>
+                <p:cNvPr id="369" name="Rounded Rectangle 368">
+                  <a:extLst>
+                    <a:ext uri="{FF2B5EF4-FFF2-40B4-BE49-F238E27FC236}">
+                      <a16:creationId xmlns:a16="http://schemas.microsoft.com/office/drawing/2014/main" id="{F6CF197F-2507-0F42-B112-EA92CDD91DFD}"/>
+                    </a:ext>
+                  </a:extLst>
+                </p:cNvPr>
+                <p:cNvSpPr/>
+                <p:nvPr/>
+              </p:nvSpPr>
+              <p:spPr>
+                <a:xfrm>
+                  <a:off x="333547" y="4029323"/>
+                  <a:ext cx="1356995" cy="509851"/>
+                </a:xfrm>
+                <a:prstGeom prst="roundRect">
+                  <a:avLst>
+                    <a:gd name="adj" fmla="val 24248"/>
+                  </a:avLst>
+                </a:prstGeom>
+                <a:solidFill>
+                  <a:schemeClr val="bg1">
+                    <a:alpha val="95000"/>
+                  </a:schemeClr>
+                </a:solidFill>
+                <a:ln w="19050" cap="flat" cmpd="sng" algn="ctr">
+                  <a:solidFill>
+                    <a:schemeClr val="tx1"/>
+                  </a:solidFill>
+                  <a:prstDash val="solid"/>
+                  <a:miter lim="800000"/>
+                </a:ln>
+                <a:effectLst>
+                  <a:outerShdw blurRad="50800" dist="38100" dir="2700000" algn="tl" rotWithShape="0">
+                    <a:prstClr val="black">
+                      <a:alpha val="40000"/>
+                    </a:prstClr>
+                  </a:outerShdw>
+                </a:effectLst>
+              </p:spPr>
+              <p:txBody>
+                <a:bodyPr rtlCol="0" anchor="ctr"/>
+                <a:lstStyle/>
+                <a:p>
+                  <a:pPr algn="ctr">
+                    <a:defRPr/>
+                  </a:pPr>
+                  <a:r>
+                    <a:rPr lang="zh-CN" altLang="en-US" sz="1400" b="1" kern="0" dirty="0">
+                      <a:solidFill>
+                        <a:prstClr val="black"/>
+                      </a:solidFill>
+                      <a:latin typeface="KaiTi" panose="02010609060101010101" pitchFamily="49" charset="-122"/>
+                      <a:ea typeface="KaiTi" panose="02010609060101010101" pitchFamily="49" charset="-122"/>
+                    </a:rPr>
+                    <a:t>预测网络</a:t>
+                  </a:r>
+                  <a:endParaRPr lang="en-US" altLang="zh-CN" sz="1400" b="1" kern="0" dirty="0">
+                    <a:solidFill>
+                      <a:prstClr val="black"/>
+                    </a:solidFill>
+                    <a:latin typeface="KaiTi" panose="02010609060101010101" pitchFamily="49" charset="-122"/>
+                    <a:ea typeface="KaiTi" panose="02010609060101010101" pitchFamily="49" charset="-122"/>
+                  </a:endParaRPr>
+                </a:p>
+                <a:p>
+                  <a:pPr algn="ctr">
+                    <a:defRPr/>
+                  </a:pPr>
+                  <a14:m>
+                    <m:oMathPara xmlns:m="http://schemas.openxmlformats.org/officeDocument/2006/math">
+                      <m:oMathParaPr>
+                        <m:jc m:val="centerGroup"/>
+                      </m:oMathParaPr>
+                      <m:oMath xmlns:m="http://schemas.openxmlformats.org/officeDocument/2006/math">
+                        <m:sSubSup>
+                          <m:sSubSupPr>
+                            <m:ctrlPr>
+                              <a:rPr lang="en-US" sz="1400" i="1">
+                                <a:latin typeface="Cambria Math" panose="02040503050406030204" pitchFamily="18" charset="0"/>
+                                <a:ea typeface="Cambria Math" panose="02040503050406030204" pitchFamily="18" charset="0"/>
+                              </a:rPr>
+                            </m:ctrlPr>
+                          </m:sSubSupPr>
+                          <m:e>
+                            <m:r>
+                              <a:rPr lang="en-CN" sz="1400" i="1">
+                                <a:latin typeface="Cambria Math" panose="02040503050406030204" pitchFamily="18" charset="0"/>
+                                <a:ea typeface="Cambria Math" panose="02040503050406030204" pitchFamily="18" charset="0"/>
+                              </a:rPr>
+                              <m:t>ℱ</m:t>
+                            </m:r>
+                          </m:e>
+                          <m:sub>
+                            <m:r>
+                              <m:rPr>
+                                <m:sty m:val="p"/>
+                              </m:rPr>
+                              <a:rPr lang="en-US" sz="1400" b="0" i="0" smtClean="0">
+                                <a:latin typeface="Cambria Math" panose="02040503050406030204" pitchFamily="18" charset="0"/>
+                                <a:ea typeface="Cambria Math" panose="02040503050406030204" pitchFamily="18" charset="0"/>
+                              </a:rPr>
+                              <m:t>Pred</m:t>
+                            </m:r>
+                          </m:sub>
+                          <m:sup>
+                            <m:r>
+                              <a:rPr lang="en-US" sz="1400" i="1">
+                                <a:latin typeface="Cambria Math" panose="02040503050406030204" pitchFamily="18" charset="0"/>
+                                <a:ea typeface="Cambria Math" panose="02040503050406030204" pitchFamily="18" charset="0"/>
+                              </a:rPr>
+                              <m:t>𝑔</m:t>
+                            </m:r>
+                          </m:sup>
+                        </m:sSubSup>
+                      </m:oMath>
+                    </m:oMathPara>
+                  </a14:m>
+                  <a:endParaRPr kumimoji="0" lang="en-CN" sz="1400" b="1" i="0" u="none" strike="noStrike" kern="0" cap="none" spc="0" normalizeH="0" baseline="0" noProof="0" dirty="0">
+                    <a:ln>
+                      <a:noFill/>
+                    </a:ln>
+                    <a:solidFill>
+                      <a:prstClr val="black"/>
+                    </a:solidFill>
+                    <a:effectLst/>
+                    <a:uLnTx/>
+                    <a:uFillTx/>
+                    <a:latin typeface="KaiTi" panose="02010609060101010101" pitchFamily="49" charset="-122"/>
+                    <a:ea typeface="KaiTi" panose="02010609060101010101" pitchFamily="49" charset="-122"/>
+                    <a:cs typeface="+mn-cs"/>
+                  </a:endParaRPr>
+                </a:p>
+              </p:txBody>
+            </p:sp>
+          </mc:Choice>
+          <mc:Fallback>
+            <p:sp>
+              <p:nvSpPr>
+                <p:cNvPr id="369" name="Rounded Rectangle 368">
+                  <a:extLst>
+                    <a:ext uri="{FF2B5EF4-FFF2-40B4-BE49-F238E27FC236}">
+                      <a16:creationId xmlns:a16="http://schemas.microsoft.com/office/drawing/2014/main" id="{F6CF197F-2507-0F42-B112-EA92CDD91DFD}"/>
+                    </a:ext>
+                  </a:extLst>
+                </p:cNvPr>
+                <p:cNvSpPr>
+                  <a:spLocks noRot="1" noChangeAspect="1" noMove="1" noResize="1" noEditPoints="1" noAdjustHandles="1" noChangeArrowheads="1" noChangeShapeType="1" noTextEdit="1"/>
+                </p:cNvSpPr>
+                <p:nvPr/>
+              </p:nvSpPr>
+              <p:spPr>
+                <a:xfrm>
+                  <a:off x="333547" y="4029323"/>
+                  <a:ext cx="1356995" cy="509851"/>
+                </a:xfrm>
+                <a:prstGeom prst="roundRect">
+                  <a:avLst>
+                    <a:gd name="adj" fmla="val 24248"/>
+                  </a:avLst>
+                </a:prstGeom>
+                <a:blipFill>
+                  <a:blip r:embed="rId21"/>
+                  <a:stretch>
+                    <a:fillRect/>
+                  </a:stretch>
+                </a:blipFill>
+                <a:ln w="19050" cap="flat" cmpd="sng" algn="ctr">
+                  <a:solidFill>
+                    <a:schemeClr val="tx1"/>
+                  </a:solidFill>
+                  <a:prstDash val="solid"/>
+                  <a:miter lim="800000"/>
+                </a:ln>
+                <a:effectLst>
+                  <a:outerShdw blurRad="50800" dist="38100" dir="2700000" algn="tl" rotWithShape="0">
+                    <a:prstClr val="black">
+                      <a:alpha val="40000"/>
+                    </a:prstClr>
+                  </a:outerShdw>
+                </a:effectLst>
+              </p:spPr>
+              <p:txBody>
+                <a:bodyPr/>
+                <a:lstStyle/>
+                <a:p>
+                  <a:r>
+                    <a:rPr lang="en-CN">
+                      <a:noFill/>
+                    </a:rPr>
+                    <a:t> </a:t>
+                  </a:r>
+                </a:p>
+              </p:txBody>
+            </p:sp>
+          </mc:Fallback>
+        </mc:AlternateContent>
+        <mc:AlternateContent xmlns:mc="http://schemas.openxmlformats.org/markup-compatibility/2006">
+          <mc:Choice xmlns:a14="http://schemas.microsoft.com/office/drawing/2010/main" Requires="a14">
+            <p:sp>
+              <p:nvSpPr>
+                <p:cNvPr id="370" name="Rounded Rectangle 369">
+                  <a:extLst>
+                    <a:ext uri="{FF2B5EF4-FFF2-40B4-BE49-F238E27FC236}">
+                      <a16:creationId xmlns:a16="http://schemas.microsoft.com/office/drawing/2014/main" id="{A7A14A6E-019A-0C44-80A3-A22AF6FC5B0B}"/>
+                    </a:ext>
+                  </a:extLst>
+                </p:cNvPr>
+                <p:cNvSpPr/>
+                <p:nvPr/>
+              </p:nvSpPr>
+              <p:spPr>
+                <a:xfrm>
+                  <a:off x="2066809" y="4028447"/>
+                  <a:ext cx="1356995" cy="509851"/>
+                </a:xfrm>
+                <a:prstGeom prst="roundRect">
+                  <a:avLst>
+                    <a:gd name="adj" fmla="val 24248"/>
+                  </a:avLst>
+                </a:prstGeom>
+                <a:solidFill>
+                  <a:schemeClr val="bg1">
+                    <a:alpha val="95000"/>
+                  </a:schemeClr>
+                </a:solidFill>
+                <a:ln w="19050" cap="flat" cmpd="sng" algn="ctr">
+                  <a:solidFill>
+                    <a:schemeClr val="tx1"/>
+                  </a:solidFill>
+                  <a:prstDash val="solid"/>
+                  <a:miter lim="800000"/>
+                </a:ln>
+                <a:effectLst>
+                  <a:outerShdw blurRad="50800" dist="38100" dir="2700000" algn="tl" rotWithShape="0">
+                    <a:prstClr val="black">
+                      <a:alpha val="40000"/>
+                    </a:prstClr>
+                  </a:outerShdw>
+                </a:effectLst>
+              </p:spPr>
+              <p:txBody>
+                <a:bodyPr rtlCol="0" anchor="ctr"/>
+                <a:lstStyle/>
+                <a:p>
+                  <a:pPr algn="ctr">
+                    <a:defRPr/>
+                  </a:pPr>
+                  <a:r>
+                    <a:rPr lang="zh-CN" altLang="en-US" sz="1400" b="1" kern="0" dirty="0">
+                      <a:solidFill>
+                        <a:prstClr val="black"/>
+                      </a:solidFill>
+                      <a:latin typeface="KaiTi" panose="02010609060101010101" pitchFamily="49" charset="-122"/>
+                      <a:ea typeface="KaiTi" panose="02010609060101010101" pitchFamily="49" charset="-122"/>
+                    </a:rPr>
+                    <a:t>细粒度特征重建网络</a:t>
+                  </a:r>
+                  <a14:m>
+                    <m:oMath xmlns:m="http://schemas.openxmlformats.org/officeDocument/2006/math">
+                      <m:r>
+                        <a:rPr lang="en-US" sz="1400" b="1" i="0" smtClean="0">
+                          <a:latin typeface="Cambria Math" panose="02040503050406030204" pitchFamily="18" charset="0"/>
+                          <a:ea typeface="Cambria Math" panose="02040503050406030204" pitchFamily="18" charset="0"/>
+                        </a:rPr>
+                        <m:t> </m:t>
+                      </m:r>
+                      <m:sSubSup>
+                        <m:sSubSupPr>
+                          <m:ctrlPr>
+                            <a:rPr lang="en-US" sz="1400" b="0" i="1" smtClean="0">
+                              <a:latin typeface="Cambria Math" panose="02040503050406030204" pitchFamily="18" charset="0"/>
+                              <a:ea typeface="Cambria Math" panose="02040503050406030204" pitchFamily="18" charset="0"/>
+                            </a:rPr>
+                          </m:ctrlPr>
+                        </m:sSubSupPr>
+                        <m:e>
+                          <m:r>
+                            <a:rPr lang="en-CN" sz="1400" i="1">
+                              <a:latin typeface="Cambria Math" panose="02040503050406030204" pitchFamily="18" charset="0"/>
+                              <a:ea typeface="Cambria Math" panose="02040503050406030204" pitchFamily="18" charset="0"/>
+                            </a:rPr>
+                            <m:t>ℱ</m:t>
+                          </m:r>
+                        </m:e>
+                        <m:sub>
+                          <m:r>
+                            <m:rPr>
+                              <m:sty m:val="p"/>
+                            </m:rPr>
+                            <a:rPr lang="en-US" sz="1400" b="0" i="0" smtClean="0">
+                              <a:latin typeface="Cambria Math" panose="02040503050406030204" pitchFamily="18" charset="0"/>
+                              <a:ea typeface="Cambria Math" panose="02040503050406030204" pitchFamily="18" charset="0"/>
+                            </a:rPr>
+                            <m:t>Red</m:t>
+                          </m:r>
+                        </m:sub>
+                        <m:sup>
+                          <m:r>
+                            <a:rPr lang="en-US" sz="1400" b="0" i="1" smtClean="0">
+                              <a:latin typeface="Cambria Math" panose="02040503050406030204" pitchFamily="18" charset="0"/>
+                              <a:ea typeface="Cambria Math" panose="02040503050406030204" pitchFamily="18" charset="0"/>
+                            </a:rPr>
+                            <m:t>𝑔</m:t>
+                          </m:r>
+                        </m:sup>
+                      </m:sSubSup>
+                    </m:oMath>
+                  </a14:m>
+                  <a:endParaRPr kumimoji="0" lang="en-CN" sz="1400" b="1" i="0" u="none" strike="noStrike" kern="0" cap="none" spc="0" normalizeH="0" baseline="0" noProof="0" dirty="0">
+                    <a:ln>
+                      <a:noFill/>
+                    </a:ln>
+                    <a:solidFill>
+                      <a:prstClr val="black"/>
+                    </a:solidFill>
+                    <a:effectLst/>
+                    <a:uLnTx/>
+                    <a:uFillTx/>
+                    <a:latin typeface="KaiTi" panose="02010609060101010101" pitchFamily="49" charset="-122"/>
+                    <a:ea typeface="KaiTi" panose="02010609060101010101" pitchFamily="49" charset="-122"/>
+                    <a:cs typeface="+mn-cs"/>
+                  </a:endParaRPr>
+                </a:p>
+              </p:txBody>
+            </p:sp>
+          </mc:Choice>
+          <mc:Fallback>
+            <p:sp>
+              <p:nvSpPr>
+                <p:cNvPr id="370" name="Rounded Rectangle 369">
+                  <a:extLst>
+                    <a:ext uri="{FF2B5EF4-FFF2-40B4-BE49-F238E27FC236}">
+                      <a16:creationId xmlns:a16="http://schemas.microsoft.com/office/drawing/2014/main" id="{A7A14A6E-019A-0C44-80A3-A22AF6FC5B0B}"/>
+                    </a:ext>
+                  </a:extLst>
+                </p:cNvPr>
+                <p:cNvSpPr>
+                  <a:spLocks noRot="1" noChangeAspect="1" noMove="1" noResize="1" noEditPoints="1" noAdjustHandles="1" noChangeArrowheads="1" noChangeShapeType="1" noTextEdit="1"/>
+                </p:cNvSpPr>
+                <p:nvPr/>
+              </p:nvSpPr>
+              <p:spPr>
+                <a:xfrm>
+                  <a:off x="2066809" y="4028447"/>
+                  <a:ext cx="1356995" cy="509851"/>
+                </a:xfrm>
+                <a:prstGeom prst="roundRect">
+                  <a:avLst>
+                    <a:gd name="adj" fmla="val 24248"/>
+                  </a:avLst>
+                </a:prstGeom>
+                <a:blipFill>
+                  <a:blip r:embed="rId22"/>
+                  <a:stretch>
+                    <a:fillRect/>
+                  </a:stretch>
+                </a:blipFill>
+                <a:ln w="19050" cap="flat" cmpd="sng" algn="ctr">
+                  <a:solidFill>
+                    <a:schemeClr val="tx1"/>
+                  </a:solidFill>
+                  <a:prstDash val="solid"/>
+                  <a:miter lim="800000"/>
+                </a:ln>
+                <a:effectLst>
+                  <a:outerShdw blurRad="50800" dist="38100" dir="2700000" algn="tl" rotWithShape="0">
+                    <a:prstClr val="black">
+                      <a:alpha val="40000"/>
+                    </a:prstClr>
+                  </a:outerShdw>
+                </a:effectLst>
+              </p:spPr>
+              <p:txBody>
+                <a:bodyPr/>
+                <a:lstStyle/>
+                <a:p>
+                  <a:r>
+                    <a:rPr lang="en-CN">
+                      <a:noFill/>
+                    </a:rPr>
+                    <a:t> </a:t>
+                  </a:r>
+                </a:p>
+              </p:txBody>
+            </p:sp>
+          </mc:Fallback>
+        </mc:AlternateContent>
+        <p:cxnSp>
+          <p:nvCxnSpPr>
+            <p:cNvPr id="384" name="Elbow Connector 383">
+              <a:extLst>
+                <a:ext uri="{FF2B5EF4-FFF2-40B4-BE49-F238E27FC236}">
+                  <a16:creationId xmlns:a16="http://schemas.microsoft.com/office/drawing/2014/main" id="{9888D7DA-FC00-E14A-A6AD-C516B5085DC3}"/>
+                </a:ext>
+              </a:extLst>
+            </p:cNvPr>
+            <p:cNvCxnSpPr>
+              <a:cxnSpLocks/>
+              <a:stCxn id="369" idx="0"/>
+              <a:endCxn id="370" idx="0"/>
+            </p:cNvCxnSpPr>
+            <p:nvPr/>
+          </p:nvCxnSpPr>
+          <p:spPr>
+            <a:xfrm rot="5400000" flipH="1" flipV="1">
+              <a:off x="1878238" y="3162254"/>
+              <a:ext cx="876" cy="1733262"/>
+            </a:xfrm>
+            <a:prstGeom prst="bentConnector3">
+              <a:avLst>
+                <a:gd name="adj1" fmla="val 20307420"/>
+              </a:avLst>
+            </a:prstGeom>
+            <a:noFill/>
+            <a:ln w="19050" cap="flat" cmpd="sng" algn="ctr">
+              <a:solidFill>
+                <a:sysClr val="windowText" lastClr="000000"/>
+              </a:solidFill>
+              <a:prstDash val="solid"/>
+              <a:miter lim="800000"/>
+              <a:headEnd type="stealth" w="lg" len="med"/>
+              <a:tailEnd type="stealth" w="lg" len="med"/>
+            </a:ln>
+            <a:effectLst/>
+          </p:spPr>
+        </p:cxnSp>
+        <p:cxnSp>
+          <p:nvCxnSpPr>
+            <p:cNvPr id="393" name="Straight Arrow Connector 392">
+              <a:extLst>
+                <a:ext uri="{FF2B5EF4-FFF2-40B4-BE49-F238E27FC236}">
+                  <a16:creationId xmlns:a16="http://schemas.microsoft.com/office/drawing/2014/main" id="{9A061EE2-81F6-E242-9706-DEEB37C5F216}"/>
+                </a:ext>
+              </a:extLst>
+            </p:cNvPr>
+            <p:cNvCxnSpPr>
+              <a:cxnSpLocks/>
+              <a:stCxn id="369" idx="2"/>
+            </p:cNvCxnSpPr>
+            <p:nvPr/>
+          </p:nvCxnSpPr>
+          <p:spPr>
+            <a:xfrm>
+              <a:off x="1012045" y="4539174"/>
+              <a:ext cx="0" cy="405974"/>
+            </a:xfrm>
+            <a:prstGeom prst="straightConnector1">
+              <a:avLst/>
+            </a:prstGeom>
+            <a:noFill/>
+            <a:ln w="19050" cap="flat" cmpd="sng" algn="ctr">
+              <a:solidFill>
+                <a:schemeClr val="tx1"/>
+              </a:solidFill>
+              <a:prstDash val="solid"/>
+              <a:miter lim="800000"/>
+              <a:tailEnd type="stealth" w="lg" len="med"/>
+            </a:ln>
+            <a:effectLst/>
+          </p:spPr>
+        </p:cxnSp>
+        <p:cxnSp>
+          <p:nvCxnSpPr>
+            <p:cNvPr id="399" name="Elbow Connector 398">
+              <a:extLst>
+                <a:ext uri="{FF2B5EF4-FFF2-40B4-BE49-F238E27FC236}">
+                  <a16:creationId xmlns:a16="http://schemas.microsoft.com/office/drawing/2014/main" id="{6ED3EC33-1559-2D49-A227-E755FDE9E345}"/>
+                </a:ext>
+              </a:extLst>
+            </p:cNvPr>
+            <p:cNvCxnSpPr>
+              <a:cxnSpLocks/>
+              <a:stCxn id="409" idx="2"/>
+              <a:endCxn id="363" idx="1"/>
+            </p:cNvCxnSpPr>
+            <p:nvPr/>
+          </p:nvCxnSpPr>
+          <p:spPr>
+            <a:xfrm rot="16200000" flipH="1">
+              <a:off x="754331" y="2929227"/>
+              <a:ext cx="467041" cy="418817"/>
+            </a:xfrm>
+            <a:prstGeom prst="bentConnector2">
+              <a:avLst/>
+            </a:prstGeom>
+            <a:noFill/>
+            <a:ln w="19050" cap="flat" cmpd="sng" algn="ctr">
+              <a:solidFill>
+                <a:sysClr val="windowText" lastClr="000000"/>
+              </a:solidFill>
+              <a:prstDash val="solid"/>
+              <a:miter lim="800000"/>
+              <a:tailEnd type="stealth" w="lg" len="med"/>
+            </a:ln>
+            <a:effectLst/>
+          </p:spPr>
+        </p:cxnSp>
+        <mc:AlternateContent xmlns:mc="http://schemas.openxmlformats.org/markup-compatibility/2006">
+          <mc:Choice xmlns:a14="http://schemas.microsoft.com/office/drawing/2010/main" Requires="a14">
+            <p:sp>
+              <p:nvSpPr>
+                <p:cNvPr id="409" name="TextBox 408">
+                  <a:extLst>
+                    <a:ext uri="{FF2B5EF4-FFF2-40B4-BE49-F238E27FC236}">
+                      <a16:creationId xmlns:a16="http://schemas.microsoft.com/office/drawing/2014/main" id="{6CF7DBA2-8DDC-FA42-9401-81D67ED89392}"/>
+                    </a:ext>
+                  </a:extLst>
+                </p:cNvPr>
+                <p:cNvSpPr txBox="1"/>
+                <p:nvPr/>
+              </p:nvSpPr>
+              <p:spPr>
+                <a:xfrm>
+                  <a:off x="359625" y="2597339"/>
+                  <a:ext cx="837635" cy="307777"/>
+                </a:xfrm>
+                <a:prstGeom prst="rect">
+                  <a:avLst/>
+                </a:prstGeom>
+                <a:noFill/>
+              </p:spPr>
+              <p:txBody>
+                <a:bodyPr wrap="square">
+                  <a:spAutoFit/>
+                </a:bodyPr>
+                <a:lstStyle/>
+                <a:p>
+                  <a:pPr algn="ctr">
+                    <a:defRPr/>
+                  </a:pPr>
+                  <a:r>
+                    <a:rPr lang="zh-CN" altLang="en-US" sz="1400" b="1" kern="0" dirty="0">
+                      <a:solidFill>
+                        <a:prstClr val="black"/>
+                      </a:solidFill>
+                      <a:latin typeface="KaiTi" panose="02010609060101010101" pitchFamily="49" charset="-122"/>
+                      <a:ea typeface="KaiTi" panose="02010609060101010101" pitchFamily="49" charset="-122"/>
+                    </a:rPr>
+                    <a:t>输入</a:t>
+                  </a:r>
+                  <a14:m>
+                    <m:oMath xmlns:m="http://schemas.openxmlformats.org/officeDocument/2006/math">
+                      <m:r>
+                        <a:rPr lang="zh-CN" altLang="en-US" sz="1400" b="1" i="0" smtClean="0">
+                          <a:latin typeface="Cambria Math" panose="02040503050406030204" pitchFamily="18" charset="0"/>
+                        </a:rPr>
+                        <m:t> </m:t>
+                      </m:r>
+                      <m:sSup>
+                        <m:sSupPr>
+                          <m:ctrlPr>
+                            <a:rPr lang="en-US" sz="1400" b="0" i="1" smtClean="0">
+                              <a:latin typeface="Cambria Math" panose="02040503050406030204" pitchFamily="18" charset="0"/>
+                            </a:rPr>
+                          </m:ctrlPr>
+                        </m:sSupPr>
+                        <m:e>
+                          <m:r>
+                            <a:rPr lang="en-CN" sz="1400" b="1" i="0">
+                              <a:latin typeface="Cambria Math" panose="02040503050406030204" pitchFamily="18" charset="0"/>
+                            </a:rPr>
+                            <m:t>𝐏</m:t>
+                          </m:r>
+                        </m:e>
+                        <m:sup>
+                          <m:r>
+                            <a:rPr lang="en-US" altLang="zh-CN" sz="1400" b="0" i="1" smtClean="0">
+                              <a:latin typeface="Cambria Math" panose="02040503050406030204" pitchFamily="18" charset="0"/>
+                            </a:rPr>
+                            <m:t>𝑔</m:t>
+                          </m:r>
+                        </m:sup>
+                      </m:sSup>
+                    </m:oMath>
+                  </a14:m>
+                  <a:r>
+                    <a:rPr lang="zh-CN" altLang="en-US" sz="1400" b="1" kern="0" dirty="0">
+                      <a:solidFill>
+                        <a:prstClr val="black"/>
+                      </a:solidFill>
+                      <a:latin typeface="KaiTi" panose="02010609060101010101" pitchFamily="49" charset="-122"/>
+                      <a:ea typeface="KaiTi" panose="02010609060101010101" pitchFamily="49" charset="-122"/>
+                    </a:rPr>
+                    <a:t> </a:t>
+                  </a:r>
+                  <a:endParaRPr kumimoji="0" lang="en-US" altLang="zh-CN" sz="1400" b="1" i="0" u="none" strike="noStrike" kern="0" cap="none" spc="0" normalizeH="0" baseline="0" noProof="0" dirty="0">
+                    <a:ln>
+                      <a:noFill/>
+                    </a:ln>
+                    <a:solidFill>
+                      <a:prstClr val="black"/>
+                    </a:solidFill>
+                    <a:effectLst/>
+                    <a:uLnTx/>
+                    <a:uFillTx/>
+                    <a:latin typeface="KaiTi" panose="02010609060101010101" pitchFamily="49" charset="-122"/>
+                    <a:ea typeface="KaiTi" panose="02010609060101010101" pitchFamily="49" charset="-122"/>
+                    <a:cs typeface="+mn-cs"/>
+                  </a:endParaRPr>
+                </a:p>
+              </p:txBody>
+            </p:sp>
+          </mc:Choice>
+          <mc:Fallback>
+            <p:sp>
+              <p:nvSpPr>
+                <p:cNvPr id="409" name="TextBox 408">
+                  <a:extLst>
+                    <a:ext uri="{FF2B5EF4-FFF2-40B4-BE49-F238E27FC236}">
+                      <a16:creationId xmlns:a16="http://schemas.microsoft.com/office/drawing/2014/main" id="{6CF7DBA2-8DDC-FA42-9401-81D67ED89392}"/>
+                    </a:ext>
+                  </a:extLst>
+                </p:cNvPr>
+                <p:cNvSpPr txBox="1">
+                  <a:spLocks noRot="1" noChangeAspect="1" noMove="1" noResize="1" noEditPoints="1" noAdjustHandles="1" noChangeArrowheads="1" noChangeShapeType="1" noTextEdit="1"/>
+                </p:cNvSpPr>
+                <p:nvPr/>
+              </p:nvSpPr>
+              <p:spPr>
+                <a:xfrm>
+                  <a:off x="359625" y="2597339"/>
+                  <a:ext cx="837635" cy="307777"/>
+                </a:xfrm>
+                <a:prstGeom prst="rect">
+                  <a:avLst/>
+                </a:prstGeom>
+                <a:blipFill>
+                  <a:blip r:embed="rId23"/>
+                  <a:stretch>
+                    <a:fillRect t="-4000" b="-16000"/>
+                  </a:stretch>
+                </a:blipFill>
+              </p:spPr>
+              <p:txBody>
+                <a:bodyPr/>
+                <a:lstStyle/>
+                <a:p>
+                  <a:r>
+                    <a:rPr lang="en-CN">
+                      <a:noFill/>
+                    </a:rPr>
+                    <a:t> </a:t>
+                  </a:r>
+                </a:p>
+              </p:txBody>
+            </p:sp>
+          </mc:Fallback>
+        </mc:AlternateContent>
+        <p:cxnSp>
+          <p:nvCxnSpPr>
+            <p:cNvPr id="419" name="Straight Arrow Connector 418">
+              <a:extLst>
+                <a:ext uri="{FF2B5EF4-FFF2-40B4-BE49-F238E27FC236}">
+                  <a16:creationId xmlns:a16="http://schemas.microsoft.com/office/drawing/2014/main" id="{BBB18E15-7B7F-8341-8FCB-C324F5675B5F}"/>
+                </a:ext>
+              </a:extLst>
+            </p:cNvPr>
+            <p:cNvCxnSpPr>
+              <a:cxnSpLocks/>
+              <a:stCxn id="363" idx="2"/>
+            </p:cNvCxnSpPr>
+            <p:nvPr/>
+          </p:nvCxnSpPr>
+          <p:spPr>
+            <a:xfrm>
+              <a:off x="1875758" y="3627082"/>
+              <a:ext cx="1" cy="216715"/>
+            </a:xfrm>
+            <a:prstGeom prst="straightConnector1">
+              <a:avLst/>
+            </a:prstGeom>
+            <a:noFill/>
+            <a:ln w="19050" cap="flat" cmpd="sng" algn="ctr">
+              <a:solidFill>
+                <a:schemeClr val="tx1"/>
+              </a:solidFill>
+              <a:prstDash val="solid"/>
+              <a:miter lim="800000"/>
+              <a:tailEnd type="stealth" w="lg" len="med"/>
+            </a:ln>
+            <a:effectLst/>
+          </p:spPr>
+        </p:cxnSp>
+        <mc:AlternateContent xmlns:mc="http://schemas.openxmlformats.org/markup-compatibility/2006">
+          <mc:Choice xmlns:a14="http://schemas.microsoft.com/office/drawing/2010/main" Requires="a14">
+            <p:sp>
+              <p:nvSpPr>
+                <p:cNvPr id="434" name="TextBox 433">
+                  <a:extLst>
+                    <a:ext uri="{FF2B5EF4-FFF2-40B4-BE49-F238E27FC236}">
+                      <a16:creationId xmlns:a16="http://schemas.microsoft.com/office/drawing/2014/main" id="{B31074BA-E151-7044-8972-C7734A9BD66C}"/>
+                    </a:ext>
+                  </a:extLst>
+                </p:cNvPr>
+                <p:cNvSpPr txBox="1"/>
+                <p:nvPr/>
+              </p:nvSpPr>
+              <p:spPr>
+                <a:xfrm>
+                  <a:off x="1933850" y="3638398"/>
+                  <a:ext cx="278602" cy="215444"/>
+                </a:xfrm>
+                <a:prstGeom prst="rect">
+                  <a:avLst/>
+                </a:prstGeom>
+                <a:noFill/>
+              </p:spPr>
+              <p:txBody>
+                <a:bodyPr wrap="none" lIns="0" tIns="0" rIns="0" bIns="0" rtlCol="0">
+                  <a:spAutoFit/>
+                </a:bodyPr>
+                <a:lstStyle/>
+                <a:p>
+                  <a14:m>
+                    <m:oMathPara xmlns:m="http://schemas.openxmlformats.org/officeDocument/2006/math">
+                      <m:oMathParaPr>
+                        <m:jc m:val="centerGroup"/>
+                      </m:oMathParaPr>
+                      <m:oMath xmlns:m="http://schemas.openxmlformats.org/officeDocument/2006/math">
+                        <m:sSup>
+                          <m:sSupPr>
+                            <m:ctrlPr>
+                              <a:rPr lang="en-US" sz="1400" b="0" i="1" smtClean="0">
+                                <a:latin typeface="Cambria Math" panose="02040503050406030204" pitchFamily="18" charset="0"/>
+                              </a:rPr>
+                            </m:ctrlPr>
+                          </m:sSupPr>
+                          <m:e>
+                            <m:r>
+                              <a:rPr lang="en-US" sz="1400" b="1" i="0" smtClean="0">
+                                <a:latin typeface="Cambria Math" panose="02040503050406030204" pitchFamily="18" charset="0"/>
+                              </a:rPr>
+                              <m:t>𝐇</m:t>
+                            </m:r>
+                          </m:e>
+                          <m:sup>
+                            <m:r>
+                              <a:rPr lang="en-US" sz="1400" b="0" i="1" smtClean="0">
+                                <a:latin typeface="Cambria Math" panose="02040503050406030204" pitchFamily="18" charset="0"/>
+                              </a:rPr>
+                              <m:t>𝑔</m:t>
+                            </m:r>
+                          </m:sup>
+                        </m:sSup>
+                      </m:oMath>
+                    </m:oMathPara>
+                  </a14:m>
+                  <a:endParaRPr lang="en-CN" sz="1400" dirty="0"/>
+                </a:p>
+              </p:txBody>
+            </p:sp>
+          </mc:Choice>
+          <mc:Fallback>
+            <p:sp>
+              <p:nvSpPr>
+                <p:cNvPr id="434" name="TextBox 433">
+                  <a:extLst>
+                    <a:ext uri="{FF2B5EF4-FFF2-40B4-BE49-F238E27FC236}">
+                      <a16:creationId xmlns:a16="http://schemas.microsoft.com/office/drawing/2014/main" id="{B31074BA-E151-7044-8972-C7734A9BD66C}"/>
+                    </a:ext>
+                  </a:extLst>
+                </p:cNvPr>
+                <p:cNvSpPr txBox="1">
+                  <a:spLocks noRot="1" noChangeAspect="1" noMove="1" noResize="1" noEditPoints="1" noAdjustHandles="1" noChangeArrowheads="1" noChangeShapeType="1" noTextEdit="1"/>
+                </p:cNvSpPr>
+                <p:nvPr/>
+              </p:nvSpPr>
+              <p:spPr>
+                <a:xfrm>
+                  <a:off x="1933850" y="3638398"/>
+                  <a:ext cx="278602" cy="215444"/>
+                </a:xfrm>
+                <a:prstGeom prst="rect">
+                  <a:avLst/>
+                </a:prstGeom>
+                <a:blipFill>
+                  <a:blip r:embed="rId24"/>
+                  <a:stretch>
+                    <a:fillRect l="-13043" r="-4348" b="-5556"/>
+                  </a:stretch>
+                </a:blipFill>
+              </p:spPr>
+              <p:txBody>
+                <a:bodyPr/>
+                <a:lstStyle/>
+                <a:p>
+                  <a:r>
+                    <a:rPr lang="en-CN">
+                      <a:noFill/>
+                    </a:rPr>
+                    <a:t> </a:t>
+                  </a:r>
+                </a:p>
+              </p:txBody>
+            </p:sp>
+          </mc:Fallback>
+        </mc:AlternateContent>
+        <mc:AlternateContent xmlns:mc="http://schemas.openxmlformats.org/markup-compatibility/2006">
+          <mc:Choice xmlns:a14="http://schemas.microsoft.com/office/drawing/2010/main" Requires="a14">
+            <p:sp>
+              <p:nvSpPr>
+                <p:cNvPr id="435" name="TextBox 434">
+                  <a:extLst>
+                    <a:ext uri="{FF2B5EF4-FFF2-40B4-BE49-F238E27FC236}">
+                      <a16:creationId xmlns:a16="http://schemas.microsoft.com/office/drawing/2014/main" id="{789AC6BA-333B-9344-AF37-CC578A18D18A}"/>
+                    </a:ext>
+                  </a:extLst>
+                </p:cNvPr>
+                <p:cNvSpPr txBox="1"/>
+                <p:nvPr/>
+              </p:nvSpPr>
+              <p:spPr>
+                <a:xfrm>
+                  <a:off x="1077689" y="4663440"/>
+                  <a:ext cx="251223" cy="215444"/>
+                </a:xfrm>
+                <a:prstGeom prst="rect">
+                  <a:avLst/>
+                </a:prstGeom>
+                <a:noFill/>
+              </p:spPr>
+              <p:txBody>
+                <a:bodyPr wrap="none" lIns="0" tIns="0" rIns="0" bIns="0" rtlCol="0">
+                  <a:spAutoFit/>
+                </a:bodyPr>
+                <a:lstStyle/>
+                <a:p>
+                  <a14:m>
+                    <m:oMathPara xmlns:m="http://schemas.openxmlformats.org/officeDocument/2006/math">
+                      <m:oMathParaPr>
+                        <m:jc m:val="centerGroup"/>
+                      </m:oMathParaPr>
+                      <m:oMath xmlns:m="http://schemas.openxmlformats.org/officeDocument/2006/math">
+                        <m:sSup>
+                          <m:sSupPr>
+                            <m:ctrlPr>
+                              <a:rPr lang="en-US" sz="1400" b="0" i="1" smtClean="0">
+                                <a:latin typeface="Cambria Math" panose="02040503050406030204" pitchFamily="18" charset="0"/>
+                              </a:rPr>
+                            </m:ctrlPr>
+                          </m:sSupPr>
+                          <m:e>
+                            <m:r>
+                              <a:rPr lang="en-US" sz="1400" b="0" i="1" smtClean="0">
+                                <a:latin typeface="Cambria Math" panose="02040503050406030204" pitchFamily="18" charset="0"/>
+                              </a:rPr>
+                              <m:t>𝑦</m:t>
+                            </m:r>
+                          </m:e>
+                          <m:sup>
+                            <m:r>
+                              <a:rPr lang="en-US" sz="1400" b="0" i="1" smtClean="0">
+                                <a:latin typeface="Cambria Math" panose="02040503050406030204" pitchFamily="18" charset="0"/>
+                              </a:rPr>
+                              <m:t>𝑔</m:t>
+                            </m:r>
+                          </m:sup>
+                        </m:sSup>
+                      </m:oMath>
+                    </m:oMathPara>
+                  </a14:m>
+                  <a:endParaRPr lang="en-CN" sz="1400" dirty="0"/>
+                </a:p>
+              </p:txBody>
+            </p:sp>
+          </mc:Choice>
+          <mc:Fallback>
+            <p:sp>
+              <p:nvSpPr>
+                <p:cNvPr id="435" name="TextBox 434">
+                  <a:extLst>
+                    <a:ext uri="{FF2B5EF4-FFF2-40B4-BE49-F238E27FC236}">
+                      <a16:creationId xmlns:a16="http://schemas.microsoft.com/office/drawing/2014/main" id="{789AC6BA-333B-9344-AF37-CC578A18D18A}"/>
+                    </a:ext>
+                  </a:extLst>
+                </p:cNvPr>
+                <p:cNvSpPr txBox="1">
+                  <a:spLocks noRot="1" noChangeAspect="1" noMove="1" noResize="1" noEditPoints="1" noAdjustHandles="1" noChangeArrowheads="1" noChangeShapeType="1" noTextEdit="1"/>
+                </p:cNvSpPr>
+                <p:nvPr/>
+              </p:nvSpPr>
+              <p:spPr>
+                <a:xfrm>
+                  <a:off x="1077689" y="4663440"/>
+                  <a:ext cx="251223" cy="215444"/>
+                </a:xfrm>
+                <a:prstGeom prst="rect">
+                  <a:avLst/>
+                </a:prstGeom>
+                <a:blipFill>
+                  <a:blip r:embed="rId25"/>
+                  <a:stretch>
+                    <a:fillRect l="-14286" r="-9524" b="-29412"/>
+                  </a:stretch>
+                </a:blipFill>
+              </p:spPr>
+              <p:txBody>
+                <a:bodyPr/>
+                <a:lstStyle/>
+                <a:p>
+                  <a:r>
+                    <a:rPr lang="en-CN">
+                      <a:noFill/>
+                    </a:rPr>
+                    <a:t> </a:t>
+                  </a:r>
+                </a:p>
+              </p:txBody>
+            </p:sp>
+          </mc:Fallback>
+        </mc:AlternateContent>
+        <p:cxnSp>
+          <p:nvCxnSpPr>
+            <p:cNvPr id="441" name="Straight Arrow Connector 440">
+              <a:extLst>
+                <a:ext uri="{FF2B5EF4-FFF2-40B4-BE49-F238E27FC236}">
+                  <a16:creationId xmlns:a16="http://schemas.microsoft.com/office/drawing/2014/main" id="{2508B377-93F5-D747-AB00-C32AD264457C}"/>
+                </a:ext>
+              </a:extLst>
+            </p:cNvPr>
+            <p:cNvCxnSpPr>
+              <a:cxnSpLocks/>
+              <a:stCxn id="370" idx="3"/>
+            </p:cNvCxnSpPr>
+            <p:nvPr/>
+          </p:nvCxnSpPr>
+          <p:spPr>
+            <a:xfrm flipV="1">
+              <a:off x="3423804" y="4282186"/>
+              <a:ext cx="405275" cy="1187"/>
+            </a:xfrm>
+            <a:prstGeom prst="straightConnector1">
+              <a:avLst/>
+            </a:prstGeom>
+            <a:noFill/>
+            <a:ln w="19050" cap="flat" cmpd="sng" algn="ctr">
+              <a:solidFill>
+                <a:schemeClr val="tx1"/>
+              </a:solidFill>
+              <a:prstDash val="solid"/>
+              <a:miter lim="800000"/>
+              <a:tailEnd type="stealth" w="lg" len="med"/>
+            </a:ln>
+            <a:effectLst/>
+          </p:spPr>
+        </p:cxnSp>
+        <mc:AlternateContent xmlns:mc="http://schemas.openxmlformats.org/markup-compatibility/2006">
+          <mc:Choice xmlns:a14="http://schemas.microsoft.com/office/drawing/2010/main" Requires="a14">
+            <p:sp>
+              <p:nvSpPr>
+                <p:cNvPr id="444" name="TextBox 443">
+                  <a:extLst>
+                    <a:ext uri="{FF2B5EF4-FFF2-40B4-BE49-F238E27FC236}">
+                      <a16:creationId xmlns:a16="http://schemas.microsoft.com/office/drawing/2014/main" id="{F9CA5765-611B-714A-9542-09C5A386669B}"/>
+                    </a:ext>
+                  </a:extLst>
+                </p:cNvPr>
+                <p:cNvSpPr txBox="1"/>
+                <p:nvPr/>
+              </p:nvSpPr>
+              <p:spPr>
+                <a:xfrm>
+                  <a:off x="3494802" y="4367681"/>
+                  <a:ext cx="263277" cy="215444"/>
+                </a:xfrm>
+                <a:prstGeom prst="rect">
+                  <a:avLst/>
+                </a:prstGeom>
+                <a:noFill/>
+              </p:spPr>
+              <p:txBody>
+                <a:bodyPr wrap="none" lIns="0" tIns="0" rIns="0" bIns="0" rtlCol="0">
+                  <a:spAutoFit/>
+                </a:bodyPr>
+                <a:lstStyle/>
+                <a:p>
+                  <a14:m>
+                    <m:oMathPara xmlns:m="http://schemas.openxmlformats.org/officeDocument/2006/math">
+                      <m:oMathParaPr>
+                        <m:jc m:val="centerGroup"/>
+                      </m:oMathParaPr>
+                      <m:oMath xmlns:m="http://schemas.openxmlformats.org/officeDocument/2006/math">
+                        <m:sSup>
+                          <m:sSupPr>
+                            <m:ctrlPr>
+                              <a:rPr lang="en-US" sz="1400" b="0" i="1" smtClean="0">
+                                <a:latin typeface="Cambria Math" panose="02040503050406030204" pitchFamily="18" charset="0"/>
+                              </a:rPr>
+                            </m:ctrlPr>
+                          </m:sSupPr>
+                          <m:e>
+                            <m:r>
+                              <a:rPr lang="en-US" sz="1400" b="1" i="0" smtClean="0">
+                                <a:latin typeface="Cambria Math" panose="02040503050406030204" pitchFamily="18" charset="0"/>
+                              </a:rPr>
+                              <m:t>𝐑</m:t>
+                            </m:r>
+                          </m:e>
+                          <m:sup>
+                            <m:r>
+                              <a:rPr lang="en-US" sz="1400" b="0" i="1" smtClean="0">
+                                <a:latin typeface="Cambria Math" panose="02040503050406030204" pitchFamily="18" charset="0"/>
+                              </a:rPr>
+                              <m:t>𝑔</m:t>
+                            </m:r>
+                          </m:sup>
+                        </m:sSup>
+                      </m:oMath>
+                    </m:oMathPara>
+                  </a14:m>
+                  <a:endParaRPr lang="en-CN" sz="1400" dirty="0"/>
+                </a:p>
+              </p:txBody>
+            </p:sp>
+          </mc:Choice>
+          <mc:Fallback>
+            <p:sp>
+              <p:nvSpPr>
+                <p:cNvPr id="444" name="TextBox 443">
+                  <a:extLst>
+                    <a:ext uri="{FF2B5EF4-FFF2-40B4-BE49-F238E27FC236}">
+                      <a16:creationId xmlns:a16="http://schemas.microsoft.com/office/drawing/2014/main" id="{F9CA5765-611B-714A-9542-09C5A386669B}"/>
+                    </a:ext>
+                  </a:extLst>
+                </p:cNvPr>
+                <p:cNvSpPr txBox="1">
+                  <a:spLocks noRot="1" noChangeAspect="1" noMove="1" noResize="1" noEditPoints="1" noAdjustHandles="1" noChangeArrowheads="1" noChangeShapeType="1" noTextEdit="1"/>
+                </p:cNvSpPr>
+                <p:nvPr/>
+              </p:nvSpPr>
+              <p:spPr>
+                <a:xfrm>
+                  <a:off x="3494802" y="4367681"/>
+                  <a:ext cx="263277" cy="215444"/>
+                </a:xfrm>
+                <a:prstGeom prst="rect">
+                  <a:avLst/>
+                </a:prstGeom>
+                <a:blipFill>
+                  <a:blip r:embed="rId26"/>
+                  <a:stretch>
+                    <a:fillRect l="-14286" r="-9524" b="-5556"/>
+                  </a:stretch>
+                </a:blipFill>
+              </p:spPr>
+              <p:txBody>
+                <a:bodyPr/>
+                <a:lstStyle/>
+                <a:p>
+                  <a:r>
+                    <a:rPr lang="en-CN">
+                      <a:noFill/>
+                    </a:rPr>
+                    <a:t> </a:t>
+                  </a:r>
+                </a:p>
+              </p:txBody>
+            </p:sp>
+          </mc:Fallback>
+        </mc:AlternateContent>
+        <p:sp>
+          <p:nvSpPr>
+            <p:cNvPr id="454" name="Rounded Rectangle 453">
+              <a:extLst>
+                <a:ext uri="{FF2B5EF4-FFF2-40B4-BE49-F238E27FC236}">
+                  <a16:creationId xmlns:a16="http://schemas.microsoft.com/office/drawing/2014/main" id="{9D09D6A9-18CB-EF41-9FF2-DAF673E622F3}"/>
+                </a:ext>
+              </a:extLst>
+            </p:cNvPr>
+            <p:cNvSpPr/>
+            <p:nvPr/>
+          </p:nvSpPr>
+          <p:spPr>
+            <a:xfrm>
+              <a:off x="278970" y="1131167"/>
+              <a:ext cx="2017665" cy="1064791"/>
+            </a:xfrm>
+            <a:prstGeom prst="roundRect">
+              <a:avLst>
+                <a:gd name="adj" fmla="val 7245"/>
+              </a:avLst>
+            </a:prstGeom>
             <a:solidFill>
-              <a:sysClr val="windowText" lastClr="000000"/>
+              <a:schemeClr val="bg1">
+                <a:lumMod val="95000"/>
+                <a:alpha val="95000"/>
+              </a:schemeClr>
             </a:solidFill>
-            <a:prstDash val="solid"/>
-            <a:miter lim="800000"/>
-            <a:tailEnd type="stealth"/>
-          </a:ln>
-          <a:effectLst/>
-        </p:spPr>
-      </p:cxnSp>
-      <p:sp>
-        <p:nvSpPr>
-          <p:cNvPr id="100" name="Summing Junction 99">
-            <a:extLst>
-              <a:ext uri="{FF2B5EF4-FFF2-40B4-BE49-F238E27FC236}">
-                <a16:creationId xmlns:a16="http://schemas.microsoft.com/office/drawing/2014/main" id="{923889B1-34CE-F441-A363-0E3F41CB7F9B}"/>
-              </a:ext>
-            </a:extLst>
-          </p:cNvPr>
-          <p:cNvSpPr/>
-          <p:nvPr/>
-        </p:nvSpPr>
-        <p:spPr>
-          <a:xfrm>
-            <a:off x="1826117" y="5542568"/>
-            <a:ext cx="397101" cy="397101"/>
-          </a:xfrm>
-          <a:prstGeom prst="flowChartSummingJunction">
-            <a:avLst/>
-          </a:prstGeom>
-          <a:solidFill>
-            <a:srgbClr val="3494BA"/>
-          </a:solidFill>
-          <a:ln w="19050" cap="flat" cmpd="sng" algn="ctr">
+            <a:ln w="19050" cap="flat" cmpd="sng" algn="ctr">
+              <a:solidFill>
+                <a:schemeClr val="tx1"/>
+              </a:solidFill>
+              <a:prstDash val="solid"/>
+              <a:miter lim="800000"/>
+            </a:ln>
+            <a:effectLst/>
+          </p:spPr>
+          <p:txBody>
+            <a:bodyPr rtlCol="0" anchor="ctr"/>
+            <a:lstStyle/>
+            <a:p>
+              <a:pPr algn="ctr">
+                <a:defRPr/>
+              </a:pPr>
+              <a:endParaRPr kumimoji="0" lang="en-CN" sz="1400" b="1" i="0" u="none" strike="noStrike" kern="0" cap="none" spc="0" normalizeH="0" baseline="0" noProof="0" dirty="0">
+                <a:ln>
+                  <a:noFill/>
+                </a:ln>
+                <a:solidFill>
+                  <a:prstClr val="black"/>
+                </a:solidFill>
+                <a:effectLst/>
+                <a:uLnTx/>
+                <a:uFillTx/>
+                <a:latin typeface="KaiTi" panose="02010609060101010101" pitchFamily="49" charset="-122"/>
+                <a:ea typeface="KaiTi" panose="02010609060101010101" pitchFamily="49" charset="-122"/>
+                <a:cs typeface="+mn-cs"/>
+              </a:endParaRPr>
+            </a:p>
+          </p:txBody>
+        </p:sp>
+        <p:cxnSp>
+          <p:nvCxnSpPr>
+            <p:cNvPr id="455" name="Straight Arrow Connector 454">
+              <a:extLst>
+                <a:ext uri="{FF2B5EF4-FFF2-40B4-BE49-F238E27FC236}">
+                  <a16:creationId xmlns:a16="http://schemas.microsoft.com/office/drawing/2014/main" id="{723DFBE8-1CA9-044E-AA07-62B568DE591B}"/>
+                </a:ext>
+              </a:extLst>
+            </p:cNvPr>
+            <p:cNvCxnSpPr>
+              <a:cxnSpLocks/>
+            </p:cNvCxnSpPr>
+            <p:nvPr/>
+          </p:nvCxnSpPr>
+          <p:spPr>
+            <a:xfrm>
+              <a:off x="359625" y="1285055"/>
+              <a:ext cx="590655" cy="0"/>
+            </a:xfrm>
+            <a:prstGeom prst="straightConnector1">
+              <a:avLst/>
+            </a:prstGeom>
+            <a:noFill/>
+            <a:ln w="19050" cap="flat" cmpd="sng" algn="ctr">
+              <a:solidFill>
+                <a:schemeClr val="tx1"/>
+              </a:solidFill>
+              <a:prstDash val="solid"/>
+              <a:miter lim="800000"/>
+              <a:tailEnd type="stealth" w="lg" len="med"/>
+            </a:ln>
+            <a:effectLst/>
+          </p:spPr>
+        </p:cxnSp>
+        <p:sp>
+          <p:nvSpPr>
+            <p:cNvPr id="460" name="Oval 459">
+              <a:extLst>
+                <a:ext uri="{FF2B5EF4-FFF2-40B4-BE49-F238E27FC236}">
+                  <a16:creationId xmlns:a16="http://schemas.microsoft.com/office/drawing/2014/main" id="{A9D564BA-8B71-DE47-AF45-EF06C8EDF2BE}"/>
+                </a:ext>
+              </a:extLst>
+            </p:cNvPr>
+            <p:cNvSpPr/>
+            <p:nvPr/>
+          </p:nvSpPr>
+          <p:spPr>
+            <a:xfrm>
+              <a:off x="487567" y="1478376"/>
+              <a:ext cx="320839" cy="320839"/>
+            </a:xfrm>
+            <a:prstGeom prst="ellipse">
+              <a:avLst/>
+            </a:prstGeom>
             <a:solidFill>
-              <a:sysClr val="windowText" lastClr="000000"/>
+              <a:schemeClr val="accent4">
+                <a:lumMod val="60000"/>
+                <a:lumOff val="40000"/>
+              </a:schemeClr>
             </a:solidFill>
-            <a:prstDash val="solid"/>
-            <a:miter lim="800000"/>
-          </a:ln>
-          <a:effectLst/>
-        </p:spPr>
-        <p:txBody>
-          <a:bodyPr rtlCol="0" anchor="ctr"/>
-          <a:lstStyle/>
-          <a:p>
-            <a:pPr marL="0" marR="0" lvl="0" indent="0" algn="ctr" defTabSz="914400" eaLnBrk="1" fontAlgn="auto" latinLnBrk="0" hangingPunct="1">
-              <a:lnSpc>
-                <a:spcPct val="100000"/>
-              </a:lnSpc>
-              <a:spcBef>
-                <a:spcPts val="0"/>
-              </a:spcBef>
-              <a:spcAft>
-                <a:spcPts val="0"/>
-              </a:spcAft>
-              <a:buClrTx/>
-              <a:buSzTx/>
-              <a:buFontTx/>
-              <a:buNone/>
-              <a:tabLst/>
-              <a:defRPr/>
-            </a:pPr>
-            <a:endParaRPr kumimoji="0" lang="en-CN" sz="1800" b="0" i="0" u="none" strike="noStrike" kern="0" cap="none" spc="0" normalizeH="0" baseline="0" noProof="0">
-              <a:ln>
-                <a:noFill/>
-              </a:ln>
+            <a:ln w="19050" cap="flat" cmpd="sng" algn="ctr">
               <a:solidFill>
-                <a:prstClr val="white"/>
+                <a:schemeClr val="accent4">
+                  <a:lumMod val="50000"/>
+                </a:schemeClr>
               </a:solidFill>
-              <a:effectLst/>
-              <a:uLnTx/>
-              <a:uFillTx/>
-              <a:latin typeface="等线"/>
-              <a:ea typeface="+mn-ea"/>
-              <a:cs typeface="+mn-cs"/>
-            </a:endParaRPr>
-          </a:p>
-        </p:txBody>
-      </p:sp>
-      <p:cxnSp>
-        <p:nvCxnSpPr>
-          <p:cNvPr id="101" name="Elbow Connector 100">
-            <a:extLst>
-              <a:ext uri="{FF2B5EF4-FFF2-40B4-BE49-F238E27FC236}">
-                <a16:creationId xmlns:a16="http://schemas.microsoft.com/office/drawing/2014/main" id="{C84ECAC6-C272-A946-9FA7-0E9FEF725083}"/>
-              </a:ext>
-            </a:extLst>
-          </p:cNvPr>
-          <p:cNvCxnSpPr>
-            <a:cxnSpLocks/>
-            <a:stCxn id="93" idx="2"/>
-            <a:endCxn id="100" idx="2"/>
-          </p:cNvCxnSpPr>
-          <p:nvPr/>
-        </p:nvCxnSpPr>
-        <p:spPr>
-          <a:xfrm rot="16200000" flipH="1">
-            <a:off x="1010626" y="4925628"/>
-            <a:ext cx="548482" cy="1082500"/>
-          </a:xfrm>
-          <a:prstGeom prst="bentConnector2">
-            <a:avLst/>
-          </a:prstGeom>
-          <a:noFill/>
-          <a:ln w="12700" cap="flat" cmpd="sng" algn="ctr">
+              <a:prstDash val="solid"/>
+              <a:miter lim="800000"/>
+            </a:ln>
+            <a:effectLst/>
+          </p:spPr>
+          <p:txBody>
+            <a:bodyPr rtlCol="0" anchor="ctr"/>
+            <a:lstStyle/>
+            <a:p>
+              <a:pPr marL="0" marR="0" lvl="0" indent="0" algn="ctr" defTabSz="914400" eaLnBrk="1" fontAlgn="auto" latinLnBrk="0" hangingPunct="1">
+                <a:lnSpc>
+                  <a:spcPct val="100000"/>
+                </a:lnSpc>
+                <a:spcBef>
+                  <a:spcPts val="0"/>
+                </a:spcBef>
+                <a:spcAft>
+                  <a:spcPts val="0"/>
+                </a:spcAft>
+                <a:buClrTx/>
+                <a:buSzTx/>
+                <a:buFontTx/>
+                <a:buNone/>
+                <a:tabLst/>
+                <a:defRPr/>
+              </a:pPr>
+              <a:endParaRPr kumimoji="0" lang="en-CN" sz="1400" b="0" i="0" u="none" strike="noStrike" kern="0" cap="none" spc="0" normalizeH="0" baseline="0" noProof="0" dirty="0">
+                <a:ln>
+                  <a:noFill/>
+                </a:ln>
+                <a:solidFill>
+                  <a:prstClr val="black"/>
+                </a:solidFill>
+                <a:effectLst/>
+                <a:uLnTx/>
+                <a:uFillTx/>
+                <a:latin typeface="KaiTi" panose="02010609060101010101" pitchFamily="49" charset="-122"/>
+                <a:ea typeface="KaiTi" panose="02010609060101010101" pitchFamily="49" charset="-122"/>
+                <a:cs typeface="Times New Roman" panose="02020603050405020304" pitchFamily="18" charset="0"/>
+              </a:endParaRPr>
+            </a:p>
+          </p:txBody>
+        </p:sp>
+        <p:cxnSp>
+          <p:nvCxnSpPr>
+            <p:cNvPr id="461" name="Straight Arrow Connector 460">
+              <a:extLst>
+                <a:ext uri="{FF2B5EF4-FFF2-40B4-BE49-F238E27FC236}">
+                  <a16:creationId xmlns:a16="http://schemas.microsoft.com/office/drawing/2014/main" id="{19F32C1F-3F68-1A44-B918-418F63292A2F}"/>
+                </a:ext>
+              </a:extLst>
+            </p:cNvPr>
+            <p:cNvCxnSpPr>
+              <a:cxnSpLocks/>
+              <a:stCxn id="460" idx="2"/>
+              <a:endCxn id="460" idx="6"/>
+            </p:cNvCxnSpPr>
+            <p:nvPr/>
+          </p:nvCxnSpPr>
+          <p:spPr>
+            <a:xfrm>
+              <a:off x="487567" y="1638796"/>
+              <a:ext cx="320839" cy="0"/>
+            </a:xfrm>
+            <a:prstGeom prst="straightConnector1">
+              <a:avLst/>
+            </a:prstGeom>
+            <a:noFill/>
+            <a:ln w="19050" cap="flat" cmpd="sng" algn="ctr">
+              <a:solidFill>
+                <a:schemeClr val="accent4">
+                  <a:lumMod val="50000"/>
+                </a:schemeClr>
+              </a:solidFill>
+              <a:prstDash val="solid"/>
+              <a:miter lim="800000"/>
+              <a:tailEnd type="none"/>
+            </a:ln>
+            <a:effectLst/>
+          </p:spPr>
+        </p:cxnSp>
+        <p:sp>
+          <p:nvSpPr>
+            <p:cNvPr id="463" name="TextBox 462">
+              <a:extLst>
+                <a:ext uri="{FF2B5EF4-FFF2-40B4-BE49-F238E27FC236}">
+                  <a16:creationId xmlns:a16="http://schemas.microsoft.com/office/drawing/2014/main" id="{E72EBFAB-3A67-D242-A4C9-F4B6E5F2F710}"/>
+                </a:ext>
+              </a:extLst>
+            </p:cNvPr>
+            <p:cNvSpPr txBox="1"/>
+            <p:nvPr/>
+          </p:nvSpPr>
+          <p:spPr>
+            <a:xfrm>
+              <a:off x="1075926" y="1131167"/>
+              <a:ext cx="930353" cy="307777"/>
+            </a:xfrm>
+            <a:prstGeom prst="rect">
+              <a:avLst/>
+            </a:prstGeom>
+            <a:noFill/>
+          </p:spPr>
+          <p:txBody>
+            <a:bodyPr wrap="square">
+              <a:spAutoFit/>
+            </a:bodyPr>
+            <a:lstStyle/>
+            <a:p>
+              <a:pPr marL="0" marR="0" lvl="0" indent="0" defTabSz="914400" rtl="0" eaLnBrk="1" fontAlgn="auto" latinLnBrk="0" hangingPunct="1">
+                <a:lnSpc>
+                  <a:spcPct val="100000"/>
+                </a:lnSpc>
+                <a:spcBef>
+                  <a:spcPts val="0"/>
+                </a:spcBef>
+                <a:spcAft>
+                  <a:spcPts val="0"/>
+                </a:spcAft>
+                <a:buClrTx/>
+                <a:buSzTx/>
+                <a:buFontTx/>
+                <a:buNone/>
+                <a:tabLst/>
+                <a:defRPr/>
+              </a:pPr>
+              <a:r>
+                <a:rPr lang="en-US" sz="1400" b="1" kern="0" dirty="0" err="1">
+                  <a:solidFill>
+                    <a:prstClr val="black"/>
+                  </a:solidFill>
+                  <a:latin typeface="KaiTi" panose="02010609060101010101" pitchFamily="49" charset="-122"/>
+                  <a:ea typeface="KaiTi" panose="02010609060101010101" pitchFamily="49" charset="-122"/>
+                </a:rPr>
+                <a:t>特征流</a:t>
+              </a:r>
+              <a:endParaRPr kumimoji="0" lang="en-CN" sz="1400" b="1" i="0" u="none" strike="noStrike" kern="0" cap="none" spc="0" normalizeH="0" baseline="0" noProof="0" dirty="0">
+                <a:ln>
+                  <a:noFill/>
+                </a:ln>
+                <a:solidFill>
+                  <a:prstClr val="black"/>
+                </a:solidFill>
+                <a:effectLst/>
+                <a:uLnTx/>
+                <a:uFillTx/>
+                <a:latin typeface="KaiTi" panose="02010609060101010101" pitchFamily="49" charset="-122"/>
+                <a:ea typeface="KaiTi" panose="02010609060101010101" pitchFamily="49" charset="-122"/>
+                <a:cs typeface="+mn-cs"/>
+              </a:endParaRPr>
+            </a:p>
+          </p:txBody>
+        </p:sp>
+        <p:sp>
+          <p:nvSpPr>
+            <p:cNvPr id="467" name="TextBox 466">
+              <a:extLst>
+                <a:ext uri="{FF2B5EF4-FFF2-40B4-BE49-F238E27FC236}">
+                  <a16:creationId xmlns:a16="http://schemas.microsoft.com/office/drawing/2014/main" id="{ED2C5EBC-C6E9-F34A-9BB3-BB389D2C17B5}"/>
+                </a:ext>
+              </a:extLst>
+            </p:cNvPr>
+            <p:cNvSpPr txBox="1"/>
+            <p:nvPr/>
+          </p:nvSpPr>
+          <p:spPr>
+            <a:xfrm>
+              <a:off x="1070815" y="1484733"/>
+              <a:ext cx="930352" cy="307777"/>
+            </a:xfrm>
+            <a:prstGeom prst="rect">
+              <a:avLst/>
+            </a:prstGeom>
+            <a:noFill/>
+          </p:spPr>
+          <p:txBody>
+            <a:bodyPr wrap="square">
+              <a:spAutoFit/>
+            </a:bodyPr>
+            <a:lstStyle/>
+            <a:p>
+              <a:pPr marL="0" marR="0" lvl="0" indent="0" defTabSz="914400" rtl="0" eaLnBrk="1" fontAlgn="auto" latinLnBrk="0" hangingPunct="1">
+                <a:lnSpc>
+                  <a:spcPct val="100000"/>
+                </a:lnSpc>
+                <a:spcBef>
+                  <a:spcPts val="0"/>
+                </a:spcBef>
+                <a:spcAft>
+                  <a:spcPts val="0"/>
+                </a:spcAft>
+                <a:buClrTx/>
+                <a:buSzTx/>
+                <a:buFontTx/>
+                <a:buNone/>
+                <a:tabLst/>
+                <a:defRPr/>
+              </a:pPr>
+              <a:r>
+                <a:rPr kumimoji="0" lang="en-US" sz="1400" b="1" i="0" u="none" strike="noStrike" kern="0" cap="none" spc="0" normalizeH="0" baseline="0" noProof="0" dirty="0" err="1">
+                  <a:ln>
+                    <a:noFill/>
+                  </a:ln>
+                  <a:solidFill>
+                    <a:prstClr val="black"/>
+                  </a:solidFill>
+                  <a:effectLst/>
+                  <a:uLnTx/>
+                  <a:uFillTx/>
+                  <a:latin typeface="KaiTi" panose="02010609060101010101" pitchFamily="49" charset="-122"/>
+                  <a:ea typeface="KaiTi" panose="02010609060101010101" pitchFamily="49" charset="-122"/>
+                  <a:cs typeface="+mn-cs"/>
+                </a:rPr>
+                <a:t>残差运算</a:t>
+              </a:r>
+              <a:endParaRPr kumimoji="0" lang="en-CN" sz="1400" b="1" i="0" u="none" strike="noStrike" kern="0" cap="none" spc="0" normalizeH="0" baseline="0" noProof="0" dirty="0">
+                <a:ln>
+                  <a:noFill/>
+                </a:ln>
+                <a:solidFill>
+                  <a:prstClr val="black"/>
+                </a:solidFill>
+                <a:effectLst/>
+                <a:uLnTx/>
+                <a:uFillTx/>
+                <a:latin typeface="KaiTi" panose="02010609060101010101" pitchFamily="49" charset="-122"/>
+                <a:ea typeface="KaiTi" panose="02010609060101010101" pitchFamily="49" charset="-122"/>
+                <a:cs typeface="+mn-cs"/>
+              </a:endParaRPr>
+            </a:p>
+          </p:txBody>
+        </p:sp>
+        <p:sp>
+          <p:nvSpPr>
+            <p:cNvPr id="468" name="Oval 467">
+              <a:extLst>
+                <a:ext uri="{FF2B5EF4-FFF2-40B4-BE49-F238E27FC236}">
+                  <a16:creationId xmlns:a16="http://schemas.microsoft.com/office/drawing/2014/main" id="{291B237A-1869-A44C-87F3-A8BD1D1B922A}"/>
+                </a:ext>
+              </a:extLst>
+            </p:cNvPr>
+            <p:cNvSpPr/>
+            <p:nvPr/>
+          </p:nvSpPr>
+          <p:spPr>
+            <a:xfrm>
+              <a:off x="492674" y="1840309"/>
+              <a:ext cx="320839" cy="320839"/>
+            </a:xfrm>
+            <a:prstGeom prst="ellipse">
+              <a:avLst/>
+            </a:prstGeom>
             <a:solidFill>
-              <a:sysClr val="windowText" lastClr="000000"/>
+              <a:schemeClr val="accent4">
+                <a:lumMod val="60000"/>
+                <a:lumOff val="40000"/>
+              </a:schemeClr>
             </a:solidFill>
-            <a:prstDash val="sysDash"/>
-            <a:miter lim="800000"/>
-            <a:tailEnd type="triangle"/>
-          </a:ln>
-          <a:effectLst/>
-        </p:spPr>
-      </p:cxnSp>
+            <a:ln w="19050" cap="flat" cmpd="sng" algn="ctr">
+              <a:solidFill>
+                <a:schemeClr val="accent4">
+                  <a:lumMod val="50000"/>
+                </a:schemeClr>
+              </a:solidFill>
+              <a:prstDash val="solid"/>
+              <a:miter lim="800000"/>
+            </a:ln>
+            <a:effectLst/>
+          </p:spPr>
+          <p:txBody>
+            <a:bodyPr rtlCol="0" anchor="ctr"/>
+            <a:lstStyle/>
+            <a:p>
+              <a:pPr marL="0" marR="0" lvl="0" indent="0" algn="ctr" defTabSz="914400" eaLnBrk="1" fontAlgn="auto" latinLnBrk="0" hangingPunct="1">
+                <a:lnSpc>
+                  <a:spcPct val="100000"/>
+                </a:lnSpc>
+                <a:spcBef>
+                  <a:spcPts val="0"/>
+                </a:spcBef>
+                <a:spcAft>
+                  <a:spcPts val="0"/>
+                </a:spcAft>
+                <a:buClrTx/>
+                <a:buSzTx/>
+                <a:buFontTx/>
+                <a:buNone/>
+                <a:tabLst/>
+                <a:defRPr/>
+              </a:pPr>
+              <a:endParaRPr kumimoji="0" lang="en-CN" sz="1400" b="0" i="0" u="none" strike="noStrike" kern="0" cap="none" spc="0" normalizeH="0" baseline="0" noProof="0" dirty="0">
+                <a:ln>
+                  <a:noFill/>
+                </a:ln>
+                <a:solidFill>
+                  <a:prstClr val="black"/>
+                </a:solidFill>
+                <a:effectLst/>
+                <a:uLnTx/>
+                <a:uFillTx/>
+                <a:latin typeface="KaiTi" panose="02010609060101010101" pitchFamily="49" charset="-122"/>
+                <a:ea typeface="KaiTi" panose="02010609060101010101" pitchFamily="49" charset="-122"/>
+                <a:cs typeface="Times New Roman" panose="02020603050405020304" pitchFamily="18" charset="0"/>
+              </a:endParaRPr>
+            </a:p>
+          </p:txBody>
+        </p:sp>
+        <p:cxnSp>
+          <p:nvCxnSpPr>
+            <p:cNvPr id="469" name="Straight Arrow Connector 468">
+              <a:extLst>
+                <a:ext uri="{FF2B5EF4-FFF2-40B4-BE49-F238E27FC236}">
+                  <a16:creationId xmlns:a16="http://schemas.microsoft.com/office/drawing/2014/main" id="{87B9E0C8-4606-B246-B39F-3B645875A395}"/>
+                </a:ext>
+              </a:extLst>
+            </p:cNvPr>
+            <p:cNvCxnSpPr>
+              <a:cxnSpLocks/>
+              <a:stCxn id="468" idx="4"/>
+              <a:endCxn id="468" idx="0"/>
+            </p:cNvCxnSpPr>
+            <p:nvPr/>
+          </p:nvCxnSpPr>
+          <p:spPr>
+            <a:xfrm flipV="1">
+              <a:off x="653094" y="1840309"/>
+              <a:ext cx="0" cy="320839"/>
+            </a:xfrm>
+            <a:prstGeom prst="straightConnector1">
+              <a:avLst/>
+            </a:prstGeom>
+            <a:noFill/>
+            <a:ln w="19050" cap="flat" cmpd="sng" algn="ctr">
+              <a:solidFill>
+                <a:schemeClr val="accent4">
+                  <a:lumMod val="50000"/>
+                </a:schemeClr>
+              </a:solidFill>
+              <a:prstDash val="solid"/>
+              <a:miter lim="800000"/>
+              <a:tailEnd type="none"/>
+            </a:ln>
+            <a:effectLst/>
+          </p:spPr>
+        </p:cxnSp>
+        <p:cxnSp>
+          <p:nvCxnSpPr>
+            <p:cNvPr id="470" name="Straight Arrow Connector 469">
+              <a:extLst>
+                <a:ext uri="{FF2B5EF4-FFF2-40B4-BE49-F238E27FC236}">
+                  <a16:creationId xmlns:a16="http://schemas.microsoft.com/office/drawing/2014/main" id="{D2490E22-836A-3248-B872-45AE12F1900E}"/>
+                </a:ext>
+              </a:extLst>
+            </p:cNvPr>
+            <p:cNvCxnSpPr>
+              <a:cxnSpLocks/>
+              <a:stCxn id="468" idx="6"/>
+              <a:endCxn id="468" idx="2"/>
+            </p:cNvCxnSpPr>
+            <p:nvPr/>
+          </p:nvCxnSpPr>
+          <p:spPr>
+            <a:xfrm flipH="1">
+              <a:off x="492674" y="2000729"/>
+              <a:ext cx="320839" cy="0"/>
+            </a:xfrm>
+            <a:prstGeom prst="straightConnector1">
+              <a:avLst/>
+            </a:prstGeom>
+            <a:noFill/>
+            <a:ln w="19050" cap="flat" cmpd="sng" algn="ctr">
+              <a:solidFill>
+                <a:schemeClr val="accent4">
+                  <a:lumMod val="50000"/>
+                </a:schemeClr>
+              </a:solidFill>
+              <a:prstDash val="solid"/>
+              <a:miter lim="800000"/>
+              <a:tailEnd type="none"/>
+            </a:ln>
+            <a:effectLst/>
+          </p:spPr>
+        </p:cxnSp>
+        <p:sp>
+          <p:nvSpPr>
+            <p:cNvPr id="473" name="TextBox 472">
+              <a:extLst>
+                <a:ext uri="{FF2B5EF4-FFF2-40B4-BE49-F238E27FC236}">
+                  <a16:creationId xmlns:a16="http://schemas.microsoft.com/office/drawing/2014/main" id="{542BED52-BFD9-3948-B096-8152422E5E26}"/>
+                </a:ext>
+              </a:extLst>
+            </p:cNvPr>
+            <p:cNvSpPr txBox="1"/>
+            <p:nvPr/>
+          </p:nvSpPr>
+          <p:spPr>
+            <a:xfrm>
+              <a:off x="1075923" y="1839897"/>
+              <a:ext cx="930350" cy="307777"/>
+            </a:xfrm>
+            <a:prstGeom prst="rect">
+              <a:avLst/>
+            </a:prstGeom>
+            <a:noFill/>
+          </p:spPr>
+          <p:txBody>
+            <a:bodyPr wrap="square">
+              <a:spAutoFit/>
+            </a:bodyPr>
+            <a:lstStyle/>
+            <a:p>
+              <a:pPr marL="0" marR="0" lvl="0" indent="0" defTabSz="914400" rtl="0" eaLnBrk="1" fontAlgn="auto" latinLnBrk="0" hangingPunct="1">
+                <a:lnSpc>
+                  <a:spcPct val="100000"/>
+                </a:lnSpc>
+                <a:spcBef>
+                  <a:spcPts val="0"/>
+                </a:spcBef>
+                <a:spcAft>
+                  <a:spcPts val="0"/>
+                </a:spcAft>
+                <a:buClrTx/>
+                <a:buSzTx/>
+                <a:buFontTx/>
+                <a:buNone/>
+                <a:tabLst/>
+                <a:defRPr/>
+              </a:pPr>
+              <a:r>
+                <a:rPr lang="en-CN" sz="1400" b="1" kern="0" dirty="0">
+                  <a:solidFill>
+                    <a:prstClr val="black"/>
+                  </a:solidFill>
+                  <a:latin typeface="KaiTi" panose="02010609060101010101" pitchFamily="49" charset="-122"/>
+                  <a:ea typeface="KaiTi" panose="02010609060101010101" pitchFamily="49" charset="-122"/>
+                </a:rPr>
+                <a:t>均值运算</a:t>
+              </a:r>
+              <a:endParaRPr kumimoji="0" lang="en-CN" sz="1400" b="1" i="0" u="none" strike="noStrike" kern="0" cap="none" spc="0" normalizeH="0" baseline="0" noProof="0" dirty="0">
+                <a:ln>
+                  <a:noFill/>
+                </a:ln>
+                <a:solidFill>
+                  <a:prstClr val="black"/>
+                </a:solidFill>
+                <a:effectLst/>
+                <a:uLnTx/>
+                <a:uFillTx/>
+                <a:latin typeface="KaiTi" panose="02010609060101010101" pitchFamily="49" charset="-122"/>
+                <a:ea typeface="KaiTi" panose="02010609060101010101" pitchFamily="49" charset="-122"/>
+                <a:cs typeface="+mn-cs"/>
+              </a:endParaRPr>
+            </a:p>
+          </p:txBody>
+        </p:sp>
+        <p:sp>
+          <p:nvSpPr>
+            <p:cNvPr id="481" name="Rounded Rectangle 480">
+              <a:extLst>
+                <a:ext uri="{FF2B5EF4-FFF2-40B4-BE49-F238E27FC236}">
+                  <a16:creationId xmlns:a16="http://schemas.microsoft.com/office/drawing/2014/main" id="{0BE11428-2F3B-604E-8A86-EBBC12BA1926}"/>
+                </a:ext>
+              </a:extLst>
+            </p:cNvPr>
+            <p:cNvSpPr/>
+            <p:nvPr/>
+          </p:nvSpPr>
+          <p:spPr>
+            <a:xfrm>
+              <a:off x="7974579" y="2204679"/>
+              <a:ext cx="1271576" cy="738277"/>
+            </a:xfrm>
+            <a:prstGeom prst="roundRect">
+              <a:avLst>
+                <a:gd name="adj" fmla="val 0"/>
+              </a:avLst>
+            </a:prstGeom>
+            <a:noFill/>
+            <a:ln w="12700" cap="flat" cmpd="sng" algn="ctr">
+              <a:noFill/>
+              <a:prstDash val="solid"/>
+              <a:miter lim="800000"/>
+            </a:ln>
+            <a:effectLst/>
+          </p:spPr>
+          <p:txBody>
+            <a:bodyPr rtlCol="0" anchor="ctr"/>
+            <a:lstStyle/>
+            <a:p>
+              <a:pPr marL="0" marR="0" lvl="0" indent="0" algn="ctr" defTabSz="914400" eaLnBrk="1" fontAlgn="auto" latinLnBrk="0" hangingPunct="1">
+                <a:lnSpc>
+                  <a:spcPct val="100000"/>
+                </a:lnSpc>
+                <a:spcBef>
+                  <a:spcPts val="0"/>
+                </a:spcBef>
+                <a:spcAft>
+                  <a:spcPts val="0"/>
+                </a:spcAft>
+                <a:buClrTx/>
+                <a:buSzTx/>
+                <a:buFontTx/>
+                <a:buNone/>
+                <a:tabLst/>
+                <a:defRPr/>
+              </a:pPr>
+              <a:r>
+                <a:rPr kumimoji="0" lang="en-US" b="1" i="0" u="none" strike="noStrike" kern="0" cap="none" spc="0" normalizeH="0" baseline="0" noProof="0" dirty="0" err="1">
+                  <a:solidFill>
+                    <a:schemeClr val="accent6">
+                      <a:lumMod val="50000"/>
+                    </a:schemeClr>
+                  </a:solidFill>
+                  <a:effectLst>
+                    <a:reflection blurRad="6350" stA="55000" endA="300" endPos="45500" dir="5400000" sy="-100000" algn="bl" rotWithShape="0"/>
+                  </a:effectLst>
+                  <a:uLnTx/>
+                  <a:uFillTx/>
+                  <a:latin typeface="KaiTi" panose="02010609060101010101" pitchFamily="49" charset="-122"/>
+                  <a:ea typeface="KaiTi" panose="02010609060101010101" pitchFamily="49" charset="-122"/>
+                  <a:cs typeface="+mn-cs"/>
+                </a:rPr>
+                <a:t>跨粒度</a:t>
+              </a:r>
+              <a:endParaRPr kumimoji="0" lang="en-US" b="1" i="0" u="none" strike="noStrike" kern="0" cap="none" spc="0" normalizeH="0" baseline="0" noProof="0" dirty="0">
+                <a:solidFill>
+                  <a:schemeClr val="accent6">
+                    <a:lumMod val="50000"/>
+                  </a:schemeClr>
+                </a:solidFill>
+                <a:effectLst>
+                  <a:reflection blurRad="6350" stA="55000" endA="300" endPos="45500" dir="5400000" sy="-100000" algn="bl" rotWithShape="0"/>
+                </a:effectLst>
+                <a:uLnTx/>
+                <a:uFillTx/>
+                <a:latin typeface="KaiTi" panose="02010609060101010101" pitchFamily="49" charset="-122"/>
+                <a:ea typeface="KaiTi" panose="02010609060101010101" pitchFamily="49" charset="-122"/>
+                <a:cs typeface="+mn-cs"/>
+              </a:endParaRPr>
+            </a:p>
+            <a:p>
+              <a:pPr marL="0" marR="0" lvl="0" indent="0" algn="ctr" defTabSz="914400" eaLnBrk="1" fontAlgn="auto" latinLnBrk="0" hangingPunct="1">
+                <a:lnSpc>
+                  <a:spcPct val="100000"/>
+                </a:lnSpc>
+                <a:spcBef>
+                  <a:spcPts val="0"/>
+                </a:spcBef>
+                <a:spcAft>
+                  <a:spcPts val="0"/>
+                </a:spcAft>
+                <a:buClrTx/>
+                <a:buSzTx/>
+                <a:buFontTx/>
+                <a:buNone/>
+                <a:tabLst/>
+                <a:defRPr/>
+              </a:pPr>
+              <a:r>
+                <a:rPr kumimoji="0" lang="en-US" b="1" i="0" u="none" strike="noStrike" kern="0" cap="none" spc="0" normalizeH="0" baseline="0" noProof="0" dirty="0" err="1">
+                  <a:solidFill>
+                    <a:schemeClr val="accent6">
+                      <a:lumMod val="50000"/>
+                    </a:schemeClr>
+                  </a:solidFill>
+                  <a:effectLst>
+                    <a:reflection blurRad="6350" stA="55000" endA="300" endPos="45500" dir="5400000" sy="-100000" algn="bl" rotWithShape="0"/>
+                  </a:effectLst>
+                  <a:uLnTx/>
+                  <a:uFillTx/>
+                  <a:latin typeface="KaiTi" panose="02010609060101010101" pitchFamily="49" charset="-122"/>
+                  <a:ea typeface="KaiTi" panose="02010609060101010101" pitchFamily="49" charset="-122"/>
+                  <a:cs typeface="+mn-cs"/>
+                </a:rPr>
+                <a:t>残差堆积</a:t>
+              </a:r>
+              <a:endParaRPr kumimoji="0" lang="en-CN" b="1" i="0" u="none" strike="noStrike" kern="0" cap="none" spc="0" normalizeH="0" baseline="0" noProof="0" dirty="0">
+                <a:solidFill>
+                  <a:schemeClr val="accent6">
+                    <a:lumMod val="50000"/>
+                  </a:schemeClr>
+                </a:solidFill>
+                <a:effectLst>
+                  <a:reflection blurRad="6350" stA="55000" endA="300" endPos="45500" dir="5400000" sy="-100000" algn="bl" rotWithShape="0"/>
+                </a:effectLst>
+                <a:uLnTx/>
+                <a:uFillTx/>
+                <a:latin typeface="KaiTi" panose="02010609060101010101" pitchFamily="49" charset="-122"/>
+                <a:ea typeface="KaiTi" panose="02010609060101010101" pitchFamily="49" charset="-122"/>
+                <a:cs typeface="+mn-cs"/>
+              </a:endParaRPr>
+            </a:p>
+          </p:txBody>
+        </p:sp>
+      </p:grpSp>
     </p:spTree>
     <p:extLst>
       <p:ext uri="{BB962C8B-B14F-4D97-AF65-F5344CB8AC3E}">
         <p14:creationId xmlns:p14="http://schemas.microsoft.com/office/powerpoint/2010/main" val="3268520501"/>
+      </p:ext>
+    </p:extLst>
+  </p:cSld>
+  <p:clrMapOvr>
+    <a:masterClrMapping/>
+  </p:clrMapOvr>
+</p:sld>
+</file>
+
+<file path=ppt/slides/slide3.xml><?xml version="1.0" encoding="utf-8"?>
+<p:sld xmlns:a="http://schemas.openxmlformats.org/drawingml/2006/main" xmlns:r="http://schemas.openxmlformats.org/officeDocument/2006/relationships" xmlns:p="http://schemas.openxmlformats.org/presentationml/2006/main">
+  <p:cSld>
+    <p:spTree>
+      <p:nvGrpSpPr>
+        <p:cNvPr id="1" name=""/>
+        <p:cNvGrpSpPr/>
+        <p:nvPr/>
+      </p:nvGrpSpPr>
+      <p:grpSpPr>
+        <a:xfrm>
+          <a:off x="0" y="0"/>
+          <a:ext cx="0" cy="0"/>
+          <a:chOff x="0" y="0"/>
+          <a:chExt cx="0" cy="0"/>
+        </a:xfrm>
+      </p:grpSpPr>
+    </p:spTree>
+    <p:extLst>
+      <p:ext uri="{BB962C8B-B14F-4D97-AF65-F5344CB8AC3E}">
+        <p14:creationId xmlns:p14="http://schemas.microsoft.com/office/powerpoint/2010/main" val="705094231"/>
       </p:ext>
     </p:extLst>
   </p:cSld>

--- a/images/MgRL_CE_Images.pptx
+++ b/images/MgRL_CE_Images.pptx
@@ -3662,7 +3662,7 @@
         </p:nvGrpSpPr>
         <p:grpSpPr>
           <a:xfrm>
-            <a:off x="278970" y="705957"/>
+            <a:off x="408476" y="718484"/>
             <a:ext cx="11375047" cy="4309179"/>
             <a:chOff x="278970" y="705957"/>
             <a:chExt cx="11375047" cy="4309179"/>
@@ -4404,8 +4404,8 @@
             </a:p>
           </p:txBody>
         </p:sp>
-        <mc:AlternateContent xmlns:mc="http://schemas.openxmlformats.org/markup-compatibility/2006">
-          <mc:Choice xmlns:a14="http://schemas.microsoft.com/office/drawing/2010/main" Requires="a14">
+        <mc:AlternateContent xmlns:mc="http://schemas.openxmlformats.org/markup-compatibility/2006" xmlns:a14="http://schemas.microsoft.com/office/drawing/2010/main">
+          <mc:Choice Requires="a14">
             <p:sp>
               <p:nvSpPr>
                 <p:cNvPr id="45" name="TextBox 44">
@@ -4557,7 +4557,7 @@
               </p:txBody>
             </p:sp>
           </mc:Choice>
-          <mc:Fallback>
+          <mc:Fallback xmlns="">
             <p:sp>
               <p:nvSpPr>
                 <p:cNvPr id="45" name="TextBox 44">
@@ -4638,8 +4638,8 @@
             <a:effectLst/>
           </p:spPr>
         </p:cxnSp>
-        <mc:AlternateContent xmlns:mc="http://schemas.openxmlformats.org/markup-compatibility/2006">
-          <mc:Choice xmlns:a14="http://schemas.microsoft.com/office/drawing/2010/main" Requires="a14">
+        <mc:AlternateContent xmlns:mc="http://schemas.openxmlformats.org/markup-compatibility/2006" xmlns:a14="http://schemas.microsoft.com/office/drawing/2010/main">
+          <mc:Choice Requires="a14">
             <p:sp>
               <p:nvSpPr>
                 <p:cNvPr id="124" name="TextBox 123">
@@ -4770,7 +4770,7 @@
               </p:txBody>
             </p:sp>
           </mc:Choice>
-          <mc:Fallback>
+          <mc:Fallback xmlns="">
             <p:sp>
               <p:nvSpPr>
                 <p:cNvPr id="124" name="TextBox 123">
@@ -4851,8 +4851,8 @@
             <a:effectLst/>
           </p:spPr>
         </p:cxnSp>
-        <mc:AlternateContent xmlns:mc="http://schemas.openxmlformats.org/markup-compatibility/2006">
-          <mc:Choice xmlns:a14="http://schemas.microsoft.com/office/drawing/2010/main" Requires="a14">
+        <mc:AlternateContent xmlns:mc="http://schemas.openxmlformats.org/markup-compatibility/2006" xmlns:a14="http://schemas.microsoft.com/office/drawing/2010/main">
+          <mc:Choice Requires="a14">
             <p:sp>
               <p:nvSpPr>
                 <p:cNvPr id="128" name="TextBox 127">
@@ -4921,7 +4921,7 @@
               </p:txBody>
             </p:sp>
           </mc:Choice>
-          <mc:Fallback>
+          <mc:Fallback xmlns="">
             <p:sp>
               <p:nvSpPr>
                 <p:cNvPr id="128" name="TextBox 127">
@@ -4966,8 +4966,8 @@
             </p:sp>
           </mc:Fallback>
         </mc:AlternateContent>
-        <mc:AlternateContent xmlns:mc="http://schemas.openxmlformats.org/markup-compatibility/2006">
-          <mc:Choice xmlns:a14="http://schemas.microsoft.com/office/drawing/2010/main" Requires="a14">
+        <mc:AlternateContent xmlns:mc="http://schemas.openxmlformats.org/markup-compatibility/2006" xmlns:a14="http://schemas.microsoft.com/office/drawing/2010/main">
+          <mc:Choice Requires="a14">
             <p:sp>
               <p:nvSpPr>
                 <p:cNvPr id="129" name="TextBox 128">
@@ -5036,7 +5036,7 @@
               </p:txBody>
             </p:sp>
           </mc:Choice>
-          <mc:Fallback>
+          <mc:Fallback xmlns="">
             <p:sp>
               <p:nvSpPr>
                 <p:cNvPr id="129" name="TextBox 128">
@@ -5117,8 +5117,8 @@
             <a:effectLst/>
           </p:spPr>
         </p:cxnSp>
-        <mc:AlternateContent xmlns:mc="http://schemas.openxmlformats.org/markup-compatibility/2006">
-          <mc:Choice xmlns:a14="http://schemas.microsoft.com/office/drawing/2010/main" Requires="a14">
+        <mc:AlternateContent xmlns:mc="http://schemas.openxmlformats.org/markup-compatibility/2006" xmlns:a14="http://schemas.microsoft.com/office/drawing/2010/main">
+          <mc:Choice Requires="a14">
             <p:sp>
               <p:nvSpPr>
                 <p:cNvPr id="135" name="TextBox 134">
@@ -5270,7 +5270,7 @@
               </p:txBody>
             </p:sp>
           </mc:Choice>
-          <mc:Fallback>
+          <mc:Fallback xmlns="">
             <p:sp>
               <p:nvSpPr>
                 <p:cNvPr id="135" name="TextBox 134">
@@ -5315,8 +5315,8 @@
             </p:sp>
           </mc:Fallback>
         </mc:AlternateContent>
-        <mc:AlternateContent xmlns:mc="http://schemas.openxmlformats.org/markup-compatibility/2006">
-          <mc:Choice xmlns:a14="http://schemas.microsoft.com/office/drawing/2010/main" Requires="a14">
+        <mc:AlternateContent xmlns:mc="http://schemas.openxmlformats.org/markup-compatibility/2006" xmlns:a14="http://schemas.microsoft.com/office/drawing/2010/main">
+          <mc:Choice Requires="a14">
             <p:sp>
               <p:nvSpPr>
                 <p:cNvPr id="136" name="TextBox 135">
@@ -5447,7 +5447,7 @@
               </p:txBody>
             </p:sp>
           </mc:Choice>
-          <mc:Fallback>
+          <mc:Fallback xmlns="">
             <p:sp>
               <p:nvSpPr>
                 <p:cNvPr id="136" name="TextBox 135">
@@ -5614,8 +5614,8 @@
             </a:p>
           </p:txBody>
         </p:sp>
-        <mc:AlternateContent xmlns:mc="http://schemas.openxmlformats.org/markup-compatibility/2006">
-          <mc:Choice xmlns:a14="http://schemas.microsoft.com/office/drawing/2010/main" Requires="a14">
+        <mc:AlternateContent xmlns:mc="http://schemas.openxmlformats.org/markup-compatibility/2006" xmlns:a14="http://schemas.microsoft.com/office/drawing/2010/main">
+          <mc:Choice Requires="a14">
             <p:sp>
               <p:nvSpPr>
                 <p:cNvPr id="146" name="TextBox 145">
@@ -5684,7 +5684,7 @@
               </p:txBody>
             </p:sp>
           </mc:Choice>
-          <mc:Fallback>
+          <mc:Fallback xmlns="">
             <p:sp>
               <p:nvSpPr>
                 <p:cNvPr id="146" name="TextBox 145">
@@ -5878,8 +5878,8 @@
             <a:effectLst/>
           </p:spPr>
         </p:cxnSp>
-        <mc:AlternateContent xmlns:mc="http://schemas.openxmlformats.org/markup-compatibility/2006">
-          <mc:Choice xmlns:a14="http://schemas.microsoft.com/office/drawing/2010/main" Requires="a14">
+        <mc:AlternateContent xmlns:mc="http://schemas.openxmlformats.org/markup-compatibility/2006" xmlns:a14="http://schemas.microsoft.com/office/drawing/2010/main">
+          <mc:Choice Requires="a14">
             <p:sp>
               <p:nvSpPr>
                 <p:cNvPr id="164" name="TextBox 163">
@@ -5948,7 +5948,7 @@
               </p:txBody>
             </p:sp>
           </mc:Choice>
-          <mc:Fallback>
+          <mc:Fallback xmlns="">
             <p:sp>
               <p:nvSpPr>
                 <p:cNvPr id="164" name="TextBox 163">
@@ -6318,8 +6318,8 @@
             <a:effectLst/>
           </p:spPr>
         </p:cxnSp>
-        <mc:AlternateContent xmlns:mc="http://schemas.openxmlformats.org/markup-compatibility/2006">
-          <mc:Choice xmlns:a14="http://schemas.microsoft.com/office/drawing/2010/main" Requires="a14">
+        <mc:AlternateContent xmlns:mc="http://schemas.openxmlformats.org/markup-compatibility/2006" xmlns:a14="http://schemas.microsoft.com/office/drawing/2010/main">
+          <mc:Choice Requires="a14">
             <p:sp>
               <p:nvSpPr>
                 <p:cNvPr id="181" name="TextBox 180">
@@ -6471,7 +6471,7 @@
               </p:txBody>
             </p:sp>
           </mc:Choice>
-          <mc:Fallback>
+          <mc:Fallback xmlns="">
             <p:sp>
               <p:nvSpPr>
                 <p:cNvPr id="181" name="TextBox 180">
@@ -6516,8 +6516,8 @@
             </p:sp>
           </mc:Fallback>
         </mc:AlternateContent>
-        <mc:AlternateContent xmlns:mc="http://schemas.openxmlformats.org/markup-compatibility/2006">
-          <mc:Choice xmlns:a14="http://schemas.microsoft.com/office/drawing/2010/main" Requires="a14">
+        <mc:AlternateContent xmlns:mc="http://schemas.openxmlformats.org/markup-compatibility/2006" xmlns:a14="http://schemas.microsoft.com/office/drawing/2010/main">
+          <mc:Choice Requires="a14">
             <p:sp>
               <p:nvSpPr>
                 <p:cNvPr id="182" name="TextBox 181">
@@ -6648,7 +6648,7 @@
               </p:txBody>
             </p:sp>
           </mc:Choice>
-          <mc:Fallback>
+          <mc:Fallback xmlns="">
             <p:sp>
               <p:nvSpPr>
                 <p:cNvPr id="182" name="TextBox 181">
@@ -6728,8 +6728,8 @@
             <a:effectLst/>
           </p:spPr>
         </p:cxnSp>
-        <mc:AlternateContent xmlns:mc="http://schemas.openxmlformats.org/markup-compatibility/2006">
-          <mc:Choice xmlns:a14="http://schemas.microsoft.com/office/drawing/2010/main" Requires="a14">
+        <mc:AlternateContent xmlns:mc="http://schemas.openxmlformats.org/markup-compatibility/2006" xmlns:a14="http://schemas.microsoft.com/office/drawing/2010/main">
+          <mc:Choice Requires="a14">
             <p:sp>
               <p:nvSpPr>
                 <p:cNvPr id="185" name="TextBox 184">
@@ -6798,7 +6798,7 @@
               </p:txBody>
             </p:sp>
           </mc:Choice>
-          <mc:Fallback>
+          <mc:Fallback xmlns="">
             <p:sp>
               <p:nvSpPr>
                 <p:cNvPr id="185" name="TextBox 184">
@@ -7180,8 +7180,8 @@
             </a:p>
           </p:txBody>
         </p:sp>
-        <mc:AlternateContent xmlns:mc="http://schemas.openxmlformats.org/markup-compatibility/2006">
-          <mc:Choice xmlns:a14="http://schemas.microsoft.com/office/drawing/2010/main" Requires="a14">
+        <mc:AlternateContent xmlns:mc="http://schemas.openxmlformats.org/markup-compatibility/2006" xmlns:a14="http://schemas.microsoft.com/office/drawing/2010/main">
+          <mc:Choice Requires="a14">
             <p:sp>
               <p:nvSpPr>
                 <p:cNvPr id="193" name="TextBox 192">
@@ -7339,7 +7339,7 @@
               </p:txBody>
             </p:sp>
           </mc:Choice>
-          <mc:Fallback>
+          <mc:Fallback xmlns="">
             <p:sp>
               <p:nvSpPr>
                 <p:cNvPr id="193" name="TextBox 192">
@@ -7569,8 +7569,8 @@
             <a:effectLst/>
           </p:spPr>
         </p:cxnSp>
-        <mc:AlternateContent xmlns:mc="http://schemas.openxmlformats.org/markup-compatibility/2006">
-          <mc:Choice xmlns:a14="http://schemas.microsoft.com/office/drawing/2010/main" Requires="a14">
+        <mc:AlternateContent xmlns:mc="http://schemas.openxmlformats.org/markup-compatibility/2006" xmlns:a14="http://schemas.microsoft.com/office/drawing/2010/main">
+          <mc:Choice Requires="a14">
             <p:sp>
               <p:nvSpPr>
                 <p:cNvPr id="240" name="TextBox 239">
@@ -7648,7 +7648,7 @@
               </p:txBody>
             </p:sp>
           </mc:Choice>
-          <mc:Fallback>
+          <mc:Fallback xmlns="">
             <p:sp>
               <p:nvSpPr>
                 <p:cNvPr id="240" name="TextBox 239">
@@ -7897,8 +7897,8 @@
             <a:effectLst/>
           </p:spPr>
         </p:cxnSp>
-        <mc:AlternateContent xmlns:mc="http://schemas.openxmlformats.org/markup-compatibility/2006">
-          <mc:Choice xmlns:a14="http://schemas.microsoft.com/office/drawing/2010/main" Requires="a14">
+        <mc:AlternateContent xmlns:mc="http://schemas.openxmlformats.org/markup-compatibility/2006" xmlns:a14="http://schemas.microsoft.com/office/drawing/2010/main">
+          <mc:Choice Requires="a14">
             <p:sp>
               <p:nvSpPr>
                 <p:cNvPr id="260" name="TextBox 259">
@@ -8032,7 +8032,7 @@
               </p:txBody>
             </p:sp>
           </mc:Choice>
-          <mc:Fallback>
+          <mc:Fallback xmlns="">
             <p:sp>
               <p:nvSpPr>
                 <p:cNvPr id="260" name="TextBox 259">
@@ -8077,8 +8077,8 @@
             </p:sp>
           </mc:Fallback>
         </mc:AlternateContent>
-        <mc:AlternateContent xmlns:mc="http://schemas.openxmlformats.org/markup-compatibility/2006">
-          <mc:Choice xmlns:a14="http://schemas.microsoft.com/office/drawing/2010/main" Requires="a14">
+        <mc:AlternateContent xmlns:mc="http://schemas.openxmlformats.org/markup-compatibility/2006" xmlns:a14="http://schemas.microsoft.com/office/drawing/2010/main">
+          <mc:Choice Requires="a14">
             <p:sp>
               <p:nvSpPr>
                 <p:cNvPr id="261" name="TextBox 260">
@@ -8150,7 +8150,7 @@
               </p:txBody>
             </p:sp>
           </mc:Choice>
-          <mc:Fallback>
+          <mc:Fallback xmlns="">
             <p:sp>
               <p:nvSpPr>
                 <p:cNvPr id="261" name="TextBox 260">
@@ -8456,8 +8456,8 @@
             <a:effectLst/>
           </p:spPr>
         </p:cxnSp>
-        <mc:AlternateContent xmlns:mc="http://schemas.openxmlformats.org/markup-compatibility/2006">
-          <mc:Choice xmlns:a14="http://schemas.microsoft.com/office/drawing/2010/main" Requires="a14">
+        <mc:AlternateContent xmlns:mc="http://schemas.openxmlformats.org/markup-compatibility/2006" xmlns:a14="http://schemas.microsoft.com/office/drawing/2010/main">
+          <mc:Choice Requires="a14">
             <p:sp>
               <p:nvSpPr>
                 <p:cNvPr id="299" name="TextBox 298">
@@ -8526,7 +8526,7 @@
               </p:txBody>
             </p:sp>
           </mc:Choice>
-          <mc:Fallback>
+          <mc:Fallback xmlns="">
             <p:sp>
               <p:nvSpPr>
                 <p:cNvPr id="299" name="TextBox 298">
@@ -8571,8 +8571,8 @@
             </p:sp>
           </mc:Fallback>
         </mc:AlternateContent>
-        <mc:AlternateContent xmlns:mc="http://schemas.openxmlformats.org/markup-compatibility/2006">
-          <mc:Choice xmlns:a14="http://schemas.microsoft.com/office/drawing/2010/main" Requires="a14">
+        <mc:AlternateContent xmlns:mc="http://schemas.openxmlformats.org/markup-compatibility/2006" xmlns:a14="http://schemas.microsoft.com/office/drawing/2010/main">
+          <mc:Choice Requires="a14">
             <p:sp>
               <p:nvSpPr>
                 <p:cNvPr id="300" name="TextBox 299">
@@ -8641,7 +8641,7 @@
               </p:txBody>
             </p:sp>
           </mc:Choice>
-          <mc:Fallback>
+          <mc:Fallback xmlns="">
             <p:sp>
               <p:nvSpPr>
                 <p:cNvPr id="300" name="TextBox 299">
@@ -8686,8 +8686,8 @@
             </p:sp>
           </mc:Fallback>
         </mc:AlternateContent>
-        <mc:AlternateContent xmlns:mc="http://schemas.openxmlformats.org/markup-compatibility/2006">
-          <mc:Choice xmlns:a14="http://schemas.microsoft.com/office/drawing/2010/main" Requires="a14">
+        <mc:AlternateContent xmlns:mc="http://schemas.openxmlformats.org/markup-compatibility/2006" xmlns:a14="http://schemas.microsoft.com/office/drawing/2010/main">
+          <mc:Choice Requires="a14">
             <p:sp>
               <p:nvSpPr>
                 <p:cNvPr id="301" name="TextBox 300">
@@ -8759,7 +8759,7 @@
               </p:txBody>
             </p:sp>
           </mc:Choice>
-          <mc:Fallback>
+          <mc:Fallback xmlns="">
             <p:sp>
               <p:nvSpPr>
                 <p:cNvPr id="301" name="TextBox 300">
@@ -8839,8 +8839,8 @@
             <a:effectLst/>
           </p:spPr>
         </p:cxnSp>
-        <mc:AlternateContent xmlns:mc="http://schemas.openxmlformats.org/markup-compatibility/2006">
-          <mc:Choice xmlns:a14="http://schemas.microsoft.com/office/drawing/2010/main" Requires="a14">
+        <mc:AlternateContent xmlns:mc="http://schemas.openxmlformats.org/markup-compatibility/2006" xmlns:a14="http://schemas.microsoft.com/office/drawing/2010/main">
+          <mc:Choice Requires="a14">
             <p:sp>
               <p:nvSpPr>
                 <p:cNvPr id="336" name="TextBox 335">
@@ -8914,7 +8914,7 @@
               </p:txBody>
             </p:sp>
           </mc:Choice>
-          <mc:Fallback>
+          <mc:Fallback xmlns="">
             <p:sp>
               <p:nvSpPr>
                 <p:cNvPr id="336" name="TextBox 335">
@@ -8985,7 +8985,7 @@
               <a:schemeClr val="accent2">
                 <a:lumMod val="20000"/>
                 <a:lumOff val="80000"/>
-                <a:alpha val="69391"/>
+                <a:alpha val="70000"/>
               </a:schemeClr>
             </a:solidFill>
             <a:ln w="19050" cap="flat" cmpd="sng" algn="ctr">
@@ -9136,9 +9136,7 @@
                   </a:avLst>
                 </a:prstGeom>
                 <a:solidFill>
-                  <a:schemeClr val="bg1">
-                    <a:alpha val="95000"/>
-                  </a:schemeClr>
+                  <a:schemeClr val="bg1"/>
                 </a:solidFill>
                 <a:ln w="19050" cap="flat" cmpd="sng" algn="ctr">
                   <a:solidFill>
@@ -9344,9 +9342,7 @@
                   </a:avLst>
                 </a:prstGeom>
                 <a:solidFill>
-                  <a:schemeClr val="bg1">
-                    <a:alpha val="95000"/>
-                  </a:schemeClr>
+                  <a:schemeClr val="bg1"/>
                 </a:solidFill>
                 <a:ln w="19050" cap="flat" cmpd="sng" algn="ctr">
                   <a:solidFill>
@@ -9545,9 +9541,7 @@
                   </a:avLst>
                 </a:prstGeom>
                 <a:solidFill>
-                  <a:schemeClr val="bg1">
-                    <a:alpha val="95000"/>
-                  </a:schemeClr>
+                  <a:schemeClr val="bg1"/>
                 </a:solidFill>
                 <a:ln w="19050" cap="flat" cmpd="sng" algn="ctr">
                   <a:solidFill>
@@ -9617,7 +9611,17 @@
                               <a:latin typeface="Cambria Math" panose="02040503050406030204" pitchFamily="18" charset="0"/>
                               <a:ea typeface="Cambria Math" panose="02040503050406030204" pitchFamily="18" charset="0"/>
                             </a:rPr>
-                            <m:t>Red</m:t>
+                            <m:t>Re</m:t>
+                          </m:r>
+                          <m:r>
+                            <m:rPr>
+                              <m:sty m:val="p"/>
+                            </m:rPr>
+                            <a:rPr lang="en-US" altLang="zh-CN" sz="1400" b="0" i="0" smtClean="0">
+                              <a:latin typeface="Cambria Math" panose="02040503050406030204" pitchFamily="18" charset="0"/>
+                              <a:ea typeface="Cambria Math" panose="02040503050406030204" pitchFamily="18" charset="0"/>
+                            </a:rPr>
+                            <m:t>c</m:t>
                           </m:r>
                         </m:sub>
                         <m:sup>
@@ -9821,8 +9825,8 @@
             <a:effectLst/>
           </p:spPr>
         </p:cxnSp>
-        <mc:AlternateContent xmlns:mc="http://schemas.openxmlformats.org/markup-compatibility/2006">
-          <mc:Choice xmlns:a14="http://schemas.microsoft.com/office/drawing/2010/main" Requires="a14">
+        <mc:AlternateContent xmlns:mc="http://schemas.openxmlformats.org/markup-compatibility/2006" xmlns:a14="http://schemas.microsoft.com/office/drawing/2010/main">
+          <mc:Choice Requires="a14">
             <p:sp>
               <p:nvSpPr>
                 <p:cNvPr id="409" name="TextBox 408">
@@ -9927,7 +9931,7 @@
               </p:txBody>
             </p:sp>
           </mc:Choice>
-          <mc:Fallback>
+          <mc:Fallback xmlns="">
             <p:sp>
               <p:nvSpPr>
                 <p:cNvPr id="409" name="TextBox 408">
@@ -10007,8 +10011,8 @@
             <a:effectLst/>
           </p:spPr>
         </p:cxnSp>
-        <mc:AlternateContent xmlns:mc="http://schemas.openxmlformats.org/markup-compatibility/2006">
-          <mc:Choice xmlns:a14="http://schemas.microsoft.com/office/drawing/2010/main" Requires="a14">
+        <mc:AlternateContent xmlns:mc="http://schemas.openxmlformats.org/markup-compatibility/2006" xmlns:a14="http://schemas.microsoft.com/office/drawing/2010/main">
+          <mc:Choice Requires="a14">
             <p:sp>
               <p:nvSpPr>
                 <p:cNvPr id="434" name="TextBox 433">
@@ -10077,7 +10081,7 @@
               </p:txBody>
             </p:sp>
           </mc:Choice>
-          <mc:Fallback>
+          <mc:Fallback xmlns="">
             <p:sp>
               <p:nvSpPr>
                 <p:cNvPr id="434" name="TextBox 433">
@@ -10122,8 +10126,8 @@
             </p:sp>
           </mc:Fallback>
         </mc:AlternateContent>
-        <mc:AlternateContent xmlns:mc="http://schemas.openxmlformats.org/markup-compatibility/2006">
-          <mc:Choice xmlns:a14="http://schemas.microsoft.com/office/drawing/2010/main" Requires="a14">
+        <mc:AlternateContent xmlns:mc="http://schemas.openxmlformats.org/markup-compatibility/2006" xmlns:a14="http://schemas.microsoft.com/office/drawing/2010/main">
+          <mc:Choice Requires="a14">
             <p:sp>
               <p:nvSpPr>
                 <p:cNvPr id="435" name="TextBox 434">
@@ -10192,7 +10196,7 @@
               </p:txBody>
             </p:sp>
           </mc:Choice>
-          <mc:Fallback>
+          <mc:Fallback xmlns="">
             <p:sp>
               <p:nvSpPr>
                 <p:cNvPr id="435" name="TextBox 434">
@@ -10272,8 +10276,8 @@
             <a:effectLst/>
           </p:spPr>
         </p:cxnSp>
-        <mc:AlternateContent xmlns:mc="http://schemas.openxmlformats.org/markup-compatibility/2006">
-          <mc:Choice xmlns:a14="http://schemas.microsoft.com/office/drawing/2010/main" Requires="a14">
+        <mc:AlternateContent xmlns:mc="http://schemas.openxmlformats.org/markup-compatibility/2006" xmlns:a14="http://schemas.microsoft.com/office/drawing/2010/main">
+          <mc:Choice Requires="a14">
             <p:sp>
               <p:nvSpPr>
                 <p:cNvPr id="444" name="TextBox 443">
@@ -10342,7 +10346,7 @@
               </p:txBody>
             </p:sp>
           </mc:Choice>
-          <mc:Fallback>
+          <mc:Fallback xmlns="">
             <p:sp>
               <p:nvSpPr>
                 <p:cNvPr id="444" name="TextBox 443">
@@ -10410,16 +10414,18 @@
               </a:avLst>
             </a:prstGeom>
             <a:solidFill>
-              <a:schemeClr val="bg1">
-                <a:lumMod val="95000"/>
-                <a:alpha val="95000"/>
+              <a:schemeClr val="bg2">
+                <a:lumMod val="90000"/>
               </a:schemeClr>
             </a:solidFill>
             <a:ln w="19050" cap="flat" cmpd="sng" algn="ctr">
               <a:solidFill>
-                <a:schemeClr val="tx1"/>
+                <a:schemeClr val="tx1">
+                  <a:lumMod val="95000"/>
+                  <a:lumOff val="5000"/>
+                </a:schemeClr>
               </a:solidFill>
-              <a:prstDash val="solid"/>
+              <a:prstDash val="sysDash"/>
               <a:miter lim="800000"/>
             </a:ln>
             <a:effectLst/>
@@ -11208,137 +11214,276 @@
           <a:chExt cx="0" cy="0"/>
         </a:xfrm>
       </p:grpSpPr>
-      <p:sp>
-        <p:nvSpPr>
-          <p:cNvPr id="2" name="Rounded Rectangle 1">
+      <p:grpSp>
+        <p:nvGrpSpPr>
+          <p:cNvPr id="233" name="Group 232">
             <a:extLst>
               <a:ext uri="{FF2B5EF4-FFF2-40B4-BE49-F238E27FC236}">
-                <a16:creationId xmlns:a16="http://schemas.microsoft.com/office/drawing/2014/main" id="{E8654707-EE1E-EE4B-804B-6CF5BF434733}"/>
+                <a16:creationId xmlns:a16="http://schemas.microsoft.com/office/drawing/2014/main" id="{599E7DDE-B7A9-0B46-9777-E4605D5A7797}"/>
               </a:ext>
             </a:extLst>
           </p:cNvPr>
-          <p:cNvSpPr/>
+          <p:cNvGrpSpPr/>
           <p:nvPr/>
-        </p:nvSpPr>
-        <p:spPr>
+        </p:nvGrpSpPr>
+        <p:grpSpPr>
           <a:xfrm>
-            <a:off x="3114768" y="2306523"/>
-            <a:ext cx="6185348" cy="2856492"/>
+            <a:off x="394310" y="1599075"/>
+            <a:ext cx="11403380" cy="3263370"/>
+            <a:chOff x="733504" y="1626784"/>
+            <a:chExt cx="11403380" cy="3263370"/>
           </a:xfrm>
-          <a:prstGeom prst="roundRect">
-            <a:avLst>
-              <a:gd name="adj" fmla="val 5762"/>
-            </a:avLst>
-          </a:prstGeom>
-          <a:solidFill>
-            <a:schemeClr val="accent2">
-              <a:lumMod val="20000"/>
-              <a:lumOff val="80000"/>
-              <a:alpha val="69391"/>
-            </a:schemeClr>
-          </a:solidFill>
-          <a:ln w="19050" cap="flat" cmpd="sng" algn="ctr">
+        </p:grpSpPr>
+        <p:cxnSp>
+          <p:nvCxnSpPr>
+            <p:cNvPr id="208" name="Straight Connector 207">
+              <a:extLst>
+                <a:ext uri="{FF2B5EF4-FFF2-40B4-BE49-F238E27FC236}">
+                  <a16:creationId xmlns:a16="http://schemas.microsoft.com/office/drawing/2014/main" id="{60B531E5-CB3E-6D45-ABF8-1F9CF2463D51}"/>
+                </a:ext>
+              </a:extLst>
+            </p:cNvPr>
+            <p:cNvCxnSpPr>
+              <a:cxnSpLocks/>
+            </p:cNvCxnSpPr>
+            <p:nvPr/>
+          </p:nvCxnSpPr>
+          <p:spPr>
+            <a:xfrm flipV="1">
+              <a:off x="910069" y="2595558"/>
+              <a:ext cx="4875429" cy="736038"/>
+            </a:xfrm>
+            <a:prstGeom prst="line">
+              <a:avLst/>
+            </a:prstGeom>
+            <a:ln w="19050">
+              <a:solidFill>
+                <a:schemeClr val="bg1">
+                  <a:lumMod val="65000"/>
+                </a:schemeClr>
+              </a:solidFill>
+              <a:prstDash val="dash"/>
+              <a:tailEnd type="stealth" w="lg" len="med"/>
+            </a:ln>
+          </p:spPr>
+          <p:style>
+            <a:lnRef idx="1">
+              <a:schemeClr val="accent1"/>
+            </a:lnRef>
+            <a:fillRef idx="0">
+              <a:schemeClr val="accent1"/>
+            </a:fillRef>
+            <a:effectRef idx="0">
+              <a:schemeClr val="accent1"/>
+            </a:effectRef>
+            <a:fontRef idx="minor">
+              <a:schemeClr val="tx1"/>
+            </a:fontRef>
+          </p:style>
+        </p:cxnSp>
+        <p:sp>
+          <p:nvSpPr>
+            <p:cNvPr id="2" name="Rounded Rectangle 1">
+              <a:extLst>
+                <a:ext uri="{FF2B5EF4-FFF2-40B4-BE49-F238E27FC236}">
+                  <a16:creationId xmlns:a16="http://schemas.microsoft.com/office/drawing/2014/main" id="{E8654707-EE1E-EE4B-804B-6CF5BF434733}"/>
+                </a:ext>
+              </a:extLst>
+            </p:cNvPr>
+            <p:cNvSpPr/>
+            <p:nvPr/>
+          </p:nvSpPr>
+          <p:spPr>
+            <a:xfrm>
+              <a:off x="6553275" y="2060688"/>
+              <a:ext cx="5202865" cy="2549451"/>
+            </a:xfrm>
+            <a:prstGeom prst="roundRect">
+              <a:avLst>
+                <a:gd name="adj" fmla="val 3958"/>
+              </a:avLst>
+            </a:prstGeom>
             <a:solidFill>
               <a:schemeClr val="accent2">
-                <a:lumMod val="50000"/>
+                <a:lumMod val="20000"/>
+                <a:lumOff val="80000"/>
+                <a:alpha val="70000"/>
               </a:schemeClr>
             </a:solidFill>
-            <a:prstDash val="solid"/>
-            <a:miter lim="800000"/>
-          </a:ln>
-          <a:effectLst/>
-        </p:spPr>
-        <p:txBody>
-          <a:bodyPr rtlCol="0" anchor="ctr"/>
-          <a:lstStyle/>
-          <a:p>
-            <a:pPr marL="0" marR="0" lvl="0" indent="0" algn="ctr" defTabSz="914400" eaLnBrk="1" fontAlgn="auto" latinLnBrk="0" hangingPunct="1">
-              <a:lnSpc>
-                <a:spcPct val="100000"/>
-              </a:lnSpc>
-              <a:spcBef>
-                <a:spcPts val="0"/>
-              </a:spcBef>
-              <a:spcAft>
-                <a:spcPts val="0"/>
-              </a:spcAft>
-              <a:buClrTx/>
-              <a:buSzTx/>
-              <a:buFontTx/>
-              <a:buNone/>
-              <a:tabLst/>
-              <a:defRPr/>
-            </a:pPr>
-            <a:endParaRPr kumimoji="0" lang="en-CN" sz="1400" b="0" i="0" u="none" strike="noStrike" kern="0" cap="none" spc="0" normalizeH="0" baseline="0" noProof="0" dirty="0">
-              <a:ln>
-                <a:noFill/>
-              </a:ln>
+            <a:ln w="19050" cap="flat" cmpd="sng" algn="ctr">
               <a:solidFill>
-                <a:prstClr val="black"/>
-              </a:solidFill>
-              <a:effectLst/>
-              <a:uLnTx/>
-              <a:uFillTx/>
-              <a:latin typeface="KaiTi" panose="02010609060101010101" pitchFamily="49" charset="-122"/>
-              <a:ea typeface="KaiTi" panose="02010609060101010101" pitchFamily="49" charset="-122"/>
-              <a:cs typeface="+mn-cs"/>
-            </a:endParaRPr>
-          </a:p>
-        </p:txBody>
-      </p:sp>
-      <mc:AlternateContent xmlns:mc="http://schemas.openxmlformats.org/markup-compatibility/2006">
-        <mc:Choice xmlns:a14="http://schemas.microsoft.com/office/drawing/2010/main" Requires="a14">
-          <p:sp>
-            <p:nvSpPr>
-              <p:cNvPr id="3" name="Rounded Rectangle 2">
-                <a:extLst>
-                  <a:ext uri="{FF2B5EF4-FFF2-40B4-BE49-F238E27FC236}">
-                    <a16:creationId xmlns:a16="http://schemas.microsoft.com/office/drawing/2014/main" id="{0BE5E78B-3939-AC48-8D2A-BCE6F552126C}"/>
-                  </a:ext>
-                </a:extLst>
-              </p:cNvPr>
-              <p:cNvSpPr/>
-              <p:nvPr/>
-            </p:nvSpPr>
-            <p:spPr>
-              <a:xfrm>
-                <a:off x="5417502" y="2569699"/>
-                <a:ext cx="1356995" cy="509851"/>
-              </a:xfrm>
-              <a:prstGeom prst="roundRect">
-                <a:avLst>
-                  <a:gd name="adj" fmla="val 24248"/>
-                </a:avLst>
-              </a:prstGeom>
-              <a:solidFill>
-                <a:schemeClr val="bg1">
-                  <a:alpha val="95000"/>
+                <a:schemeClr val="accent2">
+                  <a:lumMod val="50000"/>
                 </a:schemeClr>
               </a:solidFill>
-              <a:ln w="19050" cap="flat" cmpd="sng" algn="ctr">
+              <a:prstDash val="solid"/>
+              <a:miter lim="800000"/>
+            </a:ln>
+            <a:effectLst/>
+          </p:spPr>
+          <p:txBody>
+            <a:bodyPr rtlCol="0" anchor="ctr"/>
+            <a:lstStyle/>
+            <a:p>
+              <a:pPr marL="0" marR="0" lvl="0" indent="0" algn="ctr" defTabSz="914400" eaLnBrk="1" fontAlgn="auto" latinLnBrk="0" hangingPunct="1">
+                <a:lnSpc>
+                  <a:spcPct val="100000"/>
+                </a:lnSpc>
+                <a:spcBef>
+                  <a:spcPts val="0"/>
+                </a:spcBef>
+                <a:spcAft>
+                  <a:spcPts val="0"/>
+                </a:spcAft>
+                <a:buClrTx/>
+                <a:buSzTx/>
+                <a:buFontTx/>
+                <a:buNone/>
+                <a:tabLst/>
+                <a:defRPr/>
+              </a:pPr>
+              <a:endParaRPr kumimoji="0" lang="en-CN" sz="1400" b="0" i="0" u="none" strike="noStrike" kern="0" cap="none" spc="0" normalizeH="0" baseline="0" noProof="0" dirty="0">
+                <a:ln>
+                  <a:noFill/>
+                </a:ln>
                 <a:solidFill>
-                  <a:schemeClr val="tx1"/>
+                  <a:prstClr val="black"/>
                 </a:solidFill>
-                <a:prstDash val="solid"/>
-                <a:miter lim="800000"/>
-              </a:ln>
-              <a:effectLst>
-                <a:outerShdw blurRad="50800" dist="38100" dir="2700000" algn="tl" rotWithShape="0">
-                  <a:prstClr val="black">
-                    <a:alpha val="40000"/>
-                  </a:prstClr>
-                </a:outerShdw>
-              </a:effectLst>
-            </p:spPr>
-            <p:txBody>
-              <a:bodyPr rtlCol="0" anchor="ctr"/>
-              <a:lstStyle/>
-              <a:p>
-                <a:pPr algn="ctr">
-                  <a:defRPr/>
-                </a:pPr>
-                <a:r>
-                  <a:rPr kumimoji="0" lang="en-US" sz="1400" b="1" i="0" u="none" strike="noStrike" kern="0" cap="none" spc="0" normalizeH="0" baseline="0" noProof="0" dirty="0">
+                <a:effectLst/>
+                <a:uLnTx/>
+                <a:uFillTx/>
+                <a:latin typeface="KaiTi" panose="02010609060101010101" pitchFamily="49" charset="-122"/>
+                <a:ea typeface="KaiTi" panose="02010609060101010101" pitchFamily="49" charset="-122"/>
+                <a:cs typeface="+mn-cs"/>
+              </a:endParaRPr>
+            </a:p>
+          </p:txBody>
+        </p:sp>
+        <p:cxnSp>
+          <p:nvCxnSpPr>
+            <p:cNvPr id="8" name="Elbow Connector 7">
+              <a:extLst>
+                <a:ext uri="{FF2B5EF4-FFF2-40B4-BE49-F238E27FC236}">
+                  <a16:creationId xmlns:a16="http://schemas.microsoft.com/office/drawing/2014/main" id="{1E28CEED-1FCB-9B48-9D83-6DE1734F39AC}"/>
+                </a:ext>
+              </a:extLst>
+            </p:cNvPr>
+            <p:cNvCxnSpPr>
+              <a:cxnSpLocks/>
+              <a:stCxn id="9" idx="2"/>
+              <a:endCxn id="3" idx="1"/>
+            </p:cNvCxnSpPr>
+            <p:nvPr/>
+          </p:nvCxnSpPr>
+          <p:spPr>
+            <a:xfrm rot="16200000" flipH="1">
+              <a:off x="7991661" y="1945294"/>
+              <a:ext cx="496227" cy="474760"/>
+            </a:xfrm>
+            <a:prstGeom prst="bentConnector2">
+              <a:avLst/>
+            </a:prstGeom>
+            <a:noFill/>
+            <a:ln w="19050" cap="flat" cmpd="sng" algn="ctr">
+              <a:solidFill>
+                <a:sysClr val="windowText" lastClr="000000"/>
+              </a:solidFill>
+              <a:prstDash val="solid"/>
+              <a:miter lim="800000"/>
+              <a:tailEnd type="stealth" w="lg" len="med"/>
+            </a:ln>
+            <a:effectLst/>
+          </p:spPr>
+        </p:cxnSp>
+        <mc:AlternateContent xmlns:mc="http://schemas.openxmlformats.org/markup-compatibility/2006">
+          <mc:Choice xmlns:a14="http://schemas.microsoft.com/office/drawing/2010/main" Requires="a14">
+            <p:sp>
+              <p:nvSpPr>
+                <p:cNvPr id="9" name="TextBox 8">
+                  <a:extLst>
+                    <a:ext uri="{FF2B5EF4-FFF2-40B4-BE49-F238E27FC236}">
+                      <a16:creationId xmlns:a16="http://schemas.microsoft.com/office/drawing/2014/main" id="{4F3D172C-78D5-4B4E-9C19-7801F7DCB2C6}"/>
+                    </a:ext>
+                  </a:extLst>
+                </p:cNvPr>
+                <p:cNvSpPr txBox="1"/>
+                <p:nvPr/>
+              </p:nvSpPr>
+              <p:spPr>
+                <a:xfrm>
+                  <a:off x="7583576" y="1626784"/>
+                  <a:ext cx="837635" cy="307777"/>
+                </a:xfrm>
+                <a:prstGeom prst="rect">
+                  <a:avLst/>
+                </a:prstGeom>
+                <a:noFill/>
+              </p:spPr>
+              <p:txBody>
+                <a:bodyPr wrap="square">
+                  <a:spAutoFit/>
+                </a:bodyPr>
+                <a:lstStyle/>
+                <a:p>
+                  <a:pPr algn="ctr">
+                    <a:defRPr/>
+                  </a:pPr>
+                  <a:r>
+                    <a:rPr lang="zh-CN" altLang="en-US" sz="1400" b="1" kern="0" dirty="0">
+                      <a:solidFill>
+                        <a:prstClr val="black"/>
+                      </a:solidFill>
+                      <a:latin typeface="KaiTi" panose="02010609060101010101" pitchFamily="49" charset="-122"/>
+                      <a:ea typeface="KaiTi" panose="02010609060101010101" pitchFamily="49" charset="-122"/>
+                    </a:rPr>
+                    <a:t>输入</a:t>
+                  </a:r>
+                  <a14:m>
+                    <m:oMath xmlns:m="http://schemas.openxmlformats.org/officeDocument/2006/math">
+                      <m:r>
+                        <a:rPr lang="zh-CN" altLang="en-US" sz="1400" b="1" i="0" smtClean="0">
+                          <a:latin typeface="Cambria Math" panose="02040503050406030204" pitchFamily="18" charset="0"/>
+                        </a:rPr>
+                        <m:t> </m:t>
+                      </m:r>
+                      <m:sSup>
+                        <m:sSupPr>
+                          <m:ctrlPr>
+                            <a:rPr lang="en-US" sz="1400" b="0" i="1" smtClean="0">
+                              <a:latin typeface="Cambria Math" panose="02040503050406030204" pitchFamily="18" charset="0"/>
+                            </a:rPr>
+                          </m:ctrlPr>
+                        </m:sSupPr>
+                        <m:e>
+                          <m:r>
+                            <a:rPr lang="en-CN" sz="1400" b="1" i="0">
+                              <a:latin typeface="Cambria Math" panose="02040503050406030204" pitchFamily="18" charset="0"/>
+                            </a:rPr>
+                            <m:t>𝐏</m:t>
+                          </m:r>
+                        </m:e>
+                        <m:sup>
+                          <m:r>
+                            <a:rPr lang="en-US" altLang="zh-CN" sz="1400" b="0" i="1" smtClean="0">
+                              <a:latin typeface="Cambria Math" panose="02040503050406030204" pitchFamily="18" charset="0"/>
+                            </a:rPr>
+                            <m:t>𝑔</m:t>
+                          </m:r>
+                        </m:sup>
+                      </m:sSup>
+                    </m:oMath>
+                  </a14:m>
+                  <a:r>
+                    <a:rPr lang="zh-CN" altLang="en-US" sz="1400" b="1" kern="0" dirty="0">
+                      <a:solidFill>
+                        <a:prstClr val="black"/>
+                      </a:solidFill>
+                      <a:latin typeface="KaiTi" panose="02010609060101010101" pitchFamily="49" charset="-122"/>
+                      <a:ea typeface="KaiTi" panose="02010609060101010101" pitchFamily="49" charset="-122"/>
+                    </a:rPr>
+                    <a:t> </a:t>
+                  </a:r>
+                  <a:endParaRPr kumimoji="0" lang="en-US" altLang="zh-CN" sz="1400" b="1" i="0" u="none" strike="noStrike" kern="0" cap="none" spc="0" normalizeH="0" baseline="0" noProof="0" dirty="0">
                     <a:ln>
                       <a:noFill/>
                     </a:ln>
@@ -11351,232 +11496,479 @@
                     <a:latin typeface="KaiTi" panose="02010609060101010101" pitchFamily="49" charset="-122"/>
                     <a:ea typeface="KaiTi" panose="02010609060101010101" pitchFamily="49" charset="-122"/>
                     <a:cs typeface="+mn-cs"/>
-                  </a:rPr>
-                  <a:t>时序特征编码网络</a:t>
-                </a:r>
-                <a:r>
-                  <a:rPr kumimoji="0" lang="zh-CN" altLang="en-US" sz="1400" b="1" i="0" u="none" strike="noStrike" kern="0" cap="none" spc="0" normalizeH="0" baseline="0" noProof="0" dirty="0">
-                    <a:ln>
+                  </a:endParaRPr>
+                </a:p>
+              </p:txBody>
+            </p:sp>
+          </mc:Choice>
+          <mc:Fallback>
+            <p:sp>
+              <p:nvSpPr>
+                <p:cNvPr id="9" name="TextBox 8">
+                  <a:extLst>
+                    <a:ext uri="{FF2B5EF4-FFF2-40B4-BE49-F238E27FC236}">
+                      <a16:creationId xmlns:a16="http://schemas.microsoft.com/office/drawing/2014/main" id="{4F3D172C-78D5-4B4E-9C19-7801F7DCB2C6}"/>
+                    </a:ext>
+                  </a:extLst>
+                </p:cNvPr>
+                <p:cNvSpPr txBox="1">
+                  <a:spLocks noRot="1" noChangeAspect="1" noMove="1" noResize="1" noEditPoints="1" noAdjustHandles="1" noChangeArrowheads="1" noChangeShapeType="1" noTextEdit="1"/>
+                </p:cNvSpPr>
+                <p:nvPr/>
+              </p:nvSpPr>
+              <p:spPr>
+                <a:xfrm>
+                  <a:off x="7583576" y="1626784"/>
+                  <a:ext cx="837635" cy="307777"/>
+                </a:xfrm>
+                <a:prstGeom prst="rect">
+                  <a:avLst/>
+                </a:prstGeom>
+                <a:blipFill>
+                  <a:blip r:embed="rId2"/>
+                  <a:stretch>
+                    <a:fillRect t="-3846" b="-15385"/>
+                  </a:stretch>
+                </a:blipFill>
+              </p:spPr>
+              <p:txBody>
+                <a:bodyPr/>
+                <a:lstStyle/>
+                <a:p>
+                  <a:r>
+                    <a:rPr lang="en-CN">
                       <a:noFill/>
-                    </a:ln>
-                    <a:solidFill>
-                      <a:prstClr val="black"/>
-                    </a:solidFill>
-                    <a:effectLst/>
-                    <a:uLnTx/>
-                    <a:uFillTx/>
-                    <a:latin typeface="KaiTi" panose="02010609060101010101" pitchFamily="49" charset="-122"/>
-                    <a:ea typeface="KaiTi" panose="02010609060101010101" pitchFamily="49" charset="-122"/>
-                    <a:cs typeface="+mn-cs"/>
-                  </a:rPr>
-                  <a:t> </a:t>
-                </a:r>
-                <a14:m>
-                  <m:oMath xmlns:m="http://schemas.openxmlformats.org/officeDocument/2006/math">
-                    <m:sSubSup>
-                      <m:sSubSupPr>
-                        <m:ctrlPr>
-                          <a:rPr lang="en-US" sz="1400" b="0" i="1" smtClean="0">
-                            <a:latin typeface="Cambria Math" panose="02040503050406030204" pitchFamily="18" charset="0"/>
-                            <a:ea typeface="Cambria Math" panose="02040503050406030204" pitchFamily="18" charset="0"/>
-                          </a:rPr>
-                        </m:ctrlPr>
-                      </m:sSubSupPr>
-                      <m:e>
-                        <m:r>
-                          <a:rPr lang="en-CN" sz="1400" i="1">
-                            <a:latin typeface="Cambria Math" panose="02040503050406030204" pitchFamily="18" charset="0"/>
-                            <a:ea typeface="Cambria Math" panose="02040503050406030204" pitchFamily="18" charset="0"/>
-                          </a:rPr>
-                          <m:t>ℱ</m:t>
-                        </m:r>
-                      </m:e>
-                      <m:sub>
-                        <m:r>
-                          <m:rPr>
-                            <m:sty m:val="p"/>
-                          </m:rPr>
-                          <a:rPr lang="en-US" sz="1400" b="0" i="0" smtClean="0">
-                            <a:latin typeface="Cambria Math" panose="02040503050406030204" pitchFamily="18" charset="0"/>
-                            <a:ea typeface="Cambria Math" panose="02040503050406030204" pitchFamily="18" charset="0"/>
-                          </a:rPr>
-                          <m:t>Enc</m:t>
-                        </m:r>
-                      </m:sub>
-                      <m:sup>
-                        <m:r>
-                          <a:rPr lang="en-US" sz="1400" b="0" i="1" smtClean="0">
-                            <a:latin typeface="Cambria Math" panose="02040503050406030204" pitchFamily="18" charset="0"/>
-                            <a:ea typeface="Cambria Math" panose="02040503050406030204" pitchFamily="18" charset="0"/>
-                          </a:rPr>
-                          <m:t>𝑔</m:t>
-                        </m:r>
-                      </m:sup>
-                    </m:sSubSup>
-                  </m:oMath>
-                </a14:m>
-                <a:endParaRPr kumimoji="0" lang="en-CN" sz="1400" b="1" i="0" u="none" strike="noStrike" kern="0" cap="none" spc="0" normalizeH="0" baseline="0" noProof="0" dirty="0">
+                    </a:rPr>
+                    <a:t> </a:t>
+                  </a:r>
+                </a:p>
+              </p:txBody>
+            </p:sp>
+          </mc:Fallback>
+        </mc:AlternateContent>
+        <p:cxnSp>
+          <p:nvCxnSpPr>
+            <p:cNvPr id="13" name="Straight Arrow Connector 12">
+              <a:extLst>
+                <a:ext uri="{FF2B5EF4-FFF2-40B4-BE49-F238E27FC236}">
+                  <a16:creationId xmlns:a16="http://schemas.microsoft.com/office/drawing/2014/main" id="{F3044D64-0FD9-4F44-B95F-8E3C1E7E2B91}"/>
+                </a:ext>
+              </a:extLst>
+            </p:cNvPr>
+            <p:cNvCxnSpPr>
+              <a:cxnSpLocks/>
+              <a:stCxn id="5" idx="3"/>
+            </p:cNvCxnSpPr>
+            <p:nvPr/>
+          </p:nvCxnSpPr>
+          <p:spPr>
+            <a:xfrm>
+              <a:off x="11664014" y="3572898"/>
+              <a:ext cx="472870" cy="0"/>
+            </a:xfrm>
+            <a:prstGeom prst="straightConnector1">
+              <a:avLst/>
+            </a:prstGeom>
+            <a:noFill/>
+            <a:ln w="19050" cap="flat" cmpd="sng" algn="ctr">
+              <a:solidFill>
+                <a:schemeClr val="tx1"/>
+              </a:solidFill>
+              <a:prstDash val="solid"/>
+              <a:miter lim="800000"/>
+              <a:tailEnd type="stealth" w="lg" len="med"/>
+            </a:ln>
+            <a:effectLst/>
+          </p:spPr>
+        </p:cxnSp>
+        <mc:AlternateContent xmlns:mc="http://schemas.openxmlformats.org/markup-compatibility/2006">
+          <mc:Choice xmlns:a14="http://schemas.microsoft.com/office/drawing/2010/main" Requires="a14">
+            <p:sp>
+              <p:nvSpPr>
+                <p:cNvPr id="14" name="TextBox 13">
+                  <a:extLst>
+                    <a:ext uri="{FF2B5EF4-FFF2-40B4-BE49-F238E27FC236}">
+                      <a16:creationId xmlns:a16="http://schemas.microsoft.com/office/drawing/2014/main" id="{2B8EB2B0-E7D9-AE48-8490-3BE8B9277788}"/>
+                    </a:ext>
+                  </a:extLst>
+                </p:cNvPr>
+                <p:cNvSpPr txBox="1"/>
+                <p:nvPr/>
+              </p:nvSpPr>
+              <p:spPr>
+                <a:xfrm>
+                  <a:off x="11814873" y="3346738"/>
+                  <a:ext cx="263277" cy="215444"/>
+                </a:xfrm>
+                <a:prstGeom prst="rect">
+                  <a:avLst/>
+                </a:prstGeom>
+                <a:noFill/>
+              </p:spPr>
+              <p:txBody>
+                <a:bodyPr wrap="none" lIns="0" tIns="0" rIns="0" bIns="0" rtlCol="0">
+                  <a:spAutoFit/>
+                </a:bodyPr>
+                <a:lstStyle/>
+                <a:p>
+                  <a:pPr/>
+                  <a14:m>
+                    <m:oMathPara xmlns:m="http://schemas.openxmlformats.org/officeDocument/2006/math">
+                      <m:oMathParaPr>
+                        <m:jc m:val="centerGroup"/>
+                      </m:oMathParaPr>
+                      <m:oMath xmlns:m="http://schemas.openxmlformats.org/officeDocument/2006/math">
+                        <m:sSup>
+                          <m:sSupPr>
+                            <m:ctrlPr>
+                              <a:rPr lang="en-US" sz="1400" b="0" i="1" smtClean="0">
+                                <a:latin typeface="Cambria Math" panose="02040503050406030204" pitchFamily="18" charset="0"/>
+                              </a:rPr>
+                            </m:ctrlPr>
+                          </m:sSupPr>
+                          <m:e>
+                            <m:r>
+                              <a:rPr lang="en-US" sz="1400" b="1" i="0" smtClean="0">
+                                <a:latin typeface="Cambria Math" panose="02040503050406030204" pitchFamily="18" charset="0"/>
+                              </a:rPr>
+                              <m:t>𝐑</m:t>
+                            </m:r>
+                          </m:e>
+                          <m:sup>
+                            <m:r>
+                              <a:rPr lang="en-US" sz="1400" b="0" i="1" smtClean="0">
+                                <a:latin typeface="Cambria Math" panose="02040503050406030204" pitchFamily="18" charset="0"/>
+                              </a:rPr>
+                              <m:t>𝑔</m:t>
+                            </m:r>
+                          </m:sup>
+                        </m:sSup>
+                      </m:oMath>
+                    </m:oMathPara>
+                  </a14:m>
+                  <a:endParaRPr lang="en-CN" sz="1400" dirty="0"/>
+                </a:p>
+              </p:txBody>
+            </p:sp>
+          </mc:Choice>
+          <mc:Fallback>
+            <p:sp>
+              <p:nvSpPr>
+                <p:cNvPr id="14" name="TextBox 13">
+                  <a:extLst>
+                    <a:ext uri="{FF2B5EF4-FFF2-40B4-BE49-F238E27FC236}">
+                      <a16:creationId xmlns:a16="http://schemas.microsoft.com/office/drawing/2014/main" id="{2B8EB2B0-E7D9-AE48-8490-3BE8B9277788}"/>
+                    </a:ext>
+                  </a:extLst>
+                </p:cNvPr>
+                <p:cNvSpPr txBox="1">
+                  <a:spLocks noRot="1" noChangeAspect="1" noMove="1" noResize="1" noEditPoints="1" noAdjustHandles="1" noChangeArrowheads="1" noChangeShapeType="1" noTextEdit="1"/>
+                </p:cNvSpPr>
+                <p:nvPr/>
+              </p:nvSpPr>
+              <p:spPr>
+                <a:xfrm>
+                  <a:off x="11814873" y="3346738"/>
+                  <a:ext cx="263277" cy="215444"/>
+                </a:xfrm>
+                <a:prstGeom prst="rect">
+                  <a:avLst/>
+                </a:prstGeom>
+                <a:blipFill>
+                  <a:blip r:embed="rId3"/>
+                  <a:stretch>
+                    <a:fillRect l="-13636" r="-4545"/>
+                  </a:stretch>
+                </a:blipFill>
+              </p:spPr>
+              <p:txBody>
+                <a:bodyPr/>
+                <a:lstStyle/>
+                <a:p>
+                  <a:r>
+                    <a:rPr lang="en-CN">
+                      <a:noFill/>
+                    </a:rPr>
+                    <a:t> </a:t>
+                  </a:r>
+                </a:p>
+              </p:txBody>
+            </p:sp>
+          </mc:Fallback>
+        </mc:AlternateContent>
+        <p:sp>
+          <p:nvSpPr>
+            <p:cNvPr id="18" name="TextBox 17">
+              <a:extLst>
+                <a:ext uri="{FF2B5EF4-FFF2-40B4-BE49-F238E27FC236}">
+                  <a16:creationId xmlns:a16="http://schemas.microsoft.com/office/drawing/2014/main" id="{3A3368D1-FE6C-1D4B-AAA6-88C3BCA30AFD}"/>
+                </a:ext>
+              </a:extLst>
+            </p:cNvPr>
+            <p:cNvSpPr txBox="1"/>
+            <p:nvPr/>
+          </p:nvSpPr>
+          <p:spPr>
+            <a:xfrm>
+              <a:off x="10087125" y="2060688"/>
+              <a:ext cx="1669015" cy="523220"/>
+            </a:xfrm>
+            <a:prstGeom prst="rect">
+              <a:avLst/>
+            </a:prstGeom>
+            <a:noFill/>
+          </p:spPr>
+          <p:txBody>
+            <a:bodyPr wrap="square">
+              <a:spAutoFit/>
+            </a:bodyPr>
+            <a:lstStyle/>
+            <a:p>
+              <a:pPr marL="0" marR="0" lvl="0" indent="0" algn="ctr" defTabSz="914400" rtl="0" eaLnBrk="1" fontAlgn="auto" latinLnBrk="0" hangingPunct="1">
+                <a:lnSpc>
+                  <a:spcPct val="100000"/>
+                </a:lnSpc>
+                <a:spcBef>
+                  <a:spcPts val="0"/>
+                </a:spcBef>
+                <a:spcAft>
+                  <a:spcPts val="0"/>
+                </a:spcAft>
+                <a:buClrTx/>
+                <a:buSzTx/>
+                <a:buFontTx/>
+                <a:buNone/>
+                <a:tabLst/>
+                <a:defRPr/>
+              </a:pPr>
+              <a:r>
+                <a:rPr kumimoji="0" lang="en-CN" sz="1400" b="1" i="0" u="none" strike="noStrike" kern="0" cap="none" spc="0" normalizeH="0" baseline="0" noProof="0" dirty="0">
                   <a:ln>
                     <a:noFill/>
                   </a:ln>
                   <a:solidFill>
-                    <a:prstClr val="black"/>
+                    <a:schemeClr val="accent2">
+                      <a:lumMod val="50000"/>
+                    </a:schemeClr>
                   </a:solidFill>
-                  <a:effectLst/>
+                  <a:effectLst>
+                    <a:reflection blurRad="6350" stA="55000" endA="300" endPos="45500" dir="5400000" sy="-100000" algn="bl" rotWithShape="0"/>
+                  </a:effectLst>
                   <a:uLnTx/>
                   <a:uFillTx/>
                   <a:latin typeface="KaiTi" panose="02010609060101010101" pitchFamily="49" charset="-122"/>
                   <a:ea typeface="KaiTi" panose="02010609060101010101" pitchFamily="49" charset="-122"/>
                   <a:cs typeface="+mn-cs"/>
-                </a:endParaRPr>
-              </a:p>
-            </p:txBody>
-          </p:sp>
-        </mc:Choice>
-        <mc:Fallback>
-          <p:sp>
-            <p:nvSpPr>
-              <p:cNvPr id="3" name="Rounded Rectangle 2">
-                <a:extLst>
-                  <a:ext uri="{FF2B5EF4-FFF2-40B4-BE49-F238E27FC236}">
-                    <a16:creationId xmlns:a16="http://schemas.microsoft.com/office/drawing/2014/main" id="{0BE5E78B-3939-AC48-8D2A-BCE6F552126C}"/>
-                  </a:ext>
-                </a:extLst>
-              </p:cNvPr>
-              <p:cNvSpPr>
-                <a:spLocks noRot="1" noChangeAspect="1" noMove="1" noResize="1" noEditPoints="1" noAdjustHandles="1" noChangeArrowheads="1" noChangeShapeType="1" noTextEdit="1"/>
-              </p:cNvSpPr>
-              <p:nvPr/>
-            </p:nvSpPr>
-            <p:spPr>
-              <a:xfrm>
-                <a:off x="5417502" y="2569699"/>
-                <a:ext cx="1356995" cy="509851"/>
-              </a:xfrm>
-              <a:prstGeom prst="roundRect">
-                <a:avLst>
-                  <a:gd name="adj" fmla="val 24248"/>
-                </a:avLst>
-              </a:prstGeom>
-              <a:blipFill>
-                <a:blip r:embed="rId2"/>
-                <a:stretch>
-                  <a:fillRect/>
-                </a:stretch>
-              </a:blipFill>
-              <a:ln w="19050" cap="flat" cmpd="sng" algn="ctr">
+                </a:rPr>
+                <a:t>含有置信度估计的特征提取模块</a:t>
+              </a:r>
+            </a:p>
+          </p:txBody>
+        </p:sp>
+        <mc:AlternateContent xmlns:mc="http://schemas.openxmlformats.org/markup-compatibility/2006">
+          <mc:Choice xmlns:a14="http://schemas.microsoft.com/office/drawing/2010/main" Requires="a14">
+            <p:sp>
+              <p:nvSpPr>
+                <p:cNvPr id="12" name="TextBox 11">
+                  <a:extLst>
+                    <a:ext uri="{FF2B5EF4-FFF2-40B4-BE49-F238E27FC236}">
+                      <a16:creationId xmlns:a16="http://schemas.microsoft.com/office/drawing/2014/main" id="{991583D1-ED70-614B-94BF-ECFD9B16A081}"/>
+                    </a:ext>
+                  </a:extLst>
+                </p:cNvPr>
+                <p:cNvSpPr txBox="1"/>
+                <p:nvPr/>
+              </p:nvSpPr>
+              <p:spPr>
+                <a:xfrm>
+                  <a:off x="9216299" y="4610139"/>
+                  <a:ext cx="251223" cy="215444"/>
+                </a:xfrm>
+                <a:prstGeom prst="rect">
+                  <a:avLst/>
+                </a:prstGeom>
+                <a:noFill/>
+              </p:spPr>
+              <p:txBody>
+                <a:bodyPr wrap="none" lIns="0" tIns="0" rIns="0" bIns="0" rtlCol="0">
+                  <a:spAutoFit/>
+                </a:bodyPr>
+                <a:lstStyle/>
+                <a:p>
+                  <a:pPr/>
+                  <a14:m>
+                    <m:oMathPara xmlns:m="http://schemas.openxmlformats.org/officeDocument/2006/math">
+                      <m:oMathParaPr>
+                        <m:jc m:val="centerGroup"/>
+                      </m:oMathParaPr>
+                      <m:oMath xmlns:m="http://schemas.openxmlformats.org/officeDocument/2006/math">
+                        <m:sSup>
+                          <m:sSupPr>
+                            <m:ctrlPr>
+                              <a:rPr lang="en-US" sz="1400" b="0" i="1" smtClean="0">
+                                <a:latin typeface="Cambria Math" panose="02040503050406030204" pitchFamily="18" charset="0"/>
+                              </a:rPr>
+                            </m:ctrlPr>
+                          </m:sSupPr>
+                          <m:e>
+                            <m:r>
+                              <a:rPr lang="en-US" sz="1400" b="0" i="1" smtClean="0">
+                                <a:latin typeface="Cambria Math" panose="02040503050406030204" pitchFamily="18" charset="0"/>
+                              </a:rPr>
+                              <m:t>𝑦</m:t>
+                            </m:r>
+                          </m:e>
+                          <m:sup>
+                            <m:r>
+                              <a:rPr lang="en-US" sz="1400" b="0" i="1" smtClean="0">
+                                <a:latin typeface="Cambria Math" panose="02040503050406030204" pitchFamily="18" charset="0"/>
+                              </a:rPr>
+                              <m:t>𝑔</m:t>
+                            </m:r>
+                          </m:sup>
+                        </m:sSup>
+                      </m:oMath>
+                    </m:oMathPara>
+                  </a14:m>
+                  <a:endParaRPr lang="en-CN" sz="1400" dirty="0"/>
+                </a:p>
+              </p:txBody>
+            </p:sp>
+          </mc:Choice>
+          <mc:Fallback>
+            <p:sp>
+              <p:nvSpPr>
+                <p:cNvPr id="12" name="TextBox 11">
+                  <a:extLst>
+                    <a:ext uri="{FF2B5EF4-FFF2-40B4-BE49-F238E27FC236}">
+                      <a16:creationId xmlns:a16="http://schemas.microsoft.com/office/drawing/2014/main" id="{991583D1-ED70-614B-94BF-ECFD9B16A081}"/>
+                    </a:ext>
+                  </a:extLst>
+                </p:cNvPr>
+                <p:cNvSpPr txBox="1">
+                  <a:spLocks noRot="1" noChangeAspect="1" noMove="1" noResize="1" noEditPoints="1" noAdjustHandles="1" noChangeArrowheads="1" noChangeShapeType="1" noTextEdit="1"/>
+                </p:cNvSpPr>
+                <p:nvPr/>
+              </p:nvSpPr>
+              <p:spPr>
+                <a:xfrm>
+                  <a:off x="9216299" y="4610139"/>
+                  <a:ext cx="251223" cy="215444"/>
+                </a:xfrm>
+                <a:prstGeom prst="rect">
+                  <a:avLst/>
+                </a:prstGeom>
+                <a:blipFill>
+                  <a:blip r:embed="rId4"/>
+                  <a:stretch>
+                    <a:fillRect l="-14286" r="-4762" b="-27778"/>
+                  </a:stretch>
+                </a:blipFill>
+              </p:spPr>
+              <p:txBody>
+                <a:bodyPr/>
+                <a:lstStyle/>
+                <a:p>
+                  <a:r>
+                    <a:rPr lang="en-CN">
+                      <a:noFill/>
+                    </a:rPr>
+                    <a:t> </a:t>
+                  </a:r>
+                </a:p>
+              </p:txBody>
+            </p:sp>
+          </mc:Fallback>
+        </mc:AlternateContent>
+        <mc:AlternateContent xmlns:mc="http://schemas.openxmlformats.org/markup-compatibility/2006">
+          <mc:Choice xmlns:a14="http://schemas.microsoft.com/office/drawing/2010/main" Requires="a14">
+            <p:sp>
+              <p:nvSpPr>
+                <p:cNvPr id="3" name="Rounded Rectangle 2">
+                  <a:extLst>
+                    <a:ext uri="{FF2B5EF4-FFF2-40B4-BE49-F238E27FC236}">
+                      <a16:creationId xmlns:a16="http://schemas.microsoft.com/office/drawing/2014/main" id="{0BE5E78B-3939-AC48-8D2A-BCE6F552126C}"/>
+                    </a:ext>
+                  </a:extLst>
+                </p:cNvPr>
+                <p:cNvSpPr/>
+                <p:nvPr/>
+              </p:nvSpPr>
+              <p:spPr>
+                <a:xfrm>
+                  <a:off x="8477154" y="2175862"/>
+                  <a:ext cx="1356995" cy="509851"/>
+                </a:xfrm>
+                <a:prstGeom prst="roundRect">
+                  <a:avLst>
+                    <a:gd name="adj" fmla="val 24248"/>
+                  </a:avLst>
+                </a:prstGeom>
                 <a:solidFill>
-                  <a:schemeClr val="tx1"/>
+                  <a:schemeClr val="bg1"/>
                 </a:solidFill>
-                <a:prstDash val="solid"/>
-                <a:miter lim="800000"/>
-              </a:ln>
-              <a:effectLst>
-                <a:outerShdw blurRad="50800" dist="38100" dir="2700000" algn="tl" rotWithShape="0">
-                  <a:prstClr val="black">
-                    <a:alpha val="40000"/>
-                  </a:prstClr>
-                </a:outerShdw>
-              </a:effectLst>
-            </p:spPr>
-            <p:txBody>
-              <a:bodyPr/>
-              <a:lstStyle/>
-              <a:p>
-                <a:r>
-                  <a:rPr lang="en-CN">
-                    <a:noFill/>
-                  </a:rPr>
-                  <a:t> </a:t>
-                </a:r>
-              </a:p>
-            </p:txBody>
-          </p:sp>
-        </mc:Fallback>
-      </mc:AlternateContent>
-      <mc:AlternateContent xmlns:mc="http://schemas.openxmlformats.org/markup-compatibility/2006">
-        <mc:Choice xmlns:a14="http://schemas.microsoft.com/office/drawing/2010/main" Requires="a14">
-          <p:sp>
-            <p:nvSpPr>
-              <p:cNvPr id="4" name="Rounded Rectangle 3">
-                <a:extLst>
-                  <a:ext uri="{FF2B5EF4-FFF2-40B4-BE49-F238E27FC236}">
-                    <a16:creationId xmlns:a16="http://schemas.microsoft.com/office/drawing/2014/main" id="{F7EA45EE-247F-3F4D-9A2A-559C3E4E4FED}"/>
-                  </a:ext>
-                </a:extLst>
-              </p:cNvPr>
-              <p:cNvSpPr/>
-              <p:nvPr/>
-            </p:nvSpPr>
-            <p:spPr>
-              <a:xfrm>
-                <a:off x="5417502" y="3682628"/>
-                <a:ext cx="1356995" cy="509851"/>
-              </a:xfrm>
-              <a:prstGeom prst="roundRect">
-                <a:avLst>
-                  <a:gd name="adj" fmla="val 24248"/>
-                </a:avLst>
-              </a:prstGeom>
-              <a:solidFill>
-                <a:schemeClr val="bg1">
-                  <a:alpha val="95000"/>
-                </a:schemeClr>
-              </a:solidFill>
-              <a:ln w="19050" cap="flat" cmpd="sng" algn="ctr">
-                <a:solidFill>
-                  <a:schemeClr val="tx1"/>
-                </a:solidFill>
-                <a:prstDash val="solid"/>
-                <a:miter lim="800000"/>
-              </a:ln>
-              <a:effectLst>
-                <a:outerShdw blurRad="50800" dist="38100" dir="2700000" algn="tl" rotWithShape="0">
-                  <a:prstClr val="black">
-                    <a:alpha val="40000"/>
-                  </a:prstClr>
-                </a:outerShdw>
-              </a:effectLst>
-            </p:spPr>
-            <p:txBody>
-              <a:bodyPr rtlCol="0" anchor="ctr"/>
-              <a:lstStyle/>
-              <a:p>
-                <a:pPr algn="ctr">
-                  <a:defRPr/>
-                </a:pPr>
-                <a:r>
-                  <a:rPr lang="zh-CN" altLang="en-US" sz="1400" b="1" kern="0" dirty="0">
-                    <a:solidFill>
-                      <a:prstClr val="black"/>
-                    </a:solidFill>
-                    <a:latin typeface="KaiTi" panose="02010609060101010101" pitchFamily="49" charset="-122"/>
-                    <a:ea typeface="KaiTi" panose="02010609060101010101" pitchFamily="49" charset="-122"/>
-                  </a:rPr>
-                  <a:t>预测网络</a:t>
-                </a:r>
-                <a:endParaRPr lang="en-US" altLang="zh-CN" sz="1400" b="1" kern="0" dirty="0">
+                <a:ln w="19050" cap="flat" cmpd="sng" algn="ctr">
                   <a:solidFill>
-                    <a:prstClr val="black"/>
+                    <a:schemeClr val="tx1"/>
                   </a:solidFill>
-                  <a:latin typeface="KaiTi" panose="02010609060101010101" pitchFamily="49" charset="-122"/>
-                  <a:ea typeface="KaiTi" panose="02010609060101010101" pitchFamily="49" charset="-122"/>
-                </a:endParaRPr>
-              </a:p>
-              <a:p>
-                <a:pPr algn="ctr">
-                  <a:defRPr/>
-                </a:pPr>
-                <a14:m>
-                  <m:oMathPara xmlns:m="http://schemas.openxmlformats.org/officeDocument/2006/math">
-                    <m:oMathParaPr>
-                      <m:jc m:val="centerGroup"/>
-                    </m:oMathParaPr>
+                  <a:prstDash val="solid"/>
+                  <a:miter lim="800000"/>
+                </a:ln>
+                <a:effectLst>
+                  <a:outerShdw blurRad="50800" dist="38100" dir="2700000" algn="tl" rotWithShape="0">
+                    <a:prstClr val="black">
+                      <a:alpha val="40000"/>
+                    </a:prstClr>
+                  </a:outerShdw>
+                </a:effectLst>
+              </p:spPr>
+              <p:txBody>
+                <a:bodyPr rtlCol="0" anchor="ctr"/>
+                <a:lstStyle/>
+                <a:p>
+                  <a:pPr algn="ctr">
+                    <a:defRPr/>
+                  </a:pPr>
+                  <a:r>
+                    <a:rPr kumimoji="0" lang="en-US" sz="1400" b="1" i="0" u="none" strike="noStrike" kern="0" cap="none" spc="0" normalizeH="0" baseline="0" noProof="0" dirty="0">
+                      <a:ln>
+                        <a:noFill/>
+                      </a:ln>
+                      <a:solidFill>
+                        <a:prstClr val="black"/>
+                      </a:solidFill>
+                      <a:effectLst/>
+                      <a:uLnTx/>
+                      <a:uFillTx/>
+                      <a:latin typeface="KaiTi" panose="02010609060101010101" pitchFamily="49" charset="-122"/>
+                      <a:ea typeface="KaiTi" panose="02010609060101010101" pitchFamily="49" charset="-122"/>
+                      <a:cs typeface="+mn-cs"/>
+                    </a:rPr>
+                    <a:t>时序特征编码网络</a:t>
+                  </a:r>
+                  <a:r>
+                    <a:rPr kumimoji="0" lang="zh-CN" altLang="en-US" sz="1400" b="1" i="0" u="none" strike="noStrike" kern="0" cap="none" spc="0" normalizeH="0" baseline="0" noProof="0" dirty="0">
+                      <a:ln>
+                        <a:noFill/>
+                      </a:ln>
+                      <a:solidFill>
+                        <a:prstClr val="black"/>
+                      </a:solidFill>
+                      <a:effectLst/>
+                      <a:uLnTx/>
+                      <a:uFillTx/>
+                      <a:latin typeface="KaiTi" panose="02010609060101010101" pitchFamily="49" charset="-122"/>
+                      <a:ea typeface="KaiTi" panose="02010609060101010101" pitchFamily="49" charset="-122"/>
+                      <a:cs typeface="+mn-cs"/>
+                    </a:rPr>
+                    <a:t> </a:t>
+                  </a:r>
+                  <a14:m>
                     <m:oMath xmlns:m="http://schemas.openxmlformats.org/officeDocument/2006/math">
                       <m:sSubSup>
                         <m:sSubSupPr>
                           <m:ctrlPr>
-                            <a:rPr lang="en-US" sz="1400" i="1">
+                            <a:rPr lang="en-US" sz="1400" b="0" i="1" smtClean="0">
                               <a:latin typeface="Cambria Math" panose="02040503050406030204" pitchFamily="18" charset="0"/>
                               <a:ea typeface="Cambria Math" panose="02040503050406030204" pitchFamily="18" charset="0"/>
                             </a:rPr>
@@ -11600,12 +11992,12 @@
                               <a:latin typeface="Cambria Math" panose="02040503050406030204" pitchFamily="18" charset="0"/>
                               <a:ea typeface="Cambria Math" panose="02040503050406030204" pitchFamily="18" charset="0"/>
                             </a:rPr>
-                            <m:t>Pred</m:t>
+                            <m:t>Enc</m:t>
                           </m:r>
                         </m:sub>
                         <m:sup>
                           <m:r>
-                            <a:rPr lang="en-US" sz="1400" i="1">
+                            <a:rPr lang="en-US" sz="1400" b="0" i="1" smtClean="0">
                               <a:latin typeface="Cambria Math" panose="02040503050406030204" pitchFamily="18" charset="0"/>
                               <a:ea typeface="Cambria Math" panose="02040503050406030204" pitchFamily="18" charset="0"/>
                             </a:rPr>
@@ -11614,9 +12006,729 @@
                         </m:sup>
                       </m:sSubSup>
                     </m:oMath>
-                  </m:oMathPara>
-                </a14:m>
-                <a:endParaRPr kumimoji="0" lang="en-CN" sz="1400" b="1" i="0" u="none" strike="noStrike" kern="0" cap="none" spc="0" normalizeH="0" baseline="0" noProof="0" dirty="0">
+                  </a14:m>
+                  <a:endParaRPr kumimoji="0" lang="en-CN" sz="1400" b="1" i="0" u="none" strike="noStrike" kern="0" cap="none" spc="0" normalizeH="0" baseline="0" noProof="0" dirty="0">
+                    <a:ln>
+                      <a:noFill/>
+                    </a:ln>
+                    <a:solidFill>
+                      <a:prstClr val="black"/>
+                    </a:solidFill>
+                    <a:effectLst/>
+                    <a:uLnTx/>
+                    <a:uFillTx/>
+                    <a:latin typeface="KaiTi" panose="02010609060101010101" pitchFamily="49" charset="-122"/>
+                    <a:ea typeface="KaiTi" panose="02010609060101010101" pitchFamily="49" charset="-122"/>
+                    <a:cs typeface="+mn-cs"/>
+                  </a:endParaRPr>
+                </a:p>
+              </p:txBody>
+            </p:sp>
+          </mc:Choice>
+          <mc:Fallback>
+            <p:sp>
+              <p:nvSpPr>
+                <p:cNvPr id="3" name="Rounded Rectangle 2">
+                  <a:extLst>
+                    <a:ext uri="{FF2B5EF4-FFF2-40B4-BE49-F238E27FC236}">
+                      <a16:creationId xmlns:a16="http://schemas.microsoft.com/office/drawing/2014/main" id="{0BE5E78B-3939-AC48-8D2A-BCE6F552126C}"/>
+                    </a:ext>
+                  </a:extLst>
+                </p:cNvPr>
+                <p:cNvSpPr>
+                  <a:spLocks noRot="1" noChangeAspect="1" noMove="1" noResize="1" noEditPoints="1" noAdjustHandles="1" noChangeArrowheads="1" noChangeShapeType="1" noTextEdit="1"/>
+                </p:cNvSpPr>
+                <p:nvPr/>
+              </p:nvSpPr>
+              <p:spPr>
+                <a:xfrm>
+                  <a:off x="8477154" y="2175862"/>
+                  <a:ext cx="1356995" cy="509851"/>
+                </a:xfrm>
+                <a:prstGeom prst="roundRect">
+                  <a:avLst>
+                    <a:gd name="adj" fmla="val 24248"/>
+                  </a:avLst>
+                </a:prstGeom>
+                <a:blipFill>
+                  <a:blip r:embed="rId5"/>
+                  <a:stretch>
+                    <a:fillRect/>
+                  </a:stretch>
+                </a:blipFill>
+                <a:ln w="19050" cap="flat" cmpd="sng" algn="ctr">
+                  <a:solidFill>
+                    <a:schemeClr val="tx1"/>
+                  </a:solidFill>
+                  <a:prstDash val="solid"/>
+                  <a:miter lim="800000"/>
+                </a:ln>
+                <a:effectLst>
+                  <a:outerShdw blurRad="50800" dist="38100" dir="2700000" algn="tl" rotWithShape="0">
+                    <a:prstClr val="black">
+                      <a:alpha val="40000"/>
+                    </a:prstClr>
+                  </a:outerShdw>
+                </a:effectLst>
+              </p:spPr>
+              <p:txBody>
+                <a:bodyPr/>
+                <a:lstStyle/>
+                <a:p>
+                  <a:r>
+                    <a:rPr lang="en-CN">
+                      <a:noFill/>
+                    </a:rPr>
+                    <a:t> </a:t>
+                  </a:r>
+                </a:p>
+              </p:txBody>
+            </p:sp>
+          </mc:Fallback>
+        </mc:AlternateContent>
+        <mc:AlternateContent xmlns:mc="http://schemas.openxmlformats.org/markup-compatibility/2006">
+          <mc:Choice xmlns:a14="http://schemas.microsoft.com/office/drawing/2010/main" Requires="a14">
+            <p:sp>
+              <p:nvSpPr>
+                <p:cNvPr id="4" name="Rounded Rectangle 3">
+                  <a:extLst>
+                    <a:ext uri="{FF2B5EF4-FFF2-40B4-BE49-F238E27FC236}">
+                      <a16:creationId xmlns:a16="http://schemas.microsoft.com/office/drawing/2014/main" id="{F7EA45EE-247F-3F4D-9A2A-559C3E4E4FED}"/>
+                    </a:ext>
+                  </a:extLst>
+                </p:cNvPr>
+                <p:cNvSpPr/>
+                <p:nvPr/>
+              </p:nvSpPr>
+              <p:spPr>
+                <a:xfrm>
+                  <a:off x="8477154" y="3309096"/>
+                  <a:ext cx="1356995" cy="509851"/>
+                </a:xfrm>
+                <a:prstGeom prst="roundRect">
+                  <a:avLst>
+                    <a:gd name="adj" fmla="val 24248"/>
+                  </a:avLst>
+                </a:prstGeom>
+                <a:solidFill>
+                  <a:schemeClr val="bg1"/>
+                </a:solidFill>
+                <a:ln w="19050" cap="flat" cmpd="sng" algn="ctr">
+                  <a:solidFill>
+                    <a:schemeClr val="tx1"/>
+                  </a:solidFill>
+                  <a:prstDash val="solid"/>
+                  <a:miter lim="800000"/>
+                </a:ln>
+                <a:effectLst>
+                  <a:outerShdw blurRad="50800" dist="38100" dir="2700000" algn="tl" rotWithShape="0">
+                    <a:prstClr val="black">
+                      <a:alpha val="40000"/>
+                    </a:prstClr>
+                  </a:outerShdw>
+                </a:effectLst>
+              </p:spPr>
+              <p:txBody>
+                <a:bodyPr rtlCol="0" anchor="ctr"/>
+                <a:lstStyle/>
+                <a:p>
+                  <a:pPr algn="ctr">
+                    <a:defRPr/>
+                  </a:pPr>
+                  <a:r>
+                    <a:rPr lang="zh-CN" altLang="en-US" sz="1400" b="1" kern="0" dirty="0">
+                      <a:solidFill>
+                        <a:prstClr val="black"/>
+                      </a:solidFill>
+                      <a:latin typeface="KaiTi" panose="02010609060101010101" pitchFamily="49" charset="-122"/>
+                      <a:ea typeface="KaiTi" panose="02010609060101010101" pitchFamily="49" charset="-122"/>
+                    </a:rPr>
+                    <a:t>预测网络</a:t>
+                  </a:r>
+                  <a:endParaRPr lang="en-US" altLang="zh-CN" sz="1400" b="1" kern="0" dirty="0">
+                    <a:solidFill>
+                      <a:prstClr val="black"/>
+                    </a:solidFill>
+                    <a:latin typeface="KaiTi" panose="02010609060101010101" pitchFamily="49" charset="-122"/>
+                    <a:ea typeface="KaiTi" panose="02010609060101010101" pitchFamily="49" charset="-122"/>
+                  </a:endParaRPr>
+                </a:p>
+                <a:p>
+                  <a:pPr algn="ctr">
+                    <a:defRPr/>
+                  </a:pPr>
+                  <a14:m>
+                    <m:oMathPara xmlns:m="http://schemas.openxmlformats.org/officeDocument/2006/math">
+                      <m:oMathParaPr>
+                        <m:jc m:val="centerGroup"/>
+                      </m:oMathParaPr>
+                      <m:oMath xmlns:m="http://schemas.openxmlformats.org/officeDocument/2006/math">
+                        <m:sSubSup>
+                          <m:sSubSupPr>
+                            <m:ctrlPr>
+                              <a:rPr lang="en-US" sz="1400" i="1">
+                                <a:latin typeface="Cambria Math" panose="02040503050406030204" pitchFamily="18" charset="0"/>
+                                <a:ea typeface="Cambria Math" panose="02040503050406030204" pitchFamily="18" charset="0"/>
+                              </a:rPr>
+                            </m:ctrlPr>
+                          </m:sSubSupPr>
+                          <m:e>
+                            <m:r>
+                              <a:rPr lang="en-CN" sz="1400" i="1">
+                                <a:latin typeface="Cambria Math" panose="02040503050406030204" pitchFamily="18" charset="0"/>
+                                <a:ea typeface="Cambria Math" panose="02040503050406030204" pitchFamily="18" charset="0"/>
+                              </a:rPr>
+                              <m:t>ℱ</m:t>
+                            </m:r>
+                          </m:e>
+                          <m:sub>
+                            <m:r>
+                              <m:rPr>
+                                <m:sty m:val="p"/>
+                              </m:rPr>
+                              <a:rPr lang="en-US" sz="1400" b="0" i="0" smtClean="0">
+                                <a:latin typeface="Cambria Math" panose="02040503050406030204" pitchFamily="18" charset="0"/>
+                                <a:ea typeface="Cambria Math" panose="02040503050406030204" pitchFamily="18" charset="0"/>
+                              </a:rPr>
+                              <m:t>Pred</m:t>
+                            </m:r>
+                          </m:sub>
+                          <m:sup>
+                            <m:r>
+                              <a:rPr lang="en-US" sz="1400" i="1">
+                                <a:latin typeface="Cambria Math" panose="02040503050406030204" pitchFamily="18" charset="0"/>
+                                <a:ea typeface="Cambria Math" panose="02040503050406030204" pitchFamily="18" charset="0"/>
+                              </a:rPr>
+                              <m:t>𝑔</m:t>
+                            </m:r>
+                          </m:sup>
+                        </m:sSubSup>
+                      </m:oMath>
+                    </m:oMathPara>
+                  </a14:m>
+                  <a:endParaRPr kumimoji="0" lang="en-CN" sz="1400" b="1" i="0" u="none" strike="noStrike" kern="0" cap="none" spc="0" normalizeH="0" baseline="0" noProof="0" dirty="0">
+                    <a:ln>
+                      <a:noFill/>
+                    </a:ln>
+                    <a:solidFill>
+                      <a:prstClr val="black"/>
+                    </a:solidFill>
+                    <a:effectLst/>
+                    <a:uLnTx/>
+                    <a:uFillTx/>
+                    <a:latin typeface="KaiTi" panose="02010609060101010101" pitchFamily="49" charset="-122"/>
+                    <a:ea typeface="KaiTi" panose="02010609060101010101" pitchFamily="49" charset="-122"/>
+                    <a:cs typeface="+mn-cs"/>
+                  </a:endParaRPr>
+                </a:p>
+              </p:txBody>
+            </p:sp>
+          </mc:Choice>
+          <mc:Fallback>
+            <p:sp>
+              <p:nvSpPr>
+                <p:cNvPr id="4" name="Rounded Rectangle 3">
+                  <a:extLst>
+                    <a:ext uri="{FF2B5EF4-FFF2-40B4-BE49-F238E27FC236}">
+                      <a16:creationId xmlns:a16="http://schemas.microsoft.com/office/drawing/2014/main" id="{F7EA45EE-247F-3F4D-9A2A-559C3E4E4FED}"/>
+                    </a:ext>
+                  </a:extLst>
+                </p:cNvPr>
+                <p:cNvSpPr>
+                  <a:spLocks noRot="1" noChangeAspect="1" noMove="1" noResize="1" noEditPoints="1" noAdjustHandles="1" noChangeArrowheads="1" noChangeShapeType="1" noTextEdit="1"/>
+                </p:cNvSpPr>
+                <p:nvPr/>
+              </p:nvSpPr>
+              <p:spPr>
+                <a:xfrm>
+                  <a:off x="8477154" y="3309096"/>
+                  <a:ext cx="1356995" cy="509851"/>
+                </a:xfrm>
+                <a:prstGeom prst="roundRect">
+                  <a:avLst>
+                    <a:gd name="adj" fmla="val 24248"/>
+                  </a:avLst>
+                </a:prstGeom>
+                <a:blipFill>
+                  <a:blip r:embed="rId6"/>
+                  <a:stretch>
+                    <a:fillRect/>
+                  </a:stretch>
+                </a:blipFill>
+                <a:ln w="19050" cap="flat" cmpd="sng" algn="ctr">
+                  <a:solidFill>
+                    <a:schemeClr val="tx1"/>
+                  </a:solidFill>
+                  <a:prstDash val="solid"/>
+                  <a:miter lim="800000"/>
+                </a:ln>
+                <a:effectLst>
+                  <a:outerShdw blurRad="50800" dist="38100" dir="2700000" algn="tl" rotWithShape="0">
+                    <a:prstClr val="black">
+                      <a:alpha val="40000"/>
+                    </a:prstClr>
+                  </a:outerShdw>
+                </a:effectLst>
+              </p:spPr>
+              <p:txBody>
+                <a:bodyPr/>
+                <a:lstStyle/>
+                <a:p>
+                  <a:r>
+                    <a:rPr lang="en-CN">
+                      <a:noFill/>
+                    </a:rPr>
+                    <a:t> </a:t>
+                  </a:r>
+                </a:p>
+              </p:txBody>
+            </p:sp>
+          </mc:Fallback>
+        </mc:AlternateContent>
+        <mc:AlternateContent xmlns:mc="http://schemas.openxmlformats.org/markup-compatibility/2006">
+          <mc:Choice xmlns:a14="http://schemas.microsoft.com/office/drawing/2010/main" Requires="a14">
+            <p:sp>
+              <p:nvSpPr>
+                <p:cNvPr id="5" name="Rounded Rectangle 4">
+                  <a:extLst>
+                    <a:ext uri="{FF2B5EF4-FFF2-40B4-BE49-F238E27FC236}">
+                      <a16:creationId xmlns:a16="http://schemas.microsoft.com/office/drawing/2014/main" id="{AFB74FD2-CAC7-B743-9B1D-DC14D70F2841}"/>
+                    </a:ext>
+                  </a:extLst>
+                </p:cNvPr>
+                <p:cNvSpPr/>
+                <p:nvPr/>
+              </p:nvSpPr>
+              <p:spPr>
+                <a:xfrm>
+                  <a:off x="10307019" y="3317972"/>
+                  <a:ext cx="1356995" cy="509851"/>
+                </a:xfrm>
+                <a:prstGeom prst="roundRect">
+                  <a:avLst>
+                    <a:gd name="adj" fmla="val 24248"/>
+                  </a:avLst>
+                </a:prstGeom>
+                <a:solidFill>
+                  <a:schemeClr val="bg1"/>
+                </a:solidFill>
+                <a:ln w="19050" cap="flat" cmpd="sng" algn="ctr">
+                  <a:solidFill>
+                    <a:schemeClr val="tx1"/>
+                  </a:solidFill>
+                  <a:prstDash val="solid"/>
+                  <a:miter lim="800000"/>
+                </a:ln>
+                <a:effectLst>
+                  <a:outerShdw blurRad="50800" dist="38100" dir="2700000" algn="tl" rotWithShape="0">
+                    <a:prstClr val="black">
+                      <a:alpha val="40000"/>
+                    </a:prstClr>
+                  </a:outerShdw>
+                </a:effectLst>
+              </p:spPr>
+              <p:txBody>
+                <a:bodyPr rtlCol="0" anchor="ctr"/>
+                <a:lstStyle/>
+                <a:p>
+                  <a:pPr algn="ctr">
+                    <a:defRPr/>
+                  </a:pPr>
+                  <a:r>
+                    <a:rPr lang="zh-CN" altLang="en-US" sz="1400" b="1" kern="0" dirty="0">
+                      <a:solidFill>
+                        <a:prstClr val="black"/>
+                      </a:solidFill>
+                      <a:latin typeface="KaiTi" panose="02010609060101010101" pitchFamily="49" charset="-122"/>
+                      <a:ea typeface="KaiTi" panose="02010609060101010101" pitchFamily="49" charset="-122"/>
+                    </a:rPr>
+                    <a:t>细粒度特征重建网络</a:t>
+                  </a:r>
+                  <a14:m>
+                    <m:oMath xmlns:m="http://schemas.openxmlformats.org/officeDocument/2006/math">
+                      <m:r>
+                        <a:rPr lang="en-US" sz="1400" b="1" i="0" smtClean="0">
+                          <a:latin typeface="Cambria Math" panose="02040503050406030204" pitchFamily="18" charset="0"/>
+                          <a:ea typeface="Cambria Math" panose="02040503050406030204" pitchFamily="18" charset="0"/>
+                        </a:rPr>
+                        <m:t> </m:t>
+                      </m:r>
+                      <m:sSubSup>
+                        <m:sSubSupPr>
+                          <m:ctrlPr>
+                            <a:rPr lang="en-US" sz="1400" b="0" i="1" smtClean="0">
+                              <a:latin typeface="Cambria Math" panose="02040503050406030204" pitchFamily="18" charset="0"/>
+                              <a:ea typeface="Cambria Math" panose="02040503050406030204" pitchFamily="18" charset="0"/>
+                            </a:rPr>
+                          </m:ctrlPr>
+                        </m:sSubSupPr>
+                        <m:e>
+                          <m:r>
+                            <a:rPr lang="en-CN" sz="1400" i="1">
+                              <a:latin typeface="Cambria Math" panose="02040503050406030204" pitchFamily="18" charset="0"/>
+                              <a:ea typeface="Cambria Math" panose="02040503050406030204" pitchFamily="18" charset="0"/>
+                            </a:rPr>
+                            <m:t>ℱ</m:t>
+                          </m:r>
+                        </m:e>
+                        <m:sub>
+                          <m:r>
+                            <m:rPr>
+                              <m:sty m:val="p"/>
+                            </m:rPr>
+                            <a:rPr lang="en-US" sz="1400" b="0" i="0" smtClean="0">
+                              <a:latin typeface="Cambria Math" panose="02040503050406030204" pitchFamily="18" charset="0"/>
+                              <a:ea typeface="Cambria Math" panose="02040503050406030204" pitchFamily="18" charset="0"/>
+                            </a:rPr>
+                            <m:t>Re</m:t>
+                          </m:r>
+                          <m:r>
+                            <m:rPr>
+                              <m:sty m:val="p"/>
+                            </m:rPr>
+                            <a:rPr lang="en-US" altLang="zh-CN" sz="1400" b="0" i="0" smtClean="0">
+                              <a:latin typeface="Cambria Math" panose="02040503050406030204" pitchFamily="18" charset="0"/>
+                              <a:ea typeface="Cambria Math" panose="02040503050406030204" pitchFamily="18" charset="0"/>
+                            </a:rPr>
+                            <m:t>c</m:t>
+                          </m:r>
+                        </m:sub>
+                        <m:sup>
+                          <m:r>
+                            <a:rPr lang="en-US" sz="1400" b="0" i="1" smtClean="0">
+                              <a:latin typeface="Cambria Math" panose="02040503050406030204" pitchFamily="18" charset="0"/>
+                              <a:ea typeface="Cambria Math" panose="02040503050406030204" pitchFamily="18" charset="0"/>
+                            </a:rPr>
+                            <m:t>𝑔</m:t>
+                          </m:r>
+                        </m:sup>
+                      </m:sSubSup>
+                    </m:oMath>
+                  </a14:m>
+                  <a:endParaRPr kumimoji="0" lang="en-CN" sz="1400" b="1" i="0" u="none" strike="noStrike" kern="0" cap="none" spc="0" normalizeH="0" baseline="0" noProof="0" dirty="0">
+                    <a:ln>
+                      <a:noFill/>
+                    </a:ln>
+                    <a:solidFill>
+                      <a:prstClr val="black"/>
+                    </a:solidFill>
+                    <a:effectLst/>
+                    <a:uLnTx/>
+                    <a:uFillTx/>
+                    <a:latin typeface="KaiTi" panose="02010609060101010101" pitchFamily="49" charset="-122"/>
+                    <a:ea typeface="KaiTi" panose="02010609060101010101" pitchFamily="49" charset="-122"/>
+                    <a:cs typeface="+mn-cs"/>
+                  </a:endParaRPr>
+                </a:p>
+              </p:txBody>
+            </p:sp>
+          </mc:Choice>
+          <mc:Fallback>
+            <p:sp>
+              <p:nvSpPr>
+                <p:cNvPr id="5" name="Rounded Rectangle 4">
+                  <a:extLst>
+                    <a:ext uri="{FF2B5EF4-FFF2-40B4-BE49-F238E27FC236}">
+                      <a16:creationId xmlns:a16="http://schemas.microsoft.com/office/drawing/2014/main" id="{AFB74FD2-CAC7-B743-9B1D-DC14D70F2841}"/>
+                    </a:ext>
+                  </a:extLst>
+                </p:cNvPr>
+                <p:cNvSpPr>
+                  <a:spLocks noRot="1" noChangeAspect="1" noMove="1" noResize="1" noEditPoints="1" noAdjustHandles="1" noChangeArrowheads="1" noChangeShapeType="1" noTextEdit="1"/>
+                </p:cNvSpPr>
+                <p:nvPr/>
+              </p:nvSpPr>
+              <p:spPr>
+                <a:xfrm>
+                  <a:off x="10307019" y="3317972"/>
+                  <a:ext cx="1356995" cy="509851"/>
+                </a:xfrm>
+                <a:prstGeom prst="roundRect">
+                  <a:avLst>
+                    <a:gd name="adj" fmla="val 24248"/>
+                  </a:avLst>
+                </a:prstGeom>
+                <a:blipFill>
+                  <a:blip r:embed="rId7"/>
+                  <a:stretch>
+                    <a:fillRect/>
+                  </a:stretch>
+                </a:blipFill>
+                <a:ln w="19050" cap="flat" cmpd="sng" algn="ctr">
+                  <a:solidFill>
+                    <a:schemeClr val="tx1"/>
+                  </a:solidFill>
+                  <a:prstDash val="solid"/>
+                  <a:miter lim="800000"/>
+                </a:ln>
+                <a:effectLst>
+                  <a:outerShdw blurRad="50800" dist="38100" dir="2700000" algn="tl" rotWithShape="0">
+                    <a:prstClr val="black">
+                      <a:alpha val="40000"/>
+                    </a:prstClr>
+                  </a:outerShdw>
+                </a:effectLst>
+              </p:spPr>
+              <p:txBody>
+                <a:bodyPr/>
+                <a:lstStyle/>
+                <a:p>
+                  <a:r>
+                    <a:rPr lang="en-CN">
+                      <a:noFill/>
+                    </a:rPr>
+                    <a:t> </a:t>
+                  </a:r>
+                </a:p>
+              </p:txBody>
+            </p:sp>
+          </mc:Fallback>
+        </mc:AlternateContent>
+        <p:cxnSp>
+          <p:nvCxnSpPr>
+            <p:cNvPr id="6" name="Elbow Connector 5">
+              <a:extLst>
+                <a:ext uri="{FF2B5EF4-FFF2-40B4-BE49-F238E27FC236}">
+                  <a16:creationId xmlns:a16="http://schemas.microsoft.com/office/drawing/2014/main" id="{5E76539C-80B2-CD46-BF3F-4ABC856F5AF2}"/>
+                </a:ext>
+              </a:extLst>
+            </p:cNvPr>
+            <p:cNvCxnSpPr>
+              <a:cxnSpLocks/>
+              <a:stCxn id="16" idx="0"/>
+              <a:endCxn id="5" idx="0"/>
+            </p:cNvCxnSpPr>
+            <p:nvPr/>
+          </p:nvCxnSpPr>
+          <p:spPr>
+            <a:xfrm rot="5400000" flipH="1" flipV="1">
+              <a:off x="9154707" y="1487162"/>
+              <a:ext cx="12700" cy="3661620"/>
+            </a:xfrm>
+            <a:prstGeom prst="bentConnector3">
+              <a:avLst>
+                <a:gd name="adj1" fmla="val 2177417"/>
+              </a:avLst>
+            </a:prstGeom>
+            <a:noFill/>
+            <a:ln w="19050" cap="flat" cmpd="sng" algn="ctr">
+              <a:solidFill>
+                <a:sysClr val="windowText" lastClr="000000"/>
+              </a:solidFill>
+              <a:prstDash val="solid"/>
+              <a:miter lim="800000"/>
+              <a:headEnd type="stealth" w="lg" len="med"/>
+              <a:tailEnd type="stealth" w="lg" len="med"/>
+            </a:ln>
+            <a:effectLst/>
+          </p:spPr>
+        </p:cxnSp>
+        <p:cxnSp>
+          <p:nvCxnSpPr>
+            <p:cNvPr id="7" name="Straight Arrow Connector 6">
+              <a:extLst>
+                <a:ext uri="{FF2B5EF4-FFF2-40B4-BE49-F238E27FC236}">
+                  <a16:creationId xmlns:a16="http://schemas.microsoft.com/office/drawing/2014/main" id="{C4B2A18D-6C36-3443-AD73-153744B091DC}"/>
+                </a:ext>
+              </a:extLst>
+            </p:cNvPr>
+            <p:cNvCxnSpPr>
+              <a:cxnSpLocks/>
+              <a:stCxn id="4" idx="2"/>
+              <a:endCxn id="17" idx="0"/>
+            </p:cNvCxnSpPr>
+            <p:nvPr/>
+          </p:nvCxnSpPr>
+          <p:spPr>
+            <a:xfrm flipH="1">
+              <a:off x="9155651" y="3818947"/>
+              <a:ext cx="1" cy="355178"/>
+            </a:xfrm>
+            <a:prstGeom prst="straightConnector1">
+              <a:avLst/>
+            </a:prstGeom>
+            <a:noFill/>
+            <a:ln w="19050" cap="flat" cmpd="sng" algn="ctr">
+              <a:solidFill>
+                <a:schemeClr val="tx1"/>
+              </a:solidFill>
+              <a:prstDash val="solid"/>
+              <a:miter lim="800000"/>
+              <a:tailEnd type="stealth" w="lg" len="med"/>
+            </a:ln>
+            <a:effectLst/>
+          </p:spPr>
+        </p:cxnSp>
+        <mc:AlternateContent xmlns:mc="http://schemas.openxmlformats.org/markup-compatibility/2006">
+          <mc:Choice xmlns:a14="http://schemas.microsoft.com/office/drawing/2010/main" Requires="a14">
+            <p:sp>
+              <p:nvSpPr>
+                <p:cNvPr id="11" name="TextBox 10">
+                  <a:extLst>
+                    <a:ext uri="{FF2B5EF4-FFF2-40B4-BE49-F238E27FC236}">
+                      <a16:creationId xmlns:a16="http://schemas.microsoft.com/office/drawing/2014/main" id="{A48A9FBF-C335-F34E-8881-C8779F5C7997}"/>
+                    </a:ext>
+                  </a:extLst>
+                </p:cNvPr>
+                <p:cNvSpPr txBox="1"/>
+                <p:nvPr/>
+              </p:nvSpPr>
+              <p:spPr>
+                <a:xfrm>
+                  <a:off x="9216299" y="2738474"/>
+                  <a:ext cx="278602" cy="215444"/>
+                </a:xfrm>
+                <a:prstGeom prst="rect">
+                  <a:avLst/>
+                </a:prstGeom>
+                <a:noFill/>
+              </p:spPr>
+              <p:txBody>
+                <a:bodyPr wrap="none" lIns="0" tIns="0" rIns="0" bIns="0" rtlCol="0">
+                  <a:spAutoFit/>
+                </a:bodyPr>
+                <a:lstStyle/>
+                <a:p>
+                  <a:pPr/>
+                  <a14:m>
+                    <m:oMathPara xmlns:m="http://schemas.openxmlformats.org/officeDocument/2006/math">
+                      <m:oMathParaPr>
+                        <m:jc m:val="centerGroup"/>
+                      </m:oMathParaPr>
+                      <m:oMath xmlns:m="http://schemas.openxmlformats.org/officeDocument/2006/math">
+                        <m:sSup>
+                          <m:sSupPr>
+                            <m:ctrlPr>
+                              <a:rPr lang="en-US" sz="1400" b="0" i="1" smtClean="0">
+                                <a:latin typeface="Cambria Math" panose="02040503050406030204" pitchFamily="18" charset="0"/>
+                              </a:rPr>
+                            </m:ctrlPr>
+                          </m:sSupPr>
+                          <m:e>
+                            <m:r>
+                              <a:rPr lang="en-US" sz="1400" b="1" i="0" smtClean="0">
+                                <a:latin typeface="Cambria Math" panose="02040503050406030204" pitchFamily="18" charset="0"/>
+                              </a:rPr>
+                              <m:t>𝐇</m:t>
+                            </m:r>
+                          </m:e>
+                          <m:sup>
+                            <m:r>
+                              <a:rPr lang="en-US" sz="1400" b="0" i="1" smtClean="0">
+                                <a:latin typeface="Cambria Math" panose="02040503050406030204" pitchFamily="18" charset="0"/>
+                              </a:rPr>
+                              <m:t>𝑔</m:t>
+                            </m:r>
+                          </m:sup>
+                        </m:sSup>
+                      </m:oMath>
+                    </m:oMathPara>
+                  </a14:m>
+                  <a:endParaRPr lang="en-CN" sz="1400" dirty="0"/>
+                </a:p>
+              </p:txBody>
+            </p:sp>
+          </mc:Choice>
+          <mc:Fallback>
+            <p:sp>
+              <p:nvSpPr>
+                <p:cNvPr id="11" name="TextBox 10">
+                  <a:extLst>
+                    <a:ext uri="{FF2B5EF4-FFF2-40B4-BE49-F238E27FC236}">
+                      <a16:creationId xmlns:a16="http://schemas.microsoft.com/office/drawing/2014/main" id="{A48A9FBF-C335-F34E-8881-C8779F5C7997}"/>
+                    </a:ext>
+                  </a:extLst>
+                </p:cNvPr>
+                <p:cNvSpPr txBox="1">
+                  <a:spLocks noRot="1" noChangeAspect="1" noMove="1" noResize="1" noEditPoints="1" noAdjustHandles="1" noChangeArrowheads="1" noChangeShapeType="1" noTextEdit="1"/>
+                </p:cNvSpPr>
+                <p:nvPr/>
+              </p:nvSpPr>
+              <p:spPr>
+                <a:xfrm>
+                  <a:off x="9216299" y="2738474"/>
+                  <a:ext cx="278602" cy="215444"/>
+                </a:xfrm>
+                <a:prstGeom prst="rect">
+                  <a:avLst/>
+                </a:prstGeom>
+                <a:blipFill>
+                  <a:blip r:embed="rId8"/>
+                  <a:stretch>
+                    <a:fillRect l="-8696" r="-8696" b="-5556"/>
+                  </a:stretch>
+                </a:blipFill>
+              </p:spPr>
+              <p:txBody>
+                <a:bodyPr/>
+                <a:lstStyle/>
+                <a:p>
+                  <a:r>
+                    <a:rPr lang="en-CN">
+                      <a:noFill/>
+                    </a:rPr>
+                    <a:t> </a:t>
+                  </a:r>
+                </a:p>
+              </p:txBody>
+            </p:sp>
+          </mc:Fallback>
+        </mc:AlternateContent>
+        <p:sp>
+          <p:nvSpPr>
+            <p:cNvPr id="16" name="Rounded Rectangle 15">
+              <a:extLst>
+                <a:ext uri="{FF2B5EF4-FFF2-40B4-BE49-F238E27FC236}">
+                  <a16:creationId xmlns:a16="http://schemas.microsoft.com/office/drawing/2014/main" id="{351FA8D2-DA3D-0D4E-B8DC-BC970ADB250D}"/>
+                </a:ext>
+              </a:extLst>
+            </p:cNvPr>
+            <p:cNvSpPr/>
+            <p:nvPr/>
+          </p:nvSpPr>
+          <p:spPr>
+            <a:xfrm>
+              <a:off x="6645399" y="3317972"/>
+              <a:ext cx="1356995" cy="509851"/>
+            </a:xfrm>
+            <a:prstGeom prst="roundRect">
+              <a:avLst>
+                <a:gd name="adj" fmla="val 24248"/>
+              </a:avLst>
+            </a:prstGeom>
+            <a:solidFill>
+              <a:schemeClr val="accent4">
+                <a:lumMod val="20000"/>
+                <a:lumOff val="80000"/>
+                <a:alpha val="95000"/>
+              </a:schemeClr>
+            </a:solidFill>
+            <a:ln w="19050" cap="flat" cmpd="sng" algn="ctr">
+              <a:solidFill>
+                <a:schemeClr val="accent4">
+                  <a:lumMod val="50000"/>
+                </a:schemeClr>
+              </a:solidFill>
+              <a:prstDash val="solid"/>
+              <a:miter lim="800000"/>
+            </a:ln>
+            <a:effectLst>
+              <a:outerShdw blurRad="50800" dist="38100" dir="2700000" algn="tl" rotWithShape="0">
+                <a:prstClr val="black">
+                  <a:alpha val="40000"/>
+                </a:prstClr>
+              </a:outerShdw>
+            </a:effectLst>
+          </p:spPr>
+          <p:txBody>
+            <a:bodyPr rtlCol="0" anchor="ctr"/>
+            <a:lstStyle/>
+            <a:p>
+              <a:pPr algn="ctr">
+                <a:defRPr/>
+              </a:pPr>
+              <a:r>
+                <a:rPr kumimoji="0" lang="en-US" sz="1400" b="1" i="0" u="none" strike="noStrike" kern="0" cap="none" spc="0" normalizeH="0" baseline="0" noProof="0" dirty="0" err="1">
                   <a:ln>
                     <a:noFill/>
                   </a:ln>
@@ -11629,185 +12741,30 @@
                   <a:latin typeface="KaiTi" panose="02010609060101010101" pitchFamily="49" charset="-122"/>
                   <a:ea typeface="KaiTi" panose="02010609060101010101" pitchFamily="49" charset="-122"/>
                   <a:cs typeface="+mn-cs"/>
-                </a:endParaRPr>
-              </a:p>
-            </p:txBody>
-          </p:sp>
-        </mc:Choice>
-        <mc:Fallback>
-          <p:sp>
-            <p:nvSpPr>
-              <p:cNvPr id="4" name="Rounded Rectangle 3">
-                <a:extLst>
-                  <a:ext uri="{FF2B5EF4-FFF2-40B4-BE49-F238E27FC236}">
-                    <a16:creationId xmlns:a16="http://schemas.microsoft.com/office/drawing/2014/main" id="{F7EA45EE-247F-3F4D-9A2A-559C3E4E4FED}"/>
-                  </a:ext>
-                </a:extLst>
-              </p:cNvPr>
-              <p:cNvSpPr>
-                <a:spLocks noRot="1" noChangeAspect="1" noMove="1" noResize="1" noEditPoints="1" noAdjustHandles="1" noChangeArrowheads="1" noChangeShapeType="1" noTextEdit="1"/>
-              </p:cNvSpPr>
-              <p:nvPr/>
-            </p:nvSpPr>
-            <p:spPr>
-              <a:xfrm>
-                <a:off x="5417502" y="3682628"/>
-                <a:ext cx="1356995" cy="509851"/>
-              </a:xfrm>
-              <a:prstGeom prst="roundRect">
-                <a:avLst>
-                  <a:gd name="adj" fmla="val 24248"/>
-                </a:avLst>
-              </a:prstGeom>
-              <a:blipFill>
-                <a:blip r:embed="rId3"/>
-                <a:stretch>
-                  <a:fillRect/>
-                </a:stretch>
-              </a:blipFill>
-              <a:ln w="19050" cap="flat" cmpd="sng" algn="ctr">
+                </a:rPr>
+                <a:t>置信度估计</a:t>
+              </a:r>
+              <a:endParaRPr kumimoji="0" lang="en-US" sz="1400" b="1" i="0" u="none" strike="noStrike" kern="0" cap="none" spc="0" normalizeH="0" baseline="0" noProof="0" dirty="0">
+                <a:ln>
+                  <a:noFill/>
+                </a:ln>
                 <a:solidFill>
-                  <a:schemeClr val="tx1"/>
+                  <a:prstClr val="black"/>
                 </a:solidFill>
-                <a:prstDash val="solid"/>
-                <a:miter lim="800000"/>
-              </a:ln>
-              <a:effectLst>
-                <a:outerShdw blurRad="50800" dist="38100" dir="2700000" algn="tl" rotWithShape="0">
-                  <a:prstClr val="black">
-                    <a:alpha val="40000"/>
-                  </a:prstClr>
-                </a:outerShdw>
-              </a:effectLst>
-            </p:spPr>
-            <p:txBody>
-              <a:bodyPr/>
-              <a:lstStyle/>
-              <a:p>
-                <a:r>
-                  <a:rPr lang="en-CN">
-                    <a:noFill/>
-                  </a:rPr>
-                  <a:t> </a:t>
-                </a:r>
-              </a:p>
-            </p:txBody>
-          </p:sp>
-        </mc:Fallback>
-      </mc:AlternateContent>
-      <mc:AlternateContent xmlns:mc="http://schemas.openxmlformats.org/markup-compatibility/2006">
-        <mc:Choice xmlns:a14="http://schemas.microsoft.com/office/drawing/2010/main" Requires="a14">
-          <p:sp>
-            <p:nvSpPr>
-              <p:cNvPr id="5" name="Rounded Rectangle 4">
-                <a:extLst>
-                  <a:ext uri="{FF2B5EF4-FFF2-40B4-BE49-F238E27FC236}">
-                    <a16:creationId xmlns:a16="http://schemas.microsoft.com/office/drawing/2014/main" id="{AFB74FD2-CAC7-B743-9B1D-DC14D70F2841}"/>
-                  </a:ext>
-                </a:extLst>
-              </p:cNvPr>
-              <p:cNvSpPr/>
-              <p:nvPr/>
-            </p:nvSpPr>
-            <p:spPr>
-              <a:xfrm>
-                <a:off x="6952603" y="3649641"/>
-                <a:ext cx="1356995" cy="509851"/>
-              </a:xfrm>
-              <a:prstGeom prst="roundRect">
-                <a:avLst>
-                  <a:gd name="adj" fmla="val 24248"/>
-                </a:avLst>
-              </a:prstGeom>
-              <a:solidFill>
-                <a:schemeClr val="bg1">
-                  <a:alpha val="95000"/>
-                </a:schemeClr>
-              </a:solidFill>
-              <a:ln w="19050" cap="flat" cmpd="sng" algn="ctr">
-                <a:solidFill>
-                  <a:schemeClr val="tx1"/>
-                </a:solidFill>
-                <a:prstDash val="solid"/>
-                <a:miter lim="800000"/>
-              </a:ln>
-              <a:effectLst>
-                <a:outerShdw blurRad="50800" dist="38100" dir="2700000" algn="tl" rotWithShape="0">
-                  <a:prstClr val="black">
-                    <a:alpha val="40000"/>
-                  </a:prstClr>
-                </a:outerShdw>
-              </a:effectLst>
-            </p:spPr>
-            <p:txBody>
-              <a:bodyPr rtlCol="0" anchor="ctr"/>
-              <a:lstStyle/>
-              <a:p>
-                <a:pPr algn="ctr">
-                  <a:defRPr/>
-                </a:pPr>
-                <a:r>
-                  <a:rPr lang="zh-CN" altLang="en-US" sz="1400" b="1" kern="0" dirty="0">
-                    <a:solidFill>
-                      <a:prstClr val="black"/>
-                    </a:solidFill>
-                    <a:latin typeface="KaiTi" panose="02010609060101010101" pitchFamily="49" charset="-122"/>
-                    <a:ea typeface="KaiTi" panose="02010609060101010101" pitchFamily="49" charset="-122"/>
-                  </a:rPr>
-                  <a:t>细粒度特征重建网络</a:t>
-                </a:r>
-                <a14:m>
-                  <m:oMath xmlns:m="http://schemas.openxmlformats.org/officeDocument/2006/math">
-                    <m:r>
-                      <a:rPr lang="en-US" sz="1400" b="1" i="0" smtClean="0">
-                        <a:latin typeface="Cambria Math" panose="02040503050406030204" pitchFamily="18" charset="0"/>
-                        <a:ea typeface="Cambria Math" panose="02040503050406030204" pitchFamily="18" charset="0"/>
-                      </a:rPr>
-                      <m:t> </m:t>
-                    </m:r>
-                    <m:sSubSup>
-                      <m:sSubSupPr>
-                        <m:ctrlPr>
-                          <a:rPr lang="en-US" sz="1400" b="0" i="1" smtClean="0">
-                            <a:latin typeface="Cambria Math" panose="02040503050406030204" pitchFamily="18" charset="0"/>
-                            <a:ea typeface="Cambria Math" panose="02040503050406030204" pitchFamily="18" charset="0"/>
-                          </a:rPr>
-                        </m:ctrlPr>
-                      </m:sSubSupPr>
-                      <m:e>
-                        <m:r>
-                          <a:rPr lang="en-CN" sz="1400" i="1">
-                            <a:latin typeface="Cambria Math" panose="02040503050406030204" pitchFamily="18" charset="0"/>
-                            <a:ea typeface="Cambria Math" panose="02040503050406030204" pitchFamily="18" charset="0"/>
-                          </a:rPr>
-                          <m:t>ℱ</m:t>
-                        </m:r>
-                      </m:e>
-                      <m:sub>
-                        <m:r>
-                          <m:rPr>
-                            <m:sty m:val="p"/>
-                          </m:rPr>
-                          <a:rPr lang="en-US" sz="1400" b="0" i="0" smtClean="0">
-                            <a:latin typeface="Cambria Math" panose="02040503050406030204" pitchFamily="18" charset="0"/>
-                            <a:ea typeface="Cambria Math" panose="02040503050406030204" pitchFamily="18" charset="0"/>
-                          </a:rPr>
-                          <m:t>Red</m:t>
-                        </m:r>
-                      </m:sub>
-                      <m:sup>
-                        <m:r>
-                          <a:rPr lang="en-US" sz="1400" b="0" i="1" smtClean="0">
-                            <a:latin typeface="Cambria Math" panose="02040503050406030204" pitchFamily="18" charset="0"/>
-                            <a:ea typeface="Cambria Math" panose="02040503050406030204" pitchFamily="18" charset="0"/>
-                          </a:rPr>
-                          <m:t>𝑔</m:t>
-                        </m:r>
-                      </m:sup>
-                    </m:sSubSup>
-                  </m:oMath>
-                </a14:m>
-                <a:endParaRPr kumimoji="0" lang="en-CN" sz="1400" b="1" i="0" u="none" strike="noStrike" kern="0" cap="none" spc="0" normalizeH="0" baseline="0" noProof="0" dirty="0">
+                <a:effectLst/>
+                <a:uLnTx/>
+                <a:uFillTx/>
+                <a:latin typeface="KaiTi" panose="02010609060101010101" pitchFamily="49" charset="-122"/>
+                <a:ea typeface="KaiTi" panose="02010609060101010101" pitchFamily="49" charset="-122"/>
+                <a:cs typeface="+mn-cs"/>
+              </a:endParaRPr>
+            </a:p>
+            <a:p>
+              <a:pPr algn="ctr">
+                <a:defRPr/>
+              </a:pPr>
+              <a:r>
+                <a:rPr kumimoji="0" lang="en-US" sz="1400" b="1" i="0" u="none" strike="noStrike" kern="0" cap="none" spc="0" normalizeH="0" baseline="0" noProof="0" dirty="0" err="1">
                   <a:ln>
                     <a:noFill/>
                   </a:ln>
@@ -11820,271 +12777,2263 @@
                   <a:latin typeface="KaiTi" panose="02010609060101010101" pitchFamily="49" charset="-122"/>
                   <a:ea typeface="KaiTi" panose="02010609060101010101" pitchFamily="49" charset="-122"/>
                   <a:cs typeface="+mn-cs"/>
-                </a:endParaRPr>
-              </a:p>
-            </p:txBody>
-          </p:sp>
-        </mc:Choice>
-        <mc:Fallback>
+                </a:rPr>
+                <a:t>模块</a:t>
+              </a:r>
+              <a:endParaRPr kumimoji="0" lang="en-CN" sz="1400" b="1" i="0" u="none" strike="noStrike" kern="0" cap="none" spc="0" normalizeH="0" baseline="0" noProof="0" dirty="0">
+                <a:ln>
+                  <a:noFill/>
+                </a:ln>
+                <a:solidFill>
+                  <a:prstClr val="black"/>
+                </a:solidFill>
+                <a:effectLst/>
+                <a:uLnTx/>
+                <a:uFillTx/>
+                <a:latin typeface="KaiTi" panose="02010609060101010101" pitchFamily="49" charset="-122"/>
+                <a:ea typeface="KaiTi" panose="02010609060101010101" pitchFamily="49" charset="-122"/>
+                <a:cs typeface="+mn-cs"/>
+              </a:endParaRPr>
+            </a:p>
+          </p:txBody>
+        </p:sp>
+        <p:sp>
+          <p:nvSpPr>
+            <p:cNvPr id="17" name="Oval 16">
+              <a:extLst>
+                <a:ext uri="{FF2B5EF4-FFF2-40B4-BE49-F238E27FC236}">
+                  <a16:creationId xmlns:a16="http://schemas.microsoft.com/office/drawing/2014/main" id="{2DACBDC5-1C83-744A-B8EE-8185F44DA073}"/>
+                </a:ext>
+              </a:extLst>
+            </p:cNvPr>
+            <p:cNvSpPr/>
+            <p:nvPr/>
+          </p:nvSpPr>
+          <p:spPr>
+            <a:xfrm>
+              <a:off x="8995231" y="4174125"/>
+              <a:ext cx="320839" cy="320839"/>
+            </a:xfrm>
+            <a:prstGeom prst="ellipse">
+              <a:avLst/>
+            </a:prstGeom>
+            <a:solidFill>
+              <a:schemeClr val="accent4">
+                <a:lumMod val="60000"/>
+                <a:lumOff val="40000"/>
+              </a:schemeClr>
+            </a:solidFill>
+            <a:ln w="19050" cap="flat" cmpd="sng" algn="ctr">
+              <a:solidFill>
+                <a:schemeClr val="accent4">
+                  <a:lumMod val="50000"/>
+                </a:schemeClr>
+              </a:solidFill>
+              <a:prstDash val="solid"/>
+              <a:miter lim="800000"/>
+            </a:ln>
+            <a:effectLst/>
+          </p:spPr>
+          <p:txBody>
+            <a:bodyPr rtlCol="0" anchor="ctr"/>
+            <a:lstStyle/>
+            <a:p>
+              <a:pPr marL="0" marR="0" lvl="0" indent="0" algn="ctr" defTabSz="914400" eaLnBrk="1" fontAlgn="auto" latinLnBrk="0" hangingPunct="1">
+                <a:lnSpc>
+                  <a:spcPct val="100000"/>
+                </a:lnSpc>
+                <a:spcBef>
+                  <a:spcPts val="0"/>
+                </a:spcBef>
+                <a:spcAft>
+                  <a:spcPts val="0"/>
+                </a:spcAft>
+                <a:buClrTx/>
+                <a:buSzTx/>
+                <a:buFontTx/>
+                <a:buNone/>
+                <a:tabLst/>
+                <a:defRPr/>
+              </a:pPr>
+              <a:endParaRPr kumimoji="0" lang="en-CN" sz="1400" b="0" i="0" u="none" strike="noStrike" kern="0" cap="none" spc="0" normalizeH="0" baseline="0" noProof="0" dirty="0">
+                <a:ln>
+                  <a:noFill/>
+                </a:ln>
+                <a:solidFill>
+                  <a:prstClr val="black"/>
+                </a:solidFill>
+                <a:effectLst/>
+                <a:uLnTx/>
+                <a:uFillTx/>
+                <a:latin typeface="KaiTi" panose="02010609060101010101" pitchFamily="49" charset="-122"/>
+                <a:ea typeface="KaiTi" panose="02010609060101010101" pitchFamily="49" charset="-122"/>
+                <a:cs typeface="Times New Roman" panose="02020603050405020304" pitchFamily="18" charset="0"/>
+              </a:endParaRPr>
+            </a:p>
+          </p:txBody>
+        </p:sp>
+        <p:cxnSp>
+          <p:nvCxnSpPr>
+            <p:cNvPr id="19" name="Straight Arrow Connector 18">
+              <a:extLst>
+                <a:ext uri="{FF2B5EF4-FFF2-40B4-BE49-F238E27FC236}">
+                  <a16:creationId xmlns:a16="http://schemas.microsoft.com/office/drawing/2014/main" id="{3D0856F0-DA8A-954C-8D72-A9BAA04A876B}"/>
+                </a:ext>
+              </a:extLst>
+            </p:cNvPr>
+            <p:cNvCxnSpPr>
+              <a:cxnSpLocks/>
+              <a:stCxn id="17" idx="5"/>
+              <a:endCxn id="17" idx="1"/>
+            </p:cNvCxnSpPr>
+            <p:nvPr/>
+          </p:nvCxnSpPr>
+          <p:spPr>
+            <a:xfrm flipH="1" flipV="1">
+              <a:off x="9042217" y="4221111"/>
+              <a:ext cx="226867" cy="226867"/>
+            </a:xfrm>
+            <a:prstGeom prst="straightConnector1">
+              <a:avLst/>
+            </a:prstGeom>
+            <a:noFill/>
+            <a:ln w="19050" cap="flat" cmpd="sng" algn="ctr">
+              <a:solidFill>
+                <a:schemeClr val="accent4">
+                  <a:lumMod val="50000"/>
+                </a:schemeClr>
+              </a:solidFill>
+              <a:prstDash val="solid"/>
+              <a:miter lim="800000"/>
+              <a:tailEnd type="none"/>
+            </a:ln>
+            <a:effectLst/>
+          </p:spPr>
+        </p:cxnSp>
+        <p:cxnSp>
+          <p:nvCxnSpPr>
+            <p:cNvPr id="21" name="Straight Arrow Connector 20">
+              <a:extLst>
+                <a:ext uri="{FF2B5EF4-FFF2-40B4-BE49-F238E27FC236}">
+                  <a16:creationId xmlns:a16="http://schemas.microsoft.com/office/drawing/2014/main" id="{120CC4D5-F5B2-6141-AFA0-A9C060073BAE}"/>
+                </a:ext>
+              </a:extLst>
+            </p:cNvPr>
+            <p:cNvCxnSpPr>
+              <a:cxnSpLocks/>
+              <a:stCxn id="17" idx="3"/>
+              <a:endCxn id="17" idx="7"/>
+            </p:cNvCxnSpPr>
+            <p:nvPr/>
+          </p:nvCxnSpPr>
+          <p:spPr>
+            <a:xfrm flipV="1">
+              <a:off x="9042217" y="4221111"/>
+              <a:ext cx="226867" cy="226867"/>
+            </a:xfrm>
+            <a:prstGeom prst="straightConnector1">
+              <a:avLst/>
+            </a:prstGeom>
+            <a:noFill/>
+            <a:ln w="19050" cap="flat" cmpd="sng" algn="ctr">
+              <a:solidFill>
+                <a:schemeClr val="accent4">
+                  <a:lumMod val="50000"/>
+                </a:schemeClr>
+              </a:solidFill>
+              <a:prstDash val="solid"/>
+              <a:miter lim="800000"/>
+              <a:tailEnd type="none"/>
+            </a:ln>
+            <a:effectLst/>
+          </p:spPr>
+        </p:cxnSp>
+        <p:cxnSp>
+          <p:nvCxnSpPr>
+            <p:cNvPr id="35" name="Straight Arrow Connector 34">
+              <a:extLst>
+                <a:ext uri="{FF2B5EF4-FFF2-40B4-BE49-F238E27FC236}">
+                  <a16:creationId xmlns:a16="http://schemas.microsoft.com/office/drawing/2014/main" id="{08E317FF-C51E-974B-9287-E6C5D5370FF8}"/>
+                </a:ext>
+              </a:extLst>
+            </p:cNvPr>
+            <p:cNvCxnSpPr>
+              <a:cxnSpLocks/>
+              <a:stCxn id="3" idx="2"/>
+              <a:endCxn id="4" idx="0"/>
+            </p:cNvCxnSpPr>
+            <p:nvPr/>
+          </p:nvCxnSpPr>
+          <p:spPr>
+            <a:xfrm>
+              <a:off x="9155652" y="2685713"/>
+              <a:ext cx="0" cy="623383"/>
+            </a:xfrm>
+            <a:prstGeom prst="straightConnector1">
+              <a:avLst/>
+            </a:prstGeom>
+            <a:noFill/>
+            <a:ln w="19050" cap="flat" cmpd="sng" algn="ctr">
+              <a:solidFill>
+                <a:schemeClr val="tx1"/>
+              </a:solidFill>
+              <a:prstDash val="solid"/>
+              <a:miter lim="800000"/>
+              <a:tailEnd type="stealth" w="lg" len="med"/>
+            </a:ln>
+            <a:effectLst/>
+          </p:spPr>
+        </p:cxnSp>
+        <p:cxnSp>
+          <p:nvCxnSpPr>
+            <p:cNvPr id="41" name="Straight Arrow Connector 40">
+              <a:extLst>
+                <a:ext uri="{FF2B5EF4-FFF2-40B4-BE49-F238E27FC236}">
+                  <a16:creationId xmlns:a16="http://schemas.microsoft.com/office/drawing/2014/main" id="{043DCB2D-B4DA-134B-B115-4D3B703591EF}"/>
+                </a:ext>
+              </a:extLst>
+            </p:cNvPr>
+            <p:cNvCxnSpPr>
+              <a:cxnSpLocks/>
+              <a:stCxn id="3" idx="2"/>
+            </p:cNvCxnSpPr>
+            <p:nvPr/>
+          </p:nvCxnSpPr>
+          <p:spPr>
+            <a:xfrm>
+              <a:off x="9155652" y="2685713"/>
+              <a:ext cx="0" cy="350496"/>
+            </a:xfrm>
+            <a:prstGeom prst="straightConnector1">
+              <a:avLst/>
+            </a:prstGeom>
+            <a:noFill/>
+            <a:ln w="19050" cap="flat" cmpd="sng" algn="ctr">
+              <a:solidFill>
+                <a:schemeClr val="tx1"/>
+              </a:solidFill>
+              <a:prstDash val="solid"/>
+              <a:miter lim="800000"/>
+              <a:tailEnd type="stealth" w="lg" len="med"/>
+            </a:ln>
+            <a:effectLst/>
+          </p:spPr>
+        </p:cxnSp>
+        <p:cxnSp>
+          <p:nvCxnSpPr>
+            <p:cNvPr id="65" name="Straight Arrow Connector 64">
+              <a:extLst>
+                <a:ext uri="{FF2B5EF4-FFF2-40B4-BE49-F238E27FC236}">
+                  <a16:creationId xmlns:a16="http://schemas.microsoft.com/office/drawing/2014/main" id="{342B8707-F483-2245-B6EF-9B48237CF376}"/>
+                </a:ext>
+              </a:extLst>
+            </p:cNvPr>
+            <p:cNvCxnSpPr>
+              <a:cxnSpLocks/>
+              <a:stCxn id="17" idx="4"/>
+            </p:cNvCxnSpPr>
+            <p:nvPr/>
+          </p:nvCxnSpPr>
+          <p:spPr>
+            <a:xfrm>
+              <a:off x="9155651" y="4494964"/>
+              <a:ext cx="0" cy="395190"/>
+            </a:xfrm>
+            <a:prstGeom prst="straightConnector1">
+              <a:avLst/>
+            </a:prstGeom>
+            <a:noFill/>
+            <a:ln w="19050" cap="flat" cmpd="sng" algn="ctr">
+              <a:solidFill>
+                <a:schemeClr val="tx1"/>
+              </a:solidFill>
+              <a:prstDash val="solid"/>
+              <a:miter lim="800000"/>
+              <a:tailEnd type="stealth" w="lg" len="med"/>
+            </a:ln>
+            <a:effectLst/>
+          </p:spPr>
+        </p:cxnSp>
+        <p:cxnSp>
+          <p:nvCxnSpPr>
+            <p:cNvPr id="74" name="Elbow Connector 73">
+              <a:extLst>
+                <a:ext uri="{FF2B5EF4-FFF2-40B4-BE49-F238E27FC236}">
+                  <a16:creationId xmlns:a16="http://schemas.microsoft.com/office/drawing/2014/main" id="{C2ABE50F-862C-F44A-B0F1-40EF1A172889}"/>
+                </a:ext>
+              </a:extLst>
+            </p:cNvPr>
+            <p:cNvCxnSpPr>
+              <a:cxnSpLocks/>
+              <a:stCxn id="16" idx="2"/>
+              <a:endCxn id="17" idx="2"/>
+            </p:cNvCxnSpPr>
+            <p:nvPr/>
+          </p:nvCxnSpPr>
+          <p:spPr>
+            <a:xfrm rot="16200000" flipH="1">
+              <a:off x="7906203" y="3245517"/>
+              <a:ext cx="506722" cy="1671334"/>
+            </a:xfrm>
+            <a:prstGeom prst="bentConnector2">
+              <a:avLst/>
+            </a:prstGeom>
+            <a:noFill/>
+            <a:ln w="19050" cap="flat" cmpd="sng" algn="ctr">
+              <a:solidFill>
+                <a:sysClr val="windowText" lastClr="000000"/>
+              </a:solidFill>
+              <a:prstDash val="solid"/>
+              <a:miter lim="800000"/>
+              <a:tailEnd type="stealth" w="lg" len="med"/>
+            </a:ln>
+            <a:effectLst/>
+          </p:spPr>
+        </p:cxnSp>
+        <p:cxnSp>
+          <p:nvCxnSpPr>
+            <p:cNvPr id="82" name="Straight Arrow Connector 81">
+              <a:extLst>
+                <a:ext uri="{FF2B5EF4-FFF2-40B4-BE49-F238E27FC236}">
+                  <a16:creationId xmlns:a16="http://schemas.microsoft.com/office/drawing/2014/main" id="{4DE0EB85-999F-B44A-85A8-8173F14299C0}"/>
+                </a:ext>
+              </a:extLst>
+            </p:cNvPr>
+            <p:cNvCxnSpPr>
+              <a:cxnSpLocks/>
+            </p:cNvCxnSpPr>
+            <p:nvPr/>
+          </p:nvCxnSpPr>
+          <p:spPr>
+            <a:xfrm flipH="1">
+              <a:off x="5902036" y="3834173"/>
+              <a:ext cx="827996" cy="747433"/>
+            </a:xfrm>
+            <a:prstGeom prst="straightConnector1">
+              <a:avLst/>
+            </a:prstGeom>
+            <a:noFill/>
+            <a:ln w="19050" cap="flat" cmpd="sng" algn="ctr">
+              <a:solidFill>
+                <a:schemeClr val="accent4">
+                  <a:lumMod val="50000"/>
+                </a:schemeClr>
+              </a:solidFill>
+              <a:prstDash val="dashDot"/>
+              <a:miter lim="800000"/>
+              <a:tailEnd type="none" w="lg" len="med"/>
+            </a:ln>
+            <a:effectLst/>
+          </p:spPr>
+        </p:cxnSp>
+        <p:cxnSp>
+          <p:nvCxnSpPr>
+            <p:cNvPr id="83" name="Straight Arrow Connector 82">
+              <a:extLst>
+                <a:ext uri="{FF2B5EF4-FFF2-40B4-BE49-F238E27FC236}">
+                  <a16:creationId xmlns:a16="http://schemas.microsoft.com/office/drawing/2014/main" id="{397E32D8-E7CA-2C42-A5F7-45E4C068E49F}"/>
+                </a:ext>
+              </a:extLst>
+            </p:cNvPr>
+            <p:cNvCxnSpPr>
+              <a:cxnSpLocks/>
+            </p:cNvCxnSpPr>
+            <p:nvPr/>
+          </p:nvCxnSpPr>
+          <p:spPr>
+            <a:xfrm flipH="1" flipV="1">
+              <a:off x="5902036" y="2090057"/>
+              <a:ext cx="791289" cy="1234265"/>
+            </a:xfrm>
+            <a:prstGeom prst="straightConnector1">
+              <a:avLst/>
+            </a:prstGeom>
+            <a:noFill/>
+            <a:ln w="19050" cap="flat" cmpd="sng" algn="ctr">
+              <a:solidFill>
+                <a:schemeClr val="accent4">
+                  <a:lumMod val="50000"/>
+                </a:schemeClr>
+              </a:solidFill>
+              <a:prstDash val="dashDot"/>
+              <a:miter lim="800000"/>
+              <a:tailEnd type="none" w="lg" len="med"/>
+            </a:ln>
+            <a:effectLst/>
+          </p:spPr>
+        </p:cxnSp>
+        <p:sp>
+          <p:nvSpPr>
+            <p:cNvPr id="96" name="Rounded Rectangle 95">
+              <a:extLst>
+                <a:ext uri="{FF2B5EF4-FFF2-40B4-BE49-F238E27FC236}">
+                  <a16:creationId xmlns:a16="http://schemas.microsoft.com/office/drawing/2014/main" id="{703D4C72-52E6-464F-A0A5-83704DC1B08E}"/>
+                </a:ext>
+              </a:extLst>
+            </p:cNvPr>
+            <p:cNvSpPr/>
+            <p:nvPr/>
+          </p:nvSpPr>
+          <p:spPr>
+            <a:xfrm>
+              <a:off x="733504" y="2060688"/>
+              <a:ext cx="5202865" cy="2549451"/>
+            </a:xfrm>
+            <a:prstGeom prst="roundRect">
+              <a:avLst>
+                <a:gd name="adj" fmla="val 3958"/>
+              </a:avLst>
+            </a:prstGeom>
+            <a:noFill/>
+            <a:ln w="19050" cap="flat" cmpd="sng" algn="ctr">
+              <a:solidFill>
+                <a:schemeClr val="accent4">
+                  <a:lumMod val="50000"/>
+                </a:schemeClr>
+              </a:solidFill>
+              <a:prstDash val="solid"/>
+              <a:miter lim="800000"/>
+            </a:ln>
+            <a:effectLst/>
+          </p:spPr>
+          <p:txBody>
+            <a:bodyPr rtlCol="0" anchor="ctr"/>
+            <a:lstStyle/>
+            <a:p>
+              <a:pPr marL="0" marR="0" lvl="0" indent="0" algn="ctr" defTabSz="914400" eaLnBrk="1" fontAlgn="auto" latinLnBrk="0" hangingPunct="1">
+                <a:lnSpc>
+                  <a:spcPct val="100000"/>
+                </a:lnSpc>
+                <a:spcBef>
+                  <a:spcPts val="0"/>
+                </a:spcBef>
+                <a:spcAft>
+                  <a:spcPts val="0"/>
+                </a:spcAft>
+                <a:buClrTx/>
+                <a:buSzTx/>
+                <a:buFontTx/>
+                <a:buNone/>
+                <a:tabLst/>
+                <a:defRPr/>
+              </a:pPr>
+              <a:endParaRPr kumimoji="0" lang="en-CN" sz="1400" b="0" i="0" u="none" strike="noStrike" kern="0" cap="none" spc="0" normalizeH="0" baseline="0" noProof="0" dirty="0">
+                <a:ln>
+                  <a:noFill/>
+                </a:ln>
+                <a:solidFill>
+                  <a:prstClr val="black"/>
+                </a:solidFill>
+                <a:effectLst/>
+                <a:uLnTx/>
+                <a:uFillTx/>
+                <a:latin typeface="KaiTi" panose="02010609060101010101" pitchFamily="49" charset="-122"/>
+                <a:ea typeface="KaiTi" panose="02010609060101010101" pitchFamily="49" charset="-122"/>
+                <a:cs typeface="+mn-cs"/>
+              </a:endParaRPr>
+            </a:p>
+          </p:txBody>
+        </p:sp>
+        <p:cxnSp>
+          <p:nvCxnSpPr>
+            <p:cNvPr id="110" name="Straight Connector 109">
+              <a:extLst>
+                <a:ext uri="{FF2B5EF4-FFF2-40B4-BE49-F238E27FC236}">
+                  <a16:creationId xmlns:a16="http://schemas.microsoft.com/office/drawing/2014/main" id="{B81EDA85-8B5B-AC40-A4CE-2819D34129E2}"/>
+                </a:ext>
+              </a:extLst>
+            </p:cNvPr>
+            <p:cNvCxnSpPr>
+              <a:cxnSpLocks/>
+            </p:cNvCxnSpPr>
+            <p:nvPr/>
+          </p:nvCxnSpPr>
+          <p:spPr>
+            <a:xfrm flipH="1">
+              <a:off x="910069" y="3331596"/>
+              <a:ext cx="2" cy="802101"/>
+            </a:xfrm>
+            <a:prstGeom prst="line">
+              <a:avLst/>
+            </a:prstGeom>
+            <a:ln w="19050">
+              <a:solidFill>
+                <a:schemeClr val="tx1"/>
+              </a:solidFill>
+              <a:prstDash val="sysDash"/>
+            </a:ln>
+          </p:spPr>
+          <p:style>
+            <a:lnRef idx="1">
+              <a:schemeClr val="accent1"/>
+            </a:lnRef>
+            <a:fillRef idx="0">
+              <a:schemeClr val="accent1"/>
+            </a:fillRef>
+            <a:effectRef idx="0">
+              <a:schemeClr val="accent1"/>
+            </a:effectRef>
+            <a:fontRef idx="minor">
+              <a:schemeClr val="tx1"/>
+            </a:fontRef>
+          </p:style>
+        </p:cxnSp>
+        <p:cxnSp>
+          <p:nvCxnSpPr>
+            <p:cNvPr id="111" name="Straight Connector 110">
+              <a:extLst>
+                <a:ext uri="{FF2B5EF4-FFF2-40B4-BE49-F238E27FC236}">
+                  <a16:creationId xmlns:a16="http://schemas.microsoft.com/office/drawing/2014/main" id="{5132A9B3-8142-C94E-842F-740FACF5C12C}"/>
+                </a:ext>
+              </a:extLst>
+            </p:cNvPr>
+            <p:cNvCxnSpPr>
+              <a:cxnSpLocks/>
+            </p:cNvCxnSpPr>
+            <p:nvPr/>
+          </p:nvCxnSpPr>
+          <p:spPr>
+            <a:xfrm>
+              <a:off x="4226448" y="2138218"/>
+              <a:ext cx="4484" cy="1995479"/>
+            </a:xfrm>
+            <a:prstGeom prst="line">
+              <a:avLst/>
+            </a:prstGeom>
+            <a:ln w="19050">
+              <a:solidFill>
+                <a:schemeClr val="tx1"/>
+              </a:solidFill>
+              <a:prstDash val="solid"/>
+            </a:ln>
+          </p:spPr>
+          <p:style>
+            <a:lnRef idx="1">
+              <a:schemeClr val="accent1"/>
+            </a:lnRef>
+            <a:fillRef idx="0">
+              <a:schemeClr val="accent1"/>
+            </a:fillRef>
+            <a:effectRef idx="0">
+              <a:schemeClr val="accent1"/>
+            </a:effectRef>
+            <a:fontRef idx="minor">
+              <a:schemeClr val="tx1"/>
+            </a:fontRef>
+          </p:style>
+        </p:cxnSp>
+        <p:cxnSp>
+          <p:nvCxnSpPr>
+            <p:cNvPr id="114" name="Straight Connector 113">
+              <a:extLst>
+                <a:ext uri="{FF2B5EF4-FFF2-40B4-BE49-F238E27FC236}">
+                  <a16:creationId xmlns:a16="http://schemas.microsoft.com/office/drawing/2014/main" id="{86059802-9091-474C-AB33-EBA88A699CB8}"/>
+                </a:ext>
+              </a:extLst>
+            </p:cNvPr>
+            <p:cNvCxnSpPr>
+              <a:cxnSpLocks/>
+              <a:stCxn id="156" idx="1"/>
+            </p:cNvCxnSpPr>
+            <p:nvPr/>
+          </p:nvCxnSpPr>
+          <p:spPr>
+            <a:xfrm flipH="1">
+              <a:off x="912355" y="3982771"/>
+              <a:ext cx="1158419" cy="4270"/>
+            </a:xfrm>
+            <a:prstGeom prst="line">
+              <a:avLst/>
+            </a:prstGeom>
+            <a:ln w="19050">
+              <a:solidFill>
+                <a:schemeClr val="tx1"/>
+              </a:solidFill>
+              <a:prstDash val="solid"/>
+              <a:headEnd type="none" w="lg" len="med"/>
+              <a:tailEnd type="stealth" w="lg" len="med"/>
+            </a:ln>
+          </p:spPr>
+          <p:style>
+            <a:lnRef idx="1">
+              <a:schemeClr val="accent1"/>
+            </a:lnRef>
+            <a:fillRef idx="0">
+              <a:schemeClr val="accent1"/>
+            </a:fillRef>
+            <a:effectRef idx="0">
+              <a:schemeClr val="accent1"/>
+            </a:effectRef>
+            <a:fontRef idx="minor">
+              <a:schemeClr val="tx1"/>
+            </a:fontRef>
+          </p:style>
+        </p:cxnSp>
+        <p:cxnSp>
+          <p:nvCxnSpPr>
+            <p:cNvPr id="121" name="Straight Connector 120">
+              <a:extLst>
+                <a:ext uri="{FF2B5EF4-FFF2-40B4-BE49-F238E27FC236}">
+                  <a16:creationId xmlns:a16="http://schemas.microsoft.com/office/drawing/2014/main" id="{AA7C99D3-980B-C04E-BF8B-4EB28D142309}"/>
+                </a:ext>
+              </a:extLst>
+            </p:cNvPr>
+            <p:cNvCxnSpPr>
+              <a:cxnSpLocks/>
+            </p:cNvCxnSpPr>
+            <p:nvPr/>
+          </p:nvCxnSpPr>
+          <p:spPr>
+            <a:xfrm flipH="1">
+              <a:off x="5783629" y="2597692"/>
+              <a:ext cx="1870" cy="1536005"/>
+            </a:xfrm>
+            <a:prstGeom prst="line">
+              <a:avLst/>
+            </a:prstGeom>
+            <a:ln w="19050">
+              <a:solidFill>
+                <a:schemeClr val="tx1"/>
+              </a:solidFill>
+              <a:prstDash val="sysDash"/>
+            </a:ln>
+          </p:spPr>
+          <p:style>
+            <a:lnRef idx="1">
+              <a:schemeClr val="accent1"/>
+            </a:lnRef>
+            <a:fillRef idx="0">
+              <a:schemeClr val="accent1"/>
+            </a:fillRef>
+            <a:effectRef idx="0">
+              <a:schemeClr val="accent1"/>
+            </a:effectRef>
+            <a:fontRef idx="minor">
+              <a:schemeClr val="tx1"/>
+            </a:fontRef>
+          </p:style>
+        </p:cxnSp>
+        <p:grpSp>
+          <p:nvGrpSpPr>
+            <p:cNvPr id="151" name="Group 150">
+              <a:extLst>
+                <a:ext uri="{FF2B5EF4-FFF2-40B4-BE49-F238E27FC236}">
+                  <a16:creationId xmlns:a16="http://schemas.microsoft.com/office/drawing/2014/main" id="{E9A50B35-3E7B-254A-8E03-B63EB939AD49}"/>
+                </a:ext>
+              </a:extLst>
+            </p:cNvPr>
+            <p:cNvGrpSpPr/>
+            <p:nvPr/>
+          </p:nvGrpSpPr>
+          <p:grpSpPr>
+            <a:xfrm>
+              <a:off x="879025" y="2249628"/>
+              <a:ext cx="4940398" cy="1520644"/>
+              <a:chOff x="882526" y="2490930"/>
+              <a:chExt cx="4940398" cy="1520644"/>
+            </a:xfrm>
+          </p:grpSpPr>
           <p:sp>
             <p:nvSpPr>
-              <p:cNvPr id="5" name="Rounded Rectangle 4">
+              <p:cNvPr id="130" name="Freeform 129">
                 <a:extLst>
                   <a:ext uri="{FF2B5EF4-FFF2-40B4-BE49-F238E27FC236}">
-                    <a16:creationId xmlns:a16="http://schemas.microsoft.com/office/drawing/2014/main" id="{AFB74FD2-CAC7-B743-9B1D-DC14D70F2841}"/>
+                    <a16:creationId xmlns:a16="http://schemas.microsoft.com/office/drawing/2014/main" id="{521921DF-04D5-A046-B365-6454B7AFC1A4}"/>
                   </a:ext>
                 </a:extLst>
               </p:cNvPr>
-              <p:cNvSpPr>
-                <a:spLocks noRot="1" noChangeAspect="1" noMove="1" noResize="1" noEditPoints="1" noAdjustHandles="1" noChangeArrowheads="1" noChangeShapeType="1" noTextEdit="1"/>
-              </p:cNvSpPr>
+              <p:cNvSpPr/>
               <p:nvPr/>
             </p:nvSpPr>
             <p:spPr>
               <a:xfrm>
-                <a:off x="6952603" y="3649641"/>
-                <a:ext cx="1356995" cy="509851"/>
+                <a:off x="913571" y="2521974"/>
+                <a:ext cx="4875429" cy="1460091"/>
               </a:xfrm>
-              <a:prstGeom prst="roundRect">
-                <a:avLst>
-                  <a:gd name="adj" fmla="val 24248"/>
-                </a:avLst>
-              </a:prstGeom>
-              <a:blipFill>
-                <a:blip r:embed="rId4"/>
-                <a:stretch>
-                  <a:fillRect/>
-                </a:stretch>
-              </a:blipFill>
-              <a:ln w="19050" cap="flat" cmpd="sng" algn="ctr">
+              <a:custGeom>
+                <a:avLst/>
+                <a:gdLst>
+                  <a:gd name="connsiteX0" fmla="*/ 0 w 4807975"/>
+                  <a:gd name="connsiteY0" fmla="*/ 1342103 h 1460091"/>
+                  <a:gd name="connsiteX1" fmla="*/ 206478 w 4807975"/>
+                  <a:gd name="connsiteY1" fmla="*/ 921774 h 1460091"/>
+                  <a:gd name="connsiteX2" fmla="*/ 523568 w 4807975"/>
+                  <a:gd name="connsiteY2" fmla="*/ 1460091 h 1460091"/>
+                  <a:gd name="connsiteX3" fmla="*/ 825910 w 4807975"/>
+                  <a:gd name="connsiteY3" fmla="*/ 921774 h 1460091"/>
+                  <a:gd name="connsiteX4" fmla="*/ 1179871 w 4807975"/>
+                  <a:gd name="connsiteY4" fmla="*/ 1253613 h 1460091"/>
+                  <a:gd name="connsiteX5" fmla="*/ 1482213 w 4807975"/>
+                  <a:gd name="connsiteY5" fmla="*/ 737420 h 1460091"/>
+                  <a:gd name="connsiteX6" fmla="*/ 1821426 w 4807975"/>
+                  <a:gd name="connsiteY6" fmla="*/ 899652 h 1460091"/>
+                  <a:gd name="connsiteX7" fmla="*/ 2020529 w 4807975"/>
+                  <a:gd name="connsiteY7" fmla="*/ 560439 h 1460091"/>
+                  <a:gd name="connsiteX8" fmla="*/ 2492478 w 4807975"/>
+                  <a:gd name="connsiteY8" fmla="*/ 1290484 h 1460091"/>
+                  <a:gd name="connsiteX9" fmla="*/ 2765323 w 4807975"/>
+                  <a:gd name="connsiteY9" fmla="*/ 707923 h 1460091"/>
+                  <a:gd name="connsiteX10" fmla="*/ 3030794 w 4807975"/>
+                  <a:gd name="connsiteY10" fmla="*/ 870155 h 1460091"/>
+                  <a:gd name="connsiteX11" fmla="*/ 3281517 w 4807975"/>
+                  <a:gd name="connsiteY11" fmla="*/ 464574 h 1460091"/>
+                  <a:gd name="connsiteX12" fmla="*/ 3539613 w 4807975"/>
+                  <a:gd name="connsiteY12" fmla="*/ 936523 h 1460091"/>
+                  <a:gd name="connsiteX13" fmla="*/ 3827207 w 4807975"/>
+                  <a:gd name="connsiteY13" fmla="*/ 176981 h 1460091"/>
+                  <a:gd name="connsiteX14" fmla="*/ 4144297 w 4807975"/>
+                  <a:gd name="connsiteY14" fmla="*/ 516194 h 1460091"/>
+                  <a:gd name="connsiteX15" fmla="*/ 4350775 w 4807975"/>
+                  <a:gd name="connsiteY15" fmla="*/ 243349 h 1460091"/>
+                  <a:gd name="connsiteX16" fmla="*/ 4557252 w 4807975"/>
+                  <a:gd name="connsiteY16" fmla="*/ 678426 h 1460091"/>
+                  <a:gd name="connsiteX17" fmla="*/ 4807975 w 4807975"/>
+                  <a:gd name="connsiteY17" fmla="*/ 0 h 1460091"/>
+                </a:gdLst>
+                <a:ahLst/>
+                <a:cxnLst>
+                  <a:cxn ang="0">
+                    <a:pos x="connsiteX0" y="connsiteY0"/>
+                  </a:cxn>
+                  <a:cxn ang="0">
+                    <a:pos x="connsiteX1" y="connsiteY1"/>
+                  </a:cxn>
+                  <a:cxn ang="0">
+                    <a:pos x="connsiteX2" y="connsiteY2"/>
+                  </a:cxn>
+                  <a:cxn ang="0">
+                    <a:pos x="connsiteX3" y="connsiteY3"/>
+                  </a:cxn>
+                  <a:cxn ang="0">
+                    <a:pos x="connsiteX4" y="connsiteY4"/>
+                  </a:cxn>
+                  <a:cxn ang="0">
+                    <a:pos x="connsiteX5" y="connsiteY5"/>
+                  </a:cxn>
+                  <a:cxn ang="0">
+                    <a:pos x="connsiteX6" y="connsiteY6"/>
+                  </a:cxn>
+                  <a:cxn ang="0">
+                    <a:pos x="connsiteX7" y="connsiteY7"/>
+                  </a:cxn>
+                  <a:cxn ang="0">
+                    <a:pos x="connsiteX8" y="connsiteY8"/>
+                  </a:cxn>
+                  <a:cxn ang="0">
+                    <a:pos x="connsiteX9" y="connsiteY9"/>
+                  </a:cxn>
+                  <a:cxn ang="0">
+                    <a:pos x="connsiteX10" y="connsiteY10"/>
+                  </a:cxn>
+                  <a:cxn ang="0">
+                    <a:pos x="connsiteX11" y="connsiteY11"/>
+                  </a:cxn>
+                  <a:cxn ang="0">
+                    <a:pos x="connsiteX12" y="connsiteY12"/>
+                  </a:cxn>
+                  <a:cxn ang="0">
+                    <a:pos x="connsiteX13" y="connsiteY13"/>
+                  </a:cxn>
+                  <a:cxn ang="0">
+                    <a:pos x="connsiteX14" y="connsiteY14"/>
+                  </a:cxn>
+                  <a:cxn ang="0">
+                    <a:pos x="connsiteX15" y="connsiteY15"/>
+                  </a:cxn>
+                  <a:cxn ang="0">
+                    <a:pos x="connsiteX16" y="connsiteY16"/>
+                  </a:cxn>
+                  <a:cxn ang="0">
+                    <a:pos x="connsiteX17" y="connsiteY17"/>
+                  </a:cxn>
+                </a:cxnLst>
+                <a:rect l="l" t="t" r="r" b="b"/>
+                <a:pathLst>
+                  <a:path w="4807975" h="1460091">
+                    <a:moveTo>
+                      <a:pt x="0" y="1342103"/>
+                    </a:moveTo>
+                    <a:cubicBezTo>
+                      <a:pt x="59608" y="1122106"/>
+                      <a:pt x="119217" y="902109"/>
+                      <a:pt x="206478" y="921774"/>
+                    </a:cubicBezTo>
+                    <a:cubicBezTo>
+                      <a:pt x="293739" y="941439"/>
+                      <a:pt x="420329" y="1460091"/>
+                      <a:pt x="523568" y="1460091"/>
+                    </a:cubicBezTo>
+                    <a:cubicBezTo>
+                      <a:pt x="626807" y="1460091"/>
+                      <a:pt x="716526" y="956187"/>
+                      <a:pt x="825910" y="921774"/>
+                    </a:cubicBezTo>
+                    <a:cubicBezTo>
+                      <a:pt x="935294" y="887361"/>
+                      <a:pt x="1070487" y="1284339"/>
+                      <a:pt x="1179871" y="1253613"/>
+                    </a:cubicBezTo>
+                    <a:cubicBezTo>
+                      <a:pt x="1289255" y="1222887"/>
+                      <a:pt x="1375287" y="796413"/>
+                      <a:pt x="1482213" y="737420"/>
+                    </a:cubicBezTo>
+                    <a:cubicBezTo>
+                      <a:pt x="1589139" y="678426"/>
+                      <a:pt x="1731707" y="929149"/>
+                      <a:pt x="1821426" y="899652"/>
+                    </a:cubicBezTo>
+                    <a:cubicBezTo>
+                      <a:pt x="1911145" y="870155"/>
+                      <a:pt x="1908687" y="495300"/>
+                      <a:pt x="2020529" y="560439"/>
+                    </a:cubicBezTo>
+                    <a:cubicBezTo>
+                      <a:pt x="2132371" y="625578"/>
+                      <a:pt x="2368346" y="1265903"/>
+                      <a:pt x="2492478" y="1290484"/>
+                    </a:cubicBezTo>
+                    <a:cubicBezTo>
+                      <a:pt x="2616610" y="1315065"/>
+                      <a:pt x="2675604" y="777978"/>
+                      <a:pt x="2765323" y="707923"/>
+                    </a:cubicBezTo>
+                    <a:cubicBezTo>
+                      <a:pt x="2855042" y="637868"/>
+                      <a:pt x="2944762" y="910713"/>
+                      <a:pt x="3030794" y="870155"/>
+                    </a:cubicBezTo>
+                    <a:cubicBezTo>
+                      <a:pt x="3116826" y="829597"/>
+                      <a:pt x="3196714" y="453513"/>
+                      <a:pt x="3281517" y="464574"/>
+                    </a:cubicBezTo>
+                    <a:cubicBezTo>
+                      <a:pt x="3366320" y="475635"/>
+                      <a:pt x="3448665" y="984455"/>
+                      <a:pt x="3539613" y="936523"/>
+                    </a:cubicBezTo>
+                    <a:cubicBezTo>
+                      <a:pt x="3630561" y="888591"/>
+                      <a:pt x="3726426" y="247036"/>
+                      <a:pt x="3827207" y="176981"/>
+                    </a:cubicBezTo>
+                    <a:cubicBezTo>
+                      <a:pt x="3927988" y="106926"/>
+                      <a:pt x="4057036" y="505133"/>
+                      <a:pt x="4144297" y="516194"/>
+                    </a:cubicBezTo>
+                    <a:cubicBezTo>
+                      <a:pt x="4231558" y="527255"/>
+                      <a:pt x="4281949" y="216310"/>
+                      <a:pt x="4350775" y="243349"/>
+                    </a:cubicBezTo>
+                    <a:cubicBezTo>
+                      <a:pt x="4419601" y="270388"/>
+                      <a:pt x="4481052" y="718984"/>
+                      <a:pt x="4557252" y="678426"/>
+                    </a:cubicBezTo>
+                    <a:cubicBezTo>
+                      <a:pt x="4633452" y="637868"/>
+                      <a:pt x="4740378" y="154858"/>
+                      <a:pt x="4807975" y="0"/>
+                    </a:cubicBezTo>
+                  </a:path>
+                </a:pathLst>
+              </a:custGeom>
+              <a:noFill/>
+              <a:ln w="25400">
                 <a:solidFill>
-                  <a:schemeClr val="tx1"/>
+                  <a:srgbClr val="C00000"/>
                 </a:solidFill>
-                <a:prstDash val="solid"/>
-                <a:miter lim="800000"/>
               </a:ln>
-              <a:effectLst>
-                <a:outerShdw blurRad="50800" dist="38100" dir="2700000" algn="tl" rotWithShape="0">
-                  <a:prstClr val="black">
-                    <a:alpha val="40000"/>
-                  </a:prstClr>
-                </a:outerShdw>
-              </a:effectLst>
             </p:spPr>
+            <p:style>
+              <a:lnRef idx="2">
+                <a:schemeClr val="accent1">
+                  <a:shade val="50000"/>
+                </a:schemeClr>
+              </a:lnRef>
+              <a:fillRef idx="1">
+                <a:schemeClr val="accent1"/>
+              </a:fillRef>
+              <a:effectRef idx="0">
+                <a:schemeClr val="accent1"/>
+              </a:effectRef>
+              <a:fontRef idx="minor">
+                <a:schemeClr val="lt1"/>
+              </a:fontRef>
+            </p:style>
             <p:txBody>
-              <a:bodyPr/>
+              <a:bodyPr rtlCol="0" anchor="ctr"/>
               <a:lstStyle/>
               <a:p>
-                <a:r>
-                  <a:rPr lang="en-CN">
-                    <a:noFill/>
-                  </a:rPr>
-                  <a:t> </a:t>
-                </a:r>
+                <a:pPr algn="ctr"/>
+                <a:endParaRPr lang="en-CN" dirty="0"/>
               </a:p>
             </p:txBody>
           </p:sp>
-        </mc:Fallback>
-      </mc:AlternateContent>
-      <p:cxnSp>
-        <p:nvCxnSpPr>
-          <p:cNvPr id="6" name="Elbow Connector 5">
-            <a:extLst>
-              <a:ext uri="{FF2B5EF4-FFF2-40B4-BE49-F238E27FC236}">
-                <a16:creationId xmlns:a16="http://schemas.microsoft.com/office/drawing/2014/main" id="{5E76539C-80B2-CD46-BF3F-4ABC856F5AF2}"/>
-              </a:ext>
-            </a:extLst>
-          </p:cNvPr>
-          <p:cNvCxnSpPr>
-            <a:cxnSpLocks/>
-            <a:stCxn id="4" idx="0"/>
-            <a:endCxn id="5" idx="0"/>
-          </p:cNvCxnSpPr>
-          <p:nvPr/>
-        </p:nvCxnSpPr>
-        <p:spPr>
-          <a:xfrm rot="5400000" flipH="1" flipV="1">
-            <a:off x="6847057" y="2898585"/>
-            <a:ext cx="32987" cy="1535101"/>
-          </a:xfrm>
-          <a:prstGeom prst="bentConnector3">
-            <a:avLst>
-              <a:gd name="adj1" fmla="val 793000"/>
-            </a:avLst>
-          </a:prstGeom>
-          <a:noFill/>
-          <a:ln w="19050" cap="flat" cmpd="sng" algn="ctr">
-            <a:solidFill>
-              <a:sysClr val="windowText" lastClr="000000"/>
-            </a:solidFill>
-            <a:prstDash val="solid"/>
-            <a:miter lim="800000"/>
-            <a:headEnd type="stealth" w="lg" len="med"/>
-            <a:tailEnd type="stealth" w="lg" len="med"/>
-          </a:ln>
-          <a:effectLst/>
-        </p:spPr>
-      </p:cxnSp>
-      <p:cxnSp>
-        <p:nvCxnSpPr>
-          <p:cNvPr id="7" name="Straight Arrow Connector 6">
-            <a:extLst>
-              <a:ext uri="{FF2B5EF4-FFF2-40B4-BE49-F238E27FC236}">
-                <a16:creationId xmlns:a16="http://schemas.microsoft.com/office/drawing/2014/main" id="{C4B2A18D-6C36-3443-AD73-153744B091DC}"/>
-              </a:ext>
-            </a:extLst>
-          </p:cNvPr>
-          <p:cNvCxnSpPr>
-            <a:cxnSpLocks/>
-            <a:stCxn id="4" idx="2"/>
-          </p:cNvCxnSpPr>
-          <p:nvPr/>
-        </p:nvCxnSpPr>
-        <p:spPr>
-          <a:xfrm>
-            <a:off x="6096000" y="4192479"/>
-            <a:ext cx="0" cy="405974"/>
-          </a:xfrm>
-          <a:prstGeom prst="straightConnector1">
-            <a:avLst/>
-          </a:prstGeom>
-          <a:noFill/>
-          <a:ln w="19050" cap="flat" cmpd="sng" algn="ctr">
-            <a:solidFill>
-              <a:schemeClr val="tx1"/>
-            </a:solidFill>
-            <a:prstDash val="solid"/>
-            <a:miter lim="800000"/>
-            <a:tailEnd type="stealth" w="lg" len="med"/>
-          </a:ln>
-          <a:effectLst/>
-        </p:spPr>
-      </p:cxnSp>
-      <p:cxnSp>
-        <p:nvCxnSpPr>
-          <p:cNvPr id="8" name="Elbow Connector 7">
-            <a:extLst>
-              <a:ext uri="{FF2B5EF4-FFF2-40B4-BE49-F238E27FC236}">
-                <a16:creationId xmlns:a16="http://schemas.microsoft.com/office/drawing/2014/main" id="{1E28CEED-1FCB-9B48-9D83-6DE1734F39AC}"/>
-              </a:ext>
-            </a:extLst>
-          </p:cNvPr>
-          <p:cNvCxnSpPr>
-            <a:cxnSpLocks/>
-            <a:stCxn id="9" idx="2"/>
-            <a:endCxn id="3" idx="1"/>
-          </p:cNvCxnSpPr>
-          <p:nvPr/>
-        </p:nvCxnSpPr>
-        <p:spPr>
-          <a:xfrm rot="16200000" flipH="1">
-            <a:off x="4064613" y="1471735"/>
-            <a:ext cx="821863" cy="1883916"/>
-          </a:xfrm>
-          <a:prstGeom prst="bentConnector2">
-            <a:avLst/>
-          </a:prstGeom>
-          <a:noFill/>
-          <a:ln w="19050" cap="flat" cmpd="sng" algn="ctr">
-            <a:solidFill>
-              <a:sysClr val="windowText" lastClr="000000"/>
-            </a:solidFill>
-            <a:prstDash val="solid"/>
-            <a:miter lim="800000"/>
-            <a:tailEnd type="stealth" w="lg" len="med"/>
-          </a:ln>
-          <a:effectLst/>
-        </p:spPr>
-      </p:cxnSp>
-      <mc:AlternateContent xmlns:mc="http://schemas.openxmlformats.org/markup-compatibility/2006">
-        <mc:Choice xmlns:a14="http://schemas.microsoft.com/office/drawing/2010/main" Requires="a14">
           <p:sp>
             <p:nvSpPr>
-              <p:cNvPr id="9" name="TextBox 8">
+              <p:cNvPr id="133" name="Oval 132">
                 <a:extLst>
                   <a:ext uri="{FF2B5EF4-FFF2-40B4-BE49-F238E27FC236}">
-                    <a16:creationId xmlns:a16="http://schemas.microsoft.com/office/drawing/2014/main" id="{4F3D172C-78D5-4B4E-9C19-7801F7DCB2C6}"/>
+                    <a16:creationId xmlns:a16="http://schemas.microsoft.com/office/drawing/2014/main" id="{AF9DA007-19C4-3A41-AE7A-BD637DEE8CB8}"/>
                   </a:ext>
                 </a:extLst>
               </p:cNvPr>
-              <p:cNvSpPr txBox="1"/>
+              <p:cNvSpPr/>
               <p:nvPr/>
             </p:nvSpPr>
             <p:spPr>
               <a:xfrm>
-                <a:off x="3114768" y="1694985"/>
-                <a:ext cx="837635" cy="307777"/>
+                <a:off x="882526" y="3852927"/>
+                <a:ext cx="62088" cy="62088"/>
               </a:xfrm>
-              <a:prstGeom prst="rect">
+              <a:prstGeom prst="ellipse">
                 <a:avLst/>
               </a:prstGeom>
-              <a:noFill/>
+              <a:solidFill>
+                <a:schemeClr val="tx1"/>
+              </a:solidFill>
+              <a:ln>
+                <a:solidFill>
+                  <a:schemeClr val="tx1"/>
+                </a:solidFill>
+              </a:ln>
             </p:spPr>
+            <p:style>
+              <a:lnRef idx="2">
+                <a:schemeClr val="accent1">
+                  <a:shade val="50000"/>
+                </a:schemeClr>
+              </a:lnRef>
+              <a:fillRef idx="1">
+                <a:schemeClr val="accent1"/>
+              </a:fillRef>
+              <a:effectRef idx="0">
+                <a:schemeClr val="accent1"/>
+              </a:effectRef>
+              <a:fontRef idx="minor">
+                <a:schemeClr val="lt1"/>
+              </a:fontRef>
+            </p:style>
             <p:txBody>
-              <a:bodyPr wrap="square">
-                <a:spAutoFit/>
-              </a:bodyPr>
+              <a:bodyPr rtlCol="0" anchor="ctr"/>
               <a:lstStyle/>
               <a:p>
-                <a:pPr algn="ctr">
-                  <a:defRPr/>
-                </a:pPr>
-                <a:r>
-                  <a:rPr lang="zh-CN" altLang="en-US" sz="1400" b="1" kern="0" dirty="0">
-                    <a:solidFill>
-                      <a:prstClr val="black"/>
-                    </a:solidFill>
-                    <a:latin typeface="KaiTi" panose="02010609060101010101" pitchFamily="49" charset="-122"/>
-                    <a:ea typeface="KaiTi" panose="02010609060101010101" pitchFamily="49" charset="-122"/>
-                  </a:rPr>
-                  <a:t>输入</a:t>
-                </a:r>
-                <a14:m>
-                  <m:oMath xmlns:m="http://schemas.openxmlformats.org/officeDocument/2006/math">
-                    <m:r>
-                      <a:rPr lang="zh-CN" altLang="en-US" sz="1400" b="1" i="0" smtClean="0">
-                        <a:latin typeface="Cambria Math" panose="02040503050406030204" pitchFamily="18" charset="0"/>
-                      </a:rPr>
-                      <m:t> </m:t>
-                    </m:r>
-                    <m:sSup>
-                      <m:sSupPr>
-                        <m:ctrlPr>
-                          <a:rPr lang="en-US" sz="1400" b="0" i="1" smtClean="0">
-                            <a:latin typeface="Cambria Math" panose="02040503050406030204" pitchFamily="18" charset="0"/>
-                          </a:rPr>
-                        </m:ctrlPr>
-                      </m:sSupPr>
-                      <m:e>
-                        <m:r>
-                          <a:rPr lang="en-CN" sz="1400" b="1" i="0">
-                            <a:latin typeface="Cambria Math" panose="02040503050406030204" pitchFamily="18" charset="0"/>
-                          </a:rPr>
-                          <m:t>𝐏</m:t>
-                        </m:r>
-                      </m:e>
-                      <m:sup>
-                        <m:r>
-                          <a:rPr lang="en-US" altLang="zh-CN" sz="1400" b="0" i="1" smtClean="0">
-                            <a:latin typeface="Cambria Math" panose="02040503050406030204" pitchFamily="18" charset="0"/>
-                          </a:rPr>
-                          <m:t>𝑔</m:t>
-                        </m:r>
-                      </m:sup>
-                    </m:sSup>
-                  </m:oMath>
-                </a14:m>
-                <a:r>
-                  <a:rPr lang="zh-CN" altLang="en-US" sz="1400" b="1" kern="0" dirty="0">
-                    <a:solidFill>
-                      <a:prstClr val="black"/>
-                    </a:solidFill>
-                    <a:latin typeface="KaiTi" panose="02010609060101010101" pitchFamily="49" charset="-122"/>
-                    <a:ea typeface="KaiTi" panose="02010609060101010101" pitchFamily="49" charset="-122"/>
-                  </a:rPr>
-                  <a:t> </a:t>
-                </a:r>
-                <a:endParaRPr kumimoji="0" lang="en-US" altLang="zh-CN" sz="1400" b="1" i="0" u="none" strike="noStrike" kern="0" cap="none" spc="0" normalizeH="0" baseline="0" noProof="0" dirty="0">
+                <a:pPr algn="ctr"/>
+                <a:endParaRPr lang="en-CN"/>
+              </a:p>
+            </p:txBody>
+          </p:sp>
+          <p:sp>
+            <p:nvSpPr>
+              <p:cNvPr id="134" name="Oval 133">
+                <a:extLst>
+                  <a:ext uri="{FF2B5EF4-FFF2-40B4-BE49-F238E27FC236}">
+                    <a16:creationId xmlns:a16="http://schemas.microsoft.com/office/drawing/2014/main" id="{7EC3F3D2-1182-8D4B-88A9-2593B442A980}"/>
+                  </a:ext>
+                </a:extLst>
+              </p:cNvPr>
+              <p:cNvSpPr/>
+              <p:nvPr/>
+            </p:nvSpPr>
+            <p:spPr>
+              <a:xfrm>
+                <a:off x="1076201" y="3418647"/>
+                <a:ext cx="62088" cy="62088"/>
+              </a:xfrm>
+              <a:prstGeom prst="ellipse">
+                <a:avLst/>
+              </a:prstGeom>
+              <a:solidFill>
+                <a:schemeClr val="tx1"/>
+              </a:solidFill>
+              <a:ln>
+                <a:solidFill>
+                  <a:schemeClr val="tx1"/>
+                </a:solidFill>
+              </a:ln>
+            </p:spPr>
+            <p:style>
+              <a:lnRef idx="2">
+                <a:schemeClr val="accent1">
+                  <a:shade val="50000"/>
+                </a:schemeClr>
+              </a:lnRef>
+              <a:fillRef idx="1">
+                <a:schemeClr val="accent1"/>
+              </a:fillRef>
+              <a:effectRef idx="0">
+                <a:schemeClr val="accent1"/>
+              </a:effectRef>
+              <a:fontRef idx="minor">
+                <a:schemeClr val="lt1"/>
+              </a:fontRef>
+            </p:style>
+            <p:txBody>
+              <a:bodyPr rtlCol="0" anchor="ctr"/>
+              <a:lstStyle/>
+              <a:p>
+                <a:pPr algn="ctr"/>
+                <a:endParaRPr lang="en-CN"/>
+              </a:p>
+            </p:txBody>
+          </p:sp>
+          <p:sp>
+            <p:nvSpPr>
+              <p:cNvPr id="135" name="Oval 134">
+                <a:extLst>
+                  <a:ext uri="{FF2B5EF4-FFF2-40B4-BE49-F238E27FC236}">
+                    <a16:creationId xmlns:a16="http://schemas.microsoft.com/office/drawing/2014/main" id="{A478FDFE-0CDF-7C45-A6D7-41F4F30FC3F4}"/>
+                  </a:ext>
+                </a:extLst>
+              </p:cNvPr>
+              <p:cNvSpPr/>
+              <p:nvPr/>
+            </p:nvSpPr>
+            <p:spPr>
+              <a:xfrm>
+                <a:off x="1427168" y="3949486"/>
+                <a:ext cx="62088" cy="62088"/>
+              </a:xfrm>
+              <a:prstGeom prst="ellipse">
+                <a:avLst/>
+              </a:prstGeom>
+              <a:solidFill>
+                <a:schemeClr val="tx1"/>
+              </a:solidFill>
+              <a:ln>
+                <a:solidFill>
+                  <a:schemeClr val="tx1"/>
+                </a:solidFill>
+              </a:ln>
+            </p:spPr>
+            <p:style>
+              <a:lnRef idx="2">
+                <a:schemeClr val="accent1">
+                  <a:shade val="50000"/>
+                </a:schemeClr>
+              </a:lnRef>
+              <a:fillRef idx="1">
+                <a:schemeClr val="accent1"/>
+              </a:fillRef>
+              <a:effectRef idx="0">
+                <a:schemeClr val="accent1"/>
+              </a:effectRef>
+              <a:fontRef idx="minor">
+                <a:schemeClr val="lt1"/>
+              </a:fontRef>
+            </p:style>
+            <p:txBody>
+              <a:bodyPr rtlCol="0" anchor="ctr"/>
+              <a:lstStyle/>
+              <a:p>
+                <a:pPr algn="ctr"/>
+                <a:endParaRPr lang="en-CN"/>
+              </a:p>
+            </p:txBody>
+          </p:sp>
+          <p:sp>
+            <p:nvSpPr>
+              <p:cNvPr id="136" name="Oval 135">
+                <a:extLst>
+                  <a:ext uri="{FF2B5EF4-FFF2-40B4-BE49-F238E27FC236}">
+                    <a16:creationId xmlns:a16="http://schemas.microsoft.com/office/drawing/2014/main" id="{D00EBDE6-3DC6-4F4A-B5FE-DBADE18C9D9C}"/>
+                  </a:ext>
+                </a:extLst>
+              </p:cNvPr>
+              <p:cNvSpPr/>
+              <p:nvPr/>
+            </p:nvSpPr>
+            <p:spPr>
+              <a:xfrm>
+                <a:off x="1736503" y="3402101"/>
+                <a:ext cx="62088" cy="62088"/>
+              </a:xfrm>
+              <a:prstGeom prst="ellipse">
+                <a:avLst/>
+              </a:prstGeom>
+              <a:solidFill>
+                <a:schemeClr val="tx1"/>
+              </a:solidFill>
+              <a:ln>
+                <a:solidFill>
+                  <a:schemeClr val="tx1"/>
+                </a:solidFill>
+              </a:ln>
+            </p:spPr>
+            <p:style>
+              <a:lnRef idx="2">
+                <a:schemeClr val="accent1">
+                  <a:shade val="50000"/>
+                </a:schemeClr>
+              </a:lnRef>
+              <a:fillRef idx="1">
+                <a:schemeClr val="accent1"/>
+              </a:fillRef>
+              <a:effectRef idx="0">
+                <a:schemeClr val="accent1"/>
+              </a:effectRef>
+              <a:fontRef idx="minor">
+                <a:schemeClr val="lt1"/>
+              </a:fontRef>
+            </p:style>
+            <p:txBody>
+              <a:bodyPr rtlCol="0" anchor="ctr"/>
+              <a:lstStyle/>
+              <a:p>
+                <a:pPr algn="ctr"/>
+                <a:endParaRPr lang="en-CN"/>
+              </a:p>
+            </p:txBody>
+          </p:sp>
+          <p:sp>
+            <p:nvSpPr>
+              <p:cNvPr id="137" name="Oval 136">
+                <a:extLst>
+                  <a:ext uri="{FF2B5EF4-FFF2-40B4-BE49-F238E27FC236}">
+                    <a16:creationId xmlns:a16="http://schemas.microsoft.com/office/drawing/2014/main" id="{DFADE74F-DCD1-FA46-9A2E-32881D4BDF05}"/>
+                  </a:ext>
+                </a:extLst>
+              </p:cNvPr>
+              <p:cNvSpPr/>
+              <p:nvPr/>
+            </p:nvSpPr>
+            <p:spPr>
+              <a:xfrm>
+                <a:off x="2069204" y="3749766"/>
+                <a:ext cx="62088" cy="62088"/>
+              </a:xfrm>
+              <a:prstGeom prst="ellipse">
+                <a:avLst/>
+              </a:prstGeom>
+              <a:solidFill>
+                <a:schemeClr val="tx1"/>
+              </a:solidFill>
+              <a:ln>
+                <a:solidFill>
+                  <a:schemeClr val="tx1"/>
+                </a:solidFill>
+              </a:ln>
+            </p:spPr>
+            <p:style>
+              <a:lnRef idx="2">
+                <a:schemeClr val="accent1">
+                  <a:shade val="50000"/>
+                </a:schemeClr>
+              </a:lnRef>
+              <a:fillRef idx="1">
+                <a:schemeClr val="accent1"/>
+              </a:fillRef>
+              <a:effectRef idx="0">
+                <a:schemeClr val="accent1"/>
+              </a:effectRef>
+              <a:fontRef idx="minor">
+                <a:schemeClr val="lt1"/>
+              </a:fontRef>
+            </p:style>
+            <p:txBody>
+              <a:bodyPr rtlCol="0" anchor="ctr"/>
+              <a:lstStyle/>
+              <a:p>
+                <a:pPr algn="ctr"/>
+                <a:endParaRPr lang="en-CN"/>
+              </a:p>
+            </p:txBody>
+          </p:sp>
+          <p:sp>
+            <p:nvSpPr>
+              <p:cNvPr id="138" name="Oval 137">
+                <a:extLst>
+                  <a:ext uri="{FF2B5EF4-FFF2-40B4-BE49-F238E27FC236}">
+                    <a16:creationId xmlns:a16="http://schemas.microsoft.com/office/drawing/2014/main" id="{3735B6D4-7546-3440-8908-F8E4F3F55D5E}"/>
+                  </a:ext>
+                </a:extLst>
+              </p:cNvPr>
+              <p:cNvSpPr/>
+              <p:nvPr/>
+            </p:nvSpPr>
+            <p:spPr>
+              <a:xfrm>
+                <a:off x="2412914" y="3220975"/>
+                <a:ext cx="62088" cy="62088"/>
+              </a:xfrm>
+              <a:prstGeom prst="ellipse">
+                <a:avLst/>
+              </a:prstGeom>
+              <a:solidFill>
+                <a:schemeClr val="tx1"/>
+              </a:solidFill>
+              <a:ln>
+                <a:solidFill>
+                  <a:schemeClr val="tx1"/>
+                </a:solidFill>
+              </a:ln>
+            </p:spPr>
+            <p:style>
+              <a:lnRef idx="2">
+                <a:schemeClr val="accent1">
+                  <a:shade val="50000"/>
+                </a:schemeClr>
+              </a:lnRef>
+              <a:fillRef idx="1">
+                <a:schemeClr val="accent1"/>
+              </a:fillRef>
+              <a:effectRef idx="0">
+                <a:schemeClr val="accent1"/>
+              </a:effectRef>
+              <a:fontRef idx="minor">
+                <a:schemeClr val="lt1"/>
+              </a:fontRef>
+            </p:style>
+            <p:txBody>
+              <a:bodyPr rtlCol="0" anchor="ctr"/>
+              <a:lstStyle/>
+              <a:p>
+                <a:pPr algn="ctr"/>
+                <a:endParaRPr lang="en-CN"/>
+              </a:p>
+            </p:txBody>
+          </p:sp>
+          <p:sp>
+            <p:nvSpPr>
+              <p:cNvPr id="139" name="Oval 138">
+                <a:extLst>
+                  <a:ext uri="{FF2B5EF4-FFF2-40B4-BE49-F238E27FC236}">
+                    <a16:creationId xmlns:a16="http://schemas.microsoft.com/office/drawing/2014/main" id="{051F58A8-F682-E947-B952-0917BAC6311B}"/>
+                  </a:ext>
+                </a:extLst>
+              </p:cNvPr>
+              <p:cNvSpPr/>
+              <p:nvPr/>
+            </p:nvSpPr>
+            <p:spPr>
+              <a:xfrm>
+                <a:off x="2728542" y="3397956"/>
+                <a:ext cx="62088" cy="62088"/>
+              </a:xfrm>
+              <a:prstGeom prst="ellipse">
+                <a:avLst/>
+              </a:prstGeom>
+              <a:solidFill>
+                <a:schemeClr val="tx1"/>
+              </a:solidFill>
+              <a:ln>
+                <a:solidFill>
+                  <a:schemeClr val="tx1"/>
+                </a:solidFill>
+              </a:ln>
+            </p:spPr>
+            <p:style>
+              <a:lnRef idx="2">
+                <a:schemeClr val="accent1">
+                  <a:shade val="50000"/>
+                </a:schemeClr>
+              </a:lnRef>
+              <a:fillRef idx="1">
+                <a:schemeClr val="accent1"/>
+              </a:fillRef>
+              <a:effectRef idx="0">
+                <a:schemeClr val="accent1"/>
+              </a:effectRef>
+              <a:fontRef idx="minor">
+                <a:schemeClr val="lt1"/>
+              </a:fontRef>
+            </p:style>
+            <p:txBody>
+              <a:bodyPr rtlCol="0" anchor="ctr"/>
+              <a:lstStyle/>
+              <a:p>
+                <a:pPr algn="ctr"/>
+                <a:endParaRPr lang="en-CN"/>
+              </a:p>
+            </p:txBody>
+          </p:sp>
+          <p:sp>
+            <p:nvSpPr>
+              <p:cNvPr id="140" name="Oval 139">
+                <a:extLst>
+                  <a:ext uri="{FF2B5EF4-FFF2-40B4-BE49-F238E27FC236}">
+                    <a16:creationId xmlns:a16="http://schemas.microsoft.com/office/drawing/2014/main" id="{EB5934B4-4125-2444-B450-9726E04A8C98}"/>
+                  </a:ext>
+                </a:extLst>
+              </p:cNvPr>
+              <p:cNvSpPr/>
+              <p:nvPr/>
+            </p:nvSpPr>
+            <p:spPr>
+              <a:xfrm>
+                <a:off x="2896911" y="3036209"/>
+                <a:ext cx="62088" cy="62088"/>
+              </a:xfrm>
+              <a:prstGeom prst="ellipse">
+                <a:avLst/>
+              </a:prstGeom>
+              <a:solidFill>
+                <a:schemeClr val="tx1"/>
+              </a:solidFill>
+              <a:ln>
+                <a:solidFill>
+                  <a:schemeClr val="tx1"/>
+                </a:solidFill>
+              </a:ln>
+            </p:spPr>
+            <p:style>
+              <a:lnRef idx="2">
+                <a:schemeClr val="accent1">
+                  <a:shade val="50000"/>
+                </a:schemeClr>
+              </a:lnRef>
+              <a:fillRef idx="1">
+                <a:schemeClr val="accent1"/>
+              </a:fillRef>
+              <a:effectRef idx="0">
+                <a:schemeClr val="accent1"/>
+              </a:effectRef>
+              <a:fontRef idx="minor">
+                <a:schemeClr val="lt1"/>
+              </a:fontRef>
+            </p:style>
+            <p:txBody>
+              <a:bodyPr rtlCol="0" anchor="ctr"/>
+              <a:lstStyle/>
+              <a:p>
+                <a:pPr algn="ctr"/>
+                <a:endParaRPr lang="en-CN"/>
+              </a:p>
+            </p:txBody>
+          </p:sp>
+          <p:sp>
+            <p:nvSpPr>
+              <p:cNvPr id="141" name="Oval 140">
+                <a:extLst>
+                  <a:ext uri="{FF2B5EF4-FFF2-40B4-BE49-F238E27FC236}">
+                    <a16:creationId xmlns:a16="http://schemas.microsoft.com/office/drawing/2014/main" id="{B17C46F0-28B8-A048-BF7A-53C7A59108E5}"/>
+                  </a:ext>
+                </a:extLst>
+              </p:cNvPr>
+              <p:cNvSpPr/>
+              <p:nvPr/>
+            </p:nvSpPr>
+            <p:spPr>
+              <a:xfrm>
+                <a:off x="3419400" y="3778650"/>
+                <a:ext cx="62088" cy="62088"/>
+              </a:xfrm>
+              <a:prstGeom prst="ellipse">
+                <a:avLst/>
+              </a:prstGeom>
+              <a:solidFill>
+                <a:schemeClr val="tx1"/>
+              </a:solidFill>
+              <a:ln>
+                <a:solidFill>
+                  <a:schemeClr val="tx1"/>
+                </a:solidFill>
+              </a:ln>
+            </p:spPr>
+            <p:style>
+              <a:lnRef idx="2">
+                <a:schemeClr val="accent1">
+                  <a:shade val="50000"/>
+                </a:schemeClr>
+              </a:lnRef>
+              <a:fillRef idx="1">
+                <a:schemeClr val="accent1"/>
+              </a:fillRef>
+              <a:effectRef idx="0">
+                <a:schemeClr val="accent1"/>
+              </a:effectRef>
+              <a:fontRef idx="minor">
+                <a:schemeClr val="lt1"/>
+              </a:fontRef>
+            </p:style>
+            <p:txBody>
+              <a:bodyPr rtlCol="0" anchor="ctr"/>
+              <a:lstStyle/>
+              <a:p>
+                <a:pPr algn="ctr"/>
+                <a:endParaRPr lang="en-CN"/>
+              </a:p>
+            </p:txBody>
+          </p:sp>
+          <p:sp>
+            <p:nvSpPr>
+              <p:cNvPr id="142" name="Oval 141">
+                <a:extLst>
+                  <a:ext uri="{FF2B5EF4-FFF2-40B4-BE49-F238E27FC236}">
+                    <a16:creationId xmlns:a16="http://schemas.microsoft.com/office/drawing/2014/main" id="{D5D41815-3B54-6E4C-9E14-A41D5A9ADF02}"/>
+                  </a:ext>
+                </a:extLst>
+              </p:cNvPr>
+              <p:cNvSpPr/>
+              <p:nvPr/>
+            </p:nvSpPr>
+            <p:spPr>
+              <a:xfrm>
+                <a:off x="3713157" y="3179761"/>
+                <a:ext cx="62088" cy="62088"/>
+              </a:xfrm>
+              <a:prstGeom prst="ellipse">
+                <a:avLst/>
+              </a:prstGeom>
+              <a:solidFill>
+                <a:schemeClr val="tx1"/>
+              </a:solidFill>
+              <a:ln>
+                <a:solidFill>
+                  <a:schemeClr val="tx1"/>
+                </a:solidFill>
+              </a:ln>
+            </p:spPr>
+            <p:style>
+              <a:lnRef idx="2">
+                <a:schemeClr val="accent1">
+                  <a:shade val="50000"/>
+                </a:schemeClr>
+              </a:lnRef>
+              <a:fillRef idx="1">
+                <a:schemeClr val="accent1"/>
+              </a:fillRef>
+              <a:effectRef idx="0">
+                <a:schemeClr val="accent1"/>
+              </a:effectRef>
+              <a:fontRef idx="minor">
+                <a:schemeClr val="lt1"/>
+              </a:fontRef>
+            </p:style>
+            <p:txBody>
+              <a:bodyPr rtlCol="0" anchor="ctr"/>
+              <a:lstStyle/>
+              <a:p>
+                <a:pPr algn="ctr"/>
+                <a:endParaRPr lang="en-CN"/>
+              </a:p>
+            </p:txBody>
+          </p:sp>
+          <p:sp>
+            <p:nvSpPr>
+              <p:cNvPr id="143" name="Oval 142">
+                <a:extLst>
+                  <a:ext uri="{FF2B5EF4-FFF2-40B4-BE49-F238E27FC236}">
+                    <a16:creationId xmlns:a16="http://schemas.microsoft.com/office/drawing/2014/main" id="{B912FBCD-C935-A04B-830C-EE4CB78FF0B6}"/>
+                  </a:ext>
+                </a:extLst>
+              </p:cNvPr>
+              <p:cNvSpPr/>
+              <p:nvPr/>
+            </p:nvSpPr>
+            <p:spPr>
+              <a:xfrm>
+                <a:off x="3942751" y="3356559"/>
+                <a:ext cx="62088" cy="62088"/>
+              </a:xfrm>
+              <a:prstGeom prst="ellipse">
+                <a:avLst/>
+              </a:prstGeom>
+              <a:solidFill>
+                <a:schemeClr val="tx1"/>
+              </a:solidFill>
+              <a:ln>
+                <a:solidFill>
+                  <a:schemeClr val="tx1"/>
+                </a:solidFill>
+              </a:ln>
+            </p:spPr>
+            <p:style>
+              <a:lnRef idx="2">
+                <a:schemeClr val="accent1">
+                  <a:shade val="50000"/>
+                </a:schemeClr>
+              </a:lnRef>
+              <a:fillRef idx="1">
+                <a:schemeClr val="accent1"/>
+              </a:fillRef>
+              <a:effectRef idx="0">
+                <a:schemeClr val="accent1"/>
+              </a:effectRef>
+              <a:fontRef idx="minor">
+                <a:schemeClr val="lt1"/>
+              </a:fontRef>
+            </p:style>
+            <p:txBody>
+              <a:bodyPr rtlCol="0" anchor="ctr"/>
+              <a:lstStyle/>
+              <a:p>
+                <a:pPr algn="ctr"/>
+                <a:endParaRPr lang="en-CN"/>
+              </a:p>
+            </p:txBody>
+          </p:sp>
+          <p:sp>
+            <p:nvSpPr>
+              <p:cNvPr id="144" name="Oval 143">
+                <a:extLst>
+                  <a:ext uri="{FF2B5EF4-FFF2-40B4-BE49-F238E27FC236}">
+                    <a16:creationId xmlns:a16="http://schemas.microsoft.com/office/drawing/2014/main" id="{8ABCEC05-572E-CF4B-9349-F988A92AAFE8}"/>
+                  </a:ext>
+                </a:extLst>
+              </p:cNvPr>
+              <p:cNvSpPr/>
+              <p:nvPr/>
+            </p:nvSpPr>
+            <p:spPr>
+              <a:xfrm>
+                <a:off x="4203389" y="2953918"/>
+                <a:ext cx="62088" cy="62088"/>
+              </a:xfrm>
+              <a:prstGeom prst="ellipse">
+                <a:avLst/>
+              </a:prstGeom>
+              <a:solidFill>
+                <a:schemeClr val="tx1"/>
+              </a:solidFill>
+              <a:ln>
+                <a:solidFill>
+                  <a:schemeClr val="tx1"/>
+                </a:solidFill>
+              </a:ln>
+            </p:spPr>
+            <p:style>
+              <a:lnRef idx="2">
+                <a:schemeClr val="accent1">
+                  <a:shade val="50000"/>
+                </a:schemeClr>
+              </a:lnRef>
+              <a:fillRef idx="1">
+                <a:schemeClr val="accent1"/>
+              </a:fillRef>
+              <a:effectRef idx="0">
+                <a:schemeClr val="accent1"/>
+              </a:effectRef>
+              <a:fontRef idx="minor">
+                <a:schemeClr val="lt1"/>
+              </a:fontRef>
+            </p:style>
+            <p:txBody>
+              <a:bodyPr rtlCol="0" anchor="ctr"/>
+              <a:lstStyle/>
+              <a:p>
+                <a:pPr algn="ctr"/>
+                <a:endParaRPr lang="en-CN"/>
+              </a:p>
+            </p:txBody>
+          </p:sp>
+          <p:sp>
+            <p:nvSpPr>
+              <p:cNvPr id="145" name="Oval 144">
+                <a:extLst>
+                  <a:ext uri="{FF2B5EF4-FFF2-40B4-BE49-F238E27FC236}">
+                    <a16:creationId xmlns:a16="http://schemas.microsoft.com/office/drawing/2014/main" id="{E4C42C07-70A4-3A45-BDF1-E07E4C3B4227}"/>
+                  </a:ext>
+                </a:extLst>
+              </p:cNvPr>
+              <p:cNvSpPr/>
+              <p:nvPr/>
+            </p:nvSpPr>
+            <p:spPr>
+              <a:xfrm>
+                <a:off x="4455119" y="3431323"/>
+                <a:ext cx="62088" cy="62088"/>
+              </a:xfrm>
+              <a:prstGeom prst="ellipse">
+                <a:avLst/>
+              </a:prstGeom>
+              <a:solidFill>
+                <a:schemeClr val="tx1"/>
+              </a:solidFill>
+              <a:ln>
+                <a:solidFill>
+                  <a:schemeClr val="tx1"/>
+                </a:solidFill>
+              </a:ln>
+            </p:spPr>
+            <p:style>
+              <a:lnRef idx="2">
+                <a:schemeClr val="accent1">
+                  <a:shade val="50000"/>
+                </a:schemeClr>
+              </a:lnRef>
+              <a:fillRef idx="1">
+                <a:schemeClr val="accent1"/>
+              </a:fillRef>
+              <a:effectRef idx="0">
+                <a:schemeClr val="accent1"/>
+              </a:effectRef>
+              <a:fontRef idx="minor">
+                <a:schemeClr val="lt1"/>
+              </a:fontRef>
+            </p:style>
+            <p:txBody>
+              <a:bodyPr rtlCol="0" anchor="ctr"/>
+              <a:lstStyle/>
+              <a:p>
+                <a:pPr algn="ctr"/>
+                <a:endParaRPr lang="en-CN"/>
+              </a:p>
+            </p:txBody>
+          </p:sp>
+          <p:sp>
+            <p:nvSpPr>
+              <p:cNvPr id="146" name="Oval 145">
+                <a:extLst>
+                  <a:ext uri="{FF2B5EF4-FFF2-40B4-BE49-F238E27FC236}">
+                    <a16:creationId xmlns:a16="http://schemas.microsoft.com/office/drawing/2014/main" id="{00A14081-024A-0A4A-BB18-6DBED8F89280}"/>
+                  </a:ext>
+                </a:extLst>
+              </p:cNvPr>
+              <p:cNvSpPr/>
+              <p:nvPr/>
+            </p:nvSpPr>
+            <p:spPr>
+              <a:xfrm>
+                <a:off x="4785751" y="2654669"/>
+                <a:ext cx="62088" cy="62088"/>
+              </a:xfrm>
+              <a:prstGeom prst="ellipse">
+                <a:avLst/>
+              </a:prstGeom>
+              <a:solidFill>
+                <a:schemeClr val="tx1"/>
+              </a:solidFill>
+              <a:ln>
+                <a:solidFill>
+                  <a:schemeClr val="tx1"/>
+                </a:solidFill>
+              </a:ln>
+            </p:spPr>
+            <p:style>
+              <a:lnRef idx="2">
+                <a:schemeClr val="accent1">
+                  <a:shade val="50000"/>
+                </a:schemeClr>
+              </a:lnRef>
+              <a:fillRef idx="1">
+                <a:schemeClr val="accent1"/>
+              </a:fillRef>
+              <a:effectRef idx="0">
+                <a:schemeClr val="accent1"/>
+              </a:effectRef>
+              <a:fontRef idx="minor">
+                <a:schemeClr val="lt1"/>
+              </a:fontRef>
+            </p:style>
+            <p:txBody>
+              <a:bodyPr rtlCol="0" anchor="ctr"/>
+              <a:lstStyle/>
+              <a:p>
+                <a:pPr algn="ctr"/>
+                <a:endParaRPr lang="en-CN"/>
+              </a:p>
+            </p:txBody>
+          </p:sp>
+          <p:sp>
+            <p:nvSpPr>
+              <p:cNvPr id="147" name="Oval 146">
+                <a:extLst>
+                  <a:ext uri="{FF2B5EF4-FFF2-40B4-BE49-F238E27FC236}">
+                    <a16:creationId xmlns:a16="http://schemas.microsoft.com/office/drawing/2014/main" id="{1CCEA41A-6F18-9943-BF76-2CC06B11BD4D}"/>
+                  </a:ext>
+                </a:extLst>
+              </p:cNvPr>
+              <p:cNvSpPr/>
+              <p:nvPr/>
+            </p:nvSpPr>
+            <p:spPr>
+              <a:xfrm>
+                <a:off x="5089145" y="2997404"/>
+                <a:ext cx="62088" cy="62088"/>
+              </a:xfrm>
+              <a:prstGeom prst="ellipse">
+                <a:avLst/>
+              </a:prstGeom>
+              <a:solidFill>
+                <a:schemeClr val="tx1"/>
+              </a:solidFill>
+              <a:ln>
+                <a:solidFill>
+                  <a:schemeClr val="tx1"/>
+                </a:solidFill>
+              </a:ln>
+            </p:spPr>
+            <p:style>
+              <a:lnRef idx="2">
+                <a:schemeClr val="accent1">
+                  <a:shade val="50000"/>
+                </a:schemeClr>
+              </a:lnRef>
+              <a:fillRef idx="1">
+                <a:schemeClr val="accent1"/>
+              </a:fillRef>
+              <a:effectRef idx="0">
+                <a:schemeClr val="accent1"/>
+              </a:effectRef>
+              <a:fontRef idx="minor">
+                <a:schemeClr val="lt1"/>
+              </a:fontRef>
+            </p:style>
+            <p:txBody>
+              <a:bodyPr rtlCol="0" anchor="ctr"/>
+              <a:lstStyle/>
+              <a:p>
+                <a:pPr algn="ctr"/>
+                <a:endParaRPr lang="en-CN"/>
+              </a:p>
+            </p:txBody>
+          </p:sp>
+          <p:sp>
+            <p:nvSpPr>
+              <p:cNvPr id="148" name="Oval 147">
+                <a:extLst>
+                  <a:ext uri="{FF2B5EF4-FFF2-40B4-BE49-F238E27FC236}">
+                    <a16:creationId xmlns:a16="http://schemas.microsoft.com/office/drawing/2014/main" id="{929DBE4F-832B-7040-B172-673B5EF23723}"/>
+                  </a:ext>
+                </a:extLst>
+              </p:cNvPr>
+              <p:cNvSpPr/>
+              <p:nvPr/>
+            </p:nvSpPr>
+            <p:spPr>
+              <a:xfrm>
+                <a:off x="5285737" y="2738474"/>
+                <a:ext cx="62088" cy="62088"/>
+              </a:xfrm>
+              <a:prstGeom prst="ellipse">
+                <a:avLst/>
+              </a:prstGeom>
+              <a:solidFill>
+                <a:schemeClr val="tx1"/>
+              </a:solidFill>
+              <a:ln>
+                <a:solidFill>
+                  <a:schemeClr val="tx1"/>
+                </a:solidFill>
+              </a:ln>
+            </p:spPr>
+            <p:style>
+              <a:lnRef idx="2">
+                <a:schemeClr val="accent1">
+                  <a:shade val="50000"/>
+                </a:schemeClr>
+              </a:lnRef>
+              <a:fillRef idx="1">
+                <a:schemeClr val="accent1"/>
+              </a:fillRef>
+              <a:effectRef idx="0">
+                <a:schemeClr val="accent1"/>
+              </a:effectRef>
+              <a:fontRef idx="minor">
+                <a:schemeClr val="lt1"/>
+              </a:fontRef>
+            </p:style>
+            <p:txBody>
+              <a:bodyPr rtlCol="0" anchor="ctr"/>
+              <a:lstStyle/>
+              <a:p>
+                <a:pPr algn="ctr"/>
+                <a:endParaRPr lang="en-CN"/>
+              </a:p>
+            </p:txBody>
+          </p:sp>
+          <p:sp>
+            <p:nvSpPr>
+              <p:cNvPr id="149" name="Oval 148">
+                <a:extLst>
+                  <a:ext uri="{FF2B5EF4-FFF2-40B4-BE49-F238E27FC236}">
+                    <a16:creationId xmlns:a16="http://schemas.microsoft.com/office/drawing/2014/main" id="{7BAEFE4A-6461-1743-8B71-9101E76B68B5}"/>
+                  </a:ext>
+                </a:extLst>
+              </p:cNvPr>
+              <p:cNvSpPr/>
+              <p:nvPr/>
+            </p:nvSpPr>
+            <p:spPr>
+              <a:xfrm>
+                <a:off x="5497805" y="3179761"/>
+                <a:ext cx="62088" cy="62088"/>
+              </a:xfrm>
+              <a:prstGeom prst="ellipse">
+                <a:avLst/>
+              </a:prstGeom>
+              <a:solidFill>
+                <a:schemeClr val="tx1"/>
+              </a:solidFill>
+              <a:ln>
+                <a:solidFill>
+                  <a:schemeClr val="tx1"/>
+                </a:solidFill>
+              </a:ln>
+            </p:spPr>
+            <p:style>
+              <a:lnRef idx="2">
+                <a:schemeClr val="accent1">
+                  <a:shade val="50000"/>
+                </a:schemeClr>
+              </a:lnRef>
+              <a:fillRef idx="1">
+                <a:schemeClr val="accent1"/>
+              </a:fillRef>
+              <a:effectRef idx="0">
+                <a:schemeClr val="accent1"/>
+              </a:effectRef>
+              <a:fontRef idx="minor">
+                <a:schemeClr val="lt1"/>
+              </a:fontRef>
+            </p:style>
+            <p:txBody>
+              <a:bodyPr rtlCol="0" anchor="ctr"/>
+              <a:lstStyle/>
+              <a:p>
+                <a:pPr algn="ctr"/>
+                <a:endParaRPr lang="en-CN"/>
+              </a:p>
+            </p:txBody>
+          </p:sp>
+          <p:sp>
+            <p:nvSpPr>
+              <p:cNvPr id="150" name="Oval 149">
+                <a:extLst>
+                  <a:ext uri="{FF2B5EF4-FFF2-40B4-BE49-F238E27FC236}">
+                    <a16:creationId xmlns:a16="http://schemas.microsoft.com/office/drawing/2014/main" id="{11785D17-33FA-E045-9672-567E78446314}"/>
+                  </a:ext>
+                </a:extLst>
+              </p:cNvPr>
+              <p:cNvSpPr/>
+              <p:nvPr/>
+            </p:nvSpPr>
+            <p:spPr>
+              <a:xfrm>
+                <a:off x="5760836" y="2490930"/>
+                <a:ext cx="62088" cy="62088"/>
+              </a:xfrm>
+              <a:prstGeom prst="ellipse">
+                <a:avLst/>
+              </a:prstGeom>
+              <a:solidFill>
+                <a:schemeClr val="tx1"/>
+              </a:solidFill>
+              <a:ln>
+                <a:solidFill>
+                  <a:schemeClr val="tx1"/>
+                </a:solidFill>
+              </a:ln>
+            </p:spPr>
+            <p:style>
+              <a:lnRef idx="2">
+                <a:schemeClr val="accent1">
+                  <a:shade val="50000"/>
+                </a:schemeClr>
+              </a:lnRef>
+              <a:fillRef idx="1">
+                <a:schemeClr val="accent1"/>
+              </a:fillRef>
+              <a:effectRef idx="0">
+                <a:schemeClr val="accent1"/>
+              </a:effectRef>
+              <a:fontRef idx="minor">
+                <a:schemeClr val="lt1"/>
+              </a:fontRef>
+            </p:style>
+            <p:txBody>
+              <a:bodyPr rtlCol="0" anchor="ctr"/>
+              <a:lstStyle/>
+              <a:p>
+                <a:pPr algn="ctr"/>
+                <a:endParaRPr lang="en-CN"/>
+              </a:p>
+            </p:txBody>
+          </p:sp>
+        </p:grpSp>
+        <p:sp>
+          <p:nvSpPr>
+            <p:cNvPr id="156" name="TextBox 155">
+              <a:extLst>
+                <a:ext uri="{FF2B5EF4-FFF2-40B4-BE49-F238E27FC236}">
+                  <a16:creationId xmlns:a16="http://schemas.microsoft.com/office/drawing/2014/main" id="{0E8637AA-490A-5943-9787-FEAEF8AD6344}"/>
+                </a:ext>
+              </a:extLst>
+            </p:cNvPr>
+            <p:cNvSpPr txBox="1"/>
+            <p:nvPr/>
+          </p:nvSpPr>
+          <p:spPr>
+            <a:xfrm>
+              <a:off x="2070774" y="3828882"/>
+              <a:ext cx="917561" cy="307777"/>
+            </a:xfrm>
+            <a:prstGeom prst="rect">
+              <a:avLst/>
+            </a:prstGeom>
+            <a:noFill/>
+          </p:spPr>
+          <p:txBody>
+            <a:bodyPr wrap="square">
+              <a:spAutoFit/>
+            </a:bodyPr>
+            <a:lstStyle/>
+            <a:p>
+              <a:pPr marL="0" marR="0" lvl="0" indent="0" algn="ctr" defTabSz="914400" rtl="0" eaLnBrk="1" fontAlgn="auto" latinLnBrk="0" hangingPunct="1">
+                <a:lnSpc>
+                  <a:spcPct val="100000"/>
+                </a:lnSpc>
+                <a:spcBef>
+                  <a:spcPts val="0"/>
+                </a:spcBef>
+                <a:spcAft>
+                  <a:spcPts val="0"/>
+                </a:spcAft>
+                <a:buClrTx/>
+                <a:buSzTx/>
+                <a:buFontTx/>
+                <a:buNone/>
+                <a:tabLst/>
+                <a:defRPr/>
+              </a:pPr>
+              <a:r>
+                <a:rPr lang="en-US" sz="1400" b="1" kern="0" dirty="0" err="1">
+                  <a:solidFill>
+                    <a:prstClr val="black"/>
+                  </a:solidFill>
+                  <a:latin typeface="KaiTi" panose="02010609060101010101" pitchFamily="49" charset="-122"/>
+                  <a:ea typeface="KaiTi" panose="02010609060101010101" pitchFamily="49" charset="-122"/>
+                </a:rPr>
+                <a:t>历史趋势</a:t>
+              </a:r>
+              <a:endParaRPr kumimoji="0" lang="en-CN" sz="1400" b="1" i="0" u="none" strike="noStrike" kern="0" cap="none" spc="0" normalizeH="0" baseline="0" noProof="0" dirty="0">
+                <a:ln>
+                  <a:noFill/>
+                </a:ln>
+                <a:solidFill>
+                  <a:prstClr val="black"/>
+                </a:solidFill>
+                <a:effectLst/>
+                <a:uLnTx/>
+                <a:uFillTx/>
+                <a:latin typeface="KaiTi" panose="02010609060101010101" pitchFamily="49" charset="-122"/>
+                <a:ea typeface="KaiTi" panose="02010609060101010101" pitchFamily="49" charset="-122"/>
+                <a:cs typeface="+mn-cs"/>
+              </a:endParaRPr>
+            </a:p>
+          </p:txBody>
+        </p:sp>
+        <p:cxnSp>
+          <p:nvCxnSpPr>
+            <p:cNvPr id="159" name="Straight Connector 158">
+              <a:extLst>
+                <a:ext uri="{FF2B5EF4-FFF2-40B4-BE49-F238E27FC236}">
+                  <a16:creationId xmlns:a16="http://schemas.microsoft.com/office/drawing/2014/main" id="{F62F415F-B8DE-7547-A2E1-D73FC9B4775D}"/>
+                </a:ext>
+              </a:extLst>
+            </p:cNvPr>
+            <p:cNvCxnSpPr>
+              <a:cxnSpLocks/>
+              <a:endCxn id="156" idx="3"/>
+            </p:cNvCxnSpPr>
+            <p:nvPr/>
+          </p:nvCxnSpPr>
+          <p:spPr>
+            <a:xfrm flipH="1">
+              <a:off x="2988335" y="3982771"/>
+              <a:ext cx="1238113" cy="0"/>
+            </a:xfrm>
+            <a:prstGeom prst="line">
+              <a:avLst/>
+            </a:prstGeom>
+            <a:ln w="19050">
+              <a:solidFill>
+                <a:schemeClr val="tx1"/>
+              </a:solidFill>
+              <a:prstDash val="solid"/>
+              <a:headEnd type="stealth" w="lg" len="med"/>
+              <a:tailEnd type="none" w="lg" len="med"/>
+            </a:ln>
+          </p:spPr>
+          <p:style>
+            <a:lnRef idx="1">
+              <a:schemeClr val="accent1"/>
+            </a:lnRef>
+            <a:fillRef idx="0">
+              <a:schemeClr val="accent1"/>
+            </a:fillRef>
+            <a:effectRef idx="0">
+              <a:schemeClr val="accent1"/>
+            </a:effectRef>
+            <a:fontRef idx="minor">
+              <a:schemeClr val="tx1"/>
+            </a:fontRef>
+          </p:style>
+        </p:cxnSp>
+        <p:sp>
+          <p:nvSpPr>
+            <p:cNvPr id="182" name="TextBox 181">
+              <a:extLst>
+                <a:ext uri="{FF2B5EF4-FFF2-40B4-BE49-F238E27FC236}">
+                  <a16:creationId xmlns:a16="http://schemas.microsoft.com/office/drawing/2014/main" id="{CC8818E3-9781-1541-A93E-4A18523D1937}"/>
+                </a:ext>
+              </a:extLst>
+            </p:cNvPr>
+            <p:cNvSpPr txBox="1"/>
+            <p:nvPr/>
+          </p:nvSpPr>
+          <p:spPr>
+            <a:xfrm>
+              <a:off x="4550002" y="3825920"/>
+              <a:ext cx="911968" cy="307777"/>
+            </a:xfrm>
+            <a:prstGeom prst="rect">
+              <a:avLst/>
+            </a:prstGeom>
+            <a:noFill/>
+          </p:spPr>
+          <p:txBody>
+            <a:bodyPr wrap="square">
+              <a:spAutoFit/>
+            </a:bodyPr>
+            <a:lstStyle/>
+            <a:p>
+              <a:pPr marL="0" marR="0" lvl="0" indent="0" algn="ctr" defTabSz="914400" rtl="0" eaLnBrk="1" fontAlgn="auto" latinLnBrk="0" hangingPunct="1">
+                <a:lnSpc>
+                  <a:spcPct val="100000"/>
+                </a:lnSpc>
+                <a:spcBef>
+                  <a:spcPts val="0"/>
+                </a:spcBef>
+                <a:spcAft>
+                  <a:spcPts val="0"/>
+                </a:spcAft>
+                <a:buClrTx/>
+                <a:buSzTx/>
+                <a:buFontTx/>
+                <a:buNone/>
+                <a:tabLst/>
+                <a:defRPr/>
+              </a:pPr>
+              <a:r>
+                <a:rPr lang="en-US" sz="1400" b="1" kern="0" dirty="0" err="1">
+                  <a:solidFill>
+                    <a:prstClr val="black"/>
+                  </a:solidFill>
+                  <a:latin typeface="KaiTi" panose="02010609060101010101" pitchFamily="49" charset="-122"/>
+                  <a:ea typeface="KaiTi" panose="02010609060101010101" pitchFamily="49" charset="-122"/>
+                </a:rPr>
+                <a:t>当前状态</a:t>
+              </a:r>
+              <a:endParaRPr kumimoji="0" lang="en-CN" sz="1400" b="1" i="0" u="none" strike="noStrike" kern="0" cap="none" spc="0" normalizeH="0" baseline="0" noProof="0" dirty="0">
+                <a:ln>
+                  <a:noFill/>
+                </a:ln>
+                <a:solidFill>
+                  <a:prstClr val="black"/>
+                </a:solidFill>
+                <a:effectLst/>
+                <a:uLnTx/>
+                <a:uFillTx/>
+                <a:latin typeface="KaiTi" panose="02010609060101010101" pitchFamily="49" charset="-122"/>
+                <a:ea typeface="KaiTi" panose="02010609060101010101" pitchFamily="49" charset="-122"/>
+                <a:cs typeface="+mn-cs"/>
+              </a:endParaRPr>
+            </a:p>
+          </p:txBody>
+        </p:sp>
+        <p:cxnSp>
+          <p:nvCxnSpPr>
+            <p:cNvPr id="199" name="Straight Connector 198">
+              <a:extLst>
+                <a:ext uri="{FF2B5EF4-FFF2-40B4-BE49-F238E27FC236}">
+                  <a16:creationId xmlns:a16="http://schemas.microsoft.com/office/drawing/2014/main" id="{B7895896-6F18-BC45-8938-DE9403B7616D}"/>
+                </a:ext>
+              </a:extLst>
+            </p:cNvPr>
+            <p:cNvCxnSpPr>
+              <a:cxnSpLocks/>
+              <a:endCxn id="182" idx="3"/>
+            </p:cNvCxnSpPr>
+            <p:nvPr/>
+          </p:nvCxnSpPr>
+          <p:spPr>
+            <a:xfrm flipH="1" flipV="1">
+              <a:off x="5461970" y="3979809"/>
+              <a:ext cx="317174" cy="2961"/>
+            </a:xfrm>
+            <a:prstGeom prst="line">
+              <a:avLst/>
+            </a:prstGeom>
+            <a:ln w="19050">
+              <a:solidFill>
+                <a:schemeClr val="tx1"/>
+              </a:solidFill>
+              <a:prstDash val="solid"/>
+              <a:headEnd type="stealth" w="lg" len="med"/>
+              <a:tailEnd type="none" w="lg" len="med"/>
+            </a:ln>
+          </p:spPr>
+          <p:style>
+            <a:lnRef idx="1">
+              <a:schemeClr val="accent1"/>
+            </a:lnRef>
+            <a:fillRef idx="0">
+              <a:schemeClr val="accent1"/>
+            </a:fillRef>
+            <a:effectRef idx="0">
+              <a:schemeClr val="accent1"/>
+            </a:effectRef>
+            <a:fontRef idx="minor">
+              <a:schemeClr val="tx1"/>
+            </a:fontRef>
+          </p:style>
+        </p:cxnSp>
+        <p:cxnSp>
+          <p:nvCxnSpPr>
+            <p:cNvPr id="203" name="Straight Connector 202">
+              <a:extLst>
+                <a:ext uri="{FF2B5EF4-FFF2-40B4-BE49-F238E27FC236}">
+                  <a16:creationId xmlns:a16="http://schemas.microsoft.com/office/drawing/2014/main" id="{7332FF82-51C4-044F-889C-C5890BDBACED}"/>
+                </a:ext>
+              </a:extLst>
+            </p:cNvPr>
+            <p:cNvCxnSpPr>
+              <a:cxnSpLocks/>
+              <a:endCxn id="182" idx="1"/>
+            </p:cNvCxnSpPr>
+            <p:nvPr/>
+          </p:nvCxnSpPr>
+          <p:spPr>
+            <a:xfrm flipV="1">
+              <a:off x="4226448" y="3979809"/>
+              <a:ext cx="323554" cy="5097"/>
+            </a:xfrm>
+            <a:prstGeom prst="line">
+              <a:avLst/>
+            </a:prstGeom>
+            <a:ln w="19050">
+              <a:solidFill>
+                <a:schemeClr val="tx1"/>
+              </a:solidFill>
+              <a:prstDash val="solid"/>
+              <a:headEnd type="stealth" w="lg" len="med"/>
+              <a:tailEnd type="none" w="lg" len="med"/>
+            </a:ln>
+          </p:spPr>
+          <p:style>
+            <a:lnRef idx="1">
+              <a:schemeClr val="accent1"/>
+            </a:lnRef>
+            <a:fillRef idx="0">
+              <a:schemeClr val="accent1"/>
+            </a:fillRef>
+            <a:effectRef idx="0">
+              <a:schemeClr val="accent1"/>
+            </a:effectRef>
+            <a:fontRef idx="minor">
+              <a:schemeClr val="tx1"/>
+            </a:fontRef>
+          </p:style>
+        </p:cxnSp>
+        <p:sp>
+          <p:nvSpPr>
+            <p:cNvPr id="206" name="Arc 205">
+              <a:extLst>
+                <a:ext uri="{FF2B5EF4-FFF2-40B4-BE49-F238E27FC236}">
+                  <a16:creationId xmlns:a16="http://schemas.microsoft.com/office/drawing/2014/main" id="{E12915F0-276D-FA4D-88D0-19429D82ADC7}"/>
+                </a:ext>
+              </a:extLst>
+            </p:cNvPr>
+            <p:cNvSpPr/>
+            <p:nvPr/>
+          </p:nvSpPr>
+          <p:spPr>
+            <a:xfrm rot="10800000">
+              <a:off x="2545173" y="3825920"/>
+              <a:ext cx="2441694" cy="495379"/>
+            </a:xfrm>
+            <a:prstGeom prst="arc">
+              <a:avLst>
+                <a:gd name="adj1" fmla="val 10806718"/>
+                <a:gd name="adj2" fmla="val 21595819"/>
+              </a:avLst>
+            </a:prstGeom>
+            <a:ln w="19050">
+              <a:solidFill>
+                <a:schemeClr val="bg1">
+                  <a:lumMod val="65000"/>
+                </a:schemeClr>
+              </a:solidFill>
+              <a:headEnd type="stealth" w="lg" len="med"/>
+              <a:tailEnd type="stealth" w="lg" len="med"/>
+            </a:ln>
+          </p:spPr>
+          <p:style>
+            <a:lnRef idx="1">
+              <a:schemeClr val="accent1"/>
+            </a:lnRef>
+            <a:fillRef idx="0">
+              <a:schemeClr val="accent1"/>
+            </a:fillRef>
+            <a:effectRef idx="0">
+              <a:schemeClr val="accent1"/>
+            </a:effectRef>
+            <a:fontRef idx="minor">
+              <a:schemeClr val="tx1"/>
+            </a:fontRef>
+          </p:style>
+          <p:txBody>
+            <a:bodyPr rtlCol="0" anchor="ctr"/>
+            <a:lstStyle/>
+            <a:p>
+              <a:pPr algn="ctr"/>
+              <a:endParaRPr lang="en-CN" dirty="0"/>
+            </a:p>
+          </p:txBody>
+        </p:sp>
+        <p:sp>
+          <p:nvSpPr>
+            <p:cNvPr id="207" name="TextBox 206">
+              <a:extLst>
+                <a:ext uri="{FF2B5EF4-FFF2-40B4-BE49-F238E27FC236}">
+                  <a16:creationId xmlns:a16="http://schemas.microsoft.com/office/drawing/2014/main" id="{BAF9C038-4F22-204F-A5AC-86F73601DFF4}"/>
+                </a:ext>
+              </a:extLst>
+            </p:cNvPr>
+            <p:cNvSpPr txBox="1"/>
+            <p:nvPr/>
+          </p:nvSpPr>
+          <p:spPr>
+            <a:xfrm>
+              <a:off x="2545172" y="4306013"/>
+              <a:ext cx="2441683" cy="307777"/>
+            </a:xfrm>
+            <a:prstGeom prst="rect">
+              <a:avLst/>
+            </a:prstGeom>
+            <a:noFill/>
+          </p:spPr>
+          <p:txBody>
+            <a:bodyPr wrap="square">
+              <a:spAutoFit/>
+            </a:bodyPr>
+            <a:lstStyle/>
+            <a:p>
+              <a:pPr marL="0" marR="0" lvl="0" indent="0" algn="ctr" defTabSz="914400" rtl="0" eaLnBrk="1" fontAlgn="auto" latinLnBrk="0" hangingPunct="1">
+                <a:lnSpc>
+                  <a:spcPct val="100000"/>
+                </a:lnSpc>
+                <a:spcBef>
+                  <a:spcPts val="0"/>
+                </a:spcBef>
+                <a:spcAft>
+                  <a:spcPts val="0"/>
+                </a:spcAft>
+                <a:buClrTx/>
+                <a:buSzTx/>
+                <a:buFontTx/>
+                <a:buNone/>
+                <a:tabLst/>
+                <a:defRPr/>
+              </a:pPr>
+              <a:r>
+                <a:rPr kumimoji="0" lang="en-US" sz="1400" b="1" i="0" u="none" strike="noStrike" kern="0" cap="none" spc="0" normalizeH="0" baseline="0" noProof="0" dirty="0" err="1">
                   <a:ln>
                     <a:noFill/>
                   </a:ln>
@@ -12097,540 +15046,523 @@
                   <a:latin typeface="KaiTi" panose="02010609060101010101" pitchFamily="49" charset="-122"/>
                   <a:ea typeface="KaiTi" panose="02010609060101010101" pitchFamily="49" charset="-122"/>
                   <a:cs typeface="+mn-cs"/>
-                </a:endParaRPr>
-              </a:p>
-            </p:txBody>
-          </p:sp>
-        </mc:Choice>
-        <mc:Fallback>
-          <p:sp>
-            <p:nvSpPr>
-              <p:cNvPr id="9" name="TextBox 8">
-                <a:extLst>
-                  <a:ext uri="{FF2B5EF4-FFF2-40B4-BE49-F238E27FC236}">
-                    <a16:creationId xmlns:a16="http://schemas.microsoft.com/office/drawing/2014/main" id="{4F3D172C-78D5-4B4E-9C19-7801F7DCB2C6}"/>
-                  </a:ext>
-                </a:extLst>
-              </p:cNvPr>
-              <p:cNvSpPr txBox="1">
-                <a:spLocks noRot="1" noChangeAspect="1" noMove="1" noResize="1" noEditPoints="1" noAdjustHandles="1" noChangeArrowheads="1" noChangeShapeType="1" noTextEdit="1"/>
-              </p:cNvSpPr>
-              <p:nvPr/>
-            </p:nvSpPr>
-            <p:spPr>
-              <a:xfrm>
-                <a:off x="3114768" y="1694985"/>
-                <a:ext cx="837635" cy="307777"/>
-              </a:xfrm>
-              <a:prstGeom prst="rect">
-                <a:avLst/>
-              </a:prstGeom>
-              <a:blipFill>
-                <a:blip r:embed="rId5"/>
-                <a:stretch>
-                  <a:fillRect t="-4000" b="-16000"/>
-                </a:stretch>
-              </a:blipFill>
-            </p:spPr>
-            <p:txBody>
-              <a:bodyPr/>
-              <a:lstStyle/>
-              <a:p>
-                <a:r>
-                  <a:rPr lang="en-CN">
-                    <a:noFill/>
-                  </a:rPr>
-                  <a:t> </a:t>
-                </a:r>
-              </a:p>
-            </p:txBody>
-          </p:sp>
-        </mc:Fallback>
-      </mc:AlternateContent>
-      <p:cxnSp>
-        <p:nvCxnSpPr>
-          <p:cNvPr id="10" name="Straight Arrow Connector 9">
-            <a:extLst>
-              <a:ext uri="{FF2B5EF4-FFF2-40B4-BE49-F238E27FC236}">
-                <a16:creationId xmlns:a16="http://schemas.microsoft.com/office/drawing/2014/main" id="{0787F58C-3445-B848-AB4E-7262E08AE2D0}"/>
-              </a:ext>
-            </a:extLst>
-          </p:cNvPr>
-          <p:cNvCxnSpPr>
-            <a:cxnSpLocks/>
-            <a:stCxn id="3" idx="2"/>
-          </p:cNvCxnSpPr>
-          <p:nvPr/>
-        </p:nvCxnSpPr>
-        <p:spPr>
-          <a:xfrm>
-            <a:off x="6096000" y="3079550"/>
-            <a:ext cx="1" cy="216715"/>
-          </a:xfrm>
-          <a:prstGeom prst="straightConnector1">
-            <a:avLst/>
-          </a:prstGeom>
-          <a:noFill/>
-          <a:ln w="19050" cap="flat" cmpd="sng" algn="ctr">
-            <a:solidFill>
-              <a:schemeClr val="tx1"/>
-            </a:solidFill>
-            <a:prstDash val="solid"/>
-            <a:miter lim="800000"/>
-            <a:tailEnd type="stealth" w="lg" len="med"/>
-          </a:ln>
-          <a:effectLst/>
-        </p:spPr>
-      </p:cxnSp>
-      <mc:AlternateContent xmlns:mc="http://schemas.openxmlformats.org/markup-compatibility/2006">
-        <mc:Choice xmlns:a14="http://schemas.microsoft.com/office/drawing/2010/main" Requires="a14">
-          <p:sp>
-            <p:nvSpPr>
-              <p:cNvPr id="11" name="TextBox 10">
-                <a:extLst>
-                  <a:ext uri="{FF2B5EF4-FFF2-40B4-BE49-F238E27FC236}">
-                    <a16:creationId xmlns:a16="http://schemas.microsoft.com/office/drawing/2014/main" id="{A48A9FBF-C335-F34E-8881-C8779F5C7997}"/>
-                  </a:ext>
-                </a:extLst>
-              </p:cNvPr>
-              <p:cNvSpPr txBox="1"/>
-              <p:nvPr/>
-            </p:nvSpPr>
-            <p:spPr>
-              <a:xfrm>
-                <a:off x="6275061" y="3188396"/>
-                <a:ext cx="278602" cy="215444"/>
-              </a:xfrm>
-              <a:prstGeom prst="rect">
-                <a:avLst/>
-              </a:prstGeom>
-              <a:noFill/>
-            </p:spPr>
-            <p:txBody>
-              <a:bodyPr wrap="none" lIns="0" tIns="0" rIns="0" bIns="0" rtlCol="0">
-                <a:spAutoFit/>
-              </a:bodyPr>
-              <a:lstStyle/>
-              <a:p>
-                <a:pPr/>
-                <a14:m>
-                  <m:oMathPara xmlns:m="http://schemas.openxmlformats.org/officeDocument/2006/math">
-                    <m:oMathParaPr>
-                      <m:jc m:val="centerGroup"/>
-                    </m:oMathParaPr>
-                    <m:oMath xmlns:m="http://schemas.openxmlformats.org/officeDocument/2006/math">
-                      <m:sSup>
-                        <m:sSupPr>
-                          <m:ctrlPr>
-                            <a:rPr lang="en-US" sz="1400" b="0" i="1" smtClean="0">
-                              <a:latin typeface="Cambria Math" panose="02040503050406030204" pitchFamily="18" charset="0"/>
-                            </a:rPr>
-                          </m:ctrlPr>
-                        </m:sSupPr>
-                        <m:e>
-                          <m:r>
-                            <a:rPr lang="en-US" sz="1400" b="1" i="0" smtClean="0">
-                              <a:latin typeface="Cambria Math" panose="02040503050406030204" pitchFamily="18" charset="0"/>
-                            </a:rPr>
-                            <m:t>𝐇</m:t>
-                          </m:r>
-                        </m:e>
-                        <m:sup>
-                          <m:r>
-                            <a:rPr lang="en-US" sz="1400" b="0" i="1" smtClean="0">
-                              <a:latin typeface="Cambria Math" panose="02040503050406030204" pitchFamily="18" charset="0"/>
-                            </a:rPr>
-                            <m:t>𝑔</m:t>
-                          </m:r>
-                        </m:sup>
-                      </m:sSup>
-                    </m:oMath>
-                  </m:oMathPara>
-                </a14:m>
-                <a:endParaRPr lang="en-CN" sz="1400" dirty="0"/>
-              </a:p>
-            </p:txBody>
-          </p:sp>
-        </mc:Choice>
-        <mc:Fallback>
-          <p:sp>
-            <p:nvSpPr>
-              <p:cNvPr id="11" name="TextBox 10">
-                <a:extLst>
-                  <a:ext uri="{FF2B5EF4-FFF2-40B4-BE49-F238E27FC236}">
-                    <a16:creationId xmlns:a16="http://schemas.microsoft.com/office/drawing/2014/main" id="{A48A9FBF-C335-F34E-8881-C8779F5C7997}"/>
-                  </a:ext>
-                </a:extLst>
-              </p:cNvPr>
-              <p:cNvSpPr txBox="1">
-                <a:spLocks noRot="1" noChangeAspect="1" noMove="1" noResize="1" noEditPoints="1" noAdjustHandles="1" noChangeArrowheads="1" noChangeShapeType="1" noTextEdit="1"/>
-              </p:cNvSpPr>
-              <p:nvPr/>
-            </p:nvSpPr>
-            <p:spPr>
-              <a:xfrm>
-                <a:off x="6275061" y="3188396"/>
-                <a:ext cx="278602" cy="215444"/>
-              </a:xfrm>
-              <a:prstGeom prst="rect">
-                <a:avLst/>
-              </a:prstGeom>
-              <a:blipFill>
-                <a:blip r:embed="rId6"/>
-                <a:stretch>
-                  <a:fillRect l="-8696" r="-8696" b="-5882"/>
-                </a:stretch>
-              </a:blipFill>
-            </p:spPr>
-            <p:txBody>
-              <a:bodyPr/>
-              <a:lstStyle/>
-              <a:p>
-                <a:r>
-                  <a:rPr lang="en-CN">
-                    <a:noFill/>
-                  </a:rPr>
-                  <a:t> </a:t>
-                </a:r>
-              </a:p>
-            </p:txBody>
-          </p:sp>
-        </mc:Fallback>
-      </mc:AlternateContent>
-      <mc:AlternateContent xmlns:mc="http://schemas.openxmlformats.org/markup-compatibility/2006">
-        <mc:Choice xmlns:a14="http://schemas.microsoft.com/office/drawing/2010/main" Requires="a14">
-          <p:sp>
-            <p:nvSpPr>
-              <p:cNvPr id="12" name="TextBox 11">
-                <a:extLst>
-                  <a:ext uri="{FF2B5EF4-FFF2-40B4-BE49-F238E27FC236}">
-                    <a16:creationId xmlns:a16="http://schemas.microsoft.com/office/drawing/2014/main" id="{991583D1-ED70-614B-94BF-ECFD9B16A081}"/>
-                  </a:ext>
-                </a:extLst>
-              </p:cNvPr>
-              <p:cNvSpPr txBox="1"/>
-              <p:nvPr/>
-            </p:nvSpPr>
-            <p:spPr>
-              <a:xfrm>
-                <a:off x="5963483" y="4284634"/>
-                <a:ext cx="251223" cy="215444"/>
-              </a:xfrm>
-              <a:prstGeom prst="rect">
-                <a:avLst/>
-              </a:prstGeom>
-              <a:noFill/>
-            </p:spPr>
-            <p:txBody>
-              <a:bodyPr wrap="none" lIns="0" tIns="0" rIns="0" bIns="0" rtlCol="0">
-                <a:spAutoFit/>
-              </a:bodyPr>
-              <a:lstStyle/>
-              <a:p>
-                <a:pPr/>
-                <a14:m>
-                  <m:oMathPara xmlns:m="http://schemas.openxmlformats.org/officeDocument/2006/math">
-                    <m:oMathParaPr>
-                      <m:jc m:val="centerGroup"/>
-                    </m:oMathParaPr>
-                    <m:oMath xmlns:m="http://schemas.openxmlformats.org/officeDocument/2006/math">
-                      <m:sSup>
-                        <m:sSupPr>
-                          <m:ctrlPr>
-                            <a:rPr lang="en-US" sz="1400" b="0" i="1" smtClean="0">
-                              <a:latin typeface="Cambria Math" panose="02040503050406030204" pitchFamily="18" charset="0"/>
-                            </a:rPr>
-                          </m:ctrlPr>
-                        </m:sSupPr>
-                        <m:e>
-                          <m:r>
-                            <a:rPr lang="en-US" sz="1400" b="0" i="1" smtClean="0">
-                              <a:latin typeface="Cambria Math" panose="02040503050406030204" pitchFamily="18" charset="0"/>
-                            </a:rPr>
-                            <m:t>𝑦</m:t>
-                          </m:r>
-                        </m:e>
-                        <m:sup>
-                          <m:r>
-                            <a:rPr lang="en-US" sz="1400" b="0" i="1" smtClean="0">
-                              <a:latin typeface="Cambria Math" panose="02040503050406030204" pitchFamily="18" charset="0"/>
-                            </a:rPr>
-                            <m:t>𝑔</m:t>
-                          </m:r>
-                        </m:sup>
-                      </m:sSup>
-                    </m:oMath>
-                  </m:oMathPara>
-                </a14:m>
-                <a:endParaRPr lang="en-CN" sz="1400" dirty="0"/>
-              </a:p>
-            </p:txBody>
-          </p:sp>
-        </mc:Choice>
-        <mc:Fallback>
-          <p:sp>
-            <p:nvSpPr>
-              <p:cNvPr id="12" name="TextBox 11">
-                <a:extLst>
-                  <a:ext uri="{FF2B5EF4-FFF2-40B4-BE49-F238E27FC236}">
-                    <a16:creationId xmlns:a16="http://schemas.microsoft.com/office/drawing/2014/main" id="{991583D1-ED70-614B-94BF-ECFD9B16A081}"/>
-                  </a:ext>
-                </a:extLst>
-              </p:cNvPr>
-              <p:cNvSpPr txBox="1">
-                <a:spLocks noRot="1" noChangeAspect="1" noMove="1" noResize="1" noEditPoints="1" noAdjustHandles="1" noChangeArrowheads="1" noChangeShapeType="1" noTextEdit="1"/>
-              </p:cNvSpPr>
-              <p:nvPr/>
-            </p:nvSpPr>
-            <p:spPr>
-              <a:xfrm>
-                <a:off x="5963483" y="4284634"/>
-                <a:ext cx="251223" cy="215444"/>
-              </a:xfrm>
-              <a:prstGeom prst="rect">
-                <a:avLst/>
-              </a:prstGeom>
-              <a:blipFill>
-                <a:blip r:embed="rId7"/>
-                <a:stretch>
-                  <a:fillRect l="-14286" r="-4762" b="-22222"/>
-                </a:stretch>
-              </a:blipFill>
-            </p:spPr>
-            <p:txBody>
-              <a:bodyPr/>
-              <a:lstStyle/>
-              <a:p>
-                <a:r>
-                  <a:rPr lang="en-CN">
-                    <a:noFill/>
-                  </a:rPr>
-                  <a:t> </a:t>
-                </a:r>
-              </a:p>
-            </p:txBody>
-          </p:sp>
-        </mc:Fallback>
-      </mc:AlternateContent>
-      <p:cxnSp>
-        <p:nvCxnSpPr>
-          <p:cNvPr id="13" name="Straight Arrow Connector 12">
-            <a:extLst>
-              <a:ext uri="{FF2B5EF4-FFF2-40B4-BE49-F238E27FC236}">
-                <a16:creationId xmlns:a16="http://schemas.microsoft.com/office/drawing/2014/main" id="{F3044D64-0FD9-4F44-B95F-8E3C1E7E2B91}"/>
-              </a:ext>
-            </a:extLst>
-          </p:cNvPr>
-          <p:cNvCxnSpPr>
-            <a:cxnSpLocks/>
-            <a:stCxn id="5" idx="3"/>
-          </p:cNvCxnSpPr>
-          <p:nvPr/>
-        </p:nvCxnSpPr>
-        <p:spPr>
-          <a:xfrm flipV="1">
-            <a:off x="8309598" y="3903380"/>
-            <a:ext cx="405275" cy="1187"/>
-          </a:xfrm>
-          <a:prstGeom prst="straightConnector1">
-            <a:avLst/>
-          </a:prstGeom>
-          <a:noFill/>
-          <a:ln w="19050" cap="flat" cmpd="sng" algn="ctr">
-            <a:solidFill>
-              <a:schemeClr val="tx1"/>
-            </a:solidFill>
-            <a:prstDash val="solid"/>
-            <a:miter lim="800000"/>
-            <a:tailEnd type="stealth" w="lg" len="med"/>
-          </a:ln>
-          <a:effectLst/>
-        </p:spPr>
-      </p:cxnSp>
-      <mc:AlternateContent xmlns:mc="http://schemas.openxmlformats.org/markup-compatibility/2006">
-        <mc:Choice xmlns:a14="http://schemas.microsoft.com/office/drawing/2010/main" Requires="a14">
-          <p:sp>
-            <p:nvSpPr>
-              <p:cNvPr id="14" name="TextBox 13">
-                <a:extLst>
-                  <a:ext uri="{FF2B5EF4-FFF2-40B4-BE49-F238E27FC236}">
-                    <a16:creationId xmlns:a16="http://schemas.microsoft.com/office/drawing/2014/main" id="{2B8EB2B0-E7D9-AE48-8490-3BE8B9277788}"/>
-                  </a:ext>
-                </a:extLst>
-              </p:cNvPr>
-              <p:cNvSpPr txBox="1"/>
-              <p:nvPr/>
-            </p:nvSpPr>
-            <p:spPr>
-              <a:xfrm>
-                <a:off x="8380596" y="3988875"/>
-                <a:ext cx="263277" cy="215444"/>
-              </a:xfrm>
-              <a:prstGeom prst="rect">
-                <a:avLst/>
-              </a:prstGeom>
-              <a:noFill/>
-            </p:spPr>
-            <p:txBody>
-              <a:bodyPr wrap="none" lIns="0" tIns="0" rIns="0" bIns="0" rtlCol="0">
-                <a:spAutoFit/>
-              </a:bodyPr>
-              <a:lstStyle/>
-              <a:p>
-                <a:pPr/>
-                <a14:m>
-                  <m:oMathPara xmlns:m="http://schemas.openxmlformats.org/officeDocument/2006/math">
-                    <m:oMathParaPr>
-                      <m:jc m:val="centerGroup"/>
-                    </m:oMathParaPr>
-                    <m:oMath xmlns:m="http://schemas.openxmlformats.org/officeDocument/2006/math">
-                      <m:sSup>
-                        <m:sSupPr>
-                          <m:ctrlPr>
-                            <a:rPr lang="en-US" sz="1400" b="0" i="1" smtClean="0">
-                              <a:latin typeface="Cambria Math" panose="02040503050406030204" pitchFamily="18" charset="0"/>
-                            </a:rPr>
-                          </m:ctrlPr>
-                        </m:sSupPr>
-                        <m:e>
-                          <m:r>
-                            <a:rPr lang="en-US" sz="1400" b="1" i="0" smtClean="0">
-                              <a:latin typeface="Cambria Math" panose="02040503050406030204" pitchFamily="18" charset="0"/>
-                            </a:rPr>
-                            <m:t>𝐑</m:t>
-                          </m:r>
-                        </m:e>
-                        <m:sup>
-                          <m:r>
-                            <a:rPr lang="en-US" sz="1400" b="0" i="1" smtClean="0">
-                              <a:latin typeface="Cambria Math" panose="02040503050406030204" pitchFamily="18" charset="0"/>
-                            </a:rPr>
-                            <m:t>𝑔</m:t>
-                          </m:r>
-                        </m:sup>
-                      </m:sSup>
-                    </m:oMath>
-                  </m:oMathPara>
-                </a14:m>
-                <a:endParaRPr lang="en-CN" sz="1400" dirty="0"/>
-              </a:p>
-            </p:txBody>
-          </p:sp>
-        </mc:Choice>
-        <mc:Fallback>
-          <p:sp>
-            <p:nvSpPr>
-              <p:cNvPr id="14" name="TextBox 13">
-                <a:extLst>
-                  <a:ext uri="{FF2B5EF4-FFF2-40B4-BE49-F238E27FC236}">
-                    <a16:creationId xmlns:a16="http://schemas.microsoft.com/office/drawing/2014/main" id="{2B8EB2B0-E7D9-AE48-8490-3BE8B9277788}"/>
-                  </a:ext>
-                </a:extLst>
-              </p:cNvPr>
-              <p:cNvSpPr txBox="1">
-                <a:spLocks noRot="1" noChangeAspect="1" noMove="1" noResize="1" noEditPoints="1" noAdjustHandles="1" noChangeArrowheads="1" noChangeShapeType="1" noTextEdit="1"/>
-              </p:cNvSpPr>
-              <p:nvPr/>
-            </p:nvSpPr>
-            <p:spPr>
-              <a:xfrm>
-                <a:off x="8380596" y="3988875"/>
-                <a:ext cx="263277" cy="215444"/>
-              </a:xfrm>
-              <a:prstGeom prst="rect">
-                <a:avLst/>
-              </a:prstGeom>
-              <a:blipFill>
-                <a:blip r:embed="rId8"/>
-                <a:stretch>
-                  <a:fillRect l="-19048" r="-9524"/>
-                </a:stretch>
-              </a:blipFill>
-            </p:spPr>
-            <p:txBody>
-              <a:bodyPr/>
-              <a:lstStyle/>
-              <a:p>
-                <a:r>
-                  <a:rPr lang="en-CN">
-                    <a:noFill/>
-                  </a:rPr>
-                  <a:t> </a:t>
-                </a:r>
-              </a:p>
-            </p:txBody>
-          </p:sp>
-        </mc:Fallback>
-      </mc:AlternateContent>
-      <p:sp>
-        <p:nvSpPr>
-          <p:cNvPr id="18" name="TextBox 17">
-            <a:extLst>
-              <a:ext uri="{FF2B5EF4-FFF2-40B4-BE49-F238E27FC236}">
-                <a16:creationId xmlns:a16="http://schemas.microsoft.com/office/drawing/2014/main" id="{3A3368D1-FE6C-1D4B-AAA6-88C3BCA30AFD}"/>
-              </a:ext>
-            </a:extLst>
-          </p:cNvPr>
-          <p:cNvSpPr txBox="1"/>
-          <p:nvPr/>
-        </p:nvSpPr>
-        <p:spPr>
-          <a:xfrm>
-            <a:off x="8396663" y="2308089"/>
-            <a:ext cx="903453" cy="523220"/>
-          </a:xfrm>
-          <a:prstGeom prst="rect">
-            <a:avLst/>
-          </a:prstGeom>
-          <a:noFill/>
-        </p:spPr>
-        <p:txBody>
-          <a:bodyPr wrap="square">
-            <a:spAutoFit/>
-          </a:bodyPr>
-          <a:lstStyle/>
-          <a:p>
-            <a:pPr marL="0" marR="0" lvl="0" indent="0" algn="ctr" defTabSz="914400" rtl="0" eaLnBrk="1" fontAlgn="auto" latinLnBrk="0" hangingPunct="1">
-              <a:lnSpc>
-                <a:spcPct val="100000"/>
-              </a:lnSpc>
-              <a:spcBef>
-                <a:spcPts val="0"/>
-              </a:spcBef>
-              <a:spcAft>
-                <a:spcPts val="0"/>
-              </a:spcAft>
-              <a:buClrTx/>
-              <a:buSzTx/>
-              <a:buFontTx/>
-              <a:buNone/>
-              <a:tabLst/>
-              <a:defRPr/>
-            </a:pPr>
-            <a:r>
-              <a:rPr kumimoji="0" lang="en-CN" sz="1400" b="1" i="0" u="none" strike="noStrike" kern="0" cap="none" spc="0" normalizeH="0" baseline="0" noProof="0" dirty="0">
+                </a:rPr>
+                <a:t>时序趋势一致性</a:t>
+              </a:r>
+              <a:endParaRPr kumimoji="0" lang="en-CN" sz="1400" b="1" i="0" u="none" strike="noStrike" kern="0" cap="none" spc="0" normalizeH="0" baseline="0" noProof="0" dirty="0">
                 <a:ln>
                   <a:noFill/>
                 </a:ln>
                 <a:solidFill>
-                  <a:schemeClr val="accent2">
-                    <a:lumMod val="50000"/>
-                  </a:schemeClr>
+                  <a:prstClr val="black"/>
                 </a:solidFill>
-                <a:effectLst>
-                  <a:reflection blurRad="6350" stA="55000" endA="300" endPos="45500" dir="5400000" sy="-100000" algn="bl" rotWithShape="0"/>
-                </a:effectLst>
+                <a:effectLst/>
                 <a:uLnTx/>
                 <a:uFillTx/>
                 <a:latin typeface="KaiTi" panose="02010609060101010101" pitchFamily="49" charset="-122"/>
                 <a:ea typeface="KaiTi" panose="02010609060101010101" pitchFamily="49" charset="-122"/>
                 <a:cs typeface="+mn-cs"/>
-              </a:rPr>
-              <a:t>特征提取模块</a:t>
-            </a:r>
-          </a:p>
-        </p:txBody>
-      </p:sp>
+              </a:endParaRPr>
+            </a:p>
+          </p:txBody>
+        </p:sp>
+        <mc:AlternateContent xmlns:mc="http://schemas.openxmlformats.org/markup-compatibility/2006">
+          <mc:Choice xmlns:a14="http://schemas.microsoft.com/office/drawing/2010/main" Requires="a14">
+            <p:sp>
+              <p:nvSpPr>
+                <p:cNvPr id="224" name="TextBox 223">
+                  <a:extLst>
+                    <a:ext uri="{FF2B5EF4-FFF2-40B4-BE49-F238E27FC236}">
+                      <a16:creationId xmlns:a16="http://schemas.microsoft.com/office/drawing/2014/main" id="{70F46A1A-17C8-5042-B23A-78F6CB44598B}"/>
+                    </a:ext>
+                  </a:extLst>
+                </p:cNvPr>
+                <p:cNvSpPr txBox="1"/>
+                <p:nvPr/>
+              </p:nvSpPr>
+              <p:spPr>
+                <a:xfrm>
+                  <a:off x="7313937" y="4024099"/>
+                  <a:ext cx="1671333" cy="609398"/>
+                </a:xfrm>
+                <a:prstGeom prst="rect">
+                  <a:avLst/>
+                </a:prstGeom>
+                <a:noFill/>
+              </p:spPr>
+              <p:txBody>
+                <a:bodyPr wrap="square">
+                  <a:spAutoFit/>
+                </a:bodyPr>
+                <a:lstStyle/>
+                <a:p>
+                  <a:pPr marL="0" marR="0" lvl="0" indent="0" algn="ctr" defTabSz="914400" rtl="0" eaLnBrk="1" fontAlgn="auto" latinLnBrk="0" hangingPunct="1">
+                    <a:lnSpc>
+                      <a:spcPct val="120000"/>
+                    </a:lnSpc>
+                    <a:spcBef>
+                      <a:spcPts val="0"/>
+                    </a:spcBef>
+                    <a:spcAft>
+                      <a:spcPts val="0"/>
+                    </a:spcAft>
+                    <a:buClrTx/>
+                    <a:buSzTx/>
+                    <a:buFontTx/>
+                    <a:buNone/>
+                    <a:tabLst/>
+                    <a:defRPr/>
+                  </a:pPr>
+                  <a:r>
+                    <a:rPr lang="en-US" sz="1400" b="1" kern="0" dirty="0">
+                      <a:solidFill>
+                        <a:prstClr val="black"/>
+                      </a:solidFill>
+                      <a:latin typeface="KaiTi" panose="02010609060101010101" pitchFamily="49" charset="-122"/>
+                      <a:ea typeface="KaiTi" panose="02010609060101010101" pitchFamily="49" charset="-122"/>
+                    </a:rPr>
+                    <a:t>置信度权重</a:t>
+                  </a:r>
+                </a:p>
+                <a:p>
+                  <a:pPr marL="0" marR="0" lvl="0" indent="0" algn="ctr" defTabSz="914400" rtl="0" eaLnBrk="1" fontAlgn="auto" latinLnBrk="0" hangingPunct="1">
+                    <a:lnSpc>
+                      <a:spcPct val="120000"/>
+                    </a:lnSpc>
+                    <a:spcBef>
+                      <a:spcPts val="0"/>
+                    </a:spcBef>
+                    <a:spcAft>
+                      <a:spcPts val="0"/>
+                    </a:spcAft>
+                    <a:buClrTx/>
+                    <a:buSzTx/>
+                    <a:buFontTx/>
+                    <a:buNone/>
+                    <a:tabLst/>
+                    <a:defRPr/>
+                  </a:pPr>
+                  <a14:m>
+                    <m:oMathPara xmlns:m="http://schemas.openxmlformats.org/officeDocument/2006/math">
+                      <m:oMathParaPr>
+                        <m:jc m:val="centerGroup"/>
+                      </m:oMathParaPr>
+                      <m:oMath xmlns:m="http://schemas.openxmlformats.org/officeDocument/2006/math">
+                        <m:sSup>
+                          <m:sSupPr>
+                            <m:ctrlPr>
+                              <a:rPr kumimoji="0" lang="en-US" altLang="zh-CN" sz="1400" b="0" i="1" u="none" strike="noStrike" kern="0" cap="none" spc="0" normalizeH="0" baseline="0" noProof="0" smtClean="0">
+                                <a:ln>
+                                  <a:noFill/>
+                                </a:ln>
+                                <a:solidFill>
+                                  <a:prstClr val="black"/>
+                                </a:solidFill>
+                                <a:effectLst/>
+                                <a:uLnTx/>
+                                <a:uFillTx/>
+                                <a:latin typeface="Cambria Math" panose="02040503050406030204" pitchFamily="18" charset="0"/>
+                                <a:ea typeface="KaiTi" panose="02010609060101010101" pitchFamily="49" charset="-122"/>
+                                <a:cs typeface="+mn-cs"/>
+                              </a:rPr>
+                            </m:ctrlPr>
+                          </m:sSupPr>
+                          <m:e>
+                            <m:r>
+                              <a:rPr kumimoji="0" lang="en-US" altLang="zh-CN" sz="1400" b="0" i="1" u="none" strike="noStrike" kern="0" cap="none" spc="0" normalizeH="0" baseline="0" noProof="0" smtClean="0">
+                                <a:ln>
+                                  <a:noFill/>
+                                </a:ln>
+                                <a:solidFill>
+                                  <a:prstClr val="black"/>
+                                </a:solidFill>
+                                <a:effectLst/>
+                                <a:uLnTx/>
+                                <a:uFillTx/>
+                                <a:latin typeface="Cambria Math" panose="02040503050406030204" pitchFamily="18" charset="0"/>
+                                <a:ea typeface="KaiTi" panose="02010609060101010101" pitchFamily="49" charset="-122"/>
+                                <a:cs typeface="+mn-cs"/>
+                              </a:rPr>
+                              <m:t>𝛼</m:t>
+                            </m:r>
+                          </m:e>
+                          <m:sup>
+                            <m:r>
+                              <a:rPr kumimoji="0" lang="en-US" altLang="zh-CN" sz="1400" b="0" i="1" u="none" strike="noStrike" kern="0" cap="none" spc="0" normalizeH="0" baseline="0" noProof="0" smtClean="0">
+                                <a:ln>
+                                  <a:noFill/>
+                                </a:ln>
+                                <a:solidFill>
+                                  <a:prstClr val="black"/>
+                                </a:solidFill>
+                                <a:effectLst/>
+                                <a:uLnTx/>
+                                <a:uFillTx/>
+                                <a:latin typeface="Cambria Math" panose="02040503050406030204" pitchFamily="18" charset="0"/>
+                                <a:ea typeface="KaiTi" panose="02010609060101010101" pitchFamily="49" charset="-122"/>
+                                <a:cs typeface="+mn-cs"/>
+                              </a:rPr>
+                              <m:t>𝑔</m:t>
+                            </m:r>
+                          </m:sup>
+                        </m:sSup>
+                      </m:oMath>
+                    </m:oMathPara>
+                  </a14:m>
+                  <a:endParaRPr kumimoji="0" lang="en-CN" sz="1400" i="0" u="none" strike="noStrike" kern="0" cap="none" spc="0" normalizeH="0" baseline="0" noProof="0" dirty="0">
+                    <a:ln>
+                      <a:noFill/>
+                    </a:ln>
+                    <a:solidFill>
+                      <a:prstClr val="black"/>
+                    </a:solidFill>
+                    <a:effectLst/>
+                    <a:uLnTx/>
+                    <a:uFillTx/>
+                    <a:latin typeface="KaiTi" panose="02010609060101010101" pitchFamily="49" charset="-122"/>
+                    <a:ea typeface="KaiTi" panose="02010609060101010101" pitchFamily="49" charset="-122"/>
+                    <a:cs typeface="+mn-cs"/>
+                  </a:endParaRPr>
+                </a:p>
+              </p:txBody>
+            </p:sp>
+          </mc:Choice>
+          <mc:Fallback>
+            <p:sp>
+              <p:nvSpPr>
+                <p:cNvPr id="224" name="TextBox 223">
+                  <a:extLst>
+                    <a:ext uri="{FF2B5EF4-FFF2-40B4-BE49-F238E27FC236}">
+                      <a16:creationId xmlns:a16="http://schemas.microsoft.com/office/drawing/2014/main" id="{70F46A1A-17C8-5042-B23A-78F6CB44598B}"/>
+                    </a:ext>
+                  </a:extLst>
+                </p:cNvPr>
+                <p:cNvSpPr txBox="1">
+                  <a:spLocks noRot="1" noChangeAspect="1" noMove="1" noResize="1" noEditPoints="1" noAdjustHandles="1" noChangeArrowheads="1" noChangeShapeType="1" noTextEdit="1"/>
+                </p:cNvSpPr>
+                <p:nvPr/>
+              </p:nvSpPr>
+              <p:spPr>
+                <a:xfrm>
+                  <a:off x="7313937" y="4024099"/>
+                  <a:ext cx="1671333" cy="609398"/>
+                </a:xfrm>
+                <a:prstGeom prst="rect">
+                  <a:avLst/>
+                </a:prstGeom>
+                <a:blipFill>
+                  <a:blip r:embed="rId9"/>
+                  <a:stretch>
+                    <a:fillRect/>
+                  </a:stretch>
+                </a:blipFill>
+              </p:spPr>
+              <p:txBody>
+                <a:bodyPr/>
+                <a:lstStyle/>
+                <a:p>
+                  <a:r>
+                    <a:rPr lang="en-CN">
+                      <a:noFill/>
+                    </a:rPr>
+                    <a:t> </a:t>
+                  </a:r>
+                </a:p>
+              </p:txBody>
+            </p:sp>
+          </mc:Fallback>
+        </mc:AlternateContent>
+        <p:sp>
+          <p:nvSpPr>
+            <p:cNvPr id="228" name="Rounded Rectangle 227">
+              <a:extLst>
+                <a:ext uri="{FF2B5EF4-FFF2-40B4-BE49-F238E27FC236}">
+                  <a16:creationId xmlns:a16="http://schemas.microsoft.com/office/drawing/2014/main" id="{E2655F25-322E-D748-84F5-5E3002687C42}"/>
+                </a:ext>
+              </a:extLst>
+            </p:cNvPr>
+            <p:cNvSpPr/>
+            <p:nvPr/>
+          </p:nvSpPr>
+          <p:spPr>
+            <a:xfrm>
+              <a:off x="10252209" y="4002035"/>
+              <a:ext cx="1461950" cy="551456"/>
+            </a:xfrm>
+            <a:prstGeom prst="roundRect">
+              <a:avLst>
+                <a:gd name="adj" fmla="val 7245"/>
+              </a:avLst>
+            </a:prstGeom>
+            <a:solidFill>
+              <a:schemeClr val="bg2">
+                <a:lumMod val="90000"/>
+                <a:alpha val="95000"/>
+              </a:schemeClr>
+            </a:solidFill>
+            <a:ln w="19050" cap="flat" cmpd="sng" algn="ctr">
+              <a:solidFill>
+                <a:schemeClr val="tx1">
+                  <a:lumMod val="95000"/>
+                  <a:lumOff val="5000"/>
+                </a:schemeClr>
+              </a:solidFill>
+              <a:prstDash val="sysDash"/>
+              <a:miter lim="800000"/>
+            </a:ln>
+            <a:effectLst/>
+          </p:spPr>
+          <p:txBody>
+            <a:bodyPr rtlCol="0" anchor="ctr"/>
+            <a:lstStyle/>
+            <a:p>
+              <a:pPr algn="ctr">
+                <a:defRPr/>
+              </a:pPr>
+              <a:endParaRPr kumimoji="0" lang="en-CN" sz="1400" b="1" i="0" u="none" strike="noStrike" kern="0" cap="none" spc="0" normalizeH="0" baseline="0" noProof="0" dirty="0">
+                <a:ln>
+                  <a:noFill/>
+                </a:ln>
+                <a:solidFill>
+                  <a:prstClr val="black"/>
+                </a:solidFill>
+                <a:effectLst/>
+                <a:uLnTx/>
+                <a:uFillTx/>
+                <a:latin typeface="KaiTi" panose="02010609060101010101" pitchFamily="49" charset="-122"/>
+                <a:ea typeface="KaiTi" panose="02010609060101010101" pitchFamily="49" charset="-122"/>
+                <a:cs typeface="+mn-cs"/>
+              </a:endParaRPr>
+            </a:p>
+          </p:txBody>
+        </p:sp>
+        <p:sp>
+          <p:nvSpPr>
+            <p:cNvPr id="227" name="TextBox 226">
+              <a:extLst>
+                <a:ext uri="{FF2B5EF4-FFF2-40B4-BE49-F238E27FC236}">
+                  <a16:creationId xmlns:a16="http://schemas.microsoft.com/office/drawing/2014/main" id="{77E8BE54-DCFD-554F-901F-7448194C5F93}"/>
+                </a:ext>
+              </a:extLst>
+            </p:cNvPr>
+            <p:cNvSpPr txBox="1"/>
+            <p:nvPr/>
+          </p:nvSpPr>
+          <p:spPr>
+            <a:xfrm>
+              <a:off x="10787304" y="4125757"/>
+              <a:ext cx="926855" cy="307777"/>
+            </a:xfrm>
+            <a:prstGeom prst="rect">
+              <a:avLst/>
+            </a:prstGeom>
+            <a:noFill/>
+          </p:spPr>
+          <p:txBody>
+            <a:bodyPr wrap="square">
+              <a:spAutoFit/>
+            </a:bodyPr>
+            <a:lstStyle/>
+            <a:p>
+              <a:pPr marL="0" marR="0" lvl="0" indent="0" defTabSz="914400" rtl="0" eaLnBrk="1" fontAlgn="auto" latinLnBrk="0" hangingPunct="1">
+                <a:lnSpc>
+                  <a:spcPct val="100000"/>
+                </a:lnSpc>
+                <a:spcBef>
+                  <a:spcPts val="0"/>
+                </a:spcBef>
+                <a:spcAft>
+                  <a:spcPts val="0"/>
+                </a:spcAft>
+                <a:buClrTx/>
+                <a:buSzTx/>
+                <a:buFontTx/>
+                <a:buNone/>
+                <a:tabLst/>
+                <a:defRPr/>
+              </a:pPr>
+              <a:r>
+                <a:rPr lang="en-CN" sz="1400" b="1" kern="0" dirty="0">
+                  <a:solidFill>
+                    <a:prstClr val="black"/>
+                  </a:solidFill>
+                  <a:latin typeface="KaiTi" panose="02010609060101010101" pitchFamily="49" charset="-122"/>
+                  <a:ea typeface="KaiTi" panose="02010609060101010101" pitchFamily="49" charset="-122"/>
+                </a:rPr>
+                <a:t>点乘</a:t>
+              </a:r>
+              <a:r>
+                <a:rPr kumimoji="0" lang="en-CN" sz="1400" b="1" i="0" u="none" strike="noStrike" kern="0" cap="none" spc="0" normalizeH="0" baseline="0" noProof="0" dirty="0">
+                  <a:ln>
+                    <a:noFill/>
+                  </a:ln>
+                  <a:solidFill>
+                    <a:prstClr val="black"/>
+                  </a:solidFill>
+                  <a:effectLst/>
+                  <a:uLnTx/>
+                  <a:uFillTx/>
+                  <a:latin typeface="KaiTi" panose="02010609060101010101" pitchFamily="49" charset="-122"/>
+                  <a:ea typeface="KaiTi" panose="02010609060101010101" pitchFamily="49" charset="-122"/>
+                  <a:cs typeface="+mn-cs"/>
+                </a:rPr>
+                <a:t>运算</a:t>
+              </a:r>
+            </a:p>
+          </p:txBody>
+        </p:sp>
+        <p:sp>
+          <p:nvSpPr>
+            <p:cNvPr id="230" name="Oval 229">
+              <a:extLst>
+                <a:ext uri="{FF2B5EF4-FFF2-40B4-BE49-F238E27FC236}">
+                  <a16:creationId xmlns:a16="http://schemas.microsoft.com/office/drawing/2014/main" id="{3E843556-5109-B642-8735-FE5BF5DB8ED4}"/>
+                </a:ext>
+              </a:extLst>
+            </p:cNvPr>
+            <p:cNvSpPr/>
+            <p:nvPr/>
+          </p:nvSpPr>
+          <p:spPr>
+            <a:xfrm>
+              <a:off x="10396914" y="4112695"/>
+              <a:ext cx="320839" cy="320839"/>
+            </a:xfrm>
+            <a:prstGeom prst="ellipse">
+              <a:avLst/>
+            </a:prstGeom>
+            <a:solidFill>
+              <a:schemeClr val="accent4">
+                <a:lumMod val="60000"/>
+                <a:lumOff val="40000"/>
+              </a:schemeClr>
+            </a:solidFill>
+            <a:ln w="19050" cap="flat" cmpd="sng" algn="ctr">
+              <a:solidFill>
+                <a:schemeClr val="accent4">
+                  <a:lumMod val="50000"/>
+                </a:schemeClr>
+              </a:solidFill>
+              <a:prstDash val="solid"/>
+              <a:miter lim="800000"/>
+            </a:ln>
+            <a:effectLst/>
+          </p:spPr>
+          <p:txBody>
+            <a:bodyPr rtlCol="0" anchor="ctr"/>
+            <a:lstStyle/>
+            <a:p>
+              <a:pPr marL="0" marR="0" lvl="0" indent="0" algn="ctr" defTabSz="914400" eaLnBrk="1" fontAlgn="auto" latinLnBrk="0" hangingPunct="1">
+                <a:lnSpc>
+                  <a:spcPct val="100000"/>
+                </a:lnSpc>
+                <a:spcBef>
+                  <a:spcPts val="0"/>
+                </a:spcBef>
+                <a:spcAft>
+                  <a:spcPts val="0"/>
+                </a:spcAft>
+                <a:buClrTx/>
+                <a:buSzTx/>
+                <a:buFontTx/>
+                <a:buNone/>
+                <a:tabLst/>
+                <a:defRPr/>
+              </a:pPr>
+              <a:endParaRPr kumimoji="0" lang="en-CN" sz="1400" b="0" i="0" u="none" strike="noStrike" kern="0" cap="none" spc="0" normalizeH="0" baseline="0" noProof="0" dirty="0">
+                <a:ln>
+                  <a:noFill/>
+                </a:ln>
+                <a:solidFill>
+                  <a:prstClr val="black"/>
+                </a:solidFill>
+                <a:effectLst/>
+                <a:uLnTx/>
+                <a:uFillTx/>
+                <a:latin typeface="KaiTi" panose="02010609060101010101" pitchFamily="49" charset="-122"/>
+                <a:ea typeface="KaiTi" panose="02010609060101010101" pitchFamily="49" charset="-122"/>
+                <a:cs typeface="Times New Roman" panose="02020603050405020304" pitchFamily="18" charset="0"/>
+              </a:endParaRPr>
+            </a:p>
+          </p:txBody>
+        </p:sp>
+        <p:cxnSp>
+          <p:nvCxnSpPr>
+            <p:cNvPr id="231" name="Straight Arrow Connector 230">
+              <a:extLst>
+                <a:ext uri="{FF2B5EF4-FFF2-40B4-BE49-F238E27FC236}">
+                  <a16:creationId xmlns:a16="http://schemas.microsoft.com/office/drawing/2014/main" id="{6EC7A2BD-4CB9-2448-84DB-A5353B1327D8}"/>
+                </a:ext>
+              </a:extLst>
+            </p:cNvPr>
+            <p:cNvCxnSpPr>
+              <a:cxnSpLocks/>
+              <a:stCxn id="230" idx="5"/>
+              <a:endCxn id="230" idx="1"/>
+            </p:cNvCxnSpPr>
+            <p:nvPr/>
+          </p:nvCxnSpPr>
+          <p:spPr>
+            <a:xfrm flipH="1" flipV="1">
+              <a:off x="10443900" y="4159681"/>
+              <a:ext cx="226867" cy="226867"/>
+            </a:xfrm>
+            <a:prstGeom prst="straightConnector1">
+              <a:avLst/>
+            </a:prstGeom>
+            <a:noFill/>
+            <a:ln w="19050" cap="flat" cmpd="sng" algn="ctr">
+              <a:solidFill>
+                <a:schemeClr val="accent4">
+                  <a:lumMod val="50000"/>
+                </a:schemeClr>
+              </a:solidFill>
+              <a:prstDash val="solid"/>
+              <a:miter lim="800000"/>
+              <a:tailEnd type="none"/>
+            </a:ln>
+            <a:effectLst/>
+          </p:spPr>
+        </p:cxnSp>
+        <p:cxnSp>
+          <p:nvCxnSpPr>
+            <p:cNvPr id="232" name="Straight Arrow Connector 231">
+              <a:extLst>
+                <a:ext uri="{FF2B5EF4-FFF2-40B4-BE49-F238E27FC236}">
+                  <a16:creationId xmlns:a16="http://schemas.microsoft.com/office/drawing/2014/main" id="{86014E35-20D6-7648-8B65-0E1FBD5F23BA}"/>
+                </a:ext>
+              </a:extLst>
+            </p:cNvPr>
+            <p:cNvCxnSpPr>
+              <a:cxnSpLocks/>
+              <a:stCxn id="230" idx="3"/>
+              <a:endCxn id="230" idx="7"/>
+            </p:cNvCxnSpPr>
+            <p:nvPr/>
+          </p:nvCxnSpPr>
+          <p:spPr>
+            <a:xfrm flipV="1">
+              <a:off x="10443900" y="4159681"/>
+              <a:ext cx="226867" cy="226867"/>
+            </a:xfrm>
+            <a:prstGeom prst="straightConnector1">
+              <a:avLst/>
+            </a:prstGeom>
+            <a:noFill/>
+            <a:ln w="19050" cap="flat" cmpd="sng" algn="ctr">
+              <a:solidFill>
+                <a:schemeClr val="accent4">
+                  <a:lumMod val="50000"/>
+                </a:schemeClr>
+              </a:solidFill>
+              <a:prstDash val="solid"/>
+              <a:miter lim="800000"/>
+              <a:tailEnd type="none"/>
+            </a:ln>
+            <a:effectLst/>
+          </p:spPr>
+        </p:cxnSp>
+      </p:grpSp>
     </p:spTree>
     <p:extLst>
       <p:ext uri="{BB962C8B-B14F-4D97-AF65-F5344CB8AC3E}">

--- a/images/MgRL_CE_Images.pptx
+++ b/images/MgRL_CE_Images.pptx
@@ -5,9 +5,9 @@
     <p:sldMasterId id="2147483648" r:id="rId1"/>
   </p:sldMasterIdLst>
   <p:sldIdLst>
-    <p:sldId id="256" r:id="rId2"/>
-    <p:sldId id="257" r:id="rId3"/>
-    <p:sldId id="258" r:id="rId4"/>
+    <p:sldId id="257" r:id="rId2"/>
+    <p:sldId id="258" r:id="rId3"/>
+    <p:sldId id="256" r:id="rId4"/>
   </p:sldIdLst>
   <p:sldSz cx="12192000" cy="6858000"/>
   <p:notesSz cx="6858000" cy="9144000"/>
@@ -263,7 +263,7 @@
           <a:p>
             <a:fld id="{33CED4F4-8C16-E840-8EAB-9D4457026F8E}" type="datetimeFigureOut">
               <a:rPr lang="en-CN" smtClean="0"/>
-              <a:t>2024/4/8</a:t>
+              <a:t>2024/4/9</a:t>
             </a:fld>
             <a:endParaRPr lang="en-CN"/>
           </a:p>
@@ -463,7 +463,7 @@
           <a:p>
             <a:fld id="{33CED4F4-8C16-E840-8EAB-9D4457026F8E}" type="datetimeFigureOut">
               <a:rPr lang="en-CN" smtClean="0"/>
-              <a:t>2024/4/8</a:t>
+              <a:t>2024/4/9</a:t>
             </a:fld>
             <a:endParaRPr lang="en-CN"/>
           </a:p>
@@ -673,7 +673,7 @@
           <a:p>
             <a:fld id="{33CED4F4-8C16-E840-8EAB-9D4457026F8E}" type="datetimeFigureOut">
               <a:rPr lang="en-CN" smtClean="0"/>
-              <a:t>2024/4/8</a:t>
+              <a:t>2024/4/9</a:t>
             </a:fld>
             <a:endParaRPr lang="en-CN"/>
           </a:p>
@@ -873,7 +873,7 @@
           <a:p>
             <a:fld id="{33CED4F4-8C16-E840-8EAB-9D4457026F8E}" type="datetimeFigureOut">
               <a:rPr lang="en-CN" smtClean="0"/>
-              <a:t>2024/4/8</a:t>
+              <a:t>2024/4/9</a:t>
             </a:fld>
             <a:endParaRPr lang="en-CN"/>
           </a:p>
@@ -1149,7 +1149,7 @@
           <a:p>
             <a:fld id="{33CED4F4-8C16-E840-8EAB-9D4457026F8E}" type="datetimeFigureOut">
               <a:rPr lang="en-CN" smtClean="0"/>
-              <a:t>2024/4/8</a:t>
+              <a:t>2024/4/9</a:t>
             </a:fld>
             <a:endParaRPr lang="en-CN"/>
           </a:p>
@@ -1417,7 +1417,7 @@
           <a:p>
             <a:fld id="{33CED4F4-8C16-E840-8EAB-9D4457026F8E}" type="datetimeFigureOut">
               <a:rPr lang="en-CN" smtClean="0"/>
-              <a:t>2024/4/8</a:t>
+              <a:t>2024/4/9</a:t>
             </a:fld>
             <a:endParaRPr lang="en-CN"/>
           </a:p>
@@ -1832,7 +1832,7 @@
           <a:p>
             <a:fld id="{33CED4F4-8C16-E840-8EAB-9D4457026F8E}" type="datetimeFigureOut">
               <a:rPr lang="en-CN" smtClean="0"/>
-              <a:t>2024/4/8</a:t>
+              <a:t>2024/4/9</a:t>
             </a:fld>
             <a:endParaRPr lang="en-CN"/>
           </a:p>
@@ -1974,7 +1974,7 @@
           <a:p>
             <a:fld id="{33CED4F4-8C16-E840-8EAB-9D4457026F8E}" type="datetimeFigureOut">
               <a:rPr lang="en-CN" smtClean="0"/>
-              <a:t>2024/4/8</a:t>
+              <a:t>2024/4/9</a:t>
             </a:fld>
             <a:endParaRPr lang="en-CN"/>
           </a:p>
@@ -2087,7 +2087,7 @@
           <a:p>
             <a:fld id="{33CED4F4-8C16-E840-8EAB-9D4457026F8E}" type="datetimeFigureOut">
               <a:rPr lang="en-CN" smtClean="0"/>
-              <a:t>2024/4/8</a:t>
+              <a:t>2024/4/9</a:t>
             </a:fld>
             <a:endParaRPr lang="en-CN"/>
           </a:p>
@@ -2400,7 +2400,7 @@
           <a:p>
             <a:fld id="{33CED4F4-8C16-E840-8EAB-9D4457026F8E}" type="datetimeFigureOut">
               <a:rPr lang="en-CN" smtClean="0"/>
-              <a:t>2024/4/8</a:t>
+              <a:t>2024/4/9</a:t>
             </a:fld>
             <a:endParaRPr lang="en-CN"/>
           </a:p>
@@ -2689,7 +2689,7 @@
           <a:p>
             <a:fld id="{33CED4F4-8C16-E840-8EAB-9D4457026F8E}" type="datetimeFigureOut">
               <a:rPr lang="en-CN" smtClean="0"/>
-              <a:t>2024/4/8</a:t>
+              <a:t>2024/4/9</a:t>
             </a:fld>
             <a:endParaRPr lang="en-CN"/>
           </a:p>
@@ -2932,7 +2932,7 @@
           <a:p>
             <a:fld id="{33CED4F4-8C16-E840-8EAB-9D4457026F8E}" type="datetimeFigureOut">
               <a:rPr lang="en-CN" smtClean="0"/>
-              <a:t>2024/4/8</a:t>
+              <a:t>2024/4/9</a:t>
             </a:fld>
             <a:endParaRPr lang="en-CN"/>
           </a:p>
@@ -3333,305 +3333,6 @@
 </file>
 
 <file path=ppt/slides/slide1.xml><?xml version="1.0" encoding="utf-8"?>
-<p:sld xmlns:a="http://schemas.openxmlformats.org/drawingml/2006/main" xmlns:r="http://schemas.openxmlformats.org/officeDocument/2006/relationships" xmlns:p="http://schemas.openxmlformats.org/presentationml/2006/main">
-  <p:cSld>
-    <p:spTree>
-      <p:nvGrpSpPr>
-        <p:cNvPr id="1" name=""/>
-        <p:cNvGrpSpPr/>
-        <p:nvPr/>
-      </p:nvGrpSpPr>
-      <p:grpSpPr>
-        <a:xfrm>
-          <a:off x="0" y="0"/>
-          <a:ext cx="0" cy="0"/>
-          <a:chOff x="0" y="0"/>
-          <a:chExt cx="0" cy="0"/>
-        </a:xfrm>
-      </p:grpSpPr>
-      <p:sp>
-        <p:nvSpPr>
-          <p:cNvPr id="3" name="Subtitle 2">
-            <a:extLst>
-              <a:ext uri="{FF2B5EF4-FFF2-40B4-BE49-F238E27FC236}">
-                <a16:creationId xmlns:a16="http://schemas.microsoft.com/office/drawing/2014/main" id="{45E9C9BB-8751-EC49-918E-D1B8D2DDF848}"/>
-              </a:ext>
-            </a:extLst>
-          </p:cNvPr>
-          <p:cNvSpPr>
-            <a:spLocks noGrp="1"/>
-          </p:cNvSpPr>
-          <p:nvPr>
-            <p:ph type="subTitle" idx="1"/>
-          </p:nvPr>
-        </p:nvSpPr>
-        <p:spPr>
-          <a:xfrm>
-            <a:off x="0" y="0"/>
-            <a:ext cx="4317357" cy="509286"/>
-          </a:xfrm>
-        </p:spPr>
-        <p:txBody>
-          <a:bodyPr anchor="ctr"/>
-          <a:lstStyle/>
-          <a:p>
-            <a:pPr algn="l"/>
-            <a:r>
-              <a:rPr lang="en-CN" dirty="0">
-                <a:latin typeface="Times New Roman" panose="02020603050405020304" pitchFamily="18" charset="0"/>
-                <a:cs typeface="Times New Roman" panose="02020603050405020304" pitchFamily="18" charset="0"/>
-              </a:rPr>
-              <a:t>ELECT DATA DISTRIBUTION</a:t>
-            </a:r>
-          </a:p>
-        </p:txBody>
-      </p:sp>
-      <p:pic>
-        <p:nvPicPr>
-          <p:cNvPr id="4" name="Picture 3">
-            <a:extLst>
-              <a:ext uri="{FF2B5EF4-FFF2-40B4-BE49-F238E27FC236}">
-                <a16:creationId xmlns:a16="http://schemas.microsoft.com/office/drawing/2014/main" id="{2D6B2150-151A-0941-93B4-7142DCB54F65}"/>
-              </a:ext>
-            </a:extLst>
-          </p:cNvPr>
-          <p:cNvPicPr>
-            <a:picLocks noChangeAspect="1"/>
-          </p:cNvPicPr>
-          <p:nvPr/>
-        </p:nvPicPr>
-        <p:blipFill>
-          <a:blip r:embed="rId2"/>
-          <a:stretch>
-            <a:fillRect/>
-          </a:stretch>
-        </p:blipFill>
-        <p:spPr>
-          <a:xfrm>
-            <a:off x="0" y="2066398"/>
-            <a:ext cx="4110746" cy="2725204"/>
-          </a:xfrm>
-          <a:prstGeom prst="rect">
-            <a:avLst/>
-          </a:prstGeom>
-        </p:spPr>
-      </p:pic>
-      <p:pic>
-        <p:nvPicPr>
-          <p:cNvPr id="6" name="Picture 5">
-            <a:extLst>
-              <a:ext uri="{FF2B5EF4-FFF2-40B4-BE49-F238E27FC236}">
-                <a16:creationId xmlns:a16="http://schemas.microsoft.com/office/drawing/2014/main" id="{1DB02739-88C2-B645-804B-F68B7462693F}"/>
-              </a:ext>
-            </a:extLst>
-          </p:cNvPr>
-          <p:cNvPicPr>
-            <a:picLocks noChangeAspect="1"/>
-          </p:cNvPicPr>
-          <p:nvPr/>
-        </p:nvPicPr>
-        <p:blipFill>
-          <a:blip r:embed="rId3"/>
-          <a:stretch>
-            <a:fillRect/>
-          </a:stretch>
-        </p:blipFill>
-        <p:spPr>
-          <a:xfrm>
-            <a:off x="4086506" y="2066398"/>
-            <a:ext cx="4018988" cy="2725204"/>
-          </a:xfrm>
-          <a:prstGeom prst="rect">
-            <a:avLst/>
-          </a:prstGeom>
-        </p:spPr>
-      </p:pic>
-      <p:sp>
-        <p:nvSpPr>
-          <p:cNvPr id="10" name="TextBox 9">
-            <a:extLst>
-              <a:ext uri="{FF2B5EF4-FFF2-40B4-BE49-F238E27FC236}">
-                <a16:creationId xmlns:a16="http://schemas.microsoft.com/office/drawing/2014/main" id="{E238A693-2C05-0E48-8F71-7E074E5BDFC7}"/>
-              </a:ext>
-            </a:extLst>
-          </p:cNvPr>
-          <p:cNvSpPr txBox="1"/>
-          <p:nvPr/>
-        </p:nvSpPr>
-        <p:spPr>
-          <a:xfrm>
-            <a:off x="0" y="4791602"/>
-            <a:ext cx="4086506" cy="369332"/>
-          </a:xfrm>
-          <a:prstGeom prst="rect">
-            <a:avLst/>
-          </a:prstGeom>
-          <a:noFill/>
-        </p:spPr>
-        <p:txBody>
-          <a:bodyPr wrap="square">
-            <a:spAutoFit/>
-          </a:bodyPr>
-          <a:lstStyle/>
-          <a:p>
-            <a:pPr algn="ctr"/>
-            <a:r>
-              <a:rPr lang="en-US" dirty="0">
-                <a:latin typeface="Times New Roman" panose="02020603050405020304" pitchFamily="18" charset="0"/>
-                <a:cs typeface="Times New Roman" panose="02020603050405020304" pitchFamily="18" charset="0"/>
-              </a:rPr>
-              <a:t>R</a:t>
-            </a:r>
-            <a:r>
-              <a:rPr lang="en-CN" dirty="0">
-                <a:latin typeface="Times New Roman" panose="02020603050405020304" pitchFamily="18" charset="0"/>
-                <a:cs typeface="Times New Roman" panose="02020603050405020304" pitchFamily="18" charset="0"/>
-              </a:rPr>
-              <a:t>aw elect distribution (kW*15min)</a:t>
-            </a:r>
-          </a:p>
-        </p:txBody>
-      </p:sp>
-      <p:sp>
-        <p:nvSpPr>
-          <p:cNvPr id="12" name="TextBox 11">
-            <a:extLst>
-              <a:ext uri="{FF2B5EF4-FFF2-40B4-BE49-F238E27FC236}">
-                <a16:creationId xmlns:a16="http://schemas.microsoft.com/office/drawing/2014/main" id="{E0B69AAD-5BBA-A846-893C-0CDDA94CF936}"/>
-              </a:ext>
-            </a:extLst>
-          </p:cNvPr>
-          <p:cNvSpPr txBox="1"/>
-          <p:nvPr/>
-        </p:nvSpPr>
-        <p:spPr>
-          <a:xfrm>
-            <a:off x="4110746" y="4791602"/>
-            <a:ext cx="3994748" cy="369332"/>
-          </a:xfrm>
-          <a:prstGeom prst="rect">
-            <a:avLst/>
-          </a:prstGeom>
-          <a:noFill/>
-        </p:spPr>
-        <p:txBody>
-          <a:bodyPr wrap="square">
-            <a:spAutoFit/>
-          </a:bodyPr>
-          <a:lstStyle/>
-          <a:p>
-            <a:pPr algn="ctr"/>
-            <a:r>
-              <a:rPr lang="en-US" dirty="0">
-                <a:latin typeface="Times New Roman" panose="02020603050405020304" pitchFamily="18" charset="0"/>
-                <a:ea typeface="Tahoma" panose="020B0604030504040204" pitchFamily="34" charset="0"/>
-                <a:cs typeface="Times New Roman" panose="02020603050405020304" pitchFamily="18" charset="0"/>
-              </a:rPr>
-              <a:t>R</a:t>
-            </a:r>
-            <a:r>
-              <a:rPr lang="en-CN" dirty="0">
-                <a:latin typeface="Times New Roman" panose="02020603050405020304" pitchFamily="18" charset="0"/>
-                <a:ea typeface="Tahoma" panose="020B0604030504040204" pitchFamily="34" charset="0"/>
-                <a:cs typeface="Times New Roman" panose="02020603050405020304" pitchFamily="18" charset="0"/>
-              </a:rPr>
-              <a:t>aw elect distribution (kW*h)</a:t>
-            </a:r>
-          </a:p>
-        </p:txBody>
-      </p:sp>
-      <p:sp>
-        <p:nvSpPr>
-          <p:cNvPr id="14" name="TextBox 13">
-            <a:extLst>
-              <a:ext uri="{FF2B5EF4-FFF2-40B4-BE49-F238E27FC236}">
-                <a16:creationId xmlns:a16="http://schemas.microsoft.com/office/drawing/2014/main" id="{B9010757-1A61-E247-B2C4-CD0518F0D10F}"/>
-              </a:ext>
-            </a:extLst>
-          </p:cNvPr>
-          <p:cNvSpPr txBox="1"/>
-          <p:nvPr/>
-        </p:nvSpPr>
-        <p:spPr>
-          <a:xfrm>
-            <a:off x="8105494" y="4791602"/>
-            <a:ext cx="3771242" cy="369332"/>
-          </a:xfrm>
-          <a:prstGeom prst="rect">
-            <a:avLst/>
-          </a:prstGeom>
-          <a:noFill/>
-        </p:spPr>
-        <p:txBody>
-          <a:bodyPr wrap="square">
-            <a:spAutoFit/>
-          </a:bodyPr>
-          <a:lstStyle/>
-          <a:p>
-            <a:pPr algn="ctr"/>
-            <a:r>
-              <a:rPr lang="en-US" dirty="0">
-                <a:latin typeface="Times New Roman" panose="02020603050405020304" pitchFamily="18" charset="0"/>
-                <a:ea typeface="Tahoma" panose="020B0604030504040204" pitchFamily="34" charset="0"/>
-                <a:cs typeface="Times New Roman" panose="02020603050405020304" pitchFamily="18" charset="0"/>
-              </a:rPr>
-              <a:t>A</a:t>
-            </a:r>
-            <a:r>
-              <a:rPr lang="en-CN" dirty="0">
-                <a:latin typeface="Times New Roman" panose="02020603050405020304" pitchFamily="18" charset="0"/>
-                <a:ea typeface="Tahoma" panose="020B0604030504040204" pitchFamily="34" charset="0"/>
-                <a:cs typeface="Times New Roman" panose="02020603050405020304" pitchFamily="18" charset="0"/>
-              </a:rPr>
-              <a:t>dj elect distribution</a:t>
-            </a:r>
-          </a:p>
-        </p:txBody>
-      </p:sp>
-      <p:pic>
-        <p:nvPicPr>
-          <p:cNvPr id="5" name="Picture 4">
-            <a:extLst>
-              <a:ext uri="{FF2B5EF4-FFF2-40B4-BE49-F238E27FC236}">
-                <a16:creationId xmlns:a16="http://schemas.microsoft.com/office/drawing/2014/main" id="{00FC05BF-E3D7-BC4C-B60C-C40CBF86195D}"/>
-              </a:ext>
-            </a:extLst>
-          </p:cNvPr>
-          <p:cNvPicPr>
-            <a:picLocks noChangeAspect="1"/>
-          </p:cNvPicPr>
-          <p:nvPr/>
-        </p:nvPicPr>
-        <p:blipFill>
-          <a:blip r:embed="rId4"/>
-          <a:stretch>
-            <a:fillRect/>
-          </a:stretch>
-        </p:blipFill>
-        <p:spPr>
-          <a:xfrm>
-            <a:off x="8105494" y="2066398"/>
-            <a:ext cx="3771242" cy="2725204"/>
-          </a:xfrm>
-          <a:prstGeom prst="rect">
-            <a:avLst/>
-          </a:prstGeom>
-        </p:spPr>
-      </p:pic>
-    </p:spTree>
-    <p:extLst>
-      <p:ext uri="{BB962C8B-B14F-4D97-AF65-F5344CB8AC3E}">
-        <p14:creationId xmlns:p14="http://schemas.microsoft.com/office/powerpoint/2010/main" val="3201676624"/>
-      </p:ext>
-    </p:extLst>
-  </p:cSld>
-  <p:clrMapOvr>
-    <a:masterClrMapping/>
-  </p:clrMapOvr>
-</p:sld>
-</file>
-
-<file path=ppt/slides/slide2.xml><?xml version="1.0" encoding="utf-8"?>
 <p:sld xmlns:a="http://schemas.openxmlformats.org/drawingml/2006/main" xmlns:r="http://schemas.openxmlformats.org/officeDocument/2006/relationships" xmlns:p="http://schemas.openxmlformats.org/presentationml/2006/main">
   <p:cSld>
     <p:spTree>
@@ -9111,8 +8812,8 @@
             <a:effectLst/>
           </p:spPr>
         </p:cxnSp>
-        <mc:AlternateContent xmlns:mc="http://schemas.openxmlformats.org/markup-compatibility/2006">
-          <mc:Choice xmlns:a14="http://schemas.microsoft.com/office/drawing/2010/main" Requires="a14">
+        <mc:AlternateContent xmlns:mc="http://schemas.openxmlformats.org/markup-compatibility/2006" xmlns:a14="http://schemas.microsoft.com/office/drawing/2010/main">
+          <mc:Choice Requires="a14">
             <p:sp>
               <p:nvSpPr>
                 <p:cNvPr id="363" name="Rounded Rectangle 362">
@@ -9256,7 +8957,7 @@
               </p:txBody>
             </p:sp>
           </mc:Choice>
-          <mc:Fallback>
+          <mc:Fallback xmlns="">
             <p:sp>
               <p:nvSpPr>
                 <p:cNvPr id="363" name="Rounded Rectangle 362">
@@ -9317,8 +9018,8 @@
             </p:sp>
           </mc:Fallback>
         </mc:AlternateContent>
-        <mc:AlternateContent xmlns:mc="http://schemas.openxmlformats.org/markup-compatibility/2006">
-          <mc:Choice xmlns:a14="http://schemas.microsoft.com/office/drawing/2010/main" Requires="a14">
+        <mc:AlternateContent xmlns:mc="http://schemas.openxmlformats.org/markup-compatibility/2006" xmlns:a14="http://schemas.microsoft.com/office/drawing/2010/main">
+          <mc:Choice Requires="a14">
             <p:sp>
               <p:nvSpPr>
                 <p:cNvPr id="369" name="Rounded Rectangle 368">
@@ -9455,7 +9156,7 @@
               </p:txBody>
             </p:sp>
           </mc:Choice>
-          <mc:Fallback>
+          <mc:Fallback xmlns="">
             <p:sp>
               <p:nvSpPr>
                 <p:cNvPr id="369" name="Rounded Rectangle 368">
@@ -9516,8 +9217,8 @@
             </p:sp>
           </mc:Fallback>
         </mc:AlternateContent>
-        <mc:AlternateContent xmlns:mc="http://schemas.openxmlformats.org/markup-compatibility/2006">
-          <mc:Choice xmlns:a14="http://schemas.microsoft.com/office/drawing/2010/main" Requires="a14">
+        <mc:AlternateContent xmlns:mc="http://schemas.openxmlformats.org/markup-compatibility/2006" xmlns:a14="http://schemas.microsoft.com/office/drawing/2010/main">
+          <mc:Choice Requires="a14">
             <p:sp>
               <p:nvSpPr>
                 <p:cNvPr id="370" name="Rounded Rectangle 369">
@@ -9654,7 +9355,7 @@
               </p:txBody>
             </p:sp>
           </mc:Choice>
-          <mc:Fallback>
+          <mc:Fallback xmlns="">
             <p:sp>
               <p:nvSpPr>
                 <p:cNvPr id="370" name="Rounded Rectangle 369">
@@ -11184,10 +10885,4647 @@
           </p:txBody>
         </p:sp>
       </p:grpSp>
+      <p:sp>
+        <p:nvSpPr>
+          <p:cNvPr id="91" name="Subtitle 2">
+            <a:extLst>
+              <a:ext uri="{FF2B5EF4-FFF2-40B4-BE49-F238E27FC236}">
+                <a16:creationId xmlns:a16="http://schemas.microsoft.com/office/drawing/2014/main" id="{4E31FE15-9654-E044-BB15-51FC389AF14F}"/>
+              </a:ext>
+            </a:extLst>
+          </p:cNvPr>
+          <p:cNvSpPr>
+            <a:spLocks noGrp="1"/>
+          </p:cNvSpPr>
+          <p:nvPr>
+            <p:ph type="subTitle" idx="1"/>
+          </p:nvPr>
+        </p:nvSpPr>
+        <p:spPr>
+          <a:xfrm>
+            <a:off x="0" y="0"/>
+            <a:ext cx="4317357" cy="509286"/>
+          </a:xfrm>
+        </p:spPr>
+        <p:txBody>
+          <a:bodyPr anchor="ctr"/>
+          <a:lstStyle/>
+          <a:p>
+            <a:pPr algn="l"/>
+            <a:r>
+              <a:rPr lang="en-CN" dirty="0">
+                <a:latin typeface="Times New Roman" panose="02020603050405020304" pitchFamily="18" charset="0"/>
+                <a:cs typeface="Times New Roman" panose="02020603050405020304" pitchFamily="18" charset="0"/>
+              </a:rPr>
+              <a:t>FRAMEWORK OF MgLR</a:t>
+            </a:r>
+          </a:p>
+        </p:txBody>
+      </p:sp>
     </p:spTree>
     <p:extLst>
       <p:ext uri="{BB962C8B-B14F-4D97-AF65-F5344CB8AC3E}">
         <p14:creationId xmlns:p14="http://schemas.microsoft.com/office/powerpoint/2010/main" val="3268520501"/>
+      </p:ext>
+    </p:extLst>
+  </p:cSld>
+  <p:clrMapOvr>
+    <a:masterClrMapping/>
+  </p:clrMapOvr>
+</p:sld>
+</file>
+
+<file path=ppt/slides/slide2.xml><?xml version="1.0" encoding="utf-8"?>
+<p:sld xmlns:a="http://schemas.openxmlformats.org/drawingml/2006/main" xmlns:r="http://schemas.openxmlformats.org/officeDocument/2006/relationships" xmlns:p="http://schemas.openxmlformats.org/presentationml/2006/main">
+  <p:cSld>
+    <p:spTree>
+      <p:nvGrpSpPr>
+        <p:cNvPr id="1" name=""/>
+        <p:cNvGrpSpPr/>
+        <p:nvPr/>
+      </p:nvGrpSpPr>
+      <p:grpSpPr>
+        <a:xfrm>
+          <a:off x="0" y="0"/>
+          <a:ext cx="0" cy="0"/>
+          <a:chOff x="0" y="0"/>
+          <a:chExt cx="0" cy="0"/>
+        </a:xfrm>
+      </p:grpSpPr>
+      <p:cxnSp>
+        <p:nvCxnSpPr>
+          <p:cNvPr id="208" name="Straight Connector 207">
+            <a:extLst>
+              <a:ext uri="{FF2B5EF4-FFF2-40B4-BE49-F238E27FC236}">
+                <a16:creationId xmlns:a16="http://schemas.microsoft.com/office/drawing/2014/main" id="{60B531E5-CB3E-6D45-ABF8-1F9CF2463D51}"/>
+              </a:ext>
+            </a:extLst>
+          </p:cNvPr>
+          <p:cNvCxnSpPr>
+            <a:cxnSpLocks/>
+          </p:cNvCxnSpPr>
+          <p:nvPr/>
+        </p:nvCxnSpPr>
+        <p:spPr>
+          <a:xfrm flipV="1">
+            <a:off x="570875" y="2556199"/>
+            <a:ext cx="4875429" cy="872801"/>
+          </a:xfrm>
+          <a:prstGeom prst="line">
+            <a:avLst/>
+          </a:prstGeom>
+          <a:ln w="19050">
+            <a:solidFill>
+              <a:schemeClr val="bg1">
+                <a:lumMod val="65000"/>
+              </a:schemeClr>
+            </a:solidFill>
+            <a:prstDash val="dash"/>
+            <a:tailEnd type="stealth" w="lg" len="med"/>
+          </a:ln>
+        </p:spPr>
+        <p:style>
+          <a:lnRef idx="1">
+            <a:schemeClr val="accent1"/>
+          </a:lnRef>
+          <a:fillRef idx="0">
+            <a:schemeClr val="accent1"/>
+          </a:fillRef>
+          <a:effectRef idx="0">
+            <a:schemeClr val="accent1"/>
+          </a:effectRef>
+          <a:fontRef idx="minor">
+            <a:schemeClr val="tx1"/>
+          </a:fontRef>
+        </p:style>
+      </p:cxnSp>
+      <p:sp>
+        <p:nvSpPr>
+          <p:cNvPr id="2" name="Rounded Rectangle 1">
+            <a:extLst>
+              <a:ext uri="{FF2B5EF4-FFF2-40B4-BE49-F238E27FC236}">
+                <a16:creationId xmlns:a16="http://schemas.microsoft.com/office/drawing/2014/main" id="{E8654707-EE1E-EE4B-804B-6CF5BF434733}"/>
+              </a:ext>
+            </a:extLst>
+          </p:cNvPr>
+          <p:cNvSpPr/>
+          <p:nvPr/>
+        </p:nvSpPr>
+        <p:spPr>
+          <a:xfrm>
+            <a:off x="6214081" y="2032979"/>
+            <a:ext cx="5202865" cy="2549451"/>
+          </a:xfrm>
+          <a:prstGeom prst="roundRect">
+            <a:avLst>
+              <a:gd name="adj" fmla="val 3958"/>
+            </a:avLst>
+          </a:prstGeom>
+          <a:solidFill>
+            <a:schemeClr val="accent2">
+              <a:lumMod val="20000"/>
+              <a:lumOff val="80000"/>
+              <a:alpha val="70000"/>
+            </a:schemeClr>
+          </a:solidFill>
+          <a:ln w="19050" cap="flat" cmpd="sng" algn="ctr">
+            <a:solidFill>
+              <a:schemeClr val="accent2">
+                <a:lumMod val="50000"/>
+              </a:schemeClr>
+            </a:solidFill>
+            <a:prstDash val="solid"/>
+            <a:miter lim="800000"/>
+          </a:ln>
+          <a:effectLst/>
+        </p:spPr>
+        <p:txBody>
+          <a:bodyPr rtlCol="0" anchor="ctr"/>
+          <a:lstStyle/>
+          <a:p>
+            <a:pPr marL="0" marR="0" lvl="0" indent="0" algn="ctr" defTabSz="914400" eaLnBrk="1" fontAlgn="auto" latinLnBrk="0" hangingPunct="1">
+              <a:lnSpc>
+                <a:spcPct val="100000"/>
+              </a:lnSpc>
+              <a:spcBef>
+                <a:spcPts val="0"/>
+              </a:spcBef>
+              <a:spcAft>
+                <a:spcPts val="0"/>
+              </a:spcAft>
+              <a:buClrTx/>
+              <a:buSzTx/>
+              <a:buFontTx/>
+              <a:buNone/>
+              <a:tabLst/>
+              <a:defRPr/>
+            </a:pPr>
+            <a:endParaRPr kumimoji="0" lang="en-CN" sz="1400" b="0" i="0" u="none" strike="noStrike" kern="0" cap="none" spc="0" normalizeH="0" baseline="0" noProof="0" dirty="0">
+              <a:ln>
+                <a:noFill/>
+              </a:ln>
+              <a:solidFill>
+                <a:prstClr val="black"/>
+              </a:solidFill>
+              <a:effectLst/>
+              <a:uLnTx/>
+              <a:uFillTx/>
+              <a:latin typeface="KaiTi" panose="02010609060101010101" pitchFamily="49" charset="-122"/>
+              <a:ea typeface="KaiTi" panose="02010609060101010101" pitchFamily="49" charset="-122"/>
+              <a:cs typeface="+mn-cs"/>
+            </a:endParaRPr>
+          </a:p>
+        </p:txBody>
+      </p:sp>
+      <p:cxnSp>
+        <p:nvCxnSpPr>
+          <p:cNvPr id="8" name="Elbow Connector 7">
+            <a:extLst>
+              <a:ext uri="{FF2B5EF4-FFF2-40B4-BE49-F238E27FC236}">
+                <a16:creationId xmlns:a16="http://schemas.microsoft.com/office/drawing/2014/main" id="{1E28CEED-1FCB-9B48-9D83-6DE1734F39AC}"/>
+              </a:ext>
+            </a:extLst>
+          </p:cNvPr>
+          <p:cNvCxnSpPr>
+            <a:cxnSpLocks/>
+            <a:stCxn id="9" idx="2"/>
+            <a:endCxn id="3" idx="1"/>
+          </p:cNvCxnSpPr>
+          <p:nvPr/>
+        </p:nvCxnSpPr>
+        <p:spPr>
+          <a:xfrm rot="16200000" flipH="1">
+            <a:off x="7652467" y="1917585"/>
+            <a:ext cx="496227" cy="474760"/>
+          </a:xfrm>
+          <a:prstGeom prst="bentConnector2">
+            <a:avLst/>
+          </a:prstGeom>
+          <a:noFill/>
+          <a:ln w="19050" cap="flat" cmpd="sng" algn="ctr">
+            <a:solidFill>
+              <a:sysClr val="windowText" lastClr="000000"/>
+            </a:solidFill>
+            <a:prstDash val="solid"/>
+            <a:miter lim="800000"/>
+            <a:tailEnd type="stealth" w="lg" len="med"/>
+          </a:ln>
+          <a:effectLst/>
+        </p:spPr>
+      </p:cxnSp>
+      <mc:AlternateContent xmlns:mc="http://schemas.openxmlformats.org/markup-compatibility/2006">
+        <mc:Choice xmlns:a14="http://schemas.microsoft.com/office/drawing/2010/main" Requires="a14">
+          <p:sp>
+            <p:nvSpPr>
+              <p:cNvPr id="9" name="TextBox 8">
+                <a:extLst>
+                  <a:ext uri="{FF2B5EF4-FFF2-40B4-BE49-F238E27FC236}">
+                    <a16:creationId xmlns:a16="http://schemas.microsoft.com/office/drawing/2014/main" id="{4F3D172C-78D5-4B4E-9C19-7801F7DCB2C6}"/>
+                  </a:ext>
+                </a:extLst>
+              </p:cNvPr>
+              <p:cNvSpPr txBox="1"/>
+              <p:nvPr/>
+            </p:nvSpPr>
+            <p:spPr>
+              <a:xfrm>
+                <a:off x="7244382" y="1599075"/>
+                <a:ext cx="837635" cy="307777"/>
+              </a:xfrm>
+              <a:prstGeom prst="rect">
+                <a:avLst/>
+              </a:prstGeom>
+              <a:noFill/>
+            </p:spPr>
+            <p:txBody>
+              <a:bodyPr wrap="square">
+                <a:spAutoFit/>
+              </a:bodyPr>
+              <a:lstStyle/>
+              <a:p>
+                <a:pPr algn="ctr">
+                  <a:defRPr/>
+                </a:pPr>
+                <a:r>
+                  <a:rPr lang="zh-CN" altLang="en-US" sz="1400" b="1" kern="0" dirty="0">
+                    <a:solidFill>
+                      <a:prstClr val="black"/>
+                    </a:solidFill>
+                    <a:latin typeface="KaiTi" panose="02010609060101010101" pitchFamily="49" charset="-122"/>
+                    <a:ea typeface="KaiTi" panose="02010609060101010101" pitchFamily="49" charset="-122"/>
+                  </a:rPr>
+                  <a:t>输入</a:t>
+                </a:r>
+                <a14:m>
+                  <m:oMath xmlns:m="http://schemas.openxmlformats.org/officeDocument/2006/math">
+                    <m:r>
+                      <a:rPr lang="zh-CN" altLang="en-US" sz="1400" b="1" i="0" smtClean="0">
+                        <a:latin typeface="Cambria Math" panose="02040503050406030204" pitchFamily="18" charset="0"/>
+                      </a:rPr>
+                      <m:t> </m:t>
+                    </m:r>
+                    <m:sSup>
+                      <m:sSupPr>
+                        <m:ctrlPr>
+                          <a:rPr lang="en-US" sz="1400" b="0" i="1" smtClean="0">
+                            <a:latin typeface="Cambria Math" panose="02040503050406030204" pitchFamily="18" charset="0"/>
+                          </a:rPr>
+                        </m:ctrlPr>
+                      </m:sSupPr>
+                      <m:e>
+                        <m:r>
+                          <a:rPr lang="en-CN" sz="1400" b="1" i="0">
+                            <a:latin typeface="Cambria Math" panose="02040503050406030204" pitchFamily="18" charset="0"/>
+                          </a:rPr>
+                          <m:t>𝐏</m:t>
+                        </m:r>
+                      </m:e>
+                      <m:sup>
+                        <m:r>
+                          <a:rPr lang="en-US" altLang="zh-CN" sz="1400" b="0" i="1" smtClean="0">
+                            <a:latin typeface="Cambria Math" panose="02040503050406030204" pitchFamily="18" charset="0"/>
+                          </a:rPr>
+                          <m:t>𝑔</m:t>
+                        </m:r>
+                      </m:sup>
+                    </m:sSup>
+                  </m:oMath>
+                </a14:m>
+                <a:r>
+                  <a:rPr lang="zh-CN" altLang="en-US" sz="1400" b="1" kern="0" dirty="0">
+                    <a:solidFill>
+                      <a:prstClr val="black"/>
+                    </a:solidFill>
+                    <a:latin typeface="KaiTi" panose="02010609060101010101" pitchFamily="49" charset="-122"/>
+                    <a:ea typeface="KaiTi" panose="02010609060101010101" pitchFamily="49" charset="-122"/>
+                  </a:rPr>
+                  <a:t> </a:t>
+                </a:r>
+                <a:endParaRPr kumimoji="0" lang="en-US" altLang="zh-CN" sz="1400" b="1" i="0" u="none" strike="noStrike" kern="0" cap="none" spc="0" normalizeH="0" baseline="0" noProof="0" dirty="0">
+                  <a:ln>
+                    <a:noFill/>
+                  </a:ln>
+                  <a:solidFill>
+                    <a:prstClr val="black"/>
+                  </a:solidFill>
+                  <a:effectLst/>
+                  <a:uLnTx/>
+                  <a:uFillTx/>
+                  <a:latin typeface="KaiTi" panose="02010609060101010101" pitchFamily="49" charset="-122"/>
+                  <a:ea typeface="KaiTi" panose="02010609060101010101" pitchFamily="49" charset="-122"/>
+                  <a:cs typeface="+mn-cs"/>
+                </a:endParaRPr>
+              </a:p>
+            </p:txBody>
+          </p:sp>
+        </mc:Choice>
+        <mc:Fallback>
+          <p:sp>
+            <p:nvSpPr>
+              <p:cNvPr id="9" name="TextBox 8">
+                <a:extLst>
+                  <a:ext uri="{FF2B5EF4-FFF2-40B4-BE49-F238E27FC236}">
+                    <a16:creationId xmlns:a16="http://schemas.microsoft.com/office/drawing/2014/main" id="{4F3D172C-78D5-4B4E-9C19-7801F7DCB2C6}"/>
+                  </a:ext>
+                </a:extLst>
+              </p:cNvPr>
+              <p:cNvSpPr txBox="1">
+                <a:spLocks noRot="1" noChangeAspect="1" noMove="1" noResize="1" noEditPoints="1" noAdjustHandles="1" noChangeArrowheads="1" noChangeShapeType="1" noTextEdit="1"/>
+              </p:cNvSpPr>
+              <p:nvPr/>
+            </p:nvSpPr>
+            <p:spPr>
+              <a:xfrm>
+                <a:off x="7244382" y="1599075"/>
+                <a:ext cx="837635" cy="307777"/>
+              </a:xfrm>
+              <a:prstGeom prst="rect">
+                <a:avLst/>
+              </a:prstGeom>
+              <a:blipFill>
+                <a:blip r:embed="rId2"/>
+                <a:stretch>
+                  <a:fillRect t="-3846" b="-15385"/>
+                </a:stretch>
+              </a:blipFill>
+            </p:spPr>
+            <p:txBody>
+              <a:bodyPr/>
+              <a:lstStyle/>
+              <a:p>
+                <a:r>
+                  <a:rPr lang="en-CN">
+                    <a:noFill/>
+                  </a:rPr>
+                  <a:t> </a:t>
+                </a:r>
+              </a:p>
+            </p:txBody>
+          </p:sp>
+        </mc:Fallback>
+      </mc:AlternateContent>
+      <p:cxnSp>
+        <p:nvCxnSpPr>
+          <p:cNvPr id="13" name="Straight Arrow Connector 12">
+            <a:extLst>
+              <a:ext uri="{FF2B5EF4-FFF2-40B4-BE49-F238E27FC236}">
+                <a16:creationId xmlns:a16="http://schemas.microsoft.com/office/drawing/2014/main" id="{F3044D64-0FD9-4F44-B95F-8E3C1E7E2B91}"/>
+              </a:ext>
+            </a:extLst>
+          </p:cNvPr>
+          <p:cNvCxnSpPr>
+            <a:cxnSpLocks/>
+            <a:stCxn id="5" idx="3"/>
+          </p:cNvCxnSpPr>
+          <p:nvPr/>
+        </p:nvCxnSpPr>
+        <p:spPr>
+          <a:xfrm>
+            <a:off x="11324820" y="3545189"/>
+            <a:ext cx="472870" cy="0"/>
+          </a:xfrm>
+          <a:prstGeom prst="straightConnector1">
+            <a:avLst/>
+          </a:prstGeom>
+          <a:noFill/>
+          <a:ln w="19050" cap="flat" cmpd="sng" algn="ctr">
+            <a:solidFill>
+              <a:schemeClr val="tx1"/>
+            </a:solidFill>
+            <a:prstDash val="solid"/>
+            <a:miter lim="800000"/>
+            <a:tailEnd type="stealth" w="lg" len="med"/>
+          </a:ln>
+          <a:effectLst/>
+        </p:spPr>
+      </p:cxnSp>
+      <mc:AlternateContent xmlns:mc="http://schemas.openxmlformats.org/markup-compatibility/2006">
+        <mc:Choice xmlns:a14="http://schemas.microsoft.com/office/drawing/2010/main" Requires="a14">
+          <p:sp>
+            <p:nvSpPr>
+              <p:cNvPr id="14" name="TextBox 13">
+                <a:extLst>
+                  <a:ext uri="{FF2B5EF4-FFF2-40B4-BE49-F238E27FC236}">
+                    <a16:creationId xmlns:a16="http://schemas.microsoft.com/office/drawing/2014/main" id="{2B8EB2B0-E7D9-AE48-8490-3BE8B9277788}"/>
+                  </a:ext>
+                </a:extLst>
+              </p:cNvPr>
+              <p:cNvSpPr txBox="1"/>
+              <p:nvPr/>
+            </p:nvSpPr>
+            <p:spPr>
+              <a:xfrm>
+                <a:off x="11475679" y="3319029"/>
+                <a:ext cx="263277" cy="215444"/>
+              </a:xfrm>
+              <a:prstGeom prst="rect">
+                <a:avLst/>
+              </a:prstGeom>
+              <a:noFill/>
+            </p:spPr>
+            <p:txBody>
+              <a:bodyPr wrap="none" lIns="0" tIns="0" rIns="0" bIns="0" rtlCol="0">
+                <a:spAutoFit/>
+              </a:bodyPr>
+              <a:lstStyle/>
+              <a:p>
+                <a:pPr/>
+                <a14:m>
+                  <m:oMathPara xmlns:m="http://schemas.openxmlformats.org/officeDocument/2006/math">
+                    <m:oMathParaPr>
+                      <m:jc m:val="centerGroup"/>
+                    </m:oMathParaPr>
+                    <m:oMath xmlns:m="http://schemas.openxmlformats.org/officeDocument/2006/math">
+                      <m:sSup>
+                        <m:sSupPr>
+                          <m:ctrlPr>
+                            <a:rPr lang="en-US" sz="1400" b="0" i="1" smtClean="0">
+                              <a:latin typeface="Cambria Math" panose="02040503050406030204" pitchFamily="18" charset="0"/>
+                            </a:rPr>
+                          </m:ctrlPr>
+                        </m:sSupPr>
+                        <m:e>
+                          <m:r>
+                            <a:rPr lang="en-US" sz="1400" b="1" i="0" smtClean="0">
+                              <a:latin typeface="Cambria Math" panose="02040503050406030204" pitchFamily="18" charset="0"/>
+                            </a:rPr>
+                            <m:t>𝐑</m:t>
+                          </m:r>
+                        </m:e>
+                        <m:sup>
+                          <m:r>
+                            <a:rPr lang="en-US" sz="1400" b="0" i="1" smtClean="0">
+                              <a:latin typeface="Cambria Math" panose="02040503050406030204" pitchFamily="18" charset="0"/>
+                            </a:rPr>
+                            <m:t>𝑔</m:t>
+                          </m:r>
+                        </m:sup>
+                      </m:sSup>
+                    </m:oMath>
+                  </m:oMathPara>
+                </a14:m>
+                <a:endParaRPr lang="en-CN" sz="1400" dirty="0"/>
+              </a:p>
+            </p:txBody>
+          </p:sp>
+        </mc:Choice>
+        <mc:Fallback>
+          <p:sp>
+            <p:nvSpPr>
+              <p:cNvPr id="14" name="TextBox 13">
+                <a:extLst>
+                  <a:ext uri="{FF2B5EF4-FFF2-40B4-BE49-F238E27FC236}">
+                    <a16:creationId xmlns:a16="http://schemas.microsoft.com/office/drawing/2014/main" id="{2B8EB2B0-E7D9-AE48-8490-3BE8B9277788}"/>
+                  </a:ext>
+                </a:extLst>
+              </p:cNvPr>
+              <p:cNvSpPr txBox="1">
+                <a:spLocks noRot="1" noChangeAspect="1" noMove="1" noResize="1" noEditPoints="1" noAdjustHandles="1" noChangeArrowheads="1" noChangeShapeType="1" noTextEdit="1"/>
+              </p:cNvSpPr>
+              <p:nvPr/>
+            </p:nvSpPr>
+            <p:spPr>
+              <a:xfrm>
+                <a:off x="11475679" y="3319029"/>
+                <a:ext cx="263277" cy="215444"/>
+              </a:xfrm>
+              <a:prstGeom prst="rect">
+                <a:avLst/>
+              </a:prstGeom>
+              <a:blipFill>
+                <a:blip r:embed="rId3"/>
+                <a:stretch>
+                  <a:fillRect l="-13636" r="-4545"/>
+                </a:stretch>
+              </a:blipFill>
+            </p:spPr>
+            <p:txBody>
+              <a:bodyPr/>
+              <a:lstStyle/>
+              <a:p>
+                <a:r>
+                  <a:rPr lang="en-CN">
+                    <a:noFill/>
+                  </a:rPr>
+                  <a:t> </a:t>
+                </a:r>
+              </a:p>
+            </p:txBody>
+          </p:sp>
+        </mc:Fallback>
+      </mc:AlternateContent>
+      <p:sp>
+        <p:nvSpPr>
+          <p:cNvPr id="18" name="TextBox 17">
+            <a:extLst>
+              <a:ext uri="{FF2B5EF4-FFF2-40B4-BE49-F238E27FC236}">
+                <a16:creationId xmlns:a16="http://schemas.microsoft.com/office/drawing/2014/main" id="{3A3368D1-FE6C-1D4B-AAA6-88C3BCA30AFD}"/>
+              </a:ext>
+            </a:extLst>
+          </p:cNvPr>
+          <p:cNvSpPr txBox="1"/>
+          <p:nvPr/>
+        </p:nvSpPr>
+        <p:spPr>
+          <a:xfrm>
+            <a:off x="9747931" y="2032979"/>
+            <a:ext cx="1669015" cy="523220"/>
+          </a:xfrm>
+          <a:prstGeom prst="rect">
+            <a:avLst/>
+          </a:prstGeom>
+          <a:noFill/>
+        </p:spPr>
+        <p:txBody>
+          <a:bodyPr wrap="square">
+            <a:spAutoFit/>
+          </a:bodyPr>
+          <a:lstStyle/>
+          <a:p>
+            <a:pPr marL="0" marR="0" lvl="0" indent="0" algn="ctr" defTabSz="914400" rtl="0" eaLnBrk="1" fontAlgn="auto" latinLnBrk="0" hangingPunct="1">
+              <a:lnSpc>
+                <a:spcPct val="100000"/>
+              </a:lnSpc>
+              <a:spcBef>
+                <a:spcPts val="0"/>
+              </a:spcBef>
+              <a:spcAft>
+                <a:spcPts val="0"/>
+              </a:spcAft>
+              <a:buClrTx/>
+              <a:buSzTx/>
+              <a:buFontTx/>
+              <a:buNone/>
+              <a:tabLst/>
+              <a:defRPr/>
+            </a:pPr>
+            <a:r>
+              <a:rPr kumimoji="0" lang="en-CN" sz="1400" b="1" i="0" u="none" strike="noStrike" kern="0" cap="none" spc="0" normalizeH="0" baseline="0" noProof="0" dirty="0">
+                <a:ln>
+                  <a:noFill/>
+                </a:ln>
+                <a:solidFill>
+                  <a:schemeClr val="accent2">
+                    <a:lumMod val="50000"/>
+                  </a:schemeClr>
+                </a:solidFill>
+                <a:effectLst>
+                  <a:reflection blurRad="6350" stA="55000" endA="300" endPos="45500" dir="5400000" sy="-100000" algn="bl" rotWithShape="0"/>
+                </a:effectLst>
+                <a:uLnTx/>
+                <a:uFillTx/>
+                <a:latin typeface="KaiTi" panose="02010609060101010101" pitchFamily="49" charset="-122"/>
+                <a:ea typeface="KaiTi" panose="02010609060101010101" pitchFamily="49" charset="-122"/>
+                <a:cs typeface="+mn-cs"/>
+              </a:rPr>
+              <a:t>含有置信度估计的特征提取模块</a:t>
+            </a:r>
+          </a:p>
+        </p:txBody>
+      </p:sp>
+      <mc:AlternateContent xmlns:mc="http://schemas.openxmlformats.org/markup-compatibility/2006">
+        <mc:Choice xmlns:a14="http://schemas.microsoft.com/office/drawing/2010/main" Requires="a14">
+          <p:sp>
+            <p:nvSpPr>
+              <p:cNvPr id="12" name="TextBox 11">
+                <a:extLst>
+                  <a:ext uri="{FF2B5EF4-FFF2-40B4-BE49-F238E27FC236}">
+                    <a16:creationId xmlns:a16="http://schemas.microsoft.com/office/drawing/2014/main" id="{991583D1-ED70-614B-94BF-ECFD9B16A081}"/>
+                  </a:ext>
+                </a:extLst>
+              </p:cNvPr>
+              <p:cNvSpPr txBox="1"/>
+              <p:nvPr/>
+            </p:nvSpPr>
+            <p:spPr>
+              <a:xfrm>
+                <a:off x="8877105" y="4582430"/>
+                <a:ext cx="251223" cy="215444"/>
+              </a:xfrm>
+              <a:prstGeom prst="rect">
+                <a:avLst/>
+              </a:prstGeom>
+              <a:noFill/>
+            </p:spPr>
+            <p:txBody>
+              <a:bodyPr wrap="none" lIns="0" tIns="0" rIns="0" bIns="0" rtlCol="0">
+                <a:spAutoFit/>
+              </a:bodyPr>
+              <a:lstStyle/>
+              <a:p>
+                <a:pPr/>
+                <a14:m>
+                  <m:oMathPara xmlns:m="http://schemas.openxmlformats.org/officeDocument/2006/math">
+                    <m:oMathParaPr>
+                      <m:jc m:val="centerGroup"/>
+                    </m:oMathParaPr>
+                    <m:oMath xmlns:m="http://schemas.openxmlformats.org/officeDocument/2006/math">
+                      <m:sSup>
+                        <m:sSupPr>
+                          <m:ctrlPr>
+                            <a:rPr lang="en-US" sz="1400" b="0" i="1" smtClean="0">
+                              <a:latin typeface="Cambria Math" panose="02040503050406030204" pitchFamily="18" charset="0"/>
+                            </a:rPr>
+                          </m:ctrlPr>
+                        </m:sSupPr>
+                        <m:e>
+                          <m:r>
+                            <a:rPr lang="en-US" sz="1400" b="0" i="1" smtClean="0">
+                              <a:latin typeface="Cambria Math" panose="02040503050406030204" pitchFamily="18" charset="0"/>
+                            </a:rPr>
+                            <m:t>𝑦</m:t>
+                          </m:r>
+                        </m:e>
+                        <m:sup>
+                          <m:r>
+                            <a:rPr lang="en-US" sz="1400" b="0" i="1" smtClean="0">
+                              <a:latin typeface="Cambria Math" panose="02040503050406030204" pitchFamily="18" charset="0"/>
+                            </a:rPr>
+                            <m:t>𝑔</m:t>
+                          </m:r>
+                        </m:sup>
+                      </m:sSup>
+                    </m:oMath>
+                  </m:oMathPara>
+                </a14:m>
+                <a:endParaRPr lang="en-CN" sz="1400" dirty="0"/>
+              </a:p>
+            </p:txBody>
+          </p:sp>
+        </mc:Choice>
+        <mc:Fallback>
+          <p:sp>
+            <p:nvSpPr>
+              <p:cNvPr id="12" name="TextBox 11">
+                <a:extLst>
+                  <a:ext uri="{FF2B5EF4-FFF2-40B4-BE49-F238E27FC236}">
+                    <a16:creationId xmlns:a16="http://schemas.microsoft.com/office/drawing/2014/main" id="{991583D1-ED70-614B-94BF-ECFD9B16A081}"/>
+                  </a:ext>
+                </a:extLst>
+              </p:cNvPr>
+              <p:cNvSpPr txBox="1">
+                <a:spLocks noRot="1" noChangeAspect="1" noMove="1" noResize="1" noEditPoints="1" noAdjustHandles="1" noChangeArrowheads="1" noChangeShapeType="1" noTextEdit="1"/>
+              </p:cNvSpPr>
+              <p:nvPr/>
+            </p:nvSpPr>
+            <p:spPr>
+              <a:xfrm>
+                <a:off x="8877105" y="4582430"/>
+                <a:ext cx="251223" cy="215444"/>
+              </a:xfrm>
+              <a:prstGeom prst="rect">
+                <a:avLst/>
+              </a:prstGeom>
+              <a:blipFill>
+                <a:blip r:embed="rId4"/>
+                <a:stretch>
+                  <a:fillRect l="-14286" r="-4762" b="-27778"/>
+                </a:stretch>
+              </a:blipFill>
+            </p:spPr>
+            <p:txBody>
+              <a:bodyPr/>
+              <a:lstStyle/>
+              <a:p>
+                <a:r>
+                  <a:rPr lang="en-CN">
+                    <a:noFill/>
+                  </a:rPr>
+                  <a:t> </a:t>
+                </a:r>
+              </a:p>
+            </p:txBody>
+          </p:sp>
+        </mc:Fallback>
+      </mc:AlternateContent>
+      <mc:AlternateContent xmlns:mc="http://schemas.openxmlformats.org/markup-compatibility/2006">
+        <mc:Choice xmlns:a14="http://schemas.microsoft.com/office/drawing/2010/main" Requires="a14">
+          <p:sp>
+            <p:nvSpPr>
+              <p:cNvPr id="3" name="Rounded Rectangle 2">
+                <a:extLst>
+                  <a:ext uri="{FF2B5EF4-FFF2-40B4-BE49-F238E27FC236}">
+                    <a16:creationId xmlns:a16="http://schemas.microsoft.com/office/drawing/2014/main" id="{0BE5E78B-3939-AC48-8D2A-BCE6F552126C}"/>
+                  </a:ext>
+                </a:extLst>
+              </p:cNvPr>
+              <p:cNvSpPr/>
+              <p:nvPr/>
+            </p:nvSpPr>
+            <p:spPr>
+              <a:xfrm>
+                <a:off x="8137960" y="2148153"/>
+                <a:ext cx="1356995" cy="509851"/>
+              </a:xfrm>
+              <a:prstGeom prst="roundRect">
+                <a:avLst>
+                  <a:gd name="adj" fmla="val 24248"/>
+                </a:avLst>
+              </a:prstGeom>
+              <a:solidFill>
+                <a:schemeClr val="bg1"/>
+              </a:solidFill>
+              <a:ln w="19050" cap="flat" cmpd="sng" algn="ctr">
+                <a:solidFill>
+                  <a:schemeClr val="tx1"/>
+                </a:solidFill>
+                <a:prstDash val="solid"/>
+                <a:miter lim="800000"/>
+              </a:ln>
+              <a:effectLst>
+                <a:outerShdw blurRad="50800" dist="38100" dir="2700000" algn="tl" rotWithShape="0">
+                  <a:prstClr val="black">
+                    <a:alpha val="40000"/>
+                  </a:prstClr>
+                </a:outerShdw>
+              </a:effectLst>
+            </p:spPr>
+            <p:txBody>
+              <a:bodyPr rtlCol="0" anchor="ctr"/>
+              <a:lstStyle/>
+              <a:p>
+                <a:pPr algn="ctr">
+                  <a:defRPr/>
+                </a:pPr>
+                <a:r>
+                  <a:rPr kumimoji="0" lang="en-US" sz="1400" b="1" i="0" u="none" strike="noStrike" kern="0" cap="none" spc="0" normalizeH="0" baseline="0" noProof="0" dirty="0">
+                    <a:ln>
+                      <a:noFill/>
+                    </a:ln>
+                    <a:solidFill>
+                      <a:prstClr val="black"/>
+                    </a:solidFill>
+                    <a:effectLst/>
+                    <a:uLnTx/>
+                    <a:uFillTx/>
+                    <a:latin typeface="KaiTi" panose="02010609060101010101" pitchFamily="49" charset="-122"/>
+                    <a:ea typeface="KaiTi" panose="02010609060101010101" pitchFamily="49" charset="-122"/>
+                    <a:cs typeface="+mn-cs"/>
+                  </a:rPr>
+                  <a:t>时序特征编码网络</a:t>
+                </a:r>
+                <a:r>
+                  <a:rPr kumimoji="0" lang="zh-CN" altLang="en-US" sz="1400" b="1" i="0" u="none" strike="noStrike" kern="0" cap="none" spc="0" normalizeH="0" baseline="0" noProof="0" dirty="0">
+                    <a:ln>
+                      <a:noFill/>
+                    </a:ln>
+                    <a:solidFill>
+                      <a:prstClr val="black"/>
+                    </a:solidFill>
+                    <a:effectLst/>
+                    <a:uLnTx/>
+                    <a:uFillTx/>
+                    <a:latin typeface="KaiTi" panose="02010609060101010101" pitchFamily="49" charset="-122"/>
+                    <a:ea typeface="KaiTi" panose="02010609060101010101" pitchFamily="49" charset="-122"/>
+                    <a:cs typeface="+mn-cs"/>
+                  </a:rPr>
+                  <a:t> </a:t>
+                </a:r>
+                <a14:m>
+                  <m:oMath xmlns:m="http://schemas.openxmlformats.org/officeDocument/2006/math">
+                    <m:sSubSup>
+                      <m:sSubSupPr>
+                        <m:ctrlPr>
+                          <a:rPr lang="en-US" sz="1400" b="0" i="1" smtClean="0">
+                            <a:latin typeface="Cambria Math" panose="02040503050406030204" pitchFamily="18" charset="0"/>
+                            <a:ea typeface="Cambria Math" panose="02040503050406030204" pitchFamily="18" charset="0"/>
+                          </a:rPr>
+                        </m:ctrlPr>
+                      </m:sSubSupPr>
+                      <m:e>
+                        <m:r>
+                          <a:rPr lang="en-CN" sz="1400" i="1">
+                            <a:latin typeface="Cambria Math" panose="02040503050406030204" pitchFamily="18" charset="0"/>
+                            <a:ea typeface="Cambria Math" panose="02040503050406030204" pitchFamily="18" charset="0"/>
+                          </a:rPr>
+                          <m:t>ℱ</m:t>
+                        </m:r>
+                      </m:e>
+                      <m:sub>
+                        <m:r>
+                          <m:rPr>
+                            <m:sty m:val="p"/>
+                          </m:rPr>
+                          <a:rPr lang="en-US" sz="1400" b="0" i="0" smtClean="0">
+                            <a:latin typeface="Cambria Math" panose="02040503050406030204" pitchFamily="18" charset="0"/>
+                            <a:ea typeface="Cambria Math" panose="02040503050406030204" pitchFamily="18" charset="0"/>
+                          </a:rPr>
+                          <m:t>Enc</m:t>
+                        </m:r>
+                      </m:sub>
+                      <m:sup>
+                        <m:r>
+                          <a:rPr lang="en-US" sz="1400" b="0" i="1" smtClean="0">
+                            <a:latin typeface="Cambria Math" panose="02040503050406030204" pitchFamily="18" charset="0"/>
+                            <a:ea typeface="Cambria Math" panose="02040503050406030204" pitchFamily="18" charset="0"/>
+                          </a:rPr>
+                          <m:t>𝑔</m:t>
+                        </m:r>
+                      </m:sup>
+                    </m:sSubSup>
+                  </m:oMath>
+                </a14:m>
+                <a:endParaRPr kumimoji="0" lang="en-CN" sz="1400" b="1" i="0" u="none" strike="noStrike" kern="0" cap="none" spc="0" normalizeH="0" baseline="0" noProof="0" dirty="0">
+                  <a:ln>
+                    <a:noFill/>
+                  </a:ln>
+                  <a:solidFill>
+                    <a:prstClr val="black"/>
+                  </a:solidFill>
+                  <a:effectLst/>
+                  <a:uLnTx/>
+                  <a:uFillTx/>
+                  <a:latin typeface="KaiTi" panose="02010609060101010101" pitchFamily="49" charset="-122"/>
+                  <a:ea typeface="KaiTi" panose="02010609060101010101" pitchFamily="49" charset="-122"/>
+                  <a:cs typeface="+mn-cs"/>
+                </a:endParaRPr>
+              </a:p>
+            </p:txBody>
+          </p:sp>
+        </mc:Choice>
+        <mc:Fallback>
+          <p:sp>
+            <p:nvSpPr>
+              <p:cNvPr id="3" name="Rounded Rectangle 2">
+                <a:extLst>
+                  <a:ext uri="{FF2B5EF4-FFF2-40B4-BE49-F238E27FC236}">
+                    <a16:creationId xmlns:a16="http://schemas.microsoft.com/office/drawing/2014/main" id="{0BE5E78B-3939-AC48-8D2A-BCE6F552126C}"/>
+                  </a:ext>
+                </a:extLst>
+              </p:cNvPr>
+              <p:cNvSpPr>
+                <a:spLocks noRot="1" noChangeAspect="1" noMove="1" noResize="1" noEditPoints="1" noAdjustHandles="1" noChangeArrowheads="1" noChangeShapeType="1" noTextEdit="1"/>
+              </p:cNvSpPr>
+              <p:nvPr/>
+            </p:nvSpPr>
+            <p:spPr>
+              <a:xfrm>
+                <a:off x="8137960" y="2148153"/>
+                <a:ext cx="1356995" cy="509851"/>
+              </a:xfrm>
+              <a:prstGeom prst="roundRect">
+                <a:avLst>
+                  <a:gd name="adj" fmla="val 24248"/>
+                </a:avLst>
+              </a:prstGeom>
+              <a:blipFill>
+                <a:blip r:embed="rId5"/>
+                <a:stretch>
+                  <a:fillRect/>
+                </a:stretch>
+              </a:blipFill>
+              <a:ln w="19050" cap="flat" cmpd="sng" algn="ctr">
+                <a:solidFill>
+                  <a:schemeClr val="tx1"/>
+                </a:solidFill>
+                <a:prstDash val="solid"/>
+                <a:miter lim="800000"/>
+              </a:ln>
+              <a:effectLst>
+                <a:outerShdw blurRad="50800" dist="38100" dir="2700000" algn="tl" rotWithShape="0">
+                  <a:prstClr val="black">
+                    <a:alpha val="40000"/>
+                  </a:prstClr>
+                </a:outerShdw>
+              </a:effectLst>
+            </p:spPr>
+            <p:txBody>
+              <a:bodyPr/>
+              <a:lstStyle/>
+              <a:p>
+                <a:r>
+                  <a:rPr lang="en-CN">
+                    <a:noFill/>
+                  </a:rPr>
+                  <a:t> </a:t>
+                </a:r>
+              </a:p>
+            </p:txBody>
+          </p:sp>
+        </mc:Fallback>
+      </mc:AlternateContent>
+      <mc:AlternateContent xmlns:mc="http://schemas.openxmlformats.org/markup-compatibility/2006">
+        <mc:Choice xmlns:a14="http://schemas.microsoft.com/office/drawing/2010/main" Requires="a14">
+          <p:sp>
+            <p:nvSpPr>
+              <p:cNvPr id="4" name="Rounded Rectangle 3">
+                <a:extLst>
+                  <a:ext uri="{FF2B5EF4-FFF2-40B4-BE49-F238E27FC236}">
+                    <a16:creationId xmlns:a16="http://schemas.microsoft.com/office/drawing/2014/main" id="{F7EA45EE-247F-3F4D-9A2A-559C3E4E4FED}"/>
+                  </a:ext>
+                </a:extLst>
+              </p:cNvPr>
+              <p:cNvSpPr/>
+              <p:nvPr/>
+            </p:nvSpPr>
+            <p:spPr>
+              <a:xfrm>
+                <a:off x="8137960" y="3281387"/>
+                <a:ext cx="1356995" cy="509851"/>
+              </a:xfrm>
+              <a:prstGeom prst="roundRect">
+                <a:avLst>
+                  <a:gd name="adj" fmla="val 24248"/>
+                </a:avLst>
+              </a:prstGeom>
+              <a:solidFill>
+                <a:schemeClr val="bg1"/>
+              </a:solidFill>
+              <a:ln w="19050" cap="flat" cmpd="sng" algn="ctr">
+                <a:solidFill>
+                  <a:schemeClr val="tx1"/>
+                </a:solidFill>
+                <a:prstDash val="solid"/>
+                <a:miter lim="800000"/>
+              </a:ln>
+              <a:effectLst>
+                <a:outerShdw blurRad="50800" dist="38100" dir="2700000" algn="tl" rotWithShape="0">
+                  <a:prstClr val="black">
+                    <a:alpha val="40000"/>
+                  </a:prstClr>
+                </a:outerShdw>
+              </a:effectLst>
+            </p:spPr>
+            <p:txBody>
+              <a:bodyPr rtlCol="0" anchor="ctr"/>
+              <a:lstStyle/>
+              <a:p>
+                <a:pPr algn="ctr">
+                  <a:defRPr/>
+                </a:pPr>
+                <a:r>
+                  <a:rPr lang="zh-CN" altLang="en-US" sz="1400" b="1" kern="0" dirty="0">
+                    <a:solidFill>
+                      <a:prstClr val="black"/>
+                    </a:solidFill>
+                    <a:latin typeface="KaiTi" panose="02010609060101010101" pitchFamily="49" charset="-122"/>
+                    <a:ea typeface="KaiTi" panose="02010609060101010101" pitchFamily="49" charset="-122"/>
+                  </a:rPr>
+                  <a:t>预测网络</a:t>
+                </a:r>
+                <a:endParaRPr lang="en-US" altLang="zh-CN" sz="1400" b="1" kern="0" dirty="0">
+                  <a:solidFill>
+                    <a:prstClr val="black"/>
+                  </a:solidFill>
+                  <a:latin typeface="KaiTi" panose="02010609060101010101" pitchFamily="49" charset="-122"/>
+                  <a:ea typeface="KaiTi" panose="02010609060101010101" pitchFamily="49" charset="-122"/>
+                </a:endParaRPr>
+              </a:p>
+              <a:p>
+                <a:pPr algn="ctr">
+                  <a:defRPr/>
+                </a:pPr>
+                <a14:m>
+                  <m:oMathPara xmlns:m="http://schemas.openxmlformats.org/officeDocument/2006/math">
+                    <m:oMathParaPr>
+                      <m:jc m:val="centerGroup"/>
+                    </m:oMathParaPr>
+                    <m:oMath xmlns:m="http://schemas.openxmlformats.org/officeDocument/2006/math">
+                      <m:sSubSup>
+                        <m:sSubSupPr>
+                          <m:ctrlPr>
+                            <a:rPr lang="en-US" sz="1400" i="1">
+                              <a:latin typeface="Cambria Math" panose="02040503050406030204" pitchFamily="18" charset="0"/>
+                              <a:ea typeface="Cambria Math" panose="02040503050406030204" pitchFamily="18" charset="0"/>
+                            </a:rPr>
+                          </m:ctrlPr>
+                        </m:sSubSupPr>
+                        <m:e>
+                          <m:r>
+                            <a:rPr lang="en-CN" sz="1400" i="1">
+                              <a:latin typeface="Cambria Math" panose="02040503050406030204" pitchFamily="18" charset="0"/>
+                              <a:ea typeface="Cambria Math" panose="02040503050406030204" pitchFamily="18" charset="0"/>
+                            </a:rPr>
+                            <m:t>ℱ</m:t>
+                          </m:r>
+                        </m:e>
+                        <m:sub>
+                          <m:r>
+                            <m:rPr>
+                              <m:sty m:val="p"/>
+                            </m:rPr>
+                            <a:rPr lang="en-US" sz="1400" b="0" i="0" smtClean="0">
+                              <a:latin typeface="Cambria Math" panose="02040503050406030204" pitchFamily="18" charset="0"/>
+                              <a:ea typeface="Cambria Math" panose="02040503050406030204" pitchFamily="18" charset="0"/>
+                            </a:rPr>
+                            <m:t>Pred</m:t>
+                          </m:r>
+                        </m:sub>
+                        <m:sup>
+                          <m:r>
+                            <a:rPr lang="en-US" sz="1400" i="1">
+                              <a:latin typeface="Cambria Math" panose="02040503050406030204" pitchFamily="18" charset="0"/>
+                              <a:ea typeface="Cambria Math" panose="02040503050406030204" pitchFamily="18" charset="0"/>
+                            </a:rPr>
+                            <m:t>𝑔</m:t>
+                          </m:r>
+                        </m:sup>
+                      </m:sSubSup>
+                    </m:oMath>
+                  </m:oMathPara>
+                </a14:m>
+                <a:endParaRPr kumimoji="0" lang="en-CN" sz="1400" b="1" i="0" u="none" strike="noStrike" kern="0" cap="none" spc="0" normalizeH="0" baseline="0" noProof="0" dirty="0">
+                  <a:ln>
+                    <a:noFill/>
+                  </a:ln>
+                  <a:solidFill>
+                    <a:prstClr val="black"/>
+                  </a:solidFill>
+                  <a:effectLst/>
+                  <a:uLnTx/>
+                  <a:uFillTx/>
+                  <a:latin typeface="KaiTi" panose="02010609060101010101" pitchFamily="49" charset="-122"/>
+                  <a:ea typeface="KaiTi" panose="02010609060101010101" pitchFamily="49" charset="-122"/>
+                  <a:cs typeface="+mn-cs"/>
+                </a:endParaRPr>
+              </a:p>
+            </p:txBody>
+          </p:sp>
+        </mc:Choice>
+        <mc:Fallback>
+          <p:sp>
+            <p:nvSpPr>
+              <p:cNvPr id="4" name="Rounded Rectangle 3">
+                <a:extLst>
+                  <a:ext uri="{FF2B5EF4-FFF2-40B4-BE49-F238E27FC236}">
+                    <a16:creationId xmlns:a16="http://schemas.microsoft.com/office/drawing/2014/main" id="{F7EA45EE-247F-3F4D-9A2A-559C3E4E4FED}"/>
+                  </a:ext>
+                </a:extLst>
+              </p:cNvPr>
+              <p:cNvSpPr>
+                <a:spLocks noRot="1" noChangeAspect="1" noMove="1" noResize="1" noEditPoints="1" noAdjustHandles="1" noChangeArrowheads="1" noChangeShapeType="1" noTextEdit="1"/>
+              </p:cNvSpPr>
+              <p:nvPr/>
+            </p:nvSpPr>
+            <p:spPr>
+              <a:xfrm>
+                <a:off x="8137960" y="3281387"/>
+                <a:ext cx="1356995" cy="509851"/>
+              </a:xfrm>
+              <a:prstGeom prst="roundRect">
+                <a:avLst>
+                  <a:gd name="adj" fmla="val 24248"/>
+                </a:avLst>
+              </a:prstGeom>
+              <a:blipFill>
+                <a:blip r:embed="rId6"/>
+                <a:stretch>
+                  <a:fillRect/>
+                </a:stretch>
+              </a:blipFill>
+              <a:ln w="19050" cap="flat" cmpd="sng" algn="ctr">
+                <a:solidFill>
+                  <a:schemeClr val="tx1"/>
+                </a:solidFill>
+                <a:prstDash val="solid"/>
+                <a:miter lim="800000"/>
+              </a:ln>
+              <a:effectLst>
+                <a:outerShdw blurRad="50800" dist="38100" dir="2700000" algn="tl" rotWithShape="0">
+                  <a:prstClr val="black">
+                    <a:alpha val="40000"/>
+                  </a:prstClr>
+                </a:outerShdw>
+              </a:effectLst>
+            </p:spPr>
+            <p:txBody>
+              <a:bodyPr/>
+              <a:lstStyle/>
+              <a:p>
+                <a:r>
+                  <a:rPr lang="en-CN">
+                    <a:noFill/>
+                  </a:rPr>
+                  <a:t> </a:t>
+                </a:r>
+              </a:p>
+            </p:txBody>
+          </p:sp>
+        </mc:Fallback>
+      </mc:AlternateContent>
+      <mc:AlternateContent xmlns:mc="http://schemas.openxmlformats.org/markup-compatibility/2006">
+        <mc:Choice xmlns:a14="http://schemas.microsoft.com/office/drawing/2010/main" Requires="a14">
+          <p:sp>
+            <p:nvSpPr>
+              <p:cNvPr id="5" name="Rounded Rectangle 4">
+                <a:extLst>
+                  <a:ext uri="{FF2B5EF4-FFF2-40B4-BE49-F238E27FC236}">
+                    <a16:creationId xmlns:a16="http://schemas.microsoft.com/office/drawing/2014/main" id="{AFB74FD2-CAC7-B743-9B1D-DC14D70F2841}"/>
+                  </a:ext>
+                </a:extLst>
+              </p:cNvPr>
+              <p:cNvSpPr/>
+              <p:nvPr/>
+            </p:nvSpPr>
+            <p:spPr>
+              <a:xfrm>
+                <a:off x="9967825" y="3290263"/>
+                <a:ext cx="1356995" cy="509851"/>
+              </a:xfrm>
+              <a:prstGeom prst="roundRect">
+                <a:avLst>
+                  <a:gd name="adj" fmla="val 24248"/>
+                </a:avLst>
+              </a:prstGeom>
+              <a:solidFill>
+                <a:schemeClr val="bg1"/>
+              </a:solidFill>
+              <a:ln w="19050" cap="flat" cmpd="sng" algn="ctr">
+                <a:solidFill>
+                  <a:schemeClr val="tx1"/>
+                </a:solidFill>
+                <a:prstDash val="solid"/>
+                <a:miter lim="800000"/>
+              </a:ln>
+              <a:effectLst>
+                <a:outerShdw blurRad="50800" dist="38100" dir="2700000" algn="tl" rotWithShape="0">
+                  <a:prstClr val="black">
+                    <a:alpha val="40000"/>
+                  </a:prstClr>
+                </a:outerShdw>
+              </a:effectLst>
+            </p:spPr>
+            <p:txBody>
+              <a:bodyPr rtlCol="0" anchor="ctr"/>
+              <a:lstStyle/>
+              <a:p>
+                <a:pPr algn="ctr">
+                  <a:defRPr/>
+                </a:pPr>
+                <a:r>
+                  <a:rPr lang="zh-CN" altLang="en-US" sz="1400" b="1" kern="0" dirty="0">
+                    <a:solidFill>
+                      <a:prstClr val="black"/>
+                    </a:solidFill>
+                    <a:latin typeface="KaiTi" panose="02010609060101010101" pitchFamily="49" charset="-122"/>
+                    <a:ea typeface="KaiTi" panose="02010609060101010101" pitchFamily="49" charset="-122"/>
+                  </a:rPr>
+                  <a:t>细粒度特征重建网络</a:t>
+                </a:r>
+                <a14:m>
+                  <m:oMath xmlns:m="http://schemas.openxmlformats.org/officeDocument/2006/math">
+                    <m:r>
+                      <a:rPr lang="en-US" sz="1400" b="1" i="0" smtClean="0">
+                        <a:latin typeface="Cambria Math" panose="02040503050406030204" pitchFamily="18" charset="0"/>
+                        <a:ea typeface="Cambria Math" panose="02040503050406030204" pitchFamily="18" charset="0"/>
+                      </a:rPr>
+                      <m:t> </m:t>
+                    </m:r>
+                    <m:sSubSup>
+                      <m:sSubSupPr>
+                        <m:ctrlPr>
+                          <a:rPr lang="en-US" sz="1400" b="0" i="1" smtClean="0">
+                            <a:latin typeface="Cambria Math" panose="02040503050406030204" pitchFamily="18" charset="0"/>
+                            <a:ea typeface="Cambria Math" panose="02040503050406030204" pitchFamily="18" charset="0"/>
+                          </a:rPr>
+                        </m:ctrlPr>
+                      </m:sSubSupPr>
+                      <m:e>
+                        <m:r>
+                          <a:rPr lang="en-CN" sz="1400" i="1">
+                            <a:latin typeface="Cambria Math" panose="02040503050406030204" pitchFamily="18" charset="0"/>
+                            <a:ea typeface="Cambria Math" panose="02040503050406030204" pitchFamily="18" charset="0"/>
+                          </a:rPr>
+                          <m:t>ℱ</m:t>
+                        </m:r>
+                      </m:e>
+                      <m:sub>
+                        <m:r>
+                          <m:rPr>
+                            <m:sty m:val="p"/>
+                          </m:rPr>
+                          <a:rPr lang="en-US" sz="1400" b="0" i="0" smtClean="0">
+                            <a:latin typeface="Cambria Math" panose="02040503050406030204" pitchFamily="18" charset="0"/>
+                            <a:ea typeface="Cambria Math" panose="02040503050406030204" pitchFamily="18" charset="0"/>
+                          </a:rPr>
+                          <m:t>Re</m:t>
+                        </m:r>
+                        <m:r>
+                          <m:rPr>
+                            <m:sty m:val="p"/>
+                          </m:rPr>
+                          <a:rPr lang="en-US" altLang="zh-CN" sz="1400" b="0" i="0" smtClean="0">
+                            <a:latin typeface="Cambria Math" panose="02040503050406030204" pitchFamily="18" charset="0"/>
+                            <a:ea typeface="Cambria Math" panose="02040503050406030204" pitchFamily="18" charset="0"/>
+                          </a:rPr>
+                          <m:t>c</m:t>
+                        </m:r>
+                      </m:sub>
+                      <m:sup>
+                        <m:r>
+                          <a:rPr lang="en-US" sz="1400" b="0" i="1" smtClean="0">
+                            <a:latin typeface="Cambria Math" panose="02040503050406030204" pitchFamily="18" charset="0"/>
+                            <a:ea typeface="Cambria Math" panose="02040503050406030204" pitchFamily="18" charset="0"/>
+                          </a:rPr>
+                          <m:t>𝑔</m:t>
+                        </m:r>
+                      </m:sup>
+                    </m:sSubSup>
+                  </m:oMath>
+                </a14:m>
+                <a:endParaRPr kumimoji="0" lang="en-CN" sz="1400" b="1" i="0" u="none" strike="noStrike" kern="0" cap="none" spc="0" normalizeH="0" baseline="0" noProof="0" dirty="0">
+                  <a:ln>
+                    <a:noFill/>
+                  </a:ln>
+                  <a:solidFill>
+                    <a:prstClr val="black"/>
+                  </a:solidFill>
+                  <a:effectLst/>
+                  <a:uLnTx/>
+                  <a:uFillTx/>
+                  <a:latin typeface="KaiTi" panose="02010609060101010101" pitchFamily="49" charset="-122"/>
+                  <a:ea typeface="KaiTi" panose="02010609060101010101" pitchFamily="49" charset="-122"/>
+                  <a:cs typeface="+mn-cs"/>
+                </a:endParaRPr>
+              </a:p>
+            </p:txBody>
+          </p:sp>
+        </mc:Choice>
+        <mc:Fallback>
+          <p:sp>
+            <p:nvSpPr>
+              <p:cNvPr id="5" name="Rounded Rectangle 4">
+                <a:extLst>
+                  <a:ext uri="{FF2B5EF4-FFF2-40B4-BE49-F238E27FC236}">
+                    <a16:creationId xmlns:a16="http://schemas.microsoft.com/office/drawing/2014/main" id="{AFB74FD2-CAC7-B743-9B1D-DC14D70F2841}"/>
+                  </a:ext>
+                </a:extLst>
+              </p:cNvPr>
+              <p:cNvSpPr>
+                <a:spLocks noRot="1" noChangeAspect="1" noMove="1" noResize="1" noEditPoints="1" noAdjustHandles="1" noChangeArrowheads="1" noChangeShapeType="1" noTextEdit="1"/>
+              </p:cNvSpPr>
+              <p:nvPr/>
+            </p:nvSpPr>
+            <p:spPr>
+              <a:xfrm>
+                <a:off x="9967825" y="3290263"/>
+                <a:ext cx="1356995" cy="509851"/>
+              </a:xfrm>
+              <a:prstGeom prst="roundRect">
+                <a:avLst>
+                  <a:gd name="adj" fmla="val 24248"/>
+                </a:avLst>
+              </a:prstGeom>
+              <a:blipFill>
+                <a:blip r:embed="rId7"/>
+                <a:stretch>
+                  <a:fillRect/>
+                </a:stretch>
+              </a:blipFill>
+              <a:ln w="19050" cap="flat" cmpd="sng" algn="ctr">
+                <a:solidFill>
+                  <a:schemeClr val="tx1"/>
+                </a:solidFill>
+                <a:prstDash val="solid"/>
+                <a:miter lim="800000"/>
+              </a:ln>
+              <a:effectLst>
+                <a:outerShdw blurRad="50800" dist="38100" dir="2700000" algn="tl" rotWithShape="0">
+                  <a:prstClr val="black">
+                    <a:alpha val="40000"/>
+                  </a:prstClr>
+                </a:outerShdw>
+              </a:effectLst>
+            </p:spPr>
+            <p:txBody>
+              <a:bodyPr/>
+              <a:lstStyle/>
+              <a:p>
+                <a:r>
+                  <a:rPr lang="en-CN">
+                    <a:noFill/>
+                  </a:rPr>
+                  <a:t> </a:t>
+                </a:r>
+              </a:p>
+            </p:txBody>
+          </p:sp>
+        </mc:Fallback>
+      </mc:AlternateContent>
+      <p:cxnSp>
+        <p:nvCxnSpPr>
+          <p:cNvPr id="6" name="Elbow Connector 5">
+            <a:extLst>
+              <a:ext uri="{FF2B5EF4-FFF2-40B4-BE49-F238E27FC236}">
+                <a16:creationId xmlns:a16="http://schemas.microsoft.com/office/drawing/2014/main" id="{5E76539C-80B2-CD46-BF3F-4ABC856F5AF2}"/>
+              </a:ext>
+            </a:extLst>
+          </p:cNvPr>
+          <p:cNvCxnSpPr>
+            <a:cxnSpLocks/>
+            <a:stCxn id="16" idx="0"/>
+            <a:endCxn id="5" idx="0"/>
+          </p:cNvCxnSpPr>
+          <p:nvPr/>
+        </p:nvCxnSpPr>
+        <p:spPr>
+          <a:xfrm rot="5400000" flipH="1" flipV="1">
+            <a:off x="8815513" y="1459453"/>
+            <a:ext cx="12700" cy="3661620"/>
+          </a:xfrm>
+          <a:prstGeom prst="bentConnector3">
+            <a:avLst>
+              <a:gd name="adj1" fmla="val 2177417"/>
+            </a:avLst>
+          </a:prstGeom>
+          <a:noFill/>
+          <a:ln w="19050" cap="flat" cmpd="sng" algn="ctr">
+            <a:solidFill>
+              <a:sysClr val="windowText" lastClr="000000"/>
+            </a:solidFill>
+            <a:prstDash val="solid"/>
+            <a:miter lim="800000"/>
+            <a:headEnd type="stealth" w="lg" len="med"/>
+            <a:tailEnd type="stealth" w="lg" len="med"/>
+          </a:ln>
+          <a:effectLst/>
+        </p:spPr>
+      </p:cxnSp>
+      <p:cxnSp>
+        <p:nvCxnSpPr>
+          <p:cNvPr id="7" name="Straight Arrow Connector 6">
+            <a:extLst>
+              <a:ext uri="{FF2B5EF4-FFF2-40B4-BE49-F238E27FC236}">
+                <a16:creationId xmlns:a16="http://schemas.microsoft.com/office/drawing/2014/main" id="{C4B2A18D-6C36-3443-AD73-153744B091DC}"/>
+              </a:ext>
+            </a:extLst>
+          </p:cNvPr>
+          <p:cNvCxnSpPr>
+            <a:cxnSpLocks/>
+            <a:stCxn id="4" idx="2"/>
+            <a:endCxn id="17" idx="0"/>
+          </p:cNvCxnSpPr>
+          <p:nvPr/>
+        </p:nvCxnSpPr>
+        <p:spPr>
+          <a:xfrm flipH="1">
+            <a:off x="8816457" y="3791238"/>
+            <a:ext cx="1" cy="355178"/>
+          </a:xfrm>
+          <a:prstGeom prst="straightConnector1">
+            <a:avLst/>
+          </a:prstGeom>
+          <a:noFill/>
+          <a:ln w="19050" cap="flat" cmpd="sng" algn="ctr">
+            <a:solidFill>
+              <a:schemeClr val="tx1"/>
+            </a:solidFill>
+            <a:prstDash val="solid"/>
+            <a:miter lim="800000"/>
+            <a:tailEnd type="stealth" w="lg" len="med"/>
+          </a:ln>
+          <a:effectLst/>
+        </p:spPr>
+      </p:cxnSp>
+      <mc:AlternateContent xmlns:mc="http://schemas.openxmlformats.org/markup-compatibility/2006">
+        <mc:Choice xmlns:a14="http://schemas.microsoft.com/office/drawing/2010/main" Requires="a14">
+          <p:sp>
+            <p:nvSpPr>
+              <p:cNvPr id="11" name="TextBox 10">
+                <a:extLst>
+                  <a:ext uri="{FF2B5EF4-FFF2-40B4-BE49-F238E27FC236}">
+                    <a16:creationId xmlns:a16="http://schemas.microsoft.com/office/drawing/2014/main" id="{A48A9FBF-C335-F34E-8881-C8779F5C7997}"/>
+                  </a:ext>
+                </a:extLst>
+              </p:cNvPr>
+              <p:cNvSpPr txBox="1"/>
+              <p:nvPr/>
+            </p:nvSpPr>
+            <p:spPr>
+              <a:xfrm>
+                <a:off x="8877105" y="2710765"/>
+                <a:ext cx="278602" cy="215444"/>
+              </a:xfrm>
+              <a:prstGeom prst="rect">
+                <a:avLst/>
+              </a:prstGeom>
+              <a:noFill/>
+            </p:spPr>
+            <p:txBody>
+              <a:bodyPr wrap="none" lIns="0" tIns="0" rIns="0" bIns="0" rtlCol="0">
+                <a:spAutoFit/>
+              </a:bodyPr>
+              <a:lstStyle/>
+              <a:p>
+                <a:pPr/>
+                <a14:m>
+                  <m:oMathPara xmlns:m="http://schemas.openxmlformats.org/officeDocument/2006/math">
+                    <m:oMathParaPr>
+                      <m:jc m:val="centerGroup"/>
+                    </m:oMathParaPr>
+                    <m:oMath xmlns:m="http://schemas.openxmlformats.org/officeDocument/2006/math">
+                      <m:sSup>
+                        <m:sSupPr>
+                          <m:ctrlPr>
+                            <a:rPr lang="en-US" sz="1400" b="0" i="1" smtClean="0">
+                              <a:latin typeface="Cambria Math" panose="02040503050406030204" pitchFamily="18" charset="0"/>
+                            </a:rPr>
+                          </m:ctrlPr>
+                        </m:sSupPr>
+                        <m:e>
+                          <m:r>
+                            <a:rPr lang="en-US" sz="1400" b="1" i="0" smtClean="0">
+                              <a:latin typeface="Cambria Math" panose="02040503050406030204" pitchFamily="18" charset="0"/>
+                            </a:rPr>
+                            <m:t>𝐇</m:t>
+                          </m:r>
+                        </m:e>
+                        <m:sup>
+                          <m:r>
+                            <a:rPr lang="en-US" sz="1400" b="0" i="1" smtClean="0">
+                              <a:latin typeface="Cambria Math" panose="02040503050406030204" pitchFamily="18" charset="0"/>
+                            </a:rPr>
+                            <m:t>𝑔</m:t>
+                          </m:r>
+                        </m:sup>
+                      </m:sSup>
+                    </m:oMath>
+                  </m:oMathPara>
+                </a14:m>
+                <a:endParaRPr lang="en-CN" sz="1400" dirty="0"/>
+              </a:p>
+            </p:txBody>
+          </p:sp>
+        </mc:Choice>
+        <mc:Fallback>
+          <p:sp>
+            <p:nvSpPr>
+              <p:cNvPr id="11" name="TextBox 10">
+                <a:extLst>
+                  <a:ext uri="{FF2B5EF4-FFF2-40B4-BE49-F238E27FC236}">
+                    <a16:creationId xmlns:a16="http://schemas.microsoft.com/office/drawing/2014/main" id="{A48A9FBF-C335-F34E-8881-C8779F5C7997}"/>
+                  </a:ext>
+                </a:extLst>
+              </p:cNvPr>
+              <p:cNvSpPr txBox="1">
+                <a:spLocks noRot="1" noChangeAspect="1" noMove="1" noResize="1" noEditPoints="1" noAdjustHandles="1" noChangeArrowheads="1" noChangeShapeType="1" noTextEdit="1"/>
+              </p:cNvSpPr>
+              <p:nvPr/>
+            </p:nvSpPr>
+            <p:spPr>
+              <a:xfrm>
+                <a:off x="8877105" y="2710765"/>
+                <a:ext cx="278602" cy="215444"/>
+              </a:xfrm>
+              <a:prstGeom prst="rect">
+                <a:avLst/>
+              </a:prstGeom>
+              <a:blipFill>
+                <a:blip r:embed="rId8"/>
+                <a:stretch>
+                  <a:fillRect l="-8696" r="-8696" b="-5556"/>
+                </a:stretch>
+              </a:blipFill>
+            </p:spPr>
+            <p:txBody>
+              <a:bodyPr/>
+              <a:lstStyle/>
+              <a:p>
+                <a:r>
+                  <a:rPr lang="en-CN">
+                    <a:noFill/>
+                  </a:rPr>
+                  <a:t> </a:t>
+                </a:r>
+              </a:p>
+            </p:txBody>
+          </p:sp>
+        </mc:Fallback>
+      </mc:AlternateContent>
+      <p:sp>
+        <p:nvSpPr>
+          <p:cNvPr id="16" name="Rounded Rectangle 15">
+            <a:extLst>
+              <a:ext uri="{FF2B5EF4-FFF2-40B4-BE49-F238E27FC236}">
+                <a16:creationId xmlns:a16="http://schemas.microsoft.com/office/drawing/2014/main" id="{351FA8D2-DA3D-0D4E-B8DC-BC970ADB250D}"/>
+              </a:ext>
+            </a:extLst>
+          </p:cNvPr>
+          <p:cNvSpPr/>
+          <p:nvPr/>
+        </p:nvSpPr>
+        <p:spPr>
+          <a:xfrm>
+            <a:off x="6306205" y="3290263"/>
+            <a:ext cx="1356995" cy="509851"/>
+          </a:xfrm>
+          <a:prstGeom prst="roundRect">
+            <a:avLst>
+              <a:gd name="adj" fmla="val 24248"/>
+            </a:avLst>
+          </a:prstGeom>
+          <a:solidFill>
+            <a:schemeClr val="accent4">
+              <a:lumMod val="20000"/>
+              <a:lumOff val="80000"/>
+              <a:alpha val="95000"/>
+            </a:schemeClr>
+          </a:solidFill>
+          <a:ln w="19050" cap="flat" cmpd="sng" algn="ctr">
+            <a:solidFill>
+              <a:schemeClr val="accent4">
+                <a:lumMod val="50000"/>
+              </a:schemeClr>
+            </a:solidFill>
+            <a:prstDash val="solid"/>
+            <a:miter lim="800000"/>
+          </a:ln>
+          <a:effectLst>
+            <a:outerShdw blurRad="50800" dist="38100" dir="2700000" algn="tl" rotWithShape="0">
+              <a:prstClr val="black">
+                <a:alpha val="40000"/>
+              </a:prstClr>
+            </a:outerShdw>
+          </a:effectLst>
+        </p:spPr>
+        <p:txBody>
+          <a:bodyPr rtlCol="0" anchor="ctr"/>
+          <a:lstStyle/>
+          <a:p>
+            <a:pPr algn="ctr">
+              <a:defRPr/>
+            </a:pPr>
+            <a:r>
+              <a:rPr kumimoji="0" lang="en-US" sz="1400" b="1" i="0" u="none" strike="noStrike" kern="0" cap="none" spc="0" normalizeH="0" baseline="0" noProof="0" dirty="0" err="1">
+                <a:ln>
+                  <a:noFill/>
+                </a:ln>
+                <a:solidFill>
+                  <a:prstClr val="black"/>
+                </a:solidFill>
+                <a:effectLst/>
+                <a:uLnTx/>
+                <a:uFillTx/>
+                <a:latin typeface="KaiTi" panose="02010609060101010101" pitchFamily="49" charset="-122"/>
+                <a:ea typeface="KaiTi" panose="02010609060101010101" pitchFamily="49" charset="-122"/>
+                <a:cs typeface="+mn-cs"/>
+              </a:rPr>
+              <a:t>置信度估计</a:t>
+            </a:r>
+            <a:endParaRPr kumimoji="0" lang="en-US" sz="1400" b="1" i="0" u="none" strike="noStrike" kern="0" cap="none" spc="0" normalizeH="0" baseline="0" noProof="0" dirty="0">
+              <a:ln>
+                <a:noFill/>
+              </a:ln>
+              <a:solidFill>
+                <a:prstClr val="black"/>
+              </a:solidFill>
+              <a:effectLst/>
+              <a:uLnTx/>
+              <a:uFillTx/>
+              <a:latin typeface="KaiTi" panose="02010609060101010101" pitchFamily="49" charset="-122"/>
+              <a:ea typeface="KaiTi" panose="02010609060101010101" pitchFamily="49" charset="-122"/>
+              <a:cs typeface="+mn-cs"/>
+            </a:endParaRPr>
+          </a:p>
+          <a:p>
+            <a:pPr algn="ctr">
+              <a:defRPr/>
+            </a:pPr>
+            <a:r>
+              <a:rPr kumimoji="0" lang="en-US" sz="1400" b="1" i="0" u="none" strike="noStrike" kern="0" cap="none" spc="0" normalizeH="0" baseline="0" noProof="0" dirty="0" err="1">
+                <a:ln>
+                  <a:noFill/>
+                </a:ln>
+                <a:solidFill>
+                  <a:prstClr val="black"/>
+                </a:solidFill>
+                <a:effectLst/>
+                <a:uLnTx/>
+                <a:uFillTx/>
+                <a:latin typeface="KaiTi" panose="02010609060101010101" pitchFamily="49" charset="-122"/>
+                <a:ea typeface="KaiTi" panose="02010609060101010101" pitchFamily="49" charset="-122"/>
+                <a:cs typeface="+mn-cs"/>
+              </a:rPr>
+              <a:t>模块</a:t>
+            </a:r>
+            <a:endParaRPr kumimoji="0" lang="en-CN" sz="1400" b="1" i="0" u="none" strike="noStrike" kern="0" cap="none" spc="0" normalizeH="0" baseline="0" noProof="0" dirty="0">
+              <a:ln>
+                <a:noFill/>
+              </a:ln>
+              <a:solidFill>
+                <a:prstClr val="black"/>
+              </a:solidFill>
+              <a:effectLst/>
+              <a:uLnTx/>
+              <a:uFillTx/>
+              <a:latin typeface="KaiTi" panose="02010609060101010101" pitchFamily="49" charset="-122"/>
+              <a:ea typeface="KaiTi" panose="02010609060101010101" pitchFamily="49" charset="-122"/>
+              <a:cs typeface="+mn-cs"/>
+            </a:endParaRPr>
+          </a:p>
+        </p:txBody>
+      </p:sp>
+      <p:sp>
+        <p:nvSpPr>
+          <p:cNvPr id="17" name="Oval 16">
+            <a:extLst>
+              <a:ext uri="{FF2B5EF4-FFF2-40B4-BE49-F238E27FC236}">
+                <a16:creationId xmlns:a16="http://schemas.microsoft.com/office/drawing/2014/main" id="{2DACBDC5-1C83-744A-B8EE-8185F44DA073}"/>
+              </a:ext>
+            </a:extLst>
+          </p:cNvPr>
+          <p:cNvSpPr/>
+          <p:nvPr/>
+        </p:nvSpPr>
+        <p:spPr>
+          <a:xfrm>
+            <a:off x="8656037" y="4146416"/>
+            <a:ext cx="320839" cy="320839"/>
+          </a:xfrm>
+          <a:prstGeom prst="ellipse">
+            <a:avLst/>
+          </a:prstGeom>
+          <a:solidFill>
+            <a:schemeClr val="accent4">
+              <a:lumMod val="60000"/>
+              <a:lumOff val="40000"/>
+            </a:schemeClr>
+          </a:solidFill>
+          <a:ln w="19050" cap="flat" cmpd="sng" algn="ctr">
+            <a:solidFill>
+              <a:schemeClr val="accent4">
+                <a:lumMod val="50000"/>
+              </a:schemeClr>
+            </a:solidFill>
+            <a:prstDash val="solid"/>
+            <a:miter lim="800000"/>
+          </a:ln>
+          <a:effectLst/>
+        </p:spPr>
+        <p:txBody>
+          <a:bodyPr rtlCol="0" anchor="ctr"/>
+          <a:lstStyle/>
+          <a:p>
+            <a:pPr marL="0" marR="0" lvl="0" indent="0" algn="ctr" defTabSz="914400" eaLnBrk="1" fontAlgn="auto" latinLnBrk="0" hangingPunct="1">
+              <a:lnSpc>
+                <a:spcPct val="100000"/>
+              </a:lnSpc>
+              <a:spcBef>
+                <a:spcPts val="0"/>
+              </a:spcBef>
+              <a:spcAft>
+                <a:spcPts val="0"/>
+              </a:spcAft>
+              <a:buClrTx/>
+              <a:buSzTx/>
+              <a:buFontTx/>
+              <a:buNone/>
+              <a:tabLst/>
+              <a:defRPr/>
+            </a:pPr>
+            <a:endParaRPr kumimoji="0" lang="en-CN" sz="1400" b="0" i="0" u="none" strike="noStrike" kern="0" cap="none" spc="0" normalizeH="0" baseline="0" noProof="0" dirty="0">
+              <a:ln>
+                <a:noFill/>
+              </a:ln>
+              <a:solidFill>
+                <a:prstClr val="black"/>
+              </a:solidFill>
+              <a:effectLst/>
+              <a:uLnTx/>
+              <a:uFillTx/>
+              <a:latin typeface="KaiTi" panose="02010609060101010101" pitchFamily="49" charset="-122"/>
+              <a:ea typeface="KaiTi" panose="02010609060101010101" pitchFamily="49" charset="-122"/>
+              <a:cs typeface="Times New Roman" panose="02020603050405020304" pitchFamily="18" charset="0"/>
+            </a:endParaRPr>
+          </a:p>
+        </p:txBody>
+      </p:sp>
+      <p:cxnSp>
+        <p:nvCxnSpPr>
+          <p:cNvPr id="19" name="Straight Arrow Connector 18">
+            <a:extLst>
+              <a:ext uri="{FF2B5EF4-FFF2-40B4-BE49-F238E27FC236}">
+                <a16:creationId xmlns:a16="http://schemas.microsoft.com/office/drawing/2014/main" id="{3D0856F0-DA8A-954C-8D72-A9BAA04A876B}"/>
+              </a:ext>
+            </a:extLst>
+          </p:cNvPr>
+          <p:cNvCxnSpPr>
+            <a:cxnSpLocks/>
+            <a:stCxn id="17" idx="5"/>
+            <a:endCxn id="17" idx="1"/>
+          </p:cNvCxnSpPr>
+          <p:nvPr/>
+        </p:nvCxnSpPr>
+        <p:spPr>
+          <a:xfrm flipH="1" flipV="1">
+            <a:off x="8703023" y="4193402"/>
+            <a:ext cx="226867" cy="226867"/>
+          </a:xfrm>
+          <a:prstGeom prst="straightConnector1">
+            <a:avLst/>
+          </a:prstGeom>
+          <a:noFill/>
+          <a:ln w="19050" cap="flat" cmpd="sng" algn="ctr">
+            <a:solidFill>
+              <a:schemeClr val="accent4">
+                <a:lumMod val="50000"/>
+              </a:schemeClr>
+            </a:solidFill>
+            <a:prstDash val="solid"/>
+            <a:miter lim="800000"/>
+            <a:tailEnd type="none"/>
+          </a:ln>
+          <a:effectLst/>
+        </p:spPr>
+      </p:cxnSp>
+      <p:cxnSp>
+        <p:nvCxnSpPr>
+          <p:cNvPr id="21" name="Straight Arrow Connector 20">
+            <a:extLst>
+              <a:ext uri="{FF2B5EF4-FFF2-40B4-BE49-F238E27FC236}">
+                <a16:creationId xmlns:a16="http://schemas.microsoft.com/office/drawing/2014/main" id="{120CC4D5-F5B2-6141-AFA0-A9C060073BAE}"/>
+              </a:ext>
+            </a:extLst>
+          </p:cNvPr>
+          <p:cNvCxnSpPr>
+            <a:cxnSpLocks/>
+            <a:stCxn id="17" idx="3"/>
+            <a:endCxn id="17" idx="7"/>
+          </p:cNvCxnSpPr>
+          <p:nvPr/>
+        </p:nvCxnSpPr>
+        <p:spPr>
+          <a:xfrm flipV="1">
+            <a:off x="8703023" y="4193402"/>
+            <a:ext cx="226867" cy="226867"/>
+          </a:xfrm>
+          <a:prstGeom prst="straightConnector1">
+            <a:avLst/>
+          </a:prstGeom>
+          <a:noFill/>
+          <a:ln w="19050" cap="flat" cmpd="sng" algn="ctr">
+            <a:solidFill>
+              <a:schemeClr val="accent4">
+                <a:lumMod val="50000"/>
+              </a:schemeClr>
+            </a:solidFill>
+            <a:prstDash val="solid"/>
+            <a:miter lim="800000"/>
+            <a:tailEnd type="none"/>
+          </a:ln>
+          <a:effectLst/>
+        </p:spPr>
+      </p:cxnSp>
+      <p:cxnSp>
+        <p:nvCxnSpPr>
+          <p:cNvPr id="35" name="Straight Arrow Connector 34">
+            <a:extLst>
+              <a:ext uri="{FF2B5EF4-FFF2-40B4-BE49-F238E27FC236}">
+                <a16:creationId xmlns:a16="http://schemas.microsoft.com/office/drawing/2014/main" id="{08E317FF-C51E-974B-9287-E6C5D5370FF8}"/>
+              </a:ext>
+            </a:extLst>
+          </p:cNvPr>
+          <p:cNvCxnSpPr>
+            <a:cxnSpLocks/>
+            <a:stCxn id="3" idx="2"/>
+            <a:endCxn id="4" idx="0"/>
+          </p:cNvCxnSpPr>
+          <p:nvPr/>
+        </p:nvCxnSpPr>
+        <p:spPr>
+          <a:xfrm>
+            <a:off x="8816458" y="2658004"/>
+            <a:ext cx="0" cy="623383"/>
+          </a:xfrm>
+          <a:prstGeom prst="straightConnector1">
+            <a:avLst/>
+          </a:prstGeom>
+          <a:noFill/>
+          <a:ln w="19050" cap="flat" cmpd="sng" algn="ctr">
+            <a:solidFill>
+              <a:schemeClr val="tx1"/>
+            </a:solidFill>
+            <a:prstDash val="solid"/>
+            <a:miter lim="800000"/>
+            <a:tailEnd type="stealth" w="lg" len="med"/>
+          </a:ln>
+          <a:effectLst/>
+        </p:spPr>
+      </p:cxnSp>
+      <p:cxnSp>
+        <p:nvCxnSpPr>
+          <p:cNvPr id="41" name="Straight Arrow Connector 40">
+            <a:extLst>
+              <a:ext uri="{FF2B5EF4-FFF2-40B4-BE49-F238E27FC236}">
+                <a16:creationId xmlns:a16="http://schemas.microsoft.com/office/drawing/2014/main" id="{043DCB2D-B4DA-134B-B115-4D3B703591EF}"/>
+              </a:ext>
+            </a:extLst>
+          </p:cNvPr>
+          <p:cNvCxnSpPr>
+            <a:cxnSpLocks/>
+            <a:stCxn id="3" idx="2"/>
+          </p:cNvCxnSpPr>
+          <p:nvPr/>
+        </p:nvCxnSpPr>
+        <p:spPr>
+          <a:xfrm>
+            <a:off x="8816458" y="2658004"/>
+            <a:ext cx="0" cy="350496"/>
+          </a:xfrm>
+          <a:prstGeom prst="straightConnector1">
+            <a:avLst/>
+          </a:prstGeom>
+          <a:noFill/>
+          <a:ln w="19050" cap="flat" cmpd="sng" algn="ctr">
+            <a:solidFill>
+              <a:schemeClr val="tx1"/>
+            </a:solidFill>
+            <a:prstDash val="solid"/>
+            <a:miter lim="800000"/>
+            <a:tailEnd type="stealth" w="lg" len="med"/>
+          </a:ln>
+          <a:effectLst/>
+        </p:spPr>
+      </p:cxnSp>
+      <p:cxnSp>
+        <p:nvCxnSpPr>
+          <p:cNvPr id="65" name="Straight Arrow Connector 64">
+            <a:extLst>
+              <a:ext uri="{FF2B5EF4-FFF2-40B4-BE49-F238E27FC236}">
+                <a16:creationId xmlns:a16="http://schemas.microsoft.com/office/drawing/2014/main" id="{342B8707-F483-2245-B6EF-9B48237CF376}"/>
+              </a:ext>
+            </a:extLst>
+          </p:cNvPr>
+          <p:cNvCxnSpPr>
+            <a:cxnSpLocks/>
+            <a:stCxn id="17" idx="4"/>
+          </p:cNvCxnSpPr>
+          <p:nvPr/>
+        </p:nvCxnSpPr>
+        <p:spPr>
+          <a:xfrm>
+            <a:off x="8816457" y="4467255"/>
+            <a:ext cx="0" cy="395190"/>
+          </a:xfrm>
+          <a:prstGeom prst="straightConnector1">
+            <a:avLst/>
+          </a:prstGeom>
+          <a:noFill/>
+          <a:ln w="19050" cap="flat" cmpd="sng" algn="ctr">
+            <a:solidFill>
+              <a:schemeClr val="tx1"/>
+            </a:solidFill>
+            <a:prstDash val="solid"/>
+            <a:miter lim="800000"/>
+            <a:tailEnd type="stealth" w="lg" len="med"/>
+          </a:ln>
+          <a:effectLst/>
+        </p:spPr>
+      </p:cxnSp>
+      <p:cxnSp>
+        <p:nvCxnSpPr>
+          <p:cNvPr id="74" name="Elbow Connector 73">
+            <a:extLst>
+              <a:ext uri="{FF2B5EF4-FFF2-40B4-BE49-F238E27FC236}">
+                <a16:creationId xmlns:a16="http://schemas.microsoft.com/office/drawing/2014/main" id="{C2ABE50F-862C-F44A-B0F1-40EF1A172889}"/>
+              </a:ext>
+            </a:extLst>
+          </p:cNvPr>
+          <p:cNvCxnSpPr>
+            <a:cxnSpLocks/>
+            <a:stCxn id="16" idx="2"/>
+            <a:endCxn id="17" idx="2"/>
+          </p:cNvCxnSpPr>
+          <p:nvPr/>
+        </p:nvCxnSpPr>
+        <p:spPr>
+          <a:xfrm rot="16200000" flipH="1">
+            <a:off x="7567009" y="3217808"/>
+            <a:ext cx="506722" cy="1671334"/>
+          </a:xfrm>
+          <a:prstGeom prst="bentConnector2">
+            <a:avLst/>
+          </a:prstGeom>
+          <a:noFill/>
+          <a:ln w="19050" cap="flat" cmpd="sng" algn="ctr">
+            <a:solidFill>
+              <a:sysClr val="windowText" lastClr="000000"/>
+            </a:solidFill>
+            <a:prstDash val="solid"/>
+            <a:miter lim="800000"/>
+            <a:tailEnd type="stealth" w="lg" len="med"/>
+          </a:ln>
+          <a:effectLst/>
+        </p:spPr>
+      </p:cxnSp>
+      <p:cxnSp>
+        <p:nvCxnSpPr>
+          <p:cNvPr id="82" name="Straight Arrow Connector 81">
+            <a:extLst>
+              <a:ext uri="{FF2B5EF4-FFF2-40B4-BE49-F238E27FC236}">
+                <a16:creationId xmlns:a16="http://schemas.microsoft.com/office/drawing/2014/main" id="{4DE0EB85-999F-B44A-85A8-8173F14299C0}"/>
+              </a:ext>
+            </a:extLst>
+          </p:cNvPr>
+          <p:cNvCxnSpPr>
+            <a:cxnSpLocks/>
+          </p:cNvCxnSpPr>
+          <p:nvPr/>
+        </p:nvCxnSpPr>
+        <p:spPr>
+          <a:xfrm flipH="1">
+            <a:off x="5562842" y="3806464"/>
+            <a:ext cx="827996" cy="747433"/>
+          </a:xfrm>
+          <a:prstGeom prst="straightConnector1">
+            <a:avLst/>
+          </a:prstGeom>
+          <a:noFill/>
+          <a:ln w="19050" cap="flat" cmpd="sng" algn="ctr">
+            <a:solidFill>
+              <a:schemeClr val="accent4">
+                <a:lumMod val="50000"/>
+              </a:schemeClr>
+            </a:solidFill>
+            <a:prstDash val="dashDot"/>
+            <a:miter lim="800000"/>
+            <a:tailEnd type="none" w="lg" len="med"/>
+          </a:ln>
+          <a:effectLst/>
+        </p:spPr>
+      </p:cxnSp>
+      <p:cxnSp>
+        <p:nvCxnSpPr>
+          <p:cNvPr id="83" name="Straight Arrow Connector 82">
+            <a:extLst>
+              <a:ext uri="{FF2B5EF4-FFF2-40B4-BE49-F238E27FC236}">
+                <a16:creationId xmlns:a16="http://schemas.microsoft.com/office/drawing/2014/main" id="{397E32D8-E7CA-2C42-A5F7-45E4C068E49F}"/>
+              </a:ext>
+            </a:extLst>
+          </p:cNvPr>
+          <p:cNvCxnSpPr>
+            <a:cxnSpLocks/>
+          </p:cNvCxnSpPr>
+          <p:nvPr/>
+        </p:nvCxnSpPr>
+        <p:spPr>
+          <a:xfrm flipH="1" flipV="1">
+            <a:off x="5562842" y="2062348"/>
+            <a:ext cx="791289" cy="1234265"/>
+          </a:xfrm>
+          <a:prstGeom prst="straightConnector1">
+            <a:avLst/>
+          </a:prstGeom>
+          <a:noFill/>
+          <a:ln w="19050" cap="flat" cmpd="sng" algn="ctr">
+            <a:solidFill>
+              <a:schemeClr val="accent4">
+                <a:lumMod val="50000"/>
+              </a:schemeClr>
+            </a:solidFill>
+            <a:prstDash val="dashDot"/>
+            <a:miter lim="800000"/>
+            <a:tailEnd type="none" w="lg" len="med"/>
+          </a:ln>
+          <a:effectLst/>
+        </p:spPr>
+      </p:cxnSp>
+      <p:sp>
+        <p:nvSpPr>
+          <p:cNvPr id="96" name="Rounded Rectangle 95">
+            <a:extLst>
+              <a:ext uri="{FF2B5EF4-FFF2-40B4-BE49-F238E27FC236}">
+                <a16:creationId xmlns:a16="http://schemas.microsoft.com/office/drawing/2014/main" id="{703D4C72-52E6-464F-A0A5-83704DC1B08E}"/>
+              </a:ext>
+            </a:extLst>
+          </p:cNvPr>
+          <p:cNvSpPr/>
+          <p:nvPr/>
+        </p:nvSpPr>
+        <p:spPr>
+          <a:xfrm>
+            <a:off x="394310" y="2032979"/>
+            <a:ext cx="5202865" cy="2549451"/>
+          </a:xfrm>
+          <a:prstGeom prst="roundRect">
+            <a:avLst>
+              <a:gd name="adj" fmla="val 3958"/>
+            </a:avLst>
+          </a:prstGeom>
+          <a:noFill/>
+          <a:ln w="19050" cap="flat" cmpd="sng" algn="ctr">
+            <a:solidFill>
+              <a:schemeClr val="accent4">
+                <a:lumMod val="50000"/>
+              </a:schemeClr>
+            </a:solidFill>
+            <a:prstDash val="solid"/>
+            <a:miter lim="800000"/>
+          </a:ln>
+          <a:effectLst/>
+        </p:spPr>
+        <p:txBody>
+          <a:bodyPr rtlCol="0" anchor="ctr"/>
+          <a:lstStyle/>
+          <a:p>
+            <a:pPr marL="0" marR="0" lvl="0" indent="0" algn="ctr" defTabSz="914400" eaLnBrk="1" fontAlgn="auto" latinLnBrk="0" hangingPunct="1">
+              <a:lnSpc>
+                <a:spcPct val="100000"/>
+              </a:lnSpc>
+              <a:spcBef>
+                <a:spcPts val="0"/>
+              </a:spcBef>
+              <a:spcAft>
+                <a:spcPts val="0"/>
+              </a:spcAft>
+              <a:buClrTx/>
+              <a:buSzTx/>
+              <a:buFontTx/>
+              <a:buNone/>
+              <a:tabLst/>
+              <a:defRPr/>
+            </a:pPr>
+            <a:endParaRPr kumimoji="0" lang="en-CN" sz="1400" b="0" i="0" u="none" strike="noStrike" kern="0" cap="none" spc="0" normalizeH="0" baseline="0" noProof="0" dirty="0">
+              <a:ln>
+                <a:noFill/>
+              </a:ln>
+              <a:solidFill>
+                <a:prstClr val="black"/>
+              </a:solidFill>
+              <a:effectLst/>
+              <a:uLnTx/>
+              <a:uFillTx/>
+              <a:latin typeface="KaiTi" panose="02010609060101010101" pitchFamily="49" charset="-122"/>
+              <a:ea typeface="KaiTi" panose="02010609060101010101" pitchFamily="49" charset="-122"/>
+              <a:cs typeface="+mn-cs"/>
+            </a:endParaRPr>
+          </a:p>
+        </p:txBody>
+      </p:sp>
+      <p:cxnSp>
+        <p:nvCxnSpPr>
+          <p:cNvPr id="110" name="Straight Connector 109">
+            <a:extLst>
+              <a:ext uri="{FF2B5EF4-FFF2-40B4-BE49-F238E27FC236}">
+                <a16:creationId xmlns:a16="http://schemas.microsoft.com/office/drawing/2014/main" id="{B81EDA85-8B5B-AC40-A4CE-2819D34129E2}"/>
+              </a:ext>
+            </a:extLst>
+          </p:cNvPr>
+          <p:cNvCxnSpPr>
+            <a:cxnSpLocks/>
+          </p:cNvCxnSpPr>
+          <p:nvPr/>
+        </p:nvCxnSpPr>
+        <p:spPr>
+          <a:xfrm>
+            <a:off x="570875" y="3429000"/>
+            <a:ext cx="0" cy="676988"/>
+          </a:xfrm>
+          <a:prstGeom prst="line">
+            <a:avLst/>
+          </a:prstGeom>
+          <a:ln w="19050">
+            <a:solidFill>
+              <a:schemeClr val="tx1"/>
+            </a:solidFill>
+            <a:prstDash val="sysDash"/>
+          </a:ln>
+        </p:spPr>
+        <p:style>
+          <a:lnRef idx="1">
+            <a:schemeClr val="accent1"/>
+          </a:lnRef>
+          <a:fillRef idx="0">
+            <a:schemeClr val="accent1"/>
+          </a:fillRef>
+          <a:effectRef idx="0">
+            <a:schemeClr val="accent1"/>
+          </a:effectRef>
+          <a:fontRef idx="minor">
+            <a:schemeClr val="tx1"/>
+          </a:fontRef>
+        </p:style>
+      </p:cxnSp>
+      <p:cxnSp>
+        <p:nvCxnSpPr>
+          <p:cNvPr id="111" name="Straight Connector 110">
+            <a:extLst>
+              <a:ext uri="{FF2B5EF4-FFF2-40B4-BE49-F238E27FC236}">
+                <a16:creationId xmlns:a16="http://schemas.microsoft.com/office/drawing/2014/main" id="{5132A9B3-8142-C94E-842F-740FACF5C12C}"/>
+              </a:ext>
+            </a:extLst>
+          </p:cNvPr>
+          <p:cNvCxnSpPr>
+            <a:cxnSpLocks/>
+          </p:cNvCxnSpPr>
+          <p:nvPr/>
+        </p:nvCxnSpPr>
+        <p:spPr>
+          <a:xfrm>
+            <a:off x="3887254" y="2110509"/>
+            <a:ext cx="4484" cy="1995479"/>
+          </a:xfrm>
+          <a:prstGeom prst="line">
+            <a:avLst/>
+          </a:prstGeom>
+          <a:ln w="19050">
+            <a:solidFill>
+              <a:schemeClr val="tx1"/>
+            </a:solidFill>
+            <a:prstDash val="solid"/>
+          </a:ln>
+        </p:spPr>
+        <p:style>
+          <a:lnRef idx="1">
+            <a:schemeClr val="accent1"/>
+          </a:lnRef>
+          <a:fillRef idx="0">
+            <a:schemeClr val="accent1"/>
+          </a:fillRef>
+          <a:effectRef idx="0">
+            <a:schemeClr val="accent1"/>
+          </a:effectRef>
+          <a:fontRef idx="minor">
+            <a:schemeClr val="tx1"/>
+          </a:fontRef>
+        </p:style>
+      </p:cxnSp>
+      <p:cxnSp>
+        <p:nvCxnSpPr>
+          <p:cNvPr id="114" name="Straight Connector 113">
+            <a:extLst>
+              <a:ext uri="{FF2B5EF4-FFF2-40B4-BE49-F238E27FC236}">
+                <a16:creationId xmlns:a16="http://schemas.microsoft.com/office/drawing/2014/main" id="{86059802-9091-474C-AB33-EBA88A699CB8}"/>
+              </a:ext>
+            </a:extLst>
+          </p:cNvPr>
+          <p:cNvCxnSpPr>
+            <a:cxnSpLocks/>
+            <a:stCxn id="156" idx="1"/>
+          </p:cNvCxnSpPr>
+          <p:nvPr/>
+        </p:nvCxnSpPr>
+        <p:spPr>
+          <a:xfrm flipH="1">
+            <a:off x="573161" y="3955062"/>
+            <a:ext cx="1158419" cy="4270"/>
+          </a:xfrm>
+          <a:prstGeom prst="line">
+            <a:avLst/>
+          </a:prstGeom>
+          <a:ln w="19050">
+            <a:solidFill>
+              <a:schemeClr val="tx1"/>
+            </a:solidFill>
+            <a:prstDash val="solid"/>
+            <a:headEnd type="none" w="lg" len="med"/>
+            <a:tailEnd type="stealth" w="lg" len="med"/>
+          </a:ln>
+        </p:spPr>
+        <p:style>
+          <a:lnRef idx="1">
+            <a:schemeClr val="accent1"/>
+          </a:lnRef>
+          <a:fillRef idx="0">
+            <a:schemeClr val="accent1"/>
+          </a:fillRef>
+          <a:effectRef idx="0">
+            <a:schemeClr val="accent1"/>
+          </a:effectRef>
+          <a:fontRef idx="minor">
+            <a:schemeClr val="tx1"/>
+          </a:fontRef>
+        </p:style>
+      </p:cxnSp>
+      <p:cxnSp>
+        <p:nvCxnSpPr>
+          <p:cNvPr id="121" name="Straight Connector 120">
+            <a:extLst>
+              <a:ext uri="{FF2B5EF4-FFF2-40B4-BE49-F238E27FC236}">
+                <a16:creationId xmlns:a16="http://schemas.microsoft.com/office/drawing/2014/main" id="{AA7C99D3-980B-C04E-BF8B-4EB28D142309}"/>
+              </a:ext>
+            </a:extLst>
+          </p:cNvPr>
+          <p:cNvCxnSpPr>
+            <a:cxnSpLocks/>
+          </p:cNvCxnSpPr>
+          <p:nvPr/>
+        </p:nvCxnSpPr>
+        <p:spPr>
+          <a:xfrm flipH="1">
+            <a:off x="5444435" y="2556199"/>
+            <a:ext cx="1869" cy="1549789"/>
+          </a:xfrm>
+          <a:prstGeom prst="line">
+            <a:avLst/>
+          </a:prstGeom>
+          <a:ln w="19050">
+            <a:solidFill>
+              <a:schemeClr val="tx1"/>
+            </a:solidFill>
+            <a:prstDash val="sysDash"/>
+          </a:ln>
+        </p:spPr>
+        <p:style>
+          <a:lnRef idx="1">
+            <a:schemeClr val="accent1"/>
+          </a:lnRef>
+          <a:fillRef idx="0">
+            <a:schemeClr val="accent1"/>
+          </a:fillRef>
+          <a:effectRef idx="0">
+            <a:schemeClr val="accent1"/>
+          </a:effectRef>
+          <a:fontRef idx="minor">
+            <a:schemeClr val="tx1"/>
+          </a:fontRef>
+        </p:style>
+      </p:cxnSp>
+      <p:grpSp>
+        <p:nvGrpSpPr>
+          <p:cNvPr id="151" name="Group 150">
+            <a:extLst>
+              <a:ext uri="{FF2B5EF4-FFF2-40B4-BE49-F238E27FC236}">
+                <a16:creationId xmlns:a16="http://schemas.microsoft.com/office/drawing/2014/main" id="{E9A50B35-3E7B-254A-8E03-B63EB939AD49}"/>
+              </a:ext>
+            </a:extLst>
+          </p:cNvPr>
+          <p:cNvGrpSpPr/>
+          <p:nvPr/>
+        </p:nvGrpSpPr>
+        <p:grpSpPr>
+          <a:xfrm>
+            <a:off x="539831" y="2221919"/>
+            <a:ext cx="4940398" cy="1520644"/>
+            <a:chOff x="882526" y="2490930"/>
+            <a:chExt cx="4940398" cy="1520644"/>
+          </a:xfrm>
+        </p:grpSpPr>
+        <p:sp>
+          <p:nvSpPr>
+            <p:cNvPr id="130" name="Freeform 129">
+              <a:extLst>
+                <a:ext uri="{FF2B5EF4-FFF2-40B4-BE49-F238E27FC236}">
+                  <a16:creationId xmlns:a16="http://schemas.microsoft.com/office/drawing/2014/main" id="{521921DF-04D5-A046-B365-6454B7AFC1A4}"/>
+                </a:ext>
+              </a:extLst>
+            </p:cNvPr>
+            <p:cNvSpPr/>
+            <p:nvPr/>
+          </p:nvSpPr>
+          <p:spPr>
+            <a:xfrm>
+              <a:off x="913571" y="2521974"/>
+              <a:ext cx="4875429" cy="1460091"/>
+            </a:xfrm>
+            <a:custGeom>
+              <a:avLst/>
+              <a:gdLst>
+                <a:gd name="connsiteX0" fmla="*/ 0 w 4807975"/>
+                <a:gd name="connsiteY0" fmla="*/ 1342103 h 1460091"/>
+                <a:gd name="connsiteX1" fmla="*/ 206478 w 4807975"/>
+                <a:gd name="connsiteY1" fmla="*/ 921774 h 1460091"/>
+                <a:gd name="connsiteX2" fmla="*/ 523568 w 4807975"/>
+                <a:gd name="connsiteY2" fmla="*/ 1460091 h 1460091"/>
+                <a:gd name="connsiteX3" fmla="*/ 825910 w 4807975"/>
+                <a:gd name="connsiteY3" fmla="*/ 921774 h 1460091"/>
+                <a:gd name="connsiteX4" fmla="*/ 1179871 w 4807975"/>
+                <a:gd name="connsiteY4" fmla="*/ 1253613 h 1460091"/>
+                <a:gd name="connsiteX5" fmla="*/ 1482213 w 4807975"/>
+                <a:gd name="connsiteY5" fmla="*/ 737420 h 1460091"/>
+                <a:gd name="connsiteX6" fmla="*/ 1821426 w 4807975"/>
+                <a:gd name="connsiteY6" fmla="*/ 899652 h 1460091"/>
+                <a:gd name="connsiteX7" fmla="*/ 2020529 w 4807975"/>
+                <a:gd name="connsiteY7" fmla="*/ 560439 h 1460091"/>
+                <a:gd name="connsiteX8" fmla="*/ 2492478 w 4807975"/>
+                <a:gd name="connsiteY8" fmla="*/ 1290484 h 1460091"/>
+                <a:gd name="connsiteX9" fmla="*/ 2765323 w 4807975"/>
+                <a:gd name="connsiteY9" fmla="*/ 707923 h 1460091"/>
+                <a:gd name="connsiteX10" fmla="*/ 3030794 w 4807975"/>
+                <a:gd name="connsiteY10" fmla="*/ 870155 h 1460091"/>
+                <a:gd name="connsiteX11" fmla="*/ 3281517 w 4807975"/>
+                <a:gd name="connsiteY11" fmla="*/ 464574 h 1460091"/>
+                <a:gd name="connsiteX12" fmla="*/ 3539613 w 4807975"/>
+                <a:gd name="connsiteY12" fmla="*/ 936523 h 1460091"/>
+                <a:gd name="connsiteX13" fmla="*/ 3827207 w 4807975"/>
+                <a:gd name="connsiteY13" fmla="*/ 176981 h 1460091"/>
+                <a:gd name="connsiteX14" fmla="*/ 4144297 w 4807975"/>
+                <a:gd name="connsiteY14" fmla="*/ 516194 h 1460091"/>
+                <a:gd name="connsiteX15" fmla="*/ 4350775 w 4807975"/>
+                <a:gd name="connsiteY15" fmla="*/ 243349 h 1460091"/>
+                <a:gd name="connsiteX16" fmla="*/ 4557252 w 4807975"/>
+                <a:gd name="connsiteY16" fmla="*/ 678426 h 1460091"/>
+                <a:gd name="connsiteX17" fmla="*/ 4807975 w 4807975"/>
+                <a:gd name="connsiteY17" fmla="*/ 0 h 1460091"/>
+              </a:gdLst>
+              <a:ahLst/>
+              <a:cxnLst>
+                <a:cxn ang="0">
+                  <a:pos x="connsiteX0" y="connsiteY0"/>
+                </a:cxn>
+                <a:cxn ang="0">
+                  <a:pos x="connsiteX1" y="connsiteY1"/>
+                </a:cxn>
+                <a:cxn ang="0">
+                  <a:pos x="connsiteX2" y="connsiteY2"/>
+                </a:cxn>
+                <a:cxn ang="0">
+                  <a:pos x="connsiteX3" y="connsiteY3"/>
+                </a:cxn>
+                <a:cxn ang="0">
+                  <a:pos x="connsiteX4" y="connsiteY4"/>
+                </a:cxn>
+                <a:cxn ang="0">
+                  <a:pos x="connsiteX5" y="connsiteY5"/>
+                </a:cxn>
+                <a:cxn ang="0">
+                  <a:pos x="connsiteX6" y="connsiteY6"/>
+                </a:cxn>
+                <a:cxn ang="0">
+                  <a:pos x="connsiteX7" y="connsiteY7"/>
+                </a:cxn>
+                <a:cxn ang="0">
+                  <a:pos x="connsiteX8" y="connsiteY8"/>
+                </a:cxn>
+                <a:cxn ang="0">
+                  <a:pos x="connsiteX9" y="connsiteY9"/>
+                </a:cxn>
+                <a:cxn ang="0">
+                  <a:pos x="connsiteX10" y="connsiteY10"/>
+                </a:cxn>
+                <a:cxn ang="0">
+                  <a:pos x="connsiteX11" y="connsiteY11"/>
+                </a:cxn>
+                <a:cxn ang="0">
+                  <a:pos x="connsiteX12" y="connsiteY12"/>
+                </a:cxn>
+                <a:cxn ang="0">
+                  <a:pos x="connsiteX13" y="connsiteY13"/>
+                </a:cxn>
+                <a:cxn ang="0">
+                  <a:pos x="connsiteX14" y="connsiteY14"/>
+                </a:cxn>
+                <a:cxn ang="0">
+                  <a:pos x="connsiteX15" y="connsiteY15"/>
+                </a:cxn>
+                <a:cxn ang="0">
+                  <a:pos x="connsiteX16" y="connsiteY16"/>
+                </a:cxn>
+                <a:cxn ang="0">
+                  <a:pos x="connsiteX17" y="connsiteY17"/>
+                </a:cxn>
+              </a:cxnLst>
+              <a:rect l="l" t="t" r="r" b="b"/>
+              <a:pathLst>
+                <a:path w="4807975" h="1460091">
+                  <a:moveTo>
+                    <a:pt x="0" y="1342103"/>
+                  </a:moveTo>
+                  <a:cubicBezTo>
+                    <a:pt x="59608" y="1122106"/>
+                    <a:pt x="119217" y="902109"/>
+                    <a:pt x="206478" y="921774"/>
+                  </a:cubicBezTo>
+                  <a:cubicBezTo>
+                    <a:pt x="293739" y="941439"/>
+                    <a:pt x="420329" y="1460091"/>
+                    <a:pt x="523568" y="1460091"/>
+                  </a:cubicBezTo>
+                  <a:cubicBezTo>
+                    <a:pt x="626807" y="1460091"/>
+                    <a:pt x="716526" y="956187"/>
+                    <a:pt x="825910" y="921774"/>
+                  </a:cubicBezTo>
+                  <a:cubicBezTo>
+                    <a:pt x="935294" y="887361"/>
+                    <a:pt x="1070487" y="1284339"/>
+                    <a:pt x="1179871" y="1253613"/>
+                  </a:cubicBezTo>
+                  <a:cubicBezTo>
+                    <a:pt x="1289255" y="1222887"/>
+                    <a:pt x="1375287" y="796413"/>
+                    <a:pt x="1482213" y="737420"/>
+                  </a:cubicBezTo>
+                  <a:cubicBezTo>
+                    <a:pt x="1589139" y="678426"/>
+                    <a:pt x="1731707" y="929149"/>
+                    <a:pt x="1821426" y="899652"/>
+                  </a:cubicBezTo>
+                  <a:cubicBezTo>
+                    <a:pt x="1911145" y="870155"/>
+                    <a:pt x="1908687" y="495300"/>
+                    <a:pt x="2020529" y="560439"/>
+                  </a:cubicBezTo>
+                  <a:cubicBezTo>
+                    <a:pt x="2132371" y="625578"/>
+                    <a:pt x="2368346" y="1265903"/>
+                    <a:pt x="2492478" y="1290484"/>
+                  </a:cubicBezTo>
+                  <a:cubicBezTo>
+                    <a:pt x="2616610" y="1315065"/>
+                    <a:pt x="2675604" y="777978"/>
+                    <a:pt x="2765323" y="707923"/>
+                  </a:cubicBezTo>
+                  <a:cubicBezTo>
+                    <a:pt x="2855042" y="637868"/>
+                    <a:pt x="2944762" y="910713"/>
+                    <a:pt x="3030794" y="870155"/>
+                  </a:cubicBezTo>
+                  <a:cubicBezTo>
+                    <a:pt x="3116826" y="829597"/>
+                    <a:pt x="3196714" y="453513"/>
+                    <a:pt x="3281517" y="464574"/>
+                  </a:cubicBezTo>
+                  <a:cubicBezTo>
+                    <a:pt x="3366320" y="475635"/>
+                    <a:pt x="3448665" y="984455"/>
+                    <a:pt x="3539613" y="936523"/>
+                  </a:cubicBezTo>
+                  <a:cubicBezTo>
+                    <a:pt x="3630561" y="888591"/>
+                    <a:pt x="3726426" y="247036"/>
+                    <a:pt x="3827207" y="176981"/>
+                  </a:cubicBezTo>
+                  <a:cubicBezTo>
+                    <a:pt x="3927988" y="106926"/>
+                    <a:pt x="4057036" y="505133"/>
+                    <a:pt x="4144297" y="516194"/>
+                  </a:cubicBezTo>
+                  <a:cubicBezTo>
+                    <a:pt x="4231558" y="527255"/>
+                    <a:pt x="4281949" y="216310"/>
+                    <a:pt x="4350775" y="243349"/>
+                  </a:cubicBezTo>
+                  <a:cubicBezTo>
+                    <a:pt x="4419601" y="270388"/>
+                    <a:pt x="4481052" y="718984"/>
+                    <a:pt x="4557252" y="678426"/>
+                  </a:cubicBezTo>
+                  <a:cubicBezTo>
+                    <a:pt x="4633452" y="637868"/>
+                    <a:pt x="4740378" y="154858"/>
+                    <a:pt x="4807975" y="0"/>
+                  </a:cubicBezTo>
+                </a:path>
+              </a:pathLst>
+            </a:custGeom>
+            <a:noFill/>
+            <a:ln w="25400">
+              <a:solidFill>
+                <a:srgbClr val="C00000"/>
+              </a:solidFill>
+            </a:ln>
+          </p:spPr>
+          <p:style>
+            <a:lnRef idx="2">
+              <a:schemeClr val="accent1">
+                <a:shade val="50000"/>
+              </a:schemeClr>
+            </a:lnRef>
+            <a:fillRef idx="1">
+              <a:schemeClr val="accent1"/>
+            </a:fillRef>
+            <a:effectRef idx="0">
+              <a:schemeClr val="accent1"/>
+            </a:effectRef>
+            <a:fontRef idx="minor">
+              <a:schemeClr val="lt1"/>
+            </a:fontRef>
+          </p:style>
+          <p:txBody>
+            <a:bodyPr rtlCol="0" anchor="ctr"/>
+            <a:lstStyle/>
+            <a:p>
+              <a:pPr algn="ctr"/>
+              <a:endParaRPr lang="en-CN" dirty="0"/>
+            </a:p>
+          </p:txBody>
+        </p:sp>
+        <p:sp>
+          <p:nvSpPr>
+            <p:cNvPr id="133" name="Oval 132">
+              <a:extLst>
+                <a:ext uri="{FF2B5EF4-FFF2-40B4-BE49-F238E27FC236}">
+                  <a16:creationId xmlns:a16="http://schemas.microsoft.com/office/drawing/2014/main" id="{AF9DA007-19C4-3A41-AE7A-BD637DEE8CB8}"/>
+                </a:ext>
+              </a:extLst>
+            </p:cNvPr>
+            <p:cNvSpPr/>
+            <p:nvPr/>
+          </p:nvSpPr>
+          <p:spPr>
+            <a:xfrm>
+              <a:off x="882526" y="3852927"/>
+              <a:ext cx="62088" cy="62088"/>
+            </a:xfrm>
+            <a:prstGeom prst="ellipse">
+              <a:avLst/>
+            </a:prstGeom>
+            <a:solidFill>
+              <a:schemeClr val="tx1"/>
+            </a:solidFill>
+            <a:ln>
+              <a:solidFill>
+                <a:schemeClr val="tx1"/>
+              </a:solidFill>
+            </a:ln>
+          </p:spPr>
+          <p:style>
+            <a:lnRef idx="2">
+              <a:schemeClr val="accent1">
+                <a:shade val="50000"/>
+              </a:schemeClr>
+            </a:lnRef>
+            <a:fillRef idx="1">
+              <a:schemeClr val="accent1"/>
+            </a:fillRef>
+            <a:effectRef idx="0">
+              <a:schemeClr val="accent1"/>
+            </a:effectRef>
+            <a:fontRef idx="minor">
+              <a:schemeClr val="lt1"/>
+            </a:fontRef>
+          </p:style>
+          <p:txBody>
+            <a:bodyPr rtlCol="0" anchor="ctr"/>
+            <a:lstStyle/>
+            <a:p>
+              <a:pPr algn="ctr"/>
+              <a:endParaRPr lang="en-CN"/>
+            </a:p>
+          </p:txBody>
+        </p:sp>
+        <p:sp>
+          <p:nvSpPr>
+            <p:cNvPr id="134" name="Oval 133">
+              <a:extLst>
+                <a:ext uri="{FF2B5EF4-FFF2-40B4-BE49-F238E27FC236}">
+                  <a16:creationId xmlns:a16="http://schemas.microsoft.com/office/drawing/2014/main" id="{7EC3F3D2-1182-8D4B-88A9-2593B442A980}"/>
+                </a:ext>
+              </a:extLst>
+            </p:cNvPr>
+            <p:cNvSpPr/>
+            <p:nvPr/>
+          </p:nvSpPr>
+          <p:spPr>
+            <a:xfrm>
+              <a:off x="1076201" y="3418647"/>
+              <a:ext cx="62088" cy="62088"/>
+            </a:xfrm>
+            <a:prstGeom prst="ellipse">
+              <a:avLst/>
+            </a:prstGeom>
+            <a:solidFill>
+              <a:schemeClr val="tx1"/>
+            </a:solidFill>
+            <a:ln>
+              <a:solidFill>
+                <a:schemeClr val="tx1"/>
+              </a:solidFill>
+            </a:ln>
+          </p:spPr>
+          <p:style>
+            <a:lnRef idx="2">
+              <a:schemeClr val="accent1">
+                <a:shade val="50000"/>
+              </a:schemeClr>
+            </a:lnRef>
+            <a:fillRef idx="1">
+              <a:schemeClr val="accent1"/>
+            </a:fillRef>
+            <a:effectRef idx="0">
+              <a:schemeClr val="accent1"/>
+            </a:effectRef>
+            <a:fontRef idx="minor">
+              <a:schemeClr val="lt1"/>
+            </a:fontRef>
+          </p:style>
+          <p:txBody>
+            <a:bodyPr rtlCol="0" anchor="ctr"/>
+            <a:lstStyle/>
+            <a:p>
+              <a:pPr algn="ctr"/>
+              <a:endParaRPr lang="en-CN"/>
+            </a:p>
+          </p:txBody>
+        </p:sp>
+        <p:sp>
+          <p:nvSpPr>
+            <p:cNvPr id="135" name="Oval 134">
+              <a:extLst>
+                <a:ext uri="{FF2B5EF4-FFF2-40B4-BE49-F238E27FC236}">
+                  <a16:creationId xmlns:a16="http://schemas.microsoft.com/office/drawing/2014/main" id="{A478FDFE-0CDF-7C45-A6D7-41F4F30FC3F4}"/>
+                </a:ext>
+              </a:extLst>
+            </p:cNvPr>
+            <p:cNvSpPr/>
+            <p:nvPr/>
+          </p:nvSpPr>
+          <p:spPr>
+            <a:xfrm>
+              <a:off x="1427168" y="3949486"/>
+              <a:ext cx="62088" cy="62088"/>
+            </a:xfrm>
+            <a:prstGeom prst="ellipse">
+              <a:avLst/>
+            </a:prstGeom>
+            <a:solidFill>
+              <a:schemeClr val="tx1"/>
+            </a:solidFill>
+            <a:ln>
+              <a:solidFill>
+                <a:schemeClr val="tx1"/>
+              </a:solidFill>
+            </a:ln>
+          </p:spPr>
+          <p:style>
+            <a:lnRef idx="2">
+              <a:schemeClr val="accent1">
+                <a:shade val="50000"/>
+              </a:schemeClr>
+            </a:lnRef>
+            <a:fillRef idx="1">
+              <a:schemeClr val="accent1"/>
+            </a:fillRef>
+            <a:effectRef idx="0">
+              <a:schemeClr val="accent1"/>
+            </a:effectRef>
+            <a:fontRef idx="minor">
+              <a:schemeClr val="lt1"/>
+            </a:fontRef>
+          </p:style>
+          <p:txBody>
+            <a:bodyPr rtlCol="0" anchor="ctr"/>
+            <a:lstStyle/>
+            <a:p>
+              <a:pPr algn="ctr"/>
+              <a:endParaRPr lang="en-CN"/>
+            </a:p>
+          </p:txBody>
+        </p:sp>
+        <p:sp>
+          <p:nvSpPr>
+            <p:cNvPr id="136" name="Oval 135">
+              <a:extLst>
+                <a:ext uri="{FF2B5EF4-FFF2-40B4-BE49-F238E27FC236}">
+                  <a16:creationId xmlns:a16="http://schemas.microsoft.com/office/drawing/2014/main" id="{D00EBDE6-3DC6-4F4A-B5FE-DBADE18C9D9C}"/>
+                </a:ext>
+              </a:extLst>
+            </p:cNvPr>
+            <p:cNvSpPr/>
+            <p:nvPr/>
+          </p:nvSpPr>
+          <p:spPr>
+            <a:xfrm>
+              <a:off x="1736503" y="3402101"/>
+              <a:ext cx="62088" cy="62088"/>
+            </a:xfrm>
+            <a:prstGeom prst="ellipse">
+              <a:avLst/>
+            </a:prstGeom>
+            <a:solidFill>
+              <a:schemeClr val="tx1"/>
+            </a:solidFill>
+            <a:ln>
+              <a:solidFill>
+                <a:schemeClr val="tx1"/>
+              </a:solidFill>
+            </a:ln>
+          </p:spPr>
+          <p:style>
+            <a:lnRef idx="2">
+              <a:schemeClr val="accent1">
+                <a:shade val="50000"/>
+              </a:schemeClr>
+            </a:lnRef>
+            <a:fillRef idx="1">
+              <a:schemeClr val="accent1"/>
+            </a:fillRef>
+            <a:effectRef idx="0">
+              <a:schemeClr val="accent1"/>
+            </a:effectRef>
+            <a:fontRef idx="minor">
+              <a:schemeClr val="lt1"/>
+            </a:fontRef>
+          </p:style>
+          <p:txBody>
+            <a:bodyPr rtlCol="0" anchor="ctr"/>
+            <a:lstStyle/>
+            <a:p>
+              <a:pPr algn="ctr"/>
+              <a:endParaRPr lang="en-CN"/>
+            </a:p>
+          </p:txBody>
+        </p:sp>
+        <p:sp>
+          <p:nvSpPr>
+            <p:cNvPr id="137" name="Oval 136">
+              <a:extLst>
+                <a:ext uri="{FF2B5EF4-FFF2-40B4-BE49-F238E27FC236}">
+                  <a16:creationId xmlns:a16="http://schemas.microsoft.com/office/drawing/2014/main" id="{DFADE74F-DCD1-FA46-9A2E-32881D4BDF05}"/>
+                </a:ext>
+              </a:extLst>
+            </p:cNvPr>
+            <p:cNvSpPr/>
+            <p:nvPr/>
+          </p:nvSpPr>
+          <p:spPr>
+            <a:xfrm>
+              <a:off x="2069204" y="3749766"/>
+              <a:ext cx="62088" cy="62088"/>
+            </a:xfrm>
+            <a:prstGeom prst="ellipse">
+              <a:avLst/>
+            </a:prstGeom>
+            <a:solidFill>
+              <a:schemeClr val="tx1"/>
+            </a:solidFill>
+            <a:ln>
+              <a:solidFill>
+                <a:schemeClr val="tx1"/>
+              </a:solidFill>
+            </a:ln>
+          </p:spPr>
+          <p:style>
+            <a:lnRef idx="2">
+              <a:schemeClr val="accent1">
+                <a:shade val="50000"/>
+              </a:schemeClr>
+            </a:lnRef>
+            <a:fillRef idx="1">
+              <a:schemeClr val="accent1"/>
+            </a:fillRef>
+            <a:effectRef idx="0">
+              <a:schemeClr val="accent1"/>
+            </a:effectRef>
+            <a:fontRef idx="minor">
+              <a:schemeClr val="lt1"/>
+            </a:fontRef>
+          </p:style>
+          <p:txBody>
+            <a:bodyPr rtlCol="0" anchor="ctr"/>
+            <a:lstStyle/>
+            <a:p>
+              <a:pPr algn="ctr"/>
+              <a:endParaRPr lang="en-CN"/>
+            </a:p>
+          </p:txBody>
+        </p:sp>
+        <p:sp>
+          <p:nvSpPr>
+            <p:cNvPr id="138" name="Oval 137">
+              <a:extLst>
+                <a:ext uri="{FF2B5EF4-FFF2-40B4-BE49-F238E27FC236}">
+                  <a16:creationId xmlns:a16="http://schemas.microsoft.com/office/drawing/2014/main" id="{3735B6D4-7546-3440-8908-F8E4F3F55D5E}"/>
+                </a:ext>
+              </a:extLst>
+            </p:cNvPr>
+            <p:cNvSpPr/>
+            <p:nvPr/>
+          </p:nvSpPr>
+          <p:spPr>
+            <a:xfrm>
+              <a:off x="2412914" y="3220975"/>
+              <a:ext cx="62088" cy="62088"/>
+            </a:xfrm>
+            <a:prstGeom prst="ellipse">
+              <a:avLst/>
+            </a:prstGeom>
+            <a:solidFill>
+              <a:schemeClr val="tx1"/>
+            </a:solidFill>
+            <a:ln>
+              <a:solidFill>
+                <a:schemeClr val="tx1"/>
+              </a:solidFill>
+            </a:ln>
+          </p:spPr>
+          <p:style>
+            <a:lnRef idx="2">
+              <a:schemeClr val="accent1">
+                <a:shade val="50000"/>
+              </a:schemeClr>
+            </a:lnRef>
+            <a:fillRef idx="1">
+              <a:schemeClr val="accent1"/>
+            </a:fillRef>
+            <a:effectRef idx="0">
+              <a:schemeClr val="accent1"/>
+            </a:effectRef>
+            <a:fontRef idx="minor">
+              <a:schemeClr val="lt1"/>
+            </a:fontRef>
+          </p:style>
+          <p:txBody>
+            <a:bodyPr rtlCol="0" anchor="ctr"/>
+            <a:lstStyle/>
+            <a:p>
+              <a:pPr algn="ctr"/>
+              <a:endParaRPr lang="en-CN"/>
+            </a:p>
+          </p:txBody>
+        </p:sp>
+        <p:sp>
+          <p:nvSpPr>
+            <p:cNvPr id="139" name="Oval 138">
+              <a:extLst>
+                <a:ext uri="{FF2B5EF4-FFF2-40B4-BE49-F238E27FC236}">
+                  <a16:creationId xmlns:a16="http://schemas.microsoft.com/office/drawing/2014/main" id="{051F58A8-F682-E947-B952-0917BAC6311B}"/>
+                </a:ext>
+              </a:extLst>
+            </p:cNvPr>
+            <p:cNvSpPr/>
+            <p:nvPr/>
+          </p:nvSpPr>
+          <p:spPr>
+            <a:xfrm>
+              <a:off x="2728542" y="3397956"/>
+              <a:ext cx="62088" cy="62088"/>
+            </a:xfrm>
+            <a:prstGeom prst="ellipse">
+              <a:avLst/>
+            </a:prstGeom>
+            <a:solidFill>
+              <a:schemeClr val="tx1"/>
+            </a:solidFill>
+            <a:ln>
+              <a:solidFill>
+                <a:schemeClr val="tx1"/>
+              </a:solidFill>
+            </a:ln>
+          </p:spPr>
+          <p:style>
+            <a:lnRef idx="2">
+              <a:schemeClr val="accent1">
+                <a:shade val="50000"/>
+              </a:schemeClr>
+            </a:lnRef>
+            <a:fillRef idx="1">
+              <a:schemeClr val="accent1"/>
+            </a:fillRef>
+            <a:effectRef idx="0">
+              <a:schemeClr val="accent1"/>
+            </a:effectRef>
+            <a:fontRef idx="minor">
+              <a:schemeClr val="lt1"/>
+            </a:fontRef>
+          </p:style>
+          <p:txBody>
+            <a:bodyPr rtlCol="0" anchor="ctr"/>
+            <a:lstStyle/>
+            <a:p>
+              <a:pPr algn="ctr"/>
+              <a:endParaRPr lang="en-CN"/>
+            </a:p>
+          </p:txBody>
+        </p:sp>
+        <p:sp>
+          <p:nvSpPr>
+            <p:cNvPr id="140" name="Oval 139">
+              <a:extLst>
+                <a:ext uri="{FF2B5EF4-FFF2-40B4-BE49-F238E27FC236}">
+                  <a16:creationId xmlns:a16="http://schemas.microsoft.com/office/drawing/2014/main" id="{EB5934B4-4125-2444-B450-9726E04A8C98}"/>
+                </a:ext>
+              </a:extLst>
+            </p:cNvPr>
+            <p:cNvSpPr/>
+            <p:nvPr/>
+          </p:nvSpPr>
+          <p:spPr>
+            <a:xfrm>
+              <a:off x="2896911" y="3036209"/>
+              <a:ext cx="62088" cy="62088"/>
+            </a:xfrm>
+            <a:prstGeom prst="ellipse">
+              <a:avLst/>
+            </a:prstGeom>
+            <a:solidFill>
+              <a:schemeClr val="tx1"/>
+            </a:solidFill>
+            <a:ln>
+              <a:solidFill>
+                <a:schemeClr val="tx1"/>
+              </a:solidFill>
+            </a:ln>
+          </p:spPr>
+          <p:style>
+            <a:lnRef idx="2">
+              <a:schemeClr val="accent1">
+                <a:shade val="50000"/>
+              </a:schemeClr>
+            </a:lnRef>
+            <a:fillRef idx="1">
+              <a:schemeClr val="accent1"/>
+            </a:fillRef>
+            <a:effectRef idx="0">
+              <a:schemeClr val="accent1"/>
+            </a:effectRef>
+            <a:fontRef idx="minor">
+              <a:schemeClr val="lt1"/>
+            </a:fontRef>
+          </p:style>
+          <p:txBody>
+            <a:bodyPr rtlCol="0" anchor="ctr"/>
+            <a:lstStyle/>
+            <a:p>
+              <a:pPr algn="ctr"/>
+              <a:endParaRPr lang="en-CN"/>
+            </a:p>
+          </p:txBody>
+        </p:sp>
+        <p:sp>
+          <p:nvSpPr>
+            <p:cNvPr id="141" name="Oval 140">
+              <a:extLst>
+                <a:ext uri="{FF2B5EF4-FFF2-40B4-BE49-F238E27FC236}">
+                  <a16:creationId xmlns:a16="http://schemas.microsoft.com/office/drawing/2014/main" id="{B17C46F0-28B8-A048-BF7A-53C7A59108E5}"/>
+                </a:ext>
+              </a:extLst>
+            </p:cNvPr>
+            <p:cNvSpPr/>
+            <p:nvPr/>
+          </p:nvSpPr>
+          <p:spPr>
+            <a:xfrm>
+              <a:off x="3419400" y="3778650"/>
+              <a:ext cx="62088" cy="62088"/>
+            </a:xfrm>
+            <a:prstGeom prst="ellipse">
+              <a:avLst/>
+            </a:prstGeom>
+            <a:solidFill>
+              <a:schemeClr val="tx1"/>
+            </a:solidFill>
+            <a:ln>
+              <a:solidFill>
+                <a:schemeClr val="tx1"/>
+              </a:solidFill>
+            </a:ln>
+          </p:spPr>
+          <p:style>
+            <a:lnRef idx="2">
+              <a:schemeClr val="accent1">
+                <a:shade val="50000"/>
+              </a:schemeClr>
+            </a:lnRef>
+            <a:fillRef idx="1">
+              <a:schemeClr val="accent1"/>
+            </a:fillRef>
+            <a:effectRef idx="0">
+              <a:schemeClr val="accent1"/>
+            </a:effectRef>
+            <a:fontRef idx="minor">
+              <a:schemeClr val="lt1"/>
+            </a:fontRef>
+          </p:style>
+          <p:txBody>
+            <a:bodyPr rtlCol="0" anchor="ctr"/>
+            <a:lstStyle/>
+            <a:p>
+              <a:pPr algn="ctr"/>
+              <a:endParaRPr lang="en-CN"/>
+            </a:p>
+          </p:txBody>
+        </p:sp>
+        <p:sp>
+          <p:nvSpPr>
+            <p:cNvPr id="142" name="Oval 141">
+              <a:extLst>
+                <a:ext uri="{FF2B5EF4-FFF2-40B4-BE49-F238E27FC236}">
+                  <a16:creationId xmlns:a16="http://schemas.microsoft.com/office/drawing/2014/main" id="{D5D41815-3B54-6E4C-9E14-A41D5A9ADF02}"/>
+                </a:ext>
+              </a:extLst>
+            </p:cNvPr>
+            <p:cNvSpPr/>
+            <p:nvPr/>
+          </p:nvSpPr>
+          <p:spPr>
+            <a:xfrm>
+              <a:off x="3713157" y="3179761"/>
+              <a:ext cx="62088" cy="62088"/>
+            </a:xfrm>
+            <a:prstGeom prst="ellipse">
+              <a:avLst/>
+            </a:prstGeom>
+            <a:solidFill>
+              <a:schemeClr val="tx1"/>
+            </a:solidFill>
+            <a:ln>
+              <a:solidFill>
+                <a:schemeClr val="tx1"/>
+              </a:solidFill>
+            </a:ln>
+          </p:spPr>
+          <p:style>
+            <a:lnRef idx="2">
+              <a:schemeClr val="accent1">
+                <a:shade val="50000"/>
+              </a:schemeClr>
+            </a:lnRef>
+            <a:fillRef idx="1">
+              <a:schemeClr val="accent1"/>
+            </a:fillRef>
+            <a:effectRef idx="0">
+              <a:schemeClr val="accent1"/>
+            </a:effectRef>
+            <a:fontRef idx="minor">
+              <a:schemeClr val="lt1"/>
+            </a:fontRef>
+          </p:style>
+          <p:txBody>
+            <a:bodyPr rtlCol="0" anchor="ctr"/>
+            <a:lstStyle/>
+            <a:p>
+              <a:pPr algn="ctr"/>
+              <a:endParaRPr lang="en-CN"/>
+            </a:p>
+          </p:txBody>
+        </p:sp>
+        <p:sp>
+          <p:nvSpPr>
+            <p:cNvPr id="143" name="Oval 142">
+              <a:extLst>
+                <a:ext uri="{FF2B5EF4-FFF2-40B4-BE49-F238E27FC236}">
+                  <a16:creationId xmlns:a16="http://schemas.microsoft.com/office/drawing/2014/main" id="{B912FBCD-C935-A04B-830C-EE4CB78FF0B6}"/>
+                </a:ext>
+              </a:extLst>
+            </p:cNvPr>
+            <p:cNvSpPr/>
+            <p:nvPr/>
+          </p:nvSpPr>
+          <p:spPr>
+            <a:xfrm>
+              <a:off x="3942751" y="3356559"/>
+              <a:ext cx="62088" cy="62088"/>
+            </a:xfrm>
+            <a:prstGeom prst="ellipse">
+              <a:avLst/>
+            </a:prstGeom>
+            <a:solidFill>
+              <a:schemeClr val="tx1"/>
+            </a:solidFill>
+            <a:ln>
+              <a:solidFill>
+                <a:schemeClr val="tx1"/>
+              </a:solidFill>
+            </a:ln>
+          </p:spPr>
+          <p:style>
+            <a:lnRef idx="2">
+              <a:schemeClr val="accent1">
+                <a:shade val="50000"/>
+              </a:schemeClr>
+            </a:lnRef>
+            <a:fillRef idx="1">
+              <a:schemeClr val="accent1"/>
+            </a:fillRef>
+            <a:effectRef idx="0">
+              <a:schemeClr val="accent1"/>
+            </a:effectRef>
+            <a:fontRef idx="minor">
+              <a:schemeClr val="lt1"/>
+            </a:fontRef>
+          </p:style>
+          <p:txBody>
+            <a:bodyPr rtlCol="0" anchor="ctr"/>
+            <a:lstStyle/>
+            <a:p>
+              <a:pPr algn="ctr"/>
+              <a:endParaRPr lang="en-CN"/>
+            </a:p>
+          </p:txBody>
+        </p:sp>
+        <p:sp>
+          <p:nvSpPr>
+            <p:cNvPr id="144" name="Oval 143">
+              <a:extLst>
+                <a:ext uri="{FF2B5EF4-FFF2-40B4-BE49-F238E27FC236}">
+                  <a16:creationId xmlns:a16="http://schemas.microsoft.com/office/drawing/2014/main" id="{8ABCEC05-572E-CF4B-9349-F988A92AAFE8}"/>
+                </a:ext>
+              </a:extLst>
+            </p:cNvPr>
+            <p:cNvSpPr/>
+            <p:nvPr/>
+          </p:nvSpPr>
+          <p:spPr>
+            <a:xfrm>
+              <a:off x="4203389" y="2953918"/>
+              <a:ext cx="62088" cy="62088"/>
+            </a:xfrm>
+            <a:prstGeom prst="ellipse">
+              <a:avLst/>
+            </a:prstGeom>
+            <a:solidFill>
+              <a:schemeClr val="tx1"/>
+            </a:solidFill>
+            <a:ln>
+              <a:solidFill>
+                <a:schemeClr val="tx1"/>
+              </a:solidFill>
+            </a:ln>
+          </p:spPr>
+          <p:style>
+            <a:lnRef idx="2">
+              <a:schemeClr val="accent1">
+                <a:shade val="50000"/>
+              </a:schemeClr>
+            </a:lnRef>
+            <a:fillRef idx="1">
+              <a:schemeClr val="accent1"/>
+            </a:fillRef>
+            <a:effectRef idx="0">
+              <a:schemeClr val="accent1"/>
+            </a:effectRef>
+            <a:fontRef idx="minor">
+              <a:schemeClr val="lt1"/>
+            </a:fontRef>
+          </p:style>
+          <p:txBody>
+            <a:bodyPr rtlCol="0" anchor="ctr"/>
+            <a:lstStyle/>
+            <a:p>
+              <a:pPr algn="ctr"/>
+              <a:endParaRPr lang="en-CN"/>
+            </a:p>
+          </p:txBody>
+        </p:sp>
+        <p:sp>
+          <p:nvSpPr>
+            <p:cNvPr id="145" name="Oval 144">
+              <a:extLst>
+                <a:ext uri="{FF2B5EF4-FFF2-40B4-BE49-F238E27FC236}">
+                  <a16:creationId xmlns:a16="http://schemas.microsoft.com/office/drawing/2014/main" id="{E4C42C07-70A4-3A45-BDF1-E07E4C3B4227}"/>
+                </a:ext>
+              </a:extLst>
+            </p:cNvPr>
+            <p:cNvSpPr/>
+            <p:nvPr/>
+          </p:nvSpPr>
+          <p:spPr>
+            <a:xfrm>
+              <a:off x="4455119" y="3431323"/>
+              <a:ext cx="62088" cy="62088"/>
+            </a:xfrm>
+            <a:prstGeom prst="ellipse">
+              <a:avLst/>
+            </a:prstGeom>
+            <a:solidFill>
+              <a:schemeClr val="tx1"/>
+            </a:solidFill>
+            <a:ln>
+              <a:solidFill>
+                <a:schemeClr val="tx1"/>
+              </a:solidFill>
+            </a:ln>
+          </p:spPr>
+          <p:style>
+            <a:lnRef idx="2">
+              <a:schemeClr val="accent1">
+                <a:shade val="50000"/>
+              </a:schemeClr>
+            </a:lnRef>
+            <a:fillRef idx="1">
+              <a:schemeClr val="accent1"/>
+            </a:fillRef>
+            <a:effectRef idx="0">
+              <a:schemeClr val="accent1"/>
+            </a:effectRef>
+            <a:fontRef idx="minor">
+              <a:schemeClr val="lt1"/>
+            </a:fontRef>
+          </p:style>
+          <p:txBody>
+            <a:bodyPr rtlCol="0" anchor="ctr"/>
+            <a:lstStyle/>
+            <a:p>
+              <a:pPr algn="ctr"/>
+              <a:endParaRPr lang="en-CN"/>
+            </a:p>
+          </p:txBody>
+        </p:sp>
+        <p:sp>
+          <p:nvSpPr>
+            <p:cNvPr id="146" name="Oval 145">
+              <a:extLst>
+                <a:ext uri="{FF2B5EF4-FFF2-40B4-BE49-F238E27FC236}">
+                  <a16:creationId xmlns:a16="http://schemas.microsoft.com/office/drawing/2014/main" id="{00A14081-024A-0A4A-BB18-6DBED8F89280}"/>
+                </a:ext>
+              </a:extLst>
+            </p:cNvPr>
+            <p:cNvSpPr/>
+            <p:nvPr/>
+          </p:nvSpPr>
+          <p:spPr>
+            <a:xfrm>
+              <a:off x="4785751" y="2654669"/>
+              <a:ext cx="62088" cy="62088"/>
+            </a:xfrm>
+            <a:prstGeom prst="ellipse">
+              <a:avLst/>
+            </a:prstGeom>
+            <a:solidFill>
+              <a:schemeClr val="tx1"/>
+            </a:solidFill>
+            <a:ln>
+              <a:solidFill>
+                <a:schemeClr val="tx1"/>
+              </a:solidFill>
+            </a:ln>
+          </p:spPr>
+          <p:style>
+            <a:lnRef idx="2">
+              <a:schemeClr val="accent1">
+                <a:shade val="50000"/>
+              </a:schemeClr>
+            </a:lnRef>
+            <a:fillRef idx="1">
+              <a:schemeClr val="accent1"/>
+            </a:fillRef>
+            <a:effectRef idx="0">
+              <a:schemeClr val="accent1"/>
+            </a:effectRef>
+            <a:fontRef idx="minor">
+              <a:schemeClr val="lt1"/>
+            </a:fontRef>
+          </p:style>
+          <p:txBody>
+            <a:bodyPr rtlCol="0" anchor="ctr"/>
+            <a:lstStyle/>
+            <a:p>
+              <a:pPr algn="ctr"/>
+              <a:endParaRPr lang="en-CN"/>
+            </a:p>
+          </p:txBody>
+        </p:sp>
+        <p:sp>
+          <p:nvSpPr>
+            <p:cNvPr id="147" name="Oval 146">
+              <a:extLst>
+                <a:ext uri="{FF2B5EF4-FFF2-40B4-BE49-F238E27FC236}">
+                  <a16:creationId xmlns:a16="http://schemas.microsoft.com/office/drawing/2014/main" id="{1CCEA41A-6F18-9943-BF76-2CC06B11BD4D}"/>
+                </a:ext>
+              </a:extLst>
+            </p:cNvPr>
+            <p:cNvSpPr/>
+            <p:nvPr/>
+          </p:nvSpPr>
+          <p:spPr>
+            <a:xfrm>
+              <a:off x="5089145" y="2997404"/>
+              <a:ext cx="62088" cy="62088"/>
+            </a:xfrm>
+            <a:prstGeom prst="ellipse">
+              <a:avLst/>
+            </a:prstGeom>
+            <a:solidFill>
+              <a:schemeClr val="tx1"/>
+            </a:solidFill>
+            <a:ln>
+              <a:solidFill>
+                <a:schemeClr val="tx1"/>
+              </a:solidFill>
+            </a:ln>
+          </p:spPr>
+          <p:style>
+            <a:lnRef idx="2">
+              <a:schemeClr val="accent1">
+                <a:shade val="50000"/>
+              </a:schemeClr>
+            </a:lnRef>
+            <a:fillRef idx="1">
+              <a:schemeClr val="accent1"/>
+            </a:fillRef>
+            <a:effectRef idx="0">
+              <a:schemeClr val="accent1"/>
+            </a:effectRef>
+            <a:fontRef idx="minor">
+              <a:schemeClr val="lt1"/>
+            </a:fontRef>
+          </p:style>
+          <p:txBody>
+            <a:bodyPr rtlCol="0" anchor="ctr"/>
+            <a:lstStyle/>
+            <a:p>
+              <a:pPr algn="ctr"/>
+              <a:endParaRPr lang="en-CN"/>
+            </a:p>
+          </p:txBody>
+        </p:sp>
+        <p:sp>
+          <p:nvSpPr>
+            <p:cNvPr id="148" name="Oval 147">
+              <a:extLst>
+                <a:ext uri="{FF2B5EF4-FFF2-40B4-BE49-F238E27FC236}">
+                  <a16:creationId xmlns:a16="http://schemas.microsoft.com/office/drawing/2014/main" id="{929DBE4F-832B-7040-B172-673B5EF23723}"/>
+                </a:ext>
+              </a:extLst>
+            </p:cNvPr>
+            <p:cNvSpPr/>
+            <p:nvPr/>
+          </p:nvSpPr>
+          <p:spPr>
+            <a:xfrm>
+              <a:off x="5285737" y="2738474"/>
+              <a:ext cx="62088" cy="62088"/>
+            </a:xfrm>
+            <a:prstGeom prst="ellipse">
+              <a:avLst/>
+            </a:prstGeom>
+            <a:solidFill>
+              <a:schemeClr val="tx1"/>
+            </a:solidFill>
+            <a:ln>
+              <a:solidFill>
+                <a:schemeClr val="tx1"/>
+              </a:solidFill>
+            </a:ln>
+          </p:spPr>
+          <p:style>
+            <a:lnRef idx="2">
+              <a:schemeClr val="accent1">
+                <a:shade val="50000"/>
+              </a:schemeClr>
+            </a:lnRef>
+            <a:fillRef idx="1">
+              <a:schemeClr val="accent1"/>
+            </a:fillRef>
+            <a:effectRef idx="0">
+              <a:schemeClr val="accent1"/>
+            </a:effectRef>
+            <a:fontRef idx="minor">
+              <a:schemeClr val="lt1"/>
+            </a:fontRef>
+          </p:style>
+          <p:txBody>
+            <a:bodyPr rtlCol="0" anchor="ctr"/>
+            <a:lstStyle/>
+            <a:p>
+              <a:pPr algn="ctr"/>
+              <a:endParaRPr lang="en-CN"/>
+            </a:p>
+          </p:txBody>
+        </p:sp>
+        <p:sp>
+          <p:nvSpPr>
+            <p:cNvPr id="149" name="Oval 148">
+              <a:extLst>
+                <a:ext uri="{FF2B5EF4-FFF2-40B4-BE49-F238E27FC236}">
+                  <a16:creationId xmlns:a16="http://schemas.microsoft.com/office/drawing/2014/main" id="{7BAEFE4A-6461-1743-8B71-9101E76B68B5}"/>
+                </a:ext>
+              </a:extLst>
+            </p:cNvPr>
+            <p:cNvSpPr/>
+            <p:nvPr/>
+          </p:nvSpPr>
+          <p:spPr>
+            <a:xfrm>
+              <a:off x="5497805" y="3179761"/>
+              <a:ext cx="62088" cy="62088"/>
+            </a:xfrm>
+            <a:prstGeom prst="ellipse">
+              <a:avLst/>
+            </a:prstGeom>
+            <a:solidFill>
+              <a:schemeClr val="tx1"/>
+            </a:solidFill>
+            <a:ln>
+              <a:solidFill>
+                <a:schemeClr val="tx1"/>
+              </a:solidFill>
+            </a:ln>
+          </p:spPr>
+          <p:style>
+            <a:lnRef idx="2">
+              <a:schemeClr val="accent1">
+                <a:shade val="50000"/>
+              </a:schemeClr>
+            </a:lnRef>
+            <a:fillRef idx="1">
+              <a:schemeClr val="accent1"/>
+            </a:fillRef>
+            <a:effectRef idx="0">
+              <a:schemeClr val="accent1"/>
+            </a:effectRef>
+            <a:fontRef idx="minor">
+              <a:schemeClr val="lt1"/>
+            </a:fontRef>
+          </p:style>
+          <p:txBody>
+            <a:bodyPr rtlCol="0" anchor="ctr"/>
+            <a:lstStyle/>
+            <a:p>
+              <a:pPr algn="ctr"/>
+              <a:endParaRPr lang="en-CN"/>
+            </a:p>
+          </p:txBody>
+        </p:sp>
+        <p:sp>
+          <p:nvSpPr>
+            <p:cNvPr id="150" name="Oval 149">
+              <a:extLst>
+                <a:ext uri="{FF2B5EF4-FFF2-40B4-BE49-F238E27FC236}">
+                  <a16:creationId xmlns:a16="http://schemas.microsoft.com/office/drawing/2014/main" id="{11785D17-33FA-E045-9672-567E78446314}"/>
+                </a:ext>
+              </a:extLst>
+            </p:cNvPr>
+            <p:cNvSpPr/>
+            <p:nvPr/>
+          </p:nvSpPr>
+          <p:spPr>
+            <a:xfrm>
+              <a:off x="5760836" y="2490930"/>
+              <a:ext cx="62088" cy="62088"/>
+            </a:xfrm>
+            <a:prstGeom prst="ellipse">
+              <a:avLst/>
+            </a:prstGeom>
+            <a:solidFill>
+              <a:schemeClr val="tx1"/>
+            </a:solidFill>
+            <a:ln>
+              <a:solidFill>
+                <a:schemeClr val="tx1"/>
+              </a:solidFill>
+            </a:ln>
+          </p:spPr>
+          <p:style>
+            <a:lnRef idx="2">
+              <a:schemeClr val="accent1">
+                <a:shade val="50000"/>
+              </a:schemeClr>
+            </a:lnRef>
+            <a:fillRef idx="1">
+              <a:schemeClr val="accent1"/>
+            </a:fillRef>
+            <a:effectRef idx="0">
+              <a:schemeClr val="accent1"/>
+            </a:effectRef>
+            <a:fontRef idx="minor">
+              <a:schemeClr val="lt1"/>
+            </a:fontRef>
+          </p:style>
+          <p:txBody>
+            <a:bodyPr rtlCol="0" anchor="ctr"/>
+            <a:lstStyle/>
+            <a:p>
+              <a:pPr algn="ctr"/>
+              <a:endParaRPr lang="en-CN"/>
+            </a:p>
+          </p:txBody>
+        </p:sp>
+      </p:grpSp>
+      <p:sp>
+        <p:nvSpPr>
+          <p:cNvPr id="156" name="TextBox 155">
+            <a:extLst>
+              <a:ext uri="{FF2B5EF4-FFF2-40B4-BE49-F238E27FC236}">
+                <a16:creationId xmlns:a16="http://schemas.microsoft.com/office/drawing/2014/main" id="{0E8637AA-490A-5943-9787-FEAEF8AD6344}"/>
+              </a:ext>
+            </a:extLst>
+          </p:cNvPr>
+          <p:cNvSpPr txBox="1"/>
+          <p:nvPr/>
+        </p:nvSpPr>
+        <p:spPr>
+          <a:xfrm>
+            <a:off x="1731580" y="3801173"/>
+            <a:ext cx="917561" cy="307777"/>
+          </a:xfrm>
+          <a:prstGeom prst="rect">
+            <a:avLst/>
+          </a:prstGeom>
+          <a:noFill/>
+        </p:spPr>
+        <p:txBody>
+          <a:bodyPr wrap="square">
+            <a:spAutoFit/>
+          </a:bodyPr>
+          <a:lstStyle/>
+          <a:p>
+            <a:pPr marL="0" marR="0" lvl="0" indent="0" algn="ctr" defTabSz="914400" rtl="0" eaLnBrk="1" fontAlgn="auto" latinLnBrk="0" hangingPunct="1">
+              <a:lnSpc>
+                <a:spcPct val="100000"/>
+              </a:lnSpc>
+              <a:spcBef>
+                <a:spcPts val="0"/>
+              </a:spcBef>
+              <a:spcAft>
+                <a:spcPts val="0"/>
+              </a:spcAft>
+              <a:buClrTx/>
+              <a:buSzTx/>
+              <a:buFontTx/>
+              <a:buNone/>
+              <a:tabLst/>
+              <a:defRPr/>
+            </a:pPr>
+            <a:r>
+              <a:rPr lang="en-US" sz="1400" b="1" kern="0" dirty="0" err="1">
+                <a:solidFill>
+                  <a:prstClr val="black"/>
+                </a:solidFill>
+                <a:latin typeface="KaiTi" panose="02010609060101010101" pitchFamily="49" charset="-122"/>
+                <a:ea typeface="KaiTi" panose="02010609060101010101" pitchFamily="49" charset="-122"/>
+              </a:rPr>
+              <a:t>历史趋势</a:t>
+            </a:r>
+            <a:endParaRPr kumimoji="0" lang="en-CN" sz="1400" b="1" i="0" u="none" strike="noStrike" kern="0" cap="none" spc="0" normalizeH="0" baseline="0" noProof="0" dirty="0">
+              <a:ln>
+                <a:noFill/>
+              </a:ln>
+              <a:solidFill>
+                <a:prstClr val="black"/>
+              </a:solidFill>
+              <a:effectLst/>
+              <a:uLnTx/>
+              <a:uFillTx/>
+              <a:latin typeface="KaiTi" panose="02010609060101010101" pitchFamily="49" charset="-122"/>
+              <a:ea typeface="KaiTi" panose="02010609060101010101" pitchFamily="49" charset="-122"/>
+              <a:cs typeface="+mn-cs"/>
+            </a:endParaRPr>
+          </a:p>
+        </p:txBody>
+      </p:sp>
+      <p:cxnSp>
+        <p:nvCxnSpPr>
+          <p:cNvPr id="159" name="Straight Connector 158">
+            <a:extLst>
+              <a:ext uri="{FF2B5EF4-FFF2-40B4-BE49-F238E27FC236}">
+                <a16:creationId xmlns:a16="http://schemas.microsoft.com/office/drawing/2014/main" id="{F62F415F-B8DE-7547-A2E1-D73FC9B4775D}"/>
+              </a:ext>
+            </a:extLst>
+          </p:cNvPr>
+          <p:cNvCxnSpPr>
+            <a:cxnSpLocks/>
+            <a:endCxn id="156" idx="3"/>
+          </p:cNvCxnSpPr>
+          <p:nvPr/>
+        </p:nvCxnSpPr>
+        <p:spPr>
+          <a:xfrm flipH="1">
+            <a:off x="2649141" y="3955062"/>
+            <a:ext cx="1238113" cy="0"/>
+          </a:xfrm>
+          <a:prstGeom prst="line">
+            <a:avLst/>
+          </a:prstGeom>
+          <a:ln w="19050">
+            <a:solidFill>
+              <a:schemeClr val="tx1"/>
+            </a:solidFill>
+            <a:prstDash val="solid"/>
+            <a:headEnd type="stealth" w="lg" len="med"/>
+            <a:tailEnd type="none" w="lg" len="med"/>
+          </a:ln>
+        </p:spPr>
+        <p:style>
+          <a:lnRef idx="1">
+            <a:schemeClr val="accent1"/>
+          </a:lnRef>
+          <a:fillRef idx="0">
+            <a:schemeClr val="accent1"/>
+          </a:fillRef>
+          <a:effectRef idx="0">
+            <a:schemeClr val="accent1"/>
+          </a:effectRef>
+          <a:fontRef idx="minor">
+            <a:schemeClr val="tx1"/>
+          </a:fontRef>
+        </p:style>
+      </p:cxnSp>
+      <p:sp>
+        <p:nvSpPr>
+          <p:cNvPr id="182" name="TextBox 181">
+            <a:extLst>
+              <a:ext uri="{FF2B5EF4-FFF2-40B4-BE49-F238E27FC236}">
+                <a16:creationId xmlns:a16="http://schemas.microsoft.com/office/drawing/2014/main" id="{CC8818E3-9781-1541-A93E-4A18523D1937}"/>
+              </a:ext>
+            </a:extLst>
+          </p:cNvPr>
+          <p:cNvSpPr txBox="1"/>
+          <p:nvPr/>
+        </p:nvSpPr>
+        <p:spPr>
+          <a:xfrm>
+            <a:off x="4210808" y="3798211"/>
+            <a:ext cx="911968" cy="307777"/>
+          </a:xfrm>
+          <a:prstGeom prst="rect">
+            <a:avLst/>
+          </a:prstGeom>
+          <a:noFill/>
+        </p:spPr>
+        <p:txBody>
+          <a:bodyPr wrap="square">
+            <a:spAutoFit/>
+          </a:bodyPr>
+          <a:lstStyle/>
+          <a:p>
+            <a:pPr marL="0" marR="0" lvl="0" indent="0" algn="ctr" defTabSz="914400" rtl="0" eaLnBrk="1" fontAlgn="auto" latinLnBrk="0" hangingPunct="1">
+              <a:lnSpc>
+                <a:spcPct val="100000"/>
+              </a:lnSpc>
+              <a:spcBef>
+                <a:spcPts val="0"/>
+              </a:spcBef>
+              <a:spcAft>
+                <a:spcPts val="0"/>
+              </a:spcAft>
+              <a:buClrTx/>
+              <a:buSzTx/>
+              <a:buFontTx/>
+              <a:buNone/>
+              <a:tabLst/>
+              <a:defRPr/>
+            </a:pPr>
+            <a:r>
+              <a:rPr lang="en-US" sz="1400" b="1" kern="0" dirty="0" err="1">
+                <a:solidFill>
+                  <a:prstClr val="black"/>
+                </a:solidFill>
+                <a:latin typeface="KaiTi" panose="02010609060101010101" pitchFamily="49" charset="-122"/>
+                <a:ea typeface="KaiTi" panose="02010609060101010101" pitchFamily="49" charset="-122"/>
+              </a:rPr>
+              <a:t>当前状态</a:t>
+            </a:r>
+            <a:endParaRPr kumimoji="0" lang="en-CN" sz="1400" b="1" i="0" u="none" strike="noStrike" kern="0" cap="none" spc="0" normalizeH="0" baseline="0" noProof="0" dirty="0">
+              <a:ln>
+                <a:noFill/>
+              </a:ln>
+              <a:solidFill>
+                <a:prstClr val="black"/>
+              </a:solidFill>
+              <a:effectLst/>
+              <a:uLnTx/>
+              <a:uFillTx/>
+              <a:latin typeface="KaiTi" panose="02010609060101010101" pitchFamily="49" charset="-122"/>
+              <a:ea typeface="KaiTi" panose="02010609060101010101" pitchFamily="49" charset="-122"/>
+              <a:cs typeface="+mn-cs"/>
+            </a:endParaRPr>
+          </a:p>
+        </p:txBody>
+      </p:sp>
+      <p:cxnSp>
+        <p:nvCxnSpPr>
+          <p:cNvPr id="199" name="Straight Connector 198">
+            <a:extLst>
+              <a:ext uri="{FF2B5EF4-FFF2-40B4-BE49-F238E27FC236}">
+                <a16:creationId xmlns:a16="http://schemas.microsoft.com/office/drawing/2014/main" id="{B7895896-6F18-BC45-8938-DE9403B7616D}"/>
+              </a:ext>
+            </a:extLst>
+          </p:cNvPr>
+          <p:cNvCxnSpPr>
+            <a:cxnSpLocks/>
+            <a:endCxn id="182" idx="3"/>
+          </p:cNvCxnSpPr>
+          <p:nvPr/>
+        </p:nvCxnSpPr>
+        <p:spPr>
+          <a:xfrm flipH="1" flipV="1">
+            <a:off x="5122776" y="3952100"/>
+            <a:ext cx="317174" cy="2961"/>
+          </a:xfrm>
+          <a:prstGeom prst="line">
+            <a:avLst/>
+          </a:prstGeom>
+          <a:ln w="19050">
+            <a:solidFill>
+              <a:schemeClr val="tx1"/>
+            </a:solidFill>
+            <a:prstDash val="solid"/>
+            <a:headEnd type="stealth" w="lg" len="med"/>
+            <a:tailEnd type="none" w="lg" len="med"/>
+          </a:ln>
+        </p:spPr>
+        <p:style>
+          <a:lnRef idx="1">
+            <a:schemeClr val="accent1"/>
+          </a:lnRef>
+          <a:fillRef idx="0">
+            <a:schemeClr val="accent1"/>
+          </a:fillRef>
+          <a:effectRef idx="0">
+            <a:schemeClr val="accent1"/>
+          </a:effectRef>
+          <a:fontRef idx="minor">
+            <a:schemeClr val="tx1"/>
+          </a:fontRef>
+        </p:style>
+      </p:cxnSp>
+      <p:cxnSp>
+        <p:nvCxnSpPr>
+          <p:cNvPr id="203" name="Straight Connector 202">
+            <a:extLst>
+              <a:ext uri="{FF2B5EF4-FFF2-40B4-BE49-F238E27FC236}">
+                <a16:creationId xmlns:a16="http://schemas.microsoft.com/office/drawing/2014/main" id="{7332FF82-51C4-044F-889C-C5890BDBACED}"/>
+              </a:ext>
+            </a:extLst>
+          </p:cNvPr>
+          <p:cNvCxnSpPr>
+            <a:cxnSpLocks/>
+            <a:endCxn id="182" idx="1"/>
+          </p:cNvCxnSpPr>
+          <p:nvPr/>
+        </p:nvCxnSpPr>
+        <p:spPr>
+          <a:xfrm flipV="1">
+            <a:off x="3887254" y="3952100"/>
+            <a:ext cx="323554" cy="5097"/>
+          </a:xfrm>
+          <a:prstGeom prst="line">
+            <a:avLst/>
+          </a:prstGeom>
+          <a:ln w="19050">
+            <a:solidFill>
+              <a:schemeClr val="tx1"/>
+            </a:solidFill>
+            <a:prstDash val="solid"/>
+            <a:headEnd type="stealth" w="lg" len="med"/>
+            <a:tailEnd type="none" w="lg" len="med"/>
+          </a:ln>
+        </p:spPr>
+        <p:style>
+          <a:lnRef idx="1">
+            <a:schemeClr val="accent1"/>
+          </a:lnRef>
+          <a:fillRef idx="0">
+            <a:schemeClr val="accent1"/>
+          </a:fillRef>
+          <a:effectRef idx="0">
+            <a:schemeClr val="accent1"/>
+          </a:effectRef>
+          <a:fontRef idx="minor">
+            <a:schemeClr val="tx1"/>
+          </a:fontRef>
+        </p:style>
+      </p:cxnSp>
+      <p:sp>
+        <p:nvSpPr>
+          <p:cNvPr id="206" name="Arc 205">
+            <a:extLst>
+              <a:ext uri="{FF2B5EF4-FFF2-40B4-BE49-F238E27FC236}">
+                <a16:creationId xmlns:a16="http://schemas.microsoft.com/office/drawing/2014/main" id="{E12915F0-276D-FA4D-88D0-19429D82ADC7}"/>
+              </a:ext>
+            </a:extLst>
+          </p:cNvPr>
+          <p:cNvSpPr/>
+          <p:nvPr/>
+        </p:nvSpPr>
+        <p:spPr>
+          <a:xfrm rot="10800000">
+            <a:off x="2205979" y="3798211"/>
+            <a:ext cx="2441694" cy="495379"/>
+          </a:xfrm>
+          <a:prstGeom prst="arc">
+            <a:avLst>
+              <a:gd name="adj1" fmla="val 10806718"/>
+              <a:gd name="adj2" fmla="val 21595819"/>
+            </a:avLst>
+          </a:prstGeom>
+          <a:ln w="19050">
+            <a:solidFill>
+              <a:schemeClr val="bg1">
+                <a:lumMod val="65000"/>
+              </a:schemeClr>
+            </a:solidFill>
+            <a:headEnd type="stealth" w="lg" len="med"/>
+            <a:tailEnd type="stealth" w="lg" len="med"/>
+          </a:ln>
+        </p:spPr>
+        <p:style>
+          <a:lnRef idx="1">
+            <a:schemeClr val="accent1"/>
+          </a:lnRef>
+          <a:fillRef idx="0">
+            <a:schemeClr val="accent1"/>
+          </a:fillRef>
+          <a:effectRef idx="0">
+            <a:schemeClr val="accent1"/>
+          </a:effectRef>
+          <a:fontRef idx="minor">
+            <a:schemeClr val="tx1"/>
+          </a:fontRef>
+        </p:style>
+        <p:txBody>
+          <a:bodyPr rtlCol="0" anchor="ctr"/>
+          <a:lstStyle/>
+          <a:p>
+            <a:pPr algn="ctr"/>
+            <a:endParaRPr lang="en-CN" dirty="0"/>
+          </a:p>
+        </p:txBody>
+      </p:sp>
+      <p:sp>
+        <p:nvSpPr>
+          <p:cNvPr id="207" name="TextBox 206">
+            <a:extLst>
+              <a:ext uri="{FF2B5EF4-FFF2-40B4-BE49-F238E27FC236}">
+                <a16:creationId xmlns:a16="http://schemas.microsoft.com/office/drawing/2014/main" id="{BAF9C038-4F22-204F-A5AC-86F73601DFF4}"/>
+              </a:ext>
+            </a:extLst>
+          </p:cNvPr>
+          <p:cNvSpPr txBox="1"/>
+          <p:nvPr/>
+        </p:nvSpPr>
+        <p:spPr>
+          <a:xfrm>
+            <a:off x="2205978" y="4278304"/>
+            <a:ext cx="2441683" cy="307777"/>
+          </a:xfrm>
+          <a:prstGeom prst="rect">
+            <a:avLst/>
+          </a:prstGeom>
+          <a:noFill/>
+        </p:spPr>
+        <p:txBody>
+          <a:bodyPr wrap="square">
+            <a:spAutoFit/>
+          </a:bodyPr>
+          <a:lstStyle/>
+          <a:p>
+            <a:pPr marL="0" marR="0" lvl="0" indent="0" algn="ctr" defTabSz="914400" rtl="0" eaLnBrk="1" fontAlgn="auto" latinLnBrk="0" hangingPunct="1">
+              <a:lnSpc>
+                <a:spcPct val="100000"/>
+              </a:lnSpc>
+              <a:spcBef>
+                <a:spcPts val="0"/>
+              </a:spcBef>
+              <a:spcAft>
+                <a:spcPts val="0"/>
+              </a:spcAft>
+              <a:buClrTx/>
+              <a:buSzTx/>
+              <a:buFontTx/>
+              <a:buNone/>
+              <a:tabLst/>
+              <a:defRPr/>
+            </a:pPr>
+            <a:r>
+              <a:rPr kumimoji="0" lang="en-US" sz="1400" b="1" i="0" u="none" strike="noStrike" kern="0" cap="none" spc="0" normalizeH="0" baseline="0" noProof="0" dirty="0" err="1">
+                <a:ln>
+                  <a:noFill/>
+                </a:ln>
+                <a:solidFill>
+                  <a:prstClr val="black"/>
+                </a:solidFill>
+                <a:effectLst/>
+                <a:uLnTx/>
+                <a:uFillTx/>
+                <a:latin typeface="KaiTi" panose="02010609060101010101" pitchFamily="49" charset="-122"/>
+                <a:ea typeface="KaiTi" panose="02010609060101010101" pitchFamily="49" charset="-122"/>
+                <a:cs typeface="+mn-cs"/>
+              </a:rPr>
+              <a:t>时序趋势一致性</a:t>
+            </a:r>
+            <a:endParaRPr kumimoji="0" lang="en-CN" sz="1400" b="1" i="0" u="none" strike="noStrike" kern="0" cap="none" spc="0" normalizeH="0" baseline="0" noProof="0" dirty="0">
+              <a:ln>
+                <a:noFill/>
+              </a:ln>
+              <a:solidFill>
+                <a:prstClr val="black"/>
+              </a:solidFill>
+              <a:effectLst/>
+              <a:uLnTx/>
+              <a:uFillTx/>
+              <a:latin typeface="KaiTi" panose="02010609060101010101" pitchFamily="49" charset="-122"/>
+              <a:ea typeface="KaiTi" panose="02010609060101010101" pitchFamily="49" charset="-122"/>
+              <a:cs typeface="+mn-cs"/>
+            </a:endParaRPr>
+          </a:p>
+        </p:txBody>
+      </p:sp>
+      <mc:AlternateContent xmlns:mc="http://schemas.openxmlformats.org/markup-compatibility/2006">
+        <mc:Choice xmlns:a14="http://schemas.microsoft.com/office/drawing/2010/main" Requires="a14">
+          <p:sp>
+            <p:nvSpPr>
+              <p:cNvPr id="224" name="TextBox 223">
+                <a:extLst>
+                  <a:ext uri="{FF2B5EF4-FFF2-40B4-BE49-F238E27FC236}">
+                    <a16:creationId xmlns:a16="http://schemas.microsoft.com/office/drawing/2014/main" id="{70F46A1A-17C8-5042-B23A-78F6CB44598B}"/>
+                  </a:ext>
+                </a:extLst>
+              </p:cNvPr>
+              <p:cNvSpPr txBox="1"/>
+              <p:nvPr/>
+            </p:nvSpPr>
+            <p:spPr>
+              <a:xfrm>
+                <a:off x="6974743" y="3996390"/>
+                <a:ext cx="1671333" cy="609398"/>
+              </a:xfrm>
+              <a:prstGeom prst="rect">
+                <a:avLst/>
+              </a:prstGeom>
+              <a:noFill/>
+            </p:spPr>
+            <p:txBody>
+              <a:bodyPr wrap="square">
+                <a:spAutoFit/>
+              </a:bodyPr>
+              <a:lstStyle/>
+              <a:p>
+                <a:pPr marL="0" marR="0" lvl="0" indent="0" algn="ctr" defTabSz="914400" rtl="0" eaLnBrk="1" fontAlgn="auto" latinLnBrk="0" hangingPunct="1">
+                  <a:lnSpc>
+                    <a:spcPct val="120000"/>
+                  </a:lnSpc>
+                  <a:spcBef>
+                    <a:spcPts val="0"/>
+                  </a:spcBef>
+                  <a:spcAft>
+                    <a:spcPts val="0"/>
+                  </a:spcAft>
+                  <a:buClrTx/>
+                  <a:buSzTx/>
+                  <a:buFontTx/>
+                  <a:buNone/>
+                  <a:tabLst/>
+                  <a:defRPr/>
+                </a:pPr>
+                <a:r>
+                  <a:rPr lang="en-US" sz="1400" b="1" kern="0" dirty="0">
+                    <a:solidFill>
+                      <a:prstClr val="black"/>
+                    </a:solidFill>
+                    <a:latin typeface="KaiTi" panose="02010609060101010101" pitchFamily="49" charset="-122"/>
+                    <a:ea typeface="KaiTi" panose="02010609060101010101" pitchFamily="49" charset="-122"/>
+                  </a:rPr>
+                  <a:t>置信度权重</a:t>
+                </a:r>
+              </a:p>
+              <a:p>
+                <a:pPr marL="0" marR="0" lvl="0" indent="0" algn="ctr" defTabSz="914400" rtl="0" eaLnBrk="1" fontAlgn="auto" latinLnBrk="0" hangingPunct="1">
+                  <a:lnSpc>
+                    <a:spcPct val="120000"/>
+                  </a:lnSpc>
+                  <a:spcBef>
+                    <a:spcPts val="0"/>
+                  </a:spcBef>
+                  <a:spcAft>
+                    <a:spcPts val="0"/>
+                  </a:spcAft>
+                  <a:buClrTx/>
+                  <a:buSzTx/>
+                  <a:buFontTx/>
+                  <a:buNone/>
+                  <a:tabLst/>
+                  <a:defRPr/>
+                </a:pPr>
+                <a14:m>
+                  <m:oMathPara xmlns:m="http://schemas.openxmlformats.org/officeDocument/2006/math">
+                    <m:oMathParaPr>
+                      <m:jc m:val="centerGroup"/>
+                    </m:oMathParaPr>
+                    <m:oMath xmlns:m="http://schemas.openxmlformats.org/officeDocument/2006/math">
+                      <m:sSup>
+                        <m:sSupPr>
+                          <m:ctrlPr>
+                            <a:rPr kumimoji="0" lang="en-US" altLang="zh-CN" sz="1400" b="0" i="1" u="none" strike="noStrike" kern="0" cap="none" spc="0" normalizeH="0" baseline="0" noProof="0" smtClean="0">
+                              <a:ln>
+                                <a:noFill/>
+                              </a:ln>
+                              <a:solidFill>
+                                <a:prstClr val="black"/>
+                              </a:solidFill>
+                              <a:effectLst/>
+                              <a:uLnTx/>
+                              <a:uFillTx/>
+                              <a:latin typeface="Cambria Math" panose="02040503050406030204" pitchFamily="18" charset="0"/>
+                              <a:ea typeface="KaiTi" panose="02010609060101010101" pitchFamily="49" charset="-122"/>
+                              <a:cs typeface="+mn-cs"/>
+                            </a:rPr>
+                          </m:ctrlPr>
+                        </m:sSupPr>
+                        <m:e>
+                          <m:r>
+                            <a:rPr kumimoji="0" lang="en-US" altLang="zh-CN" sz="1400" b="0" i="1" u="none" strike="noStrike" kern="0" cap="none" spc="0" normalizeH="0" baseline="0" noProof="0" smtClean="0">
+                              <a:ln>
+                                <a:noFill/>
+                              </a:ln>
+                              <a:solidFill>
+                                <a:prstClr val="black"/>
+                              </a:solidFill>
+                              <a:effectLst/>
+                              <a:uLnTx/>
+                              <a:uFillTx/>
+                              <a:latin typeface="Cambria Math" panose="02040503050406030204" pitchFamily="18" charset="0"/>
+                              <a:ea typeface="KaiTi" panose="02010609060101010101" pitchFamily="49" charset="-122"/>
+                              <a:cs typeface="+mn-cs"/>
+                            </a:rPr>
+                            <m:t>𝛼</m:t>
+                          </m:r>
+                        </m:e>
+                        <m:sup>
+                          <m:r>
+                            <a:rPr kumimoji="0" lang="en-US" altLang="zh-CN" sz="1400" b="0" i="1" u="none" strike="noStrike" kern="0" cap="none" spc="0" normalizeH="0" baseline="0" noProof="0" smtClean="0">
+                              <a:ln>
+                                <a:noFill/>
+                              </a:ln>
+                              <a:solidFill>
+                                <a:prstClr val="black"/>
+                              </a:solidFill>
+                              <a:effectLst/>
+                              <a:uLnTx/>
+                              <a:uFillTx/>
+                              <a:latin typeface="Cambria Math" panose="02040503050406030204" pitchFamily="18" charset="0"/>
+                              <a:ea typeface="KaiTi" panose="02010609060101010101" pitchFamily="49" charset="-122"/>
+                              <a:cs typeface="+mn-cs"/>
+                            </a:rPr>
+                            <m:t>𝑔</m:t>
+                          </m:r>
+                        </m:sup>
+                      </m:sSup>
+                    </m:oMath>
+                  </m:oMathPara>
+                </a14:m>
+                <a:endParaRPr kumimoji="0" lang="en-CN" sz="1400" i="0" u="none" strike="noStrike" kern="0" cap="none" spc="0" normalizeH="0" baseline="0" noProof="0" dirty="0">
+                  <a:ln>
+                    <a:noFill/>
+                  </a:ln>
+                  <a:solidFill>
+                    <a:prstClr val="black"/>
+                  </a:solidFill>
+                  <a:effectLst/>
+                  <a:uLnTx/>
+                  <a:uFillTx/>
+                  <a:latin typeface="KaiTi" panose="02010609060101010101" pitchFamily="49" charset="-122"/>
+                  <a:ea typeface="KaiTi" panose="02010609060101010101" pitchFamily="49" charset="-122"/>
+                  <a:cs typeface="+mn-cs"/>
+                </a:endParaRPr>
+              </a:p>
+            </p:txBody>
+          </p:sp>
+        </mc:Choice>
+        <mc:Fallback>
+          <p:sp>
+            <p:nvSpPr>
+              <p:cNvPr id="224" name="TextBox 223">
+                <a:extLst>
+                  <a:ext uri="{FF2B5EF4-FFF2-40B4-BE49-F238E27FC236}">
+                    <a16:creationId xmlns:a16="http://schemas.microsoft.com/office/drawing/2014/main" id="{70F46A1A-17C8-5042-B23A-78F6CB44598B}"/>
+                  </a:ext>
+                </a:extLst>
+              </p:cNvPr>
+              <p:cNvSpPr txBox="1">
+                <a:spLocks noRot="1" noChangeAspect="1" noMove="1" noResize="1" noEditPoints="1" noAdjustHandles="1" noChangeArrowheads="1" noChangeShapeType="1" noTextEdit="1"/>
+              </p:cNvSpPr>
+              <p:nvPr/>
+            </p:nvSpPr>
+            <p:spPr>
+              <a:xfrm>
+                <a:off x="6974743" y="3996390"/>
+                <a:ext cx="1671333" cy="609398"/>
+              </a:xfrm>
+              <a:prstGeom prst="rect">
+                <a:avLst/>
+              </a:prstGeom>
+              <a:blipFill>
+                <a:blip r:embed="rId9"/>
+                <a:stretch>
+                  <a:fillRect/>
+                </a:stretch>
+              </a:blipFill>
+            </p:spPr>
+            <p:txBody>
+              <a:bodyPr/>
+              <a:lstStyle/>
+              <a:p>
+                <a:r>
+                  <a:rPr lang="en-CN">
+                    <a:noFill/>
+                  </a:rPr>
+                  <a:t> </a:t>
+                </a:r>
+              </a:p>
+            </p:txBody>
+          </p:sp>
+        </mc:Fallback>
+      </mc:AlternateContent>
+      <p:sp>
+        <p:nvSpPr>
+          <p:cNvPr id="228" name="Rounded Rectangle 227">
+            <a:extLst>
+              <a:ext uri="{FF2B5EF4-FFF2-40B4-BE49-F238E27FC236}">
+                <a16:creationId xmlns:a16="http://schemas.microsoft.com/office/drawing/2014/main" id="{E2655F25-322E-D748-84F5-5E3002687C42}"/>
+              </a:ext>
+            </a:extLst>
+          </p:cNvPr>
+          <p:cNvSpPr/>
+          <p:nvPr/>
+        </p:nvSpPr>
+        <p:spPr>
+          <a:xfrm>
+            <a:off x="9913015" y="3974326"/>
+            <a:ext cx="1461950" cy="551456"/>
+          </a:xfrm>
+          <a:prstGeom prst="roundRect">
+            <a:avLst>
+              <a:gd name="adj" fmla="val 7245"/>
+            </a:avLst>
+          </a:prstGeom>
+          <a:solidFill>
+            <a:schemeClr val="bg2">
+              <a:lumMod val="90000"/>
+              <a:alpha val="95000"/>
+            </a:schemeClr>
+          </a:solidFill>
+          <a:ln w="19050" cap="flat" cmpd="sng" algn="ctr">
+            <a:solidFill>
+              <a:schemeClr val="tx1">
+                <a:lumMod val="95000"/>
+                <a:lumOff val="5000"/>
+              </a:schemeClr>
+            </a:solidFill>
+            <a:prstDash val="sysDash"/>
+            <a:miter lim="800000"/>
+          </a:ln>
+          <a:effectLst/>
+        </p:spPr>
+        <p:txBody>
+          <a:bodyPr rtlCol="0" anchor="ctr"/>
+          <a:lstStyle/>
+          <a:p>
+            <a:pPr algn="ctr">
+              <a:defRPr/>
+            </a:pPr>
+            <a:endParaRPr kumimoji="0" lang="en-CN" sz="1400" b="1" i="0" u="none" strike="noStrike" kern="0" cap="none" spc="0" normalizeH="0" baseline="0" noProof="0" dirty="0">
+              <a:ln>
+                <a:noFill/>
+              </a:ln>
+              <a:solidFill>
+                <a:prstClr val="black"/>
+              </a:solidFill>
+              <a:effectLst/>
+              <a:uLnTx/>
+              <a:uFillTx/>
+              <a:latin typeface="KaiTi" panose="02010609060101010101" pitchFamily="49" charset="-122"/>
+              <a:ea typeface="KaiTi" panose="02010609060101010101" pitchFamily="49" charset="-122"/>
+              <a:cs typeface="+mn-cs"/>
+            </a:endParaRPr>
+          </a:p>
+        </p:txBody>
+      </p:sp>
+      <p:sp>
+        <p:nvSpPr>
+          <p:cNvPr id="227" name="TextBox 226">
+            <a:extLst>
+              <a:ext uri="{FF2B5EF4-FFF2-40B4-BE49-F238E27FC236}">
+                <a16:creationId xmlns:a16="http://schemas.microsoft.com/office/drawing/2014/main" id="{77E8BE54-DCFD-554F-901F-7448194C5F93}"/>
+              </a:ext>
+            </a:extLst>
+          </p:cNvPr>
+          <p:cNvSpPr txBox="1"/>
+          <p:nvPr/>
+        </p:nvSpPr>
+        <p:spPr>
+          <a:xfrm>
+            <a:off x="10448110" y="4098048"/>
+            <a:ext cx="926855" cy="307777"/>
+          </a:xfrm>
+          <a:prstGeom prst="rect">
+            <a:avLst/>
+          </a:prstGeom>
+          <a:noFill/>
+        </p:spPr>
+        <p:txBody>
+          <a:bodyPr wrap="square">
+            <a:spAutoFit/>
+          </a:bodyPr>
+          <a:lstStyle/>
+          <a:p>
+            <a:pPr marL="0" marR="0" lvl="0" indent="0" defTabSz="914400" rtl="0" eaLnBrk="1" fontAlgn="auto" latinLnBrk="0" hangingPunct="1">
+              <a:lnSpc>
+                <a:spcPct val="100000"/>
+              </a:lnSpc>
+              <a:spcBef>
+                <a:spcPts val="0"/>
+              </a:spcBef>
+              <a:spcAft>
+                <a:spcPts val="0"/>
+              </a:spcAft>
+              <a:buClrTx/>
+              <a:buSzTx/>
+              <a:buFontTx/>
+              <a:buNone/>
+              <a:tabLst/>
+              <a:defRPr/>
+            </a:pPr>
+            <a:r>
+              <a:rPr lang="en-CN" sz="1400" b="1" kern="0" dirty="0">
+                <a:solidFill>
+                  <a:prstClr val="black"/>
+                </a:solidFill>
+                <a:latin typeface="KaiTi" panose="02010609060101010101" pitchFamily="49" charset="-122"/>
+                <a:ea typeface="KaiTi" panose="02010609060101010101" pitchFamily="49" charset="-122"/>
+              </a:rPr>
+              <a:t>点乘</a:t>
+            </a:r>
+            <a:r>
+              <a:rPr kumimoji="0" lang="en-CN" sz="1400" b="1" i="0" u="none" strike="noStrike" kern="0" cap="none" spc="0" normalizeH="0" baseline="0" noProof="0" dirty="0">
+                <a:ln>
+                  <a:noFill/>
+                </a:ln>
+                <a:solidFill>
+                  <a:prstClr val="black"/>
+                </a:solidFill>
+                <a:effectLst/>
+                <a:uLnTx/>
+                <a:uFillTx/>
+                <a:latin typeface="KaiTi" panose="02010609060101010101" pitchFamily="49" charset="-122"/>
+                <a:ea typeface="KaiTi" panose="02010609060101010101" pitchFamily="49" charset="-122"/>
+                <a:cs typeface="+mn-cs"/>
+              </a:rPr>
+              <a:t>运算</a:t>
+            </a:r>
+          </a:p>
+        </p:txBody>
+      </p:sp>
+      <p:sp>
+        <p:nvSpPr>
+          <p:cNvPr id="230" name="Oval 229">
+            <a:extLst>
+              <a:ext uri="{FF2B5EF4-FFF2-40B4-BE49-F238E27FC236}">
+                <a16:creationId xmlns:a16="http://schemas.microsoft.com/office/drawing/2014/main" id="{3E843556-5109-B642-8735-FE5BF5DB8ED4}"/>
+              </a:ext>
+            </a:extLst>
+          </p:cNvPr>
+          <p:cNvSpPr/>
+          <p:nvPr/>
+        </p:nvSpPr>
+        <p:spPr>
+          <a:xfrm>
+            <a:off x="10057720" y="4084986"/>
+            <a:ext cx="320839" cy="320839"/>
+          </a:xfrm>
+          <a:prstGeom prst="ellipse">
+            <a:avLst/>
+          </a:prstGeom>
+          <a:solidFill>
+            <a:schemeClr val="accent4">
+              <a:lumMod val="60000"/>
+              <a:lumOff val="40000"/>
+            </a:schemeClr>
+          </a:solidFill>
+          <a:ln w="19050" cap="flat" cmpd="sng" algn="ctr">
+            <a:solidFill>
+              <a:schemeClr val="accent4">
+                <a:lumMod val="50000"/>
+              </a:schemeClr>
+            </a:solidFill>
+            <a:prstDash val="solid"/>
+            <a:miter lim="800000"/>
+          </a:ln>
+          <a:effectLst/>
+        </p:spPr>
+        <p:txBody>
+          <a:bodyPr rtlCol="0" anchor="ctr"/>
+          <a:lstStyle/>
+          <a:p>
+            <a:pPr marL="0" marR="0" lvl="0" indent="0" algn="ctr" defTabSz="914400" eaLnBrk="1" fontAlgn="auto" latinLnBrk="0" hangingPunct="1">
+              <a:lnSpc>
+                <a:spcPct val="100000"/>
+              </a:lnSpc>
+              <a:spcBef>
+                <a:spcPts val="0"/>
+              </a:spcBef>
+              <a:spcAft>
+                <a:spcPts val="0"/>
+              </a:spcAft>
+              <a:buClrTx/>
+              <a:buSzTx/>
+              <a:buFontTx/>
+              <a:buNone/>
+              <a:tabLst/>
+              <a:defRPr/>
+            </a:pPr>
+            <a:endParaRPr kumimoji="0" lang="en-CN" sz="1400" b="0" i="0" u="none" strike="noStrike" kern="0" cap="none" spc="0" normalizeH="0" baseline="0" noProof="0" dirty="0">
+              <a:ln>
+                <a:noFill/>
+              </a:ln>
+              <a:solidFill>
+                <a:prstClr val="black"/>
+              </a:solidFill>
+              <a:effectLst/>
+              <a:uLnTx/>
+              <a:uFillTx/>
+              <a:latin typeface="KaiTi" panose="02010609060101010101" pitchFamily="49" charset="-122"/>
+              <a:ea typeface="KaiTi" panose="02010609060101010101" pitchFamily="49" charset="-122"/>
+              <a:cs typeface="Times New Roman" panose="02020603050405020304" pitchFamily="18" charset="0"/>
+            </a:endParaRPr>
+          </a:p>
+        </p:txBody>
+      </p:sp>
+      <p:cxnSp>
+        <p:nvCxnSpPr>
+          <p:cNvPr id="231" name="Straight Arrow Connector 230">
+            <a:extLst>
+              <a:ext uri="{FF2B5EF4-FFF2-40B4-BE49-F238E27FC236}">
+                <a16:creationId xmlns:a16="http://schemas.microsoft.com/office/drawing/2014/main" id="{6EC7A2BD-4CB9-2448-84DB-A5353B1327D8}"/>
+              </a:ext>
+            </a:extLst>
+          </p:cNvPr>
+          <p:cNvCxnSpPr>
+            <a:cxnSpLocks/>
+            <a:stCxn id="230" idx="5"/>
+            <a:endCxn id="230" idx="1"/>
+          </p:cNvCxnSpPr>
+          <p:nvPr/>
+        </p:nvCxnSpPr>
+        <p:spPr>
+          <a:xfrm flipH="1" flipV="1">
+            <a:off x="10104706" y="4131972"/>
+            <a:ext cx="226867" cy="226867"/>
+          </a:xfrm>
+          <a:prstGeom prst="straightConnector1">
+            <a:avLst/>
+          </a:prstGeom>
+          <a:noFill/>
+          <a:ln w="19050" cap="flat" cmpd="sng" algn="ctr">
+            <a:solidFill>
+              <a:schemeClr val="accent4">
+                <a:lumMod val="50000"/>
+              </a:schemeClr>
+            </a:solidFill>
+            <a:prstDash val="solid"/>
+            <a:miter lim="800000"/>
+            <a:tailEnd type="none"/>
+          </a:ln>
+          <a:effectLst/>
+        </p:spPr>
+      </p:cxnSp>
+      <p:cxnSp>
+        <p:nvCxnSpPr>
+          <p:cNvPr id="232" name="Straight Arrow Connector 231">
+            <a:extLst>
+              <a:ext uri="{FF2B5EF4-FFF2-40B4-BE49-F238E27FC236}">
+                <a16:creationId xmlns:a16="http://schemas.microsoft.com/office/drawing/2014/main" id="{86014E35-20D6-7648-8B65-0E1FBD5F23BA}"/>
+              </a:ext>
+            </a:extLst>
+          </p:cNvPr>
+          <p:cNvCxnSpPr>
+            <a:cxnSpLocks/>
+            <a:stCxn id="230" idx="3"/>
+            <a:endCxn id="230" idx="7"/>
+          </p:cNvCxnSpPr>
+          <p:nvPr/>
+        </p:nvCxnSpPr>
+        <p:spPr>
+          <a:xfrm flipV="1">
+            <a:off x="10104706" y="4131972"/>
+            <a:ext cx="226867" cy="226867"/>
+          </a:xfrm>
+          <a:prstGeom prst="straightConnector1">
+            <a:avLst/>
+          </a:prstGeom>
+          <a:noFill/>
+          <a:ln w="19050" cap="flat" cmpd="sng" algn="ctr">
+            <a:solidFill>
+              <a:schemeClr val="accent4">
+                <a:lumMod val="50000"/>
+              </a:schemeClr>
+            </a:solidFill>
+            <a:prstDash val="solid"/>
+            <a:miter lim="800000"/>
+            <a:tailEnd type="none"/>
+          </a:ln>
+          <a:effectLst/>
+        </p:spPr>
+      </p:cxnSp>
+      <p:sp>
+        <p:nvSpPr>
+          <p:cNvPr id="75" name="Subtitle 2">
+            <a:extLst>
+              <a:ext uri="{FF2B5EF4-FFF2-40B4-BE49-F238E27FC236}">
+                <a16:creationId xmlns:a16="http://schemas.microsoft.com/office/drawing/2014/main" id="{2C8C0C30-3FF8-2647-B861-20B95D3811D5}"/>
+              </a:ext>
+            </a:extLst>
+          </p:cNvPr>
+          <p:cNvSpPr txBox="1">
+            <a:spLocks/>
+          </p:cNvSpPr>
+          <p:nvPr/>
+        </p:nvSpPr>
+        <p:spPr>
+          <a:xfrm>
+            <a:off x="0" y="0"/>
+            <a:ext cx="6306205" cy="509286"/>
+          </a:xfrm>
+          <a:prstGeom prst="rect">
+            <a:avLst/>
+          </a:prstGeom>
+        </p:spPr>
+        <p:txBody>
+          <a:bodyPr vert="horz" lIns="91440" tIns="45720" rIns="91440" bIns="45720" rtlCol="0" anchor="ctr">
+            <a:normAutofit/>
+          </a:bodyPr>
+          <a:lstStyle>
+            <a:lvl1pPr marL="228600" indent="-228600" algn="l" defTabSz="914400" rtl="0" eaLnBrk="1" latinLnBrk="0" hangingPunct="1">
+              <a:lnSpc>
+                <a:spcPct val="90000"/>
+              </a:lnSpc>
+              <a:spcBef>
+                <a:spcPts val="1000"/>
+              </a:spcBef>
+              <a:buFont typeface="Arial" panose="020B0604020202020204" pitchFamily="34" charset="0"/>
+              <a:buChar char="•"/>
+              <a:defRPr sz="2800" kern="1200">
+                <a:solidFill>
+                  <a:schemeClr val="tx1"/>
+                </a:solidFill>
+                <a:latin typeface="+mn-lt"/>
+                <a:ea typeface="+mn-ea"/>
+                <a:cs typeface="+mn-cs"/>
+              </a:defRPr>
+            </a:lvl1pPr>
+            <a:lvl2pPr marL="685800" indent="-228600" algn="l" defTabSz="914400" rtl="0" eaLnBrk="1" latinLnBrk="0" hangingPunct="1">
+              <a:lnSpc>
+                <a:spcPct val="90000"/>
+              </a:lnSpc>
+              <a:spcBef>
+                <a:spcPts val="500"/>
+              </a:spcBef>
+              <a:buFont typeface="Arial" panose="020B0604020202020204" pitchFamily="34" charset="0"/>
+              <a:buChar char="•"/>
+              <a:defRPr sz="2400" kern="1200">
+                <a:solidFill>
+                  <a:schemeClr val="tx1"/>
+                </a:solidFill>
+                <a:latin typeface="+mn-lt"/>
+                <a:ea typeface="+mn-ea"/>
+                <a:cs typeface="+mn-cs"/>
+              </a:defRPr>
+            </a:lvl2pPr>
+            <a:lvl3pPr marL="1143000" indent="-228600" algn="l" defTabSz="914400" rtl="0" eaLnBrk="1" latinLnBrk="0" hangingPunct="1">
+              <a:lnSpc>
+                <a:spcPct val="90000"/>
+              </a:lnSpc>
+              <a:spcBef>
+                <a:spcPts val="500"/>
+              </a:spcBef>
+              <a:buFont typeface="Arial" panose="020B0604020202020204" pitchFamily="34" charset="0"/>
+              <a:buChar char="•"/>
+              <a:defRPr sz="2000" kern="1200">
+                <a:solidFill>
+                  <a:schemeClr val="tx1"/>
+                </a:solidFill>
+                <a:latin typeface="+mn-lt"/>
+                <a:ea typeface="+mn-ea"/>
+                <a:cs typeface="+mn-cs"/>
+              </a:defRPr>
+            </a:lvl3pPr>
+            <a:lvl4pPr marL="1600200" indent="-228600" algn="l" defTabSz="914400" rtl="0" eaLnBrk="1" latinLnBrk="0" hangingPunct="1">
+              <a:lnSpc>
+                <a:spcPct val="90000"/>
+              </a:lnSpc>
+              <a:spcBef>
+                <a:spcPts val="500"/>
+              </a:spcBef>
+              <a:buFont typeface="Arial" panose="020B0604020202020204" pitchFamily="34" charset="0"/>
+              <a:buChar char="•"/>
+              <a:defRPr sz="1800" kern="1200">
+                <a:solidFill>
+                  <a:schemeClr val="tx1"/>
+                </a:solidFill>
+                <a:latin typeface="+mn-lt"/>
+                <a:ea typeface="+mn-ea"/>
+                <a:cs typeface="+mn-cs"/>
+              </a:defRPr>
+            </a:lvl4pPr>
+            <a:lvl5pPr marL="2057400" indent="-228600" algn="l" defTabSz="914400" rtl="0" eaLnBrk="1" latinLnBrk="0" hangingPunct="1">
+              <a:lnSpc>
+                <a:spcPct val="90000"/>
+              </a:lnSpc>
+              <a:spcBef>
+                <a:spcPts val="500"/>
+              </a:spcBef>
+              <a:buFont typeface="Arial" panose="020B0604020202020204" pitchFamily="34" charset="0"/>
+              <a:buChar char="•"/>
+              <a:defRPr sz="1800" kern="1200">
+                <a:solidFill>
+                  <a:schemeClr val="tx1"/>
+                </a:solidFill>
+                <a:latin typeface="+mn-lt"/>
+                <a:ea typeface="+mn-ea"/>
+                <a:cs typeface="+mn-cs"/>
+              </a:defRPr>
+            </a:lvl5pPr>
+            <a:lvl6pPr marL="2514600" indent="-228600" algn="l" defTabSz="914400" rtl="0" eaLnBrk="1" latinLnBrk="0" hangingPunct="1">
+              <a:lnSpc>
+                <a:spcPct val="90000"/>
+              </a:lnSpc>
+              <a:spcBef>
+                <a:spcPts val="500"/>
+              </a:spcBef>
+              <a:buFont typeface="Arial" panose="020B0604020202020204" pitchFamily="34" charset="0"/>
+              <a:buChar char="•"/>
+              <a:defRPr sz="1800" kern="1200">
+                <a:solidFill>
+                  <a:schemeClr val="tx1"/>
+                </a:solidFill>
+                <a:latin typeface="+mn-lt"/>
+                <a:ea typeface="+mn-ea"/>
+                <a:cs typeface="+mn-cs"/>
+              </a:defRPr>
+            </a:lvl6pPr>
+            <a:lvl7pPr marL="2971800" indent="-228600" algn="l" defTabSz="914400" rtl="0" eaLnBrk="1" latinLnBrk="0" hangingPunct="1">
+              <a:lnSpc>
+                <a:spcPct val="90000"/>
+              </a:lnSpc>
+              <a:spcBef>
+                <a:spcPts val="500"/>
+              </a:spcBef>
+              <a:buFont typeface="Arial" panose="020B0604020202020204" pitchFamily="34" charset="0"/>
+              <a:buChar char="•"/>
+              <a:defRPr sz="1800" kern="1200">
+                <a:solidFill>
+                  <a:schemeClr val="tx1"/>
+                </a:solidFill>
+                <a:latin typeface="+mn-lt"/>
+                <a:ea typeface="+mn-ea"/>
+                <a:cs typeface="+mn-cs"/>
+              </a:defRPr>
+            </a:lvl7pPr>
+            <a:lvl8pPr marL="3429000" indent="-228600" algn="l" defTabSz="914400" rtl="0" eaLnBrk="1" latinLnBrk="0" hangingPunct="1">
+              <a:lnSpc>
+                <a:spcPct val="90000"/>
+              </a:lnSpc>
+              <a:spcBef>
+                <a:spcPts val="500"/>
+              </a:spcBef>
+              <a:buFont typeface="Arial" panose="020B0604020202020204" pitchFamily="34" charset="0"/>
+              <a:buChar char="•"/>
+              <a:defRPr sz="1800" kern="1200">
+                <a:solidFill>
+                  <a:schemeClr val="tx1"/>
+                </a:solidFill>
+                <a:latin typeface="+mn-lt"/>
+                <a:ea typeface="+mn-ea"/>
+                <a:cs typeface="+mn-cs"/>
+              </a:defRPr>
+            </a:lvl8pPr>
+            <a:lvl9pPr marL="3886200" indent="-228600" algn="l" defTabSz="914400" rtl="0" eaLnBrk="1" latinLnBrk="0" hangingPunct="1">
+              <a:lnSpc>
+                <a:spcPct val="90000"/>
+              </a:lnSpc>
+              <a:spcBef>
+                <a:spcPts val="500"/>
+              </a:spcBef>
+              <a:buFont typeface="Arial" panose="020B0604020202020204" pitchFamily="34" charset="0"/>
+              <a:buChar char="•"/>
+              <a:defRPr sz="1800" kern="1200">
+                <a:solidFill>
+                  <a:schemeClr val="tx1"/>
+                </a:solidFill>
+                <a:latin typeface="+mn-lt"/>
+                <a:ea typeface="+mn-ea"/>
+                <a:cs typeface="+mn-cs"/>
+              </a:defRPr>
+            </a:lvl9pPr>
+          </a:lstStyle>
+          <a:p>
+            <a:pPr marL="0" indent="0">
+              <a:buNone/>
+            </a:pPr>
+            <a:r>
+              <a:rPr lang="en-CN" dirty="0">
+                <a:latin typeface="Times New Roman" panose="02020603050405020304" pitchFamily="18" charset="0"/>
+                <a:cs typeface="Times New Roman" panose="02020603050405020304" pitchFamily="18" charset="0"/>
+              </a:rPr>
+              <a:t>CONFIDENCE ESTIMATING MODEL</a:t>
+            </a:r>
+          </a:p>
+        </p:txBody>
+      </p:sp>
+      <p:cxnSp>
+        <p:nvCxnSpPr>
+          <p:cNvPr id="66" name="Elbow Connector 65">
+            <a:extLst>
+              <a:ext uri="{FF2B5EF4-FFF2-40B4-BE49-F238E27FC236}">
+                <a16:creationId xmlns:a16="http://schemas.microsoft.com/office/drawing/2014/main" id="{16ED3BAD-F559-674A-99D1-927CB6D4ED35}"/>
+              </a:ext>
+            </a:extLst>
+          </p:cNvPr>
+          <p:cNvCxnSpPr>
+            <a:cxnSpLocks/>
+            <a:stCxn id="9" idx="2"/>
+          </p:cNvCxnSpPr>
+          <p:nvPr/>
+        </p:nvCxnSpPr>
+        <p:spPr>
+          <a:xfrm rot="5400000">
+            <a:off x="6463867" y="2097283"/>
+            <a:ext cx="1389764" cy="1008902"/>
+          </a:xfrm>
+          <a:prstGeom prst="bentConnector3">
+            <a:avLst>
+              <a:gd name="adj1" fmla="val 35751"/>
+            </a:avLst>
+          </a:prstGeom>
+          <a:noFill/>
+          <a:ln w="19050" cap="flat" cmpd="sng" algn="ctr">
+            <a:solidFill>
+              <a:sysClr val="windowText" lastClr="000000"/>
+            </a:solidFill>
+            <a:prstDash val="solid"/>
+            <a:miter lim="800000"/>
+            <a:tailEnd type="stealth" w="lg" len="med"/>
+          </a:ln>
+          <a:effectLst/>
+        </p:spPr>
+      </p:cxnSp>
+    </p:spTree>
+    <p:extLst>
+      <p:ext uri="{BB962C8B-B14F-4D97-AF65-F5344CB8AC3E}">
+        <p14:creationId xmlns:p14="http://schemas.microsoft.com/office/powerpoint/2010/main" val="705094231"/>
       </p:ext>
     </p:extLst>
   </p:cSld>
@@ -11214,4359 +15552,279 @@
           <a:chExt cx="0" cy="0"/>
         </a:xfrm>
       </p:grpSpPr>
-      <p:grpSp>
-        <p:nvGrpSpPr>
-          <p:cNvPr id="233" name="Group 232">
+      <p:sp>
+        <p:nvSpPr>
+          <p:cNvPr id="3" name="Subtitle 2">
             <a:extLst>
               <a:ext uri="{FF2B5EF4-FFF2-40B4-BE49-F238E27FC236}">
-                <a16:creationId xmlns:a16="http://schemas.microsoft.com/office/drawing/2014/main" id="{599E7DDE-B7A9-0B46-9777-E4605D5A7797}"/>
+                <a16:creationId xmlns:a16="http://schemas.microsoft.com/office/drawing/2014/main" id="{45E9C9BB-8751-EC49-918E-D1B8D2DDF848}"/>
               </a:ext>
             </a:extLst>
           </p:cNvPr>
-          <p:cNvGrpSpPr/>
+          <p:cNvSpPr>
+            <a:spLocks noGrp="1"/>
+          </p:cNvSpPr>
+          <p:nvPr>
+            <p:ph type="subTitle" idx="1"/>
+          </p:nvPr>
+        </p:nvSpPr>
+        <p:spPr>
+          <a:xfrm>
+            <a:off x="0" y="0"/>
+            <a:ext cx="4317357" cy="509286"/>
+          </a:xfrm>
+        </p:spPr>
+        <p:txBody>
+          <a:bodyPr anchor="ctr"/>
+          <a:lstStyle/>
+          <a:p>
+            <a:pPr algn="l"/>
+            <a:r>
+              <a:rPr lang="en-CN" dirty="0">
+                <a:latin typeface="Times New Roman" panose="02020603050405020304" pitchFamily="18" charset="0"/>
+                <a:cs typeface="Times New Roman" panose="02020603050405020304" pitchFamily="18" charset="0"/>
+              </a:rPr>
+              <a:t>ELECT DATA DISTRIBUTION</a:t>
+            </a:r>
+          </a:p>
+        </p:txBody>
+      </p:sp>
+      <p:pic>
+        <p:nvPicPr>
+          <p:cNvPr id="4" name="Picture 3">
+            <a:extLst>
+              <a:ext uri="{FF2B5EF4-FFF2-40B4-BE49-F238E27FC236}">
+                <a16:creationId xmlns:a16="http://schemas.microsoft.com/office/drawing/2014/main" id="{2D6B2150-151A-0941-93B4-7142DCB54F65}"/>
+              </a:ext>
+            </a:extLst>
+          </p:cNvPr>
+          <p:cNvPicPr>
+            <a:picLocks noChangeAspect="1"/>
+          </p:cNvPicPr>
           <p:nvPr/>
-        </p:nvGrpSpPr>
-        <p:grpSpPr>
+        </p:nvPicPr>
+        <p:blipFill>
+          <a:blip r:embed="rId2"/>
+          <a:stretch>
+            <a:fillRect/>
+          </a:stretch>
+        </p:blipFill>
+        <p:spPr>
           <a:xfrm>
-            <a:off x="394310" y="1599075"/>
-            <a:ext cx="11403380" cy="3263370"/>
-            <a:chOff x="733504" y="1626784"/>
-            <a:chExt cx="11403380" cy="3263370"/>
+            <a:off x="0" y="2066398"/>
+            <a:ext cx="4110746" cy="2725204"/>
           </a:xfrm>
-        </p:grpSpPr>
-        <p:cxnSp>
-          <p:nvCxnSpPr>
-            <p:cNvPr id="208" name="Straight Connector 207">
-              <a:extLst>
-                <a:ext uri="{FF2B5EF4-FFF2-40B4-BE49-F238E27FC236}">
-                  <a16:creationId xmlns:a16="http://schemas.microsoft.com/office/drawing/2014/main" id="{60B531E5-CB3E-6D45-ABF8-1F9CF2463D51}"/>
-                </a:ext>
-              </a:extLst>
-            </p:cNvPr>
-            <p:cNvCxnSpPr>
-              <a:cxnSpLocks/>
-            </p:cNvCxnSpPr>
-            <p:nvPr/>
-          </p:nvCxnSpPr>
-          <p:spPr>
-            <a:xfrm flipV="1">
-              <a:off x="910069" y="2595558"/>
-              <a:ext cx="4875429" cy="736038"/>
-            </a:xfrm>
-            <a:prstGeom prst="line">
-              <a:avLst/>
-            </a:prstGeom>
-            <a:ln w="19050">
-              <a:solidFill>
-                <a:schemeClr val="bg1">
-                  <a:lumMod val="65000"/>
-                </a:schemeClr>
-              </a:solidFill>
-              <a:prstDash val="dash"/>
-              <a:tailEnd type="stealth" w="lg" len="med"/>
-            </a:ln>
-          </p:spPr>
-          <p:style>
-            <a:lnRef idx="1">
-              <a:schemeClr val="accent1"/>
-            </a:lnRef>
-            <a:fillRef idx="0">
-              <a:schemeClr val="accent1"/>
-            </a:fillRef>
-            <a:effectRef idx="0">
-              <a:schemeClr val="accent1"/>
-            </a:effectRef>
-            <a:fontRef idx="minor">
-              <a:schemeClr val="tx1"/>
-            </a:fontRef>
-          </p:style>
-        </p:cxnSp>
-        <p:sp>
-          <p:nvSpPr>
-            <p:cNvPr id="2" name="Rounded Rectangle 1">
-              <a:extLst>
-                <a:ext uri="{FF2B5EF4-FFF2-40B4-BE49-F238E27FC236}">
-                  <a16:creationId xmlns:a16="http://schemas.microsoft.com/office/drawing/2014/main" id="{E8654707-EE1E-EE4B-804B-6CF5BF434733}"/>
-                </a:ext>
-              </a:extLst>
-            </p:cNvPr>
-            <p:cNvSpPr/>
-            <p:nvPr/>
-          </p:nvSpPr>
-          <p:spPr>
-            <a:xfrm>
-              <a:off x="6553275" y="2060688"/>
-              <a:ext cx="5202865" cy="2549451"/>
-            </a:xfrm>
-            <a:prstGeom prst="roundRect">
-              <a:avLst>
-                <a:gd name="adj" fmla="val 3958"/>
-              </a:avLst>
-            </a:prstGeom>
-            <a:solidFill>
-              <a:schemeClr val="accent2">
-                <a:lumMod val="20000"/>
-                <a:lumOff val="80000"/>
-                <a:alpha val="70000"/>
-              </a:schemeClr>
-            </a:solidFill>
-            <a:ln w="19050" cap="flat" cmpd="sng" algn="ctr">
-              <a:solidFill>
-                <a:schemeClr val="accent2">
-                  <a:lumMod val="50000"/>
-                </a:schemeClr>
-              </a:solidFill>
-              <a:prstDash val="solid"/>
-              <a:miter lim="800000"/>
-            </a:ln>
-            <a:effectLst/>
-          </p:spPr>
-          <p:txBody>
-            <a:bodyPr rtlCol="0" anchor="ctr"/>
-            <a:lstStyle/>
-            <a:p>
-              <a:pPr marL="0" marR="0" lvl="0" indent="0" algn="ctr" defTabSz="914400" eaLnBrk="1" fontAlgn="auto" latinLnBrk="0" hangingPunct="1">
-                <a:lnSpc>
-                  <a:spcPct val="100000"/>
-                </a:lnSpc>
-                <a:spcBef>
-                  <a:spcPts val="0"/>
-                </a:spcBef>
-                <a:spcAft>
-                  <a:spcPts val="0"/>
-                </a:spcAft>
-                <a:buClrTx/>
-                <a:buSzTx/>
-                <a:buFontTx/>
-                <a:buNone/>
-                <a:tabLst/>
-                <a:defRPr/>
-              </a:pPr>
-              <a:endParaRPr kumimoji="0" lang="en-CN" sz="1400" b="0" i="0" u="none" strike="noStrike" kern="0" cap="none" spc="0" normalizeH="0" baseline="0" noProof="0" dirty="0">
-                <a:ln>
-                  <a:noFill/>
-                </a:ln>
-                <a:solidFill>
-                  <a:prstClr val="black"/>
-                </a:solidFill>
-                <a:effectLst/>
-                <a:uLnTx/>
-                <a:uFillTx/>
-                <a:latin typeface="KaiTi" panose="02010609060101010101" pitchFamily="49" charset="-122"/>
-                <a:ea typeface="KaiTi" panose="02010609060101010101" pitchFamily="49" charset="-122"/>
-                <a:cs typeface="+mn-cs"/>
-              </a:endParaRPr>
-            </a:p>
-          </p:txBody>
-        </p:sp>
-        <p:cxnSp>
-          <p:nvCxnSpPr>
-            <p:cNvPr id="8" name="Elbow Connector 7">
-              <a:extLst>
-                <a:ext uri="{FF2B5EF4-FFF2-40B4-BE49-F238E27FC236}">
-                  <a16:creationId xmlns:a16="http://schemas.microsoft.com/office/drawing/2014/main" id="{1E28CEED-1FCB-9B48-9D83-6DE1734F39AC}"/>
-                </a:ext>
-              </a:extLst>
-            </p:cNvPr>
-            <p:cNvCxnSpPr>
-              <a:cxnSpLocks/>
-              <a:stCxn id="9" idx="2"/>
-              <a:endCxn id="3" idx="1"/>
-            </p:cNvCxnSpPr>
-            <p:nvPr/>
-          </p:nvCxnSpPr>
-          <p:spPr>
-            <a:xfrm rot="16200000" flipH="1">
-              <a:off x="7991661" y="1945294"/>
-              <a:ext cx="496227" cy="474760"/>
-            </a:xfrm>
-            <a:prstGeom prst="bentConnector2">
-              <a:avLst/>
-            </a:prstGeom>
-            <a:noFill/>
-            <a:ln w="19050" cap="flat" cmpd="sng" algn="ctr">
-              <a:solidFill>
-                <a:sysClr val="windowText" lastClr="000000"/>
-              </a:solidFill>
-              <a:prstDash val="solid"/>
-              <a:miter lim="800000"/>
-              <a:tailEnd type="stealth" w="lg" len="med"/>
-            </a:ln>
-            <a:effectLst/>
-          </p:spPr>
-        </p:cxnSp>
-        <mc:AlternateContent xmlns:mc="http://schemas.openxmlformats.org/markup-compatibility/2006">
-          <mc:Choice xmlns:a14="http://schemas.microsoft.com/office/drawing/2010/main" Requires="a14">
-            <p:sp>
-              <p:nvSpPr>
-                <p:cNvPr id="9" name="TextBox 8">
-                  <a:extLst>
-                    <a:ext uri="{FF2B5EF4-FFF2-40B4-BE49-F238E27FC236}">
-                      <a16:creationId xmlns:a16="http://schemas.microsoft.com/office/drawing/2014/main" id="{4F3D172C-78D5-4B4E-9C19-7801F7DCB2C6}"/>
-                    </a:ext>
-                  </a:extLst>
-                </p:cNvPr>
-                <p:cNvSpPr txBox="1"/>
-                <p:nvPr/>
-              </p:nvSpPr>
-              <p:spPr>
-                <a:xfrm>
-                  <a:off x="7583576" y="1626784"/>
-                  <a:ext cx="837635" cy="307777"/>
-                </a:xfrm>
-                <a:prstGeom prst="rect">
-                  <a:avLst/>
-                </a:prstGeom>
-                <a:noFill/>
-              </p:spPr>
-              <p:txBody>
-                <a:bodyPr wrap="square">
-                  <a:spAutoFit/>
-                </a:bodyPr>
-                <a:lstStyle/>
-                <a:p>
-                  <a:pPr algn="ctr">
-                    <a:defRPr/>
-                  </a:pPr>
-                  <a:r>
-                    <a:rPr lang="zh-CN" altLang="en-US" sz="1400" b="1" kern="0" dirty="0">
-                      <a:solidFill>
-                        <a:prstClr val="black"/>
-                      </a:solidFill>
-                      <a:latin typeface="KaiTi" panose="02010609060101010101" pitchFamily="49" charset="-122"/>
-                      <a:ea typeface="KaiTi" panose="02010609060101010101" pitchFamily="49" charset="-122"/>
-                    </a:rPr>
-                    <a:t>输入</a:t>
-                  </a:r>
-                  <a14:m>
-                    <m:oMath xmlns:m="http://schemas.openxmlformats.org/officeDocument/2006/math">
-                      <m:r>
-                        <a:rPr lang="zh-CN" altLang="en-US" sz="1400" b="1" i="0" smtClean="0">
-                          <a:latin typeface="Cambria Math" panose="02040503050406030204" pitchFamily="18" charset="0"/>
-                        </a:rPr>
-                        <m:t> </m:t>
-                      </m:r>
-                      <m:sSup>
-                        <m:sSupPr>
-                          <m:ctrlPr>
-                            <a:rPr lang="en-US" sz="1400" b="0" i="1" smtClean="0">
-                              <a:latin typeface="Cambria Math" panose="02040503050406030204" pitchFamily="18" charset="0"/>
-                            </a:rPr>
-                          </m:ctrlPr>
-                        </m:sSupPr>
-                        <m:e>
-                          <m:r>
-                            <a:rPr lang="en-CN" sz="1400" b="1" i="0">
-                              <a:latin typeface="Cambria Math" panose="02040503050406030204" pitchFamily="18" charset="0"/>
-                            </a:rPr>
-                            <m:t>𝐏</m:t>
-                          </m:r>
-                        </m:e>
-                        <m:sup>
-                          <m:r>
-                            <a:rPr lang="en-US" altLang="zh-CN" sz="1400" b="0" i="1" smtClean="0">
-                              <a:latin typeface="Cambria Math" panose="02040503050406030204" pitchFamily="18" charset="0"/>
-                            </a:rPr>
-                            <m:t>𝑔</m:t>
-                          </m:r>
-                        </m:sup>
-                      </m:sSup>
-                    </m:oMath>
-                  </a14:m>
-                  <a:r>
-                    <a:rPr lang="zh-CN" altLang="en-US" sz="1400" b="1" kern="0" dirty="0">
-                      <a:solidFill>
-                        <a:prstClr val="black"/>
-                      </a:solidFill>
-                      <a:latin typeface="KaiTi" panose="02010609060101010101" pitchFamily="49" charset="-122"/>
-                      <a:ea typeface="KaiTi" panose="02010609060101010101" pitchFamily="49" charset="-122"/>
-                    </a:rPr>
-                    <a:t> </a:t>
-                  </a:r>
-                  <a:endParaRPr kumimoji="0" lang="en-US" altLang="zh-CN" sz="1400" b="1" i="0" u="none" strike="noStrike" kern="0" cap="none" spc="0" normalizeH="0" baseline="0" noProof="0" dirty="0">
-                    <a:ln>
-                      <a:noFill/>
-                    </a:ln>
-                    <a:solidFill>
-                      <a:prstClr val="black"/>
-                    </a:solidFill>
-                    <a:effectLst/>
-                    <a:uLnTx/>
-                    <a:uFillTx/>
-                    <a:latin typeface="KaiTi" panose="02010609060101010101" pitchFamily="49" charset="-122"/>
-                    <a:ea typeface="KaiTi" panose="02010609060101010101" pitchFamily="49" charset="-122"/>
-                    <a:cs typeface="+mn-cs"/>
-                  </a:endParaRPr>
-                </a:p>
-              </p:txBody>
-            </p:sp>
-          </mc:Choice>
-          <mc:Fallback>
-            <p:sp>
-              <p:nvSpPr>
-                <p:cNvPr id="9" name="TextBox 8">
-                  <a:extLst>
-                    <a:ext uri="{FF2B5EF4-FFF2-40B4-BE49-F238E27FC236}">
-                      <a16:creationId xmlns:a16="http://schemas.microsoft.com/office/drawing/2014/main" id="{4F3D172C-78D5-4B4E-9C19-7801F7DCB2C6}"/>
-                    </a:ext>
-                  </a:extLst>
-                </p:cNvPr>
-                <p:cNvSpPr txBox="1">
-                  <a:spLocks noRot="1" noChangeAspect="1" noMove="1" noResize="1" noEditPoints="1" noAdjustHandles="1" noChangeArrowheads="1" noChangeShapeType="1" noTextEdit="1"/>
-                </p:cNvSpPr>
-                <p:nvPr/>
-              </p:nvSpPr>
-              <p:spPr>
-                <a:xfrm>
-                  <a:off x="7583576" y="1626784"/>
-                  <a:ext cx="837635" cy="307777"/>
-                </a:xfrm>
-                <a:prstGeom prst="rect">
-                  <a:avLst/>
-                </a:prstGeom>
-                <a:blipFill>
-                  <a:blip r:embed="rId2"/>
-                  <a:stretch>
-                    <a:fillRect t="-3846" b="-15385"/>
-                  </a:stretch>
-                </a:blipFill>
-              </p:spPr>
-              <p:txBody>
-                <a:bodyPr/>
-                <a:lstStyle/>
-                <a:p>
-                  <a:r>
-                    <a:rPr lang="en-CN">
-                      <a:noFill/>
-                    </a:rPr>
-                    <a:t> </a:t>
-                  </a:r>
-                </a:p>
-              </p:txBody>
-            </p:sp>
-          </mc:Fallback>
-        </mc:AlternateContent>
-        <p:cxnSp>
-          <p:nvCxnSpPr>
-            <p:cNvPr id="13" name="Straight Arrow Connector 12">
-              <a:extLst>
-                <a:ext uri="{FF2B5EF4-FFF2-40B4-BE49-F238E27FC236}">
-                  <a16:creationId xmlns:a16="http://schemas.microsoft.com/office/drawing/2014/main" id="{F3044D64-0FD9-4F44-B95F-8E3C1E7E2B91}"/>
-                </a:ext>
-              </a:extLst>
-            </p:cNvPr>
-            <p:cNvCxnSpPr>
-              <a:cxnSpLocks/>
-              <a:stCxn id="5" idx="3"/>
-            </p:cNvCxnSpPr>
-            <p:nvPr/>
-          </p:nvCxnSpPr>
-          <p:spPr>
-            <a:xfrm>
-              <a:off x="11664014" y="3572898"/>
-              <a:ext cx="472870" cy="0"/>
-            </a:xfrm>
-            <a:prstGeom prst="straightConnector1">
-              <a:avLst/>
-            </a:prstGeom>
-            <a:noFill/>
-            <a:ln w="19050" cap="flat" cmpd="sng" algn="ctr">
-              <a:solidFill>
-                <a:schemeClr val="tx1"/>
-              </a:solidFill>
-              <a:prstDash val="solid"/>
-              <a:miter lim="800000"/>
-              <a:tailEnd type="stealth" w="lg" len="med"/>
-            </a:ln>
-            <a:effectLst/>
-          </p:spPr>
-        </p:cxnSp>
-        <mc:AlternateContent xmlns:mc="http://schemas.openxmlformats.org/markup-compatibility/2006">
-          <mc:Choice xmlns:a14="http://schemas.microsoft.com/office/drawing/2010/main" Requires="a14">
-            <p:sp>
-              <p:nvSpPr>
-                <p:cNvPr id="14" name="TextBox 13">
-                  <a:extLst>
-                    <a:ext uri="{FF2B5EF4-FFF2-40B4-BE49-F238E27FC236}">
-                      <a16:creationId xmlns:a16="http://schemas.microsoft.com/office/drawing/2014/main" id="{2B8EB2B0-E7D9-AE48-8490-3BE8B9277788}"/>
-                    </a:ext>
-                  </a:extLst>
-                </p:cNvPr>
-                <p:cNvSpPr txBox="1"/>
-                <p:nvPr/>
-              </p:nvSpPr>
-              <p:spPr>
-                <a:xfrm>
-                  <a:off x="11814873" y="3346738"/>
-                  <a:ext cx="263277" cy="215444"/>
-                </a:xfrm>
-                <a:prstGeom prst="rect">
-                  <a:avLst/>
-                </a:prstGeom>
-                <a:noFill/>
-              </p:spPr>
-              <p:txBody>
-                <a:bodyPr wrap="none" lIns="0" tIns="0" rIns="0" bIns="0" rtlCol="0">
-                  <a:spAutoFit/>
-                </a:bodyPr>
-                <a:lstStyle/>
-                <a:p>
-                  <a:pPr/>
-                  <a14:m>
-                    <m:oMathPara xmlns:m="http://schemas.openxmlformats.org/officeDocument/2006/math">
-                      <m:oMathParaPr>
-                        <m:jc m:val="centerGroup"/>
-                      </m:oMathParaPr>
-                      <m:oMath xmlns:m="http://schemas.openxmlformats.org/officeDocument/2006/math">
-                        <m:sSup>
-                          <m:sSupPr>
-                            <m:ctrlPr>
-                              <a:rPr lang="en-US" sz="1400" b="0" i="1" smtClean="0">
-                                <a:latin typeface="Cambria Math" panose="02040503050406030204" pitchFamily="18" charset="0"/>
-                              </a:rPr>
-                            </m:ctrlPr>
-                          </m:sSupPr>
-                          <m:e>
-                            <m:r>
-                              <a:rPr lang="en-US" sz="1400" b="1" i="0" smtClean="0">
-                                <a:latin typeface="Cambria Math" panose="02040503050406030204" pitchFamily="18" charset="0"/>
-                              </a:rPr>
-                              <m:t>𝐑</m:t>
-                            </m:r>
-                          </m:e>
-                          <m:sup>
-                            <m:r>
-                              <a:rPr lang="en-US" sz="1400" b="0" i="1" smtClean="0">
-                                <a:latin typeface="Cambria Math" panose="02040503050406030204" pitchFamily="18" charset="0"/>
-                              </a:rPr>
-                              <m:t>𝑔</m:t>
-                            </m:r>
-                          </m:sup>
-                        </m:sSup>
-                      </m:oMath>
-                    </m:oMathPara>
-                  </a14:m>
-                  <a:endParaRPr lang="en-CN" sz="1400" dirty="0"/>
-                </a:p>
-              </p:txBody>
-            </p:sp>
-          </mc:Choice>
-          <mc:Fallback>
-            <p:sp>
-              <p:nvSpPr>
-                <p:cNvPr id="14" name="TextBox 13">
-                  <a:extLst>
-                    <a:ext uri="{FF2B5EF4-FFF2-40B4-BE49-F238E27FC236}">
-                      <a16:creationId xmlns:a16="http://schemas.microsoft.com/office/drawing/2014/main" id="{2B8EB2B0-E7D9-AE48-8490-3BE8B9277788}"/>
-                    </a:ext>
-                  </a:extLst>
-                </p:cNvPr>
-                <p:cNvSpPr txBox="1">
-                  <a:spLocks noRot="1" noChangeAspect="1" noMove="1" noResize="1" noEditPoints="1" noAdjustHandles="1" noChangeArrowheads="1" noChangeShapeType="1" noTextEdit="1"/>
-                </p:cNvSpPr>
-                <p:nvPr/>
-              </p:nvSpPr>
-              <p:spPr>
-                <a:xfrm>
-                  <a:off x="11814873" y="3346738"/>
-                  <a:ext cx="263277" cy="215444"/>
-                </a:xfrm>
-                <a:prstGeom prst="rect">
-                  <a:avLst/>
-                </a:prstGeom>
-                <a:blipFill>
-                  <a:blip r:embed="rId3"/>
-                  <a:stretch>
-                    <a:fillRect l="-13636" r="-4545"/>
-                  </a:stretch>
-                </a:blipFill>
-              </p:spPr>
-              <p:txBody>
-                <a:bodyPr/>
-                <a:lstStyle/>
-                <a:p>
-                  <a:r>
-                    <a:rPr lang="en-CN">
-                      <a:noFill/>
-                    </a:rPr>
-                    <a:t> </a:t>
-                  </a:r>
-                </a:p>
-              </p:txBody>
-            </p:sp>
-          </mc:Fallback>
-        </mc:AlternateContent>
-        <p:sp>
-          <p:nvSpPr>
-            <p:cNvPr id="18" name="TextBox 17">
-              <a:extLst>
-                <a:ext uri="{FF2B5EF4-FFF2-40B4-BE49-F238E27FC236}">
-                  <a16:creationId xmlns:a16="http://schemas.microsoft.com/office/drawing/2014/main" id="{3A3368D1-FE6C-1D4B-AAA6-88C3BCA30AFD}"/>
-                </a:ext>
-              </a:extLst>
-            </p:cNvPr>
-            <p:cNvSpPr txBox="1"/>
-            <p:nvPr/>
-          </p:nvSpPr>
-          <p:spPr>
-            <a:xfrm>
-              <a:off x="10087125" y="2060688"/>
-              <a:ext cx="1669015" cy="523220"/>
-            </a:xfrm>
-            <a:prstGeom prst="rect">
-              <a:avLst/>
-            </a:prstGeom>
-            <a:noFill/>
-          </p:spPr>
-          <p:txBody>
-            <a:bodyPr wrap="square">
-              <a:spAutoFit/>
-            </a:bodyPr>
-            <a:lstStyle/>
-            <a:p>
-              <a:pPr marL="0" marR="0" lvl="0" indent="0" algn="ctr" defTabSz="914400" rtl="0" eaLnBrk="1" fontAlgn="auto" latinLnBrk="0" hangingPunct="1">
-                <a:lnSpc>
-                  <a:spcPct val="100000"/>
-                </a:lnSpc>
-                <a:spcBef>
-                  <a:spcPts val="0"/>
-                </a:spcBef>
-                <a:spcAft>
-                  <a:spcPts val="0"/>
-                </a:spcAft>
-                <a:buClrTx/>
-                <a:buSzTx/>
-                <a:buFontTx/>
-                <a:buNone/>
-                <a:tabLst/>
-                <a:defRPr/>
-              </a:pPr>
-              <a:r>
-                <a:rPr kumimoji="0" lang="en-CN" sz="1400" b="1" i="0" u="none" strike="noStrike" kern="0" cap="none" spc="0" normalizeH="0" baseline="0" noProof="0" dirty="0">
-                  <a:ln>
-                    <a:noFill/>
-                  </a:ln>
-                  <a:solidFill>
-                    <a:schemeClr val="accent2">
-                      <a:lumMod val="50000"/>
-                    </a:schemeClr>
-                  </a:solidFill>
-                  <a:effectLst>
-                    <a:reflection blurRad="6350" stA="55000" endA="300" endPos="45500" dir="5400000" sy="-100000" algn="bl" rotWithShape="0"/>
-                  </a:effectLst>
-                  <a:uLnTx/>
-                  <a:uFillTx/>
-                  <a:latin typeface="KaiTi" panose="02010609060101010101" pitchFamily="49" charset="-122"/>
-                  <a:ea typeface="KaiTi" panose="02010609060101010101" pitchFamily="49" charset="-122"/>
-                  <a:cs typeface="+mn-cs"/>
-                </a:rPr>
-                <a:t>含有置信度估计的特征提取模块</a:t>
-              </a:r>
-            </a:p>
-          </p:txBody>
-        </p:sp>
-        <mc:AlternateContent xmlns:mc="http://schemas.openxmlformats.org/markup-compatibility/2006">
-          <mc:Choice xmlns:a14="http://schemas.microsoft.com/office/drawing/2010/main" Requires="a14">
-            <p:sp>
-              <p:nvSpPr>
-                <p:cNvPr id="12" name="TextBox 11">
-                  <a:extLst>
-                    <a:ext uri="{FF2B5EF4-FFF2-40B4-BE49-F238E27FC236}">
-                      <a16:creationId xmlns:a16="http://schemas.microsoft.com/office/drawing/2014/main" id="{991583D1-ED70-614B-94BF-ECFD9B16A081}"/>
-                    </a:ext>
-                  </a:extLst>
-                </p:cNvPr>
-                <p:cNvSpPr txBox="1"/>
-                <p:nvPr/>
-              </p:nvSpPr>
-              <p:spPr>
-                <a:xfrm>
-                  <a:off x="9216299" y="4610139"/>
-                  <a:ext cx="251223" cy="215444"/>
-                </a:xfrm>
-                <a:prstGeom prst="rect">
-                  <a:avLst/>
-                </a:prstGeom>
-                <a:noFill/>
-              </p:spPr>
-              <p:txBody>
-                <a:bodyPr wrap="none" lIns="0" tIns="0" rIns="0" bIns="0" rtlCol="0">
-                  <a:spAutoFit/>
-                </a:bodyPr>
-                <a:lstStyle/>
-                <a:p>
-                  <a:pPr/>
-                  <a14:m>
-                    <m:oMathPara xmlns:m="http://schemas.openxmlformats.org/officeDocument/2006/math">
-                      <m:oMathParaPr>
-                        <m:jc m:val="centerGroup"/>
-                      </m:oMathParaPr>
-                      <m:oMath xmlns:m="http://schemas.openxmlformats.org/officeDocument/2006/math">
-                        <m:sSup>
-                          <m:sSupPr>
-                            <m:ctrlPr>
-                              <a:rPr lang="en-US" sz="1400" b="0" i="1" smtClean="0">
-                                <a:latin typeface="Cambria Math" panose="02040503050406030204" pitchFamily="18" charset="0"/>
-                              </a:rPr>
-                            </m:ctrlPr>
-                          </m:sSupPr>
-                          <m:e>
-                            <m:r>
-                              <a:rPr lang="en-US" sz="1400" b="0" i="1" smtClean="0">
-                                <a:latin typeface="Cambria Math" panose="02040503050406030204" pitchFamily="18" charset="0"/>
-                              </a:rPr>
-                              <m:t>𝑦</m:t>
-                            </m:r>
-                          </m:e>
-                          <m:sup>
-                            <m:r>
-                              <a:rPr lang="en-US" sz="1400" b="0" i="1" smtClean="0">
-                                <a:latin typeface="Cambria Math" panose="02040503050406030204" pitchFamily="18" charset="0"/>
-                              </a:rPr>
-                              <m:t>𝑔</m:t>
-                            </m:r>
-                          </m:sup>
-                        </m:sSup>
-                      </m:oMath>
-                    </m:oMathPara>
-                  </a14:m>
-                  <a:endParaRPr lang="en-CN" sz="1400" dirty="0"/>
-                </a:p>
-              </p:txBody>
-            </p:sp>
-          </mc:Choice>
-          <mc:Fallback>
-            <p:sp>
-              <p:nvSpPr>
-                <p:cNvPr id="12" name="TextBox 11">
-                  <a:extLst>
-                    <a:ext uri="{FF2B5EF4-FFF2-40B4-BE49-F238E27FC236}">
-                      <a16:creationId xmlns:a16="http://schemas.microsoft.com/office/drawing/2014/main" id="{991583D1-ED70-614B-94BF-ECFD9B16A081}"/>
-                    </a:ext>
-                  </a:extLst>
-                </p:cNvPr>
-                <p:cNvSpPr txBox="1">
-                  <a:spLocks noRot="1" noChangeAspect="1" noMove="1" noResize="1" noEditPoints="1" noAdjustHandles="1" noChangeArrowheads="1" noChangeShapeType="1" noTextEdit="1"/>
-                </p:cNvSpPr>
-                <p:nvPr/>
-              </p:nvSpPr>
-              <p:spPr>
-                <a:xfrm>
-                  <a:off x="9216299" y="4610139"/>
-                  <a:ext cx="251223" cy="215444"/>
-                </a:xfrm>
-                <a:prstGeom prst="rect">
-                  <a:avLst/>
-                </a:prstGeom>
-                <a:blipFill>
-                  <a:blip r:embed="rId4"/>
-                  <a:stretch>
-                    <a:fillRect l="-14286" r="-4762" b="-27778"/>
-                  </a:stretch>
-                </a:blipFill>
-              </p:spPr>
-              <p:txBody>
-                <a:bodyPr/>
-                <a:lstStyle/>
-                <a:p>
-                  <a:r>
-                    <a:rPr lang="en-CN">
-                      <a:noFill/>
-                    </a:rPr>
-                    <a:t> </a:t>
-                  </a:r>
-                </a:p>
-              </p:txBody>
-            </p:sp>
-          </mc:Fallback>
-        </mc:AlternateContent>
-        <mc:AlternateContent xmlns:mc="http://schemas.openxmlformats.org/markup-compatibility/2006">
-          <mc:Choice xmlns:a14="http://schemas.microsoft.com/office/drawing/2010/main" Requires="a14">
-            <p:sp>
-              <p:nvSpPr>
-                <p:cNvPr id="3" name="Rounded Rectangle 2">
-                  <a:extLst>
-                    <a:ext uri="{FF2B5EF4-FFF2-40B4-BE49-F238E27FC236}">
-                      <a16:creationId xmlns:a16="http://schemas.microsoft.com/office/drawing/2014/main" id="{0BE5E78B-3939-AC48-8D2A-BCE6F552126C}"/>
-                    </a:ext>
-                  </a:extLst>
-                </p:cNvPr>
-                <p:cNvSpPr/>
-                <p:nvPr/>
-              </p:nvSpPr>
-              <p:spPr>
-                <a:xfrm>
-                  <a:off x="8477154" y="2175862"/>
-                  <a:ext cx="1356995" cy="509851"/>
-                </a:xfrm>
-                <a:prstGeom prst="roundRect">
-                  <a:avLst>
-                    <a:gd name="adj" fmla="val 24248"/>
-                  </a:avLst>
-                </a:prstGeom>
-                <a:solidFill>
-                  <a:schemeClr val="bg1"/>
-                </a:solidFill>
-                <a:ln w="19050" cap="flat" cmpd="sng" algn="ctr">
-                  <a:solidFill>
-                    <a:schemeClr val="tx1"/>
-                  </a:solidFill>
-                  <a:prstDash val="solid"/>
-                  <a:miter lim="800000"/>
-                </a:ln>
-                <a:effectLst>
-                  <a:outerShdw blurRad="50800" dist="38100" dir="2700000" algn="tl" rotWithShape="0">
-                    <a:prstClr val="black">
-                      <a:alpha val="40000"/>
-                    </a:prstClr>
-                  </a:outerShdw>
-                </a:effectLst>
-              </p:spPr>
-              <p:txBody>
-                <a:bodyPr rtlCol="0" anchor="ctr"/>
-                <a:lstStyle/>
-                <a:p>
-                  <a:pPr algn="ctr">
-                    <a:defRPr/>
-                  </a:pPr>
-                  <a:r>
-                    <a:rPr kumimoji="0" lang="en-US" sz="1400" b="1" i="0" u="none" strike="noStrike" kern="0" cap="none" spc="0" normalizeH="0" baseline="0" noProof="0" dirty="0">
-                      <a:ln>
-                        <a:noFill/>
-                      </a:ln>
-                      <a:solidFill>
-                        <a:prstClr val="black"/>
-                      </a:solidFill>
-                      <a:effectLst/>
-                      <a:uLnTx/>
-                      <a:uFillTx/>
-                      <a:latin typeface="KaiTi" panose="02010609060101010101" pitchFamily="49" charset="-122"/>
-                      <a:ea typeface="KaiTi" panose="02010609060101010101" pitchFamily="49" charset="-122"/>
-                      <a:cs typeface="+mn-cs"/>
-                    </a:rPr>
-                    <a:t>时序特征编码网络</a:t>
-                  </a:r>
-                  <a:r>
-                    <a:rPr kumimoji="0" lang="zh-CN" altLang="en-US" sz="1400" b="1" i="0" u="none" strike="noStrike" kern="0" cap="none" spc="0" normalizeH="0" baseline="0" noProof="0" dirty="0">
-                      <a:ln>
-                        <a:noFill/>
-                      </a:ln>
-                      <a:solidFill>
-                        <a:prstClr val="black"/>
-                      </a:solidFill>
-                      <a:effectLst/>
-                      <a:uLnTx/>
-                      <a:uFillTx/>
-                      <a:latin typeface="KaiTi" panose="02010609060101010101" pitchFamily="49" charset="-122"/>
-                      <a:ea typeface="KaiTi" panose="02010609060101010101" pitchFamily="49" charset="-122"/>
-                      <a:cs typeface="+mn-cs"/>
-                    </a:rPr>
-                    <a:t> </a:t>
-                  </a:r>
-                  <a14:m>
-                    <m:oMath xmlns:m="http://schemas.openxmlformats.org/officeDocument/2006/math">
-                      <m:sSubSup>
-                        <m:sSubSupPr>
-                          <m:ctrlPr>
-                            <a:rPr lang="en-US" sz="1400" b="0" i="1" smtClean="0">
-                              <a:latin typeface="Cambria Math" panose="02040503050406030204" pitchFamily="18" charset="0"/>
-                              <a:ea typeface="Cambria Math" panose="02040503050406030204" pitchFamily="18" charset="0"/>
-                            </a:rPr>
-                          </m:ctrlPr>
-                        </m:sSubSupPr>
-                        <m:e>
-                          <m:r>
-                            <a:rPr lang="en-CN" sz="1400" i="1">
-                              <a:latin typeface="Cambria Math" panose="02040503050406030204" pitchFamily="18" charset="0"/>
-                              <a:ea typeface="Cambria Math" panose="02040503050406030204" pitchFamily="18" charset="0"/>
-                            </a:rPr>
-                            <m:t>ℱ</m:t>
-                          </m:r>
-                        </m:e>
-                        <m:sub>
-                          <m:r>
-                            <m:rPr>
-                              <m:sty m:val="p"/>
-                            </m:rPr>
-                            <a:rPr lang="en-US" sz="1400" b="0" i="0" smtClean="0">
-                              <a:latin typeface="Cambria Math" panose="02040503050406030204" pitchFamily="18" charset="0"/>
-                              <a:ea typeface="Cambria Math" panose="02040503050406030204" pitchFamily="18" charset="0"/>
-                            </a:rPr>
-                            <m:t>Enc</m:t>
-                          </m:r>
-                        </m:sub>
-                        <m:sup>
-                          <m:r>
-                            <a:rPr lang="en-US" sz="1400" b="0" i="1" smtClean="0">
-                              <a:latin typeface="Cambria Math" panose="02040503050406030204" pitchFamily="18" charset="0"/>
-                              <a:ea typeface="Cambria Math" panose="02040503050406030204" pitchFamily="18" charset="0"/>
-                            </a:rPr>
-                            <m:t>𝑔</m:t>
-                          </m:r>
-                        </m:sup>
-                      </m:sSubSup>
-                    </m:oMath>
-                  </a14:m>
-                  <a:endParaRPr kumimoji="0" lang="en-CN" sz="1400" b="1" i="0" u="none" strike="noStrike" kern="0" cap="none" spc="0" normalizeH="0" baseline="0" noProof="0" dirty="0">
-                    <a:ln>
-                      <a:noFill/>
-                    </a:ln>
-                    <a:solidFill>
-                      <a:prstClr val="black"/>
-                    </a:solidFill>
-                    <a:effectLst/>
-                    <a:uLnTx/>
-                    <a:uFillTx/>
-                    <a:latin typeface="KaiTi" panose="02010609060101010101" pitchFamily="49" charset="-122"/>
-                    <a:ea typeface="KaiTi" panose="02010609060101010101" pitchFamily="49" charset="-122"/>
-                    <a:cs typeface="+mn-cs"/>
-                  </a:endParaRPr>
-                </a:p>
-              </p:txBody>
-            </p:sp>
-          </mc:Choice>
-          <mc:Fallback>
-            <p:sp>
-              <p:nvSpPr>
-                <p:cNvPr id="3" name="Rounded Rectangle 2">
-                  <a:extLst>
-                    <a:ext uri="{FF2B5EF4-FFF2-40B4-BE49-F238E27FC236}">
-                      <a16:creationId xmlns:a16="http://schemas.microsoft.com/office/drawing/2014/main" id="{0BE5E78B-3939-AC48-8D2A-BCE6F552126C}"/>
-                    </a:ext>
-                  </a:extLst>
-                </p:cNvPr>
-                <p:cNvSpPr>
-                  <a:spLocks noRot="1" noChangeAspect="1" noMove="1" noResize="1" noEditPoints="1" noAdjustHandles="1" noChangeArrowheads="1" noChangeShapeType="1" noTextEdit="1"/>
-                </p:cNvSpPr>
-                <p:nvPr/>
-              </p:nvSpPr>
-              <p:spPr>
-                <a:xfrm>
-                  <a:off x="8477154" y="2175862"/>
-                  <a:ext cx="1356995" cy="509851"/>
-                </a:xfrm>
-                <a:prstGeom prst="roundRect">
-                  <a:avLst>
-                    <a:gd name="adj" fmla="val 24248"/>
-                  </a:avLst>
-                </a:prstGeom>
-                <a:blipFill>
-                  <a:blip r:embed="rId5"/>
-                  <a:stretch>
-                    <a:fillRect/>
-                  </a:stretch>
-                </a:blipFill>
-                <a:ln w="19050" cap="flat" cmpd="sng" algn="ctr">
-                  <a:solidFill>
-                    <a:schemeClr val="tx1"/>
-                  </a:solidFill>
-                  <a:prstDash val="solid"/>
-                  <a:miter lim="800000"/>
-                </a:ln>
-                <a:effectLst>
-                  <a:outerShdw blurRad="50800" dist="38100" dir="2700000" algn="tl" rotWithShape="0">
-                    <a:prstClr val="black">
-                      <a:alpha val="40000"/>
-                    </a:prstClr>
-                  </a:outerShdw>
-                </a:effectLst>
-              </p:spPr>
-              <p:txBody>
-                <a:bodyPr/>
-                <a:lstStyle/>
-                <a:p>
-                  <a:r>
-                    <a:rPr lang="en-CN">
-                      <a:noFill/>
-                    </a:rPr>
-                    <a:t> </a:t>
-                  </a:r>
-                </a:p>
-              </p:txBody>
-            </p:sp>
-          </mc:Fallback>
-        </mc:AlternateContent>
-        <mc:AlternateContent xmlns:mc="http://schemas.openxmlformats.org/markup-compatibility/2006">
-          <mc:Choice xmlns:a14="http://schemas.microsoft.com/office/drawing/2010/main" Requires="a14">
-            <p:sp>
-              <p:nvSpPr>
-                <p:cNvPr id="4" name="Rounded Rectangle 3">
-                  <a:extLst>
-                    <a:ext uri="{FF2B5EF4-FFF2-40B4-BE49-F238E27FC236}">
-                      <a16:creationId xmlns:a16="http://schemas.microsoft.com/office/drawing/2014/main" id="{F7EA45EE-247F-3F4D-9A2A-559C3E4E4FED}"/>
-                    </a:ext>
-                  </a:extLst>
-                </p:cNvPr>
-                <p:cNvSpPr/>
-                <p:nvPr/>
-              </p:nvSpPr>
-              <p:spPr>
-                <a:xfrm>
-                  <a:off x="8477154" y="3309096"/>
-                  <a:ext cx="1356995" cy="509851"/>
-                </a:xfrm>
-                <a:prstGeom prst="roundRect">
-                  <a:avLst>
-                    <a:gd name="adj" fmla="val 24248"/>
-                  </a:avLst>
-                </a:prstGeom>
-                <a:solidFill>
-                  <a:schemeClr val="bg1"/>
-                </a:solidFill>
-                <a:ln w="19050" cap="flat" cmpd="sng" algn="ctr">
-                  <a:solidFill>
-                    <a:schemeClr val="tx1"/>
-                  </a:solidFill>
-                  <a:prstDash val="solid"/>
-                  <a:miter lim="800000"/>
-                </a:ln>
-                <a:effectLst>
-                  <a:outerShdw blurRad="50800" dist="38100" dir="2700000" algn="tl" rotWithShape="0">
-                    <a:prstClr val="black">
-                      <a:alpha val="40000"/>
-                    </a:prstClr>
-                  </a:outerShdw>
-                </a:effectLst>
-              </p:spPr>
-              <p:txBody>
-                <a:bodyPr rtlCol="0" anchor="ctr"/>
-                <a:lstStyle/>
-                <a:p>
-                  <a:pPr algn="ctr">
-                    <a:defRPr/>
-                  </a:pPr>
-                  <a:r>
-                    <a:rPr lang="zh-CN" altLang="en-US" sz="1400" b="1" kern="0" dirty="0">
-                      <a:solidFill>
-                        <a:prstClr val="black"/>
-                      </a:solidFill>
-                      <a:latin typeface="KaiTi" panose="02010609060101010101" pitchFamily="49" charset="-122"/>
-                      <a:ea typeface="KaiTi" panose="02010609060101010101" pitchFamily="49" charset="-122"/>
-                    </a:rPr>
-                    <a:t>预测网络</a:t>
-                  </a:r>
-                  <a:endParaRPr lang="en-US" altLang="zh-CN" sz="1400" b="1" kern="0" dirty="0">
-                    <a:solidFill>
-                      <a:prstClr val="black"/>
-                    </a:solidFill>
-                    <a:latin typeface="KaiTi" panose="02010609060101010101" pitchFamily="49" charset="-122"/>
-                    <a:ea typeface="KaiTi" panose="02010609060101010101" pitchFamily="49" charset="-122"/>
-                  </a:endParaRPr>
-                </a:p>
-                <a:p>
-                  <a:pPr algn="ctr">
-                    <a:defRPr/>
-                  </a:pPr>
-                  <a14:m>
-                    <m:oMathPara xmlns:m="http://schemas.openxmlformats.org/officeDocument/2006/math">
-                      <m:oMathParaPr>
-                        <m:jc m:val="centerGroup"/>
-                      </m:oMathParaPr>
-                      <m:oMath xmlns:m="http://schemas.openxmlformats.org/officeDocument/2006/math">
-                        <m:sSubSup>
-                          <m:sSubSupPr>
-                            <m:ctrlPr>
-                              <a:rPr lang="en-US" sz="1400" i="1">
-                                <a:latin typeface="Cambria Math" panose="02040503050406030204" pitchFamily="18" charset="0"/>
-                                <a:ea typeface="Cambria Math" panose="02040503050406030204" pitchFamily="18" charset="0"/>
-                              </a:rPr>
-                            </m:ctrlPr>
-                          </m:sSubSupPr>
-                          <m:e>
-                            <m:r>
-                              <a:rPr lang="en-CN" sz="1400" i="1">
-                                <a:latin typeface="Cambria Math" panose="02040503050406030204" pitchFamily="18" charset="0"/>
-                                <a:ea typeface="Cambria Math" panose="02040503050406030204" pitchFamily="18" charset="0"/>
-                              </a:rPr>
-                              <m:t>ℱ</m:t>
-                            </m:r>
-                          </m:e>
-                          <m:sub>
-                            <m:r>
-                              <m:rPr>
-                                <m:sty m:val="p"/>
-                              </m:rPr>
-                              <a:rPr lang="en-US" sz="1400" b="0" i="0" smtClean="0">
-                                <a:latin typeface="Cambria Math" panose="02040503050406030204" pitchFamily="18" charset="0"/>
-                                <a:ea typeface="Cambria Math" panose="02040503050406030204" pitchFamily="18" charset="0"/>
-                              </a:rPr>
-                              <m:t>Pred</m:t>
-                            </m:r>
-                          </m:sub>
-                          <m:sup>
-                            <m:r>
-                              <a:rPr lang="en-US" sz="1400" i="1">
-                                <a:latin typeface="Cambria Math" panose="02040503050406030204" pitchFamily="18" charset="0"/>
-                                <a:ea typeface="Cambria Math" panose="02040503050406030204" pitchFamily="18" charset="0"/>
-                              </a:rPr>
-                              <m:t>𝑔</m:t>
-                            </m:r>
-                          </m:sup>
-                        </m:sSubSup>
-                      </m:oMath>
-                    </m:oMathPara>
-                  </a14:m>
-                  <a:endParaRPr kumimoji="0" lang="en-CN" sz="1400" b="1" i="0" u="none" strike="noStrike" kern="0" cap="none" spc="0" normalizeH="0" baseline="0" noProof="0" dirty="0">
-                    <a:ln>
-                      <a:noFill/>
-                    </a:ln>
-                    <a:solidFill>
-                      <a:prstClr val="black"/>
-                    </a:solidFill>
-                    <a:effectLst/>
-                    <a:uLnTx/>
-                    <a:uFillTx/>
-                    <a:latin typeface="KaiTi" panose="02010609060101010101" pitchFamily="49" charset="-122"/>
-                    <a:ea typeface="KaiTi" panose="02010609060101010101" pitchFamily="49" charset="-122"/>
-                    <a:cs typeface="+mn-cs"/>
-                  </a:endParaRPr>
-                </a:p>
-              </p:txBody>
-            </p:sp>
-          </mc:Choice>
-          <mc:Fallback>
-            <p:sp>
-              <p:nvSpPr>
-                <p:cNvPr id="4" name="Rounded Rectangle 3">
-                  <a:extLst>
-                    <a:ext uri="{FF2B5EF4-FFF2-40B4-BE49-F238E27FC236}">
-                      <a16:creationId xmlns:a16="http://schemas.microsoft.com/office/drawing/2014/main" id="{F7EA45EE-247F-3F4D-9A2A-559C3E4E4FED}"/>
-                    </a:ext>
-                  </a:extLst>
-                </p:cNvPr>
-                <p:cNvSpPr>
-                  <a:spLocks noRot="1" noChangeAspect="1" noMove="1" noResize="1" noEditPoints="1" noAdjustHandles="1" noChangeArrowheads="1" noChangeShapeType="1" noTextEdit="1"/>
-                </p:cNvSpPr>
-                <p:nvPr/>
-              </p:nvSpPr>
-              <p:spPr>
-                <a:xfrm>
-                  <a:off x="8477154" y="3309096"/>
-                  <a:ext cx="1356995" cy="509851"/>
-                </a:xfrm>
-                <a:prstGeom prst="roundRect">
-                  <a:avLst>
-                    <a:gd name="adj" fmla="val 24248"/>
-                  </a:avLst>
-                </a:prstGeom>
-                <a:blipFill>
-                  <a:blip r:embed="rId6"/>
-                  <a:stretch>
-                    <a:fillRect/>
-                  </a:stretch>
-                </a:blipFill>
-                <a:ln w="19050" cap="flat" cmpd="sng" algn="ctr">
-                  <a:solidFill>
-                    <a:schemeClr val="tx1"/>
-                  </a:solidFill>
-                  <a:prstDash val="solid"/>
-                  <a:miter lim="800000"/>
-                </a:ln>
-                <a:effectLst>
-                  <a:outerShdw blurRad="50800" dist="38100" dir="2700000" algn="tl" rotWithShape="0">
-                    <a:prstClr val="black">
-                      <a:alpha val="40000"/>
-                    </a:prstClr>
-                  </a:outerShdw>
-                </a:effectLst>
-              </p:spPr>
-              <p:txBody>
-                <a:bodyPr/>
-                <a:lstStyle/>
-                <a:p>
-                  <a:r>
-                    <a:rPr lang="en-CN">
-                      <a:noFill/>
-                    </a:rPr>
-                    <a:t> </a:t>
-                  </a:r>
-                </a:p>
-              </p:txBody>
-            </p:sp>
-          </mc:Fallback>
-        </mc:AlternateContent>
-        <mc:AlternateContent xmlns:mc="http://schemas.openxmlformats.org/markup-compatibility/2006">
-          <mc:Choice xmlns:a14="http://schemas.microsoft.com/office/drawing/2010/main" Requires="a14">
-            <p:sp>
-              <p:nvSpPr>
-                <p:cNvPr id="5" name="Rounded Rectangle 4">
-                  <a:extLst>
-                    <a:ext uri="{FF2B5EF4-FFF2-40B4-BE49-F238E27FC236}">
-                      <a16:creationId xmlns:a16="http://schemas.microsoft.com/office/drawing/2014/main" id="{AFB74FD2-CAC7-B743-9B1D-DC14D70F2841}"/>
-                    </a:ext>
-                  </a:extLst>
-                </p:cNvPr>
-                <p:cNvSpPr/>
-                <p:nvPr/>
-              </p:nvSpPr>
-              <p:spPr>
-                <a:xfrm>
-                  <a:off x="10307019" y="3317972"/>
-                  <a:ext cx="1356995" cy="509851"/>
-                </a:xfrm>
-                <a:prstGeom prst="roundRect">
-                  <a:avLst>
-                    <a:gd name="adj" fmla="val 24248"/>
-                  </a:avLst>
-                </a:prstGeom>
-                <a:solidFill>
-                  <a:schemeClr val="bg1"/>
-                </a:solidFill>
-                <a:ln w="19050" cap="flat" cmpd="sng" algn="ctr">
-                  <a:solidFill>
-                    <a:schemeClr val="tx1"/>
-                  </a:solidFill>
-                  <a:prstDash val="solid"/>
-                  <a:miter lim="800000"/>
-                </a:ln>
-                <a:effectLst>
-                  <a:outerShdw blurRad="50800" dist="38100" dir="2700000" algn="tl" rotWithShape="0">
-                    <a:prstClr val="black">
-                      <a:alpha val="40000"/>
-                    </a:prstClr>
-                  </a:outerShdw>
-                </a:effectLst>
-              </p:spPr>
-              <p:txBody>
-                <a:bodyPr rtlCol="0" anchor="ctr"/>
-                <a:lstStyle/>
-                <a:p>
-                  <a:pPr algn="ctr">
-                    <a:defRPr/>
-                  </a:pPr>
-                  <a:r>
-                    <a:rPr lang="zh-CN" altLang="en-US" sz="1400" b="1" kern="0" dirty="0">
-                      <a:solidFill>
-                        <a:prstClr val="black"/>
-                      </a:solidFill>
-                      <a:latin typeface="KaiTi" panose="02010609060101010101" pitchFamily="49" charset="-122"/>
-                      <a:ea typeface="KaiTi" panose="02010609060101010101" pitchFamily="49" charset="-122"/>
-                    </a:rPr>
-                    <a:t>细粒度特征重建网络</a:t>
-                  </a:r>
-                  <a14:m>
-                    <m:oMath xmlns:m="http://schemas.openxmlformats.org/officeDocument/2006/math">
-                      <m:r>
-                        <a:rPr lang="en-US" sz="1400" b="1" i="0" smtClean="0">
-                          <a:latin typeface="Cambria Math" panose="02040503050406030204" pitchFamily="18" charset="0"/>
-                          <a:ea typeface="Cambria Math" panose="02040503050406030204" pitchFamily="18" charset="0"/>
-                        </a:rPr>
-                        <m:t> </m:t>
-                      </m:r>
-                      <m:sSubSup>
-                        <m:sSubSupPr>
-                          <m:ctrlPr>
-                            <a:rPr lang="en-US" sz="1400" b="0" i="1" smtClean="0">
-                              <a:latin typeface="Cambria Math" panose="02040503050406030204" pitchFamily="18" charset="0"/>
-                              <a:ea typeface="Cambria Math" panose="02040503050406030204" pitchFamily="18" charset="0"/>
-                            </a:rPr>
-                          </m:ctrlPr>
-                        </m:sSubSupPr>
-                        <m:e>
-                          <m:r>
-                            <a:rPr lang="en-CN" sz="1400" i="1">
-                              <a:latin typeface="Cambria Math" panose="02040503050406030204" pitchFamily="18" charset="0"/>
-                              <a:ea typeface="Cambria Math" panose="02040503050406030204" pitchFamily="18" charset="0"/>
-                            </a:rPr>
-                            <m:t>ℱ</m:t>
-                          </m:r>
-                        </m:e>
-                        <m:sub>
-                          <m:r>
-                            <m:rPr>
-                              <m:sty m:val="p"/>
-                            </m:rPr>
-                            <a:rPr lang="en-US" sz="1400" b="0" i="0" smtClean="0">
-                              <a:latin typeface="Cambria Math" panose="02040503050406030204" pitchFamily="18" charset="0"/>
-                              <a:ea typeface="Cambria Math" panose="02040503050406030204" pitchFamily="18" charset="0"/>
-                            </a:rPr>
-                            <m:t>Re</m:t>
-                          </m:r>
-                          <m:r>
-                            <m:rPr>
-                              <m:sty m:val="p"/>
-                            </m:rPr>
-                            <a:rPr lang="en-US" altLang="zh-CN" sz="1400" b="0" i="0" smtClean="0">
-                              <a:latin typeface="Cambria Math" panose="02040503050406030204" pitchFamily="18" charset="0"/>
-                              <a:ea typeface="Cambria Math" panose="02040503050406030204" pitchFamily="18" charset="0"/>
-                            </a:rPr>
-                            <m:t>c</m:t>
-                          </m:r>
-                        </m:sub>
-                        <m:sup>
-                          <m:r>
-                            <a:rPr lang="en-US" sz="1400" b="0" i="1" smtClean="0">
-                              <a:latin typeface="Cambria Math" panose="02040503050406030204" pitchFamily="18" charset="0"/>
-                              <a:ea typeface="Cambria Math" panose="02040503050406030204" pitchFamily="18" charset="0"/>
-                            </a:rPr>
-                            <m:t>𝑔</m:t>
-                          </m:r>
-                        </m:sup>
-                      </m:sSubSup>
-                    </m:oMath>
-                  </a14:m>
-                  <a:endParaRPr kumimoji="0" lang="en-CN" sz="1400" b="1" i="0" u="none" strike="noStrike" kern="0" cap="none" spc="0" normalizeH="0" baseline="0" noProof="0" dirty="0">
-                    <a:ln>
-                      <a:noFill/>
-                    </a:ln>
-                    <a:solidFill>
-                      <a:prstClr val="black"/>
-                    </a:solidFill>
-                    <a:effectLst/>
-                    <a:uLnTx/>
-                    <a:uFillTx/>
-                    <a:latin typeface="KaiTi" panose="02010609060101010101" pitchFamily="49" charset="-122"/>
-                    <a:ea typeface="KaiTi" panose="02010609060101010101" pitchFamily="49" charset="-122"/>
-                    <a:cs typeface="+mn-cs"/>
-                  </a:endParaRPr>
-                </a:p>
-              </p:txBody>
-            </p:sp>
-          </mc:Choice>
-          <mc:Fallback>
-            <p:sp>
-              <p:nvSpPr>
-                <p:cNvPr id="5" name="Rounded Rectangle 4">
-                  <a:extLst>
-                    <a:ext uri="{FF2B5EF4-FFF2-40B4-BE49-F238E27FC236}">
-                      <a16:creationId xmlns:a16="http://schemas.microsoft.com/office/drawing/2014/main" id="{AFB74FD2-CAC7-B743-9B1D-DC14D70F2841}"/>
-                    </a:ext>
-                  </a:extLst>
-                </p:cNvPr>
-                <p:cNvSpPr>
-                  <a:spLocks noRot="1" noChangeAspect="1" noMove="1" noResize="1" noEditPoints="1" noAdjustHandles="1" noChangeArrowheads="1" noChangeShapeType="1" noTextEdit="1"/>
-                </p:cNvSpPr>
-                <p:nvPr/>
-              </p:nvSpPr>
-              <p:spPr>
-                <a:xfrm>
-                  <a:off x="10307019" y="3317972"/>
-                  <a:ext cx="1356995" cy="509851"/>
-                </a:xfrm>
-                <a:prstGeom prst="roundRect">
-                  <a:avLst>
-                    <a:gd name="adj" fmla="val 24248"/>
-                  </a:avLst>
-                </a:prstGeom>
-                <a:blipFill>
-                  <a:blip r:embed="rId7"/>
-                  <a:stretch>
-                    <a:fillRect/>
-                  </a:stretch>
-                </a:blipFill>
-                <a:ln w="19050" cap="flat" cmpd="sng" algn="ctr">
-                  <a:solidFill>
-                    <a:schemeClr val="tx1"/>
-                  </a:solidFill>
-                  <a:prstDash val="solid"/>
-                  <a:miter lim="800000"/>
-                </a:ln>
-                <a:effectLst>
-                  <a:outerShdw blurRad="50800" dist="38100" dir="2700000" algn="tl" rotWithShape="0">
-                    <a:prstClr val="black">
-                      <a:alpha val="40000"/>
-                    </a:prstClr>
-                  </a:outerShdw>
-                </a:effectLst>
-              </p:spPr>
-              <p:txBody>
-                <a:bodyPr/>
-                <a:lstStyle/>
-                <a:p>
-                  <a:r>
-                    <a:rPr lang="en-CN">
-                      <a:noFill/>
-                    </a:rPr>
-                    <a:t> </a:t>
-                  </a:r>
-                </a:p>
-              </p:txBody>
-            </p:sp>
-          </mc:Fallback>
-        </mc:AlternateContent>
-        <p:cxnSp>
-          <p:nvCxnSpPr>
-            <p:cNvPr id="6" name="Elbow Connector 5">
-              <a:extLst>
-                <a:ext uri="{FF2B5EF4-FFF2-40B4-BE49-F238E27FC236}">
-                  <a16:creationId xmlns:a16="http://schemas.microsoft.com/office/drawing/2014/main" id="{5E76539C-80B2-CD46-BF3F-4ABC856F5AF2}"/>
-                </a:ext>
-              </a:extLst>
-            </p:cNvPr>
-            <p:cNvCxnSpPr>
-              <a:cxnSpLocks/>
-              <a:stCxn id="16" idx="0"/>
-              <a:endCxn id="5" idx="0"/>
-            </p:cNvCxnSpPr>
-            <p:nvPr/>
-          </p:nvCxnSpPr>
-          <p:spPr>
-            <a:xfrm rot="5400000" flipH="1" flipV="1">
-              <a:off x="9154707" y="1487162"/>
-              <a:ext cx="12700" cy="3661620"/>
-            </a:xfrm>
-            <a:prstGeom prst="bentConnector3">
-              <a:avLst>
-                <a:gd name="adj1" fmla="val 2177417"/>
-              </a:avLst>
-            </a:prstGeom>
-            <a:noFill/>
-            <a:ln w="19050" cap="flat" cmpd="sng" algn="ctr">
-              <a:solidFill>
-                <a:sysClr val="windowText" lastClr="000000"/>
-              </a:solidFill>
-              <a:prstDash val="solid"/>
-              <a:miter lim="800000"/>
-              <a:headEnd type="stealth" w="lg" len="med"/>
-              <a:tailEnd type="stealth" w="lg" len="med"/>
-            </a:ln>
-            <a:effectLst/>
-          </p:spPr>
-        </p:cxnSp>
-        <p:cxnSp>
-          <p:nvCxnSpPr>
-            <p:cNvPr id="7" name="Straight Arrow Connector 6">
-              <a:extLst>
-                <a:ext uri="{FF2B5EF4-FFF2-40B4-BE49-F238E27FC236}">
-                  <a16:creationId xmlns:a16="http://schemas.microsoft.com/office/drawing/2014/main" id="{C4B2A18D-6C36-3443-AD73-153744B091DC}"/>
-                </a:ext>
-              </a:extLst>
-            </p:cNvPr>
-            <p:cNvCxnSpPr>
-              <a:cxnSpLocks/>
-              <a:stCxn id="4" idx="2"/>
-              <a:endCxn id="17" idx="0"/>
-            </p:cNvCxnSpPr>
-            <p:nvPr/>
-          </p:nvCxnSpPr>
-          <p:spPr>
-            <a:xfrm flipH="1">
-              <a:off x="9155651" y="3818947"/>
-              <a:ext cx="1" cy="355178"/>
-            </a:xfrm>
-            <a:prstGeom prst="straightConnector1">
-              <a:avLst/>
-            </a:prstGeom>
-            <a:noFill/>
-            <a:ln w="19050" cap="flat" cmpd="sng" algn="ctr">
-              <a:solidFill>
-                <a:schemeClr val="tx1"/>
-              </a:solidFill>
-              <a:prstDash val="solid"/>
-              <a:miter lim="800000"/>
-              <a:tailEnd type="stealth" w="lg" len="med"/>
-            </a:ln>
-            <a:effectLst/>
-          </p:spPr>
-        </p:cxnSp>
-        <mc:AlternateContent xmlns:mc="http://schemas.openxmlformats.org/markup-compatibility/2006">
-          <mc:Choice xmlns:a14="http://schemas.microsoft.com/office/drawing/2010/main" Requires="a14">
-            <p:sp>
-              <p:nvSpPr>
-                <p:cNvPr id="11" name="TextBox 10">
-                  <a:extLst>
-                    <a:ext uri="{FF2B5EF4-FFF2-40B4-BE49-F238E27FC236}">
-                      <a16:creationId xmlns:a16="http://schemas.microsoft.com/office/drawing/2014/main" id="{A48A9FBF-C335-F34E-8881-C8779F5C7997}"/>
-                    </a:ext>
-                  </a:extLst>
-                </p:cNvPr>
-                <p:cNvSpPr txBox="1"/>
-                <p:nvPr/>
-              </p:nvSpPr>
-              <p:spPr>
-                <a:xfrm>
-                  <a:off x="9216299" y="2738474"/>
-                  <a:ext cx="278602" cy="215444"/>
-                </a:xfrm>
-                <a:prstGeom prst="rect">
-                  <a:avLst/>
-                </a:prstGeom>
-                <a:noFill/>
-              </p:spPr>
-              <p:txBody>
-                <a:bodyPr wrap="none" lIns="0" tIns="0" rIns="0" bIns="0" rtlCol="0">
-                  <a:spAutoFit/>
-                </a:bodyPr>
-                <a:lstStyle/>
-                <a:p>
-                  <a:pPr/>
-                  <a14:m>
-                    <m:oMathPara xmlns:m="http://schemas.openxmlformats.org/officeDocument/2006/math">
-                      <m:oMathParaPr>
-                        <m:jc m:val="centerGroup"/>
-                      </m:oMathParaPr>
-                      <m:oMath xmlns:m="http://schemas.openxmlformats.org/officeDocument/2006/math">
-                        <m:sSup>
-                          <m:sSupPr>
-                            <m:ctrlPr>
-                              <a:rPr lang="en-US" sz="1400" b="0" i="1" smtClean="0">
-                                <a:latin typeface="Cambria Math" panose="02040503050406030204" pitchFamily="18" charset="0"/>
-                              </a:rPr>
-                            </m:ctrlPr>
-                          </m:sSupPr>
-                          <m:e>
-                            <m:r>
-                              <a:rPr lang="en-US" sz="1400" b="1" i="0" smtClean="0">
-                                <a:latin typeface="Cambria Math" panose="02040503050406030204" pitchFamily="18" charset="0"/>
-                              </a:rPr>
-                              <m:t>𝐇</m:t>
-                            </m:r>
-                          </m:e>
-                          <m:sup>
-                            <m:r>
-                              <a:rPr lang="en-US" sz="1400" b="0" i="1" smtClean="0">
-                                <a:latin typeface="Cambria Math" panose="02040503050406030204" pitchFamily="18" charset="0"/>
-                              </a:rPr>
-                              <m:t>𝑔</m:t>
-                            </m:r>
-                          </m:sup>
-                        </m:sSup>
-                      </m:oMath>
-                    </m:oMathPara>
-                  </a14:m>
-                  <a:endParaRPr lang="en-CN" sz="1400" dirty="0"/>
-                </a:p>
-              </p:txBody>
-            </p:sp>
-          </mc:Choice>
-          <mc:Fallback>
-            <p:sp>
-              <p:nvSpPr>
-                <p:cNvPr id="11" name="TextBox 10">
-                  <a:extLst>
-                    <a:ext uri="{FF2B5EF4-FFF2-40B4-BE49-F238E27FC236}">
-                      <a16:creationId xmlns:a16="http://schemas.microsoft.com/office/drawing/2014/main" id="{A48A9FBF-C335-F34E-8881-C8779F5C7997}"/>
-                    </a:ext>
-                  </a:extLst>
-                </p:cNvPr>
-                <p:cNvSpPr txBox="1">
-                  <a:spLocks noRot="1" noChangeAspect="1" noMove="1" noResize="1" noEditPoints="1" noAdjustHandles="1" noChangeArrowheads="1" noChangeShapeType="1" noTextEdit="1"/>
-                </p:cNvSpPr>
-                <p:nvPr/>
-              </p:nvSpPr>
-              <p:spPr>
-                <a:xfrm>
-                  <a:off x="9216299" y="2738474"/>
-                  <a:ext cx="278602" cy="215444"/>
-                </a:xfrm>
-                <a:prstGeom prst="rect">
-                  <a:avLst/>
-                </a:prstGeom>
-                <a:blipFill>
-                  <a:blip r:embed="rId8"/>
-                  <a:stretch>
-                    <a:fillRect l="-8696" r="-8696" b="-5556"/>
-                  </a:stretch>
-                </a:blipFill>
-              </p:spPr>
-              <p:txBody>
-                <a:bodyPr/>
-                <a:lstStyle/>
-                <a:p>
-                  <a:r>
-                    <a:rPr lang="en-CN">
-                      <a:noFill/>
-                    </a:rPr>
-                    <a:t> </a:t>
-                  </a:r>
-                </a:p>
-              </p:txBody>
-            </p:sp>
-          </mc:Fallback>
-        </mc:AlternateContent>
-        <p:sp>
-          <p:nvSpPr>
-            <p:cNvPr id="16" name="Rounded Rectangle 15">
-              <a:extLst>
-                <a:ext uri="{FF2B5EF4-FFF2-40B4-BE49-F238E27FC236}">
-                  <a16:creationId xmlns:a16="http://schemas.microsoft.com/office/drawing/2014/main" id="{351FA8D2-DA3D-0D4E-B8DC-BC970ADB250D}"/>
-                </a:ext>
-              </a:extLst>
-            </p:cNvPr>
-            <p:cNvSpPr/>
-            <p:nvPr/>
-          </p:nvSpPr>
-          <p:spPr>
-            <a:xfrm>
-              <a:off x="6645399" y="3317972"/>
-              <a:ext cx="1356995" cy="509851"/>
-            </a:xfrm>
-            <a:prstGeom prst="roundRect">
-              <a:avLst>
-                <a:gd name="adj" fmla="val 24248"/>
-              </a:avLst>
-            </a:prstGeom>
-            <a:solidFill>
-              <a:schemeClr val="accent4">
-                <a:lumMod val="20000"/>
-                <a:lumOff val="80000"/>
-                <a:alpha val="95000"/>
-              </a:schemeClr>
-            </a:solidFill>
-            <a:ln w="19050" cap="flat" cmpd="sng" algn="ctr">
-              <a:solidFill>
-                <a:schemeClr val="accent4">
-                  <a:lumMod val="50000"/>
-                </a:schemeClr>
-              </a:solidFill>
-              <a:prstDash val="solid"/>
-              <a:miter lim="800000"/>
-            </a:ln>
-            <a:effectLst>
-              <a:outerShdw blurRad="50800" dist="38100" dir="2700000" algn="tl" rotWithShape="0">
-                <a:prstClr val="black">
-                  <a:alpha val="40000"/>
-                </a:prstClr>
-              </a:outerShdw>
-            </a:effectLst>
-          </p:spPr>
-          <p:txBody>
-            <a:bodyPr rtlCol="0" anchor="ctr"/>
-            <a:lstStyle/>
-            <a:p>
-              <a:pPr algn="ctr">
-                <a:defRPr/>
-              </a:pPr>
-              <a:r>
-                <a:rPr kumimoji="0" lang="en-US" sz="1400" b="1" i="0" u="none" strike="noStrike" kern="0" cap="none" spc="0" normalizeH="0" baseline="0" noProof="0" dirty="0" err="1">
-                  <a:ln>
-                    <a:noFill/>
-                  </a:ln>
-                  <a:solidFill>
-                    <a:prstClr val="black"/>
-                  </a:solidFill>
-                  <a:effectLst/>
-                  <a:uLnTx/>
-                  <a:uFillTx/>
-                  <a:latin typeface="KaiTi" panose="02010609060101010101" pitchFamily="49" charset="-122"/>
-                  <a:ea typeface="KaiTi" panose="02010609060101010101" pitchFamily="49" charset="-122"/>
-                  <a:cs typeface="+mn-cs"/>
-                </a:rPr>
-                <a:t>置信度估计</a:t>
-              </a:r>
-              <a:endParaRPr kumimoji="0" lang="en-US" sz="1400" b="1" i="0" u="none" strike="noStrike" kern="0" cap="none" spc="0" normalizeH="0" baseline="0" noProof="0" dirty="0">
-                <a:ln>
-                  <a:noFill/>
-                </a:ln>
-                <a:solidFill>
-                  <a:prstClr val="black"/>
-                </a:solidFill>
-                <a:effectLst/>
-                <a:uLnTx/>
-                <a:uFillTx/>
-                <a:latin typeface="KaiTi" panose="02010609060101010101" pitchFamily="49" charset="-122"/>
-                <a:ea typeface="KaiTi" panose="02010609060101010101" pitchFamily="49" charset="-122"/>
-                <a:cs typeface="+mn-cs"/>
-              </a:endParaRPr>
-            </a:p>
-            <a:p>
-              <a:pPr algn="ctr">
-                <a:defRPr/>
-              </a:pPr>
-              <a:r>
-                <a:rPr kumimoji="0" lang="en-US" sz="1400" b="1" i="0" u="none" strike="noStrike" kern="0" cap="none" spc="0" normalizeH="0" baseline="0" noProof="0" dirty="0" err="1">
-                  <a:ln>
-                    <a:noFill/>
-                  </a:ln>
-                  <a:solidFill>
-                    <a:prstClr val="black"/>
-                  </a:solidFill>
-                  <a:effectLst/>
-                  <a:uLnTx/>
-                  <a:uFillTx/>
-                  <a:latin typeface="KaiTi" panose="02010609060101010101" pitchFamily="49" charset="-122"/>
-                  <a:ea typeface="KaiTi" panose="02010609060101010101" pitchFamily="49" charset="-122"/>
-                  <a:cs typeface="+mn-cs"/>
-                </a:rPr>
-                <a:t>模块</a:t>
-              </a:r>
-              <a:endParaRPr kumimoji="0" lang="en-CN" sz="1400" b="1" i="0" u="none" strike="noStrike" kern="0" cap="none" spc="0" normalizeH="0" baseline="0" noProof="0" dirty="0">
-                <a:ln>
-                  <a:noFill/>
-                </a:ln>
-                <a:solidFill>
-                  <a:prstClr val="black"/>
-                </a:solidFill>
-                <a:effectLst/>
-                <a:uLnTx/>
-                <a:uFillTx/>
-                <a:latin typeface="KaiTi" panose="02010609060101010101" pitchFamily="49" charset="-122"/>
-                <a:ea typeface="KaiTi" panose="02010609060101010101" pitchFamily="49" charset="-122"/>
-                <a:cs typeface="+mn-cs"/>
-              </a:endParaRPr>
-            </a:p>
-          </p:txBody>
-        </p:sp>
-        <p:sp>
-          <p:nvSpPr>
-            <p:cNvPr id="17" name="Oval 16">
-              <a:extLst>
-                <a:ext uri="{FF2B5EF4-FFF2-40B4-BE49-F238E27FC236}">
-                  <a16:creationId xmlns:a16="http://schemas.microsoft.com/office/drawing/2014/main" id="{2DACBDC5-1C83-744A-B8EE-8185F44DA073}"/>
-                </a:ext>
-              </a:extLst>
-            </p:cNvPr>
-            <p:cNvSpPr/>
-            <p:nvPr/>
-          </p:nvSpPr>
-          <p:spPr>
-            <a:xfrm>
-              <a:off x="8995231" y="4174125"/>
-              <a:ext cx="320839" cy="320839"/>
-            </a:xfrm>
-            <a:prstGeom prst="ellipse">
-              <a:avLst/>
-            </a:prstGeom>
-            <a:solidFill>
-              <a:schemeClr val="accent4">
-                <a:lumMod val="60000"/>
-                <a:lumOff val="40000"/>
-              </a:schemeClr>
-            </a:solidFill>
-            <a:ln w="19050" cap="flat" cmpd="sng" algn="ctr">
-              <a:solidFill>
-                <a:schemeClr val="accent4">
-                  <a:lumMod val="50000"/>
-                </a:schemeClr>
-              </a:solidFill>
-              <a:prstDash val="solid"/>
-              <a:miter lim="800000"/>
-            </a:ln>
-            <a:effectLst/>
-          </p:spPr>
-          <p:txBody>
-            <a:bodyPr rtlCol="0" anchor="ctr"/>
-            <a:lstStyle/>
-            <a:p>
-              <a:pPr marL="0" marR="0" lvl="0" indent="0" algn="ctr" defTabSz="914400" eaLnBrk="1" fontAlgn="auto" latinLnBrk="0" hangingPunct="1">
-                <a:lnSpc>
-                  <a:spcPct val="100000"/>
-                </a:lnSpc>
-                <a:spcBef>
-                  <a:spcPts val="0"/>
-                </a:spcBef>
-                <a:spcAft>
-                  <a:spcPts val="0"/>
-                </a:spcAft>
-                <a:buClrTx/>
-                <a:buSzTx/>
-                <a:buFontTx/>
-                <a:buNone/>
-                <a:tabLst/>
-                <a:defRPr/>
-              </a:pPr>
-              <a:endParaRPr kumimoji="0" lang="en-CN" sz="1400" b="0" i="0" u="none" strike="noStrike" kern="0" cap="none" spc="0" normalizeH="0" baseline="0" noProof="0" dirty="0">
-                <a:ln>
-                  <a:noFill/>
-                </a:ln>
-                <a:solidFill>
-                  <a:prstClr val="black"/>
-                </a:solidFill>
-                <a:effectLst/>
-                <a:uLnTx/>
-                <a:uFillTx/>
-                <a:latin typeface="KaiTi" panose="02010609060101010101" pitchFamily="49" charset="-122"/>
-                <a:ea typeface="KaiTi" panose="02010609060101010101" pitchFamily="49" charset="-122"/>
+          <a:prstGeom prst="rect">
+            <a:avLst/>
+          </a:prstGeom>
+        </p:spPr>
+      </p:pic>
+      <p:pic>
+        <p:nvPicPr>
+          <p:cNvPr id="6" name="Picture 5">
+            <a:extLst>
+              <a:ext uri="{FF2B5EF4-FFF2-40B4-BE49-F238E27FC236}">
+                <a16:creationId xmlns:a16="http://schemas.microsoft.com/office/drawing/2014/main" id="{1DB02739-88C2-B645-804B-F68B7462693F}"/>
+              </a:ext>
+            </a:extLst>
+          </p:cNvPr>
+          <p:cNvPicPr>
+            <a:picLocks noChangeAspect="1"/>
+          </p:cNvPicPr>
+          <p:nvPr/>
+        </p:nvPicPr>
+        <p:blipFill>
+          <a:blip r:embed="rId3"/>
+          <a:stretch>
+            <a:fillRect/>
+          </a:stretch>
+        </p:blipFill>
+        <p:spPr>
+          <a:xfrm>
+            <a:off x="4086506" y="2066398"/>
+            <a:ext cx="4018988" cy="2725204"/>
+          </a:xfrm>
+          <a:prstGeom prst="rect">
+            <a:avLst/>
+          </a:prstGeom>
+        </p:spPr>
+      </p:pic>
+      <p:sp>
+        <p:nvSpPr>
+          <p:cNvPr id="10" name="TextBox 9">
+            <a:extLst>
+              <a:ext uri="{FF2B5EF4-FFF2-40B4-BE49-F238E27FC236}">
+                <a16:creationId xmlns:a16="http://schemas.microsoft.com/office/drawing/2014/main" id="{E238A693-2C05-0E48-8F71-7E074E5BDFC7}"/>
+              </a:ext>
+            </a:extLst>
+          </p:cNvPr>
+          <p:cNvSpPr txBox="1"/>
+          <p:nvPr/>
+        </p:nvSpPr>
+        <p:spPr>
+          <a:xfrm>
+            <a:off x="0" y="4791602"/>
+            <a:ext cx="4086506" cy="369332"/>
+          </a:xfrm>
+          <a:prstGeom prst="rect">
+            <a:avLst/>
+          </a:prstGeom>
+          <a:noFill/>
+        </p:spPr>
+        <p:txBody>
+          <a:bodyPr wrap="square">
+            <a:spAutoFit/>
+          </a:bodyPr>
+          <a:lstStyle/>
+          <a:p>
+            <a:pPr algn="ctr"/>
+            <a:r>
+              <a:rPr lang="en-US" dirty="0">
+                <a:latin typeface="Times New Roman" panose="02020603050405020304" pitchFamily="18" charset="0"/>
                 <a:cs typeface="Times New Roman" panose="02020603050405020304" pitchFamily="18" charset="0"/>
-              </a:endParaRPr>
-            </a:p>
-          </p:txBody>
-        </p:sp>
-        <p:cxnSp>
-          <p:nvCxnSpPr>
-            <p:cNvPr id="19" name="Straight Arrow Connector 18">
-              <a:extLst>
-                <a:ext uri="{FF2B5EF4-FFF2-40B4-BE49-F238E27FC236}">
-                  <a16:creationId xmlns:a16="http://schemas.microsoft.com/office/drawing/2014/main" id="{3D0856F0-DA8A-954C-8D72-A9BAA04A876B}"/>
-                </a:ext>
-              </a:extLst>
-            </p:cNvPr>
-            <p:cNvCxnSpPr>
-              <a:cxnSpLocks/>
-              <a:stCxn id="17" idx="5"/>
-              <a:endCxn id="17" idx="1"/>
-            </p:cNvCxnSpPr>
-            <p:nvPr/>
-          </p:nvCxnSpPr>
-          <p:spPr>
-            <a:xfrm flipH="1" flipV="1">
-              <a:off x="9042217" y="4221111"/>
-              <a:ext cx="226867" cy="226867"/>
-            </a:xfrm>
-            <a:prstGeom prst="straightConnector1">
-              <a:avLst/>
-            </a:prstGeom>
-            <a:noFill/>
-            <a:ln w="19050" cap="flat" cmpd="sng" algn="ctr">
-              <a:solidFill>
-                <a:schemeClr val="accent4">
-                  <a:lumMod val="50000"/>
-                </a:schemeClr>
-              </a:solidFill>
-              <a:prstDash val="solid"/>
-              <a:miter lim="800000"/>
-              <a:tailEnd type="none"/>
-            </a:ln>
-            <a:effectLst/>
-          </p:spPr>
-        </p:cxnSp>
-        <p:cxnSp>
-          <p:nvCxnSpPr>
-            <p:cNvPr id="21" name="Straight Arrow Connector 20">
-              <a:extLst>
-                <a:ext uri="{FF2B5EF4-FFF2-40B4-BE49-F238E27FC236}">
-                  <a16:creationId xmlns:a16="http://schemas.microsoft.com/office/drawing/2014/main" id="{120CC4D5-F5B2-6141-AFA0-A9C060073BAE}"/>
-                </a:ext>
-              </a:extLst>
-            </p:cNvPr>
-            <p:cNvCxnSpPr>
-              <a:cxnSpLocks/>
-              <a:stCxn id="17" idx="3"/>
-              <a:endCxn id="17" idx="7"/>
-            </p:cNvCxnSpPr>
-            <p:nvPr/>
-          </p:nvCxnSpPr>
-          <p:spPr>
-            <a:xfrm flipV="1">
-              <a:off x="9042217" y="4221111"/>
-              <a:ext cx="226867" cy="226867"/>
-            </a:xfrm>
-            <a:prstGeom prst="straightConnector1">
-              <a:avLst/>
-            </a:prstGeom>
-            <a:noFill/>
-            <a:ln w="19050" cap="flat" cmpd="sng" algn="ctr">
-              <a:solidFill>
-                <a:schemeClr val="accent4">
-                  <a:lumMod val="50000"/>
-                </a:schemeClr>
-              </a:solidFill>
-              <a:prstDash val="solid"/>
-              <a:miter lim="800000"/>
-              <a:tailEnd type="none"/>
-            </a:ln>
-            <a:effectLst/>
-          </p:spPr>
-        </p:cxnSp>
-        <p:cxnSp>
-          <p:nvCxnSpPr>
-            <p:cNvPr id="35" name="Straight Arrow Connector 34">
-              <a:extLst>
-                <a:ext uri="{FF2B5EF4-FFF2-40B4-BE49-F238E27FC236}">
-                  <a16:creationId xmlns:a16="http://schemas.microsoft.com/office/drawing/2014/main" id="{08E317FF-C51E-974B-9287-E6C5D5370FF8}"/>
-                </a:ext>
-              </a:extLst>
-            </p:cNvPr>
-            <p:cNvCxnSpPr>
-              <a:cxnSpLocks/>
-              <a:stCxn id="3" idx="2"/>
-              <a:endCxn id="4" idx="0"/>
-            </p:cNvCxnSpPr>
-            <p:nvPr/>
-          </p:nvCxnSpPr>
-          <p:spPr>
-            <a:xfrm>
-              <a:off x="9155652" y="2685713"/>
-              <a:ext cx="0" cy="623383"/>
-            </a:xfrm>
-            <a:prstGeom prst="straightConnector1">
-              <a:avLst/>
-            </a:prstGeom>
-            <a:noFill/>
-            <a:ln w="19050" cap="flat" cmpd="sng" algn="ctr">
-              <a:solidFill>
-                <a:schemeClr val="tx1"/>
-              </a:solidFill>
-              <a:prstDash val="solid"/>
-              <a:miter lim="800000"/>
-              <a:tailEnd type="stealth" w="lg" len="med"/>
-            </a:ln>
-            <a:effectLst/>
-          </p:spPr>
-        </p:cxnSp>
-        <p:cxnSp>
-          <p:nvCxnSpPr>
-            <p:cNvPr id="41" name="Straight Arrow Connector 40">
-              <a:extLst>
-                <a:ext uri="{FF2B5EF4-FFF2-40B4-BE49-F238E27FC236}">
-                  <a16:creationId xmlns:a16="http://schemas.microsoft.com/office/drawing/2014/main" id="{043DCB2D-B4DA-134B-B115-4D3B703591EF}"/>
-                </a:ext>
-              </a:extLst>
-            </p:cNvPr>
-            <p:cNvCxnSpPr>
-              <a:cxnSpLocks/>
-              <a:stCxn id="3" idx="2"/>
-            </p:cNvCxnSpPr>
-            <p:nvPr/>
-          </p:nvCxnSpPr>
-          <p:spPr>
-            <a:xfrm>
-              <a:off x="9155652" y="2685713"/>
-              <a:ext cx="0" cy="350496"/>
-            </a:xfrm>
-            <a:prstGeom prst="straightConnector1">
-              <a:avLst/>
-            </a:prstGeom>
-            <a:noFill/>
-            <a:ln w="19050" cap="flat" cmpd="sng" algn="ctr">
-              <a:solidFill>
-                <a:schemeClr val="tx1"/>
-              </a:solidFill>
-              <a:prstDash val="solid"/>
-              <a:miter lim="800000"/>
-              <a:tailEnd type="stealth" w="lg" len="med"/>
-            </a:ln>
-            <a:effectLst/>
-          </p:spPr>
-        </p:cxnSp>
-        <p:cxnSp>
-          <p:nvCxnSpPr>
-            <p:cNvPr id="65" name="Straight Arrow Connector 64">
-              <a:extLst>
-                <a:ext uri="{FF2B5EF4-FFF2-40B4-BE49-F238E27FC236}">
-                  <a16:creationId xmlns:a16="http://schemas.microsoft.com/office/drawing/2014/main" id="{342B8707-F483-2245-B6EF-9B48237CF376}"/>
-                </a:ext>
-              </a:extLst>
-            </p:cNvPr>
-            <p:cNvCxnSpPr>
-              <a:cxnSpLocks/>
-              <a:stCxn id="17" idx="4"/>
-            </p:cNvCxnSpPr>
-            <p:nvPr/>
-          </p:nvCxnSpPr>
-          <p:spPr>
-            <a:xfrm>
-              <a:off x="9155651" y="4494964"/>
-              <a:ext cx="0" cy="395190"/>
-            </a:xfrm>
-            <a:prstGeom prst="straightConnector1">
-              <a:avLst/>
-            </a:prstGeom>
-            <a:noFill/>
-            <a:ln w="19050" cap="flat" cmpd="sng" algn="ctr">
-              <a:solidFill>
-                <a:schemeClr val="tx1"/>
-              </a:solidFill>
-              <a:prstDash val="solid"/>
-              <a:miter lim="800000"/>
-              <a:tailEnd type="stealth" w="lg" len="med"/>
-            </a:ln>
-            <a:effectLst/>
-          </p:spPr>
-        </p:cxnSp>
-        <p:cxnSp>
-          <p:nvCxnSpPr>
-            <p:cNvPr id="74" name="Elbow Connector 73">
-              <a:extLst>
-                <a:ext uri="{FF2B5EF4-FFF2-40B4-BE49-F238E27FC236}">
-                  <a16:creationId xmlns:a16="http://schemas.microsoft.com/office/drawing/2014/main" id="{C2ABE50F-862C-F44A-B0F1-40EF1A172889}"/>
-                </a:ext>
-              </a:extLst>
-            </p:cNvPr>
-            <p:cNvCxnSpPr>
-              <a:cxnSpLocks/>
-              <a:stCxn id="16" idx="2"/>
-              <a:endCxn id="17" idx="2"/>
-            </p:cNvCxnSpPr>
-            <p:nvPr/>
-          </p:nvCxnSpPr>
-          <p:spPr>
-            <a:xfrm rot="16200000" flipH="1">
-              <a:off x="7906203" y="3245517"/>
-              <a:ext cx="506722" cy="1671334"/>
-            </a:xfrm>
-            <a:prstGeom prst="bentConnector2">
-              <a:avLst/>
-            </a:prstGeom>
-            <a:noFill/>
-            <a:ln w="19050" cap="flat" cmpd="sng" algn="ctr">
-              <a:solidFill>
-                <a:sysClr val="windowText" lastClr="000000"/>
-              </a:solidFill>
-              <a:prstDash val="solid"/>
-              <a:miter lim="800000"/>
-              <a:tailEnd type="stealth" w="lg" len="med"/>
-            </a:ln>
-            <a:effectLst/>
-          </p:spPr>
-        </p:cxnSp>
-        <p:cxnSp>
-          <p:nvCxnSpPr>
-            <p:cNvPr id="82" name="Straight Arrow Connector 81">
-              <a:extLst>
-                <a:ext uri="{FF2B5EF4-FFF2-40B4-BE49-F238E27FC236}">
-                  <a16:creationId xmlns:a16="http://schemas.microsoft.com/office/drawing/2014/main" id="{4DE0EB85-999F-B44A-85A8-8173F14299C0}"/>
-                </a:ext>
-              </a:extLst>
-            </p:cNvPr>
-            <p:cNvCxnSpPr>
-              <a:cxnSpLocks/>
-            </p:cNvCxnSpPr>
-            <p:nvPr/>
-          </p:nvCxnSpPr>
-          <p:spPr>
-            <a:xfrm flipH="1">
-              <a:off x="5902036" y="3834173"/>
-              <a:ext cx="827996" cy="747433"/>
-            </a:xfrm>
-            <a:prstGeom prst="straightConnector1">
-              <a:avLst/>
-            </a:prstGeom>
-            <a:noFill/>
-            <a:ln w="19050" cap="flat" cmpd="sng" algn="ctr">
-              <a:solidFill>
-                <a:schemeClr val="accent4">
-                  <a:lumMod val="50000"/>
-                </a:schemeClr>
-              </a:solidFill>
-              <a:prstDash val="dashDot"/>
-              <a:miter lim="800000"/>
-              <a:tailEnd type="none" w="lg" len="med"/>
-            </a:ln>
-            <a:effectLst/>
-          </p:spPr>
-        </p:cxnSp>
-        <p:cxnSp>
-          <p:nvCxnSpPr>
-            <p:cNvPr id="83" name="Straight Arrow Connector 82">
-              <a:extLst>
-                <a:ext uri="{FF2B5EF4-FFF2-40B4-BE49-F238E27FC236}">
-                  <a16:creationId xmlns:a16="http://schemas.microsoft.com/office/drawing/2014/main" id="{397E32D8-E7CA-2C42-A5F7-45E4C068E49F}"/>
-                </a:ext>
-              </a:extLst>
-            </p:cNvPr>
-            <p:cNvCxnSpPr>
-              <a:cxnSpLocks/>
-            </p:cNvCxnSpPr>
-            <p:nvPr/>
-          </p:nvCxnSpPr>
-          <p:spPr>
-            <a:xfrm flipH="1" flipV="1">
-              <a:off x="5902036" y="2090057"/>
-              <a:ext cx="791289" cy="1234265"/>
-            </a:xfrm>
-            <a:prstGeom prst="straightConnector1">
-              <a:avLst/>
-            </a:prstGeom>
-            <a:noFill/>
-            <a:ln w="19050" cap="flat" cmpd="sng" algn="ctr">
-              <a:solidFill>
-                <a:schemeClr val="accent4">
-                  <a:lumMod val="50000"/>
-                </a:schemeClr>
-              </a:solidFill>
-              <a:prstDash val="dashDot"/>
-              <a:miter lim="800000"/>
-              <a:tailEnd type="none" w="lg" len="med"/>
-            </a:ln>
-            <a:effectLst/>
-          </p:spPr>
-        </p:cxnSp>
-        <p:sp>
-          <p:nvSpPr>
-            <p:cNvPr id="96" name="Rounded Rectangle 95">
-              <a:extLst>
-                <a:ext uri="{FF2B5EF4-FFF2-40B4-BE49-F238E27FC236}">
-                  <a16:creationId xmlns:a16="http://schemas.microsoft.com/office/drawing/2014/main" id="{703D4C72-52E6-464F-A0A5-83704DC1B08E}"/>
-                </a:ext>
-              </a:extLst>
-            </p:cNvPr>
-            <p:cNvSpPr/>
-            <p:nvPr/>
-          </p:nvSpPr>
-          <p:spPr>
-            <a:xfrm>
-              <a:off x="733504" y="2060688"/>
-              <a:ext cx="5202865" cy="2549451"/>
-            </a:xfrm>
-            <a:prstGeom prst="roundRect">
-              <a:avLst>
-                <a:gd name="adj" fmla="val 3958"/>
-              </a:avLst>
-            </a:prstGeom>
-            <a:noFill/>
-            <a:ln w="19050" cap="flat" cmpd="sng" algn="ctr">
-              <a:solidFill>
-                <a:schemeClr val="accent4">
-                  <a:lumMod val="50000"/>
-                </a:schemeClr>
-              </a:solidFill>
-              <a:prstDash val="solid"/>
-              <a:miter lim="800000"/>
-            </a:ln>
-            <a:effectLst/>
-          </p:spPr>
-          <p:txBody>
-            <a:bodyPr rtlCol="0" anchor="ctr"/>
-            <a:lstStyle/>
-            <a:p>
-              <a:pPr marL="0" marR="0" lvl="0" indent="0" algn="ctr" defTabSz="914400" eaLnBrk="1" fontAlgn="auto" latinLnBrk="0" hangingPunct="1">
-                <a:lnSpc>
-                  <a:spcPct val="100000"/>
-                </a:lnSpc>
-                <a:spcBef>
-                  <a:spcPts val="0"/>
-                </a:spcBef>
-                <a:spcAft>
-                  <a:spcPts val="0"/>
-                </a:spcAft>
-                <a:buClrTx/>
-                <a:buSzTx/>
-                <a:buFontTx/>
-                <a:buNone/>
-                <a:tabLst/>
-                <a:defRPr/>
-              </a:pPr>
-              <a:endParaRPr kumimoji="0" lang="en-CN" sz="1400" b="0" i="0" u="none" strike="noStrike" kern="0" cap="none" spc="0" normalizeH="0" baseline="0" noProof="0" dirty="0">
-                <a:ln>
-                  <a:noFill/>
-                </a:ln>
-                <a:solidFill>
-                  <a:prstClr val="black"/>
-                </a:solidFill>
-                <a:effectLst/>
-                <a:uLnTx/>
-                <a:uFillTx/>
-                <a:latin typeface="KaiTi" panose="02010609060101010101" pitchFamily="49" charset="-122"/>
-                <a:ea typeface="KaiTi" panose="02010609060101010101" pitchFamily="49" charset="-122"/>
-                <a:cs typeface="+mn-cs"/>
-              </a:endParaRPr>
-            </a:p>
-          </p:txBody>
-        </p:sp>
-        <p:cxnSp>
-          <p:nvCxnSpPr>
-            <p:cNvPr id="110" name="Straight Connector 109">
-              <a:extLst>
-                <a:ext uri="{FF2B5EF4-FFF2-40B4-BE49-F238E27FC236}">
-                  <a16:creationId xmlns:a16="http://schemas.microsoft.com/office/drawing/2014/main" id="{B81EDA85-8B5B-AC40-A4CE-2819D34129E2}"/>
-                </a:ext>
-              </a:extLst>
-            </p:cNvPr>
-            <p:cNvCxnSpPr>
-              <a:cxnSpLocks/>
-            </p:cNvCxnSpPr>
-            <p:nvPr/>
-          </p:nvCxnSpPr>
-          <p:spPr>
-            <a:xfrm flipH="1">
-              <a:off x="910069" y="3331596"/>
-              <a:ext cx="2" cy="802101"/>
-            </a:xfrm>
-            <a:prstGeom prst="line">
-              <a:avLst/>
-            </a:prstGeom>
-            <a:ln w="19050">
-              <a:solidFill>
-                <a:schemeClr val="tx1"/>
-              </a:solidFill>
-              <a:prstDash val="sysDash"/>
-            </a:ln>
-          </p:spPr>
-          <p:style>
-            <a:lnRef idx="1">
-              <a:schemeClr val="accent1"/>
-            </a:lnRef>
-            <a:fillRef idx="0">
-              <a:schemeClr val="accent1"/>
-            </a:fillRef>
-            <a:effectRef idx="0">
-              <a:schemeClr val="accent1"/>
-            </a:effectRef>
-            <a:fontRef idx="minor">
-              <a:schemeClr val="tx1"/>
-            </a:fontRef>
-          </p:style>
-        </p:cxnSp>
-        <p:cxnSp>
-          <p:nvCxnSpPr>
-            <p:cNvPr id="111" name="Straight Connector 110">
-              <a:extLst>
-                <a:ext uri="{FF2B5EF4-FFF2-40B4-BE49-F238E27FC236}">
-                  <a16:creationId xmlns:a16="http://schemas.microsoft.com/office/drawing/2014/main" id="{5132A9B3-8142-C94E-842F-740FACF5C12C}"/>
-                </a:ext>
-              </a:extLst>
-            </p:cNvPr>
-            <p:cNvCxnSpPr>
-              <a:cxnSpLocks/>
-            </p:cNvCxnSpPr>
-            <p:nvPr/>
-          </p:nvCxnSpPr>
-          <p:spPr>
-            <a:xfrm>
-              <a:off x="4226448" y="2138218"/>
-              <a:ext cx="4484" cy="1995479"/>
-            </a:xfrm>
-            <a:prstGeom prst="line">
-              <a:avLst/>
-            </a:prstGeom>
-            <a:ln w="19050">
-              <a:solidFill>
-                <a:schemeClr val="tx1"/>
-              </a:solidFill>
-              <a:prstDash val="solid"/>
-            </a:ln>
-          </p:spPr>
-          <p:style>
-            <a:lnRef idx="1">
-              <a:schemeClr val="accent1"/>
-            </a:lnRef>
-            <a:fillRef idx="0">
-              <a:schemeClr val="accent1"/>
-            </a:fillRef>
-            <a:effectRef idx="0">
-              <a:schemeClr val="accent1"/>
-            </a:effectRef>
-            <a:fontRef idx="minor">
-              <a:schemeClr val="tx1"/>
-            </a:fontRef>
-          </p:style>
-        </p:cxnSp>
-        <p:cxnSp>
-          <p:nvCxnSpPr>
-            <p:cNvPr id="114" name="Straight Connector 113">
-              <a:extLst>
-                <a:ext uri="{FF2B5EF4-FFF2-40B4-BE49-F238E27FC236}">
-                  <a16:creationId xmlns:a16="http://schemas.microsoft.com/office/drawing/2014/main" id="{86059802-9091-474C-AB33-EBA88A699CB8}"/>
-                </a:ext>
-              </a:extLst>
-            </p:cNvPr>
-            <p:cNvCxnSpPr>
-              <a:cxnSpLocks/>
-              <a:stCxn id="156" idx="1"/>
-            </p:cNvCxnSpPr>
-            <p:nvPr/>
-          </p:nvCxnSpPr>
-          <p:spPr>
-            <a:xfrm flipH="1">
-              <a:off x="912355" y="3982771"/>
-              <a:ext cx="1158419" cy="4270"/>
-            </a:xfrm>
-            <a:prstGeom prst="line">
-              <a:avLst/>
-            </a:prstGeom>
-            <a:ln w="19050">
-              <a:solidFill>
-                <a:schemeClr val="tx1"/>
-              </a:solidFill>
-              <a:prstDash val="solid"/>
-              <a:headEnd type="none" w="lg" len="med"/>
-              <a:tailEnd type="stealth" w="lg" len="med"/>
-            </a:ln>
-          </p:spPr>
-          <p:style>
-            <a:lnRef idx="1">
-              <a:schemeClr val="accent1"/>
-            </a:lnRef>
-            <a:fillRef idx="0">
-              <a:schemeClr val="accent1"/>
-            </a:fillRef>
-            <a:effectRef idx="0">
-              <a:schemeClr val="accent1"/>
-            </a:effectRef>
-            <a:fontRef idx="minor">
-              <a:schemeClr val="tx1"/>
-            </a:fontRef>
-          </p:style>
-        </p:cxnSp>
-        <p:cxnSp>
-          <p:nvCxnSpPr>
-            <p:cNvPr id="121" name="Straight Connector 120">
-              <a:extLst>
-                <a:ext uri="{FF2B5EF4-FFF2-40B4-BE49-F238E27FC236}">
-                  <a16:creationId xmlns:a16="http://schemas.microsoft.com/office/drawing/2014/main" id="{AA7C99D3-980B-C04E-BF8B-4EB28D142309}"/>
-                </a:ext>
-              </a:extLst>
-            </p:cNvPr>
-            <p:cNvCxnSpPr>
-              <a:cxnSpLocks/>
-            </p:cNvCxnSpPr>
-            <p:nvPr/>
-          </p:nvCxnSpPr>
-          <p:spPr>
-            <a:xfrm flipH="1">
-              <a:off x="5783629" y="2597692"/>
-              <a:ext cx="1870" cy="1536005"/>
-            </a:xfrm>
-            <a:prstGeom prst="line">
-              <a:avLst/>
-            </a:prstGeom>
-            <a:ln w="19050">
-              <a:solidFill>
-                <a:schemeClr val="tx1"/>
-              </a:solidFill>
-              <a:prstDash val="sysDash"/>
-            </a:ln>
-          </p:spPr>
-          <p:style>
-            <a:lnRef idx="1">
-              <a:schemeClr val="accent1"/>
-            </a:lnRef>
-            <a:fillRef idx="0">
-              <a:schemeClr val="accent1"/>
-            </a:fillRef>
-            <a:effectRef idx="0">
-              <a:schemeClr val="accent1"/>
-            </a:effectRef>
-            <a:fontRef idx="minor">
-              <a:schemeClr val="tx1"/>
-            </a:fontRef>
-          </p:style>
-        </p:cxnSp>
-        <p:grpSp>
-          <p:nvGrpSpPr>
-            <p:cNvPr id="151" name="Group 150">
-              <a:extLst>
-                <a:ext uri="{FF2B5EF4-FFF2-40B4-BE49-F238E27FC236}">
-                  <a16:creationId xmlns:a16="http://schemas.microsoft.com/office/drawing/2014/main" id="{E9A50B35-3E7B-254A-8E03-B63EB939AD49}"/>
-                </a:ext>
-              </a:extLst>
-            </p:cNvPr>
-            <p:cNvGrpSpPr/>
-            <p:nvPr/>
-          </p:nvGrpSpPr>
-          <p:grpSpPr>
-            <a:xfrm>
-              <a:off x="879025" y="2249628"/>
-              <a:ext cx="4940398" cy="1520644"/>
-              <a:chOff x="882526" y="2490930"/>
-              <a:chExt cx="4940398" cy="1520644"/>
-            </a:xfrm>
-          </p:grpSpPr>
-          <p:sp>
-            <p:nvSpPr>
-              <p:cNvPr id="130" name="Freeform 129">
-                <a:extLst>
-                  <a:ext uri="{FF2B5EF4-FFF2-40B4-BE49-F238E27FC236}">
-                    <a16:creationId xmlns:a16="http://schemas.microsoft.com/office/drawing/2014/main" id="{521921DF-04D5-A046-B365-6454B7AFC1A4}"/>
-                  </a:ext>
-                </a:extLst>
-              </p:cNvPr>
-              <p:cNvSpPr/>
-              <p:nvPr/>
-            </p:nvSpPr>
-            <p:spPr>
-              <a:xfrm>
-                <a:off x="913571" y="2521974"/>
-                <a:ext cx="4875429" cy="1460091"/>
-              </a:xfrm>
-              <a:custGeom>
-                <a:avLst/>
-                <a:gdLst>
-                  <a:gd name="connsiteX0" fmla="*/ 0 w 4807975"/>
-                  <a:gd name="connsiteY0" fmla="*/ 1342103 h 1460091"/>
-                  <a:gd name="connsiteX1" fmla="*/ 206478 w 4807975"/>
-                  <a:gd name="connsiteY1" fmla="*/ 921774 h 1460091"/>
-                  <a:gd name="connsiteX2" fmla="*/ 523568 w 4807975"/>
-                  <a:gd name="connsiteY2" fmla="*/ 1460091 h 1460091"/>
-                  <a:gd name="connsiteX3" fmla="*/ 825910 w 4807975"/>
-                  <a:gd name="connsiteY3" fmla="*/ 921774 h 1460091"/>
-                  <a:gd name="connsiteX4" fmla="*/ 1179871 w 4807975"/>
-                  <a:gd name="connsiteY4" fmla="*/ 1253613 h 1460091"/>
-                  <a:gd name="connsiteX5" fmla="*/ 1482213 w 4807975"/>
-                  <a:gd name="connsiteY5" fmla="*/ 737420 h 1460091"/>
-                  <a:gd name="connsiteX6" fmla="*/ 1821426 w 4807975"/>
-                  <a:gd name="connsiteY6" fmla="*/ 899652 h 1460091"/>
-                  <a:gd name="connsiteX7" fmla="*/ 2020529 w 4807975"/>
-                  <a:gd name="connsiteY7" fmla="*/ 560439 h 1460091"/>
-                  <a:gd name="connsiteX8" fmla="*/ 2492478 w 4807975"/>
-                  <a:gd name="connsiteY8" fmla="*/ 1290484 h 1460091"/>
-                  <a:gd name="connsiteX9" fmla="*/ 2765323 w 4807975"/>
-                  <a:gd name="connsiteY9" fmla="*/ 707923 h 1460091"/>
-                  <a:gd name="connsiteX10" fmla="*/ 3030794 w 4807975"/>
-                  <a:gd name="connsiteY10" fmla="*/ 870155 h 1460091"/>
-                  <a:gd name="connsiteX11" fmla="*/ 3281517 w 4807975"/>
-                  <a:gd name="connsiteY11" fmla="*/ 464574 h 1460091"/>
-                  <a:gd name="connsiteX12" fmla="*/ 3539613 w 4807975"/>
-                  <a:gd name="connsiteY12" fmla="*/ 936523 h 1460091"/>
-                  <a:gd name="connsiteX13" fmla="*/ 3827207 w 4807975"/>
-                  <a:gd name="connsiteY13" fmla="*/ 176981 h 1460091"/>
-                  <a:gd name="connsiteX14" fmla="*/ 4144297 w 4807975"/>
-                  <a:gd name="connsiteY14" fmla="*/ 516194 h 1460091"/>
-                  <a:gd name="connsiteX15" fmla="*/ 4350775 w 4807975"/>
-                  <a:gd name="connsiteY15" fmla="*/ 243349 h 1460091"/>
-                  <a:gd name="connsiteX16" fmla="*/ 4557252 w 4807975"/>
-                  <a:gd name="connsiteY16" fmla="*/ 678426 h 1460091"/>
-                  <a:gd name="connsiteX17" fmla="*/ 4807975 w 4807975"/>
-                  <a:gd name="connsiteY17" fmla="*/ 0 h 1460091"/>
-                </a:gdLst>
-                <a:ahLst/>
-                <a:cxnLst>
-                  <a:cxn ang="0">
-                    <a:pos x="connsiteX0" y="connsiteY0"/>
-                  </a:cxn>
-                  <a:cxn ang="0">
-                    <a:pos x="connsiteX1" y="connsiteY1"/>
-                  </a:cxn>
-                  <a:cxn ang="0">
-                    <a:pos x="connsiteX2" y="connsiteY2"/>
-                  </a:cxn>
-                  <a:cxn ang="0">
-                    <a:pos x="connsiteX3" y="connsiteY3"/>
-                  </a:cxn>
-                  <a:cxn ang="0">
-                    <a:pos x="connsiteX4" y="connsiteY4"/>
-                  </a:cxn>
-                  <a:cxn ang="0">
-                    <a:pos x="connsiteX5" y="connsiteY5"/>
-                  </a:cxn>
-                  <a:cxn ang="0">
-                    <a:pos x="connsiteX6" y="connsiteY6"/>
-                  </a:cxn>
-                  <a:cxn ang="0">
-                    <a:pos x="connsiteX7" y="connsiteY7"/>
-                  </a:cxn>
-                  <a:cxn ang="0">
-                    <a:pos x="connsiteX8" y="connsiteY8"/>
-                  </a:cxn>
-                  <a:cxn ang="0">
-                    <a:pos x="connsiteX9" y="connsiteY9"/>
-                  </a:cxn>
-                  <a:cxn ang="0">
-                    <a:pos x="connsiteX10" y="connsiteY10"/>
-                  </a:cxn>
-                  <a:cxn ang="0">
-                    <a:pos x="connsiteX11" y="connsiteY11"/>
-                  </a:cxn>
-                  <a:cxn ang="0">
-                    <a:pos x="connsiteX12" y="connsiteY12"/>
-                  </a:cxn>
-                  <a:cxn ang="0">
-                    <a:pos x="connsiteX13" y="connsiteY13"/>
-                  </a:cxn>
-                  <a:cxn ang="0">
-                    <a:pos x="connsiteX14" y="connsiteY14"/>
-                  </a:cxn>
-                  <a:cxn ang="0">
-                    <a:pos x="connsiteX15" y="connsiteY15"/>
-                  </a:cxn>
-                  <a:cxn ang="0">
-                    <a:pos x="connsiteX16" y="connsiteY16"/>
-                  </a:cxn>
-                  <a:cxn ang="0">
-                    <a:pos x="connsiteX17" y="connsiteY17"/>
-                  </a:cxn>
-                </a:cxnLst>
-                <a:rect l="l" t="t" r="r" b="b"/>
-                <a:pathLst>
-                  <a:path w="4807975" h="1460091">
-                    <a:moveTo>
-                      <a:pt x="0" y="1342103"/>
-                    </a:moveTo>
-                    <a:cubicBezTo>
-                      <a:pt x="59608" y="1122106"/>
-                      <a:pt x="119217" y="902109"/>
-                      <a:pt x="206478" y="921774"/>
-                    </a:cubicBezTo>
-                    <a:cubicBezTo>
-                      <a:pt x="293739" y="941439"/>
-                      <a:pt x="420329" y="1460091"/>
-                      <a:pt x="523568" y="1460091"/>
-                    </a:cubicBezTo>
-                    <a:cubicBezTo>
-                      <a:pt x="626807" y="1460091"/>
-                      <a:pt x="716526" y="956187"/>
-                      <a:pt x="825910" y="921774"/>
-                    </a:cubicBezTo>
-                    <a:cubicBezTo>
-                      <a:pt x="935294" y="887361"/>
-                      <a:pt x="1070487" y="1284339"/>
-                      <a:pt x="1179871" y="1253613"/>
-                    </a:cubicBezTo>
-                    <a:cubicBezTo>
-                      <a:pt x="1289255" y="1222887"/>
-                      <a:pt x="1375287" y="796413"/>
-                      <a:pt x="1482213" y="737420"/>
-                    </a:cubicBezTo>
-                    <a:cubicBezTo>
-                      <a:pt x="1589139" y="678426"/>
-                      <a:pt x="1731707" y="929149"/>
-                      <a:pt x="1821426" y="899652"/>
-                    </a:cubicBezTo>
-                    <a:cubicBezTo>
-                      <a:pt x="1911145" y="870155"/>
-                      <a:pt x="1908687" y="495300"/>
-                      <a:pt x="2020529" y="560439"/>
-                    </a:cubicBezTo>
-                    <a:cubicBezTo>
-                      <a:pt x="2132371" y="625578"/>
-                      <a:pt x="2368346" y="1265903"/>
-                      <a:pt x="2492478" y="1290484"/>
-                    </a:cubicBezTo>
-                    <a:cubicBezTo>
-                      <a:pt x="2616610" y="1315065"/>
-                      <a:pt x="2675604" y="777978"/>
-                      <a:pt x="2765323" y="707923"/>
-                    </a:cubicBezTo>
-                    <a:cubicBezTo>
-                      <a:pt x="2855042" y="637868"/>
-                      <a:pt x="2944762" y="910713"/>
-                      <a:pt x="3030794" y="870155"/>
-                    </a:cubicBezTo>
-                    <a:cubicBezTo>
-                      <a:pt x="3116826" y="829597"/>
-                      <a:pt x="3196714" y="453513"/>
-                      <a:pt x="3281517" y="464574"/>
-                    </a:cubicBezTo>
-                    <a:cubicBezTo>
-                      <a:pt x="3366320" y="475635"/>
-                      <a:pt x="3448665" y="984455"/>
-                      <a:pt x="3539613" y="936523"/>
-                    </a:cubicBezTo>
-                    <a:cubicBezTo>
-                      <a:pt x="3630561" y="888591"/>
-                      <a:pt x="3726426" y="247036"/>
-                      <a:pt x="3827207" y="176981"/>
-                    </a:cubicBezTo>
-                    <a:cubicBezTo>
-                      <a:pt x="3927988" y="106926"/>
-                      <a:pt x="4057036" y="505133"/>
-                      <a:pt x="4144297" y="516194"/>
-                    </a:cubicBezTo>
-                    <a:cubicBezTo>
-                      <a:pt x="4231558" y="527255"/>
-                      <a:pt x="4281949" y="216310"/>
-                      <a:pt x="4350775" y="243349"/>
-                    </a:cubicBezTo>
-                    <a:cubicBezTo>
-                      <a:pt x="4419601" y="270388"/>
-                      <a:pt x="4481052" y="718984"/>
-                      <a:pt x="4557252" y="678426"/>
-                    </a:cubicBezTo>
-                    <a:cubicBezTo>
-                      <a:pt x="4633452" y="637868"/>
-                      <a:pt x="4740378" y="154858"/>
-                      <a:pt x="4807975" y="0"/>
-                    </a:cubicBezTo>
-                  </a:path>
-                </a:pathLst>
-              </a:custGeom>
-              <a:noFill/>
-              <a:ln w="25400">
-                <a:solidFill>
-                  <a:srgbClr val="C00000"/>
-                </a:solidFill>
-              </a:ln>
-            </p:spPr>
-            <p:style>
-              <a:lnRef idx="2">
-                <a:schemeClr val="accent1">
-                  <a:shade val="50000"/>
-                </a:schemeClr>
-              </a:lnRef>
-              <a:fillRef idx="1">
-                <a:schemeClr val="accent1"/>
-              </a:fillRef>
-              <a:effectRef idx="0">
-                <a:schemeClr val="accent1"/>
-              </a:effectRef>
-              <a:fontRef idx="minor">
-                <a:schemeClr val="lt1"/>
-              </a:fontRef>
-            </p:style>
-            <p:txBody>
-              <a:bodyPr rtlCol="0" anchor="ctr"/>
-              <a:lstStyle/>
-              <a:p>
-                <a:pPr algn="ctr"/>
-                <a:endParaRPr lang="en-CN" dirty="0"/>
-              </a:p>
-            </p:txBody>
-          </p:sp>
-          <p:sp>
-            <p:nvSpPr>
-              <p:cNvPr id="133" name="Oval 132">
-                <a:extLst>
-                  <a:ext uri="{FF2B5EF4-FFF2-40B4-BE49-F238E27FC236}">
-                    <a16:creationId xmlns:a16="http://schemas.microsoft.com/office/drawing/2014/main" id="{AF9DA007-19C4-3A41-AE7A-BD637DEE8CB8}"/>
-                  </a:ext>
-                </a:extLst>
-              </p:cNvPr>
-              <p:cNvSpPr/>
-              <p:nvPr/>
-            </p:nvSpPr>
-            <p:spPr>
-              <a:xfrm>
-                <a:off x="882526" y="3852927"/>
-                <a:ext cx="62088" cy="62088"/>
-              </a:xfrm>
-              <a:prstGeom prst="ellipse">
-                <a:avLst/>
-              </a:prstGeom>
-              <a:solidFill>
-                <a:schemeClr val="tx1"/>
-              </a:solidFill>
-              <a:ln>
-                <a:solidFill>
-                  <a:schemeClr val="tx1"/>
-                </a:solidFill>
-              </a:ln>
-            </p:spPr>
-            <p:style>
-              <a:lnRef idx="2">
-                <a:schemeClr val="accent1">
-                  <a:shade val="50000"/>
-                </a:schemeClr>
-              </a:lnRef>
-              <a:fillRef idx="1">
-                <a:schemeClr val="accent1"/>
-              </a:fillRef>
-              <a:effectRef idx="0">
-                <a:schemeClr val="accent1"/>
-              </a:effectRef>
-              <a:fontRef idx="minor">
-                <a:schemeClr val="lt1"/>
-              </a:fontRef>
-            </p:style>
-            <p:txBody>
-              <a:bodyPr rtlCol="0" anchor="ctr"/>
-              <a:lstStyle/>
-              <a:p>
-                <a:pPr algn="ctr"/>
-                <a:endParaRPr lang="en-CN"/>
-              </a:p>
-            </p:txBody>
-          </p:sp>
-          <p:sp>
-            <p:nvSpPr>
-              <p:cNvPr id="134" name="Oval 133">
-                <a:extLst>
-                  <a:ext uri="{FF2B5EF4-FFF2-40B4-BE49-F238E27FC236}">
-                    <a16:creationId xmlns:a16="http://schemas.microsoft.com/office/drawing/2014/main" id="{7EC3F3D2-1182-8D4B-88A9-2593B442A980}"/>
-                  </a:ext>
-                </a:extLst>
-              </p:cNvPr>
-              <p:cNvSpPr/>
-              <p:nvPr/>
-            </p:nvSpPr>
-            <p:spPr>
-              <a:xfrm>
-                <a:off x="1076201" y="3418647"/>
-                <a:ext cx="62088" cy="62088"/>
-              </a:xfrm>
-              <a:prstGeom prst="ellipse">
-                <a:avLst/>
-              </a:prstGeom>
-              <a:solidFill>
-                <a:schemeClr val="tx1"/>
-              </a:solidFill>
-              <a:ln>
-                <a:solidFill>
-                  <a:schemeClr val="tx1"/>
-                </a:solidFill>
-              </a:ln>
-            </p:spPr>
-            <p:style>
-              <a:lnRef idx="2">
-                <a:schemeClr val="accent1">
-                  <a:shade val="50000"/>
-                </a:schemeClr>
-              </a:lnRef>
-              <a:fillRef idx="1">
-                <a:schemeClr val="accent1"/>
-              </a:fillRef>
-              <a:effectRef idx="0">
-                <a:schemeClr val="accent1"/>
-              </a:effectRef>
-              <a:fontRef idx="minor">
-                <a:schemeClr val="lt1"/>
-              </a:fontRef>
-            </p:style>
-            <p:txBody>
-              <a:bodyPr rtlCol="0" anchor="ctr"/>
-              <a:lstStyle/>
-              <a:p>
-                <a:pPr algn="ctr"/>
-                <a:endParaRPr lang="en-CN"/>
-              </a:p>
-            </p:txBody>
-          </p:sp>
-          <p:sp>
-            <p:nvSpPr>
-              <p:cNvPr id="135" name="Oval 134">
-                <a:extLst>
-                  <a:ext uri="{FF2B5EF4-FFF2-40B4-BE49-F238E27FC236}">
-                    <a16:creationId xmlns:a16="http://schemas.microsoft.com/office/drawing/2014/main" id="{A478FDFE-0CDF-7C45-A6D7-41F4F30FC3F4}"/>
-                  </a:ext>
-                </a:extLst>
-              </p:cNvPr>
-              <p:cNvSpPr/>
-              <p:nvPr/>
-            </p:nvSpPr>
-            <p:spPr>
-              <a:xfrm>
-                <a:off x="1427168" y="3949486"/>
-                <a:ext cx="62088" cy="62088"/>
-              </a:xfrm>
-              <a:prstGeom prst="ellipse">
-                <a:avLst/>
-              </a:prstGeom>
-              <a:solidFill>
-                <a:schemeClr val="tx1"/>
-              </a:solidFill>
-              <a:ln>
-                <a:solidFill>
-                  <a:schemeClr val="tx1"/>
-                </a:solidFill>
-              </a:ln>
-            </p:spPr>
-            <p:style>
-              <a:lnRef idx="2">
-                <a:schemeClr val="accent1">
-                  <a:shade val="50000"/>
-                </a:schemeClr>
-              </a:lnRef>
-              <a:fillRef idx="1">
-                <a:schemeClr val="accent1"/>
-              </a:fillRef>
-              <a:effectRef idx="0">
-                <a:schemeClr val="accent1"/>
-              </a:effectRef>
-              <a:fontRef idx="minor">
-                <a:schemeClr val="lt1"/>
-              </a:fontRef>
-            </p:style>
-            <p:txBody>
-              <a:bodyPr rtlCol="0" anchor="ctr"/>
-              <a:lstStyle/>
-              <a:p>
-                <a:pPr algn="ctr"/>
-                <a:endParaRPr lang="en-CN"/>
-              </a:p>
-            </p:txBody>
-          </p:sp>
-          <p:sp>
-            <p:nvSpPr>
-              <p:cNvPr id="136" name="Oval 135">
-                <a:extLst>
-                  <a:ext uri="{FF2B5EF4-FFF2-40B4-BE49-F238E27FC236}">
-                    <a16:creationId xmlns:a16="http://schemas.microsoft.com/office/drawing/2014/main" id="{D00EBDE6-3DC6-4F4A-B5FE-DBADE18C9D9C}"/>
-                  </a:ext>
-                </a:extLst>
-              </p:cNvPr>
-              <p:cNvSpPr/>
-              <p:nvPr/>
-            </p:nvSpPr>
-            <p:spPr>
-              <a:xfrm>
-                <a:off x="1736503" y="3402101"/>
-                <a:ext cx="62088" cy="62088"/>
-              </a:xfrm>
-              <a:prstGeom prst="ellipse">
-                <a:avLst/>
-              </a:prstGeom>
-              <a:solidFill>
-                <a:schemeClr val="tx1"/>
-              </a:solidFill>
-              <a:ln>
-                <a:solidFill>
-                  <a:schemeClr val="tx1"/>
-                </a:solidFill>
-              </a:ln>
-            </p:spPr>
-            <p:style>
-              <a:lnRef idx="2">
-                <a:schemeClr val="accent1">
-                  <a:shade val="50000"/>
-                </a:schemeClr>
-              </a:lnRef>
-              <a:fillRef idx="1">
-                <a:schemeClr val="accent1"/>
-              </a:fillRef>
-              <a:effectRef idx="0">
-                <a:schemeClr val="accent1"/>
-              </a:effectRef>
-              <a:fontRef idx="minor">
-                <a:schemeClr val="lt1"/>
-              </a:fontRef>
-            </p:style>
-            <p:txBody>
-              <a:bodyPr rtlCol="0" anchor="ctr"/>
-              <a:lstStyle/>
-              <a:p>
-                <a:pPr algn="ctr"/>
-                <a:endParaRPr lang="en-CN"/>
-              </a:p>
-            </p:txBody>
-          </p:sp>
-          <p:sp>
-            <p:nvSpPr>
-              <p:cNvPr id="137" name="Oval 136">
-                <a:extLst>
-                  <a:ext uri="{FF2B5EF4-FFF2-40B4-BE49-F238E27FC236}">
-                    <a16:creationId xmlns:a16="http://schemas.microsoft.com/office/drawing/2014/main" id="{DFADE74F-DCD1-FA46-9A2E-32881D4BDF05}"/>
-                  </a:ext>
-                </a:extLst>
-              </p:cNvPr>
-              <p:cNvSpPr/>
-              <p:nvPr/>
-            </p:nvSpPr>
-            <p:spPr>
-              <a:xfrm>
-                <a:off x="2069204" y="3749766"/>
-                <a:ext cx="62088" cy="62088"/>
-              </a:xfrm>
-              <a:prstGeom prst="ellipse">
-                <a:avLst/>
-              </a:prstGeom>
-              <a:solidFill>
-                <a:schemeClr val="tx1"/>
-              </a:solidFill>
-              <a:ln>
-                <a:solidFill>
-                  <a:schemeClr val="tx1"/>
-                </a:solidFill>
-              </a:ln>
-            </p:spPr>
-            <p:style>
-              <a:lnRef idx="2">
-                <a:schemeClr val="accent1">
-                  <a:shade val="50000"/>
-                </a:schemeClr>
-              </a:lnRef>
-              <a:fillRef idx="1">
-                <a:schemeClr val="accent1"/>
-              </a:fillRef>
-              <a:effectRef idx="0">
-                <a:schemeClr val="accent1"/>
-              </a:effectRef>
-              <a:fontRef idx="minor">
-                <a:schemeClr val="lt1"/>
-              </a:fontRef>
-            </p:style>
-            <p:txBody>
-              <a:bodyPr rtlCol="0" anchor="ctr"/>
-              <a:lstStyle/>
-              <a:p>
-                <a:pPr algn="ctr"/>
-                <a:endParaRPr lang="en-CN"/>
-              </a:p>
-            </p:txBody>
-          </p:sp>
-          <p:sp>
-            <p:nvSpPr>
-              <p:cNvPr id="138" name="Oval 137">
-                <a:extLst>
-                  <a:ext uri="{FF2B5EF4-FFF2-40B4-BE49-F238E27FC236}">
-                    <a16:creationId xmlns:a16="http://schemas.microsoft.com/office/drawing/2014/main" id="{3735B6D4-7546-3440-8908-F8E4F3F55D5E}"/>
-                  </a:ext>
-                </a:extLst>
-              </p:cNvPr>
-              <p:cNvSpPr/>
-              <p:nvPr/>
-            </p:nvSpPr>
-            <p:spPr>
-              <a:xfrm>
-                <a:off x="2412914" y="3220975"/>
-                <a:ext cx="62088" cy="62088"/>
-              </a:xfrm>
-              <a:prstGeom prst="ellipse">
-                <a:avLst/>
-              </a:prstGeom>
-              <a:solidFill>
-                <a:schemeClr val="tx1"/>
-              </a:solidFill>
-              <a:ln>
-                <a:solidFill>
-                  <a:schemeClr val="tx1"/>
-                </a:solidFill>
-              </a:ln>
-            </p:spPr>
-            <p:style>
-              <a:lnRef idx="2">
-                <a:schemeClr val="accent1">
-                  <a:shade val="50000"/>
-                </a:schemeClr>
-              </a:lnRef>
-              <a:fillRef idx="1">
-                <a:schemeClr val="accent1"/>
-              </a:fillRef>
-              <a:effectRef idx="0">
-                <a:schemeClr val="accent1"/>
-              </a:effectRef>
-              <a:fontRef idx="minor">
-                <a:schemeClr val="lt1"/>
-              </a:fontRef>
-            </p:style>
-            <p:txBody>
-              <a:bodyPr rtlCol="0" anchor="ctr"/>
-              <a:lstStyle/>
-              <a:p>
-                <a:pPr algn="ctr"/>
-                <a:endParaRPr lang="en-CN"/>
-              </a:p>
-            </p:txBody>
-          </p:sp>
-          <p:sp>
-            <p:nvSpPr>
-              <p:cNvPr id="139" name="Oval 138">
-                <a:extLst>
-                  <a:ext uri="{FF2B5EF4-FFF2-40B4-BE49-F238E27FC236}">
-                    <a16:creationId xmlns:a16="http://schemas.microsoft.com/office/drawing/2014/main" id="{051F58A8-F682-E947-B952-0917BAC6311B}"/>
-                  </a:ext>
-                </a:extLst>
-              </p:cNvPr>
-              <p:cNvSpPr/>
-              <p:nvPr/>
-            </p:nvSpPr>
-            <p:spPr>
-              <a:xfrm>
-                <a:off x="2728542" y="3397956"/>
-                <a:ext cx="62088" cy="62088"/>
-              </a:xfrm>
-              <a:prstGeom prst="ellipse">
-                <a:avLst/>
-              </a:prstGeom>
-              <a:solidFill>
-                <a:schemeClr val="tx1"/>
-              </a:solidFill>
-              <a:ln>
-                <a:solidFill>
-                  <a:schemeClr val="tx1"/>
-                </a:solidFill>
-              </a:ln>
-            </p:spPr>
-            <p:style>
-              <a:lnRef idx="2">
-                <a:schemeClr val="accent1">
-                  <a:shade val="50000"/>
-                </a:schemeClr>
-              </a:lnRef>
-              <a:fillRef idx="1">
-                <a:schemeClr val="accent1"/>
-              </a:fillRef>
-              <a:effectRef idx="0">
-                <a:schemeClr val="accent1"/>
-              </a:effectRef>
-              <a:fontRef idx="minor">
-                <a:schemeClr val="lt1"/>
-              </a:fontRef>
-            </p:style>
-            <p:txBody>
-              <a:bodyPr rtlCol="0" anchor="ctr"/>
-              <a:lstStyle/>
-              <a:p>
-                <a:pPr algn="ctr"/>
-                <a:endParaRPr lang="en-CN"/>
-              </a:p>
-            </p:txBody>
-          </p:sp>
-          <p:sp>
-            <p:nvSpPr>
-              <p:cNvPr id="140" name="Oval 139">
-                <a:extLst>
-                  <a:ext uri="{FF2B5EF4-FFF2-40B4-BE49-F238E27FC236}">
-                    <a16:creationId xmlns:a16="http://schemas.microsoft.com/office/drawing/2014/main" id="{EB5934B4-4125-2444-B450-9726E04A8C98}"/>
-                  </a:ext>
-                </a:extLst>
-              </p:cNvPr>
-              <p:cNvSpPr/>
-              <p:nvPr/>
-            </p:nvSpPr>
-            <p:spPr>
-              <a:xfrm>
-                <a:off x="2896911" y="3036209"/>
-                <a:ext cx="62088" cy="62088"/>
-              </a:xfrm>
-              <a:prstGeom prst="ellipse">
-                <a:avLst/>
-              </a:prstGeom>
-              <a:solidFill>
-                <a:schemeClr val="tx1"/>
-              </a:solidFill>
-              <a:ln>
-                <a:solidFill>
-                  <a:schemeClr val="tx1"/>
-                </a:solidFill>
-              </a:ln>
-            </p:spPr>
-            <p:style>
-              <a:lnRef idx="2">
-                <a:schemeClr val="accent1">
-                  <a:shade val="50000"/>
-                </a:schemeClr>
-              </a:lnRef>
-              <a:fillRef idx="1">
-                <a:schemeClr val="accent1"/>
-              </a:fillRef>
-              <a:effectRef idx="0">
-                <a:schemeClr val="accent1"/>
-              </a:effectRef>
-              <a:fontRef idx="minor">
-                <a:schemeClr val="lt1"/>
-              </a:fontRef>
-            </p:style>
-            <p:txBody>
-              <a:bodyPr rtlCol="0" anchor="ctr"/>
-              <a:lstStyle/>
-              <a:p>
-                <a:pPr algn="ctr"/>
-                <a:endParaRPr lang="en-CN"/>
-              </a:p>
-            </p:txBody>
-          </p:sp>
-          <p:sp>
-            <p:nvSpPr>
-              <p:cNvPr id="141" name="Oval 140">
-                <a:extLst>
-                  <a:ext uri="{FF2B5EF4-FFF2-40B4-BE49-F238E27FC236}">
-                    <a16:creationId xmlns:a16="http://schemas.microsoft.com/office/drawing/2014/main" id="{B17C46F0-28B8-A048-BF7A-53C7A59108E5}"/>
-                  </a:ext>
-                </a:extLst>
-              </p:cNvPr>
-              <p:cNvSpPr/>
-              <p:nvPr/>
-            </p:nvSpPr>
-            <p:spPr>
-              <a:xfrm>
-                <a:off x="3419400" y="3778650"/>
-                <a:ext cx="62088" cy="62088"/>
-              </a:xfrm>
-              <a:prstGeom prst="ellipse">
-                <a:avLst/>
-              </a:prstGeom>
-              <a:solidFill>
-                <a:schemeClr val="tx1"/>
-              </a:solidFill>
-              <a:ln>
-                <a:solidFill>
-                  <a:schemeClr val="tx1"/>
-                </a:solidFill>
-              </a:ln>
-            </p:spPr>
-            <p:style>
-              <a:lnRef idx="2">
-                <a:schemeClr val="accent1">
-                  <a:shade val="50000"/>
-                </a:schemeClr>
-              </a:lnRef>
-              <a:fillRef idx="1">
-                <a:schemeClr val="accent1"/>
-              </a:fillRef>
-              <a:effectRef idx="0">
-                <a:schemeClr val="accent1"/>
-              </a:effectRef>
-              <a:fontRef idx="minor">
-                <a:schemeClr val="lt1"/>
-              </a:fontRef>
-            </p:style>
-            <p:txBody>
-              <a:bodyPr rtlCol="0" anchor="ctr"/>
-              <a:lstStyle/>
-              <a:p>
-                <a:pPr algn="ctr"/>
-                <a:endParaRPr lang="en-CN"/>
-              </a:p>
-            </p:txBody>
-          </p:sp>
-          <p:sp>
-            <p:nvSpPr>
-              <p:cNvPr id="142" name="Oval 141">
-                <a:extLst>
-                  <a:ext uri="{FF2B5EF4-FFF2-40B4-BE49-F238E27FC236}">
-                    <a16:creationId xmlns:a16="http://schemas.microsoft.com/office/drawing/2014/main" id="{D5D41815-3B54-6E4C-9E14-A41D5A9ADF02}"/>
-                  </a:ext>
-                </a:extLst>
-              </p:cNvPr>
-              <p:cNvSpPr/>
-              <p:nvPr/>
-            </p:nvSpPr>
-            <p:spPr>
-              <a:xfrm>
-                <a:off x="3713157" y="3179761"/>
-                <a:ext cx="62088" cy="62088"/>
-              </a:xfrm>
-              <a:prstGeom prst="ellipse">
-                <a:avLst/>
-              </a:prstGeom>
-              <a:solidFill>
-                <a:schemeClr val="tx1"/>
-              </a:solidFill>
-              <a:ln>
-                <a:solidFill>
-                  <a:schemeClr val="tx1"/>
-                </a:solidFill>
-              </a:ln>
-            </p:spPr>
-            <p:style>
-              <a:lnRef idx="2">
-                <a:schemeClr val="accent1">
-                  <a:shade val="50000"/>
-                </a:schemeClr>
-              </a:lnRef>
-              <a:fillRef idx="1">
-                <a:schemeClr val="accent1"/>
-              </a:fillRef>
-              <a:effectRef idx="0">
-                <a:schemeClr val="accent1"/>
-              </a:effectRef>
-              <a:fontRef idx="minor">
-                <a:schemeClr val="lt1"/>
-              </a:fontRef>
-            </p:style>
-            <p:txBody>
-              <a:bodyPr rtlCol="0" anchor="ctr"/>
-              <a:lstStyle/>
-              <a:p>
-                <a:pPr algn="ctr"/>
-                <a:endParaRPr lang="en-CN"/>
-              </a:p>
-            </p:txBody>
-          </p:sp>
-          <p:sp>
-            <p:nvSpPr>
-              <p:cNvPr id="143" name="Oval 142">
-                <a:extLst>
-                  <a:ext uri="{FF2B5EF4-FFF2-40B4-BE49-F238E27FC236}">
-                    <a16:creationId xmlns:a16="http://schemas.microsoft.com/office/drawing/2014/main" id="{B912FBCD-C935-A04B-830C-EE4CB78FF0B6}"/>
-                  </a:ext>
-                </a:extLst>
-              </p:cNvPr>
-              <p:cNvSpPr/>
-              <p:nvPr/>
-            </p:nvSpPr>
-            <p:spPr>
-              <a:xfrm>
-                <a:off x="3942751" y="3356559"/>
-                <a:ext cx="62088" cy="62088"/>
-              </a:xfrm>
-              <a:prstGeom prst="ellipse">
-                <a:avLst/>
-              </a:prstGeom>
-              <a:solidFill>
-                <a:schemeClr val="tx1"/>
-              </a:solidFill>
-              <a:ln>
-                <a:solidFill>
-                  <a:schemeClr val="tx1"/>
-                </a:solidFill>
-              </a:ln>
-            </p:spPr>
-            <p:style>
-              <a:lnRef idx="2">
-                <a:schemeClr val="accent1">
-                  <a:shade val="50000"/>
-                </a:schemeClr>
-              </a:lnRef>
-              <a:fillRef idx="1">
-                <a:schemeClr val="accent1"/>
-              </a:fillRef>
-              <a:effectRef idx="0">
-                <a:schemeClr val="accent1"/>
-              </a:effectRef>
-              <a:fontRef idx="minor">
-                <a:schemeClr val="lt1"/>
-              </a:fontRef>
-            </p:style>
-            <p:txBody>
-              <a:bodyPr rtlCol="0" anchor="ctr"/>
-              <a:lstStyle/>
-              <a:p>
-                <a:pPr algn="ctr"/>
-                <a:endParaRPr lang="en-CN"/>
-              </a:p>
-            </p:txBody>
-          </p:sp>
-          <p:sp>
-            <p:nvSpPr>
-              <p:cNvPr id="144" name="Oval 143">
-                <a:extLst>
-                  <a:ext uri="{FF2B5EF4-FFF2-40B4-BE49-F238E27FC236}">
-                    <a16:creationId xmlns:a16="http://schemas.microsoft.com/office/drawing/2014/main" id="{8ABCEC05-572E-CF4B-9349-F988A92AAFE8}"/>
-                  </a:ext>
-                </a:extLst>
-              </p:cNvPr>
-              <p:cNvSpPr/>
-              <p:nvPr/>
-            </p:nvSpPr>
-            <p:spPr>
-              <a:xfrm>
-                <a:off x="4203389" y="2953918"/>
-                <a:ext cx="62088" cy="62088"/>
-              </a:xfrm>
-              <a:prstGeom prst="ellipse">
-                <a:avLst/>
-              </a:prstGeom>
-              <a:solidFill>
-                <a:schemeClr val="tx1"/>
-              </a:solidFill>
-              <a:ln>
-                <a:solidFill>
-                  <a:schemeClr val="tx1"/>
-                </a:solidFill>
-              </a:ln>
-            </p:spPr>
-            <p:style>
-              <a:lnRef idx="2">
-                <a:schemeClr val="accent1">
-                  <a:shade val="50000"/>
-                </a:schemeClr>
-              </a:lnRef>
-              <a:fillRef idx="1">
-                <a:schemeClr val="accent1"/>
-              </a:fillRef>
-              <a:effectRef idx="0">
-                <a:schemeClr val="accent1"/>
-              </a:effectRef>
-              <a:fontRef idx="minor">
-                <a:schemeClr val="lt1"/>
-              </a:fontRef>
-            </p:style>
-            <p:txBody>
-              <a:bodyPr rtlCol="0" anchor="ctr"/>
-              <a:lstStyle/>
-              <a:p>
-                <a:pPr algn="ctr"/>
-                <a:endParaRPr lang="en-CN"/>
-              </a:p>
-            </p:txBody>
-          </p:sp>
-          <p:sp>
-            <p:nvSpPr>
-              <p:cNvPr id="145" name="Oval 144">
-                <a:extLst>
-                  <a:ext uri="{FF2B5EF4-FFF2-40B4-BE49-F238E27FC236}">
-                    <a16:creationId xmlns:a16="http://schemas.microsoft.com/office/drawing/2014/main" id="{E4C42C07-70A4-3A45-BDF1-E07E4C3B4227}"/>
-                  </a:ext>
-                </a:extLst>
-              </p:cNvPr>
-              <p:cNvSpPr/>
-              <p:nvPr/>
-            </p:nvSpPr>
-            <p:spPr>
-              <a:xfrm>
-                <a:off x="4455119" y="3431323"/>
-                <a:ext cx="62088" cy="62088"/>
-              </a:xfrm>
-              <a:prstGeom prst="ellipse">
-                <a:avLst/>
-              </a:prstGeom>
-              <a:solidFill>
-                <a:schemeClr val="tx1"/>
-              </a:solidFill>
-              <a:ln>
-                <a:solidFill>
-                  <a:schemeClr val="tx1"/>
-                </a:solidFill>
-              </a:ln>
-            </p:spPr>
-            <p:style>
-              <a:lnRef idx="2">
-                <a:schemeClr val="accent1">
-                  <a:shade val="50000"/>
-                </a:schemeClr>
-              </a:lnRef>
-              <a:fillRef idx="1">
-                <a:schemeClr val="accent1"/>
-              </a:fillRef>
-              <a:effectRef idx="0">
-                <a:schemeClr val="accent1"/>
-              </a:effectRef>
-              <a:fontRef idx="minor">
-                <a:schemeClr val="lt1"/>
-              </a:fontRef>
-            </p:style>
-            <p:txBody>
-              <a:bodyPr rtlCol="0" anchor="ctr"/>
-              <a:lstStyle/>
-              <a:p>
-                <a:pPr algn="ctr"/>
-                <a:endParaRPr lang="en-CN"/>
-              </a:p>
-            </p:txBody>
-          </p:sp>
-          <p:sp>
-            <p:nvSpPr>
-              <p:cNvPr id="146" name="Oval 145">
-                <a:extLst>
-                  <a:ext uri="{FF2B5EF4-FFF2-40B4-BE49-F238E27FC236}">
-                    <a16:creationId xmlns:a16="http://schemas.microsoft.com/office/drawing/2014/main" id="{00A14081-024A-0A4A-BB18-6DBED8F89280}"/>
-                  </a:ext>
-                </a:extLst>
-              </p:cNvPr>
-              <p:cNvSpPr/>
-              <p:nvPr/>
-            </p:nvSpPr>
-            <p:spPr>
-              <a:xfrm>
-                <a:off x="4785751" y="2654669"/>
-                <a:ext cx="62088" cy="62088"/>
-              </a:xfrm>
-              <a:prstGeom prst="ellipse">
-                <a:avLst/>
-              </a:prstGeom>
-              <a:solidFill>
-                <a:schemeClr val="tx1"/>
-              </a:solidFill>
-              <a:ln>
-                <a:solidFill>
-                  <a:schemeClr val="tx1"/>
-                </a:solidFill>
-              </a:ln>
-            </p:spPr>
-            <p:style>
-              <a:lnRef idx="2">
-                <a:schemeClr val="accent1">
-                  <a:shade val="50000"/>
-                </a:schemeClr>
-              </a:lnRef>
-              <a:fillRef idx="1">
-                <a:schemeClr val="accent1"/>
-              </a:fillRef>
-              <a:effectRef idx="0">
-                <a:schemeClr val="accent1"/>
-              </a:effectRef>
-              <a:fontRef idx="minor">
-                <a:schemeClr val="lt1"/>
-              </a:fontRef>
-            </p:style>
-            <p:txBody>
-              <a:bodyPr rtlCol="0" anchor="ctr"/>
-              <a:lstStyle/>
-              <a:p>
-                <a:pPr algn="ctr"/>
-                <a:endParaRPr lang="en-CN"/>
-              </a:p>
-            </p:txBody>
-          </p:sp>
-          <p:sp>
-            <p:nvSpPr>
-              <p:cNvPr id="147" name="Oval 146">
-                <a:extLst>
-                  <a:ext uri="{FF2B5EF4-FFF2-40B4-BE49-F238E27FC236}">
-                    <a16:creationId xmlns:a16="http://schemas.microsoft.com/office/drawing/2014/main" id="{1CCEA41A-6F18-9943-BF76-2CC06B11BD4D}"/>
-                  </a:ext>
-                </a:extLst>
-              </p:cNvPr>
-              <p:cNvSpPr/>
-              <p:nvPr/>
-            </p:nvSpPr>
-            <p:spPr>
-              <a:xfrm>
-                <a:off x="5089145" y="2997404"/>
-                <a:ext cx="62088" cy="62088"/>
-              </a:xfrm>
-              <a:prstGeom prst="ellipse">
-                <a:avLst/>
-              </a:prstGeom>
-              <a:solidFill>
-                <a:schemeClr val="tx1"/>
-              </a:solidFill>
-              <a:ln>
-                <a:solidFill>
-                  <a:schemeClr val="tx1"/>
-                </a:solidFill>
-              </a:ln>
-            </p:spPr>
-            <p:style>
-              <a:lnRef idx="2">
-                <a:schemeClr val="accent1">
-                  <a:shade val="50000"/>
-                </a:schemeClr>
-              </a:lnRef>
-              <a:fillRef idx="1">
-                <a:schemeClr val="accent1"/>
-              </a:fillRef>
-              <a:effectRef idx="0">
-                <a:schemeClr val="accent1"/>
-              </a:effectRef>
-              <a:fontRef idx="minor">
-                <a:schemeClr val="lt1"/>
-              </a:fontRef>
-            </p:style>
-            <p:txBody>
-              <a:bodyPr rtlCol="0" anchor="ctr"/>
-              <a:lstStyle/>
-              <a:p>
-                <a:pPr algn="ctr"/>
-                <a:endParaRPr lang="en-CN"/>
-              </a:p>
-            </p:txBody>
-          </p:sp>
-          <p:sp>
-            <p:nvSpPr>
-              <p:cNvPr id="148" name="Oval 147">
-                <a:extLst>
-                  <a:ext uri="{FF2B5EF4-FFF2-40B4-BE49-F238E27FC236}">
-                    <a16:creationId xmlns:a16="http://schemas.microsoft.com/office/drawing/2014/main" id="{929DBE4F-832B-7040-B172-673B5EF23723}"/>
-                  </a:ext>
-                </a:extLst>
-              </p:cNvPr>
-              <p:cNvSpPr/>
-              <p:nvPr/>
-            </p:nvSpPr>
-            <p:spPr>
-              <a:xfrm>
-                <a:off x="5285737" y="2738474"/>
-                <a:ext cx="62088" cy="62088"/>
-              </a:xfrm>
-              <a:prstGeom prst="ellipse">
-                <a:avLst/>
-              </a:prstGeom>
-              <a:solidFill>
-                <a:schemeClr val="tx1"/>
-              </a:solidFill>
-              <a:ln>
-                <a:solidFill>
-                  <a:schemeClr val="tx1"/>
-                </a:solidFill>
-              </a:ln>
-            </p:spPr>
-            <p:style>
-              <a:lnRef idx="2">
-                <a:schemeClr val="accent1">
-                  <a:shade val="50000"/>
-                </a:schemeClr>
-              </a:lnRef>
-              <a:fillRef idx="1">
-                <a:schemeClr val="accent1"/>
-              </a:fillRef>
-              <a:effectRef idx="0">
-                <a:schemeClr val="accent1"/>
-              </a:effectRef>
-              <a:fontRef idx="minor">
-                <a:schemeClr val="lt1"/>
-              </a:fontRef>
-            </p:style>
-            <p:txBody>
-              <a:bodyPr rtlCol="0" anchor="ctr"/>
-              <a:lstStyle/>
-              <a:p>
-                <a:pPr algn="ctr"/>
-                <a:endParaRPr lang="en-CN"/>
-              </a:p>
-            </p:txBody>
-          </p:sp>
-          <p:sp>
-            <p:nvSpPr>
-              <p:cNvPr id="149" name="Oval 148">
-                <a:extLst>
-                  <a:ext uri="{FF2B5EF4-FFF2-40B4-BE49-F238E27FC236}">
-                    <a16:creationId xmlns:a16="http://schemas.microsoft.com/office/drawing/2014/main" id="{7BAEFE4A-6461-1743-8B71-9101E76B68B5}"/>
-                  </a:ext>
-                </a:extLst>
-              </p:cNvPr>
-              <p:cNvSpPr/>
-              <p:nvPr/>
-            </p:nvSpPr>
-            <p:spPr>
-              <a:xfrm>
-                <a:off x="5497805" y="3179761"/>
-                <a:ext cx="62088" cy="62088"/>
-              </a:xfrm>
-              <a:prstGeom prst="ellipse">
-                <a:avLst/>
-              </a:prstGeom>
-              <a:solidFill>
-                <a:schemeClr val="tx1"/>
-              </a:solidFill>
-              <a:ln>
-                <a:solidFill>
-                  <a:schemeClr val="tx1"/>
-                </a:solidFill>
-              </a:ln>
-            </p:spPr>
-            <p:style>
-              <a:lnRef idx="2">
-                <a:schemeClr val="accent1">
-                  <a:shade val="50000"/>
-                </a:schemeClr>
-              </a:lnRef>
-              <a:fillRef idx="1">
-                <a:schemeClr val="accent1"/>
-              </a:fillRef>
-              <a:effectRef idx="0">
-                <a:schemeClr val="accent1"/>
-              </a:effectRef>
-              <a:fontRef idx="minor">
-                <a:schemeClr val="lt1"/>
-              </a:fontRef>
-            </p:style>
-            <p:txBody>
-              <a:bodyPr rtlCol="0" anchor="ctr"/>
-              <a:lstStyle/>
-              <a:p>
-                <a:pPr algn="ctr"/>
-                <a:endParaRPr lang="en-CN"/>
-              </a:p>
-            </p:txBody>
-          </p:sp>
-          <p:sp>
-            <p:nvSpPr>
-              <p:cNvPr id="150" name="Oval 149">
-                <a:extLst>
-                  <a:ext uri="{FF2B5EF4-FFF2-40B4-BE49-F238E27FC236}">
-                    <a16:creationId xmlns:a16="http://schemas.microsoft.com/office/drawing/2014/main" id="{11785D17-33FA-E045-9672-567E78446314}"/>
-                  </a:ext>
-                </a:extLst>
-              </p:cNvPr>
-              <p:cNvSpPr/>
-              <p:nvPr/>
-            </p:nvSpPr>
-            <p:spPr>
-              <a:xfrm>
-                <a:off x="5760836" y="2490930"/>
-                <a:ext cx="62088" cy="62088"/>
-              </a:xfrm>
-              <a:prstGeom prst="ellipse">
-                <a:avLst/>
-              </a:prstGeom>
-              <a:solidFill>
-                <a:schemeClr val="tx1"/>
-              </a:solidFill>
-              <a:ln>
-                <a:solidFill>
-                  <a:schemeClr val="tx1"/>
-                </a:solidFill>
-              </a:ln>
-            </p:spPr>
-            <p:style>
-              <a:lnRef idx="2">
-                <a:schemeClr val="accent1">
-                  <a:shade val="50000"/>
-                </a:schemeClr>
-              </a:lnRef>
-              <a:fillRef idx="1">
-                <a:schemeClr val="accent1"/>
-              </a:fillRef>
-              <a:effectRef idx="0">
-                <a:schemeClr val="accent1"/>
-              </a:effectRef>
-              <a:fontRef idx="minor">
-                <a:schemeClr val="lt1"/>
-              </a:fontRef>
-            </p:style>
-            <p:txBody>
-              <a:bodyPr rtlCol="0" anchor="ctr"/>
-              <a:lstStyle/>
-              <a:p>
-                <a:pPr algn="ctr"/>
-                <a:endParaRPr lang="en-CN"/>
-              </a:p>
-            </p:txBody>
-          </p:sp>
-        </p:grpSp>
-        <p:sp>
-          <p:nvSpPr>
-            <p:cNvPr id="156" name="TextBox 155">
-              <a:extLst>
-                <a:ext uri="{FF2B5EF4-FFF2-40B4-BE49-F238E27FC236}">
-                  <a16:creationId xmlns:a16="http://schemas.microsoft.com/office/drawing/2014/main" id="{0E8637AA-490A-5943-9787-FEAEF8AD6344}"/>
-                </a:ext>
-              </a:extLst>
-            </p:cNvPr>
-            <p:cNvSpPr txBox="1"/>
-            <p:nvPr/>
-          </p:nvSpPr>
-          <p:spPr>
-            <a:xfrm>
-              <a:off x="2070774" y="3828882"/>
-              <a:ext cx="917561" cy="307777"/>
-            </a:xfrm>
-            <a:prstGeom prst="rect">
-              <a:avLst/>
-            </a:prstGeom>
-            <a:noFill/>
-          </p:spPr>
-          <p:txBody>
-            <a:bodyPr wrap="square">
-              <a:spAutoFit/>
-            </a:bodyPr>
-            <a:lstStyle/>
-            <a:p>
-              <a:pPr marL="0" marR="0" lvl="0" indent="0" algn="ctr" defTabSz="914400" rtl="0" eaLnBrk="1" fontAlgn="auto" latinLnBrk="0" hangingPunct="1">
-                <a:lnSpc>
-                  <a:spcPct val="100000"/>
-                </a:lnSpc>
-                <a:spcBef>
-                  <a:spcPts val="0"/>
-                </a:spcBef>
-                <a:spcAft>
-                  <a:spcPts val="0"/>
-                </a:spcAft>
-                <a:buClrTx/>
-                <a:buSzTx/>
-                <a:buFontTx/>
-                <a:buNone/>
-                <a:tabLst/>
-                <a:defRPr/>
-              </a:pPr>
-              <a:r>
-                <a:rPr lang="en-US" sz="1400" b="1" kern="0" dirty="0" err="1">
-                  <a:solidFill>
-                    <a:prstClr val="black"/>
-                  </a:solidFill>
-                  <a:latin typeface="KaiTi" panose="02010609060101010101" pitchFamily="49" charset="-122"/>
-                  <a:ea typeface="KaiTi" panose="02010609060101010101" pitchFamily="49" charset="-122"/>
-                </a:rPr>
-                <a:t>历史趋势</a:t>
-              </a:r>
-              <a:endParaRPr kumimoji="0" lang="en-CN" sz="1400" b="1" i="0" u="none" strike="noStrike" kern="0" cap="none" spc="0" normalizeH="0" baseline="0" noProof="0" dirty="0">
-                <a:ln>
-                  <a:noFill/>
-                </a:ln>
-                <a:solidFill>
-                  <a:prstClr val="black"/>
-                </a:solidFill>
-                <a:effectLst/>
-                <a:uLnTx/>
-                <a:uFillTx/>
-                <a:latin typeface="KaiTi" panose="02010609060101010101" pitchFamily="49" charset="-122"/>
-                <a:ea typeface="KaiTi" panose="02010609060101010101" pitchFamily="49" charset="-122"/>
-                <a:cs typeface="+mn-cs"/>
-              </a:endParaRPr>
-            </a:p>
-          </p:txBody>
-        </p:sp>
-        <p:cxnSp>
-          <p:nvCxnSpPr>
-            <p:cNvPr id="159" name="Straight Connector 158">
-              <a:extLst>
-                <a:ext uri="{FF2B5EF4-FFF2-40B4-BE49-F238E27FC236}">
-                  <a16:creationId xmlns:a16="http://schemas.microsoft.com/office/drawing/2014/main" id="{F62F415F-B8DE-7547-A2E1-D73FC9B4775D}"/>
-                </a:ext>
-              </a:extLst>
-            </p:cNvPr>
-            <p:cNvCxnSpPr>
-              <a:cxnSpLocks/>
-              <a:endCxn id="156" idx="3"/>
-            </p:cNvCxnSpPr>
-            <p:nvPr/>
-          </p:nvCxnSpPr>
-          <p:spPr>
-            <a:xfrm flipH="1">
-              <a:off x="2988335" y="3982771"/>
-              <a:ext cx="1238113" cy="0"/>
-            </a:xfrm>
-            <a:prstGeom prst="line">
-              <a:avLst/>
-            </a:prstGeom>
-            <a:ln w="19050">
-              <a:solidFill>
-                <a:schemeClr val="tx1"/>
-              </a:solidFill>
-              <a:prstDash val="solid"/>
-              <a:headEnd type="stealth" w="lg" len="med"/>
-              <a:tailEnd type="none" w="lg" len="med"/>
-            </a:ln>
-          </p:spPr>
-          <p:style>
-            <a:lnRef idx="1">
-              <a:schemeClr val="accent1"/>
-            </a:lnRef>
-            <a:fillRef idx="0">
-              <a:schemeClr val="accent1"/>
-            </a:fillRef>
-            <a:effectRef idx="0">
-              <a:schemeClr val="accent1"/>
-            </a:effectRef>
-            <a:fontRef idx="minor">
-              <a:schemeClr val="tx1"/>
-            </a:fontRef>
-          </p:style>
-        </p:cxnSp>
-        <p:sp>
-          <p:nvSpPr>
-            <p:cNvPr id="182" name="TextBox 181">
-              <a:extLst>
-                <a:ext uri="{FF2B5EF4-FFF2-40B4-BE49-F238E27FC236}">
-                  <a16:creationId xmlns:a16="http://schemas.microsoft.com/office/drawing/2014/main" id="{CC8818E3-9781-1541-A93E-4A18523D1937}"/>
-                </a:ext>
-              </a:extLst>
-            </p:cNvPr>
-            <p:cNvSpPr txBox="1"/>
-            <p:nvPr/>
-          </p:nvSpPr>
-          <p:spPr>
-            <a:xfrm>
-              <a:off x="4550002" y="3825920"/>
-              <a:ext cx="911968" cy="307777"/>
-            </a:xfrm>
-            <a:prstGeom prst="rect">
-              <a:avLst/>
-            </a:prstGeom>
-            <a:noFill/>
-          </p:spPr>
-          <p:txBody>
-            <a:bodyPr wrap="square">
-              <a:spAutoFit/>
-            </a:bodyPr>
-            <a:lstStyle/>
-            <a:p>
-              <a:pPr marL="0" marR="0" lvl="0" indent="0" algn="ctr" defTabSz="914400" rtl="0" eaLnBrk="1" fontAlgn="auto" latinLnBrk="0" hangingPunct="1">
-                <a:lnSpc>
-                  <a:spcPct val="100000"/>
-                </a:lnSpc>
-                <a:spcBef>
-                  <a:spcPts val="0"/>
-                </a:spcBef>
-                <a:spcAft>
-                  <a:spcPts val="0"/>
-                </a:spcAft>
-                <a:buClrTx/>
-                <a:buSzTx/>
-                <a:buFontTx/>
-                <a:buNone/>
-                <a:tabLst/>
-                <a:defRPr/>
-              </a:pPr>
-              <a:r>
-                <a:rPr lang="en-US" sz="1400" b="1" kern="0" dirty="0" err="1">
-                  <a:solidFill>
-                    <a:prstClr val="black"/>
-                  </a:solidFill>
-                  <a:latin typeface="KaiTi" panose="02010609060101010101" pitchFamily="49" charset="-122"/>
-                  <a:ea typeface="KaiTi" panose="02010609060101010101" pitchFamily="49" charset="-122"/>
-                </a:rPr>
-                <a:t>当前状态</a:t>
-              </a:r>
-              <a:endParaRPr kumimoji="0" lang="en-CN" sz="1400" b="1" i="0" u="none" strike="noStrike" kern="0" cap="none" spc="0" normalizeH="0" baseline="0" noProof="0" dirty="0">
-                <a:ln>
-                  <a:noFill/>
-                </a:ln>
-                <a:solidFill>
-                  <a:prstClr val="black"/>
-                </a:solidFill>
-                <a:effectLst/>
-                <a:uLnTx/>
-                <a:uFillTx/>
-                <a:latin typeface="KaiTi" panose="02010609060101010101" pitchFamily="49" charset="-122"/>
-                <a:ea typeface="KaiTi" panose="02010609060101010101" pitchFamily="49" charset="-122"/>
-                <a:cs typeface="+mn-cs"/>
-              </a:endParaRPr>
-            </a:p>
-          </p:txBody>
-        </p:sp>
-        <p:cxnSp>
-          <p:nvCxnSpPr>
-            <p:cNvPr id="199" name="Straight Connector 198">
-              <a:extLst>
-                <a:ext uri="{FF2B5EF4-FFF2-40B4-BE49-F238E27FC236}">
-                  <a16:creationId xmlns:a16="http://schemas.microsoft.com/office/drawing/2014/main" id="{B7895896-6F18-BC45-8938-DE9403B7616D}"/>
-                </a:ext>
-              </a:extLst>
-            </p:cNvPr>
-            <p:cNvCxnSpPr>
-              <a:cxnSpLocks/>
-              <a:endCxn id="182" idx="3"/>
-            </p:cNvCxnSpPr>
-            <p:nvPr/>
-          </p:nvCxnSpPr>
-          <p:spPr>
-            <a:xfrm flipH="1" flipV="1">
-              <a:off x="5461970" y="3979809"/>
-              <a:ext cx="317174" cy="2961"/>
-            </a:xfrm>
-            <a:prstGeom prst="line">
-              <a:avLst/>
-            </a:prstGeom>
-            <a:ln w="19050">
-              <a:solidFill>
-                <a:schemeClr val="tx1"/>
-              </a:solidFill>
-              <a:prstDash val="solid"/>
-              <a:headEnd type="stealth" w="lg" len="med"/>
-              <a:tailEnd type="none" w="lg" len="med"/>
-            </a:ln>
-          </p:spPr>
-          <p:style>
-            <a:lnRef idx="1">
-              <a:schemeClr val="accent1"/>
-            </a:lnRef>
-            <a:fillRef idx="0">
-              <a:schemeClr val="accent1"/>
-            </a:fillRef>
-            <a:effectRef idx="0">
-              <a:schemeClr val="accent1"/>
-            </a:effectRef>
-            <a:fontRef idx="minor">
-              <a:schemeClr val="tx1"/>
-            </a:fontRef>
-          </p:style>
-        </p:cxnSp>
-        <p:cxnSp>
-          <p:nvCxnSpPr>
-            <p:cNvPr id="203" name="Straight Connector 202">
-              <a:extLst>
-                <a:ext uri="{FF2B5EF4-FFF2-40B4-BE49-F238E27FC236}">
-                  <a16:creationId xmlns:a16="http://schemas.microsoft.com/office/drawing/2014/main" id="{7332FF82-51C4-044F-889C-C5890BDBACED}"/>
-                </a:ext>
-              </a:extLst>
-            </p:cNvPr>
-            <p:cNvCxnSpPr>
-              <a:cxnSpLocks/>
-              <a:endCxn id="182" idx="1"/>
-            </p:cNvCxnSpPr>
-            <p:nvPr/>
-          </p:nvCxnSpPr>
-          <p:spPr>
-            <a:xfrm flipV="1">
-              <a:off x="4226448" y="3979809"/>
-              <a:ext cx="323554" cy="5097"/>
-            </a:xfrm>
-            <a:prstGeom prst="line">
-              <a:avLst/>
-            </a:prstGeom>
-            <a:ln w="19050">
-              <a:solidFill>
-                <a:schemeClr val="tx1"/>
-              </a:solidFill>
-              <a:prstDash val="solid"/>
-              <a:headEnd type="stealth" w="lg" len="med"/>
-              <a:tailEnd type="none" w="lg" len="med"/>
-            </a:ln>
-          </p:spPr>
-          <p:style>
-            <a:lnRef idx="1">
-              <a:schemeClr val="accent1"/>
-            </a:lnRef>
-            <a:fillRef idx="0">
-              <a:schemeClr val="accent1"/>
-            </a:fillRef>
-            <a:effectRef idx="0">
-              <a:schemeClr val="accent1"/>
-            </a:effectRef>
-            <a:fontRef idx="minor">
-              <a:schemeClr val="tx1"/>
-            </a:fontRef>
-          </p:style>
-        </p:cxnSp>
-        <p:sp>
-          <p:nvSpPr>
-            <p:cNvPr id="206" name="Arc 205">
-              <a:extLst>
-                <a:ext uri="{FF2B5EF4-FFF2-40B4-BE49-F238E27FC236}">
-                  <a16:creationId xmlns:a16="http://schemas.microsoft.com/office/drawing/2014/main" id="{E12915F0-276D-FA4D-88D0-19429D82ADC7}"/>
-                </a:ext>
-              </a:extLst>
-            </p:cNvPr>
-            <p:cNvSpPr/>
-            <p:nvPr/>
-          </p:nvSpPr>
-          <p:spPr>
-            <a:xfrm rot="10800000">
-              <a:off x="2545173" y="3825920"/>
-              <a:ext cx="2441694" cy="495379"/>
-            </a:xfrm>
-            <a:prstGeom prst="arc">
-              <a:avLst>
-                <a:gd name="adj1" fmla="val 10806718"/>
-                <a:gd name="adj2" fmla="val 21595819"/>
-              </a:avLst>
-            </a:prstGeom>
-            <a:ln w="19050">
-              <a:solidFill>
-                <a:schemeClr val="bg1">
-                  <a:lumMod val="65000"/>
-                </a:schemeClr>
-              </a:solidFill>
-              <a:headEnd type="stealth" w="lg" len="med"/>
-              <a:tailEnd type="stealth" w="lg" len="med"/>
-            </a:ln>
-          </p:spPr>
-          <p:style>
-            <a:lnRef idx="1">
-              <a:schemeClr val="accent1"/>
-            </a:lnRef>
-            <a:fillRef idx="0">
-              <a:schemeClr val="accent1"/>
-            </a:fillRef>
-            <a:effectRef idx="0">
-              <a:schemeClr val="accent1"/>
-            </a:effectRef>
-            <a:fontRef idx="minor">
-              <a:schemeClr val="tx1"/>
-            </a:fontRef>
-          </p:style>
-          <p:txBody>
-            <a:bodyPr rtlCol="0" anchor="ctr"/>
-            <a:lstStyle/>
-            <a:p>
-              <a:pPr algn="ctr"/>
-              <a:endParaRPr lang="en-CN" dirty="0"/>
-            </a:p>
-          </p:txBody>
-        </p:sp>
-        <p:sp>
-          <p:nvSpPr>
-            <p:cNvPr id="207" name="TextBox 206">
-              <a:extLst>
-                <a:ext uri="{FF2B5EF4-FFF2-40B4-BE49-F238E27FC236}">
-                  <a16:creationId xmlns:a16="http://schemas.microsoft.com/office/drawing/2014/main" id="{BAF9C038-4F22-204F-A5AC-86F73601DFF4}"/>
-                </a:ext>
-              </a:extLst>
-            </p:cNvPr>
-            <p:cNvSpPr txBox="1"/>
-            <p:nvPr/>
-          </p:nvSpPr>
-          <p:spPr>
-            <a:xfrm>
-              <a:off x="2545172" y="4306013"/>
-              <a:ext cx="2441683" cy="307777"/>
-            </a:xfrm>
-            <a:prstGeom prst="rect">
-              <a:avLst/>
-            </a:prstGeom>
-            <a:noFill/>
-          </p:spPr>
-          <p:txBody>
-            <a:bodyPr wrap="square">
-              <a:spAutoFit/>
-            </a:bodyPr>
-            <a:lstStyle/>
-            <a:p>
-              <a:pPr marL="0" marR="0" lvl="0" indent="0" algn="ctr" defTabSz="914400" rtl="0" eaLnBrk="1" fontAlgn="auto" latinLnBrk="0" hangingPunct="1">
-                <a:lnSpc>
-                  <a:spcPct val="100000"/>
-                </a:lnSpc>
-                <a:spcBef>
-                  <a:spcPts val="0"/>
-                </a:spcBef>
-                <a:spcAft>
-                  <a:spcPts val="0"/>
-                </a:spcAft>
-                <a:buClrTx/>
-                <a:buSzTx/>
-                <a:buFontTx/>
-                <a:buNone/>
-                <a:tabLst/>
-                <a:defRPr/>
-              </a:pPr>
-              <a:r>
-                <a:rPr kumimoji="0" lang="en-US" sz="1400" b="1" i="0" u="none" strike="noStrike" kern="0" cap="none" spc="0" normalizeH="0" baseline="0" noProof="0" dirty="0" err="1">
-                  <a:ln>
-                    <a:noFill/>
-                  </a:ln>
-                  <a:solidFill>
-                    <a:prstClr val="black"/>
-                  </a:solidFill>
-                  <a:effectLst/>
-                  <a:uLnTx/>
-                  <a:uFillTx/>
-                  <a:latin typeface="KaiTi" panose="02010609060101010101" pitchFamily="49" charset="-122"/>
-                  <a:ea typeface="KaiTi" panose="02010609060101010101" pitchFamily="49" charset="-122"/>
-                  <a:cs typeface="+mn-cs"/>
-                </a:rPr>
-                <a:t>时序趋势一致性</a:t>
-              </a:r>
-              <a:endParaRPr kumimoji="0" lang="en-CN" sz="1400" b="1" i="0" u="none" strike="noStrike" kern="0" cap="none" spc="0" normalizeH="0" baseline="0" noProof="0" dirty="0">
-                <a:ln>
-                  <a:noFill/>
-                </a:ln>
-                <a:solidFill>
-                  <a:prstClr val="black"/>
-                </a:solidFill>
-                <a:effectLst/>
-                <a:uLnTx/>
-                <a:uFillTx/>
-                <a:latin typeface="KaiTi" panose="02010609060101010101" pitchFamily="49" charset="-122"/>
-                <a:ea typeface="KaiTi" panose="02010609060101010101" pitchFamily="49" charset="-122"/>
-                <a:cs typeface="+mn-cs"/>
-              </a:endParaRPr>
-            </a:p>
-          </p:txBody>
-        </p:sp>
-        <mc:AlternateContent xmlns:mc="http://schemas.openxmlformats.org/markup-compatibility/2006">
-          <mc:Choice xmlns:a14="http://schemas.microsoft.com/office/drawing/2010/main" Requires="a14">
-            <p:sp>
-              <p:nvSpPr>
-                <p:cNvPr id="224" name="TextBox 223">
-                  <a:extLst>
-                    <a:ext uri="{FF2B5EF4-FFF2-40B4-BE49-F238E27FC236}">
-                      <a16:creationId xmlns:a16="http://schemas.microsoft.com/office/drawing/2014/main" id="{70F46A1A-17C8-5042-B23A-78F6CB44598B}"/>
-                    </a:ext>
-                  </a:extLst>
-                </p:cNvPr>
-                <p:cNvSpPr txBox="1"/>
-                <p:nvPr/>
-              </p:nvSpPr>
-              <p:spPr>
-                <a:xfrm>
-                  <a:off x="7313937" y="4024099"/>
-                  <a:ext cx="1671333" cy="609398"/>
-                </a:xfrm>
-                <a:prstGeom prst="rect">
-                  <a:avLst/>
-                </a:prstGeom>
-                <a:noFill/>
-              </p:spPr>
-              <p:txBody>
-                <a:bodyPr wrap="square">
-                  <a:spAutoFit/>
-                </a:bodyPr>
-                <a:lstStyle/>
-                <a:p>
-                  <a:pPr marL="0" marR="0" lvl="0" indent="0" algn="ctr" defTabSz="914400" rtl="0" eaLnBrk="1" fontAlgn="auto" latinLnBrk="0" hangingPunct="1">
-                    <a:lnSpc>
-                      <a:spcPct val="120000"/>
-                    </a:lnSpc>
-                    <a:spcBef>
-                      <a:spcPts val="0"/>
-                    </a:spcBef>
-                    <a:spcAft>
-                      <a:spcPts val="0"/>
-                    </a:spcAft>
-                    <a:buClrTx/>
-                    <a:buSzTx/>
-                    <a:buFontTx/>
-                    <a:buNone/>
-                    <a:tabLst/>
-                    <a:defRPr/>
-                  </a:pPr>
-                  <a:r>
-                    <a:rPr lang="en-US" sz="1400" b="1" kern="0" dirty="0">
-                      <a:solidFill>
-                        <a:prstClr val="black"/>
-                      </a:solidFill>
-                      <a:latin typeface="KaiTi" panose="02010609060101010101" pitchFamily="49" charset="-122"/>
-                      <a:ea typeface="KaiTi" panose="02010609060101010101" pitchFamily="49" charset="-122"/>
-                    </a:rPr>
-                    <a:t>置信度权重</a:t>
-                  </a:r>
-                </a:p>
-                <a:p>
-                  <a:pPr marL="0" marR="0" lvl="0" indent="0" algn="ctr" defTabSz="914400" rtl="0" eaLnBrk="1" fontAlgn="auto" latinLnBrk="0" hangingPunct="1">
-                    <a:lnSpc>
-                      <a:spcPct val="120000"/>
-                    </a:lnSpc>
-                    <a:spcBef>
-                      <a:spcPts val="0"/>
-                    </a:spcBef>
-                    <a:spcAft>
-                      <a:spcPts val="0"/>
-                    </a:spcAft>
-                    <a:buClrTx/>
-                    <a:buSzTx/>
-                    <a:buFontTx/>
-                    <a:buNone/>
-                    <a:tabLst/>
-                    <a:defRPr/>
-                  </a:pPr>
-                  <a14:m>
-                    <m:oMathPara xmlns:m="http://schemas.openxmlformats.org/officeDocument/2006/math">
-                      <m:oMathParaPr>
-                        <m:jc m:val="centerGroup"/>
-                      </m:oMathParaPr>
-                      <m:oMath xmlns:m="http://schemas.openxmlformats.org/officeDocument/2006/math">
-                        <m:sSup>
-                          <m:sSupPr>
-                            <m:ctrlPr>
-                              <a:rPr kumimoji="0" lang="en-US" altLang="zh-CN" sz="1400" b="0" i="1" u="none" strike="noStrike" kern="0" cap="none" spc="0" normalizeH="0" baseline="0" noProof="0" smtClean="0">
-                                <a:ln>
-                                  <a:noFill/>
-                                </a:ln>
-                                <a:solidFill>
-                                  <a:prstClr val="black"/>
-                                </a:solidFill>
-                                <a:effectLst/>
-                                <a:uLnTx/>
-                                <a:uFillTx/>
-                                <a:latin typeface="Cambria Math" panose="02040503050406030204" pitchFamily="18" charset="0"/>
-                                <a:ea typeface="KaiTi" panose="02010609060101010101" pitchFamily="49" charset="-122"/>
-                                <a:cs typeface="+mn-cs"/>
-                              </a:rPr>
-                            </m:ctrlPr>
-                          </m:sSupPr>
-                          <m:e>
-                            <m:r>
-                              <a:rPr kumimoji="0" lang="en-US" altLang="zh-CN" sz="1400" b="0" i="1" u="none" strike="noStrike" kern="0" cap="none" spc="0" normalizeH="0" baseline="0" noProof="0" smtClean="0">
-                                <a:ln>
-                                  <a:noFill/>
-                                </a:ln>
-                                <a:solidFill>
-                                  <a:prstClr val="black"/>
-                                </a:solidFill>
-                                <a:effectLst/>
-                                <a:uLnTx/>
-                                <a:uFillTx/>
-                                <a:latin typeface="Cambria Math" panose="02040503050406030204" pitchFamily="18" charset="0"/>
-                                <a:ea typeface="KaiTi" panose="02010609060101010101" pitchFamily="49" charset="-122"/>
-                                <a:cs typeface="+mn-cs"/>
-                              </a:rPr>
-                              <m:t>𝛼</m:t>
-                            </m:r>
-                          </m:e>
-                          <m:sup>
-                            <m:r>
-                              <a:rPr kumimoji="0" lang="en-US" altLang="zh-CN" sz="1400" b="0" i="1" u="none" strike="noStrike" kern="0" cap="none" spc="0" normalizeH="0" baseline="0" noProof="0" smtClean="0">
-                                <a:ln>
-                                  <a:noFill/>
-                                </a:ln>
-                                <a:solidFill>
-                                  <a:prstClr val="black"/>
-                                </a:solidFill>
-                                <a:effectLst/>
-                                <a:uLnTx/>
-                                <a:uFillTx/>
-                                <a:latin typeface="Cambria Math" panose="02040503050406030204" pitchFamily="18" charset="0"/>
-                                <a:ea typeface="KaiTi" panose="02010609060101010101" pitchFamily="49" charset="-122"/>
-                                <a:cs typeface="+mn-cs"/>
-                              </a:rPr>
-                              <m:t>𝑔</m:t>
-                            </m:r>
-                          </m:sup>
-                        </m:sSup>
-                      </m:oMath>
-                    </m:oMathPara>
-                  </a14:m>
-                  <a:endParaRPr kumimoji="0" lang="en-CN" sz="1400" i="0" u="none" strike="noStrike" kern="0" cap="none" spc="0" normalizeH="0" baseline="0" noProof="0" dirty="0">
-                    <a:ln>
-                      <a:noFill/>
-                    </a:ln>
-                    <a:solidFill>
-                      <a:prstClr val="black"/>
-                    </a:solidFill>
-                    <a:effectLst/>
-                    <a:uLnTx/>
-                    <a:uFillTx/>
-                    <a:latin typeface="KaiTi" panose="02010609060101010101" pitchFamily="49" charset="-122"/>
-                    <a:ea typeface="KaiTi" panose="02010609060101010101" pitchFamily="49" charset="-122"/>
-                    <a:cs typeface="+mn-cs"/>
-                  </a:endParaRPr>
-                </a:p>
-              </p:txBody>
-            </p:sp>
-          </mc:Choice>
-          <mc:Fallback>
-            <p:sp>
-              <p:nvSpPr>
-                <p:cNvPr id="224" name="TextBox 223">
-                  <a:extLst>
-                    <a:ext uri="{FF2B5EF4-FFF2-40B4-BE49-F238E27FC236}">
-                      <a16:creationId xmlns:a16="http://schemas.microsoft.com/office/drawing/2014/main" id="{70F46A1A-17C8-5042-B23A-78F6CB44598B}"/>
-                    </a:ext>
-                  </a:extLst>
-                </p:cNvPr>
-                <p:cNvSpPr txBox="1">
-                  <a:spLocks noRot="1" noChangeAspect="1" noMove="1" noResize="1" noEditPoints="1" noAdjustHandles="1" noChangeArrowheads="1" noChangeShapeType="1" noTextEdit="1"/>
-                </p:cNvSpPr>
-                <p:nvPr/>
-              </p:nvSpPr>
-              <p:spPr>
-                <a:xfrm>
-                  <a:off x="7313937" y="4024099"/>
-                  <a:ext cx="1671333" cy="609398"/>
-                </a:xfrm>
-                <a:prstGeom prst="rect">
-                  <a:avLst/>
-                </a:prstGeom>
-                <a:blipFill>
-                  <a:blip r:embed="rId9"/>
-                  <a:stretch>
-                    <a:fillRect/>
-                  </a:stretch>
-                </a:blipFill>
-              </p:spPr>
-              <p:txBody>
-                <a:bodyPr/>
-                <a:lstStyle/>
-                <a:p>
-                  <a:r>
-                    <a:rPr lang="en-CN">
-                      <a:noFill/>
-                    </a:rPr>
-                    <a:t> </a:t>
-                  </a:r>
-                </a:p>
-              </p:txBody>
-            </p:sp>
-          </mc:Fallback>
-        </mc:AlternateContent>
-        <p:sp>
-          <p:nvSpPr>
-            <p:cNvPr id="228" name="Rounded Rectangle 227">
-              <a:extLst>
-                <a:ext uri="{FF2B5EF4-FFF2-40B4-BE49-F238E27FC236}">
-                  <a16:creationId xmlns:a16="http://schemas.microsoft.com/office/drawing/2014/main" id="{E2655F25-322E-D748-84F5-5E3002687C42}"/>
-                </a:ext>
-              </a:extLst>
-            </p:cNvPr>
-            <p:cNvSpPr/>
-            <p:nvPr/>
-          </p:nvSpPr>
-          <p:spPr>
-            <a:xfrm>
-              <a:off x="10252209" y="4002035"/>
-              <a:ext cx="1461950" cy="551456"/>
-            </a:xfrm>
-            <a:prstGeom prst="roundRect">
-              <a:avLst>
-                <a:gd name="adj" fmla="val 7245"/>
-              </a:avLst>
-            </a:prstGeom>
-            <a:solidFill>
-              <a:schemeClr val="bg2">
-                <a:lumMod val="90000"/>
-                <a:alpha val="95000"/>
-              </a:schemeClr>
-            </a:solidFill>
-            <a:ln w="19050" cap="flat" cmpd="sng" algn="ctr">
-              <a:solidFill>
-                <a:schemeClr val="tx1">
-                  <a:lumMod val="95000"/>
-                  <a:lumOff val="5000"/>
-                </a:schemeClr>
-              </a:solidFill>
-              <a:prstDash val="sysDash"/>
-              <a:miter lim="800000"/>
-            </a:ln>
-            <a:effectLst/>
-          </p:spPr>
-          <p:txBody>
-            <a:bodyPr rtlCol="0" anchor="ctr"/>
-            <a:lstStyle/>
-            <a:p>
-              <a:pPr algn="ctr">
-                <a:defRPr/>
-              </a:pPr>
-              <a:endParaRPr kumimoji="0" lang="en-CN" sz="1400" b="1" i="0" u="none" strike="noStrike" kern="0" cap="none" spc="0" normalizeH="0" baseline="0" noProof="0" dirty="0">
-                <a:ln>
-                  <a:noFill/>
-                </a:ln>
-                <a:solidFill>
-                  <a:prstClr val="black"/>
-                </a:solidFill>
-                <a:effectLst/>
-                <a:uLnTx/>
-                <a:uFillTx/>
-                <a:latin typeface="KaiTi" panose="02010609060101010101" pitchFamily="49" charset="-122"/>
-                <a:ea typeface="KaiTi" panose="02010609060101010101" pitchFamily="49" charset="-122"/>
-                <a:cs typeface="+mn-cs"/>
-              </a:endParaRPr>
-            </a:p>
-          </p:txBody>
-        </p:sp>
-        <p:sp>
-          <p:nvSpPr>
-            <p:cNvPr id="227" name="TextBox 226">
-              <a:extLst>
-                <a:ext uri="{FF2B5EF4-FFF2-40B4-BE49-F238E27FC236}">
-                  <a16:creationId xmlns:a16="http://schemas.microsoft.com/office/drawing/2014/main" id="{77E8BE54-DCFD-554F-901F-7448194C5F93}"/>
-                </a:ext>
-              </a:extLst>
-            </p:cNvPr>
-            <p:cNvSpPr txBox="1"/>
-            <p:nvPr/>
-          </p:nvSpPr>
-          <p:spPr>
-            <a:xfrm>
-              <a:off x="10787304" y="4125757"/>
-              <a:ext cx="926855" cy="307777"/>
-            </a:xfrm>
-            <a:prstGeom prst="rect">
-              <a:avLst/>
-            </a:prstGeom>
-            <a:noFill/>
-          </p:spPr>
-          <p:txBody>
-            <a:bodyPr wrap="square">
-              <a:spAutoFit/>
-            </a:bodyPr>
-            <a:lstStyle/>
-            <a:p>
-              <a:pPr marL="0" marR="0" lvl="0" indent="0" defTabSz="914400" rtl="0" eaLnBrk="1" fontAlgn="auto" latinLnBrk="0" hangingPunct="1">
-                <a:lnSpc>
-                  <a:spcPct val="100000"/>
-                </a:lnSpc>
-                <a:spcBef>
-                  <a:spcPts val="0"/>
-                </a:spcBef>
-                <a:spcAft>
-                  <a:spcPts val="0"/>
-                </a:spcAft>
-                <a:buClrTx/>
-                <a:buSzTx/>
-                <a:buFontTx/>
-                <a:buNone/>
-                <a:tabLst/>
-                <a:defRPr/>
-              </a:pPr>
-              <a:r>
-                <a:rPr lang="en-CN" sz="1400" b="1" kern="0" dirty="0">
-                  <a:solidFill>
-                    <a:prstClr val="black"/>
-                  </a:solidFill>
-                  <a:latin typeface="KaiTi" panose="02010609060101010101" pitchFamily="49" charset="-122"/>
-                  <a:ea typeface="KaiTi" panose="02010609060101010101" pitchFamily="49" charset="-122"/>
-                </a:rPr>
-                <a:t>点乘</a:t>
-              </a:r>
-              <a:r>
-                <a:rPr kumimoji="0" lang="en-CN" sz="1400" b="1" i="0" u="none" strike="noStrike" kern="0" cap="none" spc="0" normalizeH="0" baseline="0" noProof="0" dirty="0">
-                  <a:ln>
-                    <a:noFill/>
-                  </a:ln>
-                  <a:solidFill>
-                    <a:prstClr val="black"/>
-                  </a:solidFill>
-                  <a:effectLst/>
-                  <a:uLnTx/>
-                  <a:uFillTx/>
-                  <a:latin typeface="KaiTi" panose="02010609060101010101" pitchFamily="49" charset="-122"/>
-                  <a:ea typeface="KaiTi" panose="02010609060101010101" pitchFamily="49" charset="-122"/>
-                  <a:cs typeface="+mn-cs"/>
-                </a:rPr>
-                <a:t>运算</a:t>
-              </a:r>
-            </a:p>
-          </p:txBody>
-        </p:sp>
-        <p:sp>
-          <p:nvSpPr>
-            <p:cNvPr id="230" name="Oval 229">
-              <a:extLst>
-                <a:ext uri="{FF2B5EF4-FFF2-40B4-BE49-F238E27FC236}">
-                  <a16:creationId xmlns:a16="http://schemas.microsoft.com/office/drawing/2014/main" id="{3E843556-5109-B642-8735-FE5BF5DB8ED4}"/>
-                </a:ext>
-              </a:extLst>
-            </p:cNvPr>
-            <p:cNvSpPr/>
-            <p:nvPr/>
-          </p:nvSpPr>
-          <p:spPr>
-            <a:xfrm>
-              <a:off x="10396914" y="4112695"/>
-              <a:ext cx="320839" cy="320839"/>
-            </a:xfrm>
-            <a:prstGeom prst="ellipse">
-              <a:avLst/>
-            </a:prstGeom>
-            <a:solidFill>
-              <a:schemeClr val="accent4">
-                <a:lumMod val="60000"/>
-                <a:lumOff val="40000"/>
-              </a:schemeClr>
-            </a:solidFill>
-            <a:ln w="19050" cap="flat" cmpd="sng" algn="ctr">
-              <a:solidFill>
-                <a:schemeClr val="accent4">
-                  <a:lumMod val="50000"/>
-                </a:schemeClr>
-              </a:solidFill>
-              <a:prstDash val="solid"/>
-              <a:miter lim="800000"/>
-            </a:ln>
-            <a:effectLst/>
-          </p:spPr>
-          <p:txBody>
-            <a:bodyPr rtlCol="0" anchor="ctr"/>
-            <a:lstStyle/>
-            <a:p>
-              <a:pPr marL="0" marR="0" lvl="0" indent="0" algn="ctr" defTabSz="914400" eaLnBrk="1" fontAlgn="auto" latinLnBrk="0" hangingPunct="1">
-                <a:lnSpc>
-                  <a:spcPct val="100000"/>
-                </a:lnSpc>
-                <a:spcBef>
-                  <a:spcPts val="0"/>
-                </a:spcBef>
-                <a:spcAft>
-                  <a:spcPts val="0"/>
-                </a:spcAft>
-                <a:buClrTx/>
-                <a:buSzTx/>
-                <a:buFontTx/>
-                <a:buNone/>
-                <a:tabLst/>
-                <a:defRPr/>
-              </a:pPr>
-              <a:endParaRPr kumimoji="0" lang="en-CN" sz="1400" b="0" i="0" u="none" strike="noStrike" kern="0" cap="none" spc="0" normalizeH="0" baseline="0" noProof="0" dirty="0">
-                <a:ln>
-                  <a:noFill/>
-                </a:ln>
-                <a:solidFill>
-                  <a:prstClr val="black"/>
-                </a:solidFill>
-                <a:effectLst/>
-                <a:uLnTx/>
-                <a:uFillTx/>
-                <a:latin typeface="KaiTi" panose="02010609060101010101" pitchFamily="49" charset="-122"/>
-                <a:ea typeface="KaiTi" panose="02010609060101010101" pitchFamily="49" charset="-122"/>
+              </a:rPr>
+              <a:t>R</a:t>
+            </a:r>
+            <a:r>
+              <a:rPr lang="en-CN" dirty="0">
+                <a:latin typeface="Times New Roman" panose="02020603050405020304" pitchFamily="18" charset="0"/>
                 <a:cs typeface="Times New Roman" panose="02020603050405020304" pitchFamily="18" charset="0"/>
-              </a:endParaRPr>
-            </a:p>
-          </p:txBody>
-        </p:sp>
-        <p:cxnSp>
-          <p:nvCxnSpPr>
-            <p:cNvPr id="231" name="Straight Arrow Connector 230">
-              <a:extLst>
-                <a:ext uri="{FF2B5EF4-FFF2-40B4-BE49-F238E27FC236}">
-                  <a16:creationId xmlns:a16="http://schemas.microsoft.com/office/drawing/2014/main" id="{6EC7A2BD-4CB9-2448-84DB-A5353B1327D8}"/>
-                </a:ext>
-              </a:extLst>
-            </p:cNvPr>
-            <p:cNvCxnSpPr>
-              <a:cxnSpLocks/>
-              <a:stCxn id="230" idx="5"/>
-              <a:endCxn id="230" idx="1"/>
-            </p:cNvCxnSpPr>
-            <p:nvPr/>
-          </p:nvCxnSpPr>
-          <p:spPr>
-            <a:xfrm flipH="1" flipV="1">
-              <a:off x="10443900" y="4159681"/>
-              <a:ext cx="226867" cy="226867"/>
-            </a:xfrm>
-            <a:prstGeom prst="straightConnector1">
-              <a:avLst/>
-            </a:prstGeom>
-            <a:noFill/>
-            <a:ln w="19050" cap="flat" cmpd="sng" algn="ctr">
-              <a:solidFill>
-                <a:schemeClr val="accent4">
-                  <a:lumMod val="50000"/>
-                </a:schemeClr>
-              </a:solidFill>
-              <a:prstDash val="solid"/>
-              <a:miter lim="800000"/>
-              <a:tailEnd type="none"/>
-            </a:ln>
-            <a:effectLst/>
-          </p:spPr>
-        </p:cxnSp>
-        <p:cxnSp>
-          <p:nvCxnSpPr>
-            <p:cNvPr id="232" name="Straight Arrow Connector 231">
-              <a:extLst>
-                <a:ext uri="{FF2B5EF4-FFF2-40B4-BE49-F238E27FC236}">
-                  <a16:creationId xmlns:a16="http://schemas.microsoft.com/office/drawing/2014/main" id="{86014E35-20D6-7648-8B65-0E1FBD5F23BA}"/>
-                </a:ext>
-              </a:extLst>
-            </p:cNvPr>
-            <p:cNvCxnSpPr>
-              <a:cxnSpLocks/>
-              <a:stCxn id="230" idx="3"/>
-              <a:endCxn id="230" idx="7"/>
-            </p:cNvCxnSpPr>
-            <p:nvPr/>
-          </p:nvCxnSpPr>
-          <p:spPr>
-            <a:xfrm flipV="1">
-              <a:off x="10443900" y="4159681"/>
-              <a:ext cx="226867" cy="226867"/>
-            </a:xfrm>
-            <a:prstGeom prst="straightConnector1">
-              <a:avLst/>
-            </a:prstGeom>
-            <a:noFill/>
-            <a:ln w="19050" cap="flat" cmpd="sng" algn="ctr">
-              <a:solidFill>
-                <a:schemeClr val="accent4">
-                  <a:lumMod val="50000"/>
-                </a:schemeClr>
-              </a:solidFill>
-              <a:prstDash val="solid"/>
-              <a:miter lim="800000"/>
-              <a:tailEnd type="none"/>
-            </a:ln>
-            <a:effectLst/>
-          </p:spPr>
-        </p:cxnSp>
-      </p:grpSp>
+              </a:rPr>
+              <a:t>aw elect distribution (kW*15min)</a:t>
+            </a:r>
+          </a:p>
+        </p:txBody>
+      </p:sp>
+      <p:sp>
+        <p:nvSpPr>
+          <p:cNvPr id="12" name="TextBox 11">
+            <a:extLst>
+              <a:ext uri="{FF2B5EF4-FFF2-40B4-BE49-F238E27FC236}">
+                <a16:creationId xmlns:a16="http://schemas.microsoft.com/office/drawing/2014/main" id="{E0B69AAD-5BBA-A846-893C-0CDDA94CF936}"/>
+              </a:ext>
+            </a:extLst>
+          </p:cNvPr>
+          <p:cNvSpPr txBox="1"/>
+          <p:nvPr/>
+        </p:nvSpPr>
+        <p:spPr>
+          <a:xfrm>
+            <a:off x="4110746" y="4791602"/>
+            <a:ext cx="3994748" cy="369332"/>
+          </a:xfrm>
+          <a:prstGeom prst="rect">
+            <a:avLst/>
+          </a:prstGeom>
+          <a:noFill/>
+        </p:spPr>
+        <p:txBody>
+          <a:bodyPr wrap="square">
+            <a:spAutoFit/>
+          </a:bodyPr>
+          <a:lstStyle/>
+          <a:p>
+            <a:pPr algn="ctr"/>
+            <a:r>
+              <a:rPr lang="en-US" dirty="0">
+                <a:latin typeface="Times New Roman" panose="02020603050405020304" pitchFamily="18" charset="0"/>
+                <a:ea typeface="Tahoma" panose="020B0604030504040204" pitchFamily="34" charset="0"/>
+                <a:cs typeface="Times New Roman" panose="02020603050405020304" pitchFamily="18" charset="0"/>
+              </a:rPr>
+              <a:t>R</a:t>
+            </a:r>
+            <a:r>
+              <a:rPr lang="en-CN" dirty="0">
+                <a:latin typeface="Times New Roman" panose="02020603050405020304" pitchFamily="18" charset="0"/>
+                <a:ea typeface="Tahoma" panose="020B0604030504040204" pitchFamily="34" charset="0"/>
+                <a:cs typeface="Times New Roman" panose="02020603050405020304" pitchFamily="18" charset="0"/>
+              </a:rPr>
+              <a:t>aw elect distribution (kW*h)</a:t>
+            </a:r>
+          </a:p>
+        </p:txBody>
+      </p:sp>
+      <p:sp>
+        <p:nvSpPr>
+          <p:cNvPr id="14" name="TextBox 13">
+            <a:extLst>
+              <a:ext uri="{FF2B5EF4-FFF2-40B4-BE49-F238E27FC236}">
+                <a16:creationId xmlns:a16="http://schemas.microsoft.com/office/drawing/2014/main" id="{B9010757-1A61-E247-B2C4-CD0518F0D10F}"/>
+              </a:ext>
+            </a:extLst>
+          </p:cNvPr>
+          <p:cNvSpPr txBox="1"/>
+          <p:nvPr/>
+        </p:nvSpPr>
+        <p:spPr>
+          <a:xfrm>
+            <a:off x="8105494" y="4791602"/>
+            <a:ext cx="3771242" cy="369332"/>
+          </a:xfrm>
+          <a:prstGeom prst="rect">
+            <a:avLst/>
+          </a:prstGeom>
+          <a:noFill/>
+        </p:spPr>
+        <p:txBody>
+          <a:bodyPr wrap="square">
+            <a:spAutoFit/>
+          </a:bodyPr>
+          <a:lstStyle/>
+          <a:p>
+            <a:pPr algn="ctr"/>
+            <a:r>
+              <a:rPr lang="en-US" dirty="0">
+                <a:latin typeface="Times New Roman" panose="02020603050405020304" pitchFamily="18" charset="0"/>
+                <a:ea typeface="Tahoma" panose="020B0604030504040204" pitchFamily="34" charset="0"/>
+                <a:cs typeface="Times New Roman" panose="02020603050405020304" pitchFamily="18" charset="0"/>
+              </a:rPr>
+              <a:t>A</a:t>
+            </a:r>
+            <a:r>
+              <a:rPr lang="en-CN" dirty="0">
+                <a:latin typeface="Times New Roman" panose="02020603050405020304" pitchFamily="18" charset="0"/>
+                <a:ea typeface="Tahoma" panose="020B0604030504040204" pitchFamily="34" charset="0"/>
+                <a:cs typeface="Times New Roman" panose="02020603050405020304" pitchFamily="18" charset="0"/>
+              </a:rPr>
+              <a:t>dj elect distribution</a:t>
+            </a:r>
+          </a:p>
+        </p:txBody>
+      </p:sp>
+      <p:pic>
+        <p:nvPicPr>
+          <p:cNvPr id="5" name="Picture 4">
+            <a:extLst>
+              <a:ext uri="{FF2B5EF4-FFF2-40B4-BE49-F238E27FC236}">
+                <a16:creationId xmlns:a16="http://schemas.microsoft.com/office/drawing/2014/main" id="{00FC05BF-E3D7-BC4C-B60C-C40CBF86195D}"/>
+              </a:ext>
+            </a:extLst>
+          </p:cNvPr>
+          <p:cNvPicPr>
+            <a:picLocks noChangeAspect="1"/>
+          </p:cNvPicPr>
+          <p:nvPr/>
+        </p:nvPicPr>
+        <p:blipFill>
+          <a:blip r:embed="rId4"/>
+          <a:stretch>
+            <a:fillRect/>
+          </a:stretch>
+        </p:blipFill>
+        <p:spPr>
+          <a:xfrm>
+            <a:off x="8105494" y="2066398"/>
+            <a:ext cx="3771242" cy="2725204"/>
+          </a:xfrm>
+          <a:prstGeom prst="rect">
+            <a:avLst/>
+          </a:prstGeom>
+        </p:spPr>
+      </p:pic>
     </p:spTree>
     <p:extLst>
       <p:ext uri="{BB962C8B-B14F-4D97-AF65-F5344CB8AC3E}">
-        <p14:creationId xmlns:p14="http://schemas.microsoft.com/office/powerpoint/2010/main" val="705094231"/>
+        <p14:creationId xmlns:p14="http://schemas.microsoft.com/office/powerpoint/2010/main" val="3201676624"/>
       </p:ext>
     </p:extLst>
   </p:cSld>

--- a/images/MgRL_CE_Images.pptx
+++ b/images/MgRL_CE_Images.pptx
@@ -263,7 +263,7 @@
           <a:p>
             <a:fld id="{33CED4F4-8C16-E840-8EAB-9D4457026F8E}" type="datetimeFigureOut">
               <a:rPr lang="en-CN" smtClean="0"/>
-              <a:t>2024/4/9</a:t>
+              <a:t>2024/4/10</a:t>
             </a:fld>
             <a:endParaRPr lang="en-CN"/>
           </a:p>
@@ -463,7 +463,7 @@
           <a:p>
             <a:fld id="{33CED4F4-8C16-E840-8EAB-9D4457026F8E}" type="datetimeFigureOut">
               <a:rPr lang="en-CN" smtClean="0"/>
-              <a:t>2024/4/9</a:t>
+              <a:t>2024/4/10</a:t>
             </a:fld>
             <a:endParaRPr lang="en-CN"/>
           </a:p>
@@ -673,7 +673,7 @@
           <a:p>
             <a:fld id="{33CED4F4-8C16-E840-8EAB-9D4457026F8E}" type="datetimeFigureOut">
               <a:rPr lang="en-CN" smtClean="0"/>
-              <a:t>2024/4/9</a:t>
+              <a:t>2024/4/10</a:t>
             </a:fld>
             <a:endParaRPr lang="en-CN"/>
           </a:p>
@@ -873,7 +873,7 @@
           <a:p>
             <a:fld id="{33CED4F4-8C16-E840-8EAB-9D4457026F8E}" type="datetimeFigureOut">
               <a:rPr lang="en-CN" smtClean="0"/>
-              <a:t>2024/4/9</a:t>
+              <a:t>2024/4/10</a:t>
             </a:fld>
             <a:endParaRPr lang="en-CN"/>
           </a:p>
@@ -1149,7 +1149,7 @@
           <a:p>
             <a:fld id="{33CED4F4-8C16-E840-8EAB-9D4457026F8E}" type="datetimeFigureOut">
               <a:rPr lang="en-CN" smtClean="0"/>
-              <a:t>2024/4/9</a:t>
+              <a:t>2024/4/10</a:t>
             </a:fld>
             <a:endParaRPr lang="en-CN"/>
           </a:p>
@@ -1417,7 +1417,7 @@
           <a:p>
             <a:fld id="{33CED4F4-8C16-E840-8EAB-9D4457026F8E}" type="datetimeFigureOut">
               <a:rPr lang="en-CN" smtClean="0"/>
-              <a:t>2024/4/9</a:t>
+              <a:t>2024/4/10</a:t>
             </a:fld>
             <a:endParaRPr lang="en-CN"/>
           </a:p>
@@ -1832,7 +1832,7 @@
           <a:p>
             <a:fld id="{33CED4F4-8C16-E840-8EAB-9D4457026F8E}" type="datetimeFigureOut">
               <a:rPr lang="en-CN" smtClean="0"/>
-              <a:t>2024/4/9</a:t>
+              <a:t>2024/4/10</a:t>
             </a:fld>
             <a:endParaRPr lang="en-CN"/>
           </a:p>
@@ -1974,7 +1974,7 @@
           <a:p>
             <a:fld id="{33CED4F4-8C16-E840-8EAB-9D4457026F8E}" type="datetimeFigureOut">
               <a:rPr lang="en-CN" smtClean="0"/>
-              <a:t>2024/4/9</a:t>
+              <a:t>2024/4/10</a:t>
             </a:fld>
             <a:endParaRPr lang="en-CN"/>
           </a:p>
@@ -2087,7 +2087,7 @@
           <a:p>
             <a:fld id="{33CED4F4-8C16-E840-8EAB-9D4457026F8E}" type="datetimeFigureOut">
               <a:rPr lang="en-CN" smtClean="0"/>
-              <a:t>2024/4/9</a:t>
+              <a:t>2024/4/10</a:t>
             </a:fld>
             <a:endParaRPr lang="en-CN"/>
           </a:p>
@@ -2400,7 +2400,7 @@
           <a:p>
             <a:fld id="{33CED4F4-8C16-E840-8EAB-9D4457026F8E}" type="datetimeFigureOut">
               <a:rPr lang="en-CN" smtClean="0"/>
-              <a:t>2024/4/9</a:t>
+              <a:t>2024/4/10</a:t>
             </a:fld>
             <a:endParaRPr lang="en-CN"/>
           </a:p>
@@ -2689,7 +2689,7 @@
           <a:p>
             <a:fld id="{33CED4F4-8C16-E840-8EAB-9D4457026F8E}" type="datetimeFigureOut">
               <a:rPr lang="en-CN" smtClean="0"/>
-              <a:t>2024/4/9</a:t>
+              <a:t>2024/4/10</a:t>
             </a:fld>
             <a:endParaRPr lang="en-CN"/>
           </a:p>
@@ -2932,7 +2932,7 @@
           <a:p>
             <a:fld id="{33CED4F4-8C16-E840-8EAB-9D4457026F8E}" type="datetimeFigureOut">
               <a:rPr lang="en-CN" smtClean="0"/>
-              <a:t>2024/4/9</a:t>
+              <a:t>2024/4/10</a:t>
             </a:fld>
             <a:endParaRPr lang="en-CN"/>
           </a:p>
@@ -6881,8 +6881,8 @@
             </a:p>
           </p:txBody>
         </p:sp>
-        <mc:AlternateContent xmlns:mc="http://schemas.openxmlformats.org/markup-compatibility/2006" xmlns:a14="http://schemas.microsoft.com/office/drawing/2010/main">
-          <mc:Choice Requires="a14">
+        <mc:AlternateContent xmlns:mc="http://schemas.openxmlformats.org/markup-compatibility/2006">
+          <mc:Choice xmlns:a14="http://schemas.microsoft.com/office/drawing/2010/main" Requires="a14">
             <p:sp>
               <p:nvSpPr>
                 <p:cNvPr id="193" name="TextBox 192">
@@ -6936,13 +6936,10 @@
                           </m:e>
                           <m:sup>
                             <m:r>
-                              <m:rPr>
-                                <m:sty m:val="p"/>
-                              </m:rPr>
-                              <a:rPr lang="en-US" sz="1400" b="0" i="0">
+                              <a:rPr lang="en-US" sz="1400" b="0" i="1">
                                 <a:latin typeface="Cambria Math" panose="02040503050406030204" pitchFamily="18" charset="0"/>
                               </a:rPr>
-                              <m:t>G</m:t>
+                              <m:t>𝐺</m:t>
                             </m:r>
                           </m:sup>
                         </m:sSup>
@@ -7005,14 +7002,11 @@
                               </m:e>
                               <m:sup>
                                 <m:r>
-                                  <m:rPr>
-                                    <m:sty m:val="p"/>
-                                  </m:rPr>
-                                  <a:rPr lang="en-US" sz="1400" b="0" i="0" smtClean="0">
+                                  <a:rPr lang="en-US" sz="1400" b="0" i="1" smtClean="0">
                                     <a:latin typeface="Cambria Math" panose="02040503050406030204" pitchFamily="18" charset="0"/>
                                     <a:ea typeface="Cambria Math" panose="02040503050406030204" pitchFamily="18" charset="0"/>
                                   </a:rPr>
-                                  <m:t>G</m:t>
+                                  <m:t>𝐺</m:t>
                                 </m:r>
                               </m:sup>
                             </m:sSup>
@@ -7040,7 +7034,7 @@
               </p:txBody>
             </p:sp>
           </mc:Choice>
-          <mc:Fallback xmlns="">
+          <mc:Fallback>
             <p:sp>
               <p:nvSpPr>
                 <p:cNvPr id="193" name="TextBox 192">
@@ -7066,7 +7060,7 @@
                 <a:blipFill>
                   <a:blip r:embed="rId13"/>
                   <a:stretch>
-                    <a:fillRect l="-3261" b="-4762"/>
+                    <a:fillRect l="-3261" r="-1087" b="-4762"/>
                   </a:stretch>
                 </a:blipFill>
               </p:spPr>
@@ -7270,8 +7264,8 @@
             <a:effectLst/>
           </p:spPr>
         </p:cxnSp>
-        <mc:AlternateContent xmlns:mc="http://schemas.openxmlformats.org/markup-compatibility/2006" xmlns:a14="http://schemas.microsoft.com/office/drawing/2010/main">
-          <mc:Choice Requires="a14">
+        <mc:AlternateContent xmlns:mc="http://schemas.openxmlformats.org/markup-compatibility/2006">
+          <mc:Choice xmlns:a14="http://schemas.microsoft.com/office/drawing/2010/main" Requires="a14">
             <p:sp>
               <p:nvSpPr>
                 <p:cNvPr id="240" name="TextBox 239">
@@ -7325,19 +7319,22 @@
                           </m:e>
                           <m:sup>
                             <m:r>
-                              <m:rPr>
-                                <m:sty m:val="p"/>
-                              </m:rPr>
-                              <a:rPr lang="en-US" altLang="zh-CN" sz="1400" b="0" i="0" smtClean="0">
+                              <a:rPr lang="en-US" altLang="zh-CN" sz="1400" b="0" i="1" smtClean="0">
                                 <a:latin typeface="Cambria Math" panose="02040503050406030204" pitchFamily="18" charset="0"/>
                               </a:rPr>
-                              <m:t>G</m:t>
+                              <m:t>𝐺</m:t>
                             </m:r>
                             <m:r>
                               <a:rPr lang="en-US" altLang="zh-CN" sz="1400" b="0" i="0" smtClean="0">
                                 <a:latin typeface="Cambria Math" panose="02040503050406030204" pitchFamily="18" charset="0"/>
                               </a:rPr>
-                              <m:t>−1</m:t>
+                              <m:t>−</m:t>
+                            </m:r>
+                            <m:r>
+                              <a:rPr lang="en-US" altLang="zh-CN" sz="1400" b="0" i="1" smtClean="0">
+                                <a:latin typeface="Cambria Math" panose="02040503050406030204" pitchFamily="18" charset="0"/>
+                              </a:rPr>
+                              <m:t>1</m:t>
                             </m:r>
                           </m:sup>
                         </m:sSup>
@@ -7349,7 +7346,7 @@
               </p:txBody>
             </p:sp>
           </mc:Choice>
-          <mc:Fallback xmlns="">
+          <mc:Fallback>
             <p:sp>
               <p:nvSpPr>
                 <p:cNvPr id="240" name="TextBox 239">
@@ -7375,7 +7372,7 @@
                 <a:blipFill>
                   <a:blip r:embed="rId14"/>
                   <a:stretch>
-                    <a:fillRect l="-8824" r="-2941" b="-5556"/>
+                    <a:fillRect l="-8571" r="-2857"/>
                   </a:stretch>
                 </a:blipFill>
               </p:spPr>
@@ -7778,8 +7775,8 @@
             </p:sp>
           </mc:Fallback>
         </mc:AlternateContent>
-        <mc:AlternateContent xmlns:mc="http://schemas.openxmlformats.org/markup-compatibility/2006" xmlns:a14="http://schemas.microsoft.com/office/drawing/2010/main">
-          <mc:Choice Requires="a14">
+        <mc:AlternateContent xmlns:mc="http://schemas.openxmlformats.org/markup-compatibility/2006">
+          <mc:Choice xmlns:a14="http://schemas.microsoft.com/office/drawing/2010/main" Requires="a14">
             <p:sp>
               <p:nvSpPr>
                 <p:cNvPr id="261" name="TextBox 260">
@@ -7833,13 +7830,10 @@
                           </m:e>
                           <m:sup>
                             <m:r>
-                              <m:rPr>
-                                <m:sty m:val="p"/>
-                              </m:rPr>
                               <a:rPr lang="en-US" sz="1400" i="1">
                                 <a:latin typeface="Cambria Math" panose="02040503050406030204" pitchFamily="18" charset="0"/>
                               </a:rPr>
-                              <m:t>G</m:t>
+                              <m:t>𝐺</m:t>
                             </m:r>
                           </m:sup>
                         </m:sSup>
@@ -7851,7 +7845,7 @@
               </p:txBody>
             </p:sp>
           </mc:Choice>
-          <mc:Fallback xmlns="">
+          <mc:Fallback>
             <p:sp>
               <p:nvSpPr>
                 <p:cNvPr id="261" name="TextBox 260">
@@ -7877,7 +7871,7 @@
                 <a:blipFill>
                   <a:blip r:embed="rId16"/>
                   <a:stretch>
-                    <a:fillRect l="-14286" r="-4762" b="-11111"/>
+                    <a:fillRect l="-14286" b="-5556"/>
                   </a:stretch>
                 </a:blipFill>
               </p:spPr>
@@ -8812,8 +8806,8 @@
             <a:effectLst/>
           </p:spPr>
         </p:cxnSp>
-        <mc:AlternateContent xmlns:mc="http://schemas.openxmlformats.org/markup-compatibility/2006" xmlns:a14="http://schemas.microsoft.com/office/drawing/2010/main">
-          <mc:Choice Requires="a14">
+        <mc:AlternateContent xmlns:mc="http://schemas.openxmlformats.org/markup-compatibility/2006">
+          <mc:Choice xmlns:a14="http://schemas.microsoft.com/office/drawing/2010/main" Requires="a14">
             <p:sp>
               <p:nvSpPr>
                 <p:cNvPr id="363" name="Rounded Rectangle 362">
@@ -8924,6 +8918,16 @@
                               <a:latin typeface="Cambria Math" panose="02040503050406030204" pitchFamily="18" charset="0"/>
                               <a:ea typeface="Cambria Math" panose="02040503050406030204" pitchFamily="18" charset="0"/>
                             </a:rPr>
+                            <m:t>T</m:t>
+                          </m:r>
+                          <m:r>
+                            <m:rPr>
+                              <m:sty m:val="p"/>
+                            </m:rPr>
+                            <a:rPr lang="en-US" sz="1400" b="0" i="0" smtClean="0">
+                              <a:latin typeface="Cambria Math" panose="02040503050406030204" pitchFamily="18" charset="0"/>
+                              <a:ea typeface="Cambria Math" panose="02040503050406030204" pitchFamily="18" charset="0"/>
+                            </a:rPr>
                             <m:t>Enc</m:t>
                           </m:r>
                         </m:sub>
@@ -8957,7 +8961,7 @@
               </p:txBody>
             </p:sp>
           </mc:Choice>
-          <mc:Fallback xmlns="">
+          <mc:Fallback>
             <p:sp>
               <p:nvSpPr>
                 <p:cNvPr id="363" name="Rounded Rectangle 362">
@@ -11113,8 +11117,8 @@
           <a:effectLst/>
         </p:spPr>
       </p:cxnSp>
-      <mc:AlternateContent xmlns:mc="http://schemas.openxmlformats.org/markup-compatibility/2006">
-        <mc:Choice xmlns:a14="http://schemas.microsoft.com/office/drawing/2010/main" Requires="a14">
+      <mc:AlternateContent xmlns:mc="http://schemas.openxmlformats.org/markup-compatibility/2006" xmlns:a14="http://schemas.microsoft.com/office/drawing/2010/main">
+        <mc:Choice Requires="a14">
           <p:sp>
             <p:nvSpPr>
               <p:cNvPr id="9" name="TextBox 8">
@@ -11219,7 +11223,7 @@
             </p:txBody>
           </p:sp>
         </mc:Choice>
-        <mc:Fallback>
+        <mc:Fallback xmlns="">
           <p:sp>
             <p:nvSpPr>
               <p:cNvPr id="9" name="TextBox 8">
@@ -11299,8 +11303,8 @@
           <a:effectLst/>
         </p:spPr>
       </p:cxnSp>
-      <mc:AlternateContent xmlns:mc="http://schemas.openxmlformats.org/markup-compatibility/2006">
-        <mc:Choice xmlns:a14="http://schemas.microsoft.com/office/drawing/2010/main" Requires="a14">
+      <mc:AlternateContent xmlns:mc="http://schemas.openxmlformats.org/markup-compatibility/2006" xmlns:a14="http://schemas.microsoft.com/office/drawing/2010/main">
+        <mc:Choice Requires="a14">
           <p:sp>
             <p:nvSpPr>
               <p:cNvPr id="14" name="TextBox 13">
@@ -11369,7 +11373,7 @@
             </p:txBody>
           </p:sp>
         </mc:Choice>
-        <mc:Fallback>
+        <mc:Fallback xmlns="">
           <p:sp>
             <p:nvSpPr>
               <p:cNvPr id="14" name="TextBox 13">
@@ -11483,8 +11487,8 @@
           </a:p>
         </p:txBody>
       </p:sp>
-      <mc:AlternateContent xmlns:mc="http://schemas.openxmlformats.org/markup-compatibility/2006">
-        <mc:Choice xmlns:a14="http://schemas.microsoft.com/office/drawing/2010/main" Requires="a14">
+      <mc:AlternateContent xmlns:mc="http://schemas.openxmlformats.org/markup-compatibility/2006" xmlns:a14="http://schemas.microsoft.com/office/drawing/2010/main">
+        <mc:Choice Requires="a14">
           <p:sp>
             <p:nvSpPr>
               <p:cNvPr id="12" name="TextBox 11">
@@ -11553,7 +11557,7 @@
             </p:txBody>
           </p:sp>
         </mc:Choice>
-        <mc:Fallback>
+        <mc:Fallback xmlns="">
           <p:sp>
             <p:nvSpPr>
               <p:cNvPr id="12" name="TextBox 11">
@@ -11710,6 +11714,16 @@
                             <a:latin typeface="Cambria Math" panose="02040503050406030204" pitchFamily="18" charset="0"/>
                             <a:ea typeface="Cambria Math" panose="02040503050406030204" pitchFamily="18" charset="0"/>
                           </a:rPr>
+                          <m:t>T</m:t>
+                        </m:r>
+                        <m:r>
+                          <m:rPr>
+                            <m:sty m:val="p"/>
+                          </m:rPr>
+                          <a:rPr lang="en-US" sz="1400" b="0" i="0" smtClean="0">
+                            <a:latin typeface="Cambria Math" panose="02040503050406030204" pitchFamily="18" charset="0"/>
+                            <a:ea typeface="Cambria Math" panose="02040503050406030204" pitchFamily="18" charset="0"/>
+                          </a:rPr>
                           <m:t>Enc</m:t>
                         </m:r>
                       </m:sub>
@@ -11804,8 +11818,8 @@
           </p:sp>
         </mc:Fallback>
       </mc:AlternateContent>
-      <mc:AlternateContent xmlns:mc="http://schemas.openxmlformats.org/markup-compatibility/2006">
-        <mc:Choice xmlns:a14="http://schemas.microsoft.com/office/drawing/2010/main" Requires="a14">
+      <mc:AlternateContent xmlns:mc="http://schemas.openxmlformats.org/markup-compatibility/2006" xmlns:a14="http://schemas.microsoft.com/office/drawing/2010/main">
+        <mc:Choice Requires="a14">
           <p:sp>
             <p:nvSpPr>
               <p:cNvPr id="4" name="Rounded Rectangle 3">
@@ -11942,7 +11956,7 @@
             </p:txBody>
           </p:sp>
         </mc:Choice>
-        <mc:Fallback>
+        <mc:Fallback xmlns="">
           <p:sp>
             <p:nvSpPr>
               <p:cNvPr id="4" name="Rounded Rectangle 3">
@@ -12003,8 +12017,8 @@
           </p:sp>
         </mc:Fallback>
       </mc:AlternateContent>
-      <mc:AlternateContent xmlns:mc="http://schemas.openxmlformats.org/markup-compatibility/2006">
-        <mc:Choice xmlns:a14="http://schemas.microsoft.com/office/drawing/2010/main" Requires="a14">
+      <mc:AlternateContent xmlns:mc="http://schemas.openxmlformats.org/markup-compatibility/2006" xmlns:a14="http://schemas.microsoft.com/office/drawing/2010/main">
+        <mc:Choice Requires="a14">
           <p:sp>
             <p:nvSpPr>
               <p:cNvPr id="5" name="Rounded Rectangle 4">
@@ -12141,7 +12155,7 @@
             </p:txBody>
           </p:sp>
         </mc:Choice>
-        <mc:Fallback>
+        <mc:Fallback xmlns="">
           <p:sp>
             <p:nvSpPr>
               <p:cNvPr id="5" name="Rounded Rectangle 4">
@@ -12277,8 +12291,8 @@
           <a:effectLst/>
         </p:spPr>
       </p:cxnSp>
-      <mc:AlternateContent xmlns:mc="http://schemas.openxmlformats.org/markup-compatibility/2006">
-        <mc:Choice xmlns:a14="http://schemas.microsoft.com/office/drawing/2010/main" Requires="a14">
+      <mc:AlternateContent xmlns:mc="http://schemas.openxmlformats.org/markup-compatibility/2006" xmlns:a14="http://schemas.microsoft.com/office/drawing/2010/main">
+        <mc:Choice Requires="a14">
           <p:sp>
             <p:nvSpPr>
               <p:cNvPr id="11" name="TextBox 10">
@@ -12347,7 +12361,7 @@
             </p:txBody>
           </p:sp>
         </mc:Choice>
-        <mc:Fallback>
+        <mc:Fallback xmlns="">
           <p:sp>
             <p:nvSpPr>
               <p:cNvPr id="11" name="TextBox 10">
@@ -14784,8 +14798,8 @@
           </a:p>
         </p:txBody>
       </p:sp>
-      <mc:AlternateContent xmlns:mc="http://schemas.openxmlformats.org/markup-compatibility/2006">
-        <mc:Choice xmlns:a14="http://schemas.microsoft.com/office/drawing/2010/main" Requires="a14">
+      <mc:AlternateContent xmlns:mc="http://schemas.openxmlformats.org/markup-compatibility/2006" xmlns:a14="http://schemas.microsoft.com/office/drawing/2010/main">
+        <mc:Choice Requires="a14">
           <p:sp>
             <p:nvSpPr>
               <p:cNvPr id="224" name="TextBox 223">
@@ -14945,7 +14959,7 @@
             </p:txBody>
           </p:sp>
         </mc:Choice>
-        <mc:Fallback>
+        <mc:Fallback xmlns="">
           <p:sp>
             <p:nvSpPr>
               <p:cNvPr id="224" name="TextBox 223">

--- a/images/MgRL_CE_Images.pptx
+++ b/images/MgRL_CE_Images.pptx
@@ -3351,10 +3351,10 @@
       </p:grpSpPr>
       <p:grpSp>
         <p:nvGrpSpPr>
-          <p:cNvPr id="2" name="Group 1">
+          <p:cNvPr id="5" name="Group 4">
             <a:extLst>
               <a:ext uri="{FF2B5EF4-FFF2-40B4-BE49-F238E27FC236}">
-                <a16:creationId xmlns:a16="http://schemas.microsoft.com/office/drawing/2014/main" id="{51CBE92A-38BA-C540-9EC0-B426B0E1A303}"/>
+                <a16:creationId xmlns:a16="http://schemas.microsoft.com/office/drawing/2014/main" id="{B6EC04F1-E40D-E946-921F-80BDC3F223A4}"/>
               </a:ext>
             </a:extLst>
           </p:cNvPr>
@@ -3365,7 +3365,7 @@
           <a:xfrm>
             <a:off x="408476" y="1274410"/>
             <a:ext cx="11375047" cy="4309179"/>
-            <a:chOff x="408476" y="718484"/>
+            <a:chOff x="408476" y="1274410"/>
             <a:chExt cx="11375047" cy="4309179"/>
           </a:xfrm>
         </p:grpSpPr>
@@ -3383,7 +3383,7 @@
           </p:nvSpPr>
           <p:spPr>
             <a:xfrm>
-              <a:off x="2519530" y="1143695"/>
+              <a:off x="2519530" y="1699621"/>
               <a:ext cx="9263993" cy="2796369"/>
             </a:xfrm>
             <a:prstGeom prst="roundRect">
@@ -3461,7 +3461,7 @@
           </p:nvSpPr>
           <p:spPr>
             <a:xfrm>
-              <a:off x="3553310" y="2324723"/>
+              <a:off x="3553310" y="2880649"/>
               <a:ext cx="1356995" cy="622915"/>
             </a:xfrm>
             <a:prstGeom prst="roundRect">
@@ -3583,7 +3583,7 @@
           </p:nvSpPr>
           <p:spPr>
             <a:xfrm>
-              <a:off x="2601590" y="722396"/>
+              <a:off x="2601590" y="1278322"/>
               <a:ext cx="1356995" cy="307777"/>
             </a:xfrm>
             <a:prstGeom prst="rect">
@@ -3629,7 +3629,7 @@
           </p:nvCxnSpPr>
           <p:spPr>
             <a:xfrm>
-              <a:off x="3280088" y="1030173"/>
+              <a:off x="3280088" y="1586099"/>
               <a:ext cx="0" cy="492024"/>
             </a:xfrm>
             <a:prstGeom prst="straightConnector1">
@@ -3661,7 +3661,7 @@
           </p:nvSpPr>
           <p:spPr>
             <a:xfrm>
-              <a:off x="4676248" y="1525930"/>
+              <a:off x="4676248" y="2081856"/>
               <a:ext cx="1356995" cy="393026"/>
             </a:xfrm>
             <a:prstGeom prst="roundRect">
@@ -3778,7 +3778,7 @@
           </p:nvSpPr>
           <p:spPr>
             <a:xfrm>
-              <a:off x="4676247" y="722582"/>
+              <a:off x="4676247" y="1278508"/>
               <a:ext cx="1356995" cy="307777"/>
             </a:xfrm>
             <a:prstGeom prst="rect">
@@ -3824,7 +3824,7 @@
           </p:nvCxnSpPr>
           <p:spPr>
             <a:xfrm>
-              <a:off x="5354745" y="1030359"/>
+              <a:off x="5354745" y="1586285"/>
               <a:ext cx="1" cy="495571"/>
             </a:xfrm>
             <a:prstGeom prst="straightConnector1">
@@ -3860,7 +3860,7 @@
           </p:nvCxnSpPr>
           <p:spPr>
             <a:xfrm rot="16200000" flipH="1">
-              <a:off x="3056220" y="2139091"/>
+              <a:off x="3056220" y="2695017"/>
               <a:ext cx="720958" cy="273222"/>
             </a:xfrm>
             <a:prstGeom prst="bentConnector2">
@@ -3892,7 +3892,7 @@
           </p:nvSpPr>
           <p:spPr>
             <a:xfrm>
-              <a:off x="5194324" y="2477238"/>
+              <a:off x="5194324" y="3033164"/>
               <a:ext cx="320839" cy="320839"/>
             </a:xfrm>
             <a:prstGeom prst="ellipse">
@@ -3971,7 +3971,7 @@
           </p:nvCxnSpPr>
           <p:spPr>
             <a:xfrm>
-              <a:off x="5194324" y="2637658"/>
+              <a:off x="5194324" y="3193584"/>
               <a:ext cx="320839" cy="0"/>
             </a:xfrm>
             <a:prstGeom prst="straightConnector1">
@@ -4005,7 +4005,7 @@
           </p:nvSpPr>
           <p:spPr>
             <a:xfrm>
-              <a:off x="2601590" y="1522197"/>
+              <a:off x="2601590" y="2078123"/>
               <a:ext cx="1356995" cy="393026"/>
             </a:xfrm>
             <a:prstGeom prst="roundRect">
@@ -4105,8 +4105,8 @@
             </a:p>
           </p:txBody>
         </p:sp>
-        <mc:AlternateContent xmlns:mc="http://schemas.openxmlformats.org/markup-compatibility/2006" xmlns:a14="http://schemas.microsoft.com/office/drawing/2010/main">
-          <mc:Choice Requires="a14">
+        <mc:AlternateContent xmlns:mc="http://schemas.openxmlformats.org/markup-compatibility/2006">
+          <mc:Choice xmlns:a14="http://schemas.microsoft.com/office/drawing/2010/main" Requires="a14">
             <p:sp>
               <p:nvSpPr>
                 <p:cNvPr id="45" name="TextBox 44">
@@ -4121,7 +4121,7 @@
               </p:nvSpPr>
               <p:spPr>
                 <a:xfrm>
-                  <a:off x="3327918" y="1194762"/>
+                  <a:off x="3327918" y="1750688"/>
                   <a:ext cx="1125052" cy="244426"/>
                 </a:xfrm>
                 <a:prstGeom prst="rect">
@@ -4258,7 +4258,7 @@
               </p:txBody>
             </p:sp>
           </mc:Choice>
-          <mc:Fallback xmlns="">
+          <mc:Fallback>
             <p:sp>
               <p:nvSpPr>
                 <p:cNvPr id="45" name="TextBox 44">
@@ -4275,7 +4275,7 @@
               </p:nvSpPr>
               <p:spPr>
                 <a:xfrm>
-                  <a:off x="3327918" y="1194762"/>
+                  <a:off x="3327918" y="1750688"/>
                   <a:ext cx="1125052" cy="244426"/>
                 </a:xfrm>
                 <a:prstGeom prst="rect">
@@ -4321,7 +4321,7 @@
           </p:nvCxnSpPr>
           <p:spPr>
             <a:xfrm>
-              <a:off x="4910305" y="2636181"/>
+              <a:off x="4910305" y="3192107"/>
               <a:ext cx="284019" cy="1477"/>
             </a:xfrm>
             <a:prstGeom prst="straightConnector1">
@@ -4339,8 +4339,8 @@
             <a:effectLst/>
           </p:spPr>
         </p:cxnSp>
-        <mc:AlternateContent xmlns:mc="http://schemas.openxmlformats.org/markup-compatibility/2006" xmlns:a14="http://schemas.microsoft.com/office/drawing/2010/main">
-          <mc:Choice Requires="a14">
+        <mc:AlternateContent xmlns:mc="http://schemas.openxmlformats.org/markup-compatibility/2006">
+          <mc:Choice xmlns:a14="http://schemas.microsoft.com/office/drawing/2010/main" Requires="a14">
             <p:sp>
               <p:nvSpPr>
                 <p:cNvPr id="124" name="TextBox 123">
@@ -4355,7 +4355,7 @@
               </p:nvSpPr>
               <p:spPr>
                 <a:xfrm>
-                  <a:off x="3327918" y="2001045"/>
+                  <a:off x="3327918" y="2556971"/>
                   <a:ext cx="1038682" cy="219227"/>
                 </a:xfrm>
                 <a:prstGeom prst="rect">
@@ -4471,7 +4471,7 @@
               </p:txBody>
             </p:sp>
           </mc:Choice>
-          <mc:Fallback xmlns="">
+          <mc:Fallback>
             <p:sp>
               <p:nvSpPr>
                 <p:cNvPr id="124" name="TextBox 123">
@@ -4488,7 +4488,7 @@
               </p:nvSpPr>
               <p:spPr>
                 <a:xfrm>
-                  <a:off x="3327918" y="2001045"/>
+                  <a:off x="3327918" y="2556971"/>
                   <a:ext cx="1038682" cy="219227"/>
                 </a:xfrm>
                 <a:prstGeom prst="rect">
@@ -4534,7 +4534,7 @@
           </p:nvCxnSpPr>
           <p:spPr>
             <a:xfrm flipH="1">
-              <a:off x="5354744" y="1918956"/>
+              <a:off x="5354744" y="2474882"/>
               <a:ext cx="2" cy="558282"/>
             </a:xfrm>
             <a:prstGeom prst="straightConnector1">
@@ -4552,8 +4552,8 @@
             <a:effectLst/>
           </p:spPr>
         </p:cxnSp>
-        <mc:AlternateContent xmlns:mc="http://schemas.openxmlformats.org/markup-compatibility/2006" xmlns:a14="http://schemas.microsoft.com/office/drawing/2010/main">
-          <mc:Choice Requires="a14">
+        <mc:AlternateContent xmlns:mc="http://schemas.openxmlformats.org/markup-compatibility/2006">
+          <mc:Choice xmlns:a14="http://schemas.microsoft.com/office/drawing/2010/main" Requires="a14">
             <p:sp>
               <p:nvSpPr>
                 <p:cNvPr id="128" name="TextBox 127">
@@ -4568,7 +4568,7 @@
               </p:nvSpPr>
               <p:spPr>
                 <a:xfrm>
-                  <a:off x="3035268" y="2525984"/>
+                  <a:off x="3035268" y="3081910"/>
                   <a:ext cx="242438" cy="215444"/>
                 </a:xfrm>
                 <a:prstGeom prst="rect">
@@ -4622,7 +4622,7 @@
               </p:txBody>
             </p:sp>
           </mc:Choice>
-          <mc:Fallback xmlns="">
+          <mc:Fallback>
             <p:sp>
               <p:nvSpPr>
                 <p:cNvPr id="128" name="TextBox 127">
@@ -4639,7 +4639,7 @@
               </p:nvSpPr>
               <p:spPr>
                 <a:xfrm>
-                  <a:off x="3035268" y="2525984"/>
+                  <a:off x="3035268" y="3081910"/>
                   <a:ext cx="242438" cy="215444"/>
                 </a:xfrm>
                 <a:prstGeom prst="rect">
@@ -4667,8 +4667,8 @@
             </p:sp>
           </mc:Fallback>
         </mc:AlternateContent>
-        <mc:AlternateContent xmlns:mc="http://schemas.openxmlformats.org/markup-compatibility/2006" xmlns:a14="http://schemas.microsoft.com/office/drawing/2010/main">
-          <mc:Choice Requires="a14">
+        <mc:AlternateContent xmlns:mc="http://schemas.openxmlformats.org/markup-compatibility/2006">
+          <mc:Choice xmlns:a14="http://schemas.microsoft.com/office/drawing/2010/main" Requires="a14">
             <p:sp>
               <p:nvSpPr>
                 <p:cNvPr id="129" name="TextBox 128">
@@ -4683,7 +4683,7 @@
               </p:nvSpPr>
               <p:spPr>
                 <a:xfrm>
-                  <a:off x="4931818" y="2420736"/>
+                  <a:off x="4931818" y="2976662"/>
                   <a:ext cx="240835" cy="215444"/>
                 </a:xfrm>
                 <a:prstGeom prst="rect">
@@ -4737,7 +4737,7 @@
               </p:txBody>
             </p:sp>
           </mc:Choice>
-          <mc:Fallback xmlns="">
+          <mc:Fallback>
             <p:sp>
               <p:nvSpPr>
                 <p:cNvPr id="129" name="TextBox 128">
@@ -4754,7 +4754,7 @@
               </p:nvSpPr>
               <p:spPr>
                 <a:xfrm>
-                  <a:off x="4931818" y="2420736"/>
+                  <a:off x="4931818" y="2976662"/>
                   <a:ext cx="240835" cy="215444"/>
                 </a:xfrm>
                 <a:prstGeom prst="rect">
@@ -4800,7 +4800,7 @@
           </p:nvCxnSpPr>
           <p:spPr>
             <a:xfrm rot="16200000" flipH="1">
-              <a:off x="5417140" y="2735680"/>
+              <a:off x="5417140" y="3291606"/>
               <a:ext cx="151329" cy="276121"/>
             </a:xfrm>
             <a:prstGeom prst="bentConnector2">
@@ -4818,8 +4818,8 @@
             <a:effectLst/>
           </p:spPr>
         </p:cxnSp>
-        <mc:AlternateContent xmlns:mc="http://schemas.openxmlformats.org/markup-compatibility/2006" xmlns:a14="http://schemas.microsoft.com/office/drawing/2010/main">
-          <mc:Choice Requires="a14">
+        <mc:AlternateContent xmlns:mc="http://schemas.openxmlformats.org/markup-compatibility/2006">
+          <mc:Choice xmlns:a14="http://schemas.microsoft.com/office/drawing/2010/main" Requires="a14">
             <p:sp>
               <p:nvSpPr>
                 <p:cNvPr id="135" name="TextBox 134">
@@ -4834,7 +4834,7 @@
               </p:nvSpPr>
               <p:spPr>
                 <a:xfrm>
-                  <a:off x="5402574" y="1194762"/>
+                  <a:off x="5402574" y="1750688"/>
                   <a:ext cx="1173783" cy="244939"/>
                 </a:xfrm>
                 <a:prstGeom prst="rect">
@@ -4971,7 +4971,7 @@
               </p:txBody>
             </p:sp>
           </mc:Choice>
-          <mc:Fallback xmlns="">
+          <mc:Fallback>
             <p:sp>
               <p:nvSpPr>
                 <p:cNvPr id="135" name="TextBox 134">
@@ -4988,7 +4988,7 @@
               </p:nvSpPr>
               <p:spPr>
                 <a:xfrm>
-                  <a:off x="5402574" y="1194762"/>
+                  <a:off x="5402574" y="1750688"/>
                   <a:ext cx="1173783" cy="244939"/>
                 </a:xfrm>
                 <a:prstGeom prst="rect">
@@ -5016,8 +5016,8 @@
             </p:sp>
           </mc:Fallback>
         </mc:AlternateContent>
-        <mc:AlternateContent xmlns:mc="http://schemas.openxmlformats.org/markup-compatibility/2006" xmlns:a14="http://schemas.microsoft.com/office/drawing/2010/main">
-          <mc:Choice Requires="a14">
+        <mc:AlternateContent xmlns:mc="http://schemas.openxmlformats.org/markup-compatibility/2006">
+          <mc:Choice xmlns:a14="http://schemas.microsoft.com/office/drawing/2010/main" Requires="a14">
             <p:sp>
               <p:nvSpPr>
                 <p:cNvPr id="136" name="TextBox 135">
@@ -5032,7 +5032,7 @@
               </p:nvSpPr>
               <p:spPr>
                 <a:xfrm>
-                  <a:off x="5401623" y="1997983"/>
+                  <a:off x="5401623" y="2553909"/>
                   <a:ext cx="1049710" cy="215444"/>
                 </a:xfrm>
                 <a:prstGeom prst="rect">
@@ -5148,7 +5148,7 @@
               </p:txBody>
             </p:sp>
           </mc:Choice>
-          <mc:Fallback xmlns="">
+          <mc:Fallback>
             <p:sp>
               <p:nvSpPr>
                 <p:cNvPr id="136" name="TextBox 135">
@@ -5165,7 +5165,7 @@
               </p:nvSpPr>
               <p:spPr>
                 <a:xfrm>
-                  <a:off x="5401623" y="1997983"/>
+                  <a:off x="5401623" y="2553909"/>
                   <a:ext cx="1049710" cy="215444"/>
                 </a:xfrm>
                 <a:prstGeom prst="rect">
@@ -5207,7 +5207,7 @@
           </p:nvSpPr>
           <p:spPr>
             <a:xfrm>
-              <a:off x="5630865" y="2637948"/>
+              <a:off x="5630865" y="3193874"/>
               <a:ext cx="1356995" cy="622915"/>
             </a:xfrm>
             <a:prstGeom prst="roundRect">
@@ -5315,8 +5315,8 @@
             </a:p>
           </p:txBody>
         </p:sp>
-        <mc:AlternateContent xmlns:mc="http://schemas.openxmlformats.org/markup-compatibility/2006" xmlns:a14="http://schemas.microsoft.com/office/drawing/2010/main">
-          <mc:Choice Requires="a14">
+        <mc:AlternateContent xmlns:mc="http://schemas.openxmlformats.org/markup-compatibility/2006">
+          <mc:Choice xmlns:a14="http://schemas.microsoft.com/office/drawing/2010/main" Requires="a14">
             <p:sp>
               <p:nvSpPr>
                 <p:cNvPr id="146" name="TextBox 145">
@@ -5331,7 +5331,7 @@
               </p:nvSpPr>
               <p:spPr>
                 <a:xfrm>
-                  <a:off x="5108863" y="2847009"/>
+                  <a:off x="5108863" y="3402935"/>
                   <a:ext cx="240772" cy="215444"/>
                 </a:xfrm>
                 <a:prstGeom prst="rect">
@@ -5385,7 +5385,7 @@
               </p:txBody>
             </p:sp>
           </mc:Choice>
-          <mc:Fallback xmlns="">
+          <mc:Fallback>
             <p:sp>
               <p:nvSpPr>
                 <p:cNvPr id="146" name="TextBox 145">
@@ -5402,7 +5402,7 @@
               </p:nvSpPr>
               <p:spPr>
                 <a:xfrm>
-                  <a:off x="5108863" y="2847009"/>
+                  <a:off x="5108863" y="3402935"/>
                   <a:ext cx="240772" cy="215444"/>
                 </a:xfrm>
                 <a:prstGeom prst="rect">
@@ -5444,7 +5444,7 @@
           </p:nvSpPr>
           <p:spPr>
             <a:xfrm>
-              <a:off x="7268981" y="2787217"/>
+              <a:off x="7268981" y="3343143"/>
               <a:ext cx="320839" cy="320839"/>
             </a:xfrm>
             <a:prstGeom prst="ellipse">
@@ -5523,7 +5523,7 @@
           </p:nvCxnSpPr>
           <p:spPr>
             <a:xfrm>
-              <a:off x="7268981" y="2947637"/>
+              <a:off x="7268981" y="3503563"/>
               <a:ext cx="320839" cy="0"/>
             </a:xfrm>
             <a:prstGeom prst="straightConnector1">
@@ -5561,7 +5561,7 @@
           </p:nvCxnSpPr>
           <p:spPr>
             <a:xfrm flipV="1">
-              <a:off x="6987860" y="2947637"/>
+              <a:off x="6987860" y="3503563"/>
               <a:ext cx="281121" cy="1769"/>
             </a:xfrm>
             <a:prstGeom prst="straightConnector1">
@@ -5579,8 +5579,8 @@
             <a:effectLst/>
           </p:spPr>
         </p:cxnSp>
-        <mc:AlternateContent xmlns:mc="http://schemas.openxmlformats.org/markup-compatibility/2006" xmlns:a14="http://schemas.microsoft.com/office/drawing/2010/main">
-          <mc:Choice Requires="a14">
+        <mc:AlternateContent xmlns:mc="http://schemas.openxmlformats.org/markup-compatibility/2006">
+          <mc:Choice xmlns:a14="http://schemas.microsoft.com/office/drawing/2010/main" Requires="a14">
             <p:sp>
               <p:nvSpPr>
                 <p:cNvPr id="164" name="TextBox 163">
@@ -5595,7 +5595,7 @@
               </p:nvSpPr>
               <p:spPr>
                 <a:xfrm>
-                  <a:off x="7014081" y="2732192"/>
+                  <a:off x="7014081" y="3288118"/>
                   <a:ext cx="244682" cy="215444"/>
                 </a:xfrm>
                 <a:prstGeom prst="rect">
@@ -5649,7 +5649,7 @@
               </p:txBody>
             </p:sp>
           </mc:Choice>
-          <mc:Fallback xmlns="">
+          <mc:Fallback>
             <p:sp>
               <p:nvSpPr>
                 <p:cNvPr id="164" name="TextBox 163">
@@ -5666,7 +5666,7 @@
               </p:nvSpPr>
               <p:spPr>
                 <a:xfrm>
-                  <a:off x="7014081" y="2732192"/>
+                  <a:off x="7014081" y="3288118"/>
                   <a:ext cx="244682" cy="215444"/>
                 </a:xfrm>
                 <a:prstGeom prst="rect">
@@ -5708,7 +5708,7 @@
           </p:nvSpPr>
           <p:spPr>
             <a:xfrm>
-              <a:off x="8105682" y="3100685"/>
+              <a:off x="8105682" y="3656611"/>
               <a:ext cx="1267054" cy="320839"/>
             </a:xfrm>
             <a:prstGeom prst="roundRect">
@@ -5792,7 +5792,7 @@
           </p:nvSpPr>
           <p:spPr>
             <a:xfrm>
-              <a:off x="6750904" y="1525930"/>
+              <a:off x="6750904" y="2081856"/>
               <a:ext cx="1356995" cy="393026"/>
             </a:xfrm>
             <a:prstGeom prst="roundRect">
@@ -5913,7 +5913,7 @@
           </p:nvCxnSpPr>
           <p:spPr>
             <a:xfrm flipH="1">
-              <a:off x="7429401" y="1918956"/>
+              <a:off x="7429401" y="2474882"/>
               <a:ext cx="1" cy="868261"/>
             </a:xfrm>
             <a:prstGeom prst="straightConnector1">
@@ -5945,7 +5945,7 @@
           </p:nvSpPr>
           <p:spPr>
             <a:xfrm>
-              <a:off x="6750904" y="718484"/>
+              <a:off x="6750904" y="1274410"/>
               <a:ext cx="1356994" cy="307777"/>
             </a:xfrm>
             <a:prstGeom prst="rect">
@@ -6001,7 +6001,7 @@
           </p:nvCxnSpPr>
           <p:spPr>
             <a:xfrm>
-              <a:off x="7429401" y="1026261"/>
+              <a:off x="7429401" y="1582187"/>
               <a:ext cx="1" cy="499669"/>
             </a:xfrm>
             <a:prstGeom prst="straightConnector1">
@@ -6019,8 +6019,8 @@
             <a:effectLst/>
           </p:spPr>
         </p:cxnSp>
-        <mc:AlternateContent xmlns:mc="http://schemas.openxmlformats.org/markup-compatibility/2006" xmlns:a14="http://schemas.microsoft.com/office/drawing/2010/main">
-          <mc:Choice Requires="a14">
+        <mc:AlternateContent xmlns:mc="http://schemas.openxmlformats.org/markup-compatibility/2006">
+          <mc:Choice xmlns:a14="http://schemas.microsoft.com/office/drawing/2010/main" Requires="a14">
             <p:sp>
               <p:nvSpPr>
                 <p:cNvPr id="181" name="TextBox 180">
@@ -6035,7 +6035,7 @@
               </p:nvSpPr>
               <p:spPr>
                 <a:xfrm>
-                  <a:off x="7477229" y="1190454"/>
+                  <a:off x="7477229" y="1746380"/>
                   <a:ext cx="1128899" cy="244939"/>
                 </a:xfrm>
                 <a:prstGeom prst="rect">
@@ -6172,7 +6172,7 @@
               </p:txBody>
             </p:sp>
           </mc:Choice>
-          <mc:Fallback xmlns="">
+          <mc:Fallback>
             <p:sp>
               <p:nvSpPr>
                 <p:cNvPr id="181" name="TextBox 180">
@@ -6189,7 +6189,7 @@
               </p:nvSpPr>
               <p:spPr>
                 <a:xfrm>
-                  <a:off x="7477229" y="1190454"/>
+                  <a:off x="7477229" y="1746380"/>
                   <a:ext cx="1128899" cy="244939"/>
                 </a:xfrm>
                 <a:prstGeom prst="rect">
@@ -6217,8 +6217,8 @@
             </p:sp>
           </mc:Fallback>
         </mc:AlternateContent>
-        <mc:AlternateContent xmlns:mc="http://schemas.openxmlformats.org/markup-compatibility/2006" xmlns:a14="http://schemas.microsoft.com/office/drawing/2010/main">
-          <mc:Choice Requires="a14">
+        <mc:AlternateContent xmlns:mc="http://schemas.openxmlformats.org/markup-compatibility/2006">
+          <mc:Choice xmlns:a14="http://schemas.microsoft.com/office/drawing/2010/main" Requires="a14">
             <p:sp>
               <p:nvSpPr>
                 <p:cNvPr id="182" name="TextBox 181">
@@ -6233,7 +6233,7 @@
               </p:nvSpPr>
               <p:spPr>
                 <a:xfrm>
-                  <a:off x="7476278" y="1993042"/>
+                  <a:off x="7476278" y="2548968"/>
                   <a:ext cx="1049710" cy="215444"/>
                 </a:xfrm>
                 <a:prstGeom prst="rect">
@@ -6349,7 +6349,7 @@
               </p:txBody>
             </p:sp>
           </mc:Choice>
-          <mc:Fallback xmlns="">
+          <mc:Fallback>
             <p:sp>
               <p:nvSpPr>
                 <p:cNvPr id="182" name="TextBox 181">
@@ -6366,7 +6366,7 @@
               </p:nvSpPr>
               <p:spPr>
                 <a:xfrm>
-                  <a:off x="7476278" y="1993042"/>
+                  <a:off x="7476278" y="2548968"/>
                   <a:ext cx="1049710" cy="215444"/>
                 </a:xfrm>
                 <a:prstGeom prst="rect">
@@ -6411,7 +6411,7 @@
           </p:nvCxnSpPr>
           <p:spPr>
             <a:xfrm rot="16200000" flipH="1">
-              <a:off x="7487250" y="3050207"/>
+              <a:off x="7487250" y="3606133"/>
               <a:ext cx="160420" cy="276118"/>
             </a:xfrm>
             <a:prstGeom prst="bentConnector2">
@@ -6429,8 +6429,8 @@
             <a:effectLst/>
           </p:spPr>
         </p:cxnSp>
-        <mc:AlternateContent xmlns:mc="http://schemas.openxmlformats.org/markup-compatibility/2006" xmlns:a14="http://schemas.microsoft.com/office/drawing/2010/main">
-          <mc:Choice Requires="a14">
+        <mc:AlternateContent xmlns:mc="http://schemas.openxmlformats.org/markup-compatibility/2006">
+          <mc:Choice xmlns:a14="http://schemas.microsoft.com/office/drawing/2010/main" Requires="a14">
             <p:sp>
               <p:nvSpPr>
                 <p:cNvPr id="185" name="TextBox 184">
@@ -6445,7 +6445,7 @@
               </p:nvSpPr>
               <p:spPr>
                 <a:xfrm>
-                  <a:off x="7186411" y="3161821"/>
+                  <a:off x="7186411" y="3717747"/>
                   <a:ext cx="240772" cy="215444"/>
                 </a:xfrm>
                 <a:prstGeom prst="rect">
@@ -6499,7 +6499,7 @@
               </p:txBody>
             </p:sp>
           </mc:Choice>
-          <mc:Fallback xmlns="">
+          <mc:Fallback>
             <p:sp>
               <p:nvSpPr>
                 <p:cNvPr id="185" name="TextBox 184">
@@ -6516,7 +6516,7 @@
               </p:nvSpPr>
               <p:spPr>
                 <a:xfrm>
-                  <a:off x="7186411" y="3161821"/>
+                  <a:off x="7186411" y="3717747"/>
                   <a:ext cx="240772" cy="215444"/>
                 </a:xfrm>
                 <a:prstGeom prst="rect">
@@ -6558,7 +6558,7 @@
           </p:nvSpPr>
           <p:spPr>
             <a:xfrm>
-              <a:off x="8107898" y="1563376"/>
+              <a:off x="8107898" y="2119302"/>
               <a:ext cx="1264838" cy="301683"/>
             </a:xfrm>
             <a:prstGeom prst="roundRect">
@@ -6642,7 +6642,7 @@
           </p:nvSpPr>
           <p:spPr>
             <a:xfrm>
-              <a:off x="8107897" y="731844"/>
+              <a:off x="8107897" y="1287770"/>
               <a:ext cx="1264839" cy="301683"/>
             </a:xfrm>
             <a:prstGeom prst="roundRect">
@@ -6726,7 +6726,7 @@
           </p:nvSpPr>
           <p:spPr>
             <a:xfrm>
-              <a:off x="9372736" y="722395"/>
+              <a:off x="9372736" y="1278321"/>
               <a:ext cx="1356995" cy="307777"/>
             </a:xfrm>
             <a:prstGeom prst="rect">
@@ -6778,7 +6778,7 @@
           </p:nvSpPr>
           <p:spPr>
             <a:xfrm>
-              <a:off x="9378981" y="1518836"/>
+              <a:off x="9378981" y="2074762"/>
               <a:ext cx="1356995" cy="393026"/>
             </a:xfrm>
             <a:prstGeom prst="roundRect">
@@ -6881,8 +6881,8 @@
             </a:p>
           </p:txBody>
         </p:sp>
-        <mc:AlternateContent xmlns:mc="http://schemas.openxmlformats.org/markup-compatibility/2006" xmlns:a14="http://schemas.microsoft.com/office/drawing/2010/main">
-          <mc:Choice Requires="a14">
+        <mc:AlternateContent xmlns:mc="http://schemas.openxmlformats.org/markup-compatibility/2006">
+          <mc:Choice xmlns:a14="http://schemas.microsoft.com/office/drawing/2010/main" Requires="a14">
             <p:sp>
               <p:nvSpPr>
                 <p:cNvPr id="193" name="TextBox 192">
@@ -6897,7 +6897,7 @@
               </p:nvSpPr>
               <p:spPr>
                 <a:xfrm>
-                  <a:off x="10100429" y="1190453"/>
+                  <a:off x="10100429" y="1746379"/>
                   <a:ext cx="1157753" cy="252954"/>
                 </a:xfrm>
                 <a:prstGeom prst="rect">
@@ -7034,7 +7034,7 @@
               </p:txBody>
             </p:sp>
           </mc:Choice>
-          <mc:Fallback xmlns="">
+          <mc:Fallback>
             <p:sp>
               <p:nvSpPr>
                 <p:cNvPr id="193" name="TextBox 192">
@@ -7051,7 +7051,7 @@
               </p:nvSpPr>
               <p:spPr>
                 <a:xfrm>
-                  <a:off x="10100429" y="1190453"/>
+                  <a:off x="10100429" y="1746379"/>
                   <a:ext cx="1157753" cy="252954"/>
                 </a:xfrm>
                 <a:prstGeom prst="rect">
@@ -7093,7 +7093,7 @@
           </p:nvSpPr>
           <p:spPr>
             <a:xfrm>
-              <a:off x="9893738" y="3100038"/>
+              <a:off x="9893738" y="3655964"/>
               <a:ext cx="320839" cy="320839"/>
             </a:xfrm>
             <a:prstGeom prst="ellipse">
@@ -7172,7 +7172,7 @@
           </p:nvCxnSpPr>
           <p:spPr>
             <a:xfrm>
-              <a:off x="9893738" y="3260458"/>
+              <a:off x="9893738" y="3816384"/>
               <a:ext cx="320839" cy="0"/>
             </a:xfrm>
             <a:prstGeom prst="straightConnector1">
@@ -7210,7 +7210,7 @@
           </p:nvCxnSpPr>
           <p:spPr>
             <a:xfrm flipH="1">
-              <a:off x="10054158" y="1911862"/>
+              <a:off x="10054158" y="2467788"/>
               <a:ext cx="3321" cy="1188176"/>
             </a:xfrm>
             <a:prstGeom prst="straightConnector1">
@@ -7246,7 +7246,7 @@
           </p:nvCxnSpPr>
           <p:spPr>
             <a:xfrm flipV="1">
-              <a:off x="9372736" y="3260458"/>
+              <a:off x="9372736" y="3816384"/>
               <a:ext cx="521002" cy="647"/>
             </a:xfrm>
             <a:prstGeom prst="straightConnector1">
@@ -7264,8 +7264,8 @@
             <a:effectLst/>
           </p:spPr>
         </p:cxnSp>
-        <mc:AlternateContent xmlns:mc="http://schemas.openxmlformats.org/markup-compatibility/2006" xmlns:a14="http://schemas.microsoft.com/office/drawing/2010/main">
-          <mc:Choice Requires="a14">
+        <mc:AlternateContent xmlns:mc="http://schemas.openxmlformats.org/markup-compatibility/2006">
+          <mc:Choice xmlns:a14="http://schemas.microsoft.com/office/drawing/2010/main" Requires="a14">
             <p:sp>
               <p:nvSpPr>
                 <p:cNvPr id="240" name="TextBox 239">
@@ -7280,7 +7280,7 @@
               </p:nvSpPr>
               <p:spPr>
                 <a:xfrm>
-                  <a:off x="9456890" y="3036680"/>
+                  <a:off x="9456890" y="3592606"/>
                   <a:ext cx="429028" cy="220510"/>
                 </a:xfrm>
                 <a:prstGeom prst="rect">
@@ -7346,7 +7346,7 @@
               </p:txBody>
             </p:sp>
           </mc:Choice>
-          <mc:Fallback xmlns="">
+          <mc:Fallback>
             <p:sp>
               <p:nvSpPr>
                 <p:cNvPr id="240" name="TextBox 239">
@@ -7363,7 +7363,7 @@
               </p:nvSpPr>
               <p:spPr>
                 <a:xfrm>
-                  <a:off x="9456890" y="3036680"/>
+                  <a:off x="9456890" y="3592606"/>
                   <a:ext cx="429028" cy="220510"/>
                 </a:xfrm>
                 <a:prstGeom prst="rect">
@@ -7409,7 +7409,7 @@
           </p:nvCxnSpPr>
           <p:spPr>
             <a:xfrm rot="16200000" flipH="1">
-              <a:off x="10119421" y="3355613"/>
+              <a:off x="10119421" y="3911539"/>
               <a:ext cx="147771" cy="278297"/>
             </a:xfrm>
             <a:prstGeom prst="bentConnector2">
@@ -7441,7 +7441,7 @@
           </p:nvSpPr>
           <p:spPr>
             <a:xfrm>
-              <a:off x="10332455" y="3257190"/>
+              <a:off x="10332455" y="3813116"/>
               <a:ext cx="1356995" cy="622915"/>
             </a:xfrm>
             <a:prstGeom prst="roundRect">
@@ -7577,7 +7577,7 @@
           </p:nvCxnSpPr>
           <p:spPr>
             <a:xfrm>
-              <a:off x="10051234" y="1030172"/>
+              <a:off x="10051234" y="1586098"/>
               <a:ext cx="6245" cy="488664"/>
             </a:xfrm>
             <a:prstGeom prst="straightConnector1">
@@ -7595,8 +7595,8 @@
             <a:effectLst/>
           </p:spPr>
         </p:cxnSp>
-        <mc:AlternateContent xmlns:mc="http://schemas.openxmlformats.org/markup-compatibility/2006" xmlns:a14="http://schemas.microsoft.com/office/drawing/2010/main">
-          <mc:Choice Requires="a14">
+        <mc:AlternateContent xmlns:mc="http://schemas.openxmlformats.org/markup-compatibility/2006">
+          <mc:Choice xmlns:a14="http://schemas.microsoft.com/office/drawing/2010/main" Requires="a14">
             <p:sp>
               <p:nvSpPr>
                 <p:cNvPr id="260" name="TextBox 259">
@@ -7611,7 +7611,7 @@
               </p:nvSpPr>
               <p:spPr>
                 <a:xfrm>
-                  <a:off x="10101034" y="1993042"/>
+                  <a:off x="10101034" y="2548968"/>
                   <a:ext cx="1064137" cy="220510"/>
                 </a:xfrm>
                 <a:prstGeom prst="rect">
@@ -7727,7 +7727,7 @@
               </p:txBody>
             </p:sp>
           </mc:Choice>
-          <mc:Fallback xmlns="">
+          <mc:Fallback>
             <p:sp>
               <p:nvSpPr>
                 <p:cNvPr id="260" name="TextBox 259">
@@ -7744,7 +7744,7 @@
               </p:nvSpPr>
               <p:spPr>
                 <a:xfrm>
-                  <a:off x="10101034" y="1993042"/>
+                  <a:off x="10101034" y="2548968"/>
                   <a:ext cx="1064137" cy="220510"/>
                 </a:xfrm>
                 <a:prstGeom prst="rect">
@@ -7772,8 +7772,8 @@
             </p:sp>
           </mc:Fallback>
         </mc:AlternateContent>
-        <mc:AlternateContent xmlns:mc="http://schemas.openxmlformats.org/markup-compatibility/2006" xmlns:a14="http://schemas.microsoft.com/office/drawing/2010/main">
-          <mc:Choice Requires="a14">
+        <mc:AlternateContent xmlns:mc="http://schemas.openxmlformats.org/markup-compatibility/2006">
+          <mc:Choice xmlns:a14="http://schemas.microsoft.com/office/drawing/2010/main" Requires="a14">
             <p:sp>
               <p:nvSpPr>
                 <p:cNvPr id="261" name="TextBox 260">
@@ -7788,7 +7788,7 @@
               </p:nvSpPr>
               <p:spPr>
                 <a:xfrm>
-                  <a:off x="9810461" y="3488583"/>
+                  <a:off x="9810461" y="4044509"/>
                   <a:ext cx="255198" cy="220510"/>
                 </a:xfrm>
                 <a:prstGeom prst="rect">
@@ -7842,7 +7842,7 @@
               </p:txBody>
             </p:sp>
           </mc:Choice>
-          <mc:Fallback xmlns="">
+          <mc:Fallback>
             <p:sp>
               <p:nvSpPr>
                 <p:cNvPr id="261" name="TextBox 260">
@@ -7859,7 +7859,7 @@
               </p:nvSpPr>
               <p:spPr>
                 <a:xfrm>
-                  <a:off x="9810461" y="3488583"/>
+                  <a:off x="9810461" y="4044509"/>
                   <a:ext cx="255198" cy="220510"/>
                 </a:xfrm>
                 <a:prstGeom prst="rect">
@@ -7901,7 +7901,7 @@
           </p:nvSpPr>
           <p:spPr>
             <a:xfrm>
-              <a:off x="10844332" y="4275937"/>
+              <a:off x="10844332" y="4831863"/>
               <a:ext cx="320839" cy="320839"/>
             </a:xfrm>
             <a:prstGeom prst="ellipse">
@@ -7980,7 +7980,7 @@
           </p:nvCxnSpPr>
           <p:spPr>
             <a:xfrm flipV="1">
-              <a:off x="11004752" y="4275937"/>
+              <a:off x="11004752" y="4831863"/>
               <a:ext cx="0" cy="320839"/>
             </a:xfrm>
             <a:prstGeom prst="straightConnector1">
@@ -8018,7 +8018,7 @@
           </p:nvCxnSpPr>
           <p:spPr>
             <a:xfrm flipH="1">
-              <a:off x="10844332" y="4436357"/>
+              <a:off x="10844332" y="4992283"/>
               <a:ext cx="320839" cy="0"/>
             </a:xfrm>
             <a:prstGeom prst="straightConnector1">
@@ -8056,7 +8056,7 @@
           </p:nvCxnSpPr>
           <p:spPr>
             <a:xfrm flipH="1">
-              <a:off x="11004752" y="3880105"/>
+              <a:off x="11004752" y="4436031"/>
               <a:ext cx="6201" cy="395832"/>
             </a:xfrm>
             <a:prstGeom prst="straightConnector1">
@@ -8092,7 +8092,7 @@
           </p:nvCxnSpPr>
           <p:spPr>
             <a:xfrm rot="16200000" flipH="1">
-              <a:off x="6793711" y="385735"/>
+              <a:off x="6793711" y="941661"/>
               <a:ext cx="1488719" cy="6612524"/>
             </a:xfrm>
             <a:prstGeom prst="bentConnector2">
@@ -8128,7 +8128,7 @@
           </p:nvCxnSpPr>
           <p:spPr>
             <a:xfrm rot="16200000" flipH="1">
-              <a:off x="8069310" y="1500915"/>
+              <a:off x="8069310" y="2056841"/>
               <a:ext cx="1062060" cy="4581955"/>
             </a:xfrm>
             <a:prstGeom prst="bentConnector3">
@@ -8148,8 +8148,8 @@
             <a:effectLst/>
           </p:spPr>
         </p:cxnSp>
-        <mc:AlternateContent xmlns:mc="http://schemas.openxmlformats.org/markup-compatibility/2006" xmlns:a14="http://schemas.microsoft.com/office/drawing/2010/main">
-          <mc:Choice Requires="a14">
+        <mc:AlternateContent xmlns:mc="http://schemas.openxmlformats.org/markup-compatibility/2006">
+          <mc:Choice xmlns:a14="http://schemas.microsoft.com/office/drawing/2010/main" Requires="a14">
             <p:sp>
               <p:nvSpPr>
                 <p:cNvPr id="299" name="TextBox 298">
@@ -8164,7 +8164,7 @@
               </p:nvSpPr>
               <p:spPr>
                 <a:xfrm>
-                  <a:off x="4252209" y="3974214"/>
+                  <a:off x="4252209" y="4530140"/>
                   <a:ext cx="228781" cy="215444"/>
                 </a:xfrm>
                 <a:prstGeom prst="rect">
@@ -8218,7 +8218,7 @@
               </p:txBody>
             </p:sp>
           </mc:Choice>
-          <mc:Fallback xmlns="">
+          <mc:Fallback>
             <p:sp>
               <p:nvSpPr>
                 <p:cNvPr id="299" name="TextBox 298">
@@ -8235,7 +8235,7 @@
               </p:nvSpPr>
               <p:spPr>
                 <a:xfrm>
-                  <a:off x="4252209" y="3974214"/>
+                  <a:off x="4252209" y="4530140"/>
                   <a:ext cx="228781" cy="215444"/>
                 </a:xfrm>
                 <a:prstGeom prst="rect">
@@ -8263,8 +8263,8 @@
             </p:sp>
           </mc:Fallback>
         </mc:AlternateContent>
-        <mc:AlternateContent xmlns:mc="http://schemas.openxmlformats.org/markup-compatibility/2006" xmlns:a14="http://schemas.microsoft.com/office/drawing/2010/main">
-          <mc:Choice Requires="a14">
+        <mc:AlternateContent xmlns:mc="http://schemas.openxmlformats.org/markup-compatibility/2006">
+          <mc:Choice xmlns:a14="http://schemas.microsoft.com/office/drawing/2010/main" Requires="a14">
             <p:sp>
               <p:nvSpPr>
                 <p:cNvPr id="300" name="TextBox 299">
@@ -8279,7 +8279,7 @@
               </p:nvSpPr>
               <p:spPr>
                 <a:xfrm>
-                  <a:off x="6335019" y="3974214"/>
+                  <a:off x="6335019" y="4530140"/>
                   <a:ext cx="232628" cy="215444"/>
                 </a:xfrm>
                 <a:prstGeom prst="rect">
@@ -8333,7 +8333,7 @@
               </p:txBody>
             </p:sp>
           </mc:Choice>
-          <mc:Fallback xmlns="">
+          <mc:Fallback>
             <p:sp>
               <p:nvSpPr>
                 <p:cNvPr id="300" name="TextBox 299">
@@ -8350,7 +8350,7 @@
               </p:nvSpPr>
               <p:spPr>
                 <a:xfrm>
-                  <a:off x="6335019" y="3974214"/>
+                  <a:off x="6335019" y="4530140"/>
                   <a:ext cx="232628" cy="215444"/>
                 </a:xfrm>
                 <a:prstGeom prst="rect">
@@ -8394,7 +8394,7 @@
               </p:nvSpPr>
               <p:spPr>
                 <a:xfrm>
-                  <a:off x="11042931" y="3969148"/>
+                  <a:off x="11042931" y="4525074"/>
                   <a:ext cx="247054" cy="220510"/>
                 </a:xfrm>
                 <a:prstGeom prst="rect">
@@ -8465,7 +8465,7 @@
               </p:nvSpPr>
               <p:spPr>
                 <a:xfrm>
-                  <a:off x="11042931" y="3969148"/>
+                  <a:off x="11042931" y="4525074"/>
                   <a:ext cx="247054" cy="220510"/>
                 </a:xfrm>
                 <a:prstGeom prst="rect">
@@ -8510,7 +8510,7 @@
           </p:nvCxnSpPr>
           <p:spPr>
             <a:xfrm>
-              <a:off x="11004752" y="4596776"/>
+              <a:off x="11004752" y="5152702"/>
               <a:ext cx="0" cy="288197"/>
             </a:xfrm>
             <a:prstGeom prst="straightConnector1">
@@ -8528,8 +8528,8 @@
             <a:effectLst/>
           </p:spPr>
         </p:cxnSp>
-        <mc:AlternateContent xmlns:mc="http://schemas.openxmlformats.org/markup-compatibility/2006" xmlns:a14="http://schemas.microsoft.com/office/drawing/2010/main">
-          <mc:Choice Requires="a14">
+        <mc:AlternateContent xmlns:mc="http://schemas.openxmlformats.org/markup-compatibility/2006">
+          <mc:Choice xmlns:a14="http://schemas.microsoft.com/office/drawing/2010/main" Requires="a14">
             <p:sp>
               <p:nvSpPr>
                 <p:cNvPr id="336" name="TextBox 335">
@@ -8544,7 +8544,7 @@
               </p:nvSpPr>
               <p:spPr>
                 <a:xfrm>
-                  <a:off x="11055828" y="4596776"/>
+                  <a:off x="11055828" y="5152702"/>
                   <a:ext cx="727693" cy="430887"/>
                 </a:xfrm>
                 <a:prstGeom prst="rect">
@@ -8603,7 +8603,7 @@
               </p:txBody>
             </p:sp>
           </mc:Choice>
-          <mc:Fallback xmlns="">
+          <mc:Fallback>
             <p:sp>
               <p:nvSpPr>
                 <p:cNvPr id="336" name="TextBox 335">
@@ -8620,7 +8620,7 @@
               </p:nvSpPr>
               <p:spPr>
                 <a:xfrm>
-                  <a:off x="11055828" y="4596776"/>
+                  <a:off x="11055828" y="5152702"/>
                   <a:ext cx="727693" cy="430887"/>
                 </a:xfrm>
                 <a:prstGeom prst="rect">
@@ -8662,7 +8662,7 @@
           </p:nvSpPr>
           <p:spPr>
             <a:xfrm>
-              <a:off x="408477" y="3036681"/>
+              <a:off x="408477" y="3592607"/>
               <a:ext cx="3193575" cy="1639286"/>
             </a:xfrm>
             <a:prstGeom prst="roundRect">
@@ -8743,7 +8743,7 @@
           </p:nvCxnSpPr>
           <p:spPr>
             <a:xfrm flipH="1">
-              <a:off x="2005265" y="2787217"/>
+              <a:off x="2005265" y="3343143"/>
               <a:ext cx="1548045" cy="249464"/>
             </a:xfrm>
             <a:prstGeom prst="straightConnector1">
@@ -8780,7 +8780,7 @@
           </p:nvCxnSpPr>
           <p:spPr>
             <a:xfrm flipH="1">
-              <a:off x="3602052" y="2947636"/>
+              <a:off x="3602052" y="3503562"/>
               <a:ext cx="356533" cy="908688"/>
             </a:xfrm>
             <a:prstGeom prst="straightConnector1">
@@ -8800,8 +8800,8 @@
             <a:effectLst/>
           </p:spPr>
         </p:cxnSp>
-        <mc:AlternateContent xmlns:mc="http://schemas.openxmlformats.org/markup-compatibility/2006" xmlns:a14="http://schemas.microsoft.com/office/drawing/2010/main">
-          <mc:Choice Requires="a14">
+        <mc:AlternateContent xmlns:mc="http://schemas.openxmlformats.org/markup-compatibility/2006">
+          <mc:Choice xmlns:a14="http://schemas.microsoft.com/office/drawing/2010/main" Requires="a14">
             <p:sp>
               <p:nvSpPr>
                 <p:cNvPr id="363" name="Rounded Rectangle 362">
@@ -8816,7 +8816,7 @@
               </p:nvSpPr>
               <p:spPr>
                 <a:xfrm>
-                  <a:off x="1326766" y="3129758"/>
+                  <a:off x="1326766" y="3685684"/>
                   <a:ext cx="1356995" cy="509851"/>
                 </a:xfrm>
                 <a:prstGeom prst="roundRect">
@@ -8945,7 +8945,7 @@
               </p:txBody>
             </p:sp>
           </mc:Choice>
-          <mc:Fallback xmlns="">
+          <mc:Fallback>
             <p:sp>
               <p:nvSpPr>
                 <p:cNvPr id="363" name="Rounded Rectangle 362">
@@ -8962,7 +8962,7 @@
               </p:nvSpPr>
               <p:spPr>
                 <a:xfrm>
-                  <a:off x="1326766" y="3129758"/>
+                  <a:off x="1326766" y="3685684"/>
                   <a:ext cx="1356995" cy="509851"/>
                 </a:xfrm>
                 <a:prstGeom prst="roundRect">
@@ -9006,8 +9006,8 @@
             </p:sp>
           </mc:Fallback>
         </mc:AlternateContent>
-        <mc:AlternateContent xmlns:mc="http://schemas.openxmlformats.org/markup-compatibility/2006" xmlns:a14="http://schemas.microsoft.com/office/drawing/2010/main">
-          <mc:Choice Requires="a14">
+        <mc:AlternateContent xmlns:mc="http://schemas.openxmlformats.org/markup-compatibility/2006">
+          <mc:Choice xmlns:a14="http://schemas.microsoft.com/office/drawing/2010/main" Requires="a14">
             <p:sp>
               <p:nvSpPr>
                 <p:cNvPr id="369" name="Rounded Rectangle 368">
@@ -9022,7 +9022,7 @@
               </p:nvSpPr>
               <p:spPr>
                 <a:xfrm>
-                  <a:off x="463053" y="4041850"/>
+                  <a:off x="463053" y="4597776"/>
                   <a:ext cx="1356995" cy="509851"/>
                 </a:xfrm>
                 <a:prstGeom prst="roundRect">
@@ -9144,7 +9144,7 @@
               </p:txBody>
             </p:sp>
           </mc:Choice>
-          <mc:Fallback xmlns="">
+          <mc:Fallback>
             <p:sp>
               <p:nvSpPr>
                 <p:cNvPr id="369" name="Rounded Rectangle 368">
@@ -9161,7 +9161,7 @@
               </p:nvSpPr>
               <p:spPr>
                 <a:xfrm>
-                  <a:off x="463053" y="4041850"/>
+                  <a:off x="463053" y="4597776"/>
                   <a:ext cx="1356995" cy="509851"/>
                 </a:xfrm>
                 <a:prstGeom prst="roundRect">
@@ -9205,8 +9205,8 @@
             </p:sp>
           </mc:Fallback>
         </mc:AlternateContent>
-        <mc:AlternateContent xmlns:mc="http://schemas.openxmlformats.org/markup-compatibility/2006" xmlns:a14="http://schemas.microsoft.com/office/drawing/2010/main">
-          <mc:Choice Requires="a14">
+        <mc:AlternateContent xmlns:mc="http://schemas.openxmlformats.org/markup-compatibility/2006">
+          <mc:Choice xmlns:a14="http://schemas.microsoft.com/office/drawing/2010/main" Requires="a14">
             <p:sp>
               <p:nvSpPr>
                 <p:cNvPr id="370" name="Rounded Rectangle 369">
@@ -9221,7 +9221,7 @@
               </p:nvSpPr>
               <p:spPr>
                 <a:xfrm>
-                  <a:off x="2196315" y="4040974"/>
+                  <a:off x="2196315" y="4596900"/>
                   <a:ext cx="1356995" cy="509851"/>
                 </a:xfrm>
                 <a:prstGeom prst="roundRect">
@@ -9343,7 +9343,7 @@
               </p:txBody>
             </p:sp>
           </mc:Choice>
-          <mc:Fallback xmlns="">
+          <mc:Fallback>
             <p:sp>
               <p:nvSpPr>
                 <p:cNvPr id="370" name="Rounded Rectangle 369">
@@ -9360,7 +9360,7 @@
               </p:nvSpPr>
               <p:spPr>
                 <a:xfrm>
-                  <a:off x="2196315" y="4040974"/>
+                  <a:off x="2196315" y="4596900"/>
                   <a:ext cx="1356995" cy="509851"/>
                 </a:xfrm>
                 <a:prstGeom prst="roundRect">
@@ -9422,7 +9422,7 @@
           </p:nvCxnSpPr>
           <p:spPr>
             <a:xfrm rot="5400000" flipH="1" flipV="1">
-              <a:off x="2007744" y="3174781"/>
+              <a:off x="2007744" y="3730707"/>
               <a:ext cx="876" cy="1733262"/>
             </a:xfrm>
             <a:prstGeom prst="bentConnector3">
@@ -9460,7 +9460,7 @@
           </p:nvCxnSpPr>
           <p:spPr>
             <a:xfrm>
-              <a:off x="1141551" y="4551701"/>
+              <a:off x="1141551" y="5107627"/>
               <a:ext cx="0" cy="405974"/>
             </a:xfrm>
             <a:prstGeom prst="straightConnector1">
@@ -9496,7 +9496,7 @@
           </p:nvCxnSpPr>
           <p:spPr>
             <a:xfrm rot="16200000" flipH="1">
-              <a:off x="883837" y="2941754"/>
+              <a:off x="883837" y="3497680"/>
               <a:ext cx="467041" cy="418817"/>
             </a:xfrm>
             <a:prstGeom prst="bentConnector2">
@@ -9514,8 +9514,8 @@
             <a:effectLst/>
           </p:spPr>
         </p:cxnSp>
-        <mc:AlternateContent xmlns:mc="http://schemas.openxmlformats.org/markup-compatibility/2006" xmlns:a14="http://schemas.microsoft.com/office/drawing/2010/main">
-          <mc:Choice Requires="a14">
+        <mc:AlternateContent xmlns:mc="http://schemas.openxmlformats.org/markup-compatibility/2006">
+          <mc:Choice xmlns:a14="http://schemas.microsoft.com/office/drawing/2010/main" Requires="a14">
             <p:sp>
               <p:nvSpPr>
                 <p:cNvPr id="409" name="TextBox 408">
@@ -9530,7 +9530,7 @@
               </p:nvSpPr>
               <p:spPr>
                 <a:xfrm>
-                  <a:off x="489131" y="2609866"/>
+                  <a:off x="489131" y="3165792"/>
                   <a:ext cx="837635" cy="307777"/>
                 </a:xfrm>
                 <a:prstGeom prst="rect">
@@ -9620,7 +9620,7 @@
               </p:txBody>
             </p:sp>
           </mc:Choice>
-          <mc:Fallback xmlns="">
+          <mc:Fallback>
             <p:sp>
               <p:nvSpPr>
                 <p:cNvPr id="409" name="TextBox 408">
@@ -9637,7 +9637,7 @@
               </p:nvSpPr>
               <p:spPr>
                 <a:xfrm>
-                  <a:off x="489131" y="2609866"/>
+                  <a:off x="489131" y="3165792"/>
                   <a:ext cx="837635" cy="307777"/>
                 </a:xfrm>
                 <a:prstGeom prst="rect">
@@ -9682,7 +9682,7 @@
           </p:nvCxnSpPr>
           <p:spPr>
             <a:xfrm>
-              <a:off x="2005264" y="3639609"/>
+              <a:off x="2005264" y="4195535"/>
               <a:ext cx="1" cy="216715"/>
             </a:xfrm>
             <a:prstGeom prst="straightConnector1">
@@ -9700,8 +9700,8 @@
             <a:effectLst/>
           </p:spPr>
         </p:cxnSp>
-        <mc:AlternateContent xmlns:mc="http://schemas.openxmlformats.org/markup-compatibility/2006" xmlns:a14="http://schemas.microsoft.com/office/drawing/2010/main">
-          <mc:Choice Requires="a14">
+        <mc:AlternateContent xmlns:mc="http://schemas.openxmlformats.org/markup-compatibility/2006">
+          <mc:Choice xmlns:a14="http://schemas.microsoft.com/office/drawing/2010/main" Requires="a14">
             <p:sp>
               <p:nvSpPr>
                 <p:cNvPr id="434" name="TextBox 433">
@@ -9716,7 +9716,7 @@
               </p:nvSpPr>
               <p:spPr>
                 <a:xfrm>
-                  <a:off x="2063356" y="3650925"/>
+                  <a:off x="2063356" y="4206851"/>
                   <a:ext cx="278602" cy="215444"/>
                 </a:xfrm>
                 <a:prstGeom prst="rect">
@@ -9770,7 +9770,7 @@
               </p:txBody>
             </p:sp>
           </mc:Choice>
-          <mc:Fallback xmlns="">
+          <mc:Fallback>
             <p:sp>
               <p:nvSpPr>
                 <p:cNvPr id="434" name="TextBox 433">
@@ -9787,7 +9787,7 @@
               </p:nvSpPr>
               <p:spPr>
                 <a:xfrm>
-                  <a:off x="2063356" y="3650925"/>
+                  <a:off x="2063356" y="4206851"/>
                   <a:ext cx="278602" cy="215444"/>
                 </a:xfrm>
                 <a:prstGeom prst="rect">
@@ -9815,8 +9815,8 @@
             </p:sp>
           </mc:Fallback>
         </mc:AlternateContent>
-        <mc:AlternateContent xmlns:mc="http://schemas.openxmlformats.org/markup-compatibility/2006" xmlns:a14="http://schemas.microsoft.com/office/drawing/2010/main">
-          <mc:Choice Requires="a14">
+        <mc:AlternateContent xmlns:mc="http://schemas.openxmlformats.org/markup-compatibility/2006">
+          <mc:Choice xmlns:a14="http://schemas.microsoft.com/office/drawing/2010/main" Requires="a14">
             <p:sp>
               <p:nvSpPr>
                 <p:cNvPr id="435" name="TextBox 434">
@@ -9831,7 +9831,7 @@
               </p:nvSpPr>
               <p:spPr>
                 <a:xfrm>
-                  <a:off x="1207195" y="4675967"/>
+                  <a:off x="1207195" y="5231893"/>
                   <a:ext cx="251223" cy="215444"/>
                 </a:xfrm>
                 <a:prstGeom prst="rect">
@@ -9885,7 +9885,7 @@
               </p:txBody>
             </p:sp>
           </mc:Choice>
-          <mc:Fallback xmlns="">
+          <mc:Fallback>
             <p:sp>
               <p:nvSpPr>
                 <p:cNvPr id="435" name="TextBox 434">
@@ -9902,7 +9902,7 @@
               </p:nvSpPr>
               <p:spPr>
                 <a:xfrm>
-                  <a:off x="1207195" y="4675967"/>
+                  <a:off x="1207195" y="5231893"/>
                   <a:ext cx="251223" cy="215444"/>
                 </a:xfrm>
                 <a:prstGeom prst="rect">
@@ -9947,7 +9947,7 @@
           </p:nvCxnSpPr>
           <p:spPr>
             <a:xfrm flipV="1">
-              <a:off x="3553310" y="4294713"/>
+              <a:off x="3553310" y="4850639"/>
               <a:ext cx="405275" cy="1187"/>
             </a:xfrm>
             <a:prstGeom prst="straightConnector1">
@@ -9965,8 +9965,8 @@
             <a:effectLst/>
           </p:spPr>
         </p:cxnSp>
-        <mc:AlternateContent xmlns:mc="http://schemas.openxmlformats.org/markup-compatibility/2006" xmlns:a14="http://schemas.microsoft.com/office/drawing/2010/main">
-          <mc:Choice Requires="a14">
+        <mc:AlternateContent xmlns:mc="http://schemas.openxmlformats.org/markup-compatibility/2006">
+          <mc:Choice xmlns:a14="http://schemas.microsoft.com/office/drawing/2010/main" Requires="a14">
             <p:sp>
               <p:nvSpPr>
                 <p:cNvPr id="444" name="TextBox 443">
@@ -9981,7 +9981,7 @@
               </p:nvSpPr>
               <p:spPr>
                 <a:xfrm>
-                  <a:off x="3695308" y="4381332"/>
+                  <a:off x="3695308" y="4937258"/>
                   <a:ext cx="263277" cy="215444"/>
                 </a:xfrm>
                 <a:prstGeom prst="rect">
@@ -10035,7 +10035,7 @@
               </p:txBody>
             </p:sp>
           </mc:Choice>
-          <mc:Fallback xmlns="">
+          <mc:Fallback>
             <p:sp>
               <p:nvSpPr>
                 <p:cNvPr id="444" name="TextBox 443">
@@ -10052,7 +10052,7 @@
               </p:nvSpPr>
               <p:spPr>
                 <a:xfrm>
-                  <a:off x="3695308" y="4381332"/>
+                  <a:off x="3695308" y="4937258"/>
                   <a:ext cx="263277" cy="215444"/>
                 </a:xfrm>
                 <a:prstGeom prst="rect">
@@ -10094,8 +10094,8 @@
           </p:nvSpPr>
           <p:spPr>
             <a:xfrm>
-              <a:off x="408476" y="1143694"/>
-              <a:ext cx="2017665" cy="1064791"/>
+              <a:off x="408476" y="1699620"/>
+              <a:ext cx="2017665" cy="1116781"/>
             </a:xfrm>
             <a:prstGeom prst="roundRect">
               <a:avLst>
@@ -10159,7 +10159,7 @@
           </p:nvCxnSpPr>
           <p:spPr>
             <a:xfrm>
-              <a:off x="489131" y="1297582"/>
+              <a:off x="600805" y="1897997"/>
               <a:ext cx="590655" cy="0"/>
             </a:xfrm>
             <a:prstGeom prst="straightConnector1">
@@ -10191,7 +10191,7 @@
           </p:nvSpPr>
           <p:spPr>
             <a:xfrm>
-              <a:off x="617073" y="1490903"/>
+              <a:off x="728747" y="2091318"/>
               <a:ext cx="320839" cy="320839"/>
             </a:xfrm>
             <a:prstGeom prst="ellipse">
@@ -10270,7 +10270,7 @@
           </p:nvCxnSpPr>
           <p:spPr>
             <a:xfrm>
-              <a:off x="617073" y="1651323"/>
+              <a:off x="728747" y="2251738"/>
               <a:ext cx="320839" cy="0"/>
             </a:xfrm>
             <a:prstGeom prst="straightConnector1">
@@ -10304,7 +10304,7 @@
           </p:nvSpPr>
           <p:spPr>
             <a:xfrm>
-              <a:off x="1205432" y="1143694"/>
+              <a:off x="1317106" y="1744109"/>
               <a:ext cx="930353" cy="307777"/>
             </a:xfrm>
             <a:prstGeom prst="rect">
@@ -10376,7 +10376,7 @@
           </p:nvSpPr>
           <p:spPr>
             <a:xfrm>
-              <a:off x="1200321" y="1497260"/>
+              <a:off x="1317102" y="2104026"/>
               <a:ext cx="930352" cy="307777"/>
             </a:xfrm>
             <a:prstGeom prst="rect">
@@ -10455,7 +10455,7 @@
           </p:nvSpPr>
           <p:spPr>
             <a:xfrm>
-              <a:off x="622180" y="1852836"/>
+              <a:off x="733854" y="2453251"/>
               <a:ext cx="320839" cy="320839"/>
             </a:xfrm>
             <a:prstGeom prst="ellipse">
@@ -10534,7 +10534,7 @@
           </p:nvCxnSpPr>
           <p:spPr>
             <a:xfrm flipV="1">
-              <a:off x="782600" y="1852836"/>
+              <a:off x="894274" y="2453251"/>
               <a:ext cx="0" cy="320839"/>
             </a:xfrm>
             <a:prstGeom prst="straightConnector1">
@@ -10572,7 +10572,7 @@
           </p:nvCxnSpPr>
           <p:spPr>
             <a:xfrm flipH="1">
-              <a:off x="622180" y="2013256"/>
+              <a:off x="733854" y="2613671"/>
               <a:ext cx="320839" cy="0"/>
             </a:xfrm>
             <a:prstGeom prst="straightConnector1">
@@ -10606,7 +10606,7 @@
           </p:nvSpPr>
           <p:spPr>
             <a:xfrm>
-              <a:off x="1205429" y="1852424"/>
+              <a:off x="1312496" y="2452945"/>
               <a:ext cx="930350" cy="307777"/>
             </a:xfrm>
             <a:prstGeom prst="rect">
@@ -10678,7 +10678,7 @@
           </p:nvSpPr>
           <p:spPr>
             <a:xfrm>
-              <a:off x="8104085" y="2217206"/>
+              <a:off x="8104085" y="2773132"/>
               <a:ext cx="1271576" cy="738277"/>
             </a:xfrm>
             <a:prstGeom prst="roundRect">
@@ -10817,7 +10817,7 @@
           </p:nvSpPr>
           <p:spPr>
             <a:xfrm>
-              <a:off x="2701629" y="3037211"/>
+              <a:off x="2701629" y="3593137"/>
               <a:ext cx="903453" cy="523220"/>
             </a:xfrm>
             <a:prstGeom prst="rect">
@@ -11147,10 +11147,10 @@
       </p:sp>
       <p:grpSp>
         <p:nvGrpSpPr>
-          <p:cNvPr id="10" name="Group 9">
+          <p:cNvPr id="20" name="Group 19">
             <a:extLst>
               <a:ext uri="{FF2B5EF4-FFF2-40B4-BE49-F238E27FC236}">
-                <a16:creationId xmlns:a16="http://schemas.microsoft.com/office/drawing/2014/main" id="{1F0BDF20-F6EC-7E46-9664-5BF619E75D73}"/>
+                <a16:creationId xmlns:a16="http://schemas.microsoft.com/office/drawing/2014/main" id="{2792D675-45AD-4B4D-844B-A06407B580F9}"/>
               </a:ext>
             </a:extLst>
           </p:cNvPr>
@@ -11326,8 +11326,8 @@
             <a:effectLst/>
           </p:spPr>
         </p:cxnSp>
-        <mc:AlternateContent xmlns:mc="http://schemas.openxmlformats.org/markup-compatibility/2006" xmlns:a14="http://schemas.microsoft.com/office/drawing/2010/main">
-          <mc:Choice Requires="a14">
+        <mc:AlternateContent xmlns:mc="http://schemas.openxmlformats.org/markup-compatibility/2006">
+          <mc:Choice xmlns:a14="http://schemas.microsoft.com/office/drawing/2010/main" Requires="a14">
             <p:sp>
               <p:nvSpPr>
                 <p:cNvPr id="9" name="TextBox 8">
@@ -11432,7 +11432,7 @@
               </p:txBody>
             </p:sp>
           </mc:Choice>
-          <mc:Fallback xmlns="">
+          <mc:Fallback>
             <p:sp>
               <p:nvSpPr>
                 <p:cNvPr id="9" name="TextBox 8">
@@ -11512,8 +11512,8 @@
             <a:effectLst/>
           </p:spPr>
         </p:cxnSp>
-        <mc:AlternateContent xmlns:mc="http://schemas.openxmlformats.org/markup-compatibility/2006" xmlns:a14="http://schemas.microsoft.com/office/drawing/2010/main">
-          <mc:Choice Requires="a14">
+        <mc:AlternateContent xmlns:mc="http://schemas.openxmlformats.org/markup-compatibility/2006">
+          <mc:Choice xmlns:a14="http://schemas.microsoft.com/office/drawing/2010/main" Requires="a14">
             <p:sp>
               <p:nvSpPr>
                 <p:cNvPr id="14" name="TextBox 13">
@@ -11582,7 +11582,7 @@
               </p:txBody>
             </p:sp>
           </mc:Choice>
-          <mc:Fallback xmlns="">
+          <mc:Fallback>
             <p:sp>
               <p:nvSpPr>
                 <p:cNvPr id="14" name="TextBox 13">
@@ -11696,8 +11696,8 @@
             </a:p>
           </p:txBody>
         </p:sp>
-        <mc:AlternateContent xmlns:mc="http://schemas.openxmlformats.org/markup-compatibility/2006" xmlns:a14="http://schemas.microsoft.com/office/drawing/2010/main">
-          <mc:Choice Requires="a14">
+        <mc:AlternateContent xmlns:mc="http://schemas.openxmlformats.org/markup-compatibility/2006">
+          <mc:Choice xmlns:a14="http://schemas.microsoft.com/office/drawing/2010/main" Requires="a14">
             <p:sp>
               <p:nvSpPr>
                 <p:cNvPr id="12" name="TextBox 11">
@@ -11766,7 +11766,7 @@
               </p:txBody>
             </p:sp>
           </mc:Choice>
-          <mc:Fallback xmlns="">
+          <mc:Fallback>
             <p:sp>
               <p:nvSpPr>
                 <p:cNvPr id="12" name="TextBox 11">
@@ -11811,8 +11811,8 @@
             </p:sp>
           </mc:Fallback>
         </mc:AlternateContent>
-        <mc:AlternateContent xmlns:mc="http://schemas.openxmlformats.org/markup-compatibility/2006" xmlns:a14="http://schemas.microsoft.com/office/drawing/2010/main">
-          <mc:Choice Requires="a14">
+        <mc:AlternateContent xmlns:mc="http://schemas.openxmlformats.org/markup-compatibility/2006">
+          <mc:Choice xmlns:a14="http://schemas.microsoft.com/office/drawing/2010/main" Requires="a14">
             <p:sp>
               <p:nvSpPr>
                 <p:cNvPr id="3" name="Rounded Rectangle 2">
@@ -11956,7 +11956,7 @@
               </p:txBody>
             </p:sp>
           </mc:Choice>
-          <mc:Fallback xmlns="">
+          <mc:Fallback>
             <p:sp>
               <p:nvSpPr>
                 <p:cNvPr id="3" name="Rounded Rectangle 2">
@@ -12017,8 +12017,8 @@
             </p:sp>
           </mc:Fallback>
         </mc:AlternateContent>
-        <mc:AlternateContent xmlns:mc="http://schemas.openxmlformats.org/markup-compatibility/2006" xmlns:a14="http://schemas.microsoft.com/office/drawing/2010/main">
-          <mc:Choice Requires="a14">
+        <mc:AlternateContent xmlns:mc="http://schemas.openxmlformats.org/markup-compatibility/2006">
+          <mc:Choice xmlns:a14="http://schemas.microsoft.com/office/drawing/2010/main" Requires="a14">
             <p:sp>
               <p:nvSpPr>
                 <p:cNvPr id="4" name="Rounded Rectangle 3">
@@ -12155,7 +12155,7 @@
               </p:txBody>
             </p:sp>
           </mc:Choice>
-          <mc:Fallback xmlns="">
+          <mc:Fallback>
             <p:sp>
               <p:nvSpPr>
                 <p:cNvPr id="4" name="Rounded Rectangle 3">
@@ -12216,8 +12216,8 @@
             </p:sp>
           </mc:Fallback>
         </mc:AlternateContent>
-        <mc:AlternateContent xmlns:mc="http://schemas.openxmlformats.org/markup-compatibility/2006" xmlns:a14="http://schemas.microsoft.com/office/drawing/2010/main">
-          <mc:Choice Requires="a14">
+        <mc:AlternateContent xmlns:mc="http://schemas.openxmlformats.org/markup-compatibility/2006">
+          <mc:Choice xmlns:a14="http://schemas.microsoft.com/office/drawing/2010/main" Requires="a14">
             <p:sp>
               <p:nvSpPr>
                 <p:cNvPr id="5" name="Rounded Rectangle 4">
@@ -12354,7 +12354,7 @@
               </p:txBody>
             </p:sp>
           </mc:Choice>
-          <mc:Fallback xmlns="">
+          <mc:Fallback>
             <p:sp>
               <p:nvSpPr>
                 <p:cNvPr id="5" name="Rounded Rectangle 4">
@@ -12490,8 +12490,8 @@
             <a:effectLst/>
           </p:spPr>
         </p:cxnSp>
-        <mc:AlternateContent xmlns:mc="http://schemas.openxmlformats.org/markup-compatibility/2006" xmlns:a14="http://schemas.microsoft.com/office/drawing/2010/main">
-          <mc:Choice Requires="a14">
+        <mc:AlternateContent xmlns:mc="http://schemas.openxmlformats.org/markup-compatibility/2006">
+          <mc:Choice xmlns:a14="http://schemas.microsoft.com/office/drawing/2010/main" Requires="a14">
             <p:sp>
               <p:nvSpPr>
                 <p:cNvPr id="11" name="TextBox 10">
@@ -12560,7 +12560,7 @@
               </p:txBody>
             </p:sp>
           </mc:Choice>
-          <mc:Fallback xmlns="">
+          <mc:Fallback>
             <p:sp>
               <p:nvSpPr>
                 <p:cNvPr id="11" name="TextBox 10">
@@ -13344,1239 +13344,1218 @@
             </a:fontRef>
           </p:style>
         </p:cxnSp>
-        <p:grpSp>
-          <p:nvGrpSpPr>
-            <p:cNvPr id="151" name="Group 150">
+        <p:sp>
+          <p:nvSpPr>
+            <p:cNvPr id="130" name="Freeform 129">
               <a:extLst>
                 <a:ext uri="{FF2B5EF4-FFF2-40B4-BE49-F238E27FC236}">
-                  <a16:creationId xmlns:a16="http://schemas.microsoft.com/office/drawing/2014/main" id="{E9A50B35-3E7B-254A-8E03-B63EB939AD49}"/>
+                  <a16:creationId xmlns:a16="http://schemas.microsoft.com/office/drawing/2014/main" id="{521921DF-04D5-A046-B365-6454B7AFC1A4}"/>
                 </a:ext>
               </a:extLst>
             </p:cNvPr>
-            <p:cNvGrpSpPr/>
+            <p:cNvSpPr/>
             <p:nvPr/>
-          </p:nvGrpSpPr>
-          <p:grpSpPr>
+          </p:nvSpPr>
+          <p:spPr>
             <a:xfrm>
-              <a:off x="539831" y="2221919"/>
-              <a:ext cx="4940398" cy="1520644"/>
-              <a:chOff x="882526" y="2490930"/>
-              <a:chExt cx="4940398" cy="1520644"/>
+              <a:off x="570876" y="2252963"/>
+              <a:ext cx="4875429" cy="1460091"/>
             </a:xfrm>
-          </p:grpSpPr>
-          <p:sp>
-            <p:nvSpPr>
-              <p:cNvPr id="130" name="Freeform 129">
-                <a:extLst>
-                  <a:ext uri="{FF2B5EF4-FFF2-40B4-BE49-F238E27FC236}">
-                    <a16:creationId xmlns:a16="http://schemas.microsoft.com/office/drawing/2014/main" id="{521921DF-04D5-A046-B365-6454B7AFC1A4}"/>
-                  </a:ext>
-                </a:extLst>
-              </p:cNvPr>
-              <p:cNvSpPr/>
-              <p:nvPr/>
-            </p:nvSpPr>
-            <p:spPr>
-              <a:xfrm>
-                <a:off x="913571" y="2521974"/>
-                <a:ext cx="4875429" cy="1460091"/>
-              </a:xfrm>
-              <a:custGeom>
-                <a:avLst/>
-                <a:gdLst>
-                  <a:gd name="connsiteX0" fmla="*/ 0 w 4807975"/>
-                  <a:gd name="connsiteY0" fmla="*/ 1342103 h 1460091"/>
-                  <a:gd name="connsiteX1" fmla="*/ 206478 w 4807975"/>
-                  <a:gd name="connsiteY1" fmla="*/ 921774 h 1460091"/>
-                  <a:gd name="connsiteX2" fmla="*/ 523568 w 4807975"/>
-                  <a:gd name="connsiteY2" fmla="*/ 1460091 h 1460091"/>
-                  <a:gd name="connsiteX3" fmla="*/ 825910 w 4807975"/>
-                  <a:gd name="connsiteY3" fmla="*/ 921774 h 1460091"/>
-                  <a:gd name="connsiteX4" fmla="*/ 1179871 w 4807975"/>
-                  <a:gd name="connsiteY4" fmla="*/ 1253613 h 1460091"/>
-                  <a:gd name="connsiteX5" fmla="*/ 1482213 w 4807975"/>
-                  <a:gd name="connsiteY5" fmla="*/ 737420 h 1460091"/>
-                  <a:gd name="connsiteX6" fmla="*/ 1821426 w 4807975"/>
-                  <a:gd name="connsiteY6" fmla="*/ 899652 h 1460091"/>
-                  <a:gd name="connsiteX7" fmla="*/ 2020529 w 4807975"/>
-                  <a:gd name="connsiteY7" fmla="*/ 560439 h 1460091"/>
-                  <a:gd name="connsiteX8" fmla="*/ 2492478 w 4807975"/>
-                  <a:gd name="connsiteY8" fmla="*/ 1290484 h 1460091"/>
-                  <a:gd name="connsiteX9" fmla="*/ 2765323 w 4807975"/>
-                  <a:gd name="connsiteY9" fmla="*/ 707923 h 1460091"/>
-                  <a:gd name="connsiteX10" fmla="*/ 3030794 w 4807975"/>
-                  <a:gd name="connsiteY10" fmla="*/ 870155 h 1460091"/>
-                  <a:gd name="connsiteX11" fmla="*/ 3281517 w 4807975"/>
-                  <a:gd name="connsiteY11" fmla="*/ 464574 h 1460091"/>
-                  <a:gd name="connsiteX12" fmla="*/ 3539613 w 4807975"/>
-                  <a:gd name="connsiteY12" fmla="*/ 936523 h 1460091"/>
-                  <a:gd name="connsiteX13" fmla="*/ 3827207 w 4807975"/>
-                  <a:gd name="connsiteY13" fmla="*/ 176981 h 1460091"/>
-                  <a:gd name="connsiteX14" fmla="*/ 4144297 w 4807975"/>
-                  <a:gd name="connsiteY14" fmla="*/ 516194 h 1460091"/>
-                  <a:gd name="connsiteX15" fmla="*/ 4350775 w 4807975"/>
-                  <a:gd name="connsiteY15" fmla="*/ 243349 h 1460091"/>
-                  <a:gd name="connsiteX16" fmla="*/ 4557252 w 4807975"/>
-                  <a:gd name="connsiteY16" fmla="*/ 678426 h 1460091"/>
-                  <a:gd name="connsiteX17" fmla="*/ 4807975 w 4807975"/>
-                  <a:gd name="connsiteY17" fmla="*/ 0 h 1460091"/>
-                </a:gdLst>
-                <a:ahLst/>
-                <a:cxnLst>
-                  <a:cxn ang="0">
-                    <a:pos x="connsiteX0" y="connsiteY0"/>
-                  </a:cxn>
-                  <a:cxn ang="0">
-                    <a:pos x="connsiteX1" y="connsiteY1"/>
-                  </a:cxn>
-                  <a:cxn ang="0">
-                    <a:pos x="connsiteX2" y="connsiteY2"/>
-                  </a:cxn>
-                  <a:cxn ang="0">
-                    <a:pos x="connsiteX3" y="connsiteY3"/>
-                  </a:cxn>
-                  <a:cxn ang="0">
-                    <a:pos x="connsiteX4" y="connsiteY4"/>
-                  </a:cxn>
-                  <a:cxn ang="0">
-                    <a:pos x="connsiteX5" y="connsiteY5"/>
-                  </a:cxn>
-                  <a:cxn ang="0">
-                    <a:pos x="connsiteX6" y="connsiteY6"/>
-                  </a:cxn>
-                  <a:cxn ang="0">
-                    <a:pos x="connsiteX7" y="connsiteY7"/>
-                  </a:cxn>
-                  <a:cxn ang="0">
-                    <a:pos x="connsiteX8" y="connsiteY8"/>
-                  </a:cxn>
-                  <a:cxn ang="0">
-                    <a:pos x="connsiteX9" y="connsiteY9"/>
-                  </a:cxn>
-                  <a:cxn ang="0">
-                    <a:pos x="connsiteX10" y="connsiteY10"/>
-                  </a:cxn>
-                  <a:cxn ang="0">
-                    <a:pos x="connsiteX11" y="connsiteY11"/>
-                  </a:cxn>
-                  <a:cxn ang="0">
-                    <a:pos x="connsiteX12" y="connsiteY12"/>
-                  </a:cxn>
-                  <a:cxn ang="0">
-                    <a:pos x="connsiteX13" y="connsiteY13"/>
-                  </a:cxn>
-                  <a:cxn ang="0">
-                    <a:pos x="connsiteX14" y="connsiteY14"/>
-                  </a:cxn>
-                  <a:cxn ang="0">
-                    <a:pos x="connsiteX15" y="connsiteY15"/>
-                  </a:cxn>
-                  <a:cxn ang="0">
-                    <a:pos x="connsiteX16" y="connsiteY16"/>
-                  </a:cxn>
-                  <a:cxn ang="0">
-                    <a:pos x="connsiteX17" y="connsiteY17"/>
-                  </a:cxn>
-                </a:cxnLst>
-                <a:rect l="l" t="t" r="r" b="b"/>
-                <a:pathLst>
-                  <a:path w="4807975" h="1460091">
-                    <a:moveTo>
-                      <a:pt x="0" y="1342103"/>
-                    </a:moveTo>
-                    <a:cubicBezTo>
-                      <a:pt x="59608" y="1122106"/>
-                      <a:pt x="119217" y="902109"/>
-                      <a:pt x="206478" y="921774"/>
-                    </a:cubicBezTo>
-                    <a:cubicBezTo>
-                      <a:pt x="293739" y="941439"/>
-                      <a:pt x="420329" y="1460091"/>
-                      <a:pt x="523568" y="1460091"/>
-                    </a:cubicBezTo>
-                    <a:cubicBezTo>
-                      <a:pt x="626807" y="1460091"/>
-                      <a:pt x="716526" y="956187"/>
-                      <a:pt x="825910" y="921774"/>
-                    </a:cubicBezTo>
-                    <a:cubicBezTo>
-                      <a:pt x="935294" y="887361"/>
-                      <a:pt x="1070487" y="1284339"/>
-                      <a:pt x="1179871" y="1253613"/>
-                    </a:cubicBezTo>
-                    <a:cubicBezTo>
-                      <a:pt x="1289255" y="1222887"/>
-                      <a:pt x="1375287" y="796413"/>
-                      <a:pt x="1482213" y="737420"/>
-                    </a:cubicBezTo>
-                    <a:cubicBezTo>
-                      <a:pt x="1589139" y="678426"/>
-                      <a:pt x="1731707" y="929149"/>
-                      <a:pt x="1821426" y="899652"/>
-                    </a:cubicBezTo>
-                    <a:cubicBezTo>
-                      <a:pt x="1911145" y="870155"/>
-                      <a:pt x="1908687" y="495300"/>
-                      <a:pt x="2020529" y="560439"/>
-                    </a:cubicBezTo>
-                    <a:cubicBezTo>
-                      <a:pt x="2132371" y="625578"/>
-                      <a:pt x="2368346" y="1265903"/>
-                      <a:pt x="2492478" y="1290484"/>
-                    </a:cubicBezTo>
-                    <a:cubicBezTo>
-                      <a:pt x="2616610" y="1315065"/>
-                      <a:pt x="2675604" y="777978"/>
-                      <a:pt x="2765323" y="707923"/>
-                    </a:cubicBezTo>
-                    <a:cubicBezTo>
-                      <a:pt x="2855042" y="637868"/>
-                      <a:pt x="2944762" y="910713"/>
-                      <a:pt x="3030794" y="870155"/>
-                    </a:cubicBezTo>
-                    <a:cubicBezTo>
-                      <a:pt x="3116826" y="829597"/>
-                      <a:pt x="3196714" y="453513"/>
-                      <a:pt x="3281517" y="464574"/>
-                    </a:cubicBezTo>
-                    <a:cubicBezTo>
-                      <a:pt x="3366320" y="475635"/>
-                      <a:pt x="3448665" y="984455"/>
-                      <a:pt x="3539613" y="936523"/>
-                    </a:cubicBezTo>
-                    <a:cubicBezTo>
-                      <a:pt x="3630561" y="888591"/>
-                      <a:pt x="3726426" y="247036"/>
-                      <a:pt x="3827207" y="176981"/>
-                    </a:cubicBezTo>
-                    <a:cubicBezTo>
-                      <a:pt x="3927988" y="106926"/>
-                      <a:pt x="4057036" y="505133"/>
-                      <a:pt x="4144297" y="516194"/>
-                    </a:cubicBezTo>
-                    <a:cubicBezTo>
-                      <a:pt x="4231558" y="527255"/>
-                      <a:pt x="4281949" y="216310"/>
-                      <a:pt x="4350775" y="243349"/>
-                    </a:cubicBezTo>
-                    <a:cubicBezTo>
-                      <a:pt x="4419601" y="270388"/>
-                      <a:pt x="4481052" y="718984"/>
-                      <a:pt x="4557252" y="678426"/>
-                    </a:cubicBezTo>
-                    <a:cubicBezTo>
-                      <a:pt x="4633452" y="637868"/>
-                      <a:pt x="4740378" y="154858"/>
-                      <a:pt x="4807975" y="0"/>
-                    </a:cubicBezTo>
-                  </a:path>
-                </a:pathLst>
-              </a:custGeom>
-              <a:noFill/>
-              <a:ln w="25400">
-                <a:solidFill>
-                  <a:srgbClr val="C00000"/>
-                </a:solidFill>
-              </a:ln>
-            </p:spPr>
-            <p:style>
-              <a:lnRef idx="2">
-                <a:schemeClr val="accent1">
-                  <a:shade val="50000"/>
-                </a:schemeClr>
-              </a:lnRef>
-              <a:fillRef idx="1">
-                <a:schemeClr val="accent1"/>
-              </a:fillRef>
-              <a:effectRef idx="0">
-                <a:schemeClr val="accent1"/>
-              </a:effectRef>
-              <a:fontRef idx="minor">
-                <a:schemeClr val="lt1"/>
-              </a:fontRef>
-            </p:style>
-            <p:txBody>
-              <a:bodyPr rtlCol="0" anchor="ctr"/>
-              <a:lstStyle/>
-              <a:p>
-                <a:pPr algn="ctr"/>
-                <a:endParaRPr lang="en-CN" dirty="0"/>
-              </a:p>
-            </p:txBody>
-          </p:sp>
-          <p:sp>
-            <p:nvSpPr>
-              <p:cNvPr id="133" name="Oval 132">
-                <a:extLst>
-                  <a:ext uri="{FF2B5EF4-FFF2-40B4-BE49-F238E27FC236}">
-                    <a16:creationId xmlns:a16="http://schemas.microsoft.com/office/drawing/2014/main" id="{AF9DA007-19C4-3A41-AE7A-BD637DEE8CB8}"/>
-                  </a:ext>
-                </a:extLst>
-              </p:cNvPr>
-              <p:cNvSpPr/>
-              <p:nvPr/>
-            </p:nvSpPr>
-            <p:spPr>
-              <a:xfrm>
-                <a:off x="882526" y="3852927"/>
-                <a:ext cx="62088" cy="62088"/>
-              </a:xfrm>
-              <a:prstGeom prst="ellipse">
-                <a:avLst/>
-              </a:prstGeom>
+            <a:custGeom>
+              <a:avLst/>
+              <a:gdLst>
+                <a:gd name="connsiteX0" fmla="*/ 0 w 4807975"/>
+                <a:gd name="connsiteY0" fmla="*/ 1342103 h 1460091"/>
+                <a:gd name="connsiteX1" fmla="*/ 206478 w 4807975"/>
+                <a:gd name="connsiteY1" fmla="*/ 921774 h 1460091"/>
+                <a:gd name="connsiteX2" fmla="*/ 523568 w 4807975"/>
+                <a:gd name="connsiteY2" fmla="*/ 1460091 h 1460091"/>
+                <a:gd name="connsiteX3" fmla="*/ 825910 w 4807975"/>
+                <a:gd name="connsiteY3" fmla="*/ 921774 h 1460091"/>
+                <a:gd name="connsiteX4" fmla="*/ 1179871 w 4807975"/>
+                <a:gd name="connsiteY4" fmla="*/ 1253613 h 1460091"/>
+                <a:gd name="connsiteX5" fmla="*/ 1482213 w 4807975"/>
+                <a:gd name="connsiteY5" fmla="*/ 737420 h 1460091"/>
+                <a:gd name="connsiteX6" fmla="*/ 1821426 w 4807975"/>
+                <a:gd name="connsiteY6" fmla="*/ 899652 h 1460091"/>
+                <a:gd name="connsiteX7" fmla="*/ 2020529 w 4807975"/>
+                <a:gd name="connsiteY7" fmla="*/ 560439 h 1460091"/>
+                <a:gd name="connsiteX8" fmla="*/ 2492478 w 4807975"/>
+                <a:gd name="connsiteY8" fmla="*/ 1290484 h 1460091"/>
+                <a:gd name="connsiteX9" fmla="*/ 2765323 w 4807975"/>
+                <a:gd name="connsiteY9" fmla="*/ 707923 h 1460091"/>
+                <a:gd name="connsiteX10" fmla="*/ 3030794 w 4807975"/>
+                <a:gd name="connsiteY10" fmla="*/ 870155 h 1460091"/>
+                <a:gd name="connsiteX11" fmla="*/ 3281517 w 4807975"/>
+                <a:gd name="connsiteY11" fmla="*/ 464574 h 1460091"/>
+                <a:gd name="connsiteX12" fmla="*/ 3539613 w 4807975"/>
+                <a:gd name="connsiteY12" fmla="*/ 936523 h 1460091"/>
+                <a:gd name="connsiteX13" fmla="*/ 3827207 w 4807975"/>
+                <a:gd name="connsiteY13" fmla="*/ 176981 h 1460091"/>
+                <a:gd name="connsiteX14" fmla="*/ 4144297 w 4807975"/>
+                <a:gd name="connsiteY14" fmla="*/ 516194 h 1460091"/>
+                <a:gd name="connsiteX15" fmla="*/ 4350775 w 4807975"/>
+                <a:gd name="connsiteY15" fmla="*/ 243349 h 1460091"/>
+                <a:gd name="connsiteX16" fmla="*/ 4557252 w 4807975"/>
+                <a:gd name="connsiteY16" fmla="*/ 678426 h 1460091"/>
+                <a:gd name="connsiteX17" fmla="*/ 4807975 w 4807975"/>
+                <a:gd name="connsiteY17" fmla="*/ 0 h 1460091"/>
+              </a:gdLst>
+              <a:ahLst/>
+              <a:cxnLst>
+                <a:cxn ang="0">
+                  <a:pos x="connsiteX0" y="connsiteY0"/>
+                </a:cxn>
+                <a:cxn ang="0">
+                  <a:pos x="connsiteX1" y="connsiteY1"/>
+                </a:cxn>
+                <a:cxn ang="0">
+                  <a:pos x="connsiteX2" y="connsiteY2"/>
+                </a:cxn>
+                <a:cxn ang="0">
+                  <a:pos x="connsiteX3" y="connsiteY3"/>
+                </a:cxn>
+                <a:cxn ang="0">
+                  <a:pos x="connsiteX4" y="connsiteY4"/>
+                </a:cxn>
+                <a:cxn ang="0">
+                  <a:pos x="connsiteX5" y="connsiteY5"/>
+                </a:cxn>
+                <a:cxn ang="0">
+                  <a:pos x="connsiteX6" y="connsiteY6"/>
+                </a:cxn>
+                <a:cxn ang="0">
+                  <a:pos x="connsiteX7" y="connsiteY7"/>
+                </a:cxn>
+                <a:cxn ang="0">
+                  <a:pos x="connsiteX8" y="connsiteY8"/>
+                </a:cxn>
+                <a:cxn ang="0">
+                  <a:pos x="connsiteX9" y="connsiteY9"/>
+                </a:cxn>
+                <a:cxn ang="0">
+                  <a:pos x="connsiteX10" y="connsiteY10"/>
+                </a:cxn>
+                <a:cxn ang="0">
+                  <a:pos x="connsiteX11" y="connsiteY11"/>
+                </a:cxn>
+                <a:cxn ang="0">
+                  <a:pos x="connsiteX12" y="connsiteY12"/>
+                </a:cxn>
+                <a:cxn ang="0">
+                  <a:pos x="connsiteX13" y="connsiteY13"/>
+                </a:cxn>
+                <a:cxn ang="0">
+                  <a:pos x="connsiteX14" y="connsiteY14"/>
+                </a:cxn>
+                <a:cxn ang="0">
+                  <a:pos x="connsiteX15" y="connsiteY15"/>
+                </a:cxn>
+                <a:cxn ang="0">
+                  <a:pos x="connsiteX16" y="connsiteY16"/>
+                </a:cxn>
+                <a:cxn ang="0">
+                  <a:pos x="connsiteX17" y="connsiteY17"/>
+                </a:cxn>
+              </a:cxnLst>
+              <a:rect l="l" t="t" r="r" b="b"/>
+              <a:pathLst>
+                <a:path w="4807975" h="1460091">
+                  <a:moveTo>
+                    <a:pt x="0" y="1342103"/>
+                  </a:moveTo>
+                  <a:cubicBezTo>
+                    <a:pt x="59608" y="1122106"/>
+                    <a:pt x="119217" y="902109"/>
+                    <a:pt x="206478" y="921774"/>
+                  </a:cubicBezTo>
+                  <a:cubicBezTo>
+                    <a:pt x="293739" y="941439"/>
+                    <a:pt x="420329" y="1460091"/>
+                    <a:pt x="523568" y="1460091"/>
+                  </a:cubicBezTo>
+                  <a:cubicBezTo>
+                    <a:pt x="626807" y="1460091"/>
+                    <a:pt x="716526" y="956187"/>
+                    <a:pt x="825910" y="921774"/>
+                  </a:cubicBezTo>
+                  <a:cubicBezTo>
+                    <a:pt x="935294" y="887361"/>
+                    <a:pt x="1070487" y="1284339"/>
+                    <a:pt x="1179871" y="1253613"/>
+                  </a:cubicBezTo>
+                  <a:cubicBezTo>
+                    <a:pt x="1289255" y="1222887"/>
+                    <a:pt x="1375287" y="796413"/>
+                    <a:pt x="1482213" y="737420"/>
+                  </a:cubicBezTo>
+                  <a:cubicBezTo>
+                    <a:pt x="1589139" y="678426"/>
+                    <a:pt x="1731707" y="929149"/>
+                    <a:pt x="1821426" y="899652"/>
+                  </a:cubicBezTo>
+                  <a:cubicBezTo>
+                    <a:pt x="1911145" y="870155"/>
+                    <a:pt x="1908687" y="495300"/>
+                    <a:pt x="2020529" y="560439"/>
+                  </a:cubicBezTo>
+                  <a:cubicBezTo>
+                    <a:pt x="2132371" y="625578"/>
+                    <a:pt x="2368346" y="1265903"/>
+                    <a:pt x="2492478" y="1290484"/>
+                  </a:cubicBezTo>
+                  <a:cubicBezTo>
+                    <a:pt x="2616610" y="1315065"/>
+                    <a:pt x="2675604" y="777978"/>
+                    <a:pt x="2765323" y="707923"/>
+                  </a:cubicBezTo>
+                  <a:cubicBezTo>
+                    <a:pt x="2855042" y="637868"/>
+                    <a:pt x="2944762" y="910713"/>
+                    <a:pt x="3030794" y="870155"/>
+                  </a:cubicBezTo>
+                  <a:cubicBezTo>
+                    <a:pt x="3116826" y="829597"/>
+                    <a:pt x="3196714" y="453513"/>
+                    <a:pt x="3281517" y="464574"/>
+                  </a:cubicBezTo>
+                  <a:cubicBezTo>
+                    <a:pt x="3366320" y="475635"/>
+                    <a:pt x="3448665" y="984455"/>
+                    <a:pt x="3539613" y="936523"/>
+                  </a:cubicBezTo>
+                  <a:cubicBezTo>
+                    <a:pt x="3630561" y="888591"/>
+                    <a:pt x="3726426" y="247036"/>
+                    <a:pt x="3827207" y="176981"/>
+                  </a:cubicBezTo>
+                  <a:cubicBezTo>
+                    <a:pt x="3927988" y="106926"/>
+                    <a:pt x="4057036" y="505133"/>
+                    <a:pt x="4144297" y="516194"/>
+                  </a:cubicBezTo>
+                  <a:cubicBezTo>
+                    <a:pt x="4231558" y="527255"/>
+                    <a:pt x="4281949" y="216310"/>
+                    <a:pt x="4350775" y="243349"/>
+                  </a:cubicBezTo>
+                  <a:cubicBezTo>
+                    <a:pt x="4419601" y="270388"/>
+                    <a:pt x="4481052" y="718984"/>
+                    <a:pt x="4557252" y="678426"/>
+                  </a:cubicBezTo>
+                  <a:cubicBezTo>
+                    <a:pt x="4633452" y="637868"/>
+                    <a:pt x="4740378" y="154858"/>
+                    <a:pt x="4807975" y="0"/>
+                  </a:cubicBezTo>
+                </a:path>
+              </a:pathLst>
+            </a:custGeom>
+            <a:noFill/>
+            <a:ln w="25400">
+              <a:solidFill>
+                <a:srgbClr val="C00000"/>
+              </a:solidFill>
+            </a:ln>
+          </p:spPr>
+          <p:style>
+            <a:lnRef idx="2">
+              <a:schemeClr val="accent1">
+                <a:shade val="50000"/>
+              </a:schemeClr>
+            </a:lnRef>
+            <a:fillRef idx="1">
+              <a:schemeClr val="accent1"/>
+            </a:fillRef>
+            <a:effectRef idx="0">
+              <a:schemeClr val="accent1"/>
+            </a:effectRef>
+            <a:fontRef idx="minor">
+              <a:schemeClr val="lt1"/>
+            </a:fontRef>
+          </p:style>
+          <p:txBody>
+            <a:bodyPr rtlCol="0" anchor="ctr"/>
+            <a:lstStyle/>
+            <a:p>
+              <a:pPr algn="ctr"/>
+              <a:endParaRPr lang="en-CN" dirty="0"/>
+            </a:p>
+          </p:txBody>
+        </p:sp>
+        <p:sp>
+          <p:nvSpPr>
+            <p:cNvPr id="133" name="Oval 132">
+              <a:extLst>
+                <a:ext uri="{FF2B5EF4-FFF2-40B4-BE49-F238E27FC236}">
+                  <a16:creationId xmlns:a16="http://schemas.microsoft.com/office/drawing/2014/main" id="{AF9DA007-19C4-3A41-AE7A-BD637DEE8CB8}"/>
+                </a:ext>
+              </a:extLst>
+            </p:cNvPr>
+            <p:cNvSpPr/>
+            <p:nvPr/>
+          </p:nvSpPr>
+          <p:spPr>
+            <a:xfrm>
+              <a:off x="539831" y="3583916"/>
+              <a:ext cx="62088" cy="62088"/>
+            </a:xfrm>
+            <a:prstGeom prst="ellipse">
+              <a:avLst/>
+            </a:prstGeom>
+            <a:solidFill>
+              <a:schemeClr val="tx1"/>
+            </a:solidFill>
+            <a:ln>
               <a:solidFill>
                 <a:schemeClr val="tx1"/>
               </a:solidFill>
-              <a:ln>
-                <a:solidFill>
-                  <a:schemeClr val="tx1"/>
-                </a:solidFill>
-              </a:ln>
-            </p:spPr>
-            <p:style>
-              <a:lnRef idx="2">
-                <a:schemeClr val="accent1">
-                  <a:shade val="50000"/>
-                </a:schemeClr>
-              </a:lnRef>
-              <a:fillRef idx="1">
-                <a:schemeClr val="accent1"/>
-              </a:fillRef>
-              <a:effectRef idx="0">
-                <a:schemeClr val="accent1"/>
-              </a:effectRef>
-              <a:fontRef idx="minor">
-                <a:schemeClr val="lt1"/>
-              </a:fontRef>
-            </p:style>
-            <p:txBody>
-              <a:bodyPr rtlCol="0" anchor="ctr"/>
-              <a:lstStyle/>
-              <a:p>
-                <a:pPr algn="ctr"/>
-                <a:endParaRPr lang="en-CN"/>
-              </a:p>
-            </p:txBody>
-          </p:sp>
-          <p:sp>
-            <p:nvSpPr>
-              <p:cNvPr id="134" name="Oval 133">
-                <a:extLst>
-                  <a:ext uri="{FF2B5EF4-FFF2-40B4-BE49-F238E27FC236}">
-                    <a16:creationId xmlns:a16="http://schemas.microsoft.com/office/drawing/2014/main" id="{7EC3F3D2-1182-8D4B-88A9-2593B442A980}"/>
-                  </a:ext>
-                </a:extLst>
-              </p:cNvPr>
-              <p:cNvSpPr/>
-              <p:nvPr/>
-            </p:nvSpPr>
-            <p:spPr>
-              <a:xfrm>
-                <a:off x="1076201" y="3418647"/>
-                <a:ext cx="62088" cy="62088"/>
-              </a:xfrm>
-              <a:prstGeom prst="ellipse">
-                <a:avLst/>
-              </a:prstGeom>
+            </a:ln>
+          </p:spPr>
+          <p:style>
+            <a:lnRef idx="2">
+              <a:schemeClr val="accent1">
+                <a:shade val="50000"/>
+              </a:schemeClr>
+            </a:lnRef>
+            <a:fillRef idx="1">
+              <a:schemeClr val="accent1"/>
+            </a:fillRef>
+            <a:effectRef idx="0">
+              <a:schemeClr val="accent1"/>
+            </a:effectRef>
+            <a:fontRef idx="minor">
+              <a:schemeClr val="lt1"/>
+            </a:fontRef>
+          </p:style>
+          <p:txBody>
+            <a:bodyPr rtlCol="0" anchor="ctr"/>
+            <a:lstStyle/>
+            <a:p>
+              <a:pPr algn="ctr"/>
+              <a:endParaRPr lang="en-CN"/>
+            </a:p>
+          </p:txBody>
+        </p:sp>
+        <p:sp>
+          <p:nvSpPr>
+            <p:cNvPr id="134" name="Oval 133">
+              <a:extLst>
+                <a:ext uri="{FF2B5EF4-FFF2-40B4-BE49-F238E27FC236}">
+                  <a16:creationId xmlns:a16="http://schemas.microsoft.com/office/drawing/2014/main" id="{7EC3F3D2-1182-8D4B-88A9-2593B442A980}"/>
+                </a:ext>
+              </a:extLst>
+            </p:cNvPr>
+            <p:cNvSpPr/>
+            <p:nvPr/>
+          </p:nvSpPr>
+          <p:spPr>
+            <a:xfrm>
+              <a:off x="733506" y="3149636"/>
+              <a:ext cx="62088" cy="62088"/>
+            </a:xfrm>
+            <a:prstGeom prst="ellipse">
+              <a:avLst/>
+            </a:prstGeom>
+            <a:solidFill>
+              <a:schemeClr val="tx1"/>
+            </a:solidFill>
+            <a:ln>
               <a:solidFill>
                 <a:schemeClr val="tx1"/>
               </a:solidFill>
-              <a:ln>
-                <a:solidFill>
-                  <a:schemeClr val="tx1"/>
-                </a:solidFill>
-              </a:ln>
-            </p:spPr>
-            <p:style>
-              <a:lnRef idx="2">
-                <a:schemeClr val="accent1">
-                  <a:shade val="50000"/>
-                </a:schemeClr>
-              </a:lnRef>
-              <a:fillRef idx="1">
-                <a:schemeClr val="accent1"/>
-              </a:fillRef>
-              <a:effectRef idx="0">
-                <a:schemeClr val="accent1"/>
-              </a:effectRef>
-              <a:fontRef idx="minor">
-                <a:schemeClr val="lt1"/>
-              </a:fontRef>
-            </p:style>
-            <p:txBody>
-              <a:bodyPr rtlCol="0" anchor="ctr"/>
-              <a:lstStyle/>
-              <a:p>
-                <a:pPr algn="ctr"/>
-                <a:endParaRPr lang="en-CN"/>
-              </a:p>
-            </p:txBody>
-          </p:sp>
-          <p:sp>
-            <p:nvSpPr>
-              <p:cNvPr id="135" name="Oval 134">
-                <a:extLst>
-                  <a:ext uri="{FF2B5EF4-FFF2-40B4-BE49-F238E27FC236}">
-                    <a16:creationId xmlns:a16="http://schemas.microsoft.com/office/drawing/2014/main" id="{A478FDFE-0CDF-7C45-A6D7-41F4F30FC3F4}"/>
-                  </a:ext>
-                </a:extLst>
-              </p:cNvPr>
-              <p:cNvSpPr/>
-              <p:nvPr/>
-            </p:nvSpPr>
-            <p:spPr>
-              <a:xfrm>
-                <a:off x="1427168" y="3949486"/>
-                <a:ext cx="62088" cy="62088"/>
-              </a:xfrm>
-              <a:prstGeom prst="ellipse">
-                <a:avLst/>
-              </a:prstGeom>
+            </a:ln>
+          </p:spPr>
+          <p:style>
+            <a:lnRef idx="2">
+              <a:schemeClr val="accent1">
+                <a:shade val="50000"/>
+              </a:schemeClr>
+            </a:lnRef>
+            <a:fillRef idx="1">
+              <a:schemeClr val="accent1"/>
+            </a:fillRef>
+            <a:effectRef idx="0">
+              <a:schemeClr val="accent1"/>
+            </a:effectRef>
+            <a:fontRef idx="minor">
+              <a:schemeClr val="lt1"/>
+            </a:fontRef>
+          </p:style>
+          <p:txBody>
+            <a:bodyPr rtlCol="0" anchor="ctr"/>
+            <a:lstStyle/>
+            <a:p>
+              <a:pPr algn="ctr"/>
+              <a:endParaRPr lang="en-CN"/>
+            </a:p>
+          </p:txBody>
+        </p:sp>
+        <p:sp>
+          <p:nvSpPr>
+            <p:cNvPr id="135" name="Oval 134">
+              <a:extLst>
+                <a:ext uri="{FF2B5EF4-FFF2-40B4-BE49-F238E27FC236}">
+                  <a16:creationId xmlns:a16="http://schemas.microsoft.com/office/drawing/2014/main" id="{A478FDFE-0CDF-7C45-A6D7-41F4F30FC3F4}"/>
+                </a:ext>
+              </a:extLst>
+            </p:cNvPr>
+            <p:cNvSpPr/>
+            <p:nvPr/>
+          </p:nvSpPr>
+          <p:spPr>
+            <a:xfrm>
+              <a:off x="1084473" y="3680475"/>
+              <a:ext cx="62088" cy="62088"/>
+            </a:xfrm>
+            <a:prstGeom prst="ellipse">
+              <a:avLst/>
+            </a:prstGeom>
+            <a:solidFill>
+              <a:schemeClr val="tx1"/>
+            </a:solidFill>
+            <a:ln>
               <a:solidFill>
                 <a:schemeClr val="tx1"/>
               </a:solidFill>
-              <a:ln>
-                <a:solidFill>
-                  <a:schemeClr val="tx1"/>
-                </a:solidFill>
-              </a:ln>
-            </p:spPr>
-            <p:style>
-              <a:lnRef idx="2">
-                <a:schemeClr val="accent1">
-                  <a:shade val="50000"/>
-                </a:schemeClr>
-              </a:lnRef>
-              <a:fillRef idx="1">
-                <a:schemeClr val="accent1"/>
-              </a:fillRef>
-              <a:effectRef idx="0">
-                <a:schemeClr val="accent1"/>
-              </a:effectRef>
-              <a:fontRef idx="minor">
-                <a:schemeClr val="lt1"/>
-              </a:fontRef>
-            </p:style>
-            <p:txBody>
-              <a:bodyPr rtlCol="0" anchor="ctr"/>
-              <a:lstStyle/>
-              <a:p>
-                <a:pPr algn="ctr"/>
-                <a:endParaRPr lang="en-CN"/>
-              </a:p>
-            </p:txBody>
-          </p:sp>
-          <p:sp>
-            <p:nvSpPr>
-              <p:cNvPr id="136" name="Oval 135">
-                <a:extLst>
-                  <a:ext uri="{FF2B5EF4-FFF2-40B4-BE49-F238E27FC236}">
-                    <a16:creationId xmlns:a16="http://schemas.microsoft.com/office/drawing/2014/main" id="{D00EBDE6-3DC6-4F4A-B5FE-DBADE18C9D9C}"/>
-                  </a:ext>
-                </a:extLst>
-              </p:cNvPr>
-              <p:cNvSpPr/>
-              <p:nvPr/>
-            </p:nvSpPr>
-            <p:spPr>
-              <a:xfrm>
-                <a:off x="1736503" y="3402101"/>
-                <a:ext cx="62088" cy="62088"/>
-              </a:xfrm>
-              <a:prstGeom prst="ellipse">
-                <a:avLst/>
-              </a:prstGeom>
+            </a:ln>
+          </p:spPr>
+          <p:style>
+            <a:lnRef idx="2">
+              <a:schemeClr val="accent1">
+                <a:shade val="50000"/>
+              </a:schemeClr>
+            </a:lnRef>
+            <a:fillRef idx="1">
+              <a:schemeClr val="accent1"/>
+            </a:fillRef>
+            <a:effectRef idx="0">
+              <a:schemeClr val="accent1"/>
+            </a:effectRef>
+            <a:fontRef idx="minor">
+              <a:schemeClr val="lt1"/>
+            </a:fontRef>
+          </p:style>
+          <p:txBody>
+            <a:bodyPr rtlCol="0" anchor="ctr"/>
+            <a:lstStyle/>
+            <a:p>
+              <a:pPr algn="ctr"/>
+              <a:endParaRPr lang="en-CN"/>
+            </a:p>
+          </p:txBody>
+        </p:sp>
+        <p:sp>
+          <p:nvSpPr>
+            <p:cNvPr id="136" name="Oval 135">
+              <a:extLst>
+                <a:ext uri="{FF2B5EF4-FFF2-40B4-BE49-F238E27FC236}">
+                  <a16:creationId xmlns:a16="http://schemas.microsoft.com/office/drawing/2014/main" id="{D00EBDE6-3DC6-4F4A-B5FE-DBADE18C9D9C}"/>
+                </a:ext>
+              </a:extLst>
+            </p:cNvPr>
+            <p:cNvSpPr/>
+            <p:nvPr/>
+          </p:nvSpPr>
+          <p:spPr>
+            <a:xfrm>
+              <a:off x="1393808" y="3133090"/>
+              <a:ext cx="62088" cy="62088"/>
+            </a:xfrm>
+            <a:prstGeom prst="ellipse">
+              <a:avLst/>
+            </a:prstGeom>
+            <a:solidFill>
+              <a:schemeClr val="tx1"/>
+            </a:solidFill>
+            <a:ln>
               <a:solidFill>
                 <a:schemeClr val="tx1"/>
               </a:solidFill>
-              <a:ln>
-                <a:solidFill>
-                  <a:schemeClr val="tx1"/>
-                </a:solidFill>
-              </a:ln>
-            </p:spPr>
-            <p:style>
-              <a:lnRef idx="2">
-                <a:schemeClr val="accent1">
-                  <a:shade val="50000"/>
-                </a:schemeClr>
-              </a:lnRef>
-              <a:fillRef idx="1">
-                <a:schemeClr val="accent1"/>
-              </a:fillRef>
-              <a:effectRef idx="0">
-                <a:schemeClr val="accent1"/>
-              </a:effectRef>
-              <a:fontRef idx="minor">
-                <a:schemeClr val="lt1"/>
-              </a:fontRef>
-            </p:style>
-            <p:txBody>
-              <a:bodyPr rtlCol="0" anchor="ctr"/>
-              <a:lstStyle/>
-              <a:p>
-                <a:pPr algn="ctr"/>
-                <a:endParaRPr lang="en-CN"/>
-              </a:p>
-            </p:txBody>
-          </p:sp>
-          <p:sp>
-            <p:nvSpPr>
-              <p:cNvPr id="137" name="Oval 136">
-                <a:extLst>
-                  <a:ext uri="{FF2B5EF4-FFF2-40B4-BE49-F238E27FC236}">
-                    <a16:creationId xmlns:a16="http://schemas.microsoft.com/office/drawing/2014/main" id="{DFADE74F-DCD1-FA46-9A2E-32881D4BDF05}"/>
-                  </a:ext>
-                </a:extLst>
-              </p:cNvPr>
-              <p:cNvSpPr/>
-              <p:nvPr/>
-            </p:nvSpPr>
-            <p:spPr>
-              <a:xfrm>
-                <a:off x="2069204" y="3749766"/>
-                <a:ext cx="62088" cy="62088"/>
-              </a:xfrm>
-              <a:prstGeom prst="ellipse">
-                <a:avLst/>
-              </a:prstGeom>
+            </a:ln>
+          </p:spPr>
+          <p:style>
+            <a:lnRef idx="2">
+              <a:schemeClr val="accent1">
+                <a:shade val="50000"/>
+              </a:schemeClr>
+            </a:lnRef>
+            <a:fillRef idx="1">
+              <a:schemeClr val="accent1"/>
+            </a:fillRef>
+            <a:effectRef idx="0">
+              <a:schemeClr val="accent1"/>
+            </a:effectRef>
+            <a:fontRef idx="minor">
+              <a:schemeClr val="lt1"/>
+            </a:fontRef>
+          </p:style>
+          <p:txBody>
+            <a:bodyPr rtlCol="0" anchor="ctr"/>
+            <a:lstStyle/>
+            <a:p>
+              <a:pPr algn="ctr"/>
+              <a:endParaRPr lang="en-CN"/>
+            </a:p>
+          </p:txBody>
+        </p:sp>
+        <p:sp>
+          <p:nvSpPr>
+            <p:cNvPr id="137" name="Oval 136">
+              <a:extLst>
+                <a:ext uri="{FF2B5EF4-FFF2-40B4-BE49-F238E27FC236}">
+                  <a16:creationId xmlns:a16="http://schemas.microsoft.com/office/drawing/2014/main" id="{DFADE74F-DCD1-FA46-9A2E-32881D4BDF05}"/>
+                </a:ext>
+              </a:extLst>
+            </p:cNvPr>
+            <p:cNvSpPr/>
+            <p:nvPr/>
+          </p:nvSpPr>
+          <p:spPr>
+            <a:xfrm>
+              <a:off x="1726509" y="3480755"/>
+              <a:ext cx="62088" cy="62088"/>
+            </a:xfrm>
+            <a:prstGeom prst="ellipse">
+              <a:avLst/>
+            </a:prstGeom>
+            <a:solidFill>
+              <a:schemeClr val="tx1"/>
+            </a:solidFill>
+            <a:ln>
               <a:solidFill>
                 <a:schemeClr val="tx1"/>
               </a:solidFill>
-              <a:ln>
-                <a:solidFill>
-                  <a:schemeClr val="tx1"/>
-                </a:solidFill>
-              </a:ln>
-            </p:spPr>
-            <p:style>
-              <a:lnRef idx="2">
-                <a:schemeClr val="accent1">
-                  <a:shade val="50000"/>
-                </a:schemeClr>
-              </a:lnRef>
-              <a:fillRef idx="1">
-                <a:schemeClr val="accent1"/>
-              </a:fillRef>
-              <a:effectRef idx="0">
-                <a:schemeClr val="accent1"/>
-              </a:effectRef>
-              <a:fontRef idx="minor">
-                <a:schemeClr val="lt1"/>
-              </a:fontRef>
-            </p:style>
-            <p:txBody>
-              <a:bodyPr rtlCol="0" anchor="ctr"/>
-              <a:lstStyle/>
-              <a:p>
-                <a:pPr algn="ctr"/>
-                <a:endParaRPr lang="en-CN"/>
-              </a:p>
-            </p:txBody>
-          </p:sp>
-          <p:sp>
-            <p:nvSpPr>
-              <p:cNvPr id="138" name="Oval 137">
-                <a:extLst>
-                  <a:ext uri="{FF2B5EF4-FFF2-40B4-BE49-F238E27FC236}">
-                    <a16:creationId xmlns:a16="http://schemas.microsoft.com/office/drawing/2014/main" id="{3735B6D4-7546-3440-8908-F8E4F3F55D5E}"/>
-                  </a:ext>
-                </a:extLst>
-              </p:cNvPr>
-              <p:cNvSpPr/>
-              <p:nvPr/>
-            </p:nvSpPr>
-            <p:spPr>
-              <a:xfrm>
-                <a:off x="2412914" y="3220975"/>
-                <a:ext cx="62088" cy="62088"/>
-              </a:xfrm>
-              <a:prstGeom prst="ellipse">
-                <a:avLst/>
-              </a:prstGeom>
+            </a:ln>
+          </p:spPr>
+          <p:style>
+            <a:lnRef idx="2">
+              <a:schemeClr val="accent1">
+                <a:shade val="50000"/>
+              </a:schemeClr>
+            </a:lnRef>
+            <a:fillRef idx="1">
+              <a:schemeClr val="accent1"/>
+            </a:fillRef>
+            <a:effectRef idx="0">
+              <a:schemeClr val="accent1"/>
+            </a:effectRef>
+            <a:fontRef idx="minor">
+              <a:schemeClr val="lt1"/>
+            </a:fontRef>
+          </p:style>
+          <p:txBody>
+            <a:bodyPr rtlCol="0" anchor="ctr"/>
+            <a:lstStyle/>
+            <a:p>
+              <a:pPr algn="ctr"/>
+              <a:endParaRPr lang="en-CN"/>
+            </a:p>
+          </p:txBody>
+        </p:sp>
+        <p:sp>
+          <p:nvSpPr>
+            <p:cNvPr id="138" name="Oval 137">
+              <a:extLst>
+                <a:ext uri="{FF2B5EF4-FFF2-40B4-BE49-F238E27FC236}">
+                  <a16:creationId xmlns:a16="http://schemas.microsoft.com/office/drawing/2014/main" id="{3735B6D4-7546-3440-8908-F8E4F3F55D5E}"/>
+                </a:ext>
+              </a:extLst>
+            </p:cNvPr>
+            <p:cNvSpPr/>
+            <p:nvPr/>
+          </p:nvSpPr>
+          <p:spPr>
+            <a:xfrm>
+              <a:off x="2070219" y="2951964"/>
+              <a:ext cx="62088" cy="62088"/>
+            </a:xfrm>
+            <a:prstGeom prst="ellipse">
+              <a:avLst/>
+            </a:prstGeom>
+            <a:solidFill>
+              <a:schemeClr val="tx1"/>
+            </a:solidFill>
+            <a:ln>
               <a:solidFill>
                 <a:schemeClr val="tx1"/>
               </a:solidFill>
-              <a:ln>
-                <a:solidFill>
-                  <a:schemeClr val="tx1"/>
-                </a:solidFill>
-              </a:ln>
-            </p:spPr>
-            <p:style>
-              <a:lnRef idx="2">
-                <a:schemeClr val="accent1">
-                  <a:shade val="50000"/>
-                </a:schemeClr>
-              </a:lnRef>
-              <a:fillRef idx="1">
-                <a:schemeClr val="accent1"/>
-              </a:fillRef>
-              <a:effectRef idx="0">
-                <a:schemeClr val="accent1"/>
-              </a:effectRef>
-              <a:fontRef idx="minor">
-                <a:schemeClr val="lt1"/>
-              </a:fontRef>
-            </p:style>
-            <p:txBody>
-              <a:bodyPr rtlCol="0" anchor="ctr"/>
-              <a:lstStyle/>
-              <a:p>
-                <a:pPr algn="ctr"/>
-                <a:endParaRPr lang="en-CN"/>
-              </a:p>
-            </p:txBody>
-          </p:sp>
-          <p:sp>
-            <p:nvSpPr>
-              <p:cNvPr id="139" name="Oval 138">
-                <a:extLst>
-                  <a:ext uri="{FF2B5EF4-FFF2-40B4-BE49-F238E27FC236}">
-                    <a16:creationId xmlns:a16="http://schemas.microsoft.com/office/drawing/2014/main" id="{051F58A8-F682-E947-B952-0917BAC6311B}"/>
-                  </a:ext>
-                </a:extLst>
-              </p:cNvPr>
-              <p:cNvSpPr/>
-              <p:nvPr/>
-            </p:nvSpPr>
-            <p:spPr>
-              <a:xfrm>
-                <a:off x="2728542" y="3397956"/>
-                <a:ext cx="62088" cy="62088"/>
-              </a:xfrm>
-              <a:prstGeom prst="ellipse">
-                <a:avLst/>
-              </a:prstGeom>
+            </a:ln>
+          </p:spPr>
+          <p:style>
+            <a:lnRef idx="2">
+              <a:schemeClr val="accent1">
+                <a:shade val="50000"/>
+              </a:schemeClr>
+            </a:lnRef>
+            <a:fillRef idx="1">
+              <a:schemeClr val="accent1"/>
+            </a:fillRef>
+            <a:effectRef idx="0">
+              <a:schemeClr val="accent1"/>
+            </a:effectRef>
+            <a:fontRef idx="minor">
+              <a:schemeClr val="lt1"/>
+            </a:fontRef>
+          </p:style>
+          <p:txBody>
+            <a:bodyPr rtlCol="0" anchor="ctr"/>
+            <a:lstStyle/>
+            <a:p>
+              <a:pPr algn="ctr"/>
+              <a:endParaRPr lang="en-CN"/>
+            </a:p>
+          </p:txBody>
+        </p:sp>
+        <p:sp>
+          <p:nvSpPr>
+            <p:cNvPr id="139" name="Oval 138">
+              <a:extLst>
+                <a:ext uri="{FF2B5EF4-FFF2-40B4-BE49-F238E27FC236}">
+                  <a16:creationId xmlns:a16="http://schemas.microsoft.com/office/drawing/2014/main" id="{051F58A8-F682-E947-B952-0917BAC6311B}"/>
+                </a:ext>
+              </a:extLst>
+            </p:cNvPr>
+            <p:cNvSpPr/>
+            <p:nvPr/>
+          </p:nvSpPr>
+          <p:spPr>
+            <a:xfrm>
+              <a:off x="2385847" y="3128945"/>
+              <a:ext cx="62088" cy="62088"/>
+            </a:xfrm>
+            <a:prstGeom prst="ellipse">
+              <a:avLst/>
+            </a:prstGeom>
+            <a:solidFill>
+              <a:schemeClr val="tx1"/>
+            </a:solidFill>
+            <a:ln>
               <a:solidFill>
                 <a:schemeClr val="tx1"/>
               </a:solidFill>
-              <a:ln>
-                <a:solidFill>
-                  <a:schemeClr val="tx1"/>
-                </a:solidFill>
-              </a:ln>
-            </p:spPr>
-            <p:style>
-              <a:lnRef idx="2">
-                <a:schemeClr val="accent1">
-                  <a:shade val="50000"/>
-                </a:schemeClr>
-              </a:lnRef>
-              <a:fillRef idx="1">
-                <a:schemeClr val="accent1"/>
-              </a:fillRef>
-              <a:effectRef idx="0">
-                <a:schemeClr val="accent1"/>
-              </a:effectRef>
-              <a:fontRef idx="minor">
-                <a:schemeClr val="lt1"/>
-              </a:fontRef>
-            </p:style>
-            <p:txBody>
-              <a:bodyPr rtlCol="0" anchor="ctr"/>
-              <a:lstStyle/>
-              <a:p>
-                <a:pPr algn="ctr"/>
-                <a:endParaRPr lang="en-CN"/>
-              </a:p>
-            </p:txBody>
-          </p:sp>
-          <p:sp>
-            <p:nvSpPr>
-              <p:cNvPr id="140" name="Oval 139">
-                <a:extLst>
-                  <a:ext uri="{FF2B5EF4-FFF2-40B4-BE49-F238E27FC236}">
-                    <a16:creationId xmlns:a16="http://schemas.microsoft.com/office/drawing/2014/main" id="{EB5934B4-4125-2444-B450-9726E04A8C98}"/>
-                  </a:ext>
-                </a:extLst>
-              </p:cNvPr>
-              <p:cNvSpPr/>
-              <p:nvPr/>
-            </p:nvSpPr>
-            <p:spPr>
-              <a:xfrm>
-                <a:off x="2896911" y="3036209"/>
-                <a:ext cx="62088" cy="62088"/>
-              </a:xfrm>
-              <a:prstGeom prst="ellipse">
-                <a:avLst/>
-              </a:prstGeom>
+            </a:ln>
+          </p:spPr>
+          <p:style>
+            <a:lnRef idx="2">
+              <a:schemeClr val="accent1">
+                <a:shade val="50000"/>
+              </a:schemeClr>
+            </a:lnRef>
+            <a:fillRef idx="1">
+              <a:schemeClr val="accent1"/>
+            </a:fillRef>
+            <a:effectRef idx="0">
+              <a:schemeClr val="accent1"/>
+            </a:effectRef>
+            <a:fontRef idx="minor">
+              <a:schemeClr val="lt1"/>
+            </a:fontRef>
+          </p:style>
+          <p:txBody>
+            <a:bodyPr rtlCol="0" anchor="ctr"/>
+            <a:lstStyle/>
+            <a:p>
+              <a:pPr algn="ctr"/>
+              <a:endParaRPr lang="en-CN"/>
+            </a:p>
+          </p:txBody>
+        </p:sp>
+        <p:sp>
+          <p:nvSpPr>
+            <p:cNvPr id="140" name="Oval 139">
+              <a:extLst>
+                <a:ext uri="{FF2B5EF4-FFF2-40B4-BE49-F238E27FC236}">
+                  <a16:creationId xmlns:a16="http://schemas.microsoft.com/office/drawing/2014/main" id="{EB5934B4-4125-2444-B450-9726E04A8C98}"/>
+                </a:ext>
+              </a:extLst>
+            </p:cNvPr>
+            <p:cNvSpPr/>
+            <p:nvPr/>
+          </p:nvSpPr>
+          <p:spPr>
+            <a:xfrm>
+              <a:off x="2554216" y="2767198"/>
+              <a:ext cx="62088" cy="62088"/>
+            </a:xfrm>
+            <a:prstGeom prst="ellipse">
+              <a:avLst/>
+            </a:prstGeom>
+            <a:solidFill>
+              <a:schemeClr val="tx1"/>
+            </a:solidFill>
+            <a:ln>
               <a:solidFill>
                 <a:schemeClr val="tx1"/>
               </a:solidFill>
-              <a:ln>
-                <a:solidFill>
-                  <a:schemeClr val="tx1"/>
-                </a:solidFill>
-              </a:ln>
-            </p:spPr>
-            <p:style>
-              <a:lnRef idx="2">
-                <a:schemeClr val="accent1">
-                  <a:shade val="50000"/>
-                </a:schemeClr>
-              </a:lnRef>
-              <a:fillRef idx="1">
-                <a:schemeClr val="accent1"/>
-              </a:fillRef>
-              <a:effectRef idx="0">
-                <a:schemeClr val="accent1"/>
-              </a:effectRef>
-              <a:fontRef idx="minor">
-                <a:schemeClr val="lt1"/>
-              </a:fontRef>
-            </p:style>
-            <p:txBody>
-              <a:bodyPr rtlCol="0" anchor="ctr"/>
-              <a:lstStyle/>
-              <a:p>
-                <a:pPr algn="ctr"/>
-                <a:endParaRPr lang="en-CN"/>
-              </a:p>
-            </p:txBody>
-          </p:sp>
-          <p:sp>
-            <p:nvSpPr>
-              <p:cNvPr id="141" name="Oval 140">
-                <a:extLst>
-                  <a:ext uri="{FF2B5EF4-FFF2-40B4-BE49-F238E27FC236}">
-                    <a16:creationId xmlns:a16="http://schemas.microsoft.com/office/drawing/2014/main" id="{B17C46F0-28B8-A048-BF7A-53C7A59108E5}"/>
-                  </a:ext>
-                </a:extLst>
-              </p:cNvPr>
-              <p:cNvSpPr/>
-              <p:nvPr/>
-            </p:nvSpPr>
-            <p:spPr>
-              <a:xfrm>
-                <a:off x="3419400" y="3778650"/>
-                <a:ext cx="62088" cy="62088"/>
-              </a:xfrm>
-              <a:prstGeom prst="ellipse">
-                <a:avLst/>
-              </a:prstGeom>
+            </a:ln>
+          </p:spPr>
+          <p:style>
+            <a:lnRef idx="2">
+              <a:schemeClr val="accent1">
+                <a:shade val="50000"/>
+              </a:schemeClr>
+            </a:lnRef>
+            <a:fillRef idx="1">
+              <a:schemeClr val="accent1"/>
+            </a:fillRef>
+            <a:effectRef idx="0">
+              <a:schemeClr val="accent1"/>
+            </a:effectRef>
+            <a:fontRef idx="minor">
+              <a:schemeClr val="lt1"/>
+            </a:fontRef>
+          </p:style>
+          <p:txBody>
+            <a:bodyPr rtlCol="0" anchor="ctr"/>
+            <a:lstStyle/>
+            <a:p>
+              <a:pPr algn="ctr"/>
+              <a:endParaRPr lang="en-CN"/>
+            </a:p>
+          </p:txBody>
+        </p:sp>
+        <p:sp>
+          <p:nvSpPr>
+            <p:cNvPr id="141" name="Oval 140">
+              <a:extLst>
+                <a:ext uri="{FF2B5EF4-FFF2-40B4-BE49-F238E27FC236}">
+                  <a16:creationId xmlns:a16="http://schemas.microsoft.com/office/drawing/2014/main" id="{B17C46F0-28B8-A048-BF7A-53C7A59108E5}"/>
+                </a:ext>
+              </a:extLst>
+            </p:cNvPr>
+            <p:cNvSpPr/>
+            <p:nvPr/>
+          </p:nvSpPr>
+          <p:spPr>
+            <a:xfrm>
+              <a:off x="3076705" y="3509639"/>
+              <a:ext cx="62088" cy="62088"/>
+            </a:xfrm>
+            <a:prstGeom prst="ellipse">
+              <a:avLst/>
+            </a:prstGeom>
+            <a:solidFill>
+              <a:schemeClr val="tx1"/>
+            </a:solidFill>
+            <a:ln>
               <a:solidFill>
                 <a:schemeClr val="tx1"/>
               </a:solidFill>
-              <a:ln>
-                <a:solidFill>
-                  <a:schemeClr val="tx1"/>
-                </a:solidFill>
-              </a:ln>
-            </p:spPr>
-            <p:style>
-              <a:lnRef idx="2">
-                <a:schemeClr val="accent1">
-                  <a:shade val="50000"/>
-                </a:schemeClr>
-              </a:lnRef>
-              <a:fillRef idx="1">
-                <a:schemeClr val="accent1"/>
-              </a:fillRef>
-              <a:effectRef idx="0">
-                <a:schemeClr val="accent1"/>
-              </a:effectRef>
-              <a:fontRef idx="minor">
-                <a:schemeClr val="lt1"/>
-              </a:fontRef>
-            </p:style>
-            <p:txBody>
-              <a:bodyPr rtlCol="0" anchor="ctr"/>
-              <a:lstStyle/>
-              <a:p>
-                <a:pPr algn="ctr"/>
-                <a:endParaRPr lang="en-CN"/>
-              </a:p>
-            </p:txBody>
-          </p:sp>
-          <p:sp>
-            <p:nvSpPr>
-              <p:cNvPr id="142" name="Oval 141">
-                <a:extLst>
-                  <a:ext uri="{FF2B5EF4-FFF2-40B4-BE49-F238E27FC236}">
-                    <a16:creationId xmlns:a16="http://schemas.microsoft.com/office/drawing/2014/main" id="{D5D41815-3B54-6E4C-9E14-A41D5A9ADF02}"/>
-                  </a:ext>
-                </a:extLst>
-              </p:cNvPr>
-              <p:cNvSpPr/>
-              <p:nvPr/>
-            </p:nvSpPr>
-            <p:spPr>
-              <a:xfrm>
-                <a:off x="3713157" y="3179761"/>
-                <a:ext cx="62088" cy="62088"/>
-              </a:xfrm>
-              <a:prstGeom prst="ellipse">
-                <a:avLst/>
-              </a:prstGeom>
+            </a:ln>
+          </p:spPr>
+          <p:style>
+            <a:lnRef idx="2">
+              <a:schemeClr val="accent1">
+                <a:shade val="50000"/>
+              </a:schemeClr>
+            </a:lnRef>
+            <a:fillRef idx="1">
+              <a:schemeClr val="accent1"/>
+            </a:fillRef>
+            <a:effectRef idx="0">
+              <a:schemeClr val="accent1"/>
+            </a:effectRef>
+            <a:fontRef idx="minor">
+              <a:schemeClr val="lt1"/>
+            </a:fontRef>
+          </p:style>
+          <p:txBody>
+            <a:bodyPr rtlCol="0" anchor="ctr"/>
+            <a:lstStyle/>
+            <a:p>
+              <a:pPr algn="ctr"/>
+              <a:endParaRPr lang="en-CN"/>
+            </a:p>
+          </p:txBody>
+        </p:sp>
+        <p:sp>
+          <p:nvSpPr>
+            <p:cNvPr id="142" name="Oval 141">
+              <a:extLst>
+                <a:ext uri="{FF2B5EF4-FFF2-40B4-BE49-F238E27FC236}">
+                  <a16:creationId xmlns:a16="http://schemas.microsoft.com/office/drawing/2014/main" id="{D5D41815-3B54-6E4C-9E14-A41D5A9ADF02}"/>
+                </a:ext>
+              </a:extLst>
+            </p:cNvPr>
+            <p:cNvSpPr/>
+            <p:nvPr/>
+          </p:nvSpPr>
+          <p:spPr>
+            <a:xfrm>
+              <a:off x="3370462" y="2910750"/>
+              <a:ext cx="62088" cy="62088"/>
+            </a:xfrm>
+            <a:prstGeom prst="ellipse">
+              <a:avLst/>
+            </a:prstGeom>
+            <a:solidFill>
+              <a:schemeClr val="tx1"/>
+            </a:solidFill>
+            <a:ln>
               <a:solidFill>
                 <a:schemeClr val="tx1"/>
               </a:solidFill>
-              <a:ln>
-                <a:solidFill>
-                  <a:schemeClr val="tx1"/>
-                </a:solidFill>
-              </a:ln>
-            </p:spPr>
-            <p:style>
-              <a:lnRef idx="2">
-                <a:schemeClr val="accent1">
-                  <a:shade val="50000"/>
-                </a:schemeClr>
-              </a:lnRef>
-              <a:fillRef idx="1">
-                <a:schemeClr val="accent1"/>
-              </a:fillRef>
-              <a:effectRef idx="0">
-                <a:schemeClr val="accent1"/>
-              </a:effectRef>
-              <a:fontRef idx="minor">
-                <a:schemeClr val="lt1"/>
-              </a:fontRef>
-            </p:style>
-            <p:txBody>
-              <a:bodyPr rtlCol="0" anchor="ctr"/>
-              <a:lstStyle/>
-              <a:p>
-                <a:pPr algn="ctr"/>
-                <a:endParaRPr lang="en-CN"/>
-              </a:p>
-            </p:txBody>
-          </p:sp>
-          <p:sp>
-            <p:nvSpPr>
-              <p:cNvPr id="143" name="Oval 142">
-                <a:extLst>
-                  <a:ext uri="{FF2B5EF4-FFF2-40B4-BE49-F238E27FC236}">
-                    <a16:creationId xmlns:a16="http://schemas.microsoft.com/office/drawing/2014/main" id="{B912FBCD-C935-A04B-830C-EE4CB78FF0B6}"/>
-                  </a:ext>
-                </a:extLst>
-              </p:cNvPr>
-              <p:cNvSpPr/>
-              <p:nvPr/>
-            </p:nvSpPr>
-            <p:spPr>
-              <a:xfrm>
-                <a:off x="3942751" y="3356559"/>
-                <a:ext cx="62088" cy="62088"/>
-              </a:xfrm>
-              <a:prstGeom prst="ellipse">
-                <a:avLst/>
-              </a:prstGeom>
+            </a:ln>
+          </p:spPr>
+          <p:style>
+            <a:lnRef idx="2">
+              <a:schemeClr val="accent1">
+                <a:shade val="50000"/>
+              </a:schemeClr>
+            </a:lnRef>
+            <a:fillRef idx="1">
+              <a:schemeClr val="accent1"/>
+            </a:fillRef>
+            <a:effectRef idx="0">
+              <a:schemeClr val="accent1"/>
+            </a:effectRef>
+            <a:fontRef idx="minor">
+              <a:schemeClr val="lt1"/>
+            </a:fontRef>
+          </p:style>
+          <p:txBody>
+            <a:bodyPr rtlCol="0" anchor="ctr"/>
+            <a:lstStyle/>
+            <a:p>
+              <a:pPr algn="ctr"/>
+              <a:endParaRPr lang="en-CN"/>
+            </a:p>
+          </p:txBody>
+        </p:sp>
+        <p:sp>
+          <p:nvSpPr>
+            <p:cNvPr id="143" name="Oval 142">
+              <a:extLst>
+                <a:ext uri="{FF2B5EF4-FFF2-40B4-BE49-F238E27FC236}">
+                  <a16:creationId xmlns:a16="http://schemas.microsoft.com/office/drawing/2014/main" id="{B912FBCD-C935-A04B-830C-EE4CB78FF0B6}"/>
+                </a:ext>
+              </a:extLst>
+            </p:cNvPr>
+            <p:cNvSpPr/>
+            <p:nvPr/>
+          </p:nvSpPr>
+          <p:spPr>
+            <a:xfrm>
+              <a:off x="3600056" y="3087548"/>
+              <a:ext cx="62088" cy="62088"/>
+            </a:xfrm>
+            <a:prstGeom prst="ellipse">
+              <a:avLst/>
+            </a:prstGeom>
+            <a:solidFill>
+              <a:schemeClr val="tx1"/>
+            </a:solidFill>
+            <a:ln>
               <a:solidFill>
                 <a:schemeClr val="tx1"/>
               </a:solidFill>
-              <a:ln>
-                <a:solidFill>
-                  <a:schemeClr val="tx1"/>
-                </a:solidFill>
-              </a:ln>
-            </p:spPr>
-            <p:style>
-              <a:lnRef idx="2">
-                <a:schemeClr val="accent1">
-                  <a:shade val="50000"/>
-                </a:schemeClr>
-              </a:lnRef>
-              <a:fillRef idx="1">
-                <a:schemeClr val="accent1"/>
-              </a:fillRef>
-              <a:effectRef idx="0">
-                <a:schemeClr val="accent1"/>
-              </a:effectRef>
-              <a:fontRef idx="minor">
-                <a:schemeClr val="lt1"/>
-              </a:fontRef>
-            </p:style>
-            <p:txBody>
-              <a:bodyPr rtlCol="0" anchor="ctr"/>
-              <a:lstStyle/>
-              <a:p>
-                <a:pPr algn="ctr"/>
-                <a:endParaRPr lang="en-CN"/>
-              </a:p>
-            </p:txBody>
-          </p:sp>
-          <p:sp>
-            <p:nvSpPr>
-              <p:cNvPr id="144" name="Oval 143">
-                <a:extLst>
-                  <a:ext uri="{FF2B5EF4-FFF2-40B4-BE49-F238E27FC236}">
-                    <a16:creationId xmlns:a16="http://schemas.microsoft.com/office/drawing/2014/main" id="{8ABCEC05-572E-CF4B-9349-F988A92AAFE8}"/>
-                  </a:ext>
-                </a:extLst>
-              </p:cNvPr>
-              <p:cNvSpPr/>
-              <p:nvPr/>
-            </p:nvSpPr>
-            <p:spPr>
-              <a:xfrm>
-                <a:off x="4203389" y="2953918"/>
-                <a:ext cx="62088" cy="62088"/>
-              </a:xfrm>
-              <a:prstGeom prst="ellipse">
-                <a:avLst/>
-              </a:prstGeom>
+            </a:ln>
+          </p:spPr>
+          <p:style>
+            <a:lnRef idx="2">
+              <a:schemeClr val="accent1">
+                <a:shade val="50000"/>
+              </a:schemeClr>
+            </a:lnRef>
+            <a:fillRef idx="1">
+              <a:schemeClr val="accent1"/>
+            </a:fillRef>
+            <a:effectRef idx="0">
+              <a:schemeClr val="accent1"/>
+            </a:effectRef>
+            <a:fontRef idx="minor">
+              <a:schemeClr val="lt1"/>
+            </a:fontRef>
+          </p:style>
+          <p:txBody>
+            <a:bodyPr rtlCol="0" anchor="ctr"/>
+            <a:lstStyle/>
+            <a:p>
+              <a:pPr algn="ctr"/>
+              <a:endParaRPr lang="en-CN"/>
+            </a:p>
+          </p:txBody>
+        </p:sp>
+        <p:sp>
+          <p:nvSpPr>
+            <p:cNvPr id="144" name="Oval 143">
+              <a:extLst>
+                <a:ext uri="{FF2B5EF4-FFF2-40B4-BE49-F238E27FC236}">
+                  <a16:creationId xmlns:a16="http://schemas.microsoft.com/office/drawing/2014/main" id="{8ABCEC05-572E-CF4B-9349-F988A92AAFE8}"/>
+                </a:ext>
+              </a:extLst>
+            </p:cNvPr>
+            <p:cNvSpPr/>
+            <p:nvPr/>
+          </p:nvSpPr>
+          <p:spPr>
+            <a:xfrm>
+              <a:off x="3860694" y="2684907"/>
+              <a:ext cx="62088" cy="62088"/>
+            </a:xfrm>
+            <a:prstGeom prst="ellipse">
+              <a:avLst/>
+            </a:prstGeom>
+            <a:solidFill>
+              <a:schemeClr val="tx1"/>
+            </a:solidFill>
+            <a:ln>
               <a:solidFill>
                 <a:schemeClr val="tx1"/>
               </a:solidFill>
-              <a:ln>
-                <a:solidFill>
-                  <a:schemeClr val="tx1"/>
-                </a:solidFill>
-              </a:ln>
-            </p:spPr>
-            <p:style>
-              <a:lnRef idx="2">
-                <a:schemeClr val="accent1">
-                  <a:shade val="50000"/>
-                </a:schemeClr>
-              </a:lnRef>
-              <a:fillRef idx="1">
-                <a:schemeClr val="accent1"/>
-              </a:fillRef>
-              <a:effectRef idx="0">
-                <a:schemeClr val="accent1"/>
-              </a:effectRef>
-              <a:fontRef idx="minor">
-                <a:schemeClr val="lt1"/>
-              </a:fontRef>
-            </p:style>
-            <p:txBody>
-              <a:bodyPr rtlCol="0" anchor="ctr"/>
-              <a:lstStyle/>
-              <a:p>
-                <a:pPr algn="ctr"/>
-                <a:endParaRPr lang="en-CN"/>
-              </a:p>
-            </p:txBody>
-          </p:sp>
-          <p:sp>
-            <p:nvSpPr>
-              <p:cNvPr id="145" name="Oval 144">
-                <a:extLst>
-                  <a:ext uri="{FF2B5EF4-FFF2-40B4-BE49-F238E27FC236}">
-                    <a16:creationId xmlns:a16="http://schemas.microsoft.com/office/drawing/2014/main" id="{E4C42C07-70A4-3A45-BDF1-E07E4C3B4227}"/>
-                  </a:ext>
-                </a:extLst>
-              </p:cNvPr>
-              <p:cNvSpPr/>
-              <p:nvPr/>
-            </p:nvSpPr>
-            <p:spPr>
-              <a:xfrm>
-                <a:off x="4455119" y="3431323"/>
-                <a:ext cx="62088" cy="62088"/>
-              </a:xfrm>
-              <a:prstGeom prst="ellipse">
-                <a:avLst/>
-              </a:prstGeom>
+            </a:ln>
+          </p:spPr>
+          <p:style>
+            <a:lnRef idx="2">
+              <a:schemeClr val="accent1">
+                <a:shade val="50000"/>
+              </a:schemeClr>
+            </a:lnRef>
+            <a:fillRef idx="1">
+              <a:schemeClr val="accent1"/>
+            </a:fillRef>
+            <a:effectRef idx="0">
+              <a:schemeClr val="accent1"/>
+            </a:effectRef>
+            <a:fontRef idx="minor">
+              <a:schemeClr val="lt1"/>
+            </a:fontRef>
+          </p:style>
+          <p:txBody>
+            <a:bodyPr rtlCol="0" anchor="ctr"/>
+            <a:lstStyle/>
+            <a:p>
+              <a:pPr algn="ctr"/>
+              <a:endParaRPr lang="en-CN"/>
+            </a:p>
+          </p:txBody>
+        </p:sp>
+        <p:sp>
+          <p:nvSpPr>
+            <p:cNvPr id="145" name="Oval 144">
+              <a:extLst>
+                <a:ext uri="{FF2B5EF4-FFF2-40B4-BE49-F238E27FC236}">
+                  <a16:creationId xmlns:a16="http://schemas.microsoft.com/office/drawing/2014/main" id="{E4C42C07-70A4-3A45-BDF1-E07E4C3B4227}"/>
+                </a:ext>
+              </a:extLst>
+            </p:cNvPr>
+            <p:cNvSpPr/>
+            <p:nvPr/>
+          </p:nvSpPr>
+          <p:spPr>
+            <a:xfrm>
+              <a:off x="4112424" y="3162312"/>
+              <a:ext cx="62088" cy="62088"/>
+            </a:xfrm>
+            <a:prstGeom prst="ellipse">
+              <a:avLst/>
+            </a:prstGeom>
+            <a:solidFill>
+              <a:schemeClr val="tx1"/>
+            </a:solidFill>
+            <a:ln>
               <a:solidFill>
                 <a:schemeClr val="tx1"/>
               </a:solidFill>
-              <a:ln>
-                <a:solidFill>
-                  <a:schemeClr val="tx1"/>
-                </a:solidFill>
-              </a:ln>
-            </p:spPr>
-            <p:style>
-              <a:lnRef idx="2">
-                <a:schemeClr val="accent1">
-                  <a:shade val="50000"/>
-                </a:schemeClr>
-              </a:lnRef>
-              <a:fillRef idx="1">
-                <a:schemeClr val="accent1"/>
-              </a:fillRef>
-              <a:effectRef idx="0">
-                <a:schemeClr val="accent1"/>
-              </a:effectRef>
-              <a:fontRef idx="minor">
-                <a:schemeClr val="lt1"/>
-              </a:fontRef>
-            </p:style>
-            <p:txBody>
-              <a:bodyPr rtlCol="0" anchor="ctr"/>
-              <a:lstStyle/>
-              <a:p>
-                <a:pPr algn="ctr"/>
-                <a:endParaRPr lang="en-CN"/>
-              </a:p>
-            </p:txBody>
-          </p:sp>
-          <p:sp>
-            <p:nvSpPr>
-              <p:cNvPr id="146" name="Oval 145">
-                <a:extLst>
-                  <a:ext uri="{FF2B5EF4-FFF2-40B4-BE49-F238E27FC236}">
-                    <a16:creationId xmlns:a16="http://schemas.microsoft.com/office/drawing/2014/main" id="{00A14081-024A-0A4A-BB18-6DBED8F89280}"/>
-                  </a:ext>
-                </a:extLst>
-              </p:cNvPr>
-              <p:cNvSpPr/>
-              <p:nvPr/>
-            </p:nvSpPr>
-            <p:spPr>
-              <a:xfrm>
-                <a:off x="4785751" y="2654669"/>
-                <a:ext cx="62088" cy="62088"/>
-              </a:xfrm>
-              <a:prstGeom prst="ellipse">
-                <a:avLst/>
-              </a:prstGeom>
+            </a:ln>
+          </p:spPr>
+          <p:style>
+            <a:lnRef idx="2">
+              <a:schemeClr val="accent1">
+                <a:shade val="50000"/>
+              </a:schemeClr>
+            </a:lnRef>
+            <a:fillRef idx="1">
+              <a:schemeClr val="accent1"/>
+            </a:fillRef>
+            <a:effectRef idx="0">
+              <a:schemeClr val="accent1"/>
+            </a:effectRef>
+            <a:fontRef idx="minor">
+              <a:schemeClr val="lt1"/>
+            </a:fontRef>
+          </p:style>
+          <p:txBody>
+            <a:bodyPr rtlCol="0" anchor="ctr"/>
+            <a:lstStyle/>
+            <a:p>
+              <a:pPr algn="ctr"/>
+              <a:endParaRPr lang="en-CN"/>
+            </a:p>
+          </p:txBody>
+        </p:sp>
+        <p:sp>
+          <p:nvSpPr>
+            <p:cNvPr id="146" name="Oval 145">
+              <a:extLst>
+                <a:ext uri="{FF2B5EF4-FFF2-40B4-BE49-F238E27FC236}">
+                  <a16:creationId xmlns:a16="http://schemas.microsoft.com/office/drawing/2014/main" id="{00A14081-024A-0A4A-BB18-6DBED8F89280}"/>
+                </a:ext>
+              </a:extLst>
+            </p:cNvPr>
+            <p:cNvSpPr/>
+            <p:nvPr/>
+          </p:nvSpPr>
+          <p:spPr>
+            <a:xfrm>
+              <a:off x="4443056" y="2385658"/>
+              <a:ext cx="62088" cy="62088"/>
+            </a:xfrm>
+            <a:prstGeom prst="ellipse">
+              <a:avLst/>
+            </a:prstGeom>
+            <a:solidFill>
+              <a:schemeClr val="tx1"/>
+            </a:solidFill>
+            <a:ln>
               <a:solidFill>
                 <a:schemeClr val="tx1"/>
               </a:solidFill>
-              <a:ln>
-                <a:solidFill>
-                  <a:schemeClr val="tx1"/>
-                </a:solidFill>
-              </a:ln>
-            </p:spPr>
-            <p:style>
-              <a:lnRef idx="2">
-                <a:schemeClr val="accent1">
-                  <a:shade val="50000"/>
-                </a:schemeClr>
-              </a:lnRef>
-              <a:fillRef idx="1">
-                <a:schemeClr val="accent1"/>
-              </a:fillRef>
-              <a:effectRef idx="0">
-                <a:schemeClr val="accent1"/>
-              </a:effectRef>
-              <a:fontRef idx="minor">
-                <a:schemeClr val="lt1"/>
-              </a:fontRef>
-            </p:style>
-            <p:txBody>
-              <a:bodyPr rtlCol="0" anchor="ctr"/>
-              <a:lstStyle/>
-              <a:p>
-                <a:pPr algn="ctr"/>
-                <a:endParaRPr lang="en-CN"/>
-              </a:p>
-            </p:txBody>
-          </p:sp>
-          <p:sp>
-            <p:nvSpPr>
-              <p:cNvPr id="147" name="Oval 146">
-                <a:extLst>
-                  <a:ext uri="{FF2B5EF4-FFF2-40B4-BE49-F238E27FC236}">
-                    <a16:creationId xmlns:a16="http://schemas.microsoft.com/office/drawing/2014/main" id="{1CCEA41A-6F18-9943-BF76-2CC06B11BD4D}"/>
-                  </a:ext>
-                </a:extLst>
-              </p:cNvPr>
-              <p:cNvSpPr/>
-              <p:nvPr/>
-            </p:nvSpPr>
-            <p:spPr>
-              <a:xfrm>
-                <a:off x="5089145" y="2997404"/>
-                <a:ext cx="62088" cy="62088"/>
-              </a:xfrm>
-              <a:prstGeom prst="ellipse">
-                <a:avLst/>
-              </a:prstGeom>
+            </a:ln>
+          </p:spPr>
+          <p:style>
+            <a:lnRef idx="2">
+              <a:schemeClr val="accent1">
+                <a:shade val="50000"/>
+              </a:schemeClr>
+            </a:lnRef>
+            <a:fillRef idx="1">
+              <a:schemeClr val="accent1"/>
+            </a:fillRef>
+            <a:effectRef idx="0">
+              <a:schemeClr val="accent1"/>
+            </a:effectRef>
+            <a:fontRef idx="minor">
+              <a:schemeClr val="lt1"/>
+            </a:fontRef>
+          </p:style>
+          <p:txBody>
+            <a:bodyPr rtlCol="0" anchor="ctr"/>
+            <a:lstStyle/>
+            <a:p>
+              <a:pPr algn="ctr"/>
+              <a:endParaRPr lang="en-CN"/>
+            </a:p>
+          </p:txBody>
+        </p:sp>
+        <p:sp>
+          <p:nvSpPr>
+            <p:cNvPr id="147" name="Oval 146">
+              <a:extLst>
+                <a:ext uri="{FF2B5EF4-FFF2-40B4-BE49-F238E27FC236}">
+                  <a16:creationId xmlns:a16="http://schemas.microsoft.com/office/drawing/2014/main" id="{1CCEA41A-6F18-9943-BF76-2CC06B11BD4D}"/>
+                </a:ext>
+              </a:extLst>
+            </p:cNvPr>
+            <p:cNvSpPr/>
+            <p:nvPr/>
+          </p:nvSpPr>
+          <p:spPr>
+            <a:xfrm>
+              <a:off x="4746450" y="2728393"/>
+              <a:ext cx="62088" cy="62088"/>
+            </a:xfrm>
+            <a:prstGeom prst="ellipse">
+              <a:avLst/>
+            </a:prstGeom>
+            <a:solidFill>
+              <a:schemeClr val="tx1"/>
+            </a:solidFill>
+            <a:ln>
               <a:solidFill>
                 <a:schemeClr val="tx1"/>
               </a:solidFill>
-              <a:ln>
-                <a:solidFill>
-                  <a:schemeClr val="tx1"/>
-                </a:solidFill>
-              </a:ln>
-            </p:spPr>
-            <p:style>
-              <a:lnRef idx="2">
-                <a:schemeClr val="accent1">
-                  <a:shade val="50000"/>
-                </a:schemeClr>
-              </a:lnRef>
-              <a:fillRef idx="1">
-                <a:schemeClr val="accent1"/>
-              </a:fillRef>
-              <a:effectRef idx="0">
-                <a:schemeClr val="accent1"/>
-              </a:effectRef>
-              <a:fontRef idx="minor">
-                <a:schemeClr val="lt1"/>
-              </a:fontRef>
-            </p:style>
-            <p:txBody>
-              <a:bodyPr rtlCol="0" anchor="ctr"/>
-              <a:lstStyle/>
-              <a:p>
-                <a:pPr algn="ctr"/>
-                <a:endParaRPr lang="en-CN"/>
-              </a:p>
-            </p:txBody>
-          </p:sp>
-          <p:sp>
-            <p:nvSpPr>
-              <p:cNvPr id="148" name="Oval 147">
-                <a:extLst>
-                  <a:ext uri="{FF2B5EF4-FFF2-40B4-BE49-F238E27FC236}">
-                    <a16:creationId xmlns:a16="http://schemas.microsoft.com/office/drawing/2014/main" id="{929DBE4F-832B-7040-B172-673B5EF23723}"/>
-                  </a:ext>
-                </a:extLst>
-              </p:cNvPr>
-              <p:cNvSpPr/>
-              <p:nvPr/>
-            </p:nvSpPr>
-            <p:spPr>
-              <a:xfrm>
-                <a:off x="5285737" y="2738474"/>
-                <a:ext cx="62088" cy="62088"/>
-              </a:xfrm>
-              <a:prstGeom prst="ellipse">
-                <a:avLst/>
-              </a:prstGeom>
+            </a:ln>
+          </p:spPr>
+          <p:style>
+            <a:lnRef idx="2">
+              <a:schemeClr val="accent1">
+                <a:shade val="50000"/>
+              </a:schemeClr>
+            </a:lnRef>
+            <a:fillRef idx="1">
+              <a:schemeClr val="accent1"/>
+            </a:fillRef>
+            <a:effectRef idx="0">
+              <a:schemeClr val="accent1"/>
+            </a:effectRef>
+            <a:fontRef idx="minor">
+              <a:schemeClr val="lt1"/>
+            </a:fontRef>
+          </p:style>
+          <p:txBody>
+            <a:bodyPr rtlCol="0" anchor="ctr"/>
+            <a:lstStyle/>
+            <a:p>
+              <a:pPr algn="ctr"/>
+              <a:endParaRPr lang="en-CN"/>
+            </a:p>
+          </p:txBody>
+        </p:sp>
+        <p:sp>
+          <p:nvSpPr>
+            <p:cNvPr id="148" name="Oval 147">
+              <a:extLst>
+                <a:ext uri="{FF2B5EF4-FFF2-40B4-BE49-F238E27FC236}">
+                  <a16:creationId xmlns:a16="http://schemas.microsoft.com/office/drawing/2014/main" id="{929DBE4F-832B-7040-B172-673B5EF23723}"/>
+                </a:ext>
+              </a:extLst>
+            </p:cNvPr>
+            <p:cNvSpPr/>
+            <p:nvPr/>
+          </p:nvSpPr>
+          <p:spPr>
+            <a:xfrm>
+              <a:off x="4943042" y="2469463"/>
+              <a:ext cx="62088" cy="62088"/>
+            </a:xfrm>
+            <a:prstGeom prst="ellipse">
+              <a:avLst/>
+            </a:prstGeom>
+            <a:solidFill>
+              <a:schemeClr val="tx1"/>
+            </a:solidFill>
+            <a:ln>
               <a:solidFill>
                 <a:schemeClr val="tx1"/>
               </a:solidFill>
-              <a:ln>
-                <a:solidFill>
-                  <a:schemeClr val="tx1"/>
-                </a:solidFill>
-              </a:ln>
-            </p:spPr>
-            <p:style>
-              <a:lnRef idx="2">
-                <a:schemeClr val="accent1">
-                  <a:shade val="50000"/>
-                </a:schemeClr>
-              </a:lnRef>
-              <a:fillRef idx="1">
-                <a:schemeClr val="accent1"/>
-              </a:fillRef>
-              <a:effectRef idx="0">
-                <a:schemeClr val="accent1"/>
-              </a:effectRef>
-              <a:fontRef idx="minor">
-                <a:schemeClr val="lt1"/>
-              </a:fontRef>
-            </p:style>
-            <p:txBody>
-              <a:bodyPr rtlCol="0" anchor="ctr"/>
-              <a:lstStyle/>
-              <a:p>
-                <a:pPr algn="ctr"/>
-                <a:endParaRPr lang="en-CN"/>
-              </a:p>
-            </p:txBody>
-          </p:sp>
-          <p:sp>
-            <p:nvSpPr>
-              <p:cNvPr id="149" name="Oval 148">
-                <a:extLst>
-                  <a:ext uri="{FF2B5EF4-FFF2-40B4-BE49-F238E27FC236}">
-                    <a16:creationId xmlns:a16="http://schemas.microsoft.com/office/drawing/2014/main" id="{7BAEFE4A-6461-1743-8B71-9101E76B68B5}"/>
-                  </a:ext>
-                </a:extLst>
-              </p:cNvPr>
-              <p:cNvSpPr/>
-              <p:nvPr/>
-            </p:nvSpPr>
-            <p:spPr>
-              <a:xfrm>
-                <a:off x="5497805" y="3179761"/>
-                <a:ext cx="62088" cy="62088"/>
-              </a:xfrm>
-              <a:prstGeom prst="ellipse">
-                <a:avLst/>
-              </a:prstGeom>
+            </a:ln>
+          </p:spPr>
+          <p:style>
+            <a:lnRef idx="2">
+              <a:schemeClr val="accent1">
+                <a:shade val="50000"/>
+              </a:schemeClr>
+            </a:lnRef>
+            <a:fillRef idx="1">
+              <a:schemeClr val="accent1"/>
+            </a:fillRef>
+            <a:effectRef idx="0">
+              <a:schemeClr val="accent1"/>
+            </a:effectRef>
+            <a:fontRef idx="minor">
+              <a:schemeClr val="lt1"/>
+            </a:fontRef>
+          </p:style>
+          <p:txBody>
+            <a:bodyPr rtlCol="0" anchor="ctr"/>
+            <a:lstStyle/>
+            <a:p>
+              <a:pPr algn="ctr"/>
+              <a:endParaRPr lang="en-CN"/>
+            </a:p>
+          </p:txBody>
+        </p:sp>
+        <p:sp>
+          <p:nvSpPr>
+            <p:cNvPr id="149" name="Oval 148">
+              <a:extLst>
+                <a:ext uri="{FF2B5EF4-FFF2-40B4-BE49-F238E27FC236}">
+                  <a16:creationId xmlns:a16="http://schemas.microsoft.com/office/drawing/2014/main" id="{7BAEFE4A-6461-1743-8B71-9101E76B68B5}"/>
+                </a:ext>
+              </a:extLst>
+            </p:cNvPr>
+            <p:cNvSpPr/>
+            <p:nvPr/>
+          </p:nvSpPr>
+          <p:spPr>
+            <a:xfrm>
+              <a:off x="5155110" y="2910750"/>
+              <a:ext cx="62088" cy="62088"/>
+            </a:xfrm>
+            <a:prstGeom prst="ellipse">
+              <a:avLst/>
+            </a:prstGeom>
+            <a:solidFill>
+              <a:schemeClr val="tx1"/>
+            </a:solidFill>
+            <a:ln>
               <a:solidFill>
                 <a:schemeClr val="tx1"/>
               </a:solidFill>
-              <a:ln>
-                <a:solidFill>
-                  <a:schemeClr val="tx1"/>
-                </a:solidFill>
-              </a:ln>
-            </p:spPr>
-            <p:style>
-              <a:lnRef idx="2">
-                <a:schemeClr val="accent1">
-                  <a:shade val="50000"/>
-                </a:schemeClr>
-              </a:lnRef>
-              <a:fillRef idx="1">
-                <a:schemeClr val="accent1"/>
-              </a:fillRef>
-              <a:effectRef idx="0">
-                <a:schemeClr val="accent1"/>
-              </a:effectRef>
-              <a:fontRef idx="minor">
-                <a:schemeClr val="lt1"/>
-              </a:fontRef>
-            </p:style>
-            <p:txBody>
-              <a:bodyPr rtlCol="0" anchor="ctr"/>
-              <a:lstStyle/>
-              <a:p>
-                <a:pPr algn="ctr"/>
-                <a:endParaRPr lang="en-CN"/>
-              </a:p>
-            </p:txBody>
-          </p:sp>
-          <p:sp>
-            <p:nvSpPr>
-              <p:cNvPr id="150" name="Oval 149">
-                <a:extLst>
-                  <a:ext uri="{FF2B5EF4-FFF2-40B4-BE49-F238E27FC236}">
-                    <a16:creationId xmlns:a16="http://schemas.microsoft.com/office/drawing/2014/main" id="{11785D17-33FA-E045-9672-567E78446314}"/>
-                  </a:ext>
-                </a:extLst>
-              </p:cNvPr>
-              <p:cNvSpPr/>
-              <p:nvPr/>
-            </p:nvSpPr>
-            <p:spPr>
-              <a:xfrm>
-                <a:off x="5760836" y="2490930"/>
-                <a:ext cx="62088" cy="62088"/>
-              </a:xfrm>
-              <a:prstGeom prst="ellipse">
-                <a:avLst/>
-              </a:prstGeom>
+            </a:ln>
+          </p:spPr>
+          <p:style>
+            <a:lnRef idx="2">
+              <a:schemeClr val="accent1">
+                <a:shade val="50000"/>
+              </a:schemeClr>
+            </a:lnRef>
+            <a:fillRef idx="1">
+              <a:schemeClr val="accent1"/>
+            </a:fillRef>
+            <a:effectRef idx="0">
+              <a:schemeClr val="accent1"/>
+            </a:effectRef>
+            <a:fontRef idx="minor">
+              <a:schemeClr val="lt1"/>
+            </a:fontRef>
+          </p:style>
+          <p:txBody>
+            <a:bodyPr rtlCol="0" anchor="ctr"/>
+            <a:lstStyle/>
+            <a:p>
+              <a:pPr algn="ctr"/>
+              <a:endParaRPr lang="en-CN"/>
+            </a:p>
+          </p:txBody>
+        </p:sp>
+        <p:sp>
+          <p:nvSpPr>
+            <p:cNvPr id="150" name="Oval 149">
+              <a:extLst>
+                <a:ext uri="{FF2B5EF4-FFF2-40B4-BE49-F238E27FC236}">
+                  <a16:creationId xmlns:a16="http://schemas.microsoft.com/office/drawing/2014/main" id="{11785D17-33FA-E045-9672-567E78446314}"/>
+                </a:ext>
+              </a:extLst>
+            </p:cNvPr>
+            <p:cNvSpPr/>
+            <p:nvPr/>
+          </p:nvSpPr>
+          <p:spPr>
+            <a:xfrm>
+              <a:off x="5418141" y="2221919"/>
+              <a:ext cx="62088" cy="62088"/>
+            </a:xfrm>
+            <a:prstGeom prst="ellipse">
+              <a:avLst/>
+            </a:prstGeom>
+            <a:solidFill>
+              <a:schemeClr val="tx1"/>
+            </a:solidFill>
+            <a:ln>
               <a:solidFill>
                 <a:schemeClr val="tx1"/>
               </a:solidFill>
-              <a:ln>
-                <a:solidFill>
-                  <a:schemeClr val="tx1"/>
-                </a:solidFill>
-              </a:ln>
-            </p:spPr>
-            <p:style>
-              <a:lnRef idx="2">
-                <a:schemeClr val="accent1">
-                  <a:shade val="50000"/>
-                </a:schemeClr>
-              </a:lnRef>
-              <a:fillRef idx="1">
-                <a:schemeClr val="accent1"/>
-              </a:fillRef>
-              <a:effectRef idx="0">
-                <a:schemeClr val="accent1"/>
-              </a:effectRef>
-              <a:fontRef idx="minor">
-                <a:schemeClr val="lt1"/>
-              </a:fontRef>
-            </p:style>
-            <p:txBody>
-              <a:bodyPr rtlCol="0" anchor="ctr"/>
-              <a:lstStyle/>
-              <a:p>
-                <a:pPr algn="ctr"/>
-                <a:endParaRPr lang="en-CN"/>
-              </a:p>
-            </p:txBody>
-          </p:sp>
-        </p:grpSp>
+            </a:ln>
+          </p:spPr>
+          <p:style>
+            <a:lnRef idx="2">
+              <a:schemeClr val="accent1">
+                <a:shade val="50000"/>
+              </a:schemeClr>
+            </a:lnRef>
+            <a:fillRef idx="1">
+              <a:schemeClr val="accent1"/>
+            </a:fillRef>
+            <a:effectRef idx="0">
+              <a:schemeClr val="accent1"/>
+            </a:effectRef>
+            <a:fontRef idx="minor">
+              <a:schemeClr val="lt1"/>
+            </a:fontRef>
+          </p:style>
+          <p:txBody>
+            <a:bodyPr rtlCol="0" anchor="ctr"/>
+            <a:lstStyle/>
+            <a:p>
+              <a:pPr algn="ctr"/>
+              <a:endParaRPr lang="en-CN"/>
+            </a:p>
+          </p:txBody>
+        </p:sp>
         <p:sp>
           <p:nvSpPr>
             <p:cNvPr id="156" name="TextBox 155">
@@ -14997,8 +14976,8 @@
             </a:p>
           </p:txBody>
         </p:sp>
-        <mc:AlternateContent xmlns:mc="http://schemas.openxmlformats.org/markup-compatibility/2006" xmlns:a14="http://schemas.microsoft.com/office/drawing/2010/main">
-          <mc:Choice Requires="a14">
+        <mc:AlternateContent xmlns:mc="http://schemas.openxmlformats.org/markup-compatibility/2006">
+          <mc:Choice xmlns:a14="http://schemas.microsoft.com/office/drawing/2010/main" Requires="a14">
             <p:sp>
               <p:nvSpPr>
                 <p:cNvPr id="224" name="TextBox 223">
@@ -15158,7 +15137,7 @@
               </p:txBody>
             </p:sp>
           </mc:Choice>
-          <mc:Fallback xmlns="">
+          <mc:Fallback>
             <p:sp>
               <p:nvSpPr>
                 <p:cNvPr id="224" name="TextBox 223">
@@ -15217,8 +15196,8 @@
           </p:nvSpPr>
           <p:spPr>
             <a:xfrm>
-              <a:off x="9913015" y="3974326"/>
-              <a:ext cx="1461950" cy="551456"/>
+              <a:off x="9913015" y="3996390"/>
+              <a:ext cx="1461950" cy="470865"/>
             </a:xfrm>
             <a:prstGeom prst="roundRect">
               <a:avLst>
@@ -15281,7 +15260,7 @@
           </p:nvSpPr>
           <p:spPr>
             <a:xfrm>
-              <a:off x="10448110" y="4098048"/>
+              <a:off x="10364475" y="4073636"/>
               <a:ext cx="926855" cy="307777"/>
             </a:xfrm>
             <a:prstGeom prst="rect">
@@ -15356,7 +15335,7 @@
           </p:nvSpPr>
           <p:spPr>
             <a:xfrm>
-              <a:off x="10057720" y="4084986"/>
+              <a:off x="9996650" y="4071402"/>
               <a:ext cx="320839" cy="320839"/>
             </a:xfrm>
             <a:prstGeom prst="ellipse">
@@ -15435,7 +15414,7 @@
           </p:nvCxnSpPr>
           <p:spPr>
             <a:xfrm flipH="1" flipV="1">
-              <a:off x="10104706" y="4131972"/>
+              <a:off x="10043636" y="4118388"/>
               <a:ext cx="226867" cy="226867"/>
             </a:xfrm>
             <a:prstGeom prst="straightConnector1">
@@ -15473,7 +15452,7 @@
           </p:nvCxnSpPr>
           <p:spPr>
             <a:xfrm flipV="1">
-              <a:off x="10104706" y="4131972"/>
+              <a:off x="10043636" y="4118388"/>
               <a:ext cx="226867" cy="226867"/>
             </a:xfrm>
             <a:prstGeom prst="straightConnector1">
